--- a/ELECTRONIQUE/IMAGES/Schemas.pptx
+++ b/ELECTRONIQUE/IMAGES/Schemas.pptx
@@ -5,14 +5,15 @@
     <p:sldMasterId id="2147484222" r:id="rId1"/>
   </p:sldMasterIdLst>
   <p:notesMasterIdLst>
-    <p:notesMasterId r:id="rId4"/>
+    <p:notesMasterId r:id="rId5"/>
   </p:notesMasterIdLst>
   <p:handoutMasterIdLst>
-    <p:handoutMasterId r:id="rId5"/>
+    <p:handoutMasterId r:id="rId6"/>
   </p:handoutMasterIdLst>
   <p:sldIdLst>
     <p:sldId id="527" r:id="rId2"/>
     <p:sldId id="528" r:id="rId3"/>
+    <p:sldId id="529" r:id="rId4"/>
   </p:sldIdLst>
   <p:sldSz cx="9144000" cy="6858000" type="screen4x3"/>
   <p:notesSz cx="6797675" cy="9926638"/>
@@ -207,12 +208,17 @@
   <p:extLst>
     <p:ext uri="{EFAFB233-063F-42B5-8137-9DF3F51BA10A}">
       <p15:sldGuideLst xmlns:p15="http://schemas.microsoft.com/office/powerpoint/2012/main">
-        <p15:guide id="1" orient="horz" pos="999">
+        <p15:guide id="1" orient="horz" pos="2840" userDrawn="1">
           <p15:clr>
             <a:srgbClr val="A4A3A4"/>
           </p15:clr>
         </p15:guide>
         <p15:guide id="2" pos="2775">
+          <p15:clr>
+            <a:srgbClr val="A4A3A4"/>
+          </p15:clr>
+        </p15:guide>
+        <p15:guide id="3" pos="1406" userDrawn="1">
           <p15:clr>
             <a:srgbClr val="A4A3A4"/>
           </p15:clr>
@@ -328,7 +334,7 @@
               <a:pPr>
                 <a:defRPr/>
               </a:pPr>
-              <a:t>03/10/2024</a:t>
+              <a:t>18/10/2024</a:t>
             </a:fld>
             <a:endParaRPr lang="fr-FR"/>
           </a:p>
@@ -923,7 +929,7 @@
             <a:fld id="{365EAE7C-6C5B-41CD-BAD8-09323DC88F6D}" type="datetime8">
               <a:rPr lang="fr-FR" smtClean="0"/>
               <a:pPr/>
-              <a:t>03/10/2024 09:26</a:t>
+              <a:t>18/10/2024 06:50</a:t>
             </a:fld>
             <a:endParaRPr lang="fr-FR"/>
           </a:p>
@@ -1122,7 +1128,7 @@
             <a:fld id="{80ADAFC8-E58E-40F9-B663-9F56451821D1}" type="datetime8">
               <a:rPr lang="fr-FR" smtClean="0"/>
               <a:pPr/>
-              <a:t>03/10/2024 09:26</a:t>
+              <a:t>18/10/2024 06:50</a:t>
             </a:fld>
             <a:endParaRPr lang="fr-FR"/>
           </a:p>
@@ -1251,7 +1257,7 @@
             <a:fld id="{27CF4C7D-0BF8-4175-ABDC-B527910D61EE}" type="datetime8">
               <a:rPr lang="fr-FR" smtClean="0"/>
               <a:pPr/>
-              <a:t>03/10/2024 09:26</a:t>
+              <a:t>18/10/2024 06:50</a:t>
             </a:fld>
             <a:endParaRPr lang="fr-FR"/>
           </a:p>
@@ -1451,7 +1457,7 @@
             <a:fld id="{FFD76516-F1CB-4547-BCD9-750F24D75B14}" type="datetime8">
               <a:rPr lang="fr-FR" smtClean="0"/>
               <a:pPr/>
-              <a:t>03/10/2024 09:26</a:t>
+              <a:t>18/10/2024 06:50</a:t>
             </a:fld>
             <a:endParaRPr lang="fr-FR"/>
           </a:p>
@@ -1718,7 +1724,7 @@
             <a:fld id="{DCCA0A29-E4CE-41CE-97A0-9AC6848D0399}" type="datetime8">
               <a:rPr lang="fr-FR" smtClean="0"/>
               <a:pPr/>
-              <a:t>03/10/2024 09:26</a:t>
+              <a:t>18/10/2024 06:50</a:t>
             </a:fld>
             <a:endParaRPr lang="fr-FR" dirty="0"/>
           </a:p>
@@ -2067,7 +2073,7 @@
             <a:fld id="{BBDF3BB5-99CC-43F1-B038-57FA1B31A3ED}" type="datetime8">
               <a:rPr lang="fr-FR" smtClean="0"/>
               <a:pPr/>
-              <a:t>03/10/2024 09:26</a:t>
+              <a:t>18/10/2024 06:50</a:t>
             </a:fld>
             <a:endParaRPr lang="fr-FR"/>
           </a:p>
@@ -2321,7 +2327,7 @@
             <a:fld id="{AFA6468B-3BBE-4926-A82A-2522BDA4C876}" type="datetime8">
               <a:rPr lang="fr-FR" smtClean="0"/>
               <a:pPr/>
-              <a:t>03/10/2024 09:26</a:t>
+              <a:t>18/10/2024 06:50</a:t>
             </a:fld>
             <a:endParaRPr lang="fr-FR"/>
           </a:p>
@@ -2723,7 +2729,7 @@
             <a:fld id="{802532EB-A128-4E3D-A83F-28D3FC555FCD}" type="datetime8">
               <a:rPr lang="fr-FR" smtClean="0"/>
               <a:pPr/>
-              <a:t>03/10/2024 09:26</a:t>
+              <a:t>18/10/2024 06:50</a:t>
             </a:fld>
             <a:endParaRPr lang="fr-FR" dirty="0"/>
           </a:p>
@@ -3273,7 +3279,7 @@
             <a:fld id="{80ADAFC8-E58E-40F9-B663-9F56451821D1}" type="datetime8">
               <a:rPr lang="fr-FR" smtClean="0"/>
               <a:pPr/>
-              <a:t>03/10/2024 10:12</a:t>
+              <a:t>18/10/2024 06:50</a:t>
             </a:fld>
             <a:endParaRPr lang="fr-FR"/>
           </a:p>
@@ -7739,7 +7745,7 @@
             <a:fld id="{80ADAFC8-E58E-40F9-B663-9F56451821D1}" type="datetime8">
               <a:rPr lang="fr-FR" smtClean="0"/>
               <a:pPr/>
-              <a:t>03/10/2024 10:39</a:t>
+              <a:t>18/10/2024 07:24</a:t>
             </a:fld>
             <a:endParaRPr lang="fr-FR"/>
           </a:p>
@@ -10413,7 +10419,7 @@
                 <a:defRPr/>
               </a:pPr>
               <a:r>
-                <a:rPr lang="fr-FR" sz="1800" i="1">
+                <a:rPr lang="fr-FR" sz="1800" i="1" dirty="0">
                   <a:solidFill>
                     <a:srgbClr val="000000"/>
                   </a:solidFill>
@@ -10422,7 +10428,7 @@
                 </a:rPr>
                 <a:t>Rc</a:t>
               </a:r>
-              <a:endParaRPr lang="fr-FR" sz="1800">
+              <a:endParaRPr lang="fr-FR" sz="1800" dirty="0">
                 <a:effectLst>
                   <a:outerShdw blurRad="38100" dist="38100" dir="2700000" algn="tl">
                     <a:srgbClr val="000000"/>
@@ -11873,7 +11879,7 @@
             <a:graphicData uri="http://schemas.openxmlformats.org/presentationml/2006/ole">
               <mc:AlternateContent xmlns:mc="http://schemas.openxmlformats.org/markup-compatibility/2006">
                 <mc:Choice xmlns:v="urn:schemas-microsoft-com:vml" Requires="v">
-                  <p:oleObj spid="_x0000_s332804" name="Équation" r:id="rId3" imgW="1066680" imgH="431640" progId="Equation.3">
+                  <p:oleObj spid="_x0000_s332812" name="Équation" r:id="rId3" imgW="1066680" imgH="431640" progId="Equation.3">
                     <p:embed/>
                   </p:oleObj>
                 </mc:Choice>
@@ -11950,7 +11956,7 @@
             <a:graphicData uri="http://schemas.openxmlformats.org/presentationml/2006/ole">
               <mc:AlternateContent xmlns:mc="http://schemas.openxmlformats.org/markup-compatibility/2006">
                 <mc:Choice xmlns:v="urn:schemas-microsoft-com:vml" Requires="v">
-                  <p:oleObj spid="_x0000_s332805" name="Équation" r:id="rId5" imgW="914400" imgH="431640" progId="Equation.3">
+                  <p:oleObj spid="_x0000_s332813" name="Équation" r:id="rId5" imgW="914400" imgH="431640" progId="Equation.3">
                     <p:embed/>
                   </p:oleObj>
                 </mc:Choice>
@@ -12006,10 +12012,4407 @@
           </a:graphic>
         </p:graphicFrame>
       </p:grpSp>
+      <p:sp>
+        <p:nvSpPr>
+          <p:cNvPr id="92" name="Freeform 9">
+            <a:extLst>
+              <a:ext uri="{FF2B5EF4-FFF2-40B4-BE49-F238E27FC236}">
+                <a16:creationId xmlns:a16="http://schemas.microsoft.com/office/drawing/2014/main" id="{FA1EF838-637A-47B8-A1E1-99F199319A9B}"/>
+              </a:ext>
+            </a:extLst>
+          </p:cNvPr>
+          <p:cNvSpPr>
+            <a:spLocks/>
+          </p:cNvSpPr>
+          <p:nvPr/>
+        </p:nvSpPr>
+        <p:spPr bwMode="auto">
+          <a:xfrm>
+            <a:off x="2238003" y="4598298"/>
+            <a:ext cx="1182102" cy="1004888"/>
+          </a:xfrm>
+          <a:custGeom>
+            <a:avLst/>
+            <a:gdLst/>
+            <a:ahLst/>
+            <a:cxnLst>
+              <a:cxn ang="0">
+                <a:pos x="537" y="633"/>
+              </a:cxn>
+              <a:cxn ang="0">
+                <a:pos x="537" y="0"/>
+              </a:cxn>
+              <a:cxn ang="0">
+                <a:pos x="0" y="0"/>
+              </a:cxn>
+            </a:cxnLst>
+            <a:rect l="0" t="0" r="r" b="b"/>
+            <a:pathLst>
+              <a:path w="537" h="633">
+                <a:moveTo>
+                  <a:pt x="537" y="633"/>
+                </a:moveTo>
+                <a:lnTo>
+                  <a:pt x="537" y="0"/>
+                </a:lnTo>
+                <a:lnTo>
+                  <a:pt x="0" y="0"/>
+                </a:lnTo>
+              </a:path>
+            </a:pathLst>
+          </a:custGeom>
+          <a:noFill/>
+          <a:ln w="25400">
+            <a:solidFill>
+              <a:srgbClr val="FF0000"/>
+            </a:solidFill>
+            <a:prstDash val="solid"/>
+            <a:round/>
+            <a:headEnd/>
+            <a:tailEnd/>
+          </a:ln>
+          <a:effectLst/>
+        </p:spPr>
+        <p:txBody>
+          <a:bodyPr/>
+          <a:lstStyle/>
+          <a:p>
+            <a:pPr>
+              <a:defRPr/>
+            </a:pPr>
+            <a:endParaRPr lang="fr-FR" sz="2000">
+              <a:latin typeface="+mn-lt"/>
+            </a:endParaRPr>
+          </a:p>
+        </p:txBody>
+      </p:sp>
+      <p:sp>
+        <p:nvSpPr>
+          <p:cNvPr id="93" name="Line 10">
+            <a:extLst>
+              <a:ext uri="{FF2B5EF4-FFF2-40B4-BE49-F238E27FC236}">
+                <a16:creationId xmlns:a16="http://schemas.microsoft.com/office/drawing/2014/main" id="{2CC4EECC-8AB2-46D1-9CD7-14F956FE7C65}"/>
+              </a:ext>
+            </a:extLst>
+          </p:cNvPr>
+          <p:cNvSpPr>
+            <a:spLocks noChangeShapeType="1"/>
+          </p:cNvSpPr>
+          <p:nvPr/>
+        </p:nvSpPr>
+        <p:spPr bwMode="auto">
+          <a:xfrm>
+            <a:off x="2316406" y="5603185"/>
+            <a:ext cx="1116000" cy="0"/>
+          </a:xfrm>
+          <a:prstGeom prst="line">
+            <a:avLst/>
+          </a:prstGeom>
+          <a:noFill/>
+          <a:ln w="25400">
+            <a:solidFill>
+              <a:srgbClr val="FF0000"/>
+            </a:solidFill>
+            <a:round/>
+            <a:headEnd/>
+            <a:tailEnd/>
+          </a:ln>
+          <a:effectLst/>
+        </p:spPr>
+        <p:txBody>
+          <a:bodyPr/>
+          <a:lstStyle/>
+          <a:p>
+            <a:pPr>
+              <a:defRPr/>
+            </a:pPr>
+            <a:endParaRPr lang="fr-FR" sz="2000">
+              <a:latin typeface="+mn-lt"/>
+            </a:endParaRPr>
+          </a:p>
+        </p:txBody>
+      </p:sp>
+      <p:sp>
+        <p:nvSpPr>
+          <p:cNvPr id="94" name="Freeform 17">
+            <a:extLst>
+              <a:ext uri="{FF2B5EF4-FFF2-40B4-BE49-F238E27FC236}">
+                <a16:creationId xmlns:a16="http://schemas.microsoft.com/office/drawing/2014/main" id="{12C8DD7B-1449-4447-97C6-269BC229BB6C}"/>
+              </a:ext>
+            </a:extLst>
+          </p:cNvPr>
+          <p:cNvSpPr>
+            <a:spLocks/>
+          </p:cNvSpPr>
+          <p:nvPr/>
+        </p:nvSpPr>
+        <p:spPr bwMode="auto">
+          <a:xfrm>
+            <a:off x="2510565" y="4546704"/>
+            <a:ext cx="95250" cy="101600"/>
+          </a:xfrm>
+          <a:custGeom>
+            <a:avLst/>
+            <a:gdLst/>
+            <a:ahLst/>
+            <a:cxnLst>
+              <a:cxn ang="0">
+                <a:pos x="60" y="32"/>
+              </a:cxn>
+              <a:cxn ang="0">
+                <a:pos x="0" y="0"/>
+              </a:cxn>
+              <a:cxn ang="0">
+                <a:pos x="0" y="64"/>
+              </a:cxn>
+              <a:cxn ang="0">
+                <a:pos x="60" y="32"/>
+              </a:cxn>
+            </a:cxnLst>
+            <a:rect l="0" t="0" r="r" b="b"/>
+            <a:pathLst>
+              <a:path w="60" h="64">
+                <a:moveTo>
+                  <a:pt x="60" y="32"/>
+                </a:moveTo>
+                <a:lnTo>
+                  <a:pt x="0" y="0"/>
+                </a:lnTo>
+                <a:lnTo>
+                  <a:pt x="0" y="64"/>
+                </a:lnTo>
+                <a:lnTo>
+                  <a:pt x="60" y="32"/>
+                </a:lnTo>
+                <a:close/>
+              </a:path>
+            </a:pathLst>
+          </a:custGeom>
+          <a:solidFill>
+            <a:srgbClr val="FF0000"/>
+          </a:solidFill>
+          <a:ln w="25400">
+            <a:solidFill>
+              <a:srgbClr val="FF0000"/>
+            </a:solidFill>
+            <a:prstDash val="solid"/>
+            <a:round/>
+            <a:headEnd/>
+            <a:tailEnd/>
+          </a:ln>
+          <a:effectLst/>
+        </p:spPr>
+        <p:txBody>
+          <a:bodyPr/>
+          <a:lstStyle/>
+          <a:p>
+            <a:pPr>
+              <a:defRPr/>
+            </a:pPr>
+            <a:endParaRPr lang="fr-FR" sz="2000">
+              <a:latin typeface="+mn-lt"/>
+            </a:endParaRPr>
+          </a:p>
+        </p:txBody>
+      </p:sp>
+      <p:sp>
+        <p:nvSpPr>
+          <p:cNvPr id="95" name="Oval 19">
+            <a:extLst>
+              <a:ext uri="{FF2B5EF4-FFF2-40B4-BE49-F238E27FC236}">
+                <a16:creationId xmlns:a16="http://schemas.microsoft.com/office/drawing/2014/main" id="{030FD04D-B5C9-4CC8-876F-BA61D5CD86C7}"/>
+              </a:ext>
+            </a:extLst>
+          </p:cNvPr>
+          <p:cNvSpPr>
+            <a:spLocks noChangeArrowheads="1"/>
+          </p:cNvSpPr>
+          <p:nvPr/>
+        </p:nvSpPr>
+        <p:spPr bwMode="auto">
+          <a:xfrm>
+            <a:off x="2246189" y="4572898"/>
+            <a:ext cx="57150" cy="49213"/>
+          </a:xfrm>
+          <a:prstGeom prst="ellipse">
+            <a:avLst/>
+          </a:prstGeom>
+          <a:solidFill>
+            <a:srgbClr val="000000"/>
+          </a:solidFill>
+          <a:ln w="25400">
+            <a:solidFill>
+              <a:srgbClr val="000000"/>
+            </a:solidFill>
+            <a:round/>
+            <a:headEnd/>
+            <a:tailEnd/>
+          </a:ln>
+          <a:effectLst/>
+        </p:spPr>
+        <p:txBody>
+          <a:bodyPr/>
+          <a:lstStyle/>
+          <a:p>
+            <a:pPr>
+              <a:defRPr/>
+            </a:pPr>
+            <a:endParaRPr lang="fr-FR" sz="2000">
+              <a:latin typeface="+mn-lt"/>
+            </a:endParaRPr>
+          </a:p>
+        </p:txBody>
+      </p:sp>
+      <p:sp>
+        <p:nvSpPr>
+          <p:cNvPr id="96" name="Rectangle 95">
+            <a:extLst>
+              <a:ext uri="{FF2B5EF4-FFF2-40B4-BE49-F238E27FC236}">
+                <a16:creationId xmlns:a16="http://schemas.microsoft.com/office/drawing/2014/main" id="{D6CA1224-F8A5-44F6-93D3-177210B0988B}"/>
+              </a:ext>
+            </a:extLst>
+          </p:cNvPr>
+          <p:cNvSpPr>
+            <a:spLocks noChangeArrowheads="1"/>
+          </p:cNvSpPr>
+          <p:nvPr/>
+        </p:nvSpPr>
+        <p:spPr bwMode="auto">
+          <a:xfrm>
+            <a:off x="2221305" y="4290938"/>
+            <a:ext cx="139462" cy="307777"/>
+          </a:xfrm>
+          <a:prstGeom prst="rect">
+            <a:avLst/>
+          </a:prstGeom>
+          <a:noFill/>
+          <a:ln w="25400">
+            <a:noFill/>
+            <a:miter lim="800000"/>
+            <a:headEnd/>
+            <a:tailEnd/>
+          </a:ln>
+          <a:effectLst/>
+        </p:spPr>
+        <p:txBody>
+          <a:bodyPr wrap="none" lIns="0" tIns="0" rIns="0" bIns="0">
+            <a:spAutoFit/>
+          </a:bodyPr>
+          <a:lstStyle/>
+          <a:p>
+            <a:pPr>
+              <a:defRPr/>
+            </a:pPr>
+            <a:r>
+              <a:rPr lang="fr-FR" sz="2000" dirty="0">
+                <a:solidFill>
+                  <a:srgbClr val="FF0000"/>
+                </a:solidFill>
+                <a:effectLst/>
+                <a:latin typeface="+mn-lt"/>
+              </a:rPr>
+              <a:t>B</a:t>
+            </a:r>
+            <a:endParaRPr lang="fr-FR" sz="2000" dirty="0">
+              <a:solidFill>
+                <a:srgbClr val="FF0000"/>
+              </a:solidFill>
+              <a:effectLst>
+                <a:outerShdw blurRad="38100" dist="38100" dir="2700000" algn="tl">
+                  <a:srgbClr val="000000"/>
+                </a:outerShdw>
+              </a:effectLst>
+              <a:latin typeface="+mn-lt"/>
+            </a:endParaRPr>
+          </a:p>
+        </p:txBody>
+      </p:sp>
+      <p:sp>
+        <p:nvSpPr>
+          <p:cNvPr id="97" name="Oval 22">
+            <a:extLst>
+              <a:ext uri="{FF2B5EF4-FFF2-40B4-BE49-F238E27FC236}">
+                <a16:creationId xmlns:a16="http://schemas.microsoft.com/office/drawing/2014/main" id="{AD4E3D68-80CD-4715-9547-B5E887AB2628}"/>
+              </a:ext>
+            </a:extLst>
+          </p:cNvPr>
+          <p:cNvSpPr>
+            <a:spLocks noChangeArrowheads="1"/>
+          </p:cNvSpPr>
+          <p:nvPr/>
+        </p:nvSpPr>
+        <p:spPr bwMode="auto">
+          <a:xfrm>
+            <a:off x="2253468" y="5577785"/>
+            <a:ext cx="57150" cy="49213"/>
+          </a:xfrm>
+          <a:prstGeom prst="ellipse">
+            <a:avLst/>
+          </a:prstGeom>
+          <a:solidFill>
+            <a:srgbClr val="000000"/>
+          </a:solidFill>
+          <a:ln w="25400">
+            <a:solidFill>
+              <a:srgbClr val="000000"/>
+            </a:solidFill>
+            <a:round/>
+            <a:headEnd/>
+            <a:tailEnd/>
+          </a:ln>
+          <a:effectLst/>
+        </p:spPr>
+        <p:txBody>
+          <a:bodyPr/>
+          <a:lstStyle/>
+          <a:p>
+            <a:pPr>
+              <a:defRPr/>
+            </a:pPr>
+            <a:endParaRPr lang="fr-FR" sz="2000">
+              <a:latin typeface="+mn-lt"/>
+            </a:endParaRPr>
+          </a:p>
+        </p:txBody>
+      </p:sp>
+      <p:sp>
+        <p:nvSpPr>
+          <p:cNvPr id="98" name="Rectangle 97">
+            <a:extLst>
+              <a:ext uri="{FF2B5EF4-FFF2-40B4-BE49-F238E27FC236}">
+                <a16:creationId xmlns:a16="http://schemas.microsoft.com/office/drawing/2014/main" id="{3FDB978E-EBF5-4251-ABB7-28458D77894E}"/>
+              </a:ext>
+            </a:extLst>
+          </p:cNvPr>
+          <p:cNvSpPr>
+            <a:spLocks noChangeArrowheads="1"/>
+          </p:cNvSpPr>
+          <p:nvPr/>
+        </p:nvSpPr>
+        <p:spPr bwMode="auto">
+          <a:xfrm>
+            <a:off x="2225730" y="5594372"/>
+            <a:ext cx="125034" cy="307777"/>
+          </a:xfrm>
+          <a:prstGeom prst="rect">
+            <a:avLst/>
+          </a:prstGeom>
+          <a:noFill/>
+          <a:ln w="25400">
+            <a:noFill/>
+            <a:miter lim="800000"/>
+            <a:headEnd/>
+            <a:tailEnd/>
+          </a:ln>
+          <a:effectLst/>
+        </p:spPr>
+        <p:txBody>
+          <a:bodyPr wrap="none" lIns="0" tIns="0" rIns="0" bIns="0">
+            <a:spAutoFit/>
+          </a:bodyPr>
+          <a:lstStyle/>
+          <a:p>
+            <a:pPr>
+              <a:defRPr/>
+            </a:pPr>
+            <a:r>
+              <a:rPr lang="fr-FR" sz="2000" dirty="0">
+                <a:solidFill>
+                  <a:srgbClr val="FF0000"/>
+                </a:solidFill>
+                <a:effectLst/>
+                <a:latin typeface="+mn-lt"/>
+              </a:rPr>
+              <a:t>E</a:t>
+            </a:r>
+            <a:endParaRPr lang="fr-FR" sz="2000" dirty="0">
+              <a:solidFill>
+                <a:srgbClr val="FF0000"/>
+              </a:solidFill>
+              <a:effectLst>
+                <a:outerShdw blurRad="38100" dist="38100" dir="2700000" algn="tl">
+                  <a:srgbClr val="000000"/>
+                </a:outerShdw>
+              </a:effectLst>
+              <a:latin typeface="+mn-lt"/>
+            </a:endParaRPr>
+          </a:p>
+        </p:txBody>
+      </p:sp>
+      <p:sp>
+        <p:nvSpPr>
+          <p:cNvPr id="99" name="Rectangle 98">
+            <a:extLst>
+              <a:ext uri="{FF2B5EF4-FFF2-40B4-BE49-F238E27FC236}">
+                <a16:creationId xmlns:a16="http://schemas.microsoft.com/office/drawing/2014/main" id="{4EA72BE8-F560-45B1-A5BD-2999AEBB1048}"/>
+              </a:ext>
+            </a:extLst>
+          </p:cNvPr>
+          <p:cNvSpPr>
+            <a:spLocks noChangeArrowheads="1"/>
+          </p:cNvSpPr>
+          <p:nvPr/>
+        </p:nvSpPr>
+        <p:spPr bwMode="auto">
+          <a:xfrm>
+            <a:off x="3029579" y="4941198"/>
+            <a:ext cx="304571" cy="307777"/>
+          </a:xfrm>
+          <a:prstGeom prst="rect">
+            <a:avLst/>
+          </a:prstGeom>
+          <a:noFill/>
+          <a:ln w="25400">
+            <a:noFill/>
+            <a:miter lim="800000"/>
+            <a:headEnd/>
+            <a:tailEnd/>
+          </a:ln>
+          <a:effectLst/>
+        </p:spPr>
+        <p:txBody>
+          <a:bodyPr wrap="none" lIns="0" tIns="0" rIns="0" bIns="0">
+            <a:spAutoFit/>
+          </a:bodyPr>
+          <a:lstStyle/>
+          <a:p>
+            <a:pPr>
+              <a:defRPr/>
+            </a:pPr>
+            <a:r>
+              <a:rPr lang="fr-FR" sz="2000" i="1" dirty="0">
+                <a:solidFill>
+                  <a:srgbClr val="FF0000"/>
+                </a:solidFill>
+                <a:effectLst/>
+                <a:latin typeface="+mn-lt"/>
+              </a:rPr>
+              <a:t>h</a:t>
+            </a:r>
+            <a:r>
+              <a:rPr lang="fr-FR" sz="2000" i="1" baseline="-25000" dirty="0">
+                <a:solidFill>
+                  <a:srgbClr val="FF0000"/>
+                </a:solidFill>
+                <a:effectLst/>
+                <a:latin typeface="+mn-lt"/>
+              </a:rPr>
+              <a:t>11</a:t>
+            </a:r>
+            <a:endParaRPr lang="fr-FR" sz="2000" baseline="-25000" dirty="0">
+              <a:solidFill>
+                <a:srgbClr val="FF0000"/>
+              </a:solidFill>
+              <a:effectLst>
+                <a:outerShdw blurRad="38100" dist="38100" dir="2700000" algn="tl">
+                  <a:srgbClr val="000000"/>
+                </a:outerShdw>
+              </a:effectLst>
+              <a:latin typeface="+mn-lt"/>
+            </a:endParaRPr>
+          </a:p>
+        </p:txBody>
+      </p:sp>
+      <p:sp>
+        <p:nvSpPr>
+          <p:cNvPr id="100" name="Rectangle 99">
+            <a:extLst>
+              <a:ext uri="{FF2B5EF4-FFF2-40B4-BE49-F238E27FC236}">
+                <a16:creationId xmlns:a16="http://schemas.microsoft.com/office/drawing/2014/main" id="{3687ED8C-B809-4AB7-B694-A67862DD42BB}"/>
+              </a:ext>
+            </a:extLst>
+          </p:cNvPr>
+          <p:cNvSpPr>
+            <a:spLocks noChangeArrowheads="1"/>
+          </p:cNvSpPr>
+          <p:nvPr/>
+        </p:nvSpPr>
+        <p:spPr bwMode="auto">
+          <a:xfrm>
+            <a:off x="2460514" y="4209791"/>
+            <a:ext cx="216000" cy="307777"/>
+          </a:xfrm>
+          <a:prstGeom prst="rect">
+            <a:avLst/>
+          </a:prstGeom>
+          <a:noFill/>
+          <a:ln w="25400">
+            <a:noFill/>
+            <a:miter lim="800000"/>
+            <a:headEnd/>
+            <a:tailEnd/>
+          </a:ln>
+          <a:effectLst/>
+        </p:spPr>
+        <p:txBody>
+          <a:bodyPr wrap="square" lIns="0" tIns="0" rIns="0" bIns="0">
+            <a:spAutoFit/>
+          </a:bodyPr>
+          <a:lstStyle/>
+          <a:p>
+            <a:pPr>
+              <a:defRPr/>
+            </a:pPr>
+            <a:r>
+              <a:rPr lang="fr-FR" sz="2000" i="1" dirty="0">
+                <a:solidFill>
+                  <a:srgbClr val="FF0000"/>
+                </a:solidFill>
+                <a:effectLst/>
+                <a:latin typeface="+mn-lt"/>
+              </a:rPr>
+              <a:t>i</a:t>
+            </a:r>
+            <a:r>
+              <a:rPr lang="fr-FR" sz="2000" i="1" baseline="-25000" dirty="0">
+                <a:solidFill>
+                  <a:srgbClr val="FF0000"/>
+                </a:solidFill>
+                <a:effectLst/>
+                <a:latin typeface="+mn-lt"/>
+              </a:rPr>
+              <a:t>e</a:t>
+            </a:r>
+            <a:endParaRPr lang="fr-FR" sz="2000" baseline="-25000" dirty="0">
+              <a:solidFill>
+                <a:srgbClr val="FF0000"/>
+              </a:solidFill>
+              <a:effectLst>
+                <a:outerShdw blurRad="38100" dist="38100" dir="2700000" algn="tl">
+                  <a:srgbClr val="000000"/>
+                </a:outerShdw>
+              </a:effectLst>
+              <a:latin typeface="+mn-lt"/>
+            </a:endParaRPr>
+          </a:p>
+        </p:txBody>
+      </p:sp>
+      <p:sp>
+        <p:nvSpPr>
+          <p:cNvPr id="101" name="Rectangle 100">
+            <a:extLst>
+              <a:ext uri="{FF2B5EF4-FFF2-40B4-BE49-F238E27FC236}">
+                <a16:creationId xmlns:a16="http://schemas.microsoft.com/office/drawing/2014/main" id="{CA9578C3-F762-4641-AA4A-098A07745F6B}"/>
+              </a:ext>
+            </a:extLst>
+          </p:cNvPr>
+          <p:cNvSpPr>
+            <a:spLocks noChangeArrowheads="1"/>
+          </p:cNvSpPr>
+          <p:nvPr/>
+        </p:nvSpPr>
+        <p:spPr bwMode="auto">
+          <a:xfrm>
+            <a:off x="1821051" y="4936247"/>
+            <a:ext cx="157094" cy="246221"/>
+          </a:xfrm>
+          <a:prstGeom prst="rect">
+            <a:avLst/>
+          </a:prstGeom>
+          <a:noFill/>
+          <a:ln w="25400">
+            <a:noFill/>
+            <a:miter lim="800000"/>
+            <a:headEnd/>
+            <a:tailEnd/>
+          </a:ln>
+          <a:effectLst/>
+        </p:spPr>
+        <p:txBody>
+          <a:bodyPr wrap="none" lIns="0" tIns="0" rIns="0" bIns="0">
+            <a:spAutoFit/>
+          </a:bodyPr>
+          <a:lstStyle/>
+          <a:p>
+            <a:pPr>
+              <a:defRPr/>
+            </a:pPr>
+            <a:r>
+              <a:rPr lang="fr-FR" sz="1600" i="1" dirty="0">
+                <a:solidFill>
+                  <a:srgbClr val="0033CC"/>
+                </a:solidFill>
+                <a:effectLst/>
+                <a:latin typeface="+mn-lt"/>
+              </a:rPr>
+              <a:t>v</a:t>
+            </a:r>
+            <a:r>
+              <a:rPr lang="fr-FR" sz="1600" i="1" baseline="-25000" dirty="0">
+                <a:solidFill>
+                  <a:srgbClr val="0033CC"/>
+                </a:solidFill>
+                <a:effectLst/>
+                <a:latin typeface="+mn-lt"/>
+              </a:rPr>
+              <a:t>e</a:t>
+            </a:r>
+            <a:endParaRPr lang="fr-FR" sz="1600" i="1" baseline="-25000" dirty="0">
+              <a:solidFill>
+                <a:srgbClr val="0033CC"/>
+              </a:solidFill>
+              <a:effectLst>
+                <a:outerShdw blurRad="38100" dist="38100" dir="2700000" algn="tl">
+                  <a:srgbClr val="000000"/>
+                </a:outerShdw>
+              </a:effectLst>
+              <a:latin typeface="+mn-lt"/>
+            </a:endParaRPr>
+          </a:p>
+        </p:txBody>
+      </p:sp>
+      <p:sp>
+        <p:nvSpPr>
+          <p:cNvPr id="102" name="Rectangle 101">
+            <a:extLst>
+              <a:ext uri="{FF2B5EF4-FFF2-40B4-BE49-F238E27FC236}">
+                <a16:creationId xmlns:a16="http://schemas.microsoft.com/office/drawing/2014/main" id="{10130861-25F2-4363-B776-8570C1E2209F}"/>
+              </a:ext>
+            </a:extLst>
+          </p:cNvPr>
+          <p:cNvSpPr>
+            <a:spLocks noChangeArrowheads="1"/>
+          </p:cNvSpPr>
+          <p:nvPr/>
+        </p:nvSpPr>
+        <p:spPr bwMode="auto">
+          <a:xfrm>
+            <a:off x="3383592" y="4899923"/>
+            <a:ext cx="95250" cy="403225"/>
+          </a:xfrm>
+          <a:prstGeom prst="rect">
+            <a:avLst/>
+          </a:prstGeom>
+          <a:solidFill>
+            <a:srgbClr val="FFFFFF"/>
+          </a:solidFill>
+          <a:ln w="25400">
+            <a:solidFill>
+              <a:srgbClr val="FF0000"/>
+            </a:solidFill>
+            <a:miter lim="800000"/>
+            <a:headEnd/>
+            <a:tailEnd/>
+          </a:ln>
+          <a:effectLst/>
+        </p:spPr>
+        <p:txBody>
+          <a:bodyPr/>
+          <a:lstStyle/>
+          <a:p>
+            <a:pPr>
+              <a:defRPr/>
+            </a:pPr>
+            <a:endParaRPr lang="fr-FR" sz="2000">
+              <a:latin typeface="+mn-lt"/>
+            </a:endParaRPr>
+          </a:p>
+        </p:txBody>
+      </p:sp>
+      <p:sp>
+        <p:nvSpPr>
+          <p:cNvPr id="103" name="Line 28">
+            <a:extLst>
+              <a:ext uri="{FF2B5EF4-FFF2-40B4-BE49-F238E27FC236}">
+                <a16:creationId xmlns:a16="http://schemas.microsoft.com/office/drawing/2014/main" id="{5605FC70-4D5E-4C8F-AD16-84352B14EE61}"/>
+              </a:ext>
+            </a:extLst>
+          </p:cNvPr>
+          <p:cNvSpPr>
+            <a:spLocks noChangeShapeType="1"/>
+          </p:cNvSpPr>
+          <p:nvPr/>
+        </p:nvSpPr>
+        <p:spPr bwMode="auto">
+          <a:xfrm>
+            <a:off x="2807125" y="4606368"/>
+            <a:ext cx="1417" cy="1008000"/>
+          </a:xfrm>
+          <a:prstGeom prst="line">
+            <a:avLst/>
+          </a:prstGeom>
+          <a:noFill/>
+          <a:ln w="22225">
+            <a:solidFill>
+              <a:srgbClr val="000000"/>
+            </a:solidFill>
+            <a:round/>
+            <a:headEnd/>
+            <a:tailEnd/>
+          </a:ln>
+          <a:effectLst/>
+        </p:spPr>
+        <p:txBody>
+          <a:bodyPr/>
+          <a:lstStyle/>
+          <a:p>
+            <a:pPr>
+              <a:defRPr/>
+            </a:pPr>
+            <a:endParaRPr lang="fr-FR">
+              <a:latin typeface="+mn-lt"/>
+            </a:endParaRPr>
+          </a:p>
+        </p:txBody>
+      </p:sp>
+      <p:sp>
+        <p:nvSpPr>
+          <p:cNvPr id="104" name="Rectangle 27">
+            <a:extLst>
+              <a:ext uri="{FF2B5EF4-FFF2-40B4-BE49-F238E27FC236}">
+                <a16:creationId xmlns:a16="http://schemas.microsoft.com/office/drawing/2014/main" id="{1F119CB5-E61C-4C20-8104-103F0DEC9715}"/>
+              </a:ext>
+            </a:extLst>
+          </p:cNvPr>
+          <p:cNvSpPr>
+            <a:spLocks noChangeArrowheads="1"/>
+          </p:cNvSpPr>
+          <p:nvPr/>
+        </p:nvSpPr>
+        <p:spPr bwMode="auto">
+          <a:xfrm>
+            <a:off x="2747005" y="4865269"/>
+            <a:ext cx="120487" cy="498475"/>
+          </a:xfrm>
+          <a:prstGeom prst="rect">
+            <a:avLst/>
+          </a:prstGeom>
+          <a:solidFill>
+            <a:srgbClr val="C0C0C0"/>
+          </a:solidFill>
+          <a:ln w="22225">
+            <a:solidFill>
+              <a:srgbClr val="000000"/>
+            </a:solidFill>
+            <a:miter lim="800000"/>
+            <a:headEnd/>
+            <a:tailEnd/>
+          </a:ln>
+          <a:effectLst/>
+        </p:spPr>
+        <p:txBody>
+          <a:bodyPr/>
+          <a:lstStyle/>
+          <a:p>
+            <a:pPr>
+              <a:defRPr/>
+            </a:pPr>
+            <a:endParaRPr lang="fr-FR">
+              <a:latin typeface="+mn-lt"/>
+            </a:endParaRPr>
+          </a:p>
+        </p:txBody>
+      </p:sp>
+      <p:sp>
+        <p:nvSpPr>
+          <p:cNvPr id="105" name="Rectangle 128">
+            <a:extLst>
+              <a:ext uri="{FF2B5EF4-FFF2-40B4-BE49-F238E27FC236}">
+                <a16:creationId xmlns:a16="http://schemas.microsoft.com/office/drawing/2014/main" id="{F677A81E-D356-4549-B8A9-ED4F04B042D3}"/>
+              </a:ext>
+            </a:extLst>
+          </p:cNvPr>
+          <p:cNvSpPr>
+            <a:spLocks noChangeArrowheads="1"/>
+          </p:cNvSpPr>
+          <p:nvPr/>
+        </p:nvSpPr>
+        <p:spPr bwMode="auto">
+          <a:xfrm>
+            <a:off x="2494245" y="4965145"/>
+            <a:ext cx="208390" cy="276999"/>
+          </a:xfrm>
+          <a:prstGeom prst="rect">
+            <a:avLst/>
+          </a:prstGeom>
+          <a:noFill/>
+          <a:ln w="9525">
+            <a:noFill/>
+            <a:miter lim="800000"/>
+            <a:headEnd/>
+            <a:tailEnd/>
+          </a:ln>
+          <a:effectLst/>
+        </p:spPr>
+        <p:txBody>
+          <a:bodyPr wrap="none" lIns="0" tIns="0" rIns="0" bIns="0">
+            <a:spAutoFit/>
+          </a:bodyPr>
+          <a:lstStyle/>
+          <a:p>
+            <a:pPr>
+              <a:defRPr/>
+            </a:pPr>
+            <a:r>
+              <a:rPr lang="fr-FR" sz="1800" i="1" dirty="0">
+                <a:solidFill>
+                  <a:srgbClr val="000000"/>
+                </a:solidFill>
+                <a:effectLst/>
+                <a:latin typeface="+mn-lt"/>
+              </a:rPr>
+              <a:t>R</a:t>
+            </a:r>
+            <a:r>
+              <a:rPr lang="fr-FR" sz="1800" i="1" baseline="-25000" dirty="0">
+                <a:solidFill>
+                  <a:srgbClr val="000000"/>
+                </a:solidFill>
+                <a:effectLst/>
+                <a:latin typeface="+mn-lt"/>
+              </a:rPr>
+              <a:t>B</a:t>
+            </a:r>
+            <a:endParaRPr lang="fr-FR" sz="1800" baseline="-25000" dirty="0">
+              <a:effectLst>
+                <a:outerShdw blurRad="38100" dist="38100" dir="2700000" algn="tl">
+                  <a:srgbClr val="000000"/>
+                </a:outerShdw>
+              </a:effectLst>
+              <a:latin typeface="+mn-lt"/>
+            </a:endParaRPr>
+          </a:p>
+        </p:txBody>
+      </p:sp>
+      <p:sp>
+        <p:nvSpPr>
+          <p:cNvPr id="106" name="Forme libre 242">
+            <a:extLst>
+              <a:ext uri="{FF2B5EF4-FFF2-40B4-BE49-F238E27FC236}">
+                <a16:creationId xmlns:a16="http://schemas.microsoft.com/office/drawing/2014/main" id="{0EB16691-A708-4C22-9D78-3FD359643557}"/>
+              </a:ext>
+            </a:extLst>
+          </p:cNvPr>
+          <p:cNvSpPr/>
+          <p:nvPr/>
+        </p:nvSpPr>
+        <p:spPr>
+          <a:xfrm>
+            <a:off x="2041459" y="4652905"/>
+            <a:ext cx="180340" cy="906780"/>
+          </a:xfrm>
+          <a:custGeom>
+            <a:avLst/>
+            <a:gdLst>
+              <a:gd name="connsiteX0" fmla="*/ 149860 w 180340"/>
+              <a:gd name="connsiteY0" fmla="*/ 906780 h 906780"/>
+              <a:gd name="connsiteX1" fmla="*/ 5080 w 180340"/>
+              <a:gd name="connsiteY1" fmla="*/ 441960 h 906780"/>
+              <a:gd name="connsiteX2" fmla="*/ 180340 w 180340"/>
+              <a:gd name="connsiteY2" fmla="*/ 0 h 906780"/>
+            </a:gdLst>
+            <a:ahLst/>
+            <a:cxnLst>
+              <a:cxn ang="0">
+                <a:pos x="connsiteX0" y="connsiteY0"/>
+              </a:cxn>
+              <a:cxn ang="0">
+                <a:pos x="connsiteX1" y="connsiteY1"/>
+              </a:cxn>
+              <a:cxn ang="0">
+                <a:pos x="connsiteX2" y="connsiteY2"/>
+              </a:cxn>
+            </a:cxnLst>
+            <a:rect l="l" t="t" r="r" b="b"/>
+            <a:pathLst>
+              <a:path w="180340" h="906780">
+                <a:moveTo>
+                  <a:pt x="149860" y="906780"/>
+                </a:moveTo>
+                <a:cubicBezTo>
+                  <a:pt x="74930" y="749935"/>
+                  <a:pt x="0" y="593090"/>
+                  <a:pt x="5080" y="441960"/>
+                </a:cubicBezTo>
+                <a:cubicBezTo>
+                  <a:pt x="10160" y="290830"/>
+                  <a:pt x="156210" y="77470"/>
+                  <a:pt x="180340" y="0"/>
+                </a:cubicBezTo>
+              </a:path>
+            </a:pathLst>
+          </a:custGeom>
+          <a:ln w="28575">
+            <a:solidFill>
+              <a:srgbClr val="0033CC"/>
+            </a:solidFill>
+            <a:headEnd type="none" w="med" len="med"/>
+            <a:tailEnd type="triangle" w="lg" len="lg"/>
+          </a:ln>
+          <a:effectLst/>
+        </p:spPr>
+        <p:style>
+          <a:lnRef idx="1">
+            <a:schemeClr val="accent1"/>
+          </a:lnRef>
+          <a:fillRef idx="0">
+            <a:schemeClr val="accent1"/>
+          </a:fillRef>
+          <a:effectRef idx="0">
+            <a:schemeClr val="accent1"/>
+          </a:effectRef>
+          <a:fontRef idx="minor">
+            <a:schemeClr val="tx1"/>
+          </a:fontRef>
+        </p:style>
+        <p:txBody>
+          <a:bodyPr rtlCol="0" anchor="ctr"/>
+          <a:lstStyle/>
+          <a:p>
+            <a:pPr algn="ctr"/>
+            <a:endParaRPr lang="fr-FR"/>
+          </a:p>
+        </p:txBody>
+      </p:sp>
+      <mc:AlternateContent xmlns:mc="http://schemas.openxmlformats.org/markup-compatibility/2006">
+        <mc:Choice xmlns:a14="http://schemas.microsoft.com/office/drawing/2010/main" Requires="a14">
+          <p:sp>
+            <p:nvSpPr>
+              <p:cNvPr id="2" name="ZoneTexte 1">
+                <a:extLst>
+                  <a:ext uri="{FF2B5EF4-FFF2-40B4-BE49-F238E27FC236}">
+                    <a16:creationId xmlns:a16="http://schemas.microsoft.com/office/drawing/2014/main" id="{763E54B2-354A-4B69-8CF2-566D1A7ED291}"/>
+                  </a:ext>
+                </a:extLst>
+              </p:cNvPr>
+              <p:cNvSpPr txBox="1"/>
+              <p:nvPr/>
+            </p:nvSpPr>
+            <p:spPr>
+              <a:xfrm>
+                <a:off x="4313063" y="4135142"/>
+                <a:ext cx="3130922" cy="409086"/>
+              </a:xfrm>
+              <a:prstGeom prst="rect">
+                <a:avLst/>
+              </a:prstGeom>
+              <a:noFill/>
+              <a:ln>
+                <a:noFill/>
+              </a:ln>
+            </p:spPr>
+            <p:style>
+              <a:lnRef idx="2">
+                <a:schemeClr val="accent6">
+                  <a:shade val="50000"/>
+                </a:schemeClr>
+              </a:lnRef>
+              <a:fillRef idx="1">
+                <a:schemeClr val="accent6"/>
+              </a:fillRef>
+              <a:effectRef idx="0">
+                <a:schemeClr val="accent6"/>
+              </a:effectRef>
+              <a:fontRef idx="minor">
+                <a:schemeClr val="lt1"/>
+              </a:fontRef>
+            </p:style>
+            <p:txBody>
+              <a:bodyPr wrap="none" lIns="0" tIns="0" rIns="0" bIns="0" rtlCol="0">
+                <a:spAutoFit/>
+              </a:bodyPr>
+              <a:lstStyle/>
+              <a:p>
+                <a14:m>
+                  <m:oMathPara xmlns:m="http://schemas.openxmlformats.org/officeDocument/2006/math">
+                    <m:oMathParaPr>
+                      <m:jc m:val="centerGroup"/>
+                    </m:oMathParaPr>
+                    <m:oMath xmlns:m="http://schemas.openxmlformats.org/officeDocument/2006/math">
+                      <m:sSub>
+                        <m:sSubPr>
+                          <m:ctrlPr>
+                            <a:rPr lang="fr-FR" sz="1200" b="0" i="1" smtClean="0">
+                              <a:solidFill>
+                                <a:srgbClr val="002060"/>
+                              </a:solidFill>
+                              <a:effectLst/>
+                              <a:latin typeface="Cambria Math" panose="02040503050406030204" pitchFamily="18" charset="0"/>
+                            </a:rPr>
+                          </m:ctrlPr>
+                        </m:sSubPr>
+                        <m:e>
+                          <m:r>
+                            <a:rPr lang="fr-FR" sz="1200" b="0" i="1" smtClean="0">
+                              <a:solidFill>
+                                <a:srgbClr val="002060"/>
+                              </a:solidFill>
+                              <a:effectLst/>
+                              <a:latin typeface="Cambria Math" panose="02040503050406030204" pitchFamily="18" charset="0"/>
+                            </a:rPr>
+                            <m:t>𝑍</m:t>
+                          </m:r>
+                        </m:e>
+                        <m:sub>
+                          <m:r>
+                            <a:rPr lang="fr-FR" sz="1200" b="0" i="1" smtClean="0">
+                              <a:solidFill>
+                                <a:srgbClr val="002060"/>
+                              </a:solidFill>
+                              <a:effectLst/>
+                              <a:latin typeface="Cambria Math" panose="02040503050406030204" pitchFamily="18" charset="0"/>
+                            </a:rPr>
+                            <m:t>𝑠</m:t>
+                          </m:r>
+                        </m:sub>
+                      </m:sSub>
+                      <m:r>
+                        <a:rPr lang="en-US" sz="1200" i="1" smtClean="0">
+                          <a:solidFill>
+                            <a:srgbClr val="002060"/>
+                          </a:solidFill>
+                          <a:effectLst/>
+                          <a:latin typeface="Cambria Math" panose="02040503050406030204" pitchFamily="18" charset="0"/>
+                        </a:rPr>
+                        <m:t>=</m:t>
+                      </m:r>
+                      <m:f>
+                        <m:fPr>
+                          <m:ctrlPr>
+                            <a:rPr lang="en-US" sz="1200" i="1" smtClean="0">
+                              <a:solidFill>
+                                <a:srgbClr val="002060"/>
+                              </a:solidFill>
+                              <a:effectLst/>
+                              <a:latin typeface="Cambria Math" panose="02040503050406030204" pitchFamily="18" charset="0"/>
+                            </a:rPr>
+                          </m:ctrlPr>
+                        </m:fPr>
+                        <m:num>
+                          <m:sSub>
+                            <m:sSubPr>
+                              <m:ctrlPr>
+                                <a:rPr lang="en-US" sz="1200" i="1" smtClean="0">
+                                  <a:solidFill>
+                                    <a:srgbClr val="002060"/>
+                                  </a:solidFill>
+                                  <a:effectLst/>
+                                  <a:latin typeface="Cambria Math" panose="02040503050406030204" pitchFamily="18" charset="0"/>
+                                </a:rPr>
+                              </m:ctrlPr>
+                            </m:sSubPr>
+                            <m:e>
+                              <m:r>
+                                <a:rPr lang="fr-FR" sz="1200" b="0" i="1" smtClean="0">
+                                  <a:solidFill>
+                                    <a:srgbClr val="002060"/>
+                                  </a:solidFill>
+                                  <a:effectLst/>
+                                  <a:latin typeface="Cambria Math" panose="02040503050406030204" pitchFamily="18" charset="0"/>
+                                </a:rPr>
+                                <m:t>𝑉</m:t>
+                              </m:r>
+                            </m:e>
+                            <m:sub>
+                              <m:r>
+                                <a:rPr lang="fr-FR" sz="1200" b="0" i="1" smtClean="0">
+                                  <a:solidFill>
+                                    <a:srgbClr val="002060"/>
+                                  </a:solidFill>
+                                  <a:effectLst/>
+                                  <a:latin typeface="Cambria Math" panose="02040503050406030204" pitchFamily="18" charset="0"/>
+                                </a:rPr>
+                                <m:t>𝑠</m:t>
+                              </m:r>
+                              <m:r>
+                                <a:rPr lang="fr-FR" sz="1200" b="0" i="1" smtClean="0">
+                                  <a:solidFill>
+                                    <a:srgbClr val="002060"/>
+                                  </a:solidFill>
+                                  <a:effectLst/>
+                                  <a:latin typeface="Cambria Math" panose="02040503050406030204" pitchFamily="18" charset="0"/>
+                                </a:rPr>
+                                <m:t>)</m:t>
+                              </m:r>
+                              <m:r>
+                                <a:rPr lang="fr-FR" sz="1200" b="0" i="1" smtClean="0">
+                                  <a:solidFill>
+                                    <a:srgbClr val="002060"/>
+                                  </a:solidFill>
+                                  <a:effectLst/>
+                                  <a:latin typeface="Cambria Math" panose="02040503050406030204" pitchFamily="18" charset="0"/>
+                                </a:rPr>
+                                <m:t>𝑐𝑜</m:t>
+                              </m:r>
+                            </m:sub>
+                          </m:sSub>
+                        </m:num>
+                        <m:den>
+                          <m:sSub>
+                            <m:sSubPr>
+                              <m:ctrlPr>
+                                <a:rPr lang="en-US" sz="1200" i="1" smtClean="0">
+                                  <a:solidFill>
+                                    <a:srgbClr val="002060"/>
+                                  </a:solidFill>
+                                  <a:effectLst/>
+                                  <a:latin typeface="Cambria Math" panose="02040503050406030204" pitchFamily="18" charset="0"/>
+                                </a:rPr>
+                              </m:ctrlPr>
+                            </m:sSubPr>
+                            <m:e>
+                              <m:r>
+                                <a:rPr lang="fr-FR" sz="1200" b="0" i="1" smtClean="0">
+                                  <a:solidFill>
+                                    <a:srgbClr val="002060"/>
+                                  </a:solidFill>
+                                  <a:effectLst/>
+                                  <a:latin typeface="Cambria Math" panose="02040503050406030204" pitchFamily="18" charset="0"/>
+                                </a:rPr>
+                                <m:t>𝑖</m:t>
+                              </m:r>
+                            </m:e>
+                            <m:sub>
+                              <m:r>
+                                <a:rPr lang="fr-FR" sz="1200" b="0" i="1" smtClean="0">
+                                  <a:solidFill>
+                                    <a:srgbClr val="002060"/>
+                                  </a:solidFill>
+                                  <a:effectLst/>
+                                  <a:latin typeface="Cambria Math" panose="02040503050406030204" pitchFamily="18" charset="0"/>
+                                </a:rPr>
+                                <m:t>𝑠</m:t>
+                              </m:r>
+                              <m:r>
+                                <a:rPr lang="fr-FR" sz="1200" b="0" i="1" smtClean="0">
+                                  <a:solidFill>
+                                    <a:srgbClr val="002060"/>
+                                  </a:solidFill>
+                                  <a:effectLst/>
+                                  <a:latin typeface="Cambria Math" panose="02040503050406030204" pitchFamily="18" charset="0"/>
+                                </a:rPr>
+                                <m:t>)</m:t>
+                              </m:r>
+                              <m:r>
+                                <a:rPr lang="fr-FR" sz="1200" b="0" i="1" smtClean="0">
+                                  <a:solidFill>
+                                    <a:srgbClr val="002060"/>
+                                  </a:solidFill>
+                                  <a:effectLst/>
+                                  <a:latin typeface="Cambria Math" panose="02040503050406030204" pitchFamily="18" charset="0"/>
+                                </a:rPr>
+                                <m:t>𝑐𝑐</m:t>
+                              </m:r>
+                            </m:sub>
+                          </m:sSub>
+                        </m:den>
+                      </m:f>
+                      <m:r>
+                        <a:rPr lang="fr-FR" sz="1200" b="0" i="1" smtClean="0">
+                          <a:solidFill>
+                            <a:srgbClr val="002060"/>
+                          </a:solidFill>
+                          <a:effectLst/>
+                          <a:latin typeface="Cambria Math" panose="02040503050406030204" pitchFamily="18" charset="0"/>
+                        </a:rPr>
+                        <m:t>= </m:t>
+                      </m:r>
+                      <m:f>
+                        <m:fPr>
+                          <m:ctrlPr>
+                            <a:rPr lang="fr-FR" sz="1200" b="0" i="1" smtClean="0">
+                              <a:solidFill>
+                                <a:srgbClr val="002060"/>
+                              </a:solidFill>
+                              <a:effectLst/>
+                              <a:latin typeface="Cambria Math" panose="02040503050406030204" pitchFamily="18" charset="0"/>
+                            </a:rPr>
+                          </m:ctrlPr>
+                        </m:fPr>
+                        <m:num>
+                          <m:r>
+                            <a:rPr lang="fr-FR" sz="1200" i="1">
+                              <a:solidFill>
+                                <a:srgbClr val="002060"/>
+                              </a:solidFill>
+                              <a:effectLst/>
+                              <a:latin typeface="Cambria Math" panose="02040503050406030204" pitchFamily="18" charset="0"/>
+                            </a:rPr>
+                            <m:t>𝑇𝑒𝑛𝑠𝑖𝑜𝑛</m:t>
+                          </m:r>
+                          <m:r>
+                            <a:rPr lang="fr-FR" sz="1200" i="1">
+                              <a:solidFill>
+                                <a:srgbClr val="002060"/>
+                              </a:solidFill>
+                              <a:effectLst/>
+                              <a:latin typeface="Cambria Math" panose="02040503050406030204" pitchFamily="18" charset="0"/>
+                            </a:rPr>
+                            <m:t> </m:t>
+                          </m:r>
+                          <m:r>
+                            <a:rPr lang="fr-FR" sz="1200" i="1">
+                              <a:solidFill>
+                                <a:srgbClr val="002060"/>
+                              </a:solidFill>
+                              <a:effectLst/>
+                              <a:latin typeface="Cambria Math" panose="02040503050406030204" pitchFamily="18" charset="0"/>
+                            </a:rPr>
+                            <m:t>𝑑𝑒</m:t>
+                          </m:r>
+                          <m:r>
+                            <a:rPr lang="fr-FR" sz="1200" i="1">
+                              <a:solidFill>
+                                <a:srgbClr val="002060"/>
+                              </a:solidFill>
+                              <a:effectLst/>
+                              <a:latin typeface="Cambria Math" panose="02040503050406030204" pitchFamily="18" charset="0"/>
+                            </a:rPr>
+                            <m:t> </m:t>
+                          </m:r>
+                          <m:r>
+                            <a:rPr lang="fr-FR" sz="1200" i="1">
+                              <a:solidFill>
+                                <a:srgbClr val="002060"/>
+                              </a:solidFill>
+                              <a:effectLst/>
+                              <a:latin typeface="Cambria Math" panose="02040503050406030204" pitchFamily="18" charset="0"/>
+                            </a:rPr>
+                            <m:t>𝑠𝑜𝑟𝑡𝑖𝑒</m:t>
+                          </m:r>
+                          <m:r>
+                            <a:rPr lang="fr-FR" sz="1200" i="1">
+                              <a:solidFill>
+                                <a:srgbClr val="002060"/>
+                              </a:solidFill>
+                              <a:effectLst/>
+                              <a:latin typeface="Cambria Math" panose="02040503050406030204" pitchFamily="18" charset="0"/>
+                            </a:rPr>
+                            <m:t> </m:t>
+                          </m:r>
+                          <m:r>
+                            <a:rPr lang="fr-FR" sz="1200" i="1">
+                              <a:solidFill>
+                                <a:srgbClr val="002060"/>
+                              </a:solidFill>
+                              <a:effectLst/>
+                              <a:latin typeface="Cambria Math" panose="02040503050406030204" pitchFamily="18" charset="0"/>
+                            </a:rPr>
+                            <m:t>𝑐𝑖𝑟𝑐𝑢𝑖𝑡</m:t>
+                          </m:r>
+                          <m:r>
+                            <a:rPr lang="fr-FR" sz="1200" i="1">
+                              <a:solidFill>
+                                <a:srgbClr val="002060"/>
+                              </a:solidFill>
+                              <a:effectLst/>
+                              <a:latin typeface="Cambria Math" panose="02040503050406030204" pitchFamily="18" charset="0"/>
+                            </a:rPr>
+                            <m:t> </m:t>
+                          </m:r>
+                          <m:r>
+                            <a:rPr lang="fr-FR" sz="1200" i="1">
+                              <a:solidFill>
+                                <a:srgbClr val="002060"/>
+                              </a:solidFill>
+                              <a:effectLst/>
+                              <a:latin typeface="Cambria Math" panose="02040503050406030204" pitchFamily="18" charset="0"/>
+                            </a:rPr>
+                            <m:t>𝑜𝑢𝑣𝑒𝑟𝑡</m:t>
+                          </m:r>
+                        </m:num>
+                        <m:den>
+                          <m:r>
+                            <a:rPr lang="fr-FR" sz="1200" i="1">
+                              <a:solidFill>
+                                <a:srgbClr val="002060"/>
+                              </a:solidFill>
+                              <a:effectLst/>
+                              <a:latin typeface="Cambria Math" panose="02040503050406030204" pitchFamily="18" charset="0"/>
+                            </a:rPr>
+                            <m:t>𝑐𝑜𝑢𝑟𝑎𝑛𝑡</m:t>
+                          </m:r>
+                          <m:r>
+                            <a:rPr lang="fr-FR" sz="1200" i="1">
+                              <a:solidFill>
+                                <a:srgbClr val="002060"/>
+                              </a:solidFill>
+                              <a:effectLst/>
+                              <a:latin typeface="Cambria Math" panose="02040503050406030204" pitchFamily="18" charset="0"/>
+                            </a:rPr>
+                            <m:t> </m:t>
+                          </m:r>
+                          <m:r>
+                            <a:rPr lang="fr-FR" sz="1200" i="1">
+                              <a:solidFill>
+                                <a:srgbClr val="002060"/>
+                              </a:solidFill>
+                              <a:effectLst/>
+                              <a:latin typeface="Cambria Math" panose="02040503050406030204" pitchFamily="18" charset="0"/>
+                            </a:rPr>
+                            <m:t>𝑑𝑒</m:t>
+                          </m:r>
+                          <m:r>
+                            <a:rPr lang="fr-FR" sz="1200" i="1">
+                              <a:solidFill>
+                                <a:srgbClr val="002060"/>
+                              </a:solidFill>
+                              <a:effectLst/>
+                              <a:latin typeface="Cambria Math" panose="02040503050406030204" pitchFamily="18" charset="0"/>
+                            </a:rPr>
+                            <m:t> </m:t>
+                          </m:r>
+                          <m:r>
+                            <a:rPr lang="fr-FR" sz="1200" i="1">
+                              <a:solidFill>
+                                <a:srgbClr val="002060"/>
+                              </a:solidFill>
+                              <a:effectLst/>
+                              <a:latin typeface="Cambria Math" panose="02040503050406030204" pitchFamily="18" charset="0"/>
+                            </a:rPr>
+                            <m:t>𝑠𝑜𝑟𝑡𝑖𝑒</m:t>
+                          </m:r>
+                          <m:r>
+                            <a:rPr lang="fr-FR" sz="1200" i="1">
+                              <a:solidFill>
+                                <a:srgbClr val="002060"/>
+                              </a:solidFill>
+                              <a:effectLst/>
+                              <a:latin typeface="Cambria Math" panose="02040503050406030204" pitchFamily="18" charset="0"/>
+                            </a:rPr>
+                            <m:t> </m:t>
+                          </m:r>
+                          <m:r>
+                            <a:rPr lang="fr-FR" sz="1200" i="1">
+                              <a:solidFill>
+                                <a:srgbClr val="002060"/>
+                              </a:solidFill>
+                              <a:effectLst/>
+                              <a:latin typeface="Cambria Math" panose="02040503050406030204" pitchFamily="18" charset="0"/>
+                            </a:rPr>
+                            <m:t>𝑐𝑜𝑢𝑟𝑡</m:t>
+                          </m:r>
+                          <m:r>
+                            <a:rPr lang="fr-FR" sz="1200" i="1">
+                              <a:solidFill>
+                                <a:srgbClr val="002060"/>
+                              </a:solidFill>
+                              <a:effectLst/>
+                              <a:latin typeface="Cambria Math" panose="02040503050406030204" pitchFamily="18" charset="0"/>
+                            </a:rPr>
+                            <m:t>-</m:t>
+                          </m:r>
+                          <m:r>
+                            <a:rPr lang="fr-FR" sz="1200" i="1">
+                              <a:solidFill>
+                                <a:srgbClr val="002060"/>
+                              </a:solidFill>
+                              <a:effectLst/>
+                              <a:latin typeface="Cambria Math" panose="02040503050406030204" pitchFamily="18" charset="0"/>
+                            </a:rPr>
+                            <m:t>𝑐𝑖𝑟𝑐𝑢𝑖𝑡</m:t>
+                          </m:r>
+                        </m:den>
+                      </m:f>
+                    </m:oMath>
+                  </m:oMathPara>
+                </a14:m>
+                <a:endParaRPr lang="fr-FR" sz="1200" i="1" dirty="0">
+                  <a:solidFill>
+                    <a:srgbClr val="002060"/>
+                  </a:solidFill>
+                  <a:effectLst/>
+                  <a:latin typeface="Calibri" pitchFamily="34" charset="0"/>
+                </a:endParaRPr>
+              </a:p>
+            </p:txBody>
+          </p:sp>
+        </mc:Choice>
+        <mc:Fallback>
+          <p:sp>
+            <p:nvSpPr>
+              <p:cNvPr id="2" name="ZoneTexte 1">
+                <a:extLst>
+                  <a:ext uri="{FF2B5EF4-FFF2-40B4-BE49-F238E27FC236}">
+                    <a16:creationId xmlns:a16="http://schemas.microsoft.com/office/drawing/2014/main" id="{763E54B2-354A-4B69-8CF2-566D1A7ED291}"/>
+                  </a:ext>
+                </a:extLst>
+              </p:cNvPr>
+              <p:cNvSpPr txBox="1">
+                <a:spLocks noRot="1" noChangeAspect="1" noMove="1" noResize="1" noEditPoints="1" noAdjustHandles="1" noChangeArrowheads="1" noChangeShapeType="1" noTextEdit="1"/>
+              </p:cNvSpPr>
+              <p:nvPr/>
+            </p:nvSpPr>
+            <p:spPr>
+              <a:xfrm>
+                <a:off x="4313063" y="4135142"/>
+                <a:ext cx="3130922" cy="409086"/>
+              </a:xfrm>
+              <a:prstGeom prst="rect">
+                <a:avLst/>
+              </a:prstGeom>
+              <a:blipFill>
+                <a:blip r:embed="rId7"/>
+                <a:stretch>
+                  <a:fillRect l="-780" t="-1493" r="-585" b="-13433"/>
+                </a:stretch>
+              </a:blipFill>
+              <a:ln>
+                <a:noFill/>
+              </a:ln>
+            </p:spPr>
+            <p:txBody>
+              <a:bodyPr/>
+              <a:lstStyle/>
+              <a:p>
+                <a:r>
+                  <a:rPr lang="fr-FR">
+                    <a:noFill/>
+                  </a:rPr>
+                  <a:t> </a:t>
+                </a:r>
+              </a:p>
+            </p:txBody>
+          </p:sp>
+        </mc:Fallback>
+      </mc:AlternateContent>
+      <mc:AlternateContent xmlns:mc="http://schemas.openxmlformats.org/markup-compatibility/2006">
+        <mc:Choice xmlns:a14="http://schemas.microsoft.com/office/drawing/2010/main" Requires="a14">
+          <p:sp>
+            <p:nvSpPr>
+              <p:cNvPr id="108" name="Object 4">
+                <a:extLst>
+                  <a:ext uri="{FF2B5EF4-FFF2-40B4-BE49-F238E27FC236}">
+                    <a16:creationId xmlns:a16="http://schemas.microsoft.com/office/drawing/2014/main" id="{BBD871C4-810C-4A09-95E2-55CA5427AEAD}"/>
+                  </a:ext>
+                </a:extLst>
+              </p:cNvPr>
+              <p:cNvSpPr txBox="1"/>
+              <p:nvPr/>
+            </p:nvSpPr>
+            <p:spPr bwMode="auto">
+              <a:xfrm>
+                <a:off x="5251160" y="5455087"/>
+                <a:ext cx="2376984" cy="704116"/>
+              </a:xfrm>
+              <a:prstGeom prst="roundRect">
+                <a:avLst/>
+              </a:prstGeom>
+              <a:noFill/>
+              <a:ln w="12700">
+                <a:solidFill>
+                  <a:schemeClr val="bg1"/>
+                </a:solidFill>
+              </a:ln>
+              <a:effectLst/>
+            </p:spPr>
+            <p:txBody>
+              <a:bodyPr>
+                <a:normAutofit fontScale="25000" lnSpcReduction="20000"/>
+              </a:bodyPr>
+              <a:lstStyle/>
+              <a:p>
+                <a:pPr/>
+                <a14:m>
+                  <m:oMathPara xmlns:m="http://schemas.openxmlformats.org/officeDocument/2006/math">
+                    <m:oMathParaPr>
+                      <m:jc m:val="left"/>
+                    </m:oMathParaPr>
+                    <m:oMath xmlns:m="http://schemas.openxmlformats.org/officeDocument/2006/math">
+                      <m:sSub>
+                        <m:sSubPr>
+                          <m:ctrlPr>
+                            <a:rPr lang="fr-FR" i="1" smtClean="0">
+                              <a:solidFill>
+                                <a:srgbClr val="000000"/>
+                              </a:solidFill>
+                              <a:effectLst/>
+                              <a:latin typeface="Cambria Math" panose="02040503050406030204" pitchFamily="18" charset="0"/>
+                            </a:rPr>
+                          </m:ctrlPr>
+                        </m:sSubPr>
+                        <m:e>
+                          <m:r>
+                            <a:rPr lang="fr-FR" i="1">
+                              <a:solidFill>
+                                <a:srgbClr val="000000"/>
+                              </a:solidFill>
+                              <a:effectLst/>
+                              <a:latin typeface="Cambria Math" panose="02040503050406030204" pitchFamily="18" charset="0"/>
+                            </a:rPr>
+                            <m:t>𝑍</m:t>
+                          </m:r>
+                        </m:e>
+                        <m:sub>
+                          <m:r>
+                            <a:rPr lang="fr-FR" i="1">
+                              <a:solidFill>
+                                <a:srgbClr val="000000"/>
+                              </a:solidFill>
+                              <a:effectLst/>
+                              <a:latin typeface="Cambria Math" panose="02040503050406030204" pitchFamily="18" charset="0"/>
+                            </a:rPr>
+                            <m:t>𝑠</m:t>
+                          </m:r>
+                        </m:sub>
+                      </m:sSub>
+                      <m:r>
+                        <a:rPr lang="fr-FR" i="1">
+                          <a:solidFill>
+                            <a:srgbClr val="000000"/>
+                          </a:solidFill>
+                          <a:effectLst/>
+                          <a:latin typeface="Cambria Math" panose="02040503050406030204" pitchFamily="18" charset="0"/>
+                        </a:rPr>
+                        <m:t>=</m:t>
+                      </m:r>
+                      <m:f>
+                        <m:fPr>
+                          <m:ctrlPr>
+                            <a:rPr lang="fr-FR" i="1">
+                              <a:solidFill>
+                                <a:srgbClr val="000000"/>
+                              </a:solidFill>
+                              <a:effectLst/>
+                              <a:latin typeface="Cambria Math" panose="02040503050406030204" pitchFamily="18" charset="0"/>
+                            </a:rPr>
+                          </m:ctrlPr>
+                        </m:fPr>
+                        <m:num>
+                          <m:sSub>
+                            <m:sSubPr>
+                              <m:ctrlPr>
+                                <a:rPr lang="fr-FR" i="1">
+                                  <a:solidFill>
+                                    <a:srgbClr val="000000"/>
+                                  </a:solidFill>
+                                  <a:effectLst/>
+                                  <a:latin typeface="Cambria Math" panose="02040503050406030204" pitchFamily="18" charset="0"/>
+                                </a:rPr>
+                              </m:ctrlPr>
+                            </m:sSubPr>
+                            <m:e>
+                              <m:r>
+                                <a:rPr lang="fr-FR" i="1">
+                                  <a:solidFill>
+                                    <a:srgbClr val="000000"/>
+                                  </a:solidFill>
+                                  <a:effectLst/>
+                                  <a:latin typeface="Cambria Math" panose="02040503050406030204" pitchFamily="18" charset="0"/>
+                                </a:rPr>
+                                <m:t>𝑣</m:t>
+                              </m:r>
+                            </m:e>
+                            <m:sub>
+                              <m:r>
+                                <a:rPr lang="fr-FR" i="1">
+                                  <a:solidFill>
+                                    <a:srgbClr val="000000"/>
+                                  </a:solidFill>
+                                  <a:effectLst/>
+                                  <a:latin typeface="Cambria Math" panose="02040503050406030204" pitchFamily="18" charset="0"/>
+                                </a:rPr>
+                                <m:t>𝑠</m:t>
+                              </m:r>
+                              <m:r>
+                                <a:rPr lang="fr-FR" i="1">
+                                  <a:solidFill>
+                                    <a:srgbClr val="000000"/>
+                                  </a:solidFill>
+                                  <a:effectLst/>
+                                  <a:latin typeface="Cambria Math" panose="02040503050406030204" pitchFamily="18" charset="0"/>
+                                </a:rPr>
+                                <m:t>)</m:t>
+                              </m:r>
+                              <m:r>
+                                <a:rPr lang="fr-FR" i="1">
+                                  <a:solidFill>
+                                    <a:srgbClr val="000000"/>
+                                  </a:solidFill>
+                                  <a:effectLst/>
+                                  <a:latin typeface="Cambria Math" panose="02040503050406030204" pitchFamily="18" charset="0"/>
+                                </a:rPr>
+                                <m:t>𝑐𝑜</m:t>
+                              </m:r>
+                            </m:sub>
+                          </m:sSub>
+                        </m:num>
+                        <m:den>
+                          <m:sSub>
+                            <m:sSubPr>
+                              <m:ctrlPr>
+                                <a:rPr lang="fr-FR" i="1">
+                                  <a:solidFill>
+                                    <a:srgbClr val="000000"/>
+                                  </a:solidFill>
+                                  <a:effectLst/>
+                                  <a:latin typeface="Cambria Math" panose="02040503050406030204" pitchFamily="18" charset="0"/>
+                                </a:rPr>
+                              </m:ctrlPr>
+                            </m:sSubPr>
+                            <m:e>
+                              <m:r>
+                                <a:rPr lang="fr-FR" i="1">
+                                  <a:solidFill>
+                                    <a:srgbClr val="000000"/>
+                                  </a:solidFill>
+                                  <a:effectLst/>
+                                  <a:latin typeface="Cambria Math" panose="02040503050406030204" pitchFamily="18" charset="0"/>
+                                </a:rPr>
+                                <m:t>𝑖</m:t>
+                              </m:r>
+                            </m:e>
+                            <m:sub>
+                              <m:r>
+                                <a:rPr lang="fr-FR" i="1">
+                                  <a:solidFill>
+                                    <a:srgbClr val="000000"/>
+                                  </a:solidFill>
+                                  <a:effectLst/>
+                                  <a:latin typeface="Cambria Math" panose="02040503050406030204" pitchFamily="18" charset="0"/>
+                                </a:rPr>
+                                <m:t>𝑠</m:t>
+                              </m:r>
+                              <m:r>
+                                <a:rPr lang="fr-FR" i="1">
+                                  <a:solidFill>
+                                    <a:srgbClr val="000000"/>
+                                  </a:solidFill>
+                                  <a:effectLst/>
+                                  <a:latin typeface="Cambria Math" panose="02040503050406030204" pitchFamily="18" charset="0"/>
+                                </a:rPr>
+                                <m:t>)</m:t>
+                              </m:r>
+                              <m:r>
+                                <a:rPr lang="fr-FR" i="1">
+                                  <a:solidFill>
+                                    <a:srgbClr val="000000"/>
+                                  </a:solidFill>
+                                  <a:effectLst/>
+                                  <a:latin typeface="Cambria Math" panose="02040503050406030204" pitchFamily="18" charset="0"/>
+                                </a:rPr>
+                                <m:t>𝑐𝑐</m:t>
+                              </m:r>
+                            </m:sub>
+                          </m:sSub>
+                        </m:den>
+                      </m:f>
+                      <m:r>
+                        <a:rPr lang="fr-FR" i="1">
+                          <a:solidFill>
+                            <a:srgbClr val="000000"/>
+                          </a:solidFill>
+                          <a:effectLst/>
+                          <a:latin typeface="Cambria Math" panose="02040503050406030204" pitchFamily="18" charset="0"/>
+                        </a:rPr>
+                        <m:t>=</m:t>
+                      </m:r>
+                      <m:f>
+                        <m:fPr>
+                          <m:ctrlPr>
+                            <a:rPr lang="fr-FR" i="1">
+                              <a:solidFill>
+                                <a:srgbClr val="000000"/>
+                              </a:solidFill>
+                              <a:effectLst/>
+                              <a:latin typeface="Cambria Math" panose="02040503050406030204" pitchFamily="18" charset="0"/>
+                            </a:rPr>
+                          </m:ctrlPr>
+                        </m:fPr>
+                        <m:num>
+                          <m:r>
+                            <a:rPr lang="fr-FR" i="1">
+                              <a:solidFill>
+                                <a:srgbClr val="000000"/>
+                              </a:solidFill>
+                              <a:effectLst/>
+                              <a:latin typeface="Cambria Math" panose="02040503050406030204" pitchFamily="18" charset="0"/>
+                            </a:rPr>
+                            <m:t>−</m:t>
+                          </m:r>
+                          <m:sSub>
+                            <m:sSubPr>
+                              <m:ctrlPr>
+                                <a:rPr lang="fr-FR" i="1">
+                                  <a:solidFill>
+                                    <a:srgbClr val="000000"/>
+                                  </a:solidFill>
+                                  <a:effectLst/>
+                                  <a:latin typeface="Cambria Math" panose="02040503050406030204" pitchFamily="18" charset="0"/>
+                                </a:rPr>
+                              </m:ctrlPr>
+                            </m:sSubPr>
+                            <m:e>
+                              <m:r>
+                                <a:rPr lang="fr-FR" i="1">
+                                  <a:solidFill>
+                                    <a:srgbClr val="000000"/>
+                                  </a:solidFill>
+                                  <a:effectLst/>
+                                  <a:latin typeface="Cambria Math" panose="02040503050406030204" pitchFamily="18" charset="0"/>
+                                </a:rPr>
+                                <m:t>𝑅</m:t>
+                              </m:r>
+                            </m:e>
+                            <m:sub>
+                              <m:r>
+                                <a:rPr lang="fr-FR" i="1">
+                                  <a:solidFill>
+                                    <a:srgbClr val="000000"/>
+                                  </a:solidFill>
+                                  <a:effectLst/>
+                                  <a:latin typeface="Cambria Math" panose="02040503050406030204" pitchFamily="18" charset="0"/>
+                                </a:rPr>
+                                <m:t>𝑐</m:t>
+                              </m:r>
+                            </m:sub>
+                          </m:sSub>
+                          <m:r>
+                            <m:rPr>
+                              <m:nor/>
+                            </m:rPr>
+                            <a:rPr lang="fr-FR" i="1">
+                              <a:solidFill>
+                                <a:srgbClr val="000000"/>
+                              </a:solidFill>
+                              <a:effectLst/>
+                              <a:latin typeface="Cambria Math" panose="02040503050406030204" pitchFamily="18" charset="0"/>
+                            </a:rPr>
+                            <m:t> </m:t>
+                          </m:r>
+                          <m:sSub>
+                            <m:sSubPr>
+                              <m:ctrlPr>
+                                <a:rPr lang="fr-FR" i="1">
+                                  <a:solidFill>
+                                    <a:srgbClr val="000000"/>
+                                  </a:solidFill>
+                                  <a:effectLst/>
+                                  <a:latin typeface="Cambria Math" panose="02040503050406030204" pitchFamily="18" charset="0"/>
+                                </a:rPr>
+                              </m:ctrlPr>
+                            </m:sSubPr>
+                            <m:e>
+                              <m:r>
+                                <m:rPr>
+                                  <m:nor/>
+                                </m:rPr>
+                                <a:rPr lang="fr-FR" i="1">
+                                  <a:solidFill>
+                                    <a:srgbClr val="000000"/>
+                                  </a:solidFill>
+                                  <a:effectLst/>
+                                  <a:latin typeface="Cambria Math" panose="02040503050406030204" pitchFamily="18" charset="0"/>
+                                </a:rPr>
+                                <m:t>i</m:t>
+                              </m:r>
+                            </m:e>
+                            <m:sub>
+                              <m:r>
+                                <a:rPr lang="fr-FR" i="1">
+                                  <a:solidFill>
+                                    <a:srgbClr val="000000"/>
+                                  </a:solidFill>
+                                  <a:effectLst/>
+                                  <a:latin typeface="Cambria Math" panose="02040503050406030204" pitchFamily="18" charset="0"/>
+                                </a:rPr>
+                                <m:t>𝑐</m:t>
+                              </m:r>
+                            </m:sub>
+                          </m:sSub>
+                        </m:num>
+                        <m:den>
+                          <m:r>
+                            <a:rPr lang="fr-FR" i="1">
+                              <a:solidFill>
+                                <a:srgbClr val="000000"/>
+                              </a:solidFill>
+                              <a:effectLst/>
+                              <a:latin typeface="Cambria Math" panose="02040503050406030204" pitchFamily="18" charset="0"/>
+                            </a:rPr>
+                            <m:t>−</m:t>
+                          </m:r>
+                          <m:r>
+                            <m:rPr>
+                              <m:nor/>
+                            </m:rPr>
+                            <a:rPr lang="fr-FR" i="1">
+                              <a:solidFill>
+                                <a:srgbClr val="000000"/>
+                              </a:solidFill>
+                              <a:effectLst/>
+                              <a:latin typeface="Cambria Math" panose="02040503050406030204" pitchFamily="18" charset="0"/>
+                            </a:rPr>
+                            <m:t> </m:t>
+                          </m:r>
+                          <m:sSub>
+                            <m:sSubPr>
+                              <m:ctrlPr>
+                                <a:rPr lang="fr-FR" i="1">
+                                  <a:solidFill>
+                                    <a:srgbClr val="000000"/>
+                                  </a:solidFill>
+                                  <a:effectLst/>
+                                  <a:latin typeface="Cambria Math" panose="02040503050406030204" pitchFamily="18" charset="0"/>
+                                </a:rPr>
+                              </m:ctrlPr>
+                            </m:sSubPr>
+                            <m:e>
+                              <m:r>
+                                <m:rPr>
+                                  <m:nor/>
+                                </m:rPr>
+                                <a:rPr lang="fr-FR" i="1">
+                                  <a:solidFill>
+                                    <a:srgbClr val="000000"/>
+                                  </a:solidFill>
+                                  <a:effectLst/>
+                                  <a:latin typeface="Cambria Math" panose="02040503050406030204" pitchFamily="18" charset="0"/>
+                                </a:rPr>
+                                <m:t>i</m:t>
+                              </m:r>
+                            </m:e>
+                            <m:sub>
+                              <m:r>
+                                <a:rPr lang="fr-FR" i="1">
+                                  <a:solidFill>
+                                    <a:srgbClr val="000000"/>
+                                  </a:solidFill>
+                                  <a:effectLst/>
+                                  <a:latin typeface="Cambria Math" panose="02040503050406030204" pitchFamily="18" charset="0"/>
+                                </a:rPr>
+                                <m:t>𝑐</m:t>
+                              </m:r>
+                            </m:sub>
+                          </m:sSub>
+                        </m:den>
+                      </m:f>
+                      <m:r>
+                        <a:rPr lang="fr-FR" i="1">
+                          <a:solidFill>
+                            <a:srgbClr val="000000"/>
+                          </a:solidFill>
+                          <a:effectLst/>
+                          <a:latin typeface="Cambria Math" panose="02040503050406030204" pitchFamily="18" charset="0"/>
+                        </a:rPr>
+                        <m:t>=</m:t>
+                      </m:r>
+                      <m:r>
+                        <m:rPr>
+                          <m:nor/>
+                        </m:rPr>
+                        <a:rPr lang="fr-FR" i="1">
+                          <a:solidFill>
+                            <a:srgbClr val="000000"/>
+                          </a:solidFill>
+                          <a:effectLst/>
+                          <a:latin typeface="Cambria Math" panose="02040503050406030204" pitchFamily="18" charset="0"/>
+                        </a:rPr>
+                        <m:t> </m:t>
+                      </m:r>
+                      <m:sSub>
+                        <m:sSubPr>
+                          <m:ctrlPr>
+                            <a:rPr lang="fr-FR" i="1" smtClean="0">
+                              <a:solidFill>
+                                <a:srgbClr val="000000"/>
+                              </a:solidFill>
+                              <a:effectLst/>
+                              <a:latin typeface="Cambria Math" panose="02040503050406030204" pitchFamily="18" charset="0"/>
+                            </a:rPr>
+                          </m:ctrlPr>
+                        </m:sSubPr>
+                        <m:e>
+                          <m:r>
+                            <m:rPr>
+                              <m:nor/>
+                            </m:rPr>
+                            <a:rPr lang="fr-FR" i="1">
+                              <a:solidFill>
+                                <a:srgbClr val="000000"/>
+                              </a:solidFill>
+                              <a:effectLst/>
+                              <a:latin typeface="Cambria Math" panose="02040503050406030204" pitchFamily="18" charset="0"/>
+                            </a:rPr>
+                            <m:t>R</m:t>
+                          </m:r>
+                        </m:e>
+                        <m:sub>
+                          <m:r>
+                            <a:rPr lang="fr-FR" i="1">
+                              <a:solidFill>
+                                <a:srgbClr val="000000"/>
+                              </a:solidFill>
+                              <a:effectLst/>
+                              <a:latin typeface="Cambria Math" panose="02040503050406030204" pitchFamily="18" charset="0"/>
+                            </a:rPr>
+                            <m:t>𝑐</m:t>
+                          </m:r>
+                        </m:sub>
+                      </m:sSub>
+                    </m:oMath>
+                  </m:oMathPara>
+                </a14:m>
+                <a:endParaRPr lang="fr-FR" i="1" dirty="0"/>
+              </a:p>
+            </p:txBody>
+          </p:sp>
+        </mc:Choice>
+        <mc:Fallback>
+          <p:sp>
+            <p:nvSpPr>
+              <p:cNvPr id="108" name="Object 4">
+                <a:extLst>
+                  <a:ext uri="{FF2B5EF4-FFF2-40B4-BE49-F238E27FC236}">
+                    <a16:creationId xmlns:a16="http://schemas.microsoft.com/office/drawing/2014/main" id="{BBD871C4-810C-4A09-95E2-55CA5427AEAD}"/>
+                  </a:ext>
+                </a:extLst>
+              </p:cNvPr>
+              <p:cNvSpPr txBox="1">
+                <a:spLocks noRot="1" noChangeAspect="1" noMove="1" noResize="1" noEditPoints="1" noAdjustHandles="1" noChangeArrowheads="1" noChangeShapeType="1" noTextEdit="1"/>
+              </p:cNvSpPr>
+              <p:nvPr/>
+            </p:nvSpPr>
+            <p:spPr bwMode="auto">
+              <a:xfrm>
+                <a:off x="5251160" y="5455087"/>
+                <a:ext cx="2376984" cy="704116"/>
+              </a:xfrm>
+              <a:prstGeom prst="roundRect">
+                <a:avLst/>
+              </a:prstGeom>
+              <a:blipFill>
+                <a:blip r:embed="rId8"/>
+                <a:stretch>
+                  <a:fillRect/>
+                </a:stretch>
+              </a:blipFill>
+              <a:ln w="12700">
+                <a:solidFill>
+                  <a:schemeClr val="bg1"/>
+                </a:solidFill>
+              </a:ln>
+              <a:effectLst/>
+            </p:spPr>
+            <p:txBody>
+              <a:bodyPr/>
+              <a:lstStyle/>
+              <a:p>
+                <a:r>
+                  <a:rPr lang="fr-FR">
+                    <a:noFill/>
+                  </a:rPr>
+                  <a:t> </a:t>
+                </a:r>
+              </a:p>
+            </p:txBody>
+          </p:sp>
+        </mc:Fallback>
+      </mc:AlternateContent>
     </p:spTree>
     <p:extLst>
       <p:ext uri="{BB962C8B-B14F-4D97-AF65-F5344CB8AC3E}">
         <p14:creationId xmlns:p14="http://schemas.microsoft.com/office/powerpoint/2010/main" val="1164395815"/>
+      </p:ext>
+    </p:extLst>
+  </p:cSld>
+  <p:clrMapOvr>
+    <a:masterClrMapping/>
+  </p:clrMapOvr>
+</p:sld>
+</file>
+
+<file path=ppt/slides/slide3.xml><?xml version="1.0" encoding="utf-8"?>
+<p:sld xmlns:a="http://schemas.openxmlformats.org/drawingml/2006/main" xmlns:r="http://schemas.openxmlformats.org/officeDocument/2006/relationships" xmlns:p="http://schemas.openxmlformats.org/presentationml/2006/main">
+  <p:cSld>
+    <p:spTree>
+      <p:nvGrpSpPr>
+        <p:cNvPr id="1" name=""/>
+        <p:cNvGrpSpPr/>
+        <p:nvPr/>
+      </p:nvGrpSpPr>
+      <p:grpSpPr>
+        <a:xfrm>
+          <a:off x="0" y="0"/>
+          <a:ext cx="0" cy="0"/>
+          <a:chOff x="0" y="0"/>
+          <a:chExt cx="0" cy="0"/>
+        </a:xfrm>
+      </p:grpSpPr>
+      <p:sp>
+        <p:nvSpPr>
+          <p:cNvPr id="3" name="Espace réservé de la date 2">
+            <a:extLst>
+              <a:ext uri="{FF2B5EF4-FFF2-40B4-BE49-F238E27FC236}">
+                <a16:creationId xmlns:a16="http://schemas.microsoft.com/office/drawing/2014/main" id="{B056F826-499B-407B-8105-22D7784C72C9}"/>
+              </a:ext>
+            </a:extLst>
+          </p:cNvPr>
+          <p:cNvSpPr>
+            <a:spLocks noGrp="1"/>
+          </p:cNvSpPr>
+          <p:nvPr>
+            <p:ph type="dt" sz="half" idx="10"/>
+          </p:nvPr>
+        </p:nvSpPr>
+        <p:spPr/>
+        <p:txBody>
+          <a:bodyPr/>
+          <a:lstStyle/>
+          <a:p>
+            <a:fld id="{80ADAFC8-E58E-40F9-B663-9F56451821D1}" type="datetime8">
+              <a:rPr lang="fr-FR" smtClean="0"/>
+              <a:pPr/>
+              <a:t>18/10/2024 07:36</a:t>
+            </a:fld>
+            <a:endParaRPr lang="fr-FR"/>
+          </a:p>
+        </p:txBody>
+      </p:sp>
+      <p:sp>
+        <p:nvSpPr>
+          <p:cNvPr id="4" name="Espace réservé du pied de page 3">
+            <a:extLst>
+              <a:ext uri="{FF2B5EF4-FFF2-40B4-BE49-F238E27FC236}">
+                <a16:creationId xmlns:a16="http://schemas.microsoft.com/office/drawing/2014/main" id="{F3E4A479-1B4F-4BB3-9515-6A9C30531C7E}"/>
+              </a:ext>
+            </a:extLst>
+          </p:cNvPr>
+          <p:cNvSpPr>
+            <a:spLocks noGrp="1"/>
+          </p:cNvSpPr>
+          <p:nvPr>
+            <p:ph type="ftr" sz="quarter" idx="11"/>
+          </p:nvPr>
+        </p:nvSpPr>
+        <p:spPr/>
+        <p:txBody>
+          <a:bodyPr/>
+          <a:lstStyle/>
+          <a:p>
+            <a:r>
+              <a:rPr lang="fr-FR"/>
+              <a:t>A. Oumnad</a:t>
+            </a:r>
+            <a:endParaRPr lang="fr-FR" dirty="0"/>
+          </a:p>
+        </p:txBody>
+      </p:sp>
+      <p:sp>
+        <p:nvSpPr>
+          <p:cNvPr id="5" name="Espace réservé du numéro de diapositive 4">
+            <a:extLst>
+              <a:ext uri="{FF2B5EF4-FFF2-40B4-BE49-F238E27FC236}">
+                <a16:creationId xmlns:a16="http://schemas.microsoft.com/office/drawing/2014/main" id="{7770904E-5F23-477F-92FD-9DE3E348D081}"/>
+              </a:ext>
+            </a:extLst>
+          </p:cNvPr>
+          <p:cNvSpPr>
+            <a:spLocks noGrp="1"/>
+          </p:cNvSpPr>
+          <p:nvPr>
+            <p:ph type="sldNum" sz="quarter" idx="12"/>
+          </p:nvPr>
+        </p:nvSpPr>
+        <p:spPr/>
+        <p:txBody>
+          <a:bodyPr/>
+          <a:lstStyle/>
+          <a:p>
+            <a:fld id="{B5A9633A-FFAA-4A63-B9D0-7C8F8F0E0665}" type="slidenum">
+              <a:rPr lang="fr-FR" smtClean="0"/>
+              <a:pPr/>
+              <a:t>3</a:t>
+            </a:fld>
+            <a:endParaRPr lang="fr-FR"/>
+          </a:p>
+        </p:txBody>
+      </p:sp>
+      <p:sp>
+        <p:nvSpPr>
+          <p:cNvPr id="8" name="Line 10">
+            <a:extLst>
+              <a:ext uri="{FF2B5EF4-FFF2-40B4-BE49-F238E27FC236}">
+                <a16:creationId xmlns:a16="http://schemas.microsoft.com/office/drawing/2014/main" id="{D2579991-AA28-4056-ADDE-346FA54546B8}"/>
+              </a:ext>
+            </a:extLst>
+          </p:cNvPr>
+          <p:cNvSpPr>
+            <a:spLocks noChangeShapeType="1"/>
+          </p:cNvSpPr>
+          <p:nvPr/>
+        </p:nvSpPr>
+        <p:spPr bwMode="auto">
+          <a:xfrm>
+            <a:off x="516036" y="1426332"/>
+            <a:ext cx="828000" cy="1588"/>
+          </a:xfrm>
+          <a:prstGeom prst="line">
+            <a:avLst/>
+          </a:prstGeom>
+          <a:noFill/>
+          <a:ln w="25400">
+            <a:solidFill>
+              <a:srgbClr val="FF0000"/>
+            </a:solidFill>
+            <a:round/>
+            <a:headEnd/>
+            <a:tailEnd/>
+          </a:ln>
+        </p:spPr>
+        <p:txBody>
+          <a:bodyPr/>
+          <a:lstStyle/>
+          <a:p>
+            <a:pPr>
+              <a:defRPr/>
+            </a:pPr>
+            <a:endParaRPr lang="fr-FR" sz="2000">
+              <a:latin typeface="+mn-lt"/>
+            </a:endParaRPr>
+          </a:p>
+        </p:txBody>
+      </p:sp>
+      <p:grpSp>
+        <p:nvGrpSpPr>
+          <p:cNvPr id="9" name="Group 11">
+            <a:extLst>
+              <a:ext uri="{FF2B5EF4-FFF2-40B4-BE49-F238E27FC236}">
+                <a16:creationId xmlns:a16="http://schemas.microsoft.com/office/drawing/2014/main" id="{E02CE653-0EEC-43E5-BEF9-68D92471F8AB}"/>
+              </a:ext>
+            </a:extLst>
+          </p:cNvPr>
+          <p:cNvGrpSpPr>
+            <a:grpSpLocks/>
+          </p:cNvGrpSpPr>
+          <p:nvPr/>
+        </p:nvGrpSpPr>
+        <p:grpSpPr bwMode="auto">
+          <a:xfrm>
+            <a:off x="362740" y="723070"/>
+            <a:ext cx="282575" cy="403225"/>
+            <a:chOff x="3413" y="3221"/>
+            <a:chExt cx="178" cy="254"/>
+          </a:xfrm>
+        </p:grpSpPr>
+        <p:sp>
+          <p:nvSpPr>
+            <p:cNvPr id="45" name="Oval 12">
+              <a:extLst>
+                <a:ext uri="{FF2B5EF4-FFF2-40B4-BE49-F238E27FC236}">
+                  <a16:creationId xmlns:a16="http://schemas.microsoft.com/office/drawing/2014/main" id="{C8CD48E8-989D-44DA-8FF3-7C6DCBDD9457}"/>
+                </a:ext>
+              </a:extLst>
+            </p:cNvPr>
+            <p:cNvSpPr>
+              <a:spLocks noChangeArrowheads="1"/>
+            </p:cNvSpPr>
+            <p:nvPr/>
+          </p:nvSpPr>
+          <p:spPr bwMode="auto">
+            <a:xfrm>
+              <a:off x="3413" y="3221"/>
+              <a:ext cx="178" cy="168"/>
+            </a:xfrm>
+            <a:prstGeom prst="ellipse">
+              <a:avLst/>
+            </a:prstGeom>
+            <a:noFill/>
+            <a:ln w="25400">
+              <a:solidFill>
+                <a:srgbClr val="FF0000"/>
+              </a:solidFill>
+              <a:round/>
+              <a:headEnd/>
+              <a:tailEnd/>
+            </a:ln>
+          </p:spPr>
+          <p:txBody>
+            <a:bodyPr/>
+            <a:lstStyle/>
+            <a:p>
+              <a:pPr>
+                <a:defRPr/>
+              </a:pPr>
+              <a:endParaRPr lang="fr-FR" sz="2000">
+                <a:latin typeface="+mn-lt"/>
+              </a:endParaRPr>
+            </a:p>
+          </p:txBody>
+        </p:sp>
+        <p:sp>
+          <p:nvSpPr>
+            <p:cNvPr id="46" name="Oval 13">
+              <a:extLst>
+                <a:ext uri="{FF2B5EF4-FFF2-40B4-BE49-F238E27FC236}">
+                  <a16:creationId xmlns:a16="http://schemas.microsoft.com/office/drawing/2014/main" id="{E5595C7A-23AC-4D1B-A6AA-D67331609949}"/>
+                </a:ext>
+              </a:extLst>
+            </p:cNvPr>
+            <p:cNvSpPr>
+              <a:spLocks noChangeArrowheads="1"/>
+            </p:cNvSpPr>
+            <p:nvPr/>
+          </p:nvSpPr>
+          <p:spPr bwMode="auto">
+            <a:xfrm>
+              <a:off x="3413" y="3304"/>
+              <a:ext cx="178" cy="171"/>
+            </a:xfrm>
+            <a:prstGeom prst="ellipse">
+              <a:avLst/>
+            </a:prstGeom>
+            <a:noFill/>
+            <a:ln w="25400">
+              <a:solidFill>
+                <a:srgbClr val="FF0000"/>
+              </a:solidFill>
+              <a:round/>
+              <a:headEnd/>
+              <a:tailEnd/>
+            </a:ln>
+          </p:spPr>
+          <p:txBody>
+            <a:bodyPr/>
+            <a:lstStyle/>
+            <a:p>
+              <a:pPr>
+                <a:defRPr/>
+              </a:pPr>
+              <a:endParaRPr lang="fr-FR" sz="2000">
+                <a:latin typeface="+mn-lt"/>
+              </a:endParaRPr>
+            </a:p>
+          </p:txBody>
+        </p:sp>
+      </p:grpSp>
+      <p:sp>
+        <p:nvSpPr>
+          <p:cNvPr id="10" name="Freeform 14">
+            <a:extLst>
+              <a:ext uri="{FF2B5EF4-FFF2-40B4-BE49-F238E27FC236}">
+                <a16:creationId xmlns:a16="http://schemas.microsoft.com/office/drawing/2014/main" id="{5FA48C6A-85F2-4878-BFBD-77D98FC07E50}"/>
+              </a:ext>
+            </a:extLst>
+          </p:cNvPr>
+          <p:cNvSpPr>
+            <a:spLocks/>
+          </p:cNvSpPr>
+          <p:nvPr/>
+        </p:nvSpPr>
+        <p:spPr bwMode="auto">
+          <a:xfrm>
+            <a:off x="505615" y="421445"/>
+            <a:ext cx="850900" cy="301625"/>
+          </a:xfrm>
+          <a:custGeom>
+            <a:avLst/>
+            <a:gdLst/>
+            <a:ahLst/>
+            <a:cxnLst>
+              <a:cxn ang="0">
+                <a:pos x="0" y="190"/>
+              </a:cxn>
+              <a:cxn ang="0">
+                <a:pos x="0" y="0"/>
+              </a:cxn>
+              <a:cxn ang="0">
+                <a:pos x="536" y="0"/>
+              </a:cxn>
+            </a:cxnLst>
+            <a:rect l="0" t="0" r="r" b="b"/>
+            <a:pathLst>
+              <a:path w="536" h="190">
+                <a:moveTo>
+                  <a:pt x="0" y="190"/>
+                </a:moveTo>
+                <a:lnTo>
+                  <a:pt x="0" y="0"/>
+                </a:lnTo>
+                <a:lnTo>
+                  <a:pt x="536" y="0"/>
+                </a:lnTo>
+              </a:path>
+            </a:pathLst>
+          </a:custGeom>
+          <a:noFill/>
+          <a:ln w="25400">
+            <a:solidFill>
+              <a:srgbClr val="FF0000"/>
+            </a:solidFill>
+            <a:prstDash val="solid"/>
+            <a:round/>
+            <a:headEnd/>
+            <a:tailEnd/>
+          </a:ln>
+        </p:spPr>
+        <p:txBody>
+          <a:bodyPr/>
+          <a:lstStyle/>
+          <a:p>
+            <a:pPr>
+              <a:defRPr/>
+            </a:pPr>
+            <a:endParaRPr lang="fr-FR" sz="2000">
+              <a:latin typeface="+mn-lt"/>
+            </a:endParaRPr>
+          </a:p>
+        </p:txBody>
+      </p:sp>
+      <p:sp>
+        <p:nvSpPr>
+          <p:cNvPr id="11" name="Line 15">
+            <a:extLst>
+              <a:ext uri="{FF2B5EF4-FFF2-40B4-BE49-F238E27FC236}">
+                <a16:creationId xmlns:a16="http://schemas.microsoft.com/office/drawing/2014/main" id="{EC9DC4D9-70DD-4E1E-A097-70BEF45EA010}"/>
+              </a:ext>
+            </a:extLst>
+          </p:cNvPr>
+          <p:cNvSpPr>
+            <a:spLocks noChangeShapeType="1"/>
+          </p:cNvSpPr>
+          <p:nvPr/>
+        </p:nvSpPr>
+        <p:spPr bwMode="auto">
+          <a:xfrm flipV="1">
+            <a:off x="505615" y="1124707"/>
+            <a:ext cx="1587" cy="301625"/>
+          </a:xfrm>
+          <a:prstGeom prst="line">
+            <a:avLst/>
+          </a:prstGeom>
+          <a:noFill/>
+          <a:ln w="25400">
+            <a:solidFill>
+              <a:srgbClr val="000000"/>
+            </a:solidFill>
+            <a:round/>
+            <a:headEnd/>
+            <a:tailEnd/>
+          </a:ln>
+        </p:spPr>
+        <p:txBody>
+          <a:bodyPr/>
+          <a:lstStyle/>
+          <a:p>
+            <a:pPr>
+              <a:defRPr/>
+            </a:pPr>
+            <a:endParaRPr lang="fr-FR" sz="2000">
+              <a:latin typeface="+mn-lt"/>
+            </a:endParaRPr>
+          </a:p>
+        </p:txBody>
+      </p:sp>
+      <p:sp>
+        <p:nvSpPr>
+          <p:cNvPr id="12" name="Freeform 16">
+            <a:extLst>
+              <a:ext uri="{FF2B5EF4-FFF2-40B4-BE49-F238E27FC236}">
+                <a16:creationId xmlns:a16="http://schemas.microsoft.com/office/drawing/2014/main" id="{94CA67B4-EEBA-49F6-9046-D36728201482}"/>
+              </a:ext>
+            </a:extLst>
+          </p:cNvPr>
+          <p:cNvSpPr>
+            <a:spLocks/>
+          </p:cNvSpPr>
+          <p:nvPr/>
+        </p:nvSpPr>
+        <p:spPr bwMode="auto">
+          <a:xfrm>
+            <a:off x="889790" y="370645"/>
+            <a:ext cx="74612" cy="101600"/>
+          </a:xfrm>
+          <a:custGeom>
+            <a:avLst/>
+            <a:gdLst/>
+            <a:ahLst/>
+            <a:cxnLst>
+              <a:cxn ang="0">
+                <a:pos x="0" y="32"/>
+              </a:cxn>
+              <a:cxn ang="0">
+                <a:pos x="47" y="0"/>
+              </a:cxn>
+              <a:cxn ang="0">
+                <a:pos x="47" y="64"/>
+              </a:cxn>
+              <a:cxn ang="0">
+                <a:pos x="0" y="32"/>
+              </a:cxn>
+            </a:cxnLst>
+            <a:rect l="0" t="0" r="r" b="b"/>
+            <a:pathLst>
+              <a:path w="47" h="64">
+                <a:moveTo>
+                  <a:pt x="0" y="32"/>
+                </a:moveTo>
+                <a:lnTo>
+                  <a:pt x="47" y="0"/>
+                </a:lnTo>
+                <a:lnTo>
+                  <a:pt x="47" y="64"/>
+                </a:lnTo>
+                <a:lnTo>
+                  <a:pt x="0" y="32"/>
+                </a:lnTo>
+                <a:close/>
+              </a:path>
+            </a:pathLst>
+          </a:custGeom>
+          <a:solidFill>
+            <a:srgbClr val="FF0000"/>
+          </a:solidFill>
+          <a:ln w="25400">
+            <a:solidFill>
+              <a:srgbClr val="FF0000"/>
+            </a:solidFill>
+            <a:prstDash val="solid"/>
+            <a:round/>
+            <a:headEnd/>
+            <a:tailEnd/>
+          </a:ln>
+        </p:spPr>
+        <p:txBody>
+          <a:bodyPr/>
+          <a:lstStyle/>
+          <a:p>
+            <a:pPr>
+              <a:defRPr/>
+            </a:pPr>
+            <a:endParaRPr lang="fr-FR" sz="2000">
+              <a:latin typeface="+mn-lt"/>
+            </a:endParaRPr>
+          </a:p>
+        </p:txBody>
+      </p:sp>
+      <p:sp>
+        <p:nvSpPr>
+          <p:cNvPr id="14" name="Oval 18">
+            <a:extLst>
+              <a:ext uri="{FF2B5EF4-FFF2-40B4-BE49-F238E27FC236}">
+                <a16:creationId xmlns:a16="http://schemas.microsoft.com/office/drawing/2014/main" id="{2476419F-29AF-4871-87E5-E3198CA55492}"/>
+              </a:ext>
+            </a:extLst>
+          </p:cNvPr>
+          <p:cNvSpPr>
+            <a:spLocks noChangeArrowheads="1"/>
+          </p:cNvSpPr>
+          <p:nvPr/>
+        </p:nvSpPr>
+        <p:spPr bwMode="auto">
+          <a:xfrm>
+            <a:off x="1322981" y="408745"/>
+            <a:ext cx="57150" cy="49213"/>
+          </a:xfrm>
+          <a:prstGeom prst="ellipse">
+            <a:avLst/>
+          </a:prstGeom>
+          <a:solidFill>
+            <a:srgbClr val="000000"/>
+          </a:solidFill>
+          <a:ln w="25400">
+            <a:solidFill>
+              <a:srgbClr val="000000"/>
+            </a:solidFill>
+            <a:round/>
+            <a:headEnd/>
+            <a:tailEnd/>
+          </a:ln>
+        </p:spPr>
+        <p:txBody>
+          <a:bodyPr/>
+          <a:lstStyle/>
+          <a:p>
+            <a:pPr>
+              <a:defRPr/>
+            </a:pPr>
+            <a:endParaRPr lang="fr-FR" sz="2000">
+              <a:latin typeface="+mn-lt"/>
+            </a:endParaRPr>
+          </a:p>
+        </p:txBody>
+      </p:sp>
+      <p:sp>
+        <p:nvSpPr>
+          <p:cNvPr id="17" name="Rectangle 16">
+            <a:extLst>
+              <a:ext uri="{FF2B5EF4-FFF2-40B4-BE49-F238E27FC236}">
+                <a16:creationId xmlns:a16="http://schemas.microsoft.com/office/drawing/2014/main" id="{4760EC27-3AFF-48E2-991F-E4B64F513D84}"/>
+              </a:ext>
+            </a:extLst>
+          </p:cNvPr>
+          <p:cNvSpPr>
+            <a:spLocks noChangeArrowheads="1"/>
+          </p:cNvSpPr>
+          <p:nvPr/>
+        </p:nvSpPr>
+        <p:spPr bwMode="auto">
+          <a:xfrm>
+            <a:off x="1402552" y="256345"/>
+            <a:ext cx="136256" cy="307777"/>
+          </a:xfrm>
+          <a:prstGeom prst="rect">
+            <a:avLst/>
+          </a:prstGeom>
+          <a:noFill/>
+          <a:ln w="25400">
+            <a:noFill/>
+            <a:miter lim="800000"/>
+            <a:headEnd/>
+            <a:tailEnd/>
+          </a:ln>
+        </p:spPr>
+        <p:txBody>
+          <a:bodyPr wrap="none" lIns="0" tIns="0" rIns="0" bIns="0">
+            <a:spAutoFit/>
+          </a:bodyPr>
+          <a:lstStyle/>
+          <a:p>
+            <a:pPr>
+              <a:defRPr/>
+            </a:pPr>
+            <a:r>
+              <a:rPr lang="fr-FR" sz="2000" dirty="0">
+                <a:solidFill>
+                  <a:srgbClr val="FF0000"/>
+                </a:solidFill>
+                <a:effectLst/>
+                <a:latin typeface="+mn-lt"/>
+              </a:rPr>
+              <a:t>C</a:t>
+            </a:r>
+            <a:endParaRPr lang="fr-FR" sz="2000" dirty="0">
+              <a:solidFill>
+                <a:srgbClr val="FF0000"/>
+              </a:solidFill>
+              <a:effectLst>
+                <a:outerShdw blurRad="38100" dist="38100" dir="2700000" algn="tl">
+                  <a:srgbClr val="000000"/>
+                </a:outerShdw>
+              </a:effectLst>
+              <a:latin typeface="+mn-lt"/>
+            </a:endParaRPr>
+          </a:p>
+        </p:txBody>
+      </p:sp>
+      <p:sp>
+        <p:nvSpPr>
+          <p:cNvPr id="21" name="Rectangle 20">
+            <a:extLst>
+              <a:ext uri="{FF2B5EF4-FFF2-40B4-BE49-F238E27FC236}">
+                <a16:creationId xmlns:a16="http://schemas.microsoft.com/office/drawing/2014/main" id="{5B026465-4A90-4BD5-9DBD-1F183AB07F0B}"/>
+              </a:ext>
+            </a:extLst>
+          </p:cNvPr>
+          <p:cNvSpPr>
+            <a:spLocks noChangeArrowheads="1"/>
+          </p:cNvSpPr>
+          <p:nvPr/>
+        </p:nvSpPr>
+        <p:spPr bwMode="auto">
+          <a:xfrm>
+            <a:off x="672302" y="799270"/>
+            <a:ext cx="320675" cy="307777"/>
+          </a:xfrm>
+          <a:prstGeom prst="rect">
+            <a:avLst/>
+          </a:prstGeom>
+          <a:noFill/>
+          <a:ln w="25400">
+            <a:noFill/>
+            <a:miter lim="800000"/>
+            <a:headEnd/>
+            <a:tailEnd/>
+          </a:ln>
+        </p:spPr>
+        <p:txBody>
+          <a:bodyPr lIns="0" tIns="0" rIns="0" bIns="0">
+            <a:spAutoFit/>
+          </a:bodyPr>
+          <a:lstStyle/>
+          <a:p>
+            <a:pPr>
+              <a:defRPr/>
+            </a:pPr>
+            <a:r>
+              <a:rPr lang="fr-FR" sz="2000" dirty="0">
+                <a:solidFill>
+                  <a:srgbClr val="FF0000"/>
+                </a:solidFill>
+                <a:effectLst/>
+                <a:latin typeface="+mn-lt"/>
+                <a:sym typeface="Symbol" pitchFamily="18" charset="2"/>
+              </a:rPr>
+              <a:t></a:t>
+            </a:r>
+            <a:r>
+              <a:rPr lang="fr-FR" sz="2000" i="1" dirty="0">
+                <a:solidFill>
+                  <a:srgbClr val="FF0000"/>
+                </a:solidFill>
+                <a:effectLst/>
+                <a:latin typeface="+mn-lt"/>
+              </a:rPr>
+              <a:t>i</a:t>
+            </a:r>
+            <a:r>
+              <a:rPr lang="fr-FR" sz="2000" i="1" baseline="-25000" dirty="0">
+                <a:solidFill>
+                  <a:srgbClr val="FF0000"/>
+                </a:solidFill>
+                <a:effectLst/>
+                <a:latin typeface="+mn-lt"/>
+              </a:rPr>
+              <a:t>b</a:t>
+            </a:r>
+            <a:endParaRPr lang="fr-FR" sz="2000" i="1" baseline="-25000" dirty="0">
+              <a:solidFill>
+                <a:srgbClr val="FF0000"/>
+              </a:solidFill>
+              <a:effectLst>
+                <a:outerShdw blurRad="38100" dist="38100" dir="2700000" algn="tl">
+                  <a:srgbClr val="000000"/>
+                </a:outerShdw>
+              </a:effectLst>
+              <a:latin typeface="+mn-lt"/>
+            </a:endParaRPr>
+          </a:p>
+        </p:txBody>
+      </p:sp>
+      <p:sp>
+        <p:nvSpPr>
+          <p:cNvPr id="22" name="Oval 26">
+            <a:extLst>
+              <a:ext uri="{FF2B5EF4-FFF2-40B4-BE49-F238E27FC236}">
+                <a16:creationId xmlns:a16="http://schemas.microsoft.com/office/drawing/2014/main" id="{E0F7AEE2-CA2F-4F4F-A0D4-4B88F4C1A53E}"/>
+              </a:ext>
+            </a:extLst>
+          </p:cNvPr>
+          <p:cNvSpPr>
+            <a:spLocks noChangeArrowheads="1"/>
+          </p:cNvSpPr>
+          <p:nvPr/>
+        </p:nvSpPr>
+        <p:spPr bwMode="auto">
+          <a:xfrm>
+            <a:off x="1352508" y="1407282"/>
+            <a:ext cx="57150" cy="49213"/>
+          </a:xfrm>
+          <a:prstGeom prst="ellipse">
+            <a:avLst/>
+          </a:prstGeom>
+          <a:solidFill>
+            <a:srgbClr val="000000"/>
+          </a:solidFill>
+          <a:ln w="25400">
+            <a:solidFill>
+              <a:srgbClr val="000000"/>
+            </a:solidFill>
+            <a:round/>
+            <a:headEnd/>
+            <a:tailEnd/>
+          </a:ln>
+        </p:spPr>
+        <p:txBody>
+          <a:bodyPr/>
+          <a:lstStyle/>
+          <a:p>
+            <a:pPr>
+              <a:defRPr/>
+            </a:pPr>
+            <a:endParaRPr lang="fr-FR" sz="2000">
+              <a:latin typeface="+mn-lt"/>
+            </a:endParaRPr>
+          </a:p>
+        </p:txBody>
+      </p:sp>
+      <p:sp>
+        <p:nvSpPr>
+          <p:cNvPr id="23" name="Rectangle 22">
+            <a:extLst>
+              <a:ext uri="{FF2B5EF4-FFF2-40B4-BE49-F238E27FC236}">
+                <a16:creationId xmlns:a16="http://schemas.microsoft.com/office/drawing/2014/main" id="{18280244-6F53-4CC8-A3A7-B43D52073ACB}"/>
+              </a:ext>
+            </a:extLst>
+          </p:cNvPr>
+          <p:cNvSpPr>
+            <a:spLocks noChangeArrowheads="1"/>
+          </p:cNvSpPr>
+          <p:nvPr/>
+        </p:nvSpPr>
+        <p:spPr bwMode="auto">
+          <a:xfrm>
+            <a:off x="1432715" y="1310445"/>
+            <a:ext cx="125034" cy="307777"/>
+          </a:xfrm>
+          <a:prstGeom prst="rect">
+            <a:avLst/>
+          </a:prstGeom>
+          <a:noFill/>
+          <a:ln w="25400">
+            <a:noFill/>
+            <a:miter lim="800000"/>
+            <a:headEnd/>
+            <a:tailEnd/>
+          </a:ln>
+        </p:spPr>
+        <p:txBody>
+          <a:bodyPr wrap="none" lIns="0" tIns="0" rIns="0" bIns="0">
+            <a:spAutoFit/>
+          </a:bodyPr>
+          <a:lstStyle/>
+          <a:p>
+            <a:pPr>
+              <a:defRPr/>
+            </a:pPr>
+            <a:r>
+              <a:rPr lang="fr-FR" sz="2000" dirty="0">
+                <a:solidFill>
+                  <a:srgbClr val="FF0000"/>
+                </a:solidFill>
+                <a:effectLst/>
+                <a:latin typeface="+mn-lt"/>
+              </a:rPr>
+              <a:t>E</a:t>
+            </a:r>
+            <a:endParaRPr lang="fr-FR" sz="2000" dirty="0">
+              <a:solidFill>
+                <a:srgbClr val="FF0000"/>
+              </a:solidFill>
+              <a:effectLst>
+                <a:outerShdw blurRad="38100" dist="38100" dir="2700000" algn="tl">
+                  <a:srgbClr val="000000"/>
+                </a:outerShdw>
+              </a:effectLst>
+              <a:latin typeface="+mn-lt"/>
+            </a:endParaRPr>
+          </a:p>
+        </p:txBody>
+      </p:sp>
+      <p:sp>
+        <p:nvSpPr>
+          <p:cNvPr id="25" name="Rectangle 24">
+            <a:extLst>
+              <a:ext uri="{FF2B5EF4-FFF2-40B4-BE49-F238E27FC236}">
+                <a16:creationId xmlns:a16="http://schemas.microsoft.com/office/drawing/2014/main" id="{2A3DF76E-3306-4C29-8256-CEE6F246CA78}"/>
+              </a:ext>
+            </a:extLst>
+          </p:cNvPr>
+          <p:cNvSpPr>
+            <a:spLocks noChangeArrowheads="1"/>
+          </p:cNvSpPr>
+          <p:nvPr/>
+        </p:nvSpPr>
+        <p:spPr bwMode="auto">
+          <a:xfrm>
+            <a:off x="925657" y="100968"/>
+            <a:ext cx="129844" cy="307777"/>
+          </a:xfrm>
+          <a:prstGeom prst="rect">
+            <a:avLst/>
+          </a:prstGeom>
+          <a:noFill/>
+          <a:ln w="25400">
+            <a:noFill/>
+            <a:miter lim="800000"/>
+            <a:headEnd/>
+            <a:tailEnd/>
+          </a:ln>
+        </p:spPr>
+        <p:txBody>
+          <a:bodyPr wrap="none" lIns="0" tIns="0" rIns="0" bIns="0">
+            <a:spAutoFit/>
+          </a:bodyPr>
+          <a:lstStyle/>
+          <a:p>
+            <a:pPr>
+              <a:defRPr/>
+            </a:pPr>
+            <a:r>
+              <a:rPr lang="fr-FR" sz="2000" i="1" dirty="0">
+                <a:solidFill>
+                  <a:srgbClr val="FF0000"/>
+                </a:solidFill>
+                <a:effectLst/>
+                <a:latin typeface="+mn-lt"/>
+              </a:rPr>
+              <a:t>i</a:t>
+            </a:r>
+            <a:r>
+              <a:rPr lang="fr-FR" sz="2000" i="1" baseline="-25000" dirty="0">
+                <a:solidFill>
+                  <a:srgbClr val="FF0000"/>
+                </a:solidFill>
+                <a:effectLst/>
+                <a:latin typeface="+mn-lt"/>
+              </a:rPr>
+              <a:t>c</a:t>
+            </a:r>
+            <a:endParaRPr lang="fr-FR" sz="2000" i="1" baseline="-25000" dirty="0">
+              <a:solidFill>
+                <a:srgbClr val="FF0000"/>
+              </a:solidFill>
+              <a:effectLst>
+                <a:outerShdw blurRad="38100" dist="38100" dir="2700000" algn="tl">
+                  <a:srgbClr val="000000"/>
+                </a:outerShdw>
+              </a:effectLst>
+              <a:latin typeface="+mn-lt"/>
+            </a:endParaRPr>
+          </a:p>
+        </p:txBody>
+      </p:sp>
+      <p:grpSp>
+        <p:nvGrpSpPr>
+          <p:cNvPr id="27" name="Group 38">
+            <a:extLst>
+              <a:ext uri="{FF2B5EF4-FFF2-40B4-BE49-F238E27FC236}">
+                <a16:creationId xmlns:a16="http://schemas.microsoft.com/office/drawing/2014/main" id="{7C3123D4-8C11-4A6D-B78D-E298FE4E2882}"/>
+              </a:ext>
+            </a:extLst>
+          </p:cNvPr>
+          <p:cNvGrpSpPr>
+            <a:grpSpLocks/>
+          </p:cNvGrpSpPr>
+          <p:nvPr/>
+        </p:nvGrpSpPr>
+        <p:grpSpPr bwMode="auto">
+          <a:xfrm>
+            <a:off x="459577" y="786570"/>
+            <a:ext cx="90487" cy="285750"/>
+            <a:chOff x="3474" y="3261"/>
+            <a:chExt cx="57" cy="180"/>
+          </a:xfrm>
+        </p:grpSpPr>
+        <p:sp>
+          <p:nvSpPr>
+            <p:cNvPr id="43" name="Line 39">
+              <a:extLst>
+                <a:ext uri="{FF2B5EF4-FFF2-40B4-BE49-F238E27FC236}">
+                  <a16:creationId xmlns:a16="http://schemas.microsoft.com/office/drawing/2014/main" id="{5E953442-3153-48D9-8CDB-411224B4FEDF}"/>
+                </a:ext>
+              </a:extLst>
+            </p:cNvPr>
+            <p:cNvSpPr>
+              <a:spLocks noChangeShapeType="1"/>
+            </p:cNvSpPr>
+            <p:nvPr/>
+          </p:nvSpPr>
+          <p:spPr bwMode="auto">
+            <a:xfrm>
+              <a:off x="3501" y="3261"/>
+              <a:ext cx="1" cy="142"/>
+            </a:xfrm>
+            <a:prstGeom prst="line">
+              <a:avLst/>
+            </a:prstGeom>
+            <a:noFill/>
+            <a:ln w="25400">
+              <a:solidFill>
+                <a:srgbClr val="FF0000"/>
+              </a:solidFill>
+              <a:round/>
+              <a:headEnd/>
+              <a:tailEnd/>
+            </a:ln>
+          </p:spPr>
+          <p:txBody>
+            <a:bodyPr/>
+            <a:lstStyle/>
+            <a:p>
+              <a:pPr>
+                <a:defRPr/>
+              </a:pPr>
+              <a:endParaRPr lang="fr-FR" sz="2000">
+                <a:latin typeface="+mn-lt"/>
+              </a:endParaRPr>
+            </a:p>
+          </p:txBody>
+        </p:sp>
+        <p:sp>
+          <p:nvSpPr>
+            <p:cNvPr id="44" name="Freeform 40">
+              <a:extLst>
+                <a:ext uri="{FF2B5EF4-FFF2-40B4-BE49-F238E27FC236}">
+                  <a16:creationId xmlns:a16="http://schemas.microsoft.com/office/drawing/2014/main" id="{2EE90437-4349-4721-8B6A-30AA92973068}"/>
+                </a:ext>
+              </a:extLst>
+            </p:cNvPr>
+            <p:cNvSpPr>
+              <a:spLocks/>
+            </p:cNvSpPr>
+            <p:nvPr/>
+          </p:nvSpPr>
+          <p:spPr bwMode="auto">
+            <a:xfrm>
+              <a:off x="3474" y="3398"/>
+              <a:ext cx="57" cy="43"/>
+            </a:xfrm>
+            <a:custGeom>
+              <a:avLst/>
+              <a:gdLst/>
+              <a:ahLst/>
+              <a:cxnLst>
+                <a:cxn ang="0">
+                  <a:pos x="29" y="43"/>
+                </a:cxn>
+                <a:cxn ang="0">
+                  <a:pos x="0" y="0"/>
+                </a:cxn>
+                <a:cxn ang="0">
+                  <a:pos x="57" y="0"/>
+                </a:cxn>
+                <a:cxn ang="0">
+                  <a:pos x="29" y="43"/>
+                </a:cxn>
+              </a:cxnLst>
+              <a:rect l="0" t="0" r="r" b="b"/>
+              <a:pathLst>
+                <a:path w="57" h="43">
+                  <a:moveTo>
+                    <a:pt x="29" y="43"/>
+                  </a:moveTo>
+                  <a:lnTo>
+                    <a:pt x="0" y="0"/>
+                  </a:lnTo>
+                  <a:lnTo>
+                    <a:pt x="57" y="0"/>
+                  </a:lnTo>
+                  <a:lnTo>
+                    <a:pt x="29" y="43"/>
+                  </a:lnTo>
+                  <a:close/>
+                </a:path>
+              </a:pathLst>
+            </a:custGeom>
+            <a:solidFill>
+              <a:srgbClr val="000000"/>
+            </a:solidFill>
+            <a:ln w="25400">
+              <a:solidFill>
+                <a:srgbClr val="FF0000"/>
+              </a:solidFill>
+              <a:prstDash val="solid"/>
+              <a:round/>
+              <a:headEnd/>
+              <a:tailEnd/>
+            </a:ln>
+          </p:spPr>
+          <p:txBody>
+            <a:bodyPr/>
+            <a:lstStyle/>
+            <a:p>
+              <a:pPr>
+                <a:defRPr/>
+              </a:pPr>
+              <a:endParaRPr lang="fr-FR" sz="2000">
+                <a:latin typeface="+mn-lt"/>
+              </a:endParaRPr>
+            </a:p>
+          </p:txBody>
+        </p:sp>
+      </p:grpSp>
+      <p:sp>
+        <p:nvSpPr>
+          <p:cNvPr id="33" name="Line 28">
+            <a:extLst>
+              <a:ext uri="{FF2B5EF4-FFF2-40B4-BE49-F238E27FC236}">
+                <a16:creationId xmlns:a16="http://schemas.microsoft.com/office/drawing/2014/main" id="{A1F81C07-328A-4950-8EA8-F89C4D2AB8E6}"/>
+              </a:ext>
+            </a:extLst>
+          </p:cNvPr>
+          <p:cNvSpPr>
+            <a:spLocks noChangeShapeType="1"/>
+          </p:cNvSpPr>
+          <p:nvPr/>
+        </p:nvSpPr>
+        <p:spPr bwMode="auto">
+          <a:xfrm>
+            <a:off x="1163961" y="429007"/>
+            <a:ext cx="1417" cy="1008000"/>
+          </a:xfrm>
+          <a:prstGeom prst="line">
+            <a:avLst/>
+          </a:prstGeom>
+          <a:noFill/>
+          <a:ln w="22225">
+            <a:solidFill>
+              <a:srgbClr val="000000"/>
+            </a:solidFill>
+            <a:round/>
+            <a:headEnd/>
+            <a:tailEnd/>
+          </a:ln>
+        </p:spPr>
+        <p:txBody>
+          <a:bodyPr/>
+          <a:lstStyle/>
+          <a:p>
+            <a:pPr>
+              <a:defRPr/>
+            </a:pPr>
+            <a:endParaRPr lang="fr-FR">
+              <a:latin typeface="+mn-lt"/>
+            </a:endParaRPr>
+          </a:p>
+        </p:txBody>
+      </p:sp>
+      <p:sp>
+        <p:nvSpPr>
+          <p:cNvPr id="34" name="Rectangle 27">
+            <a:extLst>
+              <a:ext uri="{FF2B5EF4-FFF2-40B4-BE49-F238E27FC236}">
+                <a16:creationId xmlns:a16="http://schemas.microsoft.com/office/drawing/2014/main" id="{58D24A3B-B76E-4ECA-B6E5-6FFEB4308626}"/>
+              </a:ext>
+            </a:extLst>
+          </p:cNvPr>
+          <p:cNvSpPr>
+            <a:spLocks noChangeArrowheads="1"/>
+          </p:cNvSpPr>
+          <p:nvPr/>
+        </p:nvSpPr>
+        <p:spPr bwMode="auto">
+          <a:xfrm>
+            <a:off x="1097441" y="695528"/>
+            <a:ext cx="120487" cy="498475"/>
+          </a:xfrm>
+          <a:prstGeom prst="rect">
+            <a:avLst/>
+          </a:prstGeom>
+          <a:solidFill>
+            <a:srgbClr val="C0C0C0"/>
+          </a:solidFill>
+          <a:ln w="22225">
+            <a:solidFill>
+              <a:srgbClr val="000000"/>
+            </a:solidFill>
+            <a:miter lim="800000"/>
+            <a:headEnd/>
+            <a:tailEnd/>
+          </a:ln>
+        </p:spPr>
+        <p:txBody>
+          <a:bodyPr/>
+          <a:lstStyle/>
+          <a:p>
+            <a:pPr>
+              <a:defRPr/>
+            </a:pPr>
+            <a:endParaRPr lang="fr-FR">
+              <a:latin typeface="+mn-lt"/>
+            </a:endParaRPr>
+          </a:p>
+        </p:txBody>
+      </p:sp>
+      <p:sp>
+        <p:nvSpPr>
+          <p:cNvPr id="36" name="Forme libre 243">
+            <a:extLst>
+              <a:ext uri="{FF2B5EF4-FFF2-40B4-BE49-F238E27FC236}">
+                <a16:creationId xmlns:a16="http://schemas.microsoft.com/office/drawing/2014/main" id="{4AB5638F-F8EB-4920-AB97-631DDFE6FD07}"/>
+              </a:ext>
+            </a:extLst>
+          </p:cNvPr>
+          <p:cNvSpPr/>
+          <p:nvPr/>
+        </p:nvSpPr>
+        <p:spPr>
+          <a:xfrm flipH="1">
+            <a:off x="1586710" y="479544"/>
+            <a:ext cx="180340" cy="906780"/>
+          </a:xfrm>
+          <a:custGeom>
+            <a:avLst/>
+            <a:gdLst>
+              <a:gd name="connsiteX0" fmla="*/ 149860 w 180340"/>
+              <a:gd name="connsiteY0" fmla="*/ 906780 h 906780"/>
+              <a:gd name="connsiteX1" fmla="*/ 5080 w 180340"/>
+              <a:gd name="connsiteY1" fmla="*/ 441960 h 906780"/>
+              <a:gd name="connsiteX2" fmla="*/ 180340 w 180340"/>
+              <a:gd name="connsiteY2" fmla="*/ 0 h 906780"/>
+            </a:gdLst>
+            <a:ahLst/>
+            <a:cxnLst>
+              <a:cxn ang="0">
+                <a:pos x="connsiteX0" y="connsiteY0"/>
+              </a:cxn>
+              <a:cxn ang="0">
+                <a:pos x="connsiteX1" y="connsiteY1"/>
+              </a:cxn>
+              <a:cxn ang="0">
+                <a:pos x="connsiteX2" y="connsiteY2"/>
+              </a:cxn>
+            </a:cxnLst>
+            <a:rect l="l" t="t" r="r" b="b"/>
+            <a:pathLst>
+              <a:path w="180340" h="906780">
+                <a:moveTo>
+                  <a:pt x="149860" y="906780"/>
+                </a:moveTo>
+                <a:cubicBezTo>
+                  <a:pt x="74930" y="749935"/>
+                  <a:pt x="0" y="593090"/>
+                  <a:pt x="5080" y="441960"/>
+                </a:cubicBezTo>
+                <a:cubicBezTo>
+                  <a:pt x="10160" y="290830"/>
+                  <a:pt x="156210" y="77470"/>
+                  <a:pt x="180340" y="0"/>
+                </a:cubicBezTo>
+              </a:path>
+            </a:pathLst>
+          </a:custGeom>
+          <a:ln w="28575">
+            <a:solidFill>
+              <a:srgbClr val="0033CC"/>
+            </a:solidFill>
+            <a:headEnd type="none" w="med" len="med"/>
+            <a:tailEnd type="triangle" w="lg" len="lg"/>
+          </a:ln>
+        </p:spPr>
+        <p:style>
+          <a:lnRef idx="1">
+            <a:schemeClr val="accent1"/>
+          </a:lnRef>
+          <a:fillRef idx="0">
+            <a:schemeClr val="accent1"/>
+          </a:fillRef>
+          <a:effectRef idx="0">
+            <a:schemeClr val="accent1"/>
+          </a:effectRef>
+          <a:fontRef idx="minor">
+            <a:schemeClr val="tx1"/>
+          </a:fontRef>
+        </p:style>
+        <p:txBody>
+          <a:bodyPr rtlCol="0" anchor="ctr"/>
+          <a:lstStyle/>
+          <a:p>
+            <a:pPr algn="ctr"/>
+            <a:endParaRPr lang="fr-FR"/>
+          </a:p>
+        </p:txBody>
+      </p:sp>
+      <p:sp>
+        <p:nvSpPr>
+          <p:cNvPr id="37" name="Rectangle 36">
+            <a:extLst>
+              <a:ext uri="{FF2B5EF4-FFF2-40B4-BE49-F238E27FC236}">
+                <a16:creationId xmlns:a16="http://schemas.microsoft.com/office/drawing/2014/main" id="{8B97D65D-7384-417B-8C0E-7A4AAAD071FB}"/>
+              </a:ext>
+            </a:extLst>
+          </p:cNvPr>
+          <p:cNvSpPr>
+            <a:spLocks noChangeArrowheads="1"/>
+          </p:cNvSpPr>
+          <p:nvPr/>
+        </p:nvSpPr>
+        <p:spPr bwMode="auto">
+          <a:xfrm>
+            <a:off x="1802113" y="708780"/>
+            <a:ext cx="268856" cy="246221"/>
+          </a:xfrm>
+          <a:prstGeom prst="rect">
+            <a:avLst/>
+          </a:prstGeom>
+          <a:noFill/>
+          <a:ln w="25400">
+            <a:solidFill>
+              <a:schemeClr val="tx1"/>
+            </a:solidFill>
+            <a:miter lim="800000"/>
+            <a:headEnd/>
+            <a:tailEnd/>
+          </a:ln>
+        </p:spPr>
+        <p:txBody>
+          <a:bodyPr wrap="none" lIns="0" tIns="0" rIns="0" bIns="0">
+            <a:spAutoFit/>
+          </a:bodyPr>
+          <a:lstStyle/>
+          <a:p>
+            <a:pPr>
+              <a:defRPr/>
+            </a:pPr>
+            <a:r>
+              <a:rPr lang="fr-FR" sz="1600" i="1" dirty="0">
+                <a:solidFill>
+                  <a:srgbClr val="0033CC"/>
+                </a:solidFill>
+                <a:effectLst/>
+                <a:latin typeface="+mn-lt"/>
+              </a:rPr>
+              <a:t>v</a:t>
+            </a:r>
+            <a:r>
+              <a:rPr lang="fr-FR" sz="1600" i="1" baseline="-25000" dirty="0">
+                <a:solidFill>
+                  <a:srgbClr val="0033CC"/>
+                </a:solidFill>
+                <a:effectLst/>
+                <a:latin typeface="+mn-lt"/>
+              </a:rPr>
+              <a:t>sco</a:t>
+            </a:r>
+            <a:endParaRPr lang="fr-FR" sz="1600" i="1" baseline="-25000" dirty="0">
+              <a:solidFill>
+                <a:srgbClr val="0033CC"/>
+              </a:solidFill>
+              <a:effectLst>
+                <a:outerShdw blurRad="38100" dist="38100" dir="2700000" algn="tl">
+                  <a:srgbClr val="000000"/>
+                </a:outerShdw>
+              </a:effectLst>
+              <a:latin typeface="+mn-lt"/>
+            </a:endParaRPr>
+          </a:p>
+        </p:txBody>
+      </p:sp>
+      <p:sp>
+        <p:nvSpPr>
+          <p:cNvPr id="47" name="Rectangle 46">
+            <a:extLst>
+              <a:ext uri="{FF2B5EF4-FFF2-40B4-BE49-F238E27FC236}">
+                <a16:creationId xmlns:a16="http://schemas.microsoft.com/office/drawing/2014/main" id="{9CA9D085-EF5E-421F-9F26-D48686287842}"/>
+              </a:ext>
+            </a:extLst>
+          </p:cNvPr>
+          <p:cNvSpPr>
+            <a:spLocks noChangeArrowheads="1"/>
+          </p:cNvSpPr>
+          <p:nvPr/>
+        </p:nvSpPr>
+        <p:spPr bwMode="auto">
+          <a:xfrm>
+            <a:off x="1246889" y="817313"/>
+            <a:ext cx="147476" cy="184666"/>
+          </a:xfrm>
+          <a:prstGeom prst="rect">
+            <a:avLst/>
+          </a:prstGeom>
+          <a:noFill/>
+          <a:ln w="25400">
+            <a:noFill/>
+            <a:miter lim="800000"/>
+            <a:headEnd/>
+            <a:tailEnd/>
+          </a:ln>
+        </p:spPr>
+        <p:txBody>
+          <a:bodyPr wrap="none" lIns="0" tIns="0" rIns="0" bIns="0">
+            <a:spAutoFit/>
+          </a:bodyPr>
+          <a:lstStyle/>
+          <a:p>
+            <a:pPr>
+              <a:defRPr/>
+            </a:pPr>
+            <a:r>
+              <a:rPr lang="fr-FR" sz="1200" i="1" dirty="0">
+                <a:solidFill>
+                  <a:schemeClr val="bg1"/>
+                </a:solidFill>
+                <a:effectLst/>
+                <a:latin typeface="+mn-lt"/>
+              </a:rPr>
+              <a:t>Rc</a:t>
+            </a:r>
+            <a:endParaRPr lang="fr-FR" sz="1200" i="1" dirty="0">
+              <a:solidFill>
+                <a:schemeClr val="bg1"/>
+              </a:solidFill>
+              <a:effectLst>
+                <a:outerShdw blurRad="38100" dist="38100" dir="2700000" algn="tl">
+                  <a:srgbClr val="000000"/>
+                </a:outerShdw>
+              </a:effectLst>
+              <a:latin typeface="+mn-lt"/>
+            </a:endParaRPr>
+          </a:p>
+        </p:txBody>
+      </p:sp>
+      <p:sp>
+        <p:nvSpPr>
+          <p:cNvPr id="48" name="Line 10">
+            <a:extLst>
+              <a:ext uri="{FF2B5EF4-FFF2-40B4-BE49-F238E27FC236}">
+                <a16:creationId xmlns:a16="http://schemas.microsoft.com/office/drawing/2014/main" id="{DCBE6125-9DB3-4463-B5D0-278EDC36CC5C}"/>
+              </a:ext>
+            </a:extLst>
+          </p:cNvPr>
+          <p:cNvSpPr>
+            <a:spLocks noChangeShapeType="1"/>
+          </p:cNvSpPr>
+          <p:nvPr/>
+        </p:nvSpPr>
+        <p:spPr bwMode="auto">
+          <a:xfrm>
+            <a:off x="2411724" y="1430283"/>
+            <a:ext cx="828000" cy="1588"/>
+          </a:xfrm>
+          <a:prstGeom prst="line">
+            <a:avLst/>
+          </a:prstGeom>
+          <a:noFill/>
+          <a:ln w="25400">
+            <a:solidFill>
+              <a:srgbClr val="FF0000"/>
+            </a:solidFill>
+            <a:round/>
+            <a:headEnd/>
+            <a:tailEnd/>
+          </a:ln>
+        </p:spPr>
+        <p:txBody>
+          <a:bodyPr/>
+          <a:lstStyle/>
+          <a:p>
+            <a:pPr>
+              <a:defRPr/>
+            </a:pPr>
+            <a:endParaRPr lang="fr-FR" sz="2000">
+              <a:latin typeface="+mn-lt"/>
+            </a:endParaRPr>
+          </a:p>
+        </p:txBody>
+      </p:sp>
+      <p:grpSp>
+        <p:nvGrpSpPr>
+          <p:cNvPr id="49" name="Group 11">
+            <a:extLst>
+              <a:ext uri="{FF2B5EF4-FFF2-40B4-BE49-F238E27FC236}">
+                <a16:creationId xmlns:a16="http://schemas.microsoft.com/office/drawing/2014/main" id="{8831C526-49BD-439D-B006-BB8340A0A90D}"/>
+              </a:ext>
+            </a:extLst>
+          </p:cNvPr>
+          <p:cNvGrpSpPr>
+            <a:grpSpLocks/>
+          </p:cNvGrpSpPr>
+          <p:nvPr/>
+        </p:nvGrpSpPr>
+        <p:grpSpPr bwMode="auto">
+          <a:xfrm>
+            <a:off x="2258428" y="727021"/>
+            <a:ext cx="282575" cy="403225"/>
+            <a:chOff x="3413" y="3221"/>
+            <a:chExt cx="178" cy="254"/>
+          </a:xfrm>
+        </p:grpSpPr>
+        <p:sp>
+          <p:nvSpPr>
+            <p:cNvPr id="50" name="Oval 12">
+              <a:extLst>
+                <a:ext uri="{FF2B5EF4-FFF2-40B4-BE49-F238E27FC236}">
+                  <a16:creationId xmlns:a16="http://schemas.microsoft.com/office/drawing/2014/main" id="{C569CDF4-2C10-4D82-87BD-A60076B85D5F}"/>
+                </a:ext>
+              </a:extLst>
+            </p:cNvPr>
+            <p:cNvSpPr>
+              <a:spLocks noChangeArrowheads="1"/>
+            </p:cNvSpPr>
+            <p:nvPr/>
+          </p:nvSpPr>
+          <p:spPr bwMode="auto">
+            <a:xfrm>
+              <a:off x="3413" y="3221"/>
+              <a:ext cx="178" cy="168"/>
+            </a:xfrm>
+            <a:prstGeom prst="ellipse">
+              <a:avLst/>
+            </a:prstGeom>
+            <a:noFill/>
+            <a:ln w="25400">
+              <a:solidFill>
+                <a:srgbClr val="FF0000"/>
+              </a:solidFill>
+              <a:round/>
+              <a:headEnd/>
+              <a:tailEnd/>
+            </a:ln>
+          </p:spPr>
+          <p:txBody>
+            <a:bodyPr/>
+            <a:lstStyle/>
+            <a:p>
+              <a:pPr>
+                <a:defRPr/>
+              </a:pPr>
+              <a:endParaRPr lang="fr-FR" sz="2000">
+                <a:latin typeface="+mn-lt"/>
+              </a:endParaRPr>
+            </a:p>
+          </p:txBody>
+        </p:sp>
+        <p:sp>
+          <p:nvSpPr>
+            <p:cNvPr id="51" name="Oval 13">
+              <a:extLst>
+                <a:ext uri="{FF2B5EF4-FFF2-40B4-BE49-F238E27FC236}">
+                  <a16:creationId xmlns:a16="http://schemas.microsoft.com/office/drawing/2014/main" id="{BC72F9AA-FF3C-4E89-9A30-3E59BCD2C03D}"/>
+                </a:ext>
+              </a:extLst>
+            </p:cNvPr>
+            <p:cNvSpPr>
+              <a:spLocks noChangeArrowheads="1"/>
+            </p:cNvSpPr>
+            <p:nvPr/>
+          </p:nvSpPr>
+          <p:spPr bwMode="auto">
+            <a:xfrm>
+              <a:off x="3413" y="3304"/>
+              <a:ext cx="178" cy="171"/>
+            </a:xfrm>
+            <a:prstGeom prst="ellipse">
+              <a:avLst/>
+            </a:prstGeom>
+            <a:noFill/>
+            <a:ln w="25400">
+              <a:solidFill>
+                <a:srgbClr val="FF0000"/>
+              </a:solidFill>
+              <a:round/>
+              <a:headEnd/>
+              <a:tailEnd/>
+            </a:ln>
+          </p:spPr>
+          <p:txBody>
+            <a:bodyPr/>
+            <a:lstStyle/>
+            <a:p>
+              <a:pPr>
+                <a:defRPr/>
+              </a:pPr>
+              <a:endParaRPr lang="fr-FR" sz="2000">
+                <a:latin typeface="+mn-lt"/>
+              </a:endParaRPr>
+            </a:p>
+          </p:txBody>
+        </p:sp>
+      </p:grpSp>
+      <p:sp>
+        <p:nvSpPr>
+          <p:cNvPr id="52" name="Freeform 14">
+            <a:extLst>
+              <a:ext uri="{FF2B5EF4-FFF2-40B4-BE49-F238E27FC236}">
+                <a16:creationId xmlns:a16="http://schemas.microsoft.com/office/drawing/2014/main" id="{A054C7B7-5047-4D9F-899D-BE22CDB68B4E}"/>
+              </a:ext>
+            </a:extLst>
+          </p:cNvPr>
+          <p:cNvSpPr>
+            <a:spLocks/>
+          </p:cNvSpPr>
+          <p:nvPr/>
+        </p:nvSpPr>
+        <p:spPr bwMode="auto">
+          <a:xfrm>
+            <a:off x="2401303" y="425396"/>
+            <a:ext cx="850900" cy="301625"/>
+          </a:xfrm>
+          <a:custGeom>
+            <a:avLst/>
+            <a:gdLst/>
+            <a:ahLst/>
+            <a:cxnLst>
+              <a:cxn ang="0">
+                <a:pos x="0" y="190"/>
+              </a:cxn>
+              <a:cxn ang="0">
+                <a:pos x="0" y="0"/>
+              </a:cxn>
+              <a:cxn ang="0">
+                <a:pos x="536" y="0"/>
+              </a:cxn>
+            </a:cxnLst>
+            <a:rect l="0" t="0" r="r" b="b"/>
+            <a:pathLst>
+              <a:path w="536" h="190">
+                <a:moveTo>
+                  <a:pt x="0" y="190"/>
+                </a:moveTo>
+                <a:lnTo>
+                  <a:pt x="0" y="0"/>
+                </a:lnTo>
+                <a:lnTo>
+                  <a:pt x="536" y="0"/>
+                </a:lnTo>
+              </a:path>
+            </a:pathLst>
+          </a:custGeom>
+          <a:noFill/>
+          <a:ln w="25400">
+            <a:solidFill>
+              <a:srgbClr val="FF0000"/>
+            </a:solidFill>
+            <a:prstDash val="solid"/>
+            <a:round/>
+            <a:headEnd/>
+            <a:tailEnd/>
+          </a:ln>
+        </p:spPr>
+        <p:txBody>
+          <a:bodyPr/>
+          <a:lstStyle/>
+          <a:p>
+            <a:pPr>
+              <a:defRPr/>
+            </a:pPr>
+            <a:endParaRPr lang="fr-FR" sz="2000">
+              <a:latin typeface="+mn-lt"/>
+            </a:endParaRPr>
+          </a:p>
+        </p:txBody>
+      </p:sp>
+      <p:sp>
+        <p:nvSpPr>
+          <p:cNvPr id="53" name="Line 15">
+            <a:extLst>
+              <a:ext uri="{FF2B5EF4-FFF2-40B4-BE49-F238E27FC236}">
+                <a16:creationId xmlns:a16="http://schemas.microsoft.com/office/drawing/2014/main" id="{2FBB9941-C55F-45C2-9013-6F29A451A2D3}"/>
+              </a:ext>
+            </a:extLst>
+          </p:cNvPr>
+          <p:cNvSpPr>
+            <a:spLocks noChangeShapeType="1"/>
+          </p:cNvSpPr>
+          <p:nvPr/>
+        </p:nvSpPr>
+        <p:spPr bwMode="auto">
+          <a:xfrm flipV="1">
+            <a:off x="2401303" y="1128658"/>
+            <a:ext cx="1587" cy="301625"/>
+          </a:xfrm>
+          <a:prstGeom prst="line">
+            <a:avLst/>
+          </a:prstGeom>
+          <a:noFill/>
+          <a:ln w="25400">
+            <a:solidFill>
+              <a:srgbClr val="000000"/>
+            </a:solidFill>
+            <a:round/>
+            <a:headEnd/>
+            <a:tailEnd/>
+          </a:ln>
+        </p:spPr>
+        <p:txBody>
+          <a:bodyPr/>
+          <a:lstStyle/>
+          <a:p>
+            <a:pPr>
+              <a:defRPr/>
+            </a:pPr>
+            <a:endParaRPr lang="fr-FR" sz="2000">
+              <a:latin typeface="+mn-lt"/>
+            </a:endParaRPr>
+          </a:p>
+        </p:txBody>
+      </p:sp>
+      <p:sp>
+        <p:nvSpPr>
+          <p:cNvPr id="54" name="Freeform 16">
+            <a:extLst>
+              <a:ext uri="{FF2B5EF4-FFF2-40B4-BE49-F238E27FC236}">
+                <a16:creationId xmlns:a16="http://schemas.microsoft.com/office/drawing/2014/main" id="{5AEB4A9B-5D92-4B75-8171-326E9DF70C1B}"/>
+              </a:ext>
+            </a:extLst>
+          </p:cNvPr>
+          <p:cNvSpPr>
+            <a:spLocks/>
+          </p:cNvSpPr>
+          <p:nvPr/>
+        </p:nvSpPr>
+        <p:spPr bwMode="auto">
+          <a:xfrm>
+            <a:off x="2785478" y="374596"/>
+            <a:ext cx="74612" cy="101600"/>
+          </a:xfrm>
+          <a:custGeom>
+            <a:avLst/>
+            <a:gdLst/>
+            <a:ahLst/>
+            <a:cxnLst>
+              <a:cxn ang="0">
+                <a:pos x="0" y="32"/>
+              </a:cxn>
+              <a:cxn ang="0">
+                <a:pos x="47" y="0"/>
+              </a:cxn>
+              <a:cxn ang="0">
+                <a:pos x="47" y="64"/>
+              </a:cxn>
+              <a:cxn ang="0">
+                <a:pos x="0" y="32"/>
+              </a:cxn>
+            </a:cxnLst>
+            <a:rect l="0" t="0" r="r" b="b"/>
+            <a:pathLst>
+              <a:path w="47" h="64">
+                <a:moveTo>
+                  <a:pt x="0" y="32"/>
+                </a:moveTo>
+                <a:lnTo>
+                  <a:pt x="47" y="0"/>
+                </a:lnTo>
+                <a:lnTo>
+                  <a:pt x="47" y="64"/>
+                </a:lnTo>
+                <a:lnTo>
+                  <a:pt x="0" y="32"/>
+                </a:lnTo>
+                <a:close/>
+              </a:path>
+            </a:pathLst>
+          </a:custGeom>
+          <a:solidFill>
+            <a:srgbClr val="FF0000"/>
+          </a:solidFill>
+          <a:ln w="25400">
+            <a:solidFill>
+              <a:srgbClr val="FF0000"/>
+            </a:solidFill>
+            <a:prstDash val="solid"/>
+            <a:round/>
+            <a:headEnd/>
+            <a:tailEnd/>
+          </a:ln>
+        </p:spPr>
+        <p:txBody>
+          <a:bodyPr/>
+          <a:lstStyle/>
+          <a:p>
+            <a:pPr>
+              <a:defRPr/>
+            </a:pPr>
+            <a:endParaRPr lang="fr-FR" sz="2000">
+              <a:latin typeface="+mn-lt"/>
+            </a:endParaRPr>
+          </a:p>
+        </p:txBody>
+      </p:sp>
+      <p:sp>
+        <p:nvSpPr>
+          <p:cNvPr id="55" name="Oval 18">
+            <a:extLst>
+              <a:ext uri="{FF2B5EF4-FFF2-40B4-BE49-F238E27FC236}">
+                <a16:creationId xmlns:a16="http://schemas.microsoft.com/office/drawing/2014/main" id="{545A7F01-74D2-4DE6-9706-7F69B788A2EE}"/>
+              </a:ext>
+            </a:extLst>
+          </p:cNvPr>
+          <p:cNvSpPr>
+            <a:spLocks noChangeArrowheads="1"/>
+          </p:cNvSpPr>
+          <p:nvPr/>
+        </p:nvSpPr>
+        <p:spPr bwMode="auto">
+          <a:xfrm>
+            <a:off x="3233909" y="405076"/>
+            <a:ext cx="57150" cy="49213"/>
+          </a:xfrm>
+          <a:prstGeom prst="ellipse">
+            <a:avLst/>
+          </a:prstGeom>
+          <a:solidFill>
+            <a:srgbClr val="000000"/>
+          </a:solidFill>
+          <a:ln w="25400">
+            <a:solidFill>
+              <a:srgbClr val="000000"/>
+            </a:solidFill>
+            <a:round/>
+            <a:headEnd/>
+            <a:tailEnd/>
+          </a:ln>
+        </p:spPr>
+        <p:txBody>
+          <a:bodyPr/>
+          <a:lstStyle/>
+          <a:p>
+            <a:pPr>
+              <a:defRPr/>
+            </a:pPr>
+            <a:endParaRPr lang="fr-FR" sz="2000">
+              <a:latin typeface="+mn-lt"/>
+            </a:endParaRPr>
+          </a:p>
+        </p:txBody>
+      </p:sp>
+      <p:sp>
+        <p:nvSpPr>
+          <p:cNvPr id="56" name="Rectangle 55">
+            <a:extLst>
+              <a:ext uri="{FF2B5EF4-FFF2-40B4-BE49-F238E27FC236}">
+                <a16:creationId xmlns:a16="http://schemas.microsoft.com/office/drawing/2014/main" id="{45C75543-FCF3-4B23-9BCC-84CA0A303B93}"/>
+              </a:ext>
+            </a:extLst>
+          </p:cNvPr>
+          <p:cNvSpPr>
+            <a:spLocks noChangeArrowheads="1"/>
+          </p:cNvSpPr>
+          <p:nvPr/>
+        </p:nvSpPr>
+        <p:spPr bwMode="auto">
+          <a:xfrm>
+            <a:off x="3298240" y="260296"/>
+            <a:ext cx="136256" cy="307777"/>
+          </a:xfrm>
+          <a:prstGeom prst="rect">
+            <a:avLst/>
+          </a:prstGeom>
+          <a:noFill/>
+          <a:ln w="25400">
+            <a:noFill/>
+            <a:miter lim="800000"/>
+            <a:headEnd/>
+            <a:tailEnd/>
+          </a:ln>
+        </p:spPr>
+        <p:txBody>
+          <a:bodyPr wrap="none" lIns="0" tIns="0" rIns="0" bIns="0">
+            <a:spAutoFit/>
+          </a:bodyPr>
+          <a:lstStyle/>
+          <a:p>
+            <a:pPr>
+              <a:defRPr/>
+            </a:pPr>
+            <a:r>
+              <a:rPr lang="fr-FR" sz="2000" dirty="0">
+                <a:solidFill>
+                  <a:srgbClr val="FF0000"/>
+                </a:solidFill>
+                <a:effectLst/>
+                <a:latin typeface="+mn-lt"/>
+              </a:rPr>
+              <a:t>C</a:t>
+            </a:r>
+            <a:endParaRPr lang="fr-FR" sz="2000" dirty="0">
+              <a:solidFill>
+                <a:srgbClr val="FF0000"/>
+              </a:solidFill>
+              <a:effectLst>
+                <a:outerShdw blurRad="38100" dist="38100" dir="2700000" algn="tl">
+                  <a:srgbClr val="000000"/>
+                </a:outerShdw>
+              </a:effectLst>
+              <a:latin typeface="+mn-lt"/>
+            </a:endParaRPr>
+          </a:p>
+        </p:txBody>
+      </p:sp>
+      <p:sp>
+        <p:nvSpPr>
+          <p:cNvPr id="57" name="Rectangle 56">
+            <a:extLst>
+              <a:ext uri="{FF2B5EF4-FFF2-40B4-BE49-F238E27FC236}">
+                <a16:creationId xmlns:a16="http://schemas.microsoft.com/office/drawing/2014/main" id="{1963E529-65C2-4264-8ED6-8E5E7F022072}"/>
+              </a:ext>
+            </a:extLst>
+          </p:cNvPr>
+          <p:cNvSpPr>
+            <a:spLocks noChangeArrowheads="1"/>
+          </p:cNvSpPr>
+          <p:nvPr/>
+        </p:nvSpPr>
+        <p:spPr bwMode="auto">
+          <a:xfrm>
+            <a:off x="2567990" y="803221"/>
+            <a:ext cx="320675" cy="307777"/>
+          </a:xfrm>
+          <a:prstGeom prst="rect">
+            <a:avLst/>
+          </a:prstGeom>
+          <a:noFill/>
+          <a:ln w="25400">
+            <a:noFill/>
+            <a:miter lim="800000"/>
+            <a:headEnd/>
+            <a:tailEnd/>
+          </a:ln>
+        </p:spPr>
+        <p:txBody>
+          <a:bodyPr lIns="0" tIns="0" rIns="0" bIns="0">
+            <a:spAutoFit/>
+          </a:bodyPr>
+          <a:lstStyle/>
+          <a:p>
+            <a:pPr>
+              <a:defRPr/>
+            </a:pPr>
+            <a:r>
+              <a:rPr lang="fr-FR" sz="2000" dirty="0">
+                <a:solidFill>
+                  <a:srgbClr val="FF0000"/>
+                </a:solidFill>
+                <a:effectLst/>
+                <a:latin typeface="+mn-lt"/>
+                <a:sym typeface="Symbol" pitchFamily="18" charset="2"/>
+              </a:rPr>
+              <a:t></a:t>
+            </a:r>
+            <a:r>
+              <a:rPr lang="fr-FR" sz="2000" i="1" dirty="0">
+                <a:solidFill>
+                  <a:srgbClr val="FF0000"/>
+                </a:solidFill>
+                <a:effectLst/>
+                <a:latin typeface="+mn-lt"/>
+              </a:rPr>
+              <a:t>i</a:t>
+            </a:r>
+            <a:r>
+              <a:rPr lang="fr-FR" sz="2000" i="1" baseline="-25000" dirty="0">
+                <a:solidFill>
+                  <a:srgbClr val="FF0000"/>
+                </a:solidFill>
+                <a:effectLst/>
+                <a:latin typeface="+mn-lt"/>
+              </a:rPr>
+              <a:t>b</a:t>
+            </a:r>
+            <a:endParaRPr lang="fr-FR" sz="2000" i="1" baseline="-25000" dirty="0">
+              <a:solidFill>
+                <a:srgbClr val="FF0000"/>
+              </a:solidFill>
+              <a:effectLst>
+                <a:outerShdw blurRad="38100" dist="38100" dir="2700000" algn="tl">
+                  <a:srgbClr val="000000"/>
+                </a:outerShdw>
+              </a:effectLst>
+              <a:latin typeface="+mn-lt"/>
+            </a:endParaRPr>
+          </a:p>
+        </p:txBody>
+      </p:sp>
+      <p:sp>
+        <p:nvSpPr>
+          <p:cNvPr id="58" name="Oval 26">
+            <a:extLst>
+              <a:ext uri="{FF2B5EF4-FFF2-40B4-BE49-F238E27FC236}">
+                <a16:creationId xmlns:a16="http://schemas.microsoft.com/office/drawing/2014/main" id="{93BDD31B-A286-41D9-A985-205F35FE268A}"/>
+              </a:ext>
+            </a:extLst>
+          </p:cNvPr>
+          <p:cNvSpPr>
+            <a:spLocks noChangeArrowheads="1"/>
+          </p:cNvSpPr>
+          <p:nvPr/>
+        </p:nvSpPr>
+        <p:spPr bwMode="auto">
+          <a:xfrm>
+            <a:off x="3248196" y="1411233"/>
+            <a:ext cx="57150" cy="49213"/>
+          </a:xfrm>
+          <a:prstGeom prst="ellipse">
+            <a:avLst/>
+          </a:prstGeom>
+          <a:solidFill>
+            <a:srgbClr val="000000"/>
+          </a:solidFill>
+          <a:ln w="25400">
+            <a:solidFill>
+              <a:srgbClr val="000000"/>
+            </a:solidFill>
+            <a:round/>
+            <a:headEnd/>
+            <a:tailEnd/>
+          </a:ln>
+        </p:spPr>
+        <p:txBody>
+          <a:bodyPr/>
+          <a:lstStyle/>
+          <a:p>
+            <a:pPr>
+              <a:defRPr/>
+            </a:pPr>
+            <a:endParaRPr lang="fr-FR" sz="2000">
+              <a:latin typeface="+mn-lt"/>
+            </a:endParaRPr>
+          </a:p>
+        </p:txBody>
+      </p:sp>
+      <p:sp>
+        <p:nvSpPr>
+          <p:cNvPr id="59" name="Rectangle 58">
+            <a:extLst>
+              <a:ext uri="{FF2B5EF4-FFF2-40B4-BE49-F238E27FC236}">
+                <a16:creationId xmlns:a16="http://schemas.microsoft.com/office/drawing/2014/main" id="{0DFDC082-8D46-493A-B9BD-70946898C2AC}"/>
+              </a:ext>
+            </a:extLst>
+          </p:cNvPr>
+          <p:cNvSpPr>
+            <a:spLocks noChangeArrowheads="1"/>
+          </p:cNvSpPr>
+          <p:nvPr/>
+        </p:nvSpPr>
+        <p:spPr bwMode="auto">
+          <a:xfrm>
+            <a:off x="3328403" y="1314396"/>
+            <a:ext cx="125034" cy="307777"/>
+          </a:xfrm>
+          <a:prstGeom prst="rect">
+            <a:avLst/>
+          </a:prstGeom>
+          <a:noFill/>
+          <a:ln w="25400">
+            <a:noFill/>
+            <a:miter lim="800000"/>
+            <a:headEnd/>
+            <a:tailEnd/>
+          </a:ln>
+        </p:spPr>
+        <p:txBody>
+          <a:bodyPr wrap="none" lIns="0" tIns="0" rIns="0" bIns="0">
+            <a:spAutoFit/>
+          </a:bodyPr>
+          <a:lstStyle/>
+          <a:p>
+            <a:pPr>
+              <a:defRPr/>
+            </a:pPr>
+            <a:r>
+              <a:rPr lang="fr-FR" sz="2000" dirty="0">
+                <a:solidFill>
+                  <a:srgbClr val="FF0000"/>
+                </a:solidFill>
+                <a:effectLst/>
+                <a:latin typeface="+mn-lt"/>
+              </a:rPr>
+              <a:t>E</a:t>
+            </a:r>
+            <a:endParaRPr lang="fr-FR" sz="2000" dirty="0">
+              <a:solidFill>
+                <a:srgbClr val="FF0000"/>
+              </a:solidFill>
+              <a:effectLst>
+                <a:outerShdw blurRad="38100" dist="38100" dir="2700000" algn="tl">
+                  <a:srgbClr val="000000"/>
+                </a:outerShdw>
+              </a:effectLst>
+              <a:latin typeface="+mn-lt"/>
+            </a:endParaRPr>
+          </a:p>
+        </p:txBody>
+      </p:sp>
+      <p:sp>
+        <p:nvSpPr>
+          <p:cNvPr id="60" name="Rectangle 59">
+            <a:extLst>
+              <a:ext uri="{FF2B5EF4-FFF2-40B4-BE49-F238E27FC236}">
+                <a16:creationId xmlns:a16="http://schemas.microsoft.com/office/drawing/2014/main" id="{11B77F43-A0DB-431A-8758-7B6FA02BADAA}"/>
+              </a:ext>
+            </a:extLst>
+          </p:cNvPr>
+          <p:cNvSpPr>
+            <a:spLocks noChangeArrowheads="1"/>
+          </p:cNvSpPr>
+          <p:nvPr/>
+        </p:nvSpPr>
+        <p:spPr bwMode="auto">
+          <a:xfrm>
+            <a:off x="2821345" y="104919"/>
+            <a:ext cx="129844" cy="307777"/>
+          </a:xfrm>
+          <a:prstGeom prst="rect">
+            <a:avLst/>
+          </a:prstGeom>
+          <a:noFill/>
+          <a:ln w="25400">
+            <a:noFill/>
+            <a:miter lim="800000"/>
+            <a:headEnd/>
+            <a:tailEnd/>
+          </a:ln>
+        </p:spPr>
+        <p:txBody>
+          <a:bodyPr wrap="none" lIns="0" tIns="0" rIns="0" bIns="0">
+            <a:spAutoFit/>
+          </a:bodyPr>
+          <a:lstStyle/>
+          <a:p>
+            <a:pPr>
+              <a:defRPr/>
+            </a:pPr>
+            <a:r>
+              <a:rPr lang="fr-FR" sz="2000" i="1" dirty="0">
+                <a:solidFill>
+                  <a:srgbClr val="FF0000"/>
+                </a:solidFill>
+                <a:effectLst/>
+                <a:latin typeface="+mn-lt"/>
+              </a:rPr>
+              <a:t>i</a:t>
+            </a:r>
+            <a:r>
+              <a:rPr lang="fr-FR" sz="2000" i="1" baseline="-25000" dirty="0">
+                <a:solidFill>
+                  <a:srgbClr val="FF0000"/>
+                </a:solidFill>
+                <a:effectLst/>
+                <a:latin typeface="+mn-lt"/>
+              </a:rPr>
+              <a:t>c</a:t>
+            </a:r>
+            <a:endParaRPr lang="fr-FR" sz="2000" i="1" baseline="-25000" dirty="0">
+              <a:solidFill>
+                <a:srgbClr val="FF0000"/>
+              </a:solidFill>
+              <a:effectLst>
+                <a:outerShdw blurRad="38100" dist="38100" dir="2700000" algn="tl">
+                  <a:srgbClr val="000000"/>
+                </a:outerShdw>
+              </a:effectLst>
+              <a:latin typeface="+mn-lt"/>
+            </a:endParaRPr>
+          </a:p>
+        </p:txBody>
+      </p:sp>
+      <p:grpSp>
+        <p:nvGrpSpPr>
+          <p:cNvPr id="61" name="Group 38">
+            <a:extLst>
+              <a:ext uri="{FF2B5EF4-FFF2-40B4-BE49-F238E27FC236}">
+                <a16:creationId xmlns:a16="http://schemas.microsoft.com/office/drawing/2014/main" id="{1FCD6B5B-3AC4-45C8-8356-90AE51DFEC13}"/>
+              </a:ext>
+            </a:extLst>
+          </p:cNvPr>
+          <p:cNvGrpSpPr>
+            <a:grpSpLocks/>
+          </p:cNvGrpSpPr>
+          <p:nvPr/>
+        </p:nvGrpSpPr>
+        <p:grpSpPr bwMode="auto">
+          <a:xfrm>
+            <a:off x="2355265" y="790521"/>
+            <a:ext cx="90487" cy="285750"/>
+            <a:chOff x="3474" y="3261"/>
+            <a:chExt cx="57" cy="180"/>
+          </a:xfrm>
+        </p:grpSpPr>
+        <p:sp>
+          <p:nvSpPr>
+            <p:cNvPr id="62" name="Line 39">
+              <a:extLst>
+                <a:ext uri="{FF2B5EF4-FFF2-40B4-BE49-F238E27FC236}">
+                  <a16:creationId xmlns:a16="http://schemas.microsoft.com/office/drawing/2014/main" id="{065CC7D8-635C-4DFE-B8BE-2987D2D138EB}"/>
+                </a:ext>
+              </a:extLst>
+            </p:cNvPr>
+            <p:cNvSpPr>
+              <a:spLocks noChangeShapeType="1"/>
+            </p:cNvSpPr>
+            <p:nvPr/>
+          </p:nvSpPr>
+          <p:spPr bwMode="auto">
+            <a:xfrm>
+              <a:off x="3501" y="3261"/>
+              <a:ext cx="1" cy="142"/>
+            </a:xfrm>
+            <a:prstGeom prst="line">
+              <a:avLst/>
+            </a:prstGeom>
+            <a:noFill/>
+            <a:ln w="25400">
+              <a:solidFill>
+                <a:srgbClr val="FF0000"/>
+              </a:solidFill>
+              <a:round/>
+              <a:headEnd/>
+              <a:tailEnd/>
+            </a:ln>
+          </p:spPr>
+          <p:txBody>
+            <a:bodyPr/>
+            <a:lstStyle/>
+            <a:p>
+              <a:pPr>
+                <a:defRPr/>
+              </a:pPr>
+              <a:endParaRPr lang="fr-FR" sz="2000">
+                <a:latin typeface="+mn-lt"/>
+              </a:endParaRPr>
+            </a:p>
+          </p:txBody>
+        </p:sp>
+        <p:sp>
+          <p:nvSpPr>
+            <p:cNvPr id="63" name="Freeform 40">
+              <a:extLst>
+                <a:ext uri="{FF2B5EF4-FFF2-40B4-BE49-F238E27FC236}">
+                  <a16:creationId xmlns:a16="http://schemas.microsoft.com/office/drawing/2014/main" id="{FFEB590F-0E02-4662-A801-C36C02B71693}"/>
+                </a:ext>
+              </a:extLst>
+            </p:cNvPr>
+            <p:cNvSpPr>
+              <a:spLocks/>
+            </p:cNvSpPr>
+            <p:nvPr/>
+          </p:nvSpPr>
+          <p:spPr bwMode="auto">
+            <a:xfrm>
+              <a:off x="3474" y="3398"/>
+              <a:ext cx="57" cy="43"/>
+            </a:xfrm>
+            <a:custGeom>
+              <a:avLst/>
+              <a:gdLst/>
+              <a:ahLst/>
+              <a:cxnLst>
+                <a:cxn ang="0">
+                  <a:pos x="29" y="43"/>
+                </a:cxn>
+                <a:cxn ang="0">
+                  <a:pos x="0" y="0"/>
+                </a:cxn>
+                <a:cxn ang="0">
+                  <a:pos x="57" y="0"/>
+                </a:cxn>
+                <a:cxn ang="0">
+                  <a:pos x="29" y="43"/>
+                </a:cxn>
+              </a:cxnLst>
+              <a:rect l="0" t="0" r="r" b="b"/>
+              <a:pathLst>
+                <a:path w="57" h="43">
+                  <a:moveTo>
+                    <a:pt x="29" y="43"/>
+                  </a:moveTo>
+                  <a:lnTo>
+                    <a:pt x="0" y="0"/>
+                  </a:lnTo>
+                  <a:lnTo>
+                    <a:pt x="57" y="0"/>
+                  </a:lnTo>
+                  <a:lnTo>
+                    <a:pt x="29" y="43"/>
+                  </a:lnTo>
+                  <a:close/>
+                </a:path>
+              </a:pathLst>
+            </a:custGeom>
+            <a:solidFill>
+              <a:srgbClr val="000000"/>
+            </a:solidFill>
+            <a:ln w="25400">
+              <a:solidFill>
+                <a:srgbClr val="FF0000"/>
+              </a:solidFill>
+              <a:prstDash val="solid"/>
+              <a:round/>
+              <a:headEnd/>
+              <a:tailEnd/>
+            </a:ln>
+          </p:spPr>
+          <p:txBody>
+            <a:bodyPr/>
+            <a:lstStyle/>
+            <a:p>
+              <a:pPr>
+                <a:defRPr/>
+              </a:pPr>
+              <a:endParaRPr lang="fr-FR" sz="2000">
+                <a:latin typeface="+mn-lt"/>
+              </a:endParaRPr>
+            </a:p>
+          </p:txBody>
+        </p:sp>
+      </p:grpSp>
+      <p:sp>
+        <p:nvSpPr>
+          <p:cNvPr id="64" name="Line 28">
+            <a:extLst>
+              <a:ext uri="{FF2B5EF4-FFF2-40B4-BE49-F238E27FC236}">
+                <a16:creationId xmlns:a16="http://schemas.microsoft.com/office/drawing/2014/main" id="{7489B95E-9FFD-4DD4-B1CC-079FF11C8324}"/>
+              </a:ext>
+            </a:extLst>
+          </p:cNvPr>
+          <p:cNvSpPr>
+            <a:spLocks noChangeShapeType="1"/>
+          </p:cNvSpPr>
+          <p:nvPr/>
+        </p:nvSpPr>
+        <p:spPr bwMode="auto">
+          <a:xfrm>
+            <a:off x="3271540" y="432958"/>
+            <a:ext cx="1417" cy="1008000"/>
+          </a:xfrm>
+          <a:prstGeom prst="line">
+            <a:avLst/>
+          </a:prstGeom>
+          <a:noFill/>
+          <a:ln w="22225">
+            <a:solidFill>
+              <a:srgbClr val="0033CC"/>
+            </a:solidFill>
+            <a:round/>
+            <a:headEnd/>
+            <a:tailEnd/>
+          </a:ln>
+        </p:spPr>
+        <p:txBody>
+          <a:bodyPr/>
+          <a:lstStyle/>
+          <a:p>
+            <a:pPr>
+              <a:defRPr/>
+            </a:pPr>
+            <a:endParaRPr lang="fr-FR">
+              <a:latin typeface="+mn-lt"/>
+            </a:endParaRPr>
+          </a:p>
+        </p:txBody>
+      </p:sp>
+      <p:sp>
+        <p:nvSpPr>
+          <p:cNvPr id="67" name="Rectangle 66">
+            <a:extLst>
+              <a:ext uri="{FF2B5EF4-FFF2-40B4-BE49-F238E27FC236}">
+                <a16:creationId xmlns:a16="http://schemas.microsoft.com/office/drawing/2014/main" id="{D24B1F53-8722-4195-AF43-38E3678567C6}"/>
+              </a:ext>
+            </a:extLst>
+          </p:cNvPr>
+          <p:cNvSpPr>
+            <a:spLocks noChangeArrowheads="1"/>
+          </p:cNvSpPr>
+          <p:nvPr/>
+        </p:nvSpPr>
+        <p:spPr bwMode="auto">
+          <a:xfrm>
+            <a:off x="3390920" y="892835"/>
+            <a:ext cx="215187" cy="246221"/>
+          </a:xfrm>
+          <a:prstGeom prst="rect">
+            <a:avLst/>
+          </a:prstGeom>
+          <a:noFill/>
+          <a:ln w="25400">
+            <a:solidFill>
+              <a:schemeClr val="tx1"/>
+            </a:solidFill>
+            <a:miter lim="800000"/>
+            <a:headEnd/>
+            <a:tailEnd/>
+          </a:ln>
+        </p:spPr>
+        <p:txBody>
+          <a:bodyPr wrap="none" lIns="0" tIns="0" rIns="0" bIns="0">
+            <a:spAutoFit/>
+          </a:bodyPr>
+          <a:lstStyle/>
+          <a:p>
+            <a:pPr>
+              <a:defRPr/>
+            </a:pPr>
+            <a:r>
+              <a:rPr lang="fr-FR" sz="1600" i="1" dirty="0">
+                <a:solidFill>
+                  <a:srgbClr val="0033CC"/>
+                </a:solidFill>
+                <a:effectLst/>
+                <a:latin typeface="+mn-lt"/>
+              </a:rPr>
+              <a:t>I</a:t>
+            </a:r>
+            <a:r>
+              <a:rPr lang="fr-FR" sz="1600" i="1" baseline="-25000" dirty="0">
+                <a:solidFill>
+                  <a:srgbClr val="0033CC"/>
+                </a:solidFill>
+                <a:effectLst/>
+                <a:latin typeface="+mn-lt"/>
+              </a:rPr>
+              <a:t>scc</a:t>
+            </a:r>
+            <a:endParaRPr lang="fr-FR" sz="1600" i="1" baseline="-25000" dirty="0">
+              <a:solidFill>
+                <a:srgbClr val="0033CC"/>
+              </a:solidFill>
+              <a:effectLst>
+                <a:outerShdw blurRad="38100" dist="38100" dir="2700000" algn="tl">
+                  <a:srgbClr val="000000"/>
+                </a:outerShdw>
+              </a:effectLst>
+              <a:latin typeface="+mn-lt"/>
+            </a:endParaRPr>
+          </a:p>
+        </p:txBody>
+      </p:sp>
+      <p:sp>
+        <p:nvSpPr>
+          <p:cNvPr id="69" name="Freeform 16">
+            <a:extLst>
+              <a:ext uri="{FF2B5EF4-FFF2-40B4-BE49-F238E27FC236}">
+                <a16:creationId xmlns:a16="http://schemas.microsoft.com/office/drawing/2014/main" id="{E00A737B-DC1B-4BF2-9D13-4E4524E33576}"/>
+              </a:ext>
+            </a:extLst>
+          </p:cNvPr>
+          <p:cNvSpPr>
+            <a:spLocks/>
+          </p:cNvSpPr>
+          <p:nvPr/>
+        </p:nvSpPr>
+        <p:spPr bwMode="auto">
+          <a:xfrm rot="5400000">
+            <a:off x="3205348" y="860399"/>
+            <a:ext cx="144000" cy="144000"/>
+          </a:xfrm>
+          <a:custGeom>
+            <a:avLst/>
+            <a:gdLst/>
+            <a:ahLst/>
+            <a:cxnLst>
+              <a:cxn ang="0">
+                <a:pos x="0" y="32"/>
+              </a:cxn>
+              <a:cxn ang="0">
+                <a:pos x="47" y="0"/>
+              </a:cxn>
+              <a:cxn ang="0">
+                <a:pos x="47" y="64"/>
+              </a:cxn>
+              <a:cxn ang="0">
+                <a:pos x="0" y="32"/>
+              </a:cxn>
+            </a:cxnLst>
+            <a:rect l="0" t="0" r="r" b="b"/>
+            <a:pathLst>
+              <a:path w="47" h="64">
+                <a:moveTo>
+                  <a:pt x="0" y="32"/>
+                </a:moveTo>
+                <a:lnTo>
+                  <a:pt x="47" y="0"/>
+                </a:lnTo>
+                <a:lnTo>
+                  <a:pt x="47" y="64"/>
+                </a:lnTo>
+                <a:lnTo>
+                  <a:pt x="0" y="32"/>
+                </a:lnTo>
+                <a:close/>
+              </a:path>
+            </a:pathLst>
+          </a:custGeom>
+          <a:solidFill>
+            <a:srgbClr val="FF0000"/>
+          </a:solidFill>
+          <a:ln w="25400">
+            <a:solidFill>
+              <a:srgbClr val="FF0000"/>
+            </a:solidFill>
+            <a:prstDash val="solid"/>
+            <a:round/>
+            <a:headEnd/>
+            <a:tailEnd/>
+          </a:ln>
+        </p:spPr>
+        <p:txBody>
+          <a:bodyPr/>
+          <a:lstStyle/>
+          <a:p>
+            <a:pPr>
+              <a:defRPr/>
+            </a:pPr>
+            <a:endParaRPr lang="fr-FR" sz="2000">
+              <a:latin typeface="+mn-lt"/>
+            </a:endParaRPr>
+          </a:p>
+        </p:txBody>
+      </p:sp>
+    </p:spTree>
+    <p:extLst>
+      <p:ext uri="{BB962C8B-B14F-4D97-AF65-F5344CB8AC3E}">
+        <p14:creationId xmlns:p14="http://schemas.microsoft.com/office/powerpoint/2010/main" val="639009737"/>
       </p:ext>
     </p:extLst>
   </p:cSld>

--- a/ELECTRONIQUE/IMAGES/Schemas.pptx
+++ b/ELECTRONIQUE/IMAGES/Schemas.pptx
@@ -207,7 +207,7 @@
   </p:defaultTextStyle>
   <p:extLst>
     <p:ext uri="{EFAFB233-063F-42B5-8137-9DF3F51BA10A}">
-      <p15:sldGuideLst xmlns:p15="http://schemas.microsoft.com/office/powerpoint/2012/main">
+      <p15:sldGuideLst xmlns="" xmlns:p15="http://schemas.microsoft.com/office/powerpoint/2012/main">
         <p15:guide id="1" orient="horz" pos="2840" userDrawn="1">
           <p15:clr>
             <a:srgbClr val="A4A3A4"/>
@@ -226,7 +226,7 @@
       </p15:sldGuideLst>
     </p:ext>
     <p:ext uri="{2D200454-40CA-4A62-9FC3-DE9A4176ACB9}">
-      <p15:notesGuideLst xmlns:p15="http://schemas.microsoft.com/office/powerpoint/2012/main">
+      <p15:notesGuideLst xmlns="" xmlns:p15="http://schemas.microsoft.com/office/powerpoint/2012/main">
         <p15:guide id="1" orient="horz" pos="3127">
           <p15:clr>
             <a:srgbClr val="A4A3A4"/>
@@ -334,7 +334,7 @@
               <a:pPr>
                 <a:defRPr/>
               </a:pPr>
-              <a:t>18/10/2024</a:t>
+              <a:t>24/10/2024</a:t>
             </a:fld>
             <a:endParaRPr lang="fr-FR"/>
           </a:p>
@@ -418,7 +418,7 @@
     </p:spTree>
     <p:extLst>
       <p:ext uri="{BB962C8B-B14F-4D97-AF65-F5344CB8AC3E}">
-        <p14:creationId xmlns:p14="http://schemas.microsoft.com/office/powerpoint/2010/main" val="1"/>
+        <p14:creationId xmlns="" xmlns:p14="http://schemas.microsoft.com/office/powerpoint/2010/main" val="1"/>
       </p:ext>
     </p:extLst>
   </p:cSld>
@@ -929,7 +929,7 @@
             <a:fld id="{365EAE7C-6C5B-41CD-BAD8-09323DC88F6D}" type="datetime8">
               <a:rPr lang="fr-FR" smtClean="0"/>
               <a:pPr/>
-              <a:t>18/10/2024 06:50</a:t>
+              <a:t>24/10/2024 16:50</a:t>
             </a:fld>
             <a:endParaRPr lang="fr-FR"/>
           </a:p>
@@ -1128,7 +1128,7 @@
             <a:fld id="{80ADAFC8-E58E-40F9-B663-9F56451821D1}" type="datetime8">
               <a:rPr lang="fr-FR" smtClean="0"/>
               <a:pPr/>
-              <a:t>18/10/2024 06:50</a:t>
+              <a:t>24/10/2024 16:50</a:t>
             </a:fld>
             <a:endParaRPr lang="fr-FR"/>
           </a:p>
@@ -1257,7 +1257,7 @@
             <a:fld id="{27CF4C7D-0BF8-4175-ABDC-B527910D61EE}" type="datetime8">
               <a:rPr lang="fr-FR" smtClean="0"/>
               <a:pPr/>
-              <a:t>18/10/2024 06:50</a:t>
+              <a:t>24/10/2024 16:50</a:t>
             </a:fld>
             <a:endParaRPr lang="fr-FR"/>
           </a:p>
@@ -1457,7 +1457,7 @@
             <a:fld id="{FFD76516-F1CB-4547-BCD9-750F24D75B14}" type="datetime8">
               <a:rPr lang="fr-FR" smtClean="0"/>
               <a:pPr/>
-              <a:t>18/10/2024 06:50</a:t>
+              <a:t>24/10/2024 16:50</a:t>
             </a:fld>
             <a:endParaRPr lang="fr-FR"/>
           </a:p>
@@ -1724,7 +1724,7 @@
             <a:fld id="{DCCA0A29-E4CE-41CE-97A0-9AC6848D0399}" type="datetime8">
               <a:rPr lang="fr-FR" smtClean="0"/>
               <a:pPr/>
-              <a:t>18/10/2024 06:50</a:t>
+              <a:t>24/10/2024 16:50</a:t>
             </a:fld>
             <a:endParaRPr lang="fr-FR" dirty="0"/>
           </a:p>
@@ -2073,7 +2073,7 @@
             <a:fld id="{BBDF3BB5-99CC-43F1-B038-57FA1B31A3ED}" type="datetime8">
               <a:rPr lang="fr-FR" smtClean="0"/>
               <a:pPr/>
-              <a:t>18/10/2024 06:50</a:t>
+              <a:t>24/10/2024 16:50</a:t>
             </a:fld>
             <a:endParaRPr lang="fr-FR"/>
           </a:p>
@@ -2327,7 +2327,7 @@
             <a:fld id="{AFA6468B-3BBE-4926-A82A-2522BDA4C876}" type="datetime8">
               <a:rPr lang="fr-FR" smtClean="0"/>
               <a:pPr/>
-              <a:t>18/10/2024 06:50</a:t>
+              <a:t>24/10/2024 16:50</a:t>
             </a:fld>
             <a:endParaRPr lang="fr-FR"/>
           </a:p>
@@ -2729,7 +2729,7 @@
             <a:fld id="{802532EB-A128-4E3D-A83F-28D3FC555FCD}" type="datetime8">
               <a:rPr lang="fr-FR" smtClean="0"/>
               <a:pPr/>
-              <a:t>18/10/2024 06:50</a:t>
+              <a:t>24/10/2024 16:50</a:t>
             </a:fld>
             <a:endParaRPr lang="fr-FR" dirty="0"/>
           </a:p>
@@ -3235,7 +3235,7 @@
           <p:cNvPr id="2" name="Titre 1">
             <a:extLst>
               <a:ext uri="{FF2B5EF4-FFF2-40B4-BE49-F238E27FC236}">
-                <a16:creationId xmlns:a16="http://schemas.microsoft.com/office/drawing/2014/main" id="{C2E5D865-6987-4935-AFA0-39E772C5DF96}"/>
+                <a16:creationId xmlns="" xmlns:a16="http://schemas.microsoft.com/office/drawing/2014/main" id="{C2E5D865-6987-4935-AFA0-39E772C5DF96}"/>
               </a:ext>
             </a:extLst>
           </p:cNvPr>
@@ -3260,7 +3260,7 @@
           <p:cNvPr id="3" name="Espace réservé de la date 2">
             <a:extLst>
               <a:ext uri="{FF2B5EF4-FFF2-40B4-BE49-F238E27FC236}">
-                <a16:creationId xmlns:a16="http://schemas.microsoft.com/office/drawing/2014/main" id="{3B70F4D3-A56B-4978-B41D-9AAFBB46DFD2}"/>
+                <a16:creationId xmlns="" xmlns:a16="http://schemas.microsoft.com/office/drawing/2014/main" id="{3B70F4D3-A56B-4978-B41D-9AAFBB46DFD2}"/>
               </a:ext>
             </a:extLst>
           </p:cNvPr>
@@ -3279,7 +3279,7 @@
             <a:fld id="{80ADAFC8-E58E-40F9-B663-9F56451821D1}" type="datetime8">
               <a:rPr lang="fr-FR" smtClean="0"/>
               <a:pPr/>
-              <a:t>18/10/2024 06:50</a:t>
+              <a:t>24/10/2024 16:50</a:t>
             </a:fld>
             <a:endParaRPr lang="fr-FR"/>
           </a:p>
@@ -3290,7 +3290,7 @@
           <p:cNvPr id="4" name="Espace réservé du pied de page 3">
             <a:extLst>
               <a:ext uri="{FF2B5EF4-FFF2-40B4-BE49-F238E27FC236}">
-                <a16:creationId xmlns:a16="http://schemas.microsoft.com/office/drawing/2014/main" id="{7ACCFD58-1CC0-4447-9ADF-93B4E798160F}"/>
+                <a16:creationId xmlns="" xmlns:a16="http://schemas.microsoft.com/office/drawing/2014/main" id="{7ACCFD58-1CC0-4447-9ADF-93B4E798160F}"/>
               </a:ext>
             </a:extLst>
           </p:cNvPr>
@@ -3319,7 +3319,7 @@
           <p:cNvPr id="5" name="Espace réservé du numéro de diapositive 4">
             <a:extLst>
               <a:ext uri="{FF2B5EF4-FFF2-40B4-BE49-F238E27FC236}">
-                <a16:creationId xmlns:a16="http://schemas.microsoft.com/office/drawing/2014/main" id="{973C6ACC-702B-4A83-BA9F-F9ABE3AD73DB}"/>
+                <a16:creationId xmlns="" xmlns:a16="http://schemas.microsoft.com/office/drawing/2014/main" id="{973C6ACC-702B-4A83-BA9F-F9ABE3AD73DB}"/>
               </a:ext>
             </a:extLst>
           </p:cNvPr>
@@ -3349,7 +3349,7 @@
           <p:cNvPr id="6" name="Groupe 5">
             <a:extLst>
               <a:ext uri="{FF2B5EF4-FFF2-40B4-BE49-F238E27FC236}">
-                <a16:creationId xmlns:a16="http://schemas.microsoft.com/office/drawing/2014/main" id="{DF1DCF97-66FE-4A04-8B19-827D4442392E}"/>
+                <a16:creationId xmlns="" xmlns:a16="http://schemas.microsoft.com/office/drawing/2014/main" id="{DF1DCF97-66FE-4A04-8B19-827D4442392E}"/>
               </a:ext>
             </a:extLst>
           </p:cNvPr>
@@ -3369,7 +3369,7 @@
             <p:cNvPr id="7" name="Line 13">
               <a:extLst>
                 <a:ext uri="{FF2B5EF4-FFF2-40B4-BE49-F238E27FC236}">
-                  <a16:creationId xmlns:a16="http://schemas.microsoft.com/office/drawing/2014/main" id="{3BB99FFA-2C0E-4F78-9DD0-201B36AA44F0}"/>
+                  <a16:creationId xmlns="" xmlns:a16="http://schemas.microsoft.com/office/drawing/2014/main" id="{3BB99FFA-2C0E-4F78-9DD0-201B36AA44F0}"/>
                 </a:ext>
               </a:extLst>
             </p:cNvPr>
@@ -3414,7 +3414,7 @@
             <p:cNvPr id="8" name="Line 14">
               <a:extLst>
                 <a:ext uri="{FF2B5EF4-FFF2-40B4-BE49-F238E27FC236}">
-                  <a16:creationId xmlns:a16="http://schemas.microsoft.com/office/drawing/2014/main" id="{F53D6DBD-E6AC-45DD-8B05-C2712B1F0FF2}"/>
+                  <a16:creationId xmlns="" xmlns:a16="http://schemas.microsoft.com/office/drawing/2014/main" id="{F53D6DBD-E6AC-45DD-8B05-C2712B1F0FF2}"/>
                 </a:ext>
               </a:extLst>
             </p:cNvPr>
@@ -3459,7 +3459,7 @@
             <p:cNvPr id="9" name="Line 15">
               <a:extLst>
                 <a:ext uri="{FF2B5EF4-FFF2-40B4-BE49-F238E27FC236}">
-                  <a16:creationId xmlns:a16="http://schemas.microsoft.com/office/drawing/2014/main" id="{F06471F3-AD8F-4473-B6F6-9497D173423A}"/>
+                  <a16:creationId xmlns="" xmlns:a16="http://schemas.microsoft.com/office/drawing/2014/main" id="{F06471F3-AD8F-4473-B6F6-9497D173423A}"/>
                 </a:ext>
               </a:extLst>
             </p:cNvPr>
@@ -3504,7 +3504,7 @@
             <p:cNvPr id="10" name="Line 16">
               <a:extLst>
                 <a:ext uri="{FF2B5EF4-FFF2-40B4-BE49-F238E27FC236}">
-                  <a16:creationId xmlns:a16="http://schemas.microsoft.com/office/drawing/2014/main" id="{52FBB3F9-8A48-474E-892F-85488CE0C678}"/>
+                  <a16:creationId xmlns="" xmlns:a16="http://schemas.microsoft.com/office/drawing/2014/main" id="{52FBB3F9-8A48-474E-892F-85488CE0C678}"/>
                 </a:ext>
               </a:extLst>
             </p:cNvPr>
@@ -3549,7 +3549,7 @@
             <p:cNvPr id="11" name="Freeform 17">
               <a:extLst>
                 <a:ext uri="{FF2B5EF4-FFF2-40B4-BE49-F238E27FC236}">
-                  <a16:creationId xmlns:a16="http://schemas.microsoft.com/office/drawing/2014/main" id="{098716CD-EB5D-4CE0-A909-E4ED93E9E9C9}"/>
+                  <a16:creationId xmlns="" xmlns:a16="http://schemas.microsoft.com/office/drawing/2014/main" id="{098716CD-EB5D-4CE0-A909-E4ED93E9E9C9}"/>
                 </a:ext>
               </a:extLst>
             </p:cNvPr>
@@ -3621,7 +3621,7 @@
             <p:cNvPr id="12" name="Rectangle 18">
               <a:extLst>
                 <a:ext uri="{FF2B5EF4-FFF2-40B4-BE49-F238E27FC236}">
-                  <a16:creationId xmlns:a16="http://schemas.microsoft.com/office/drawing/2014/main" id="{20744C48-A0BE-47B4-8B39-FA2E56CB1C42}"/>
+                  <a16:creationId xmlns="" xmlns:a16="http://schemas.microsoft.com/office/drawing/2014/main" id="{20744C48-A0BE-47B4-8B39-FA2E56CB1C42}"/>
                 </a:ext>
               </a:extLst>
             </p:cNvPr>
@@ -3668,7 +3668,7 @@
             <p:cNvPr id="13" name="Line 19">
               <a:extLst>
                 <a:ext uri="{FF2B5EF4-FFF2-40B4-BE49-F238E27FC236}">
-                  <a16:creationId xmlns:a16="http://schemas.microsoft.com/office/drawing/2014/main" id="{3CDC0B9D-8488-4DEB-A6B5-EF8373C5E0F8}"/>
+                  <a16:creationId xmlns="" xmlns:a16="http://schemas.microsoft.com/office/drawing/2014/main" id="{3CDC0B9D-8488-4DEB-A6B5-EF8373C5E0F8}"/>
                 </a:ext>
               </a:extLst>
             </p:cNvPr>
@@ -3713,7 +3713,7 @@
             <p:cNvPr id="14" name="Line 20">
               <a:extLst>
                 <a:ext uri="{FF2B5EF4-FFF2-40B4-BE49-F238E27FC236}">
-                  <a16:creationId xmlns:a16="http://schemas.microsoft.com/office/drawing/2014/main" id="{8E3C754A-EA1A-466B-9F56-540E1A532974}"/>
+                  <a16:creationId xmlns="" xmlns:a16="http://schemas.microsoft.com/office/drawing/2014/main" id="{8E3C754A-EA1A-466B-9F56-540E1A532974}"/>
                 </a:ext>
               </a:extLst>
             </p:cNvPr>
@@ -3758,7 +3758,7 @@
             <p:cNvPr id="15" name="Rectangle 21">
               <a:extLst>
                 <a:ext uri="{FF2B5EF4-FFF2-40B4-BE49-F238E27FC236}">
-                  <a16:creationId xmlns:a16="http://schemas.microsoft.com/office/drawing/2014/main" id="{C1BE2688-BD54-4A3F-B0AB-2A556D2B2EC2}"/>
+                  <a16:creationId xmlns="" xmlns:a16="http://schemas.microsoft.com/office/drawing/2014/main" id="{C1BE2688-BD54-4A3F-B0AB-2A556D2B2EC2}"/>
                 </a:ext>
               </a:extLst>
             </p:cNvPr>
@@ -3841,7 +3841,7 @@
             <p:cNvPr id="16" name="Rectangle 22">
               <a:extLst>
                 <a:ext uri="{FF2B5EF4-FFF2-40B4-BE49-F238E27FC236}">
-                  <a16:creationId xmlns:a16="http://schemas.microsoft.com/office/drawing/2014/main" id="{A7D60A8D-7EA1-42BD-877C-B3C0C9EAF60A}"/>
+                  <a16:creationId xmlns="" xmlns:a16="http://schemas.microsoft.com/office/drawing/2014/main" id="{A7D60A8D-7EA1-42BD-877C-B3C0C9EAF60A}"/>
                 </a:ext>
               </a:extLst>
             </p:cNvPr>
@@ -3888,7 +3888,7 @@
             <p:cNvPr id="17" name="Line 23">
               <a:extLst>
                 <a:ext uri="{FF2B5EF4-FFF2-40B4-BE49-F238E27FC236}">
-                  <a16:creationId xmlns:a16="http://schemas.microsoft.com/office/drawing/2014/main" id="{B577248A-519A-42A6-B9C3-4837D0298C09}"/>
+                  <a16:creationId xmlns="" xmlns:a16="http://schemas.microsoft.com/office/drawing/2014/main" id="{B577248A-519A-42A6-B9C3-4837D0298C09}"/>
                 </a:ext>
               </a:extLst>
             </p:cNvPr>
@@ -3933,7 +3933,7 @@
             <p:cNvPr id="18" name="Line 24">
               <a:extLst>
                 <a:ext uri="{FF2B5EF4-FFF2-40B4-BE49-F238E27FC236}">
-                  <a16:creationId xmlns:a16="http://schemas.microsoft.com/office/drawing/2014/main" id="{7109DC07-5F1E-4A75-A515-13C9073AE816}"/>
+                  <a16:creationId xmlns="" xmlns:a16="http://schemas.microsoft.com/office/drawing/2014/main" id="{7109DC07-5F1E-4A75-A515-13C9073AE816}"/>
                 </a:ext>
               </a:extLst>
             </p:cNvPr>
@@ -3978,7 +3978,7 @@
             <p:cNvPr id="19" name="Rectangle 25">
               <a:extLst>
                 <a:ext uri="{FF2B5EF4-FFF2-40B4-BE49-F238E27FC236}">
-                  <a16:creationId xmlns:a16="http://schemas.microsoft.com/office/drawing/2014/main" id="{9CBB0335-4D9C-4642-8EAE-4FBB518E4DAE}"/>
+                  <a16:creationId xmlns="" xmlns:a16="http://schemas.microsoft.com/office/drawing/2014/main" id="{9CBB0335-4D9C-4642-8EAE-4FBB518E4DAE}"/>
                 </a:ext>
               </a:extLst>
             </p:cNvPr>
@@ -4061,7 +4061,7 @@
             <p:cNvPr id="20" name="Rectangle 26">
               <a:extLst>
                 <a:ext uri="{FF2B5EF4-FFF2-40B4-BE49-F238E27FC236}">
-                  <a16:creationId xmlns:a16="http://schemas.microsoft.com/office/drawing/2014/main" id="{01AD7C9D-4DA3-4EFE-811A-556E1CA02DE2}"/>
+                  <a16:creationId xmlns="" xmlns:a16="http://schemas.microsoft.com/office/drawing/2014/main" id="{01AD7C9D-4DA3-4EFE-811A-556E1CA02DE2}"/>
                 </a:ext>
               </a:extLst>
             </p:cNvPr>
@@ -4108,7 +4108,7 @@
             <p:cNvPr id="21" name="Line 27">
               <a:extLst>
                 <a:ext uri="{FF2B5EF4-FFF2-40B4-BE49-F238E27FC236}">
-                  <a16:creationId xmlns:a16="http://schemas.microsoft.com/office/drawing/2014/main" id="{5BF8101D-ACEF-400C-AD0F-88EAFEA18D26}"/>
+                  <a16:creationId xmlns="" xmlns:a16="http://schemas.microsoft.com/office/drawing/2014/main" id="{5BF8101D-ACEF-400C-AD0F-88EAFEA18D26}"/>
                 </a:ext>
               </a:extLst>
             </p:cNvPr>
@@ -4153,7 +4153,7 @@
             <p:cNvPr id="22" name="Line 28">
               <a:extLst>
                 <a:ext uri="{FF2B5EF4-FFF2-40B4-BE49-F238E27FC236}">
-                  <a16:creationId xmlns:a16="http://schemas.microsoft.com/office/drawing/2014/main" id="{17C8BAC5-DB92-4E1F-B670-5BD0A8254C74}"/>
+                  <a16:creationId xmlns="" xmlns:a16="http://schemas.microsoft.com/office/drawing/2014/main" id="{17C8BAC5-DB92-4E1F-B670-5BD0A8254C74}"/>
                 </a:ext>
               </a:extLst>
             </p:cNvPr>
@@ -4198,7 +4198,7 @@
             <p:cNvPr id="23" name="Rectangle 29">
               <a:extLst>
                 <a:ext uri="{FF2B5EF4-FFF2-40B4-BE49-F238E27FC236}">
-                  <a16:creationId xmlns:a16="http://schemas.microsoft.com/office/drawing/2014/main" id="{CCF1A717-F894-4844-995E-57714CBE3360}"/>
+                  <a16:creationId xmlns="" xmlns:a16="http://schemas.microsoft.com/office/drawing/2014/main" id="{CCF1A717-F894-4844-995E-57714CBE3360}"/>
                 </a:ext>
               </a:extLst>
             </p:cNvPr>
@@ -4281,7 +4281,7 @@
             <p:cNvPr id="24" name="Rectangle 49">
               <a:extLst>
                 <a:ext uri="{FF2B5EF4-FFF2-40B4-BE49-F238E27FC236}">
-                  <a16:creationId xmlns:a16="http://schemas.microsoft.com/office/drawing/2014/main" id="{330BE6EE-731A-44E6-9779-42ED233A6B86}"/>
+                  <a16:creationId xmlns="" xmlns:a16="http://schemas.microsoft.com/office/drawing/2014/main" id="{330BE6EE-731A-44E6-9779-42ED233A6B86}"/>
                 </a:ext>
               </a:extLst>
             </p:cNvPr>
@@ -4364,7 +4364,7 @@
             <p:cNvPr id="25" name="Rectangle 64">
               <a:extLst>
                 <a:ext uri="{FF2B5EF4-FFF2-40B4-BE49-F238E27FC236}">
-                  <a16:creationId xmlns:a16="http://schemas.microsoft.com/office/drawing/2014/main" id="{DC1778B8-D595-4628-BB8D-E31FBD463F04}"/>
+                  <a16:creationId xmlns="" xmlns:a16="http://schemas.microsoft.com/office/drawing/2014/main" id="{DC1778B8-D595-4628-BB8D-E31FBD463F04}"/>
                 </a:ext>
               </a:extLst>
             </p:cNvPr>
@@ -4444,7 +4444,7 @@
             <p:cNvPr id="26" name="Oval 65">
               <a:extLst>
                 <a:ext uri="{FF2B5EF4-FFF2-40B4-BE49-F238E27FC236}">
-                  <a16:creationId xmlns:a16="http://schemas.microsoft.com/office/drawing/2014/main" id="{7717CD30-CF15-4016-BAD5-8D4A077F050A}"/>
+                  <a16:creationId xmlns="" xmlns:a16="http://schemas.microsoft.com/office/drawing/2014/main" id="{7717CD30-CF15-4016-BAD5-8D4A077F050A}"/>
                 </a:ext>
               </a:extLst>
             </p:cNvPr>
@@ -4491,7 +4491,7 @@
             <p:cNvPr id="27" name="Oval 66">
               <a:extLst>
                 <a:ext uri="{FF2B5EF4-FFF2-40B4-BE49-F238E27FC236}">
-                  <a16:creationId xmlns:a16="http://schemas.microsoft.com/office/drawing/2014/main" id="{3D18D16B-16F2-4F06-8356-51B31350B45C}"/>
+                  <a16:creationId xmlns="" xmlns:a16="http://schemas.microsoft.com/office/drawing/2014/main" id="{3D18D16B-16F2-4F06-8356-51B31350B45C}"/>
                 </a:ext>
               </a:extLst>
             </p:cNvPr>
@@ -4538,7 +4538,7 @@
             <p:cNvPr id="28" name="Line 13">
               <a:extLst>
                 <a:ext uri="{FF2B5EF4-FFF2-40B4-BE49-F238E27FC236}">
-                  <a16:creationId xmlns:a16="http://schemas.microsoft.com/office/drawing/2014/main" id="{5ABB79A2-85CE-42D0-8816-65938F53B6A0}"/>
+                  <a16:creationId xmlns="" xmlns:a16="http://schemas.microsoft.com/office/drawing/2014/main" id="{5ABB79A2-85CE-42D0-8816-65938F53B6A0}"/>
                 </a:ext>
               </a:extLst>
             </p:cNvPr>
@@ -4583,7 +4583,7 @@
             <p:cNvPr id="29" name="Groupe 28">
               <a:extLst>
                 <a:ext uri="{FF2B5EF4-FFF2-40B4-BE49-F238E27FC236}">
-                  <a16:creationId xmlns:a16="http://schemas.microsoft.com/office/drawing/2014/main" id="{6440AACF-B474-406E-A8F1-27B84C177818}"/>
+                  <a16:creationId xmlns="" xmlns:a16="http://schemas.microsoft.com/office/drawing/2014/main" id="{6440AACF-B474-406E-A8F1-27B84C177818}"/>
                 </a:ext>
               </a:extLst>
             </p:cNvPr>
@@ -4603,7 +4603,7 @@
               <p:cNvPr id="42" name="Freeform 62">
                 <a:extLst>
                   <a:ext uri="{FF2B5EF4-FFF2-40B4-BE49-F238E27FC236}">
-                    <a16:creationId xmlns:a16="http://schemas.microsoft.com/office/drawing/2014/main" id="{0BE0F8EE-4C08-43BC-9B34-A6BD5C504BCE}"/>
+                    <a16:creationId xmlns="" xmlns:a16="http://schemas.microsoft.com/office/drawing/2014/main" id="{0BE0F8EE-4C08-43BC-9B34-A6BD5C504BCE}"/>
                   </a:ext>
                 </a:extLst>
               </p:cNvPr>
@@ -4682,7 +4682,7 @@
               <p:cNvPr id="43" name="Line 63">
                 <a:extLst>
                   <a:ext uri="{FF2B5EF4-FFF2-40B4-BE49-F238E27FC236}">
-                    <a16:creationId xmlns:a16="http://schemas.microsoft.com/office/drawing/2014/main" id="{F4AC4471-5F4B-4852-A7B6-8394CC9356C9}"/>
+                    <a16:creationId xmlns="" xmlns:a16="http://schemas.microsoft.com/office/drawing/2014/main" id="{F4AC4471-5F4B-4852-A7B6-8394CC9356C9}"/>
                   </a:ext>
                 </a:extLst>
               </p:cNvPr>
@@ -4728,7 +4728,7 @@
             <p:cNvPr id="30" name="Rectangle 49">
               <a:extLst>
                 <a:ext uri="{FF2B5EF4-FFF2-40B4-BE49-F238E27FC236}">
-                  <a16:creationId xmlns:a16="http://schemas.microsoft.com/office/drawing/2014/main" id="{B06290EB-F200-47DF-9C64-F3323B661583}"/>
+                  <a16:creationId xmlns="" xmlns:a16="http://schemas.microsoft.com/office/drawing/2014/main" id="{B06290EB-F200-47DF-9C64-F3323B661583}"/>
                 </a:ext>
               </a:extLst>
             </p:cNvPr>
@@ -4811,7 +4811,7 @@
             <p:cNvPr id="31" name="Line 13">
               <a:extLst>
                 <a:ext uri="{FF2B5EF4-FFF2-40B4-BE49-F238E27FC236}">
-                  <a16:creationId xmlns:a16="http://schemas.microsoft.com/office/drawing/2014/main" id="{6EBA3ED8-9ADF-4397-8163-61695B7B4A47}"/>
+                  <a16:creationId xmlns="" xmlns:a16="http://schemas.microsoft.com/office/drawing/2014/main" id="{6EBA3ED8-9ADF-4397-8163-61695B7B4A47}"/>
                 </a:ext>
               </a:extLst>
             </p:cNvPr>
@@ -4856,7 +4856,7 @@
             <p:cNvPr id="32" name="Groupe 31">
               <a:extLst>
                 <a:ext uri="{FF2B5EF4-FFF2-40B4-BE49-F238E27FC236}">
-                  <a16:creationId xmlns:a16="http://schemas.microsoft.com/office/drawing/2014/main" id="{083EE034-AF3F-4F64-A287-8AA0240815D2}"/>
+                  <a16:creationId xmlns="" xmlns:a16="http://schemas.microsoft.com/office/drawing/2014/main" id="{083EE034-AF3F-4F64-A287-8AA0240815D2}"/>
                 </a:ext>
               </a:extLst>
             </p:cNvPr>
@@ -4876,7 +4876,7 @@
               <p:cNvPr id="40" name="Freeform 62">
                 <a:extLst>
                   <a:ext uri="{FF2B5EF4-FFF2-40B4-BE49-F238E27FC236}">
-                    <a16:creationId xmlns:a16="http://schemas.microsoft.com/office/drawing/2014/main" id="{4A8E9F6B-E785-40F1-9282-6CC000E17943}"/>
+                    <a16:creationId xmlns="" xmlns:a16="http://schemas.microsoft.com/office/drawing/2014/main" id="{4A8E9F6B-E785-40F1-9282-6CC000E17943}"/>
                   </a:ext>
                 </a:extLst>
               </p:cNvPr>
@@ -4955,7 +4955,7 @@
               <p:cNvPr id="41" name="Line 63">
                 <a:extLst>
                   <a:ext uri="{FF2B5EF4-FFF2-40B4-BE49-F238E27FC236}">
-                    <a16:creationId xmlns:a16="http://schemas.microsoft.com/office/drawing/2014/main" id="{92D8180F-D30F-46FB-B1BC-289FDA579977}"/>
+                    <a16:creationId xmlns="" xmlns:a16="http://schemas.microsoft.com/office/drawing/2014/main" id="{92D8180F-D30F-46FB-B1BC-289FDA579977}"/>
                   </a:ext>
                 </a:extLst>
               </p:cNvPr>
@@ -5001,7 +5001,7 @@
             <p:cNvPr id="33" name="Rectangle 49">
               <a:extLst>
                 <a:ext uri="{FF2B5EF4-FFF2-40B4-BE49-F238E27FC236}">
-                  <a16:creationId xmlns:a16="http://schemas.microsoft.com/office/drawing/2014/main" id="{46489540-AAFC-49E6-9AB9-74FD0F2D0798}"/>
+                  <a16:creationId xmlns="" xmlns:a16="http://schemas.microsoft.com/office/drawing/2014/main" id="{46489540-AAFC-49E6-9AB9-74FD0F2D0798}"/>
                 </a:ext>
               </a:extLst>
             </p:cNvPr>
@@ -5084,7 +5084,7 @@
             <p:cNvPr id="34" name="Line 13">
               <a:extLst>
                 <a:ext uri="{FF2B5EF4-FFF2-40B4-BE49-F238E27FC236}">
-                  <a16:creationId xmlns:a16="http://schemas.microsoft.com/office/drawing/2014/main" id="{1B484978-B11E-475F-855E-CB8C505B7D7A}"/>
+                  <a16:creationId xmlns="" xmlns:a16="http://schemas.microsoft.com/office/drawing/2014/main" id="{1B484978-B11E-475F-855E-CB8C505B7D7A}"/>
                 </a:ext>
               </a:extLst>
             </p:cNvPr>
@@ -5129,7 +5129,7 @@
             <p:cNvPr id="35" name="Groupe 34">
               <a:extLst>
                 <a:ext uri="{FF2B5EF4-FFF2-40B4-BE49-F238E27FC236}">
-                  <a16:creationId xmlns:a16="http://schemas.microsoft.com/office/drawing/2014/main" id="{6AA27C0A-661B-4EDD-A6C9-0DFA190AA187}"/>
+                  <a16:creationId xmlns="" xmlns:a16="http://schemas.microsoft.com/office/drawing/2014/main" id="{6AA27C0A-661B-4EDD-A6C9-0DFA190AA187}"/>
                 </a:ext>
               </a:extLst>
             </p:cNvPr>
@@ -5149,7 +5149,7 @@
               <p:cNvPr id="38" name="Freeform 62">
                 <a:extLst>
                   <a:ext uri="{FF2B5EF4-FFF2-40B4-BE49-F238E27FC236}">
-                    <a16:creationId xmlns:a16="http://schemas.microsoft.com/office/drawing/2014/main" id="{03B8862E-618D-4F6E-A1E8-DDFF7206A51F}"/>
+                    <a16:creationId xmlns="" xmlns:a16="http://schemas.microsoft.com/office/drawing/2014/main" id="{03B8862E-618D-4F6E-A1E8-DDFF7206A51F}"/>
                   </a:ext>
                 </a:extLst>
               </p:cNvPr>
@@ -5228,7 +5228,7 @@
               <p:cNvPr id="39" name="Line 63">
                 <a:extLst>
                   <a:ext uri="{FF2B5EF4-FFF2-40B4-BE49-F238E27FC236}">
-                    <a16:creationId xmlns:a16="http://schemas.microsoft.com/office/drawing/2014/main" id="{C90DD8F3-866E-41B0-B107-E2AFD1763616}"/>
+                    <a16:creationId xmlns="" xmlns:a16="http://schemas.microsoft.com/office/drawing/2014/main" id="{C90DD8F3-866E-41B0-B107-E2AFD1763616}"/>
                   </a:ext>
                 </a:extLst>
               </p:cNvPr>
@@ -5274,7 +5274,7 @@
             <p:cNvPr id="36" name="Oval 65">
               <a:extLst>
                 <a:ext uri="{FF2B5EF4-FFF2-40B4-BE49-F238E27FC236}">
-                  <a16:creationId xmlns:a16="http://schemas.microsoft.com/office/drawing/2014/main" id="{CA7F708E-AD6B-40E4-B7EB-239CCEF3B282}"/>
+                  <a16:creationId xmlns="" xmlns:a16="http://schemas.microsoft.com/office/drawing/2014/main" id="{CA7F708E-AD6B-40E4-B7EB-239CCEF3B282}"/>
                 </a:ext>
               </a:extLst>
             </p:cNvPr>
@@ -5321,7 +5321,7 @@
             <p:cNvPr id="37" name="Rectangle à coins arrondis 43">
               <a:extLst>
                 <a:ext uri="{FF2B5EF4-FFF2-40B4-BE49-F238E27FC236}">
-                  <a16:creationId xmlns:a16="http://schemas.microsoft.com/office/drawing/2014/main" id="{71A5A780-8787-4D66-A432-661EE29127F6}"/>
+                  <a16:creationId xmlns="" xmlns:a16="http://schemas.microsoft.com/office/drawing/2014/main" id="{71A5A780-8787-4D66-A432-661EE29127F6}"/>
                 </a:ext>
               </a:extLst>
             </p:cNvPr>
@@ -5378,7 +5378,7 @@
           <p:cNvPr id="44" name="Flèche : bas 43">
             <a:extLst>
               <a:ext uri="{FF2B5EF4-FFF2-40B4-BE49-F238E27FC236}">
-                <a16:creationId xmlns:a16="http://schemas.microsoft.com/office/drawing/2014/main" id="{DE438506-59B9-40BE-B65E-3FDC7325831D}"/>
+                <a16:creationId xmlns="" xmlns:a16="http://schemas.microsoft.com/office/drawing/2014/main" id="{DE438506-59B9-40BE-B65E-3FDC7325831D}"/>
               </a:ext>
             </a:extLst>
           </p:cNvPr>
@@ -5425,7 +5425,7 @@
           <p:cNvPr id="45" name="Groupe 44">
             <a:extLst>
               <a:ext uri="{FF2B5EF4-FFF2-40B4-BE49-F238E27FC236}">
-                <a16:creationId xmlns:a16="http://schemas.microsoft.com/office/drawing/2014/main" id="{18324A95-0BBE-46FE-ACB5-19F911F30CEE}"/>
+                <a16:creationId xmlns="" xmlns:a16="http://schemas.microsoft.com/office/drawing/2014/main" id="{18324A95-0BBE-46FE-ACB5-19F911F30CEE}"/>
               </a:ext>
             </a:extLst>
           </p:cNvPr>
@@ -5445,7 +5445,7 @@
             <p:cNvPr id="46" name="Line 13">
               <a:extLst>
                 <a:ext uri="{FF2B5EF4-FFF2-40B4-BE49-F238E27FC236}">
-                  <a16:creationId xmlns:a16="http://schemas.microsoft.com/office/drawing/2014/main" id="{0BB8CE31-D058-4DE2-91B7-D2E7509B9C73}"/>
+                  <a16:creationId xmlns="" xmlns:a16="http://schemas.microsoft.com/office/drawing/2014/main" id="{0BB8CE31-D058-4DE2-91B7-D2E7509B9C73}"/>
                 </a:ext>
               </a:extLst>
             </p:cNvPr>
@@ -5490,7 +5490,7 @@
             <p:cNvPr id="47" name="Rectangle 18">
               <a:extLst>
                 <a:ext uri="{FF2B5EF4-FFF2-40B4-BE49-F238E27FC236}">
-                  <a16:creationId xmlns:a16="http://schemas.microsoft.com/office/drawing/2014/main" id="{60F581EA-8443-46F2-AB01-C9D6049B2DCC}"/>
+                  <a16:creationId xmlns="" xmlns:a16="http://schemas.microsoft.com/office/drawing/2014/main" id="{60F581EA-8443-46F2-AB01-C9D6049B2DCC}"/>
                 </a:ext>
               </a:extLst>
             </p:cNvPr>
@@ -5537,7 +5537,7 @@
             <p:cNvPr id="48" name="Line 19">
               <a:extLst>
                 <a:ext uri="{FF2B5EF4-FFF2-40B4-BE49-F238E27FC236}">
-                  <a16:creationId xmlns:a16="http://schemas.microsoft.com/office/drawing/2014/main" id="{8ED635EF-EE5E-466D-8B19-410E008DB88B}"/>
+                  <a16:creationId xmlns="" xmlns:a16="http://schemas.microsoft.com/office/drawing/2014/main" id="{8ED635EF-EE5E-466D-8B19-410E008DB88B}"/>
                 </a:ext>
               </a:extLst>
             </p:cNvPr>
@@ -5582,7 +5582,7 @@
             <p:cNvPr id="49" name="Line 20">
               <a:extLst>
                 <a:ext uri="{FF2B5EF4-FFF2-40B4-BE49-F238E27FC236}">
-                  <a16:creationId xmlns:a16="http://schemas.microsoft.com/office/drawing/2014/main" id="{DD87E7CC-C794-4B07-930E-35993D486F8D}"/>
+                  <a16:creationId xmlns="" xmlns:a16="http://schemas.microsoft.com/office/drawing/2014/main" id="{DD87E7CC-C794-4B07-930E-35993D486F8D}"/>
                 </a:ext>
               </a:extLst>
             </p:cNvPr>
@@ -5627,7 +5627,7 @@
             <p:cNvPr id="50" name="Rectangle 21">
               <a:extLst>
                 <a:ext uri="{FF2B5EF4-FFF2-40B4-BE49-F238E27FC236}">
-                  <a16:creationId xmlns:a16="http://schemas.microsoft.com/office/drawing/2014/main" id="{1FD5133C-42E6-439F-BAB7-5CCEE726E129}"/>
+                  <a16:creationId xmlns="" xmlns:a16="http://schemas.microsoft.com/office/drawing/2014/main" id="{1FD5133C-42E6-439F-BAB7-5CCEE726E129}"/>
                 </a:ext>
               </a:extLst>
             </p:cNvPr>
@@ -5710,7 +5710,7 @@
             <p:cNvPr id="51" name="Rectangle 64">
               <a:extLst>
                 <a:ext uri="{FF2B5EF4-FFF2-40B4-BE49-F238E27FC236}">
-                  <a16:creationId xmlns:a16="http://schemas.microsoft.com/office/drawing/2014/main" id="{8BB40608-8CC8-4C62-A4FB-1BB3ED4C2791}"/>
+                  <a16:creationId xmlns="" xmlns:a16="http://schemas.microsoft.com/office/drawing/2014/main" id="{8BB40608-8CC8-4C62-A4FB-1BB3ED4C2791}"/>
                 </a:ext>
               </a:extLst>
             </p:cNvPr>
@@ -5790,7 +5790,7 @@
             <p:cNvPr id="52" name="Line 13">
               <a:extLst>
                 <a:ext uri="{FF2B5EF4-FFF2-40B4-BE49-F238E27FC236}">
-                  <a16:creationId xmlns:a16="http://schemas.microsoft.com/office/drawing/2014/main" id="{ABC2447F-952A-41DC-8330-E949A2E2FC35}"/>
+                  <a16:creationId xmlns="" xmlns:a16="http://schemas.microsoft.com/office/drawing/2014/main" id="{ABC2447F-952A-41DC-8330-E949A2E2FC35}"/>
                 </a:ext>
               </a:extLst>
             </p:cNvPr>
@@ -5835,7 +5835,7 @@
             <p:cNvPr id="53" name="Groupe 52">
               <a:extLst>
                 <a:ext uri="{FF2B5EF4-FFF2-40B4-BE49-F238E27FC236}">
-                  <a16:creationId xmlns:a16="http://schemas.microsoft.com/office/drawing/2014/main" id="{81D05B18-5A21-4743-88AA-373EAC7BE815}"/>
+                  <a16:creationId xmlns="" xmlns:a16="http://schemas.microsoft.com/office/drawing/2014/main" id="{81D05B18-5A21-4743-88AA-373EAC7BE815}"/>
                 </a:ext>
               </a:extLst>
             </p:cNvPr>
@@ -5855,7 +5855,7 @@
               <p:cNvPr id="57" name="Freeform 62">
                 <a:extLst>
                   <a:ext uri="{FF2B5EF4-FFF2-40B4-BE49-F238E27FC236}">
-                    <a16:creationId xmlns:a16="http://schemas.microsoft.com/office/drawing/2014/main" id="{87B5D23B-2B66-406C-A9C5-FBFBC7A9AA4E}"/>
+                    <a16:creationId xmlns="" xmlns:a16="http://schemas.microsoft.com/office/drawing/2014/main" id="{87B5D23B-2B66-406C-A9C5-FBFBC7A9AA4E}"/>
                   </a:ext>
                 </a:extLst>
               </p:cNvPr>
@@ -5934,7 +5934,7 @@
               <p:cNvPr id="58" name="Line 63">
                 <a:extLst>
                   <a:ext uri="{FF2B5EF4-FFF2-40B4-BE49-F238E27FC236}">
-                    <a16:creationId xmlns:a16="http://schemas.microsoft.com/office/drawing/2014/main" id="{95115474-92F5-4694-9235-B60FDBF79C5E}"/>
+                    <a16:creationId xmlns="" xmlns:a16="http://schemas.microsoft.com/office/drawing/2014/main" id="{95115474-92F5-4694-9235-B60FDBF79C5E}"/>
                   </a:ext>
                 </a:extLst>
               </p:cNvPr>
@@ -5980,7 +5980,7 @@
             <p:cNvPr id="54" name="Oval 65">
               <a:extLst>
                 <a:ext uri="{FF2B5EF4-FFF2-40B4-BE49-F238E27FC236}">
-                  <a16:creationId xmlns:a16="http://schemas.microsoft.com/office/drawing/2014/main" id="{A4E3F157-3F65-4017-8C06-129726420D7B}"/>
+                  <a16:creationId xmlns="" xmlns:a16="http://schemas.microsoft.com/office/drawing/2014/main" id="{A4E3F157-3F65-4017-8C06-129726420D7B}"/>
                 </a:ext>
               </a:extLst>
             </p:cNvPr>
@@ -6027,7 +6027,7 @@
             <p:cNvPr id="55" name="Rectangle à coins arrondis 81">
               <a:extLst>
                 <a:ext uri="{FF2B5EF4-FFF2-40B4-BE49-F238E27FC236}">
-                  <a16:creationId xmlns:a16="http://schemas.microsoft.com/office/drawing/2014/main" id="{0C2CE06B-94ED-4019-93CD-4F547886C6F0}"/>
+                  <a16:creationId xmlns="" xmlns:a16="http://schemas.microsoft.com/office/drawing/2014/main" id="{0C2CE06B-94ED-4019-93CD-4F547886C6F0}"/>
                 </a:ext>
               </a:extLst>
             </p:cNvPr>
@@ -6083,7 +6083,7 @@
             <p:cNvPr id="56" name="Rectangle 21">
               <a:extLst>
                 <a:ext uri="{FF2B5EF4-FFF2-40B4-BE49-F238E27FC236}">
-                  <a16:creationId xmlns:a16="http://schemas.microsoft.com/office/drawing/2014/main" id="{B2F8E697-DC77-4EBE-B2ED-87405238AC7F}"/>
+                  <a16:creationId xmlns="" xmlns:a16="http://schemas.microsoft.com/office/drawing/2014/main" id="{B2F8E697-DC77-4EBE-B2ED-87405238AC7F}"/>
                 </a:ext>
               </a:extLst>
             </p:cNvPr>
@@ -6178,7 +6178,7 @@
           <p:cNvPr id="60" name="Rectangle 64">
             <a:extLst>
               <a:ext uri="{FF2B5EF4-FFF2-40B4-BE49-F238E27FC236}">
-                <a16:creationId xmlns:a16="http://schemas.microsoft.com/office/drawing/2014/main" id="{02AB47F7-5BBE-4247-A0CF-3B91C0B34E05}"/>
+                <a16:creationId xmlns="" xmlns:a16="http://schemas.microsoft.com/office/drawing/2014/main" id="{02AB47F7-5BBE-4247-A0CF-3B91C0B34E05}"/>
               </a:ext>
             </a:extLst>
           </p:cNvPr>
@@ -6261,7 +6261,7 @@
           <p:cNvPr id="62" name="Line 13">
             <a:extLst>
               <a:ext uri="{FF2B5EF4-FFF2-40B4-BE49-F238E27FC236}">
-                <a16:creationId xmlns:a16="http://schemas.microsoft.com/office/drawing/2014/main" id="{63C71FC3-A0E2-44C2-AAE3-AD063D7F1F4C}"/>
+                <a16:creationId xmlns="" xmlns:a16="http://schemas.microsoft.com/office/drawing/2014/main" id="{63C71FC3-A0E2-44C2-AAE3-AD063D7F1F4C}"/>
               </a:ext>
             </a:extLst>
           </p:cNvPr>
@@ -6306,7 +6306,7 @@
           <p:cNvPr id="63" name="Line 14">
             <a:extLst>
               <a:ext uri="{FF2B5EF4-FFF2-40B4-BE49-F238E27FC236}">
-                <a16:creationId xmlns:a16="http://schemas.microsoft.com/office/drawing/2014/main" id="{5D30F928-76BE-4911-B3F1-C7941A050E8C}"/>
+                <a16:creationId xmlns="" xmlns:a16="http://schemas.microsoft.com/office/drawing/2014/main" id="{5D30F928-76BE-4911-B3F1-C7941A050E8C}"/>
               </a:ext>
             </a:extLst>
           </p:cNvPr>
@@ -6351,7 +6351,7 @@
           <p:cNvPr id="64" name="Line 15">
             <a:extLst>
               <a:ext uri="{FF2B5EF4-FFF2-40B4-BE49-F238E27FC236}">
-                <a16:creationId xmlns:a16="http://schemas.microsoft.com/office/drawing/2014/main" id="{D6A1CDA2-1ED5-44E3-ADDD-8D7F9C506A05}"/>
+                <a16:creationId xmlns="" xmlns:a16="http://schemas.microsoft.com/office/drawing/2014/main" id="{D6A1CDA2-1ED5-44E3-ADDD-8D7F9C506A05}"/>
               </a:ext>
             </a:extLst>
           </p:cNvPr>
@@ -6396,7 +6396,7 @@
           <p:cNvPr id="65" name="Line 16">
             <a:extLst>
               <a:ext uri="{FF2B5EF4-FFF2-40B4-BE49-F238E27FC236}">
-                <a16:creationId xmlns:a16="http://schemas.microsoft.com/office/drawing/2014/main" id="{8CF85B3B-A5FC-4C92-A3D8-27444BC73E8D}"/>
+                <a16:creationId xmlns="" xmlns:a16="http://schemas.microsoft.com/office/drawing/2014/main" id="{8CF85B3B-A5FC-4C92-A3D8-27444BC73E8D}"/>
               </a:ext>
             </a:extLst>
           </p:cNvPr>
@@ -6441,7 +6441,7 @@
           <p:cNvPr id="66" name="Freeform 17">
             <a:extLst>
               <a:ext uri="{FF2B5EF4-FFF2-40B4-BE49-F238E27FC236}">
-                <a16:creationId xmlns:a16="http://schemas.microsoft.com/office/drawing/2014/main" id="{F6EB7282-C4E9-4323-8357-4FCDBA4D6DB7}"/>
+                <a16:creationId xmlns="" xmlns:a16="http://schemas.microsoft.com/office/drawing/2014/main" id="{F6EB7282-C4E9-4323-8357-4FCDBA4D6DB7}"/>
               </a:ext>
             </a:extLst>
           </p:cNvPr>
@@ -6513,7 +6513,7 @@
           <p:cNvPr id="67" name="Rectangle 18">
             <a:extLst>
               <a:ext uri="{FF2B5EF4-FFF2-40B4-BE49-F238E27FC236}">
-                <a16:creationId xmlns:a16="http://schemas.microsoft.com/office/drawing/2014/main" id="{A13CE3B1-5791-4990-B82C-0440970750D4}"/>
+                <a16:creationId xmlns="" xmlns:a16="http://schemas.microsoft.com/office/drawing/2014/main" id="{A13CE3B1-5791-4990-B82C-0440970750D4}"/>
               </a:ext>
             </a:extLst>
           </p:cNvPr>
@@ -6560,7 +6560,7 @@
           <p:cNvPr id="69" name="Line 20">
             <a:extLst>
               <a:ext uri="{FF2B5EF4-FFF2-40B4-BE49-F238E27FC236}">
-                <a16:creationId xmlns:a16="http://schemas.microsoft.com/office/drawing/2014/main" id="{CBA31DAC-8ED7-4E45-AACE-DE376FD91A61}"/>
+                <a16:creationId xmlns="" xmlns:a16="http://schemas.microsoft.com/office/drawing/2014/main" id="{CBA31DAC-8ED7-4E45-AACE-DE376FD91A61}"/>
               </a:ext>
             </a:extLst>
           </p:cNvPr>
@@ -6605,7 +6605,7 @@
           <p:cNvPr id="70" name="Rectangle 21">
             <a:extLst>
               <a:ext uri="{FF2B5EF4-FFF2-40B4-BE49-F238E27FC236}">
-                <a16:creationId xmlns:a16="http://schemas.microsoft.com/office/drawing/2014/main" id="{3D627554-8FFF-40F0-999A-EAAD9586BC0C}"/>
+                <a16:creationId xmlns="" xmlns:a16="http://schemas.microsoft.com/office/drawing/2014/main" id="{3D627554-8FFF-40F0-999A-EAAD9586BC0C}"/>
               </a:ext>
             </a:extLst>
           </p:cNvPr>
@@ -6688,7 +6688,7 @@
           <p:cNvPr id="71" name="Rectangle 22">
             <a:extLst>
               <a:ext uri="{FF2B5EF4-FFF2-40B4-BE49-F238E27FC236}">
-                <a16:creationId xmlns:a16="http://schemas.microsoft.com/office/drawing/2014/main" id="{5C76B6C7-5C05-4926-B482-FF80358AE29F}"/>
+                <a16:creationId xmlns="" xmlns:a16="http://schemas.microsoft.com/office/drawing/2014/main" id="{5C76B6C7-5C05-4926-B482-FF80358AE29F}"/>
               </a:ext>
             </a:extLst>
           </p:cNvPr>
@@ -6735,7 +6735,7 @@
           <p:cNvPr id="72" name="Line 23">
             <a:extLst>
               <a:ext uri="{FF2B5EF4-FFF2-40B4-BE49-F238E27FC236}">
-                <a16:creationId xmlns:a16="http://schemas.microsoft.com/office/drawing/2014/main" id="{E6D2FFAF-F158-4160-BF01-E57944AE8DA4}"/>
+                <a16:creationId xmlns="" xmlns:a16="http://schemas.microsoft.com/office/drawing/2014/main" id="{E6D2FFAF-F158-4160-BF01-E57944AE8DA4}"/>
               </a:ext>
             </a:extLst>
           </p:cNvPr>
@@ -6780,7 +6780,7 @@
           <p:cNvPr id="73" name="Line 24">
             <a:extLst>
               <a:ext uri="{FF2B5EF4-FFF2-40B4-BE49-F238E27FC236}">
-                <a16:creationId xmlns:a16="http://schemas.microsoft.com/office/drawing/2014/main" id="{70E7D3D2-1436-4EDB-A635-BF9EF68CEF3E}"/>
+                <a16:creationId xmlns="" xmlns:a16="http://schemas.microsoft.com/office/drawing/2014/main" id="{70E7D3D2-1436-4EDB-A635-BF9EF68CEF3E}"/>
               </a:ext>
             </a:extLst>
           </p:cNvPr>
@@ -6825,7 +6825,7 @@
           <p:cNvPr id="74" name="Rectangle 25">
             <a:extLst>
               <a:ext uri="{FF2B5EF4-FFF2-40B4-BE49-F238E27FC236}">
-                <a16:creationId xmlns:a16="http://schemas.microsoft.com/office/drawing/2014/main" id="{C4383B26-BE87-41EE-B61F-EDBDEFB34A0F}"/>
+                <a16:creationId xmlns="" xmlns:a16="http://schemas.microsoft.com/office/drawing/2014/main" id="{C4383B26-BE87-41EE-B61F-EDBDEFB34A0F}"/>
               </a:ext>
             </a:extLst>
           </p:cNvPr>
@@ -6908,7 +6908,7 @@
           <p:cNvPr id="75" name="Rectangle 26">
             <a:extLst>
               <a:ext uri="{FF2B5EF4-FFF2-40B4-BE49-F238E27FC236}">
-                <a16:creationId xmlns:a16="http://schemas.microsoft.com/office/drawing/2014/main" id="{41CA94AE-7DAA-49E3-BAD8-575B8CCC4803}"/>
+                <a16:creationId xmlns="" xmlns:a16="http://schemas.microsoft.com/office/drawing/2014/main" id="{41CA94AE-7DAA-49E3-BAD8-575B8CCC4803}"/>
               </a:ext>
             </a:extLst>
           </p:cNvPr>
@@ -6955,7 +6955,7 @@
           <p:cNvPr id="77" name="Line 28">
             <a:extLst>
               <a:ext uri="{FF2B5EF4-FFF2-40B4-BE49-F238E27FC236}">
-                <a16:creationId xmlns:a16="http://schemas.microsoft.com/office/drawing/2014/main" id="{F470F4B7-FCA8-4442-8FB8-787B8D92CD0C}"/>
+                <a16:creationId xmlns="" xmlns:a16="http://schemas.microsoft.com/office/drawing/2014/main" id="{F470F4B7-FCA8-4442-8FB8-787B8D92CD0C}"/>
               </a:ext>
             </a:extLst>
           </p:cNvPr>
@@ -7000,7 +7000,7 @@
           <p:cNvPr id="78" name="Rectangle 29">
             <a:extLst>
               <a:ext uri="{FF2B5EF4-FFF2-40B4-BE49-F238E27FC236}">
-                <a16:creationId xmlns:a16="http://schemas.microsoft.com/office/drawing/2014/main" id="{658BB651-F555-4805-B6D1-C43D41A47203}"/>
+                <a16:creationId xmlns="" xmlns:a16="http://schemas.microsoft.com/office/drawing/2014/main" id="{658BB651-F555-4805-B6D1-C43D41A47203}"/>
               </a:ext>
             </a:extLst>
           </p:cNvPr>
@@ -7083,7 +7083,7 @@
           <p:cNvPr id="80" name="Rectangle 64">
             <a:extLst>
               <a:ext uri="{FF2B5EF4-FFF2-40B4-BE49-F238E27FC236}">
-                <a16:creationId xmlns:a16="http://schemas.microsoft.com/office/drawing/2014/main" id="{CEA774CB-F41E-4694-8A1F-A57044507B00}"/>
+                <a16:creationId xmlns="" xmlns:a16="http://schemas.microsoft.com/office/drawing/2014/main" id="{CEA774CB-F41E-4694-8A1F-A57044507B00}"/>
               </a:ext>
             </a:extLst>
           </p:cNvPr>
@@ -7163,7 +7163,7 @@
           <p:cNvPr id="81" name="Oval 65">
             <a:extLst>
               <a:ext uri="{FF2B5EF4-FFF2-40B4-BE49-F238E27FC236}">
-                <a16:creationId xmlns:a16="http://schemas.microsoft.com/office/drawing/2014/main" id="{647DC32B-D655-434D-A45D-FD842F738D41}"/>
+                <a16:creationId xmlns="" xmlns:a16="http://schemas.microsoft.com/office/drawing/2014/main" id="{647DC32B-D655-434D-A45D-FD842F738D41}"/>
               </a:ext>
             </a:extLst>
           </p:cNvPr>
@@ -7210,7 +7210,7 @@
           <p:cNvPr id="82" name="Oval 66">
             <a:extLst>
               <a:ext uri="{FF2B5EF4-FFF2-40B4-BE49-F238E27FC236}">
-                <a16:creationId xmlns:a16="http://schemas.microsoft.com/office/drawing/2014/main" id="{D59097DA-1869-466B-AD56-B3D6D297F774}"/>
+                <a16:creationId xmlns="" xmlns:a16="http://schemas.microsoft.com/office/drawing/2014/main" id="{D59097DA-1869-466B-AD56-B3D6D297F774}"/>
               </a:ext>
             </a:extLst>
           </p:cNvPr>
@@ -7257,7 +7257,7 @@
           <p:cNvPr id="83" name="Line 13">
             <a:extLst>
               <a:ext uri="{FF2B5EF4-FFF2-40B4-BE49-F238E27FC236}">
-                <a16:creationId xmlns:a16="http://schemas.microsoft.com/office/drawing/2014/main" id="{CB8FD647-6842-40EA-A4BC-8B3F4F2B72BF}"/>
+                <a16:creationId xmlns="" xmlns:a16="http://schemas.microsoft.com/office/drawing/2014/main" id="{CB8FD647-6842-40EA-A4BC-8B3F4F2B72BF}"/>
               </a:ext>
             </a:extLst>
           </p:cNvPr>
@@ -7302,7 +7302,7 @@
           <p:cNvPr id="86" name="Line 13">
             <a:extLst>
               <a:ext uri="{FF2B5EF4-FFF2-40B4-BE49-F238E27FC236}">
-                <a16:creationId xmlns:a16="http://schemas.microsoft.com/office/drawing/2014/main" id="{612F001D-2FCF-4182-80C0-A21EF15FCBB8}"/>
+                <a16:creationId xmlns="" xmlns:a16="http://schemas.microsoft.com/office/drawing/2014/main" id="{612F001D-2FCF-4182-80C0-A21EF15FCBB8}"/>
               </a:ext>
             </a:extLst>
           </p:cNvPr>
@@ -7347,7 +7347,7 @@
           <p:cNvPr id="91" name="Oval 65">
             <a:extLst>
               <a:ext uri="{FF2B5EF4-FFF2-40B4-BE49-F238E27FC236}">
-                <a16:creationId xmlns:a16="http://schemas.microsoft.com/office/drawing/2014/main" id="{11B9C6B5-BC1A-495F-9E8D-F87257B762F4}"/>
+                <a16:creationId xmlns="" xmlns:a16="http://schemas.microsoft.com/office/drawing/2014/main" id="{11B9C6B5-BC1A-495F-9E8D-F87257B762F4}"/>
               </a:ext>
             </a:extLst>
           </p:cNvPr>
@@ -7394,7 +7394,7 @@
           <p:cNvPr id="92" name="Rectangle à coins arrondis 103">
             <a:extLst>
               <a:ext uri="{FF2B5EF4-FFF2-40B4-BE49-F238E27FC236}">
-                <a16:creationId xmlns:a16="http://schemas.microsoft.com/office/drawing/2014/main" id="{32DA6AAE-C1B9-4B59-B472-C0D17550A080}"/>
+                <a16:creationId xmlns="" xmlns:a16="http://schemas.microsoft.com/office/drawing/2014/main" id="{32DA6AAE-C1B9-4B59-B472-C0D17550A080}"/>
               </a:ext>
             </a:extLst>
           </p:cNvPr>
@@ -7450,7 +7450,7 @@
           <p:cNvPr id="99" name="Line 13">
             <a:extLst>
               <a:ext uri="{FF2B5EF4-FFF2-40B4-BE49-F238E27FC236}">
-                <a16:creationId xmlns:a16="http://schemas.microsoft.com/office/drawing/2014/main" id="{6F527DC3-475F-454F-A684-0BC497588067}"/>
+                <a16:creationId xmlns="" xmlns:a16="http://schemas.microsoft.com/office/drawing/2014/main" id="{6F527DC3-475F-454F-A684-0BC497588067}"/>
               </a:ext>
             </a:extLst>
           </p:cNvPr>
@@ -7495,7 +7495,7 @@
           <p:cNvPr id="103" name="Groupe 102">
             <a:extLst>
               <a:ext uri="{FF2B5EF4-FFF2-40B4-BE49-F238E27FC236}">
-                <a16:creationId xmlns:a16="http://schemas.microsoft.com/office/drawing/2014/main" id="{515DB70C-E504-4786-BEF4-CBD35C82A598}"/>
+                <a16:creationId xmlns="" xmlns:a16="http://schemas.microsoft.com/office/drawing/2014/main" id="{515DB70C-E504-4786-BEF4-CBD35C82A598}"/>
               </a:ext>
             </a:extLst>
           </p:cNvPr>
@@ -7515,7 +7515,7 @@
             <p:cNvPr id="100" name="Line 13">
               <a:extLst>
                 <a:ext uri="{FF2B5EF4-FFF2-40B4-BE49-F238E27FC236}">
-                  <a16:creationId xmlns:a16="http://schemas.microsoft.com/office/drawing/2014/main" id="{B09B7679-D7B8-4F8E-9852-8190BBF69A2B}"/>
+                  <a16:creationId xmlns="" xmlns:a16="http://schemas.microsoft.com/office/drawing/2014/main" id="{B09B7679-D7B8-4F8E-9852-8190BBF69A2B}"/>
                 </a:ext>
               </a:extLst>
             </p:cNvPr>
@@ -7560,7 +7560,7 @@
             <p:cNvPr id="101" name="Line 13">
               <a:extLst>
                 <a:ext uri="{FF2B5EF4-FFF2-40B4-BE49-F238E27FC236}">
-                  <a16:creationId xmlns:a16="http://schemas.microsoft.com/office/drawing/2014/main" id="{783BFE1C-9BFB-4823-A2F2-67E864C080D3}"/>
+                  <a16:creationId xmlns="" xmlns:a16="http://schemas.microsoft.com/office/drawing/2014/main" id="{783BFE1C-9BFB-4823-A2F2-67E864C080D3}"/>
                 </a:ext>
               </a:extLst>
             </p:cNvPr>
@@ -7605,7 +7605,7 @@
             <p:cNvPr id="102" name="Line 13">
               <a:extLst>
                 <a:ext uri="{FF2B5EF4-FFF2-40B4-BE49-F238E27FC236}">
-                  <a16:creationId xmlns:a16="http://schemas.microsoft.com/office/drawing/2014/main" id="{FF297A89-2496-49F8-B91F-430181FBB8CF}"/>
+                  <a16:creationId xmlns="" xmlns:a16="http://schemas.microsoft.com/office/drawing/2014/main" id="{FF297A89-2496-49F8-B91F-430181FBB8CF}"/>
                 </a:ext>
               </a:extLst>
             </p:cNvPr>
@@ -7651,7 +7651,7 @@
           <p:cNvPr id="104" name="Line 13">
             <a:extLst>
               <a:ext uri="{FF2B5EF4-FFF2-40B4-BE49-F238E27FC236}">
-                <a16:creationId xmlns:a16="http://schemas.microsoft.com/office/drawing/2014/main" id="{BD22AB5A-DC8D-41A5-92ED-6F4A2DDA074A}"/>
+                <a16:creationId xmlns="" xmlns:a16="http://schemas.microsoft.com/office/drawing/2014/main" id="{BD22AB5A-DC8D-41A5-92ED-6F4A2DDA074A}"/>
               </a:ext>
             </a:extLst>
           </p:cNvPr>
@@ -7694,7 +7694,7 @@
     </p:spTree>
     <p:extLst>
       <p:ext uri="{BB962C8B-B14F-4D97-AF65-F5344CB8AC3E}">
-        <p14:creationId xmlns:p14="http://schemas.microsoft.com/office/powerpoint/2010/main" val="2270118311"/>
+        <p14:creationId xmlns="" xmlns:p14="http://schemas.microsoft.com/office/powerpoint/2010/main" val="2270118311"/>
       </p:ext>
     </p:extLst>
   </p:cSld>
@@ -7726,7 +7726,7 @@
           <p:cNvPr id="3" name="Espace réservé de la date 2">
             <a:extLst>
               <a:ext uri="{FF2B5EF4-FFF2-40B4-BE49-F238E27FC236}">
-                <a16:creationId xmlns:a16="http://schemas.microsoft.com/office/drawing/2014/main" id="{2C19661C-E370-4BA2-9074-7F4657B99FBA}"/>
+                <a16:creationId xmlns="" xmlns:a16="http://schemas.microsoft.com/office/drawing/2014/main" id="{2C19661C-E370-4BA2-9074-7F4657B99FBA}"/>
               </a:ext>
             </a:extLst>
           </p:cNvPr>
@@ -7745,7 +7745,7 @@
             <a:fld id="{80ADAFC8-E58E-40F9-B663-9F56451821D1}" type="datetime8">
               <a:rPr lang="fr-FR" smtClean="0"/>
               <a:pPr/>
-              <a:t>18/10/2024 07:24</a:t>
+              <a:t>24/10/2024 16:50</a:t>
             </a:fld>
             <a:endParaRPr lang="fr-FR"/>
           </a:p>
@@ -7756,7 +7756,7 @@
           <p:cNvPr id="4" name="Espace réservé du pied de page 3">
             <a:extLst>
               <a:ext uri="{FF2B5EF4-FFF2-40B4-BE49-F238E27FC236}">
-                <a16:creationId xmlns:a16="http://schemas.microsoft.com/office/drawing/2014/main" id="{E37A5394-8D47-4187-BC63-B66E8FE9C0CE}"/>
+                <a16:creationId xmlns="" xmlns:a16="http://schemas.microsoft.com/office/drawing/2014/main" id="{E37A5394-8D47-4187-BC63-B66E8FE9C0CE}"/>
               </a:ext>
             </a:extLst>
           </p:cNvPr>
@@ -7785,7 +7785,7 @@
           <p:cNvPr id="5" name="Espace réservé du numéro de diapositive 4">
             <a:extLst>
               <a:ext uri="{FF2B5EF4-FFF2-40B4-BE49-F238E27FC236}">
-                <a16:creationId xmlns:a16="http://schemas.microsoft.com/office/drawing/2014/main" id="{A227A4BB-E398-4D29-BF7A-DF938798CB79}"/>
+                <a16:creationId xmlns="" xmlns:a16="http://schemas.microsoft.com/office/drawing/2014/main" id="{A227A4BB-E398-4D29-BF7A-DF938798CB79}"/>
               </a:ext>
             </a:extLst>
           </p:cNvPr>
@@ -7815,7 +7815,7 @@
           <p:cNvPr id="6" name="Group 18">
             <a:extLst>
               <a:ext uri="{FF2B5EF4-FFF2-40B4-BE49-F238E27FC236}">
-                <a16:creationId xmlns:a16="http://schemas.microsoft.com/office/drawing/2014/main" id="{AADD6174-C550-4B59-BC10-9800610AED39}"/>
+                <a16:creationId xmlns="" xmlns:a16="http://schemas.microsoft.com/office/drawing/2014/main" id="{AADD6174-C550-4B59-BC10-9800610AED39}"/>
               </a:ext>
             </a:extLst>
           </p:cNvPr>
@@ -7837,7 +7837,7 @@
             <p:cNvPr id="7" name="Line 14">
               <a:extLst>
                 <a:ext uri="{FF2B5EF4-FFF2-40B4-BE49-F238E27FC236}">
-                  <a16:creationId xmlns:a16="http://schemas.microsoft.com/office/drawing/2014/main" id="{514F93B6-9448-4928-BD40-C618AFF8929D}"/>
+                  <a16:creationId xmlns="" xmlns:a16="http://schemas.microsoft.com/office/drawing/2014/main" id="{514F93B6-9448-4928-BD40-C618AFF8929D}"/>
                 </a:ext>
               </a:extLst>
             </p:cNvPr>
@@ -7880,7 +7880,7 @@
             <p:cNvPr id="8" name="Freeform 15">
               <a:extLst>
                 <a:ext uri="{FF2B5EF4-FFF2-40B4-BE49-F238E27FC236}">
-                  <a16:creationId xmlns:a16="http://schemas.microsoft.com/office/drawing/2014/main" id="{1A329421-F354-4FB6-9B52-B4C886F0B48E}"/>
+                  <a16:creationId xmlns="" xmlns:a16="http://schemas.microsoft.com/office/drawing/2014/main" id="{1A329421-F354-4FB6-9B52-B4C886F0B48E}"/>
                 </a:ext>
               </a:extLst>
             </p:cNvPr>
@@ -7969,7 +7969,7 @@
             <p:cNvPr id="9" name="Line 16">
               <a:extLst>
                 <a:ext uri="{FF2B5EF4-FFF2-40B4-BE49-F238E27FC236}">
-                  <a16:creationId xmlns:a16="http://schemas.microsoft.com/office/drawing/2014/main" id="{984C8F04-19F3-48D6-836A-FB8980B428B4}"/>
+                  <a16:creationId xmlns="" xmlns:a16="http://schemas.microsoft.com/office/drawing/2014/main" id="{984C8F04-19F3-48D6-836A-FB8980B428B4}"/>
                 </a:ext>
               </a:extLst>
             </p:cNvPr>
@@ -8012,7 +8012,7 @@
             <p:cNvPr id="10" name="Freeform 17">
               <a:extLst>
                 <a:ext uri="{FF2B5EF4-FFF2-40B4-BE49-F238E27FC236}">
-                  <a16:creationId xmlns:a16="http://schemas.microsoft.com/office/drawing/2014/main" id="{49B3B906-F49D-45E2-B2D2-893D24606E4F}"/>
+                  <a16:creationId xmlns="" xmlns:a16="http://schemas.microsoft.com/office/drawing/2014/main" id="{49B3B906-F49D-45E2-B2D2-893D24606E4F}"/>
                 </a:ext>
               </a:extLst>
             </p:cNvPr>
@@ -8093,7 +8093,7 @@
           <p:cNvPr id="11" name="Freeform 19">
             <a:extLst>
               <a:ext uri="{FF2B5EF4-FFF2-40B4-BE49-F238E27FC236}">
-                <a16:creationId xmlns:a16="http://schemas.microsoft.com/office/drawing/2014/main" id="{066803B4-D355-4893-A363-7B7E5D829B0A}"/>
+                <a16:creationId xmlns="" xmlns:a16="http://schemas.microsoft.com/office/drawing/2014/main" id="{066803B4-D355-4893-A363-7B7E5D829B0A}"/>
               </a:ext>
             </a:extLst>
           </p:cNvPr>
@@ -8170,7 +8170,7 @@
           <p:cNvPr id="12" name="Group 22">
             <a:extLst>
               <a:ext uri="{FF2B5EF4-FFF2-40B4-BE49-F238E27FC236}">
-                <a16:creationId xmlns:a16="http://schemas.microsoft.com/office/drawing/2014/main" id="{7D82332C-D12D-4AA1-9EA5-3906CF3D3D76}"/>
+                <a16:creationId xmlns="" xmlns:a16="http://schemas.microsoft.com/office/drawing/2014/main" id="{7D82332C-D12D-4AA1-9EA5-3906CF3D3D76}"/>
               </a:ext>
             </a:extLst>
           </p:cNvPr>
@@ -8192,7 +8192,7 @@
             <p:cNvPr id="13" name="Line 20">
               <a:extLst>
                 <a:ext uri="{FF2B5EF4-FFF2-40B4-BE49-F238E27FC236}">
-                  <a16:creationId xmlns:a16="http://schemas.microsoft.com/office/drawing/2014/main" id="{0C8702E7-F985-4066-9F73-9124D1027182}"/>
+                  <a16:creationId xmlns="" xmlns:a16="http://schemas.microsoft.com/office/drawing/2014/main" id="{0C8702E7-F985-4066-9F73-9124D1027182}"/>
                 </a:ext>
               </a:extLst>
             </p:cNvPr>
@@ -8235,7 +8235,7 @@
             <p:cNvPr id="14" name="Line 21">
               <a:extLst>
                 <a:ext uri="{FF2B5EF4-FFF2-40B4-BE49-F238E27FC236}">
-                  <a16:creationId xmlns:a16="http://schemas.microsoft.com/office/drawing/2014/main" id="{28955AC2-9C40-40F9-934B-E75130F41090}"/>
+                  <a16:creationId xmlns="" xmlns:a16="http://schemas.microsoft.com/office/drawing/2014/main" id="{28955AC2-9C40-40F9-934B-E75130F41090}"/>
                 </a:ext>
               </a:extLst>
             </p:cNvPr>
@@ -8279,7 +8279,7 @@
           <p:cNvPr id="15" name="Rectangle 23">
             <a:extLst>
               <a:ext uri="{FF2B5EF4-FFF2-40B4-BE49-F238E27FC236}">
-                <a16:creationId xmlns:a16="http://schemas.microsoft.com/office/drawing/2014/main" id="{ADD7FFED-1AEC-4A65-BA91-3D3CFCB4AB1B}"/>
+                <a16:creationId xmlns="" xmlns:a16="http://schemas.microsoft.com/office/drawing/2014/main" id="{ADD7FFED-1AEC-4A65-BA91-3D3CFCB4AB1B}"/>
               </a:ext>
             </a:extLst>
           </p:cNvPr>
@@ -8338,7 +8338,7 @@
           <p:cNvPr id="16" name="Rectangle 24">
             <a:extLst>
               <a:ext uri="{FF2B5EF4-FFF2-40B4-BE49-F238E27FC236}">
-                <a16:creationId xmlns:a16="http://schemas.microsoft.com/office/drawing/2014/main" id="{B373D56E-37BF-4A78-82C8-EF3D70A31D0B}"/>
+                <a16:creationId xmlns="" xmlns:a16="http://schemas.microsoft.com/office/drawing/2014/main" id="{B373D56E-37BF-4A78-82C8-EF3D70A31D0B}"/>
               </a:ext>
             </a:extLst>
           </p:cNvPr>
@@ -8397,7 +8397,7 @@
           <p:cNvPr id="17" name="Rectangle 25">
             <a:extLst>
               <a:ext uri="{FF2B5EF4-FFF2-40B4-BE49-F238E27FC236}">
-                <a16:creationId xmlns:a16="http://schemas.microsoft.com/office/drawing/2014/main" id="{9505B10C-FBE4-40AD-BFF5-DD54BCAFAB4A}"/>
+                <a16:creationId xmlns="" xmlns:a16="http://schemas.microsoft.com/office/drawing/2014/main" id="{9505B10C-FBE4-40AD-BFF5-DD54BCAFAB4A}"/>
               </a:ext>
             </a:extLst>
           </p:cNvPr>
@@ -8466,7 +8466,7 @@
           <p:cNvPr id="18" name="Line 26">
             <a:extLst>
               <a:ext uri="{FF2B5EF4-FFF2-40B4-BE49-F238E27FC236}">
-                <a16:creationId xmlns:a16="http://schemas.microsoft.com/office/drawing/2014/main" id="{C0EA198E-FCE8-42F6-A6CE-A7201082FF23}"/>
+                <a16:creationId xmlns="" xmlns:a16="http://schemas.microsoft.com/office/drawing/2014/main" id="{C0EA198E-FCE8-42F6-A6CE-A7201082FF23}"/>
               </a:ext>
             </a:extLst>
           </p:cNvPr>
@@ -8509,7 +8509,7 @@
           <p:cNvPr id="19" name="Line 27">
             <a:extLst>
               <a:ext uri="{FF2B5EF4-FFF2-40B4-BE49-F238E27FC236}">
-                <a16:creationId xmlns:a16="http://schemas.microsoft.com/office/drawing/2014/main" id="{9DFC6206-9823-458E-9050-60F9A47AB4A4}"/>
+                <a16:creationId xmlns="" xmlns:a16="http://schemas.microsoft.com/office/drawing/2014/main" id="{9DFC6206-9823-458E-9050-60F9A47AB4A4}"/>
               </a:ext>
             </a:extLst>
           </p:cNvPr>
@@ -8552,7 +8552,7 @@
           <p:cNvPr id="20" name="Rectangle 28">
             <a:extLst>
               <a:ext uri="{FF2B5EF4-FFF2-40B4-BE49-F238E27FC236}">
-                <a16:creationId xmlns:a16="http://schemas.microsoft.com/office/drawing/2014/main" id="{A900B799-F762-4077-B331-D74729192C68}"/>
+                <a16:creationId xmlns="" xmlns:a16="http://schemas.microsoft.com/office/drawing/2014/main" id="{A900B799-F762-4077-B331-D74729192C68}"/>
               </a:ext>
             </a:extLst>
           </p:cNvPr>
@@ -8597,7 +8597,7 @@
           <p:cNvPr id="21" name="Freeform 29">
             <a:extLst>
               <a:ext uri="{FF2B5EF4-FFF2-40B4-BE49-F238E27FC236}">
-                <a16:creationId xmlns:a16="http://schemas.microsoft.com/office/drawing/2014/main" id="{BAFD8361-2234-4CCF-AF2D-5FE870BC33EE}"/>
+                <a16:creationId xmlns="" xmlns:a16="http://schemas.microsoft.com/office/drawing/2014/main" id="{BAFD8361-2234-4CCF-AF2D-5FE870BC33EE}"/>
               </a:ext>
             </a:extLst>
           </p:cNvPr>
@@ -8677,7 +8677,7 @@
           <p:cNvPr id="22" name="Rectangle 30">
             <a:extLst>
               <a:ext uri="{FF2B5EF4-FFF2-40B4-BE49-F238E27FC236}">
-                <a16:creationId xmlns:a16="http://schemas.microsoft.com/office/drawing/2014/main" id="{A70F081A-1C99-4D65-BF4E-A109E06DCED5}"/>
+                <a16:creationId xmlns="" xmlns:a16="http://schemas.microsoft.com/office/drawing/2014/main" id="{A70F081A-1C99-4D65-BF4E-A109E06DCED5}"/>
               </a:ext>
             </a:extLst>
           </p:cNvPr>
@@ -8736,7 +8736,7 @@
           <p:cNvPr id="23" name="Freeform 31">
             <a:extLst>
               <a:ext uri="{FF2B5EF4-FFF2-40B4-BE49-F238E27FC236}">
-                <a16:creationId xmlns:a16="http://schemas.microsoft.com/office/drawing/2014/main" id="{B5E5439E-A60E-4C11-ABD8-2531ED159933}"/>
+                <a16:creationId xmlns="" xmlns:a16="http://schemas.microsoft.com/office/drawing/2014/main" id="{B5E5439E-A60E-4C11-ABD8-2531ED159933}"/>
               </a:ext>
             </a:extLst>
           </p:cNvPr>
@@ -8816,7 +8816,7 @@
           <p:cNvPr id="24" name="Rectangle 32">
             <a:extLst>
               <a:ext uri="{FF2B5EF4-FFF2-40B4-BE49-F238E27FC236}">
-                <a16:creationId xmlns:a16="http://schemas.microsoft.com/office/drawing/2014/main" id="{5AACEFBC-AE4C-4011-9AB7-DC64BA688284}"/>
+                <a16:creationId xmlns="" xmlns:a16="http://schemas.microsoft.com/office/drawing/2014/main" id="{5AACEFBC-AE4C-4011-9AB7-DC64BA688284}"/>
               </a:ext>
             </a:extLst>
           </p:cNvPr>
@@ -8885,7 +8885,7 @@
           <p:cNvPr id="25" name="Oval 33">
             <a:extLst>
               <a:ext uri="{FF2B5EF4-FFF2-40B4-BE49-F238E27FC236}">
-                <a16:creationId xmlns:a16="http://schemas.microsoft.com/office/drawing/2014/main" id="{E05BABC3-FF0B-488B-A661-846B14D8CB5D}"/>
+                <a16:creationId xmlns="" xmlns:a16="http://schemas.microsoft.com/office/drawing/2014/main" id="{E05BABC3-FF0B-488B-A661-846B14D8CB5D}"/>
               </a:ext>
             </a:extLst>
           </p:cNvPr>
@@ -8930,7 +8930,7 @@
           <p:cNvPr id="26" name="Oval 34">
             <a:extLst>
               <a:ext uri="{FF2B5EF4-FFF2-40B4-BE49-F238E27FC236}">
-                <a16:creationId xmlns:a16="http://schemas.microsoft.com/office/drawing/2014/main" id="{23C308AE-DB6B-422B-8752-2B00A967F801}"/>
+                <a16:creationId xmlns="" xmlns:a16="http://schemas.microsoft.com/office/drawing/2014/main" id="{23C308AE-DB6B-422B-8752-2B00A967F801}"/>
               </a:ext>
             </a:extLst>
           </p:cNvPr>
@@ -8975,7 +8975,7 @@
           <p:cNvPr id="27" name="Oval 35">
             <a:extLst>
               <a:ext uri="{FF2B5EF4-FFF2-40B4-BE49-F238E27FC236}">
-                <a16:creationId xmlns:a16="http://schemas.microsoft.com/office/drawing/2014/main" id="{544E18C8-EF62-4891-8A50-830A36A3C1A8}"/>
+                <a16:creationId xmlns="" xmlns:a16="http://schemas.microsoft.com/office/drawing/2014/main" id="{544E18C8-EF62-4891-8A50-830A36A3C1A8}"/>
               </a:ext>
             </a:extLst>
           </p:cNvPr>
@@ -9020,7 +9020,7 @@
           <p:cNvPr id="31" name="Group 42">
             <a:extLst>
               <a:ext uri="{FF2B5EF4-FFF2-40B4-BE49-F238E27FC236}">
-                <a16:creationId xmlns:a16="http://schemas.microsoft.com/office/drawing/2014/main" id="{77DF949E-DBCA-4A07-A0E9-9C9DFD65690D}"/>
+                <a16:creationId xmlns="" xmlns:a16="http://schemas.microsoft.com/office/drawing/2014/main" id="{77DF949E-DBCA-4A07-A0E9-9C9DFD65690D}"/>
               </a:ext>
             </a:extLst>
           </p:cNvPr>
@@ -9042,7 +9042,7 @@
             <p:cNvPr id="32" name="Line 39">
               <a:extLst>
                 <a:ext uri="{FF2B5EF4-FFF2-40B4-BE49-F238E27FC236}">
-                  <a16:creationId xmlns:a16="http://schemas.microsoft.com/office/drawing/2014/main" id="{82653F81-B3DF-44BB-B98C-26797BCBD132}"/>
+                  <a16:creationId xmlns="" xmlns:a16="http://schemas.microsoft.com/office/drawing/2014/main" id="{82653F81-B3DF-44BB-B98C-26797BCBD132}"/>
                 </a:ext>
               </a:extLst>
             </p:cNvPr>
@@ -9085,7 +9085,7 @@
             <p:cNvPr id="33" name="Line 40">
               <a:extLst>
                 <a:ext uri="{FF2B5EF4-FFF2-40B4-BE49-F238E27FC236}">
-                  <a16:creationId xmlns:a16="http://schemas.microsoft.com/office/drawing/2014/main" id="{4329BD57-B95C-4C78-BE49-00ECF4572229}"/>
+                  <a16:creationId xmlns="" xmlns:a16="http://schemas.microsoft.com/office/drawing/2014/main" id="{4329BD57-B95C-4C78-BE49-00ECF4572229}"/>
                 </a:ext>
               </a:extLst>
             </p:cNvPr>
@@ -9128,7 +9128,7 @@
             <p:cNvPr id="34" name="Line 41">
               <a:extLst>
                 <a:ext uri="{FF2B5EF4-FFF2-40B4-BE49-F238E27FC236}">
-                  <a16:creationId xmlns:a16="http://schemas.microsoft.com/office/drawing/2014/main" id="{A5D96D6D-913C-44BF-A6F1-80B0F7F4B53F}"/>
+                  <a16:creationId xmlns="" xmlns:a16="http://schemas.microsoft.com/office/drawing/2014/main" id="{A5D96D6D-913C-44BF-A6F1-80B0F7F4B53F}"/>
                 </a:ext>
               </a:extLst>
             </p:cNvPr>
@@ -9172,7 +9172,7 @@
           <p:cNvPr id="35" name="Line 43">
             <a:extLst>
               <a:ext uri="{FF2B5EF4-FFF2-40B4-BE49-F238E27FC236}">
-                <a16:creationId xmlns:a16="http://schemas.microsoft.com/office/drawing/2014/main" id="{C0B36644-8DC6-4168-9E91-7150A3E8D0C9}"/>
+                <a16:creationId xmlns="" xmlns:a16="http://schemas.microsoft.com/office/drawing/2014/main" id="{C0B36644-8DC6-4168-9E91-7150A3E8D0C9}"/>
               </a:ext>
             </a:extLst>
           </p:cNvPr>
@@ -9215,7 +9215,7 @@
           <p:cNvPr id="36" name="Oval 44">
             <a:extLst>
               <a:ext uri="{FF2B5EF4-FFF2-40B4-BE49-F238E27FC236}">
-                <a16:creationId xmlns:a16="http://schemas.microsoft.com/office/drawing/2014/main" id="{4A233CBB-E97A-4887-B98C-498434263871}"/>
+                <a16:creationId xmlns="" xmlns:a16="http://schemas.microsoft.com/office/drawing/2014/main" id="{4A233CBB-E97A-4887-B98C-498434263871}"/>
               </a:ext>
             </a:extLst>
           </p:cNvPr>
@@ -9260,7 +9260,7 @@
           <p:cNvPr id="37" name="Rectangle 45">
             <a:extLst>
               <a:ext uri="{FF2B5EF4-FFF2-40B4-BE49-F238E27FC236}">
-                <a16:creationId xmlns:a16="http://schemas.microsoft.com/office/drawing/2014/main" id="{306F57C3-5C76-481F-9095-EF5BA0915A57}"/>
+                <a16:creationId xmlns="" xmlns:a16="http://schemas.microsoft.com/office/drawing/2014/main" id="{306F57C3-5C76-481F-9095-EF5BA0915A57}"/>
               </a:ext>
             </a:extLst>
           </p:cNvPr>
@@ -9305,7 +9305,7 @@
           <p:cNvPr id="38" name="Line 46">
             <a:extLst>
               <a:ext uri="{FF2B5EF4-FFF2-40B4-BE49-F238E27FC236}">
-                <a16:creationId xmlns:a16="http://schemas.microsoft.com/office/drawing/2014/main" id="{2822DB52-3C60-4B65-B4C1-54E04695400D}"/>
+                <a16:creationId xmlns="" xmlns:a16="http://schemas.microsoft.com/office/drawing/2014/main" id="{2822DB52-3C60-4B65-B4C1-54E04695400D}"/>
               </a:ext>
             </a:extLst>
           </p:cNvPr>
@@ -9348,7 +9348,7 @@
           <p:cNvPr id="39" name="Freeform 47">
             <a:extLst>
               <a:ext uri="{FF2B5EF4-FFF2-40B4-BE49-F238E27FC236}">
-                <a16:creationId xmlns:a16="http://schemas.microsoft.com/office/drawing/2014/main" id="{744515C5-D7BA-4960-89C9-A3AEA5AD1FB5}"/>
+                <a16:creationId xmlns="" xmlns:a16="http://schemas.microsoft.com/office/drawing/2014/main" id="{744515C5-D7BA-4960-89C9-A3AEA5AD1FB5}"/>
               </a:ext>
             </a:extLst>
           </p:cNvPr>
@@ -9419,7 +9419,7 @@
           <p:cNvPr id="40" name="Freeform 48">
             <a:extLst>
               <a:ext uri="{FF2B5EF4-FFF2-40B4-BE49-F238E27FC236}">
-                <a16:creationId xmlns:a16="http://schemas.microsoft.com/office/drawing/2014/main" id="{917EE97A-3D99-4B82-8923-F8A38D2858E3}"/>
+                <a16:creationId xmlns="" xmlns:a16="http://schemas.microsoft.com/office/drawing/2014/main" id="{917EE97A-3D99-4B82-8923-F8A38D2858E3}"/>
               </a:ext>
             </a:extLst>
           </p:cNvPr>
@@ -9490,7 +9490,7 @@
           <p:cNvPr id="41" name="Rectangle 49">
             <a:extLst>
               <a:ext uri="{FF2B5EF4-FFF2-40B4-BE49-F238E27FC236}">
-                <a16:creationId xmlns:a16="http://schemas.microsoft.com/office/drawing/2014/main" id="{475FF672-07E2-4AD7-BC51-4A95A6BEF71D}"/>
+                <a16:creationId xmlns="" xmlns:a16="http://schemas.microsoft.com/office/drawing/2014/main" id="{475FF672-07E2-4AD7-BC51-4A95A6BEF71D}"/>
               </a:ext>
             </a:extLst>
           </p:cNvPr>
@@ -9535,7 +9535,7 @@
           <p:cNvPr id="42" name="Line 50">
             <a:extLst>
               <a:ext uri="{FF2B5EF4-FFF2-40B4-BE49-F238E27FC236}">
-                <a16:creationId xmlns:a16="http://schemas.microsoft.com/office/drawing/2014/main" id="{546C23C8-6434-441C-BEEC-DC13BE425261}"/>
+                <a16:creationId xmlns="" xmlns:a16="http://schemas.microsoft.com/office/drawing/2014/main" id="{546C23C8-6434-441C-BEEC-DC13BE425261}"/>
               </a:ext>
             </a:extLst>
           </p:cNvPr>
@@ -9578,7 +9578,7 @@
           <p:cNvPr id="43" name="Rectangle 51">
             <a:extLst>
               <a:ext uri="{FF2B5EF4-FFF2-40B4-BE49-F238E27FC236}">
-                <a16:creationId xmlns:a16="http://schemas.microsoft.com/office/drawing/2014/main" id="{71154796-4628-4A33-8543-D1D738E8F043}"/>
+                <a16:creationId xmlns="" xmlns:a16="http://schemas.microsoft.com/office/drawing/2014/main" id="{71154796-4628-4A33-8543-D1D738E8F043}"/>
               </a:ext>
             </a:extLst>
           </p:cNvPr>
@@ -9647,7 +9647,7 @@
           <p:cNvPr id="44" name="Rectangle 45">
             <a:extLst>
               <a:ext uri="{FF2B5EF4-FFF2-40B4-BE49-F238E27FC236}">
-                <a16:creationId xmlns:a16="http://schemas.microsoft.com/office/drawing/2014/main" id="{B36717D3-E76B-477A-A147-652F190466ED}"/>
+                <a16:creationId xmlns="" xmlns:a16="http://schemas.microsoft.com/office/drawing/2014/main" id="{B36717D3-E76B-477A-A147-652F190466ED}"/>
               </a:ext>
             </a:extLst>
           </p:cNvPr>
@@ -9692,7 +9692,7 @@
           <p:cNvPr id="45" name="Freeform 47">
             <a:extLst>
               <a:ext uri="{FF2B5EF4-FFF2-40B4-BE49-F238E27FC236}">
-                <a16:creationId xmlns:a16="http://schemas.microsoft.com/office/drawing/2014/main" id="{D5C8333C-25FE-4CC3-BCBB-D6FF70DB4CF8}"/>
+                <a16:creationId xmlns="" xmlns:a16="http://schemas.microsoft.com/office/drawing/2014/main" id="{D5C8333C-25FE-4CC3-BCBB-D6FF70DB4CF8}"/>
               </a:ext>
             </a:extLst>
           </p:cNvPr>
@@ -9763,7 +9763,7 @@
           <p:cNvPr id="46" name="Rectangle 25">
             <a:extLst>
               <a:ext uri="{FF2B5EF4-FFF2-40B4-BE49-F238E27FC236}">
-                <a16:creationId xmlns:a16="http://schemas.microsoft.com/office/drawing/2014/main" id="{CBB70B37-BF94-41C2-8498-0BB4F6CCD634}"/>
+                <a16:creationId xmlns="" xmlns:a16="http://schemas.microsoft.com/office/drawing/2014/main" id="{CBB70B37-BF94-41C2-8498-0BB4F6CCD634}"/>
               </a:ext>
             </a:extLst>
           </p:cNvPr>
@@ -9841,7 +9841,7 @@
           <p:cNvPr id="47" name="Groupe 46">
             <a:extLst>
               <a:ext uri="{FF2B5EF4-FFF2-40B4-BE49-F238E27FC236}">
-                <a16:creationId xmlns:a16="http://schemas.microsoft.com/office/drawing/2014/main" id="{E14DA9C7-47CF-4384-B58D-1C3CCDAD6167}"/>
+                <a16:creationId xmlns="" xmlns:a16="http://schemas.microsoft.com/office/drawing/2014/main" id="{E14DA9C7-47CF-4384-B58D-1C3CCDAD6167}"/>
               </a:ext>
             </a:extLst>
           </p:cNvPr>
@@ -9861,7 +9861,7 @@
             <p:cNvPr id="48" name="Group 4">
               <a:extLst>
                 <a:ext uri="{FF2B5EF4-FFF2-40B4-BE49-F238E27FC236}">
-                  <a16:creationId xmlns:a16="http://schemas.microsoft.com/office/drawing/2014/main" id="{023A6122-DD8E-42F2-B014-BA3FA310895E}"/>
+                  <a16:creationId xmlns="" xmlns:a16="http://schemas.microsoft.com/office/drawing/2014/main" id="{023A6122-DD8E-42F2-B014-BA3FA310895E}"/>
                 </a:ext>
               </a:extLst>
             </p:cNvPr>
@@ -9883,7 +9883,7 @@
               <p:cNvPr id="88" name="Line 5">
                 <a:extLst>
                   <a:ext uri="{FF2B5EF4-FFF2-40B4-BE49-F238E27FC236}">
-                    <a16:creationId xmlns:a16="http://schemas.microsoft.com/office/drawing/2014/main" id="{249E3599-9316-49F2-8E1A-9E48649611AD}"/>
+                    <a16:creationId xmlns="" xmlns:a16="http://schemas.microsoft.com/office/drawing/2014/main" id="{249E3599-9316-49F2-8E1A-9E48649611AD}"/>
                   </a:ext>
                 </a:extLst>
               </p:cNvPr>
@@ -9926,7 +9926,7 @@
               <p:cNvPr id="89" name="Freeform 6">
                 <a:extLst>
                   <a:ext uri="{FF2B5EF4-FFF2-40B4-BE49-F238E27FC236}">
-                    <a16:creationId xmlns:a16="http://schemas.microsoft.com/office/drawing/2014/main" id="{C44D61E2-23DC-4F3E-AEA4-ADE016321E91}"/>
+                    <a16:creationId xmlns="" xmlns:a16="http://schemas.microsoft.com/office/drawing/2014/main" id="{C44D61E2-23DC-4F3E-AEA4-ADE016321E91}"/>
                   </a:ext>
                 </a:extLst>
               </p:cNvPr>
@@ -10015,7 +10015,7 @@
               <p:cNvPr id="90" name="Line 7">
                 <a:extLst>
                   <a:ext uri="{FF2B5EF4-FFF2-40B4-BE49-F238E27FC236}">
-                    <a16:creationId xmlns:a16="http://schemas.microsoft.com/office/drawing/2014/main" id="{3BC24801-EB72-41F4-AC12-D36DCB6A8DB5}"/>
+                    <a16:creationId xmlns="" xmlns:a16="http://schemas.microsoft.com/office/drawing/2014/main" id="{3BC24801-EB72-41F4-AC12-D36DCB6A8DB5}"/>
                   </a:ext>
                 </a:extLst>
               </p:cNvPr>
@@ -10058,7 +10058,7 @@
               <p:cNvPr id="91" name="Freeform 8">
                 <a:extLst>
                   <a:ext uri="{FF2B5EF4-FFF2-40B4-BE49-F238E27FC236}">
-                    <a16:creationId xmlns:a16="http://schemas.microsoft.com/office/drawing/2014/main" id="{9043ED71-46F1-4402-8BC5-C28BCCF617EA}"/>
+                    <a16:creationId xmlns="" xmlns:a16="http://schemas.microsoft.com/office/drawing/2014/main" id="{9043ED71-46F1-4402-8BC5-C28BCCF617EA}"/>
                   </a:ext>
                 </a:extLst>
               </p:cNvPr>
@@ -10139,7 +10139,7 @@
             <p:cNvPr id="49" name="Freeform 9">
               <a:extLst>
                 <a:ext uri="{FF2B5EF4-FFF2-40B4-BE49-F238E27FC236}">
-                  <a16:creationId xmlns:a16="http://schemas.microsoft.com/office/drawing/2014/main" id="{A794FD91-6CBC-45BB-8A64-D832F7E05777}"/>
+                  <a16:creationId xmlns="" xmlns:a16="http://schemas.microsoft.com/office/drawing/2014/main" id="{A794FD91-6CBC-45BB-8A64-D832F7E05777}"/>
                 </a:ext>
               </a:extLst>
             </p:cNvPr>
@@ -10216,7 +10216,7 @@
             <p:cNvPr id="50" name="Group 10">
               <a:extLst>
                 <a:ext uri="{FF2B5EF4-FFF2-40B4-BE49-F238E27FC236}">
-                  <a16:creationId xmlns:a16="http://schemas.microsoft.com/office/drawing/2014/main" id="{CDFC7CCC-8A59-48C5-9163-F15EF251E8AD}"/>
+                  <a16:creationId xmlns="" xmlns:a16="http://schemas.microsoft.com/office/drawing/2014/main" id="{CDFC7CCC-8A59-48C5-9163-F15EF251E8AD}"/>
                 </a:ext>
               </a:extLst>
             </p:cNvPr>
@@ -10238,7 +10238,7 @@
               <p:cNvPr id="86" name="Line 11">
                 <a:extLst>
                   <a:ext uri="{FF2B5EF4-FFF2-40B4-BE49-F238E27FC236}">
-                    <a16:creationId xmlns:a16="http://schemas.microsoft.com/office/drawing/2014/main" id="{76DB538D-67C7-454D-8736-32F31817D5C5}"/>
+                    <a16:creationId xmlns="" xmlns:a16="http://schemas.microsoft.com/office/drawing/2014/main" id="{76DB538D-67C7-454D-8736-32F31817D5C5}"/>
                   </a:ext>
                 </a:extLst>
               </p:cNvPr>
@@ -10281,7 +10281,7 @@
               <p:cNvPr id="87" name="Line 12">
                 <a:extLst>
                   <a:ext uri="{FF2B5EF4-FFF2-40B4-BE49-F238E27FC236}">
-                    <a16:creationId xmlns:a16="http://schemas.microsoft.com/office/drawing/2014/main" id="{02FD3E25-ED46-4682-A160-EF19EF91DDF4}"/>
+                    <a16:creationId xmlns="" xmlns:a16="http://schemas.microsoft.com/office/drawing/2014/main" id="{02FD3E25-ED46-4682-A160-EF19EF91DDF4}"/>
                   </a:ext>
                 </a:extLst>
               </p:cNvPr>
@@ -10325,7 +10325,7 @@
             <p:cNvPr id="51" name="Rectangle 13">
               <a:extLst>
                 <a:ext uri="{FF2B5EF4-FFF2-40B4-BE49-F238E27FC236}">
-                  <a16:creationId xmlns:a16="http://schemas.microsoft.com/office/drawing/2014/main" id="{9782E8D1-C216-4A01-9A07-51CEC2BDF805}"/>
+                  <a16:creationId xmlns="" xmlns:a16="http://schemas.microsoft.com/office/drawing/2014/main" id="{9782E8D1-C216-4A01-9A07-51CEC2BDF805}"/>
                 </a:ext>
               </a:extLst>
             </p:cNvPr>
@@ -10384,7 +10384,7 @@
             <p:cNvPr id="52" name="Rectangle 14">
               <a:extLst>
                 <a:ext uri="{FF2B5EF4-FFF2-40B4-BE49-F238E27FC236}">
-                  <a16:creationId xmlns:a16="http://schemas.microsoft.com/office/drawing/2014/main" id="{10C4E1A7-8A2B-4121-BD9E-47C3944487E0}"/>
+                  <a16:creationId xmlns="" xmlns:a16="http://schemas.microsoft.com/office/drawing/2014/main" id="{10C4E1A7-8A2B-4121-BD9E-47C3944487E0}"/>
                 </a:ext>
               </a:extLst>
             </p:cNvPr>
@@ -10443,7 +10443,7 @@
             <p:cNvPr id="53" name="Line 16">
               <a:extLst>
                 <a:ext uri="{FF2B5EF4-FFF2-40B4-BE49-F238E27FC236}">
-                  <a16:creationId xmlns:a16="http://schemas.microsoft.com/office/drawing/2014/main" id="{0163D3BD-E9C3-4512-BA2C-AEAB87158191}"/>
+                  <a16:creationId xmlns="" xmlns:a16="http://schemas.microsoft.com/office/drawing/2014/main" id="{0163D3BD-E9C3-4512-BA2C-AEAB87158191}"/>
                 </a:ext>
               </a:extLst>
             </p:cNvPr>
@@ -10486,7 +10486,7 @@
             <p:cNvPr id="54" name="Line 17">
               <a:extLst>
                 <a:ext uri="{FF2B5EF4-FFF2-40B4-BE49-F238E27FC236}">
-                  <a16:creationId xmlns:a16="http://schemas.microsoft.com/office/drawing/2014/main" id="{A766FBDF-804A-4793-9D76-2D6DCAE28B03}"/>
+                  <a16:creationId xmlns="" xmlns:a16="http://schemas.microsoft.com/office/drawing/2014/main" id="{A766FBDF-804A-4793-9D76-2D6DCAE28B03}"/>
                 </a:ext>
               </a:extLst>
             </p:cNvPr>
@@ -10529,7 +10529,7 @@
             <p:cNvPr id="55" name="Rectangle 18">
               <a:extLst>
                 <a:ext uri="{FF2B5EF4-FFF2-40B4-BE49-F238E27FC236}">
-                  <a16:creationId xmlns:a16="http://schemas.microsoft.com/office/drawing/2014/main" id="{4540C74B-395F-4064-B66B-EA6116EED146}"/>
+                  <a16:creationId xmlns="" xmlns:a16="http://schemas.microsoft.com/office/drawing/2014/main" id="{4540C74B-395F-4064-B66B-EA6116EED146}"/>
                 </a:ext>
               </a:extLst>
             </p:cNvPr>
@@ -10574,7 +10574,7 @@
             <p:cNvPr id="56" name="Freeform 19">
               <a:extLst>
                 <a:ext uri="{FF2B5EF4-FFF2-40B4-BE49-F238E27FC236}">
-                  <a16:creationId xmlns:a16="http://schemas.microsoft.com/office/drawing/2014/main" id="{7212F5D8-5B1F-43AF-A09A-7129DB38B315}"/>
+                  <a16:creationId xmlns="" xmlns:a16="http://schemas.microsoft.com/office/drawing/2014/main" id="{7212F5D8-5B1F-43AF-A09A-7129DB38B315}"/>
                 </a:ext>
               </a:extLst>
             </p:cNvPr>
@@ -10654,7 +10654,7 @@
             <p:cNvPr id="57" name="Rectangle 20">
               <a:extLst>
                 <a:ext uri="{FF2B5EF4-FFF2-40B4-BE49-F238E27FC236}">
-                  <a16:creationId xmlns:a16="http://schemas.microsoft.com/office/drawing/2014/main" id="{10BC58F9-9718-4882-A551-83B3F910589C}"/>
+                  <a16:creationId xmlns="" xmlns:a16="http://schemas.microsoft.com/office/drawing/2014/main" id="{10BC58F9-9718-4882-A551-83B3F910589C}"/>
                 </a:ext>
               </a:extLst>
             </p:cNvPr>
@@ -10713,7 +10713,7 @@
             <p:cNvPr id="58" name="Freeform 21">
               <a:extLst>
                 <a:ext uri="{FF2B5EF4-FFF2-40B4-BE49-F238E27FC236}">
-                  <a16:creationId xmlns:a16="http://schemas.microsoft.com/office/drawing/2014/main" id="{8ECAB41B-1943-47C7-AA84-0D8352A04C3A}"/>
+                  <a16:creationId xmlns="" xmlns:a16="http://schemas.microsoft.com/office/drawing/2014/main" id="{8ECAB41B-1943-47C7-AA84-0D8352A04C3A}"/>
                 </a:ext>
               </a:extLst>
             </p:cNvPr>
@@ -10793,7 +10793,7 @@
             <p:cNvPr id="59" name="Rectangle 22">
               <a:extLst>
                 <a:ext uri="{FF2B5EF4-FFF2-40B4-BE49-F238E27FC236}">
-                  <a16:creationId xmlns:a16="http://schemas.microsoft.com/office/drawing/2014/main" id="{56FEB464-C5E2-4F61-99CE-3E33B8477531}"/>
+                  <a16:creationId xmlns="" xmlns:a16="http://schemas.microsoft.com/office/drawing/2014/main" id="{56FEB464-C5E2-4F61-99CE-3E33B8477531}"/>
                 </a:ext>
               </a:extLst>
             </p:cNvPr>
@@ -10862,7 +10862,7 @@
             <p:cNvPr id="60" name="Oval 23">
               <a:extLst>
                 <a:ext uri="{FF2B5EF4-FFF2-40B4-BE49-F238E27FC236}">
-                  <a16:creationId xmlns:a16="http://schemas.microsoft.com/office/drawing/2014/main" id="{08DC7B04-17F0-4E0B-AA1B-1EB5CCC3DA4E}"/>
+                  <a16:creationId xmlns="" xmlns:a16="http://schemas.microsoft.com/office/drawing/2014/main" id="{08DC7B04-17F0-4E0B-AA1B-1EB5CCC3DA4E}"/>
                 </a:ext>
               </a:extLst>
             </p:cNvPr>
@@ -10907,7 +10907,7 @@
             <p:cNvPr id="61" name="Oval 24">
               <a:extLst>
                 <a:ext uri="{FF2B5EF4-FFF2-40B4-BE49-F238E27FC236}">
-                  <a16:creationId xmlns:a16="http://schemas.microsoft.com/office/drawing/2014/main" id="{ACB096AE-BD99-4A6E-95B6-5F4A50D2FBD8}"/>
+                  <a16:creationId xmlns="" xmlns:a16="http://schemas.microsoft.com/office/drawing/2014/main" id="{ACB096AE-BD99-4A6E-95B6-5F4A50D2FBD8}"/>
                 </a:ext>
               </a:extLst>
             </p:cNvPr>
@@ -10952,7 +10952,7 @@
             <p:cNvPr id="62" name="Oval 25">
               <a:extLst>
                 <a:ext uri="{FF2B5EF4-FFF2-40B4-BE49-F238E27FC236}">
-                  <a16:creationId xmlns:a16="http://schemas.microsoft.com/office/drawing/2014/main" id="{869D0EFA-AC40-424B-AD51-3A359CC9FF97}"/>
+                  <a16:creationId xmlns="" xmlns:a16="http://schemas.microsoft.com/office/drawing/2014/main" id="{869D0EFA-AC40-424B-AD51-3A359CC9FF97}"/>
                 </a:ext>
               </a:extLst>
             </p:cNvPr>
@@ -10997,7 +10997,7 @@
             <p:cNvPr id="66" name="Group 29">
               <a:extLst>
                 <a:ext uri="{FF2B5EF4-FFF2-40B4-BE49-F238E27FC236}">
-                  <a16:creationId xmlns:a16="http://schemas.microsoft.com/office/drawing/2014/main" id="{C06D013F-34AF-4016-ADC3-91BBF2132786}"/>
+                  <a16:creationId xmlns="" xmlns:a16="http://schemas.microsoft.com/office/drawing/2014/main" id="{C06D013F-34AF-4016-ADC3-91BBF2132786}"/>
                 </a:ext>
               </a:extLst>
             </p:cNvPr>
@@ -11019,7 +11019,7 @@
               <p:cNvPr id="83" name="Line 30">
                 <a:extLst>
                   <a:ext uri="{FF2B5EF4-FFF2-40B4-BE49-F238E27FC236}">
-                    <a16:creationId xmlns:a16="http://schemas.microsoft.com/office/drawing/2014/main" id="{B6D22774-B3AA-4C3C-90C9-14C8CDE2B78D}"/>
+                    <a16:creationId xmlns="" xmlns:a16="http://schemas.microsoft.com/office/drawing/2014/main" id="{B6D22774-B3AA-4C3C-90C9-14C8CDE2B78D}"/>
                   </a:ext>
                 </a:extLst>
               </p:cNvPr>
@@ -11062,7 +11062,7 @@
               <p:cNvPr id="84" name="Line 31">
                 <a:extLst>
                   <a:ext uri="{FF2B5EF4-FFF2-40B4-BE49-F238E27FC236}">
-                    <a16:creationId xmlns:a16="http://schemas.microsoft.com/office/drawing/2014/main" id="{9722178F-DCD2-4EEA-A7ED-E1FD944FD218}"/>
+                    <a16:creationId xmlns="" xmlns:a16="http://schemas.microsoft.com/office/drawing/2014/main" id="{9722178F-DCD2-4EEA-A7ED-E1FD944FD218}"/>
                   </a:ext>
                 </a:extLst>
               </p:cNvPr>
@@ -11105,7 +11105,7 @@
               <p:cNvPr id="85" name="Line 32">
                 <a:extLst>
                   <a:ext uri="{FF2B5EF4-FFF2-40B4-BE49-F238E27FC236}">
-                    <a16:creationId xmlns:a16="http://schemas.microsoft.com/office/drawing/2014/main" id="{7CA40A3C-B9D6-4CE0-91B6-FC1AD777DD8A}"/>
+                    <a16:creationId xmlns="" xmlns:a16="http://schemas.microsoft.com/office/drawing/2014/main" id="{7CA40A3C-B9D6-4CE0-91B6-FC1AD777DD8A}"/>
                   </a:ext>
                 </a:extLst>
               </p:cNvPr>
@@ -11149,7 +11149,7 @@
             <p:cNvPr id="67" name="Line 33">
               <a:extLst>
                 <a:ext uri="{FF2B5EF4-FFF2-40B4-BE49-F238E27FC236}">
-                  <a16:creationId xmlns:a16="http://schemas.microsoft.com/office/drawing/2014/main" id="{1960B32B-A48F-4729-9639-FA33B69C0976}"/>
+                  <a16:creationId xmlns="" xmlns:a16="http://schemas.microsoft.com/office/drawing/2014/main" id="{1960B32B-A48F-4729-9639-FA33B69C0976}"/>
                 </a:ext>
               </a:extLst>
             </p:cNvPr>
@@ -11192,7 +11192,7 @@
             <p:cNvPr id="68" name="Oval 34">
               <a:extLst>
                 <a:ext uri="{FF2B5EF4-FFF2-40B4-BE49-F238E27FC236}">
-                  <a16:creationId xmlns:a16="http://schemas.microsoft.com/office/drawing/2014/main" id="{334F2B23-74F6-4226-B7BB-D03851FC19D9}"/>
+                  <a16:creationId xmlns="" xmlns:a16="http://schemas.microsoft.com/office/drawing/2014/main" id="{334F2B23-74F6-4226-B7BB-D03851FC19D9}"/>
                 </a:ext>
               </a:extLst>
             </p:cNvPr>
@@ -11237,7 +11237,7 @@
             <p:cNvPr id="69" name="Rectangle 35">
               <a:extLst>
                 <a:ext uri="{FF2B5EF4-FFF2-40B4-BE49-F238E27FC236}">
-                  <a16:creationId xmlns:a16="http://schemas.microsoft.com/office/drawing/2014/main" id="{A50045DB-AF1D-455B-B8FF-90147423DB1E}"/>
+                  <a16:creationId xmlns="" xmlns:a16="http://schemas.microsoft.com/office/drawing/2014/main" id="{A50045DB-AF1D-455B-B8FF-90147423DB1E}"/>
                 </a:ext>
               </a:extLst>
             </p:cNvPr>
@@ -11282,7 +11282,7 @@
             <p:cNvPr id="70" name="Freeform 38">
               <a:extLst>
                 <a:ext uri="{FF2B5EF4-FFF2-40B4-BE49-F238E27FC236}">
-                  <a16:creationId xmlns:a16="http://schemas.microsoft.com/office/drawing/2014/main" id="{2FE973E7-F095-4594-8D36-E971F2F15336}"/>
+                  <a16:creationId xmlns="" xmlns:a16="http://schemas.microsoft.com/office/drawing/2014/main" id="{2FE973E7-F095-4594-8D36-E971F2F15336}"/>
                 </a:ext>
               </a:extLst>
             </p:cNvPr>
@@ -11353,7 +11353,7 @@
             <p:cNvPr id="71" name="Rectangle 39">
               <a:extLst>
                 <a:ext uri="{FF2B5EF4-FFF2-40B4-BE49-F238E27FC236}">
-                  <a16:creationId xmlns:a16="http://schemas.microsoft.com/office/drawing/2014/main" id="{C4AE0DD8-F969-41F1-9078-CD5E06ADD967}"/>
+                  <a16:creationId xmlns="" xmlns:a16="http://schemas.microsoft.com/office/drawing/2014/main" id="{C4AE0DD8-F969-41F1-9078-CD5E06ADD967}"/>
                 </a:ext>
               </a:extLst>
             </p:cNvPr>
@@ -11398,7 +11398,7 @@
             <p:cNvPr id="72" name="Line 40">
               <a:extLst>
                 <a:ext uri="{FF2B5EF4-FFF2-40B4-BE49-F238E27FC236}">
-                  <a16:creationId xmlns:a16="http://schemas.microsoft.com/office/drawing/2014/main" id="{0848691B-C234-40E0-8B39-5F4312CA1BD0}"/>
+                  <a16:creationId xmlns="" xmlns:a16="http://schemas.microsoft.com/office/drawing/2014/main" id="{0848691B-C234-40E0-8B39-5F4312CA1BD0}"/>
                 </a:ext>
               </a:extLst>
             </p:cNvPr>
@@ -11441,7 +11441,7 @@
             <p:cNvPr id="73" name="Rectangle 41">
               <a:extLst>
                 <a:ext uri="{FF2B5EF4-FFF2-40B4-BE49-F238E27FC236}">
-                  <a16:creationId xmlns:a16="http://schemas.microsoft.com/office/drawing/2014/main" id="{7852E4B6-7DCE-4A64-9F1D-612E4BA51328}"/>
+                  <a16:creationId xmlns="" xmlns:a16="http://schemas.microsoft.com/office/drawing/2014/main" id="{7852E4B6-7DCE-4A64-9F1D-612E4BA51328}"/>
                 </a:ext>
               </a:extLst>
             </p:cNvPr>
@@ -11500,7 +11500,7 @@
             <p:cNvPr id="74" name="Rectangle 42">
               <a:extLst>
                 <a:ext uri="{FF2B5EF4-FFF2-40B4-BE49-F238E27FC236}">
-                  <a16:creationId xmlns:a16="http://schemas.microsoft.com/office/drawing/2014/main" id="{4197C7B5-C4FD-41BD-B926-4A19C5627C23}"/>
+                  <a16:creationId xmlns="" xmlns:a16="http://schemas.microsoft.com/office/drawing/2014/main" id="{4197C7B5-C4FD-41BD-B926-4A19C5627C23}"/>
                 </a:ext>
               </a:extLst>
             </p:cNvPr>
@@ -11559,7 +11559,7 @@
             <p:cNvPr id="75" name="Line 51">
               <a:extLst>
                 <a:ext uri="{FF2B5EF4-FFF2-40B4-BE49-F238E27FC236}">
-                  <a16:creationId xmlns:a16="http://schemas.microsoft.com/office/drawing/2014/main" id="{867A1A9F-0C31-4FCE-8500-BA11EF45F98D}"/>
+                  <a16:creationId xmlns="" xmlns:a16="http://schemas.microsoft.com/office/drawing/2014/main" id="{867A1A9F-0C31-4FCE-8500-BA11EF45F98D}"/>
                 </a:ext>
               </a:extLst>
             </p:cNvPr>
@@ -11605,7 +11605,7 @@
             <p:cNvPr id="76" name="Group 52">
               <a:extLst>
                 <a:ext uri="{FF2B5EF4-FFF2-40B4-BE49-F238E27FC236}">
-                  <a16:creationId xmlns:a16="http://schemas.microsoft.com/office/drawing/2014/main" id="{44092EAF-45F2-4B98-9C4F-48752C646387}"/>
+                  <a16:creationId xmlns="" xmlns:a16="http://schemas.microsoft.com/office/drawing/2014/main" id="{44092EAF-45F2-4B98-9C4F-48752C646387}"/>
                 </a:ext>
               </a:extLst>
             </p:cNvPr>
@@ -11627,7 +11627,7 @@
               <p:cNvPr id="81" name="Line 53">
                 <a:extLst>
                   <a:ext uri="{FF2B5EF4-FFF2-40B4-BE49-F238E27FC236}">
-                    <a16:creationId xmlns:a16="http://schemas.microsoft.com/office/drawing/2014/main" id="{BF1358D9-6144-4A6F-9B4B-5D29AA5CDBB9}"/>
+                    <a16:creationId xmlns="" xmlns:a16="http://schemas.microsoft.com/office/drawing/2014/main" id="{BF1358D9-6144-4A6F-9B4B-5D29AA5CDBB9}"/>
                   </a:ext>
                 </a:extLst>
               </p:cNvPr>
@@ -11670,7 +11670,7 @@
               <p:cNvPr id="82" name="Line 54">
                 <a:extLst>
                   <a:ext uri="{FF2B5EF4-FFF2-40B4-BE49-F238E27FC236}">
-                    <a16:creationId xmlns:a16="http://schemas.microsoft.com/office/drawing/2014/main" id="{2A646DA3-D2A3-44FD-9275-DE39F82A5A60}"/>
+                    <a16:creationId xmlns="" xmlns:a16="http://schemas.microsoft.com/office/drawing/2014/main" id="{2A646DA3-D2A3-44FD-9275-DE39F82A5A60}"/>
                   </a:ext>
                 </a:extLst>
               </p:cNvPr>
@@ -11714,7 +11714,7 @@
             <p:cNvPr id="77" name="Freeform 56">
               <a:extLst>
                 <a:ext uri="{FF2B5EF4-FFF2-40B4-BE49-F238E27FC236}">
-                  <a16:creationId xmlns:a16="http://schemas.microsoft.com/office/drawing/2014/main" id="{85D6E943-78DE-49CF-9C37-8FC2A006B0ED}"/>
+                  <a16:creationId xmlns="" xmlns:a16="http://schemas.microsoft.com/office/drawing/2014/main" id="{85D6E943-78DE-49CF-9C37-8FC2A006B0ED}"/>
                 </a:ext>
               </a:extLst>
             </p:cNvPr>
@@ -11788,7 +11788,7 @@
             <p:cNvPr id="78" name="Freeform 57">
               <a:extLst>
                 <a:ext uri="{FF2B5EF4-FFF2-40B4-BE49-F238E27FC236}">
-                  <a16:creationId xmlns:a16="http://schemas.microsoft.com/office/drawing/2014/main" id="{6B212A12-89D8-4787-8A61-6F5E63D034B5}"/>
+                  <a16:creationId xmlns="" xmlns:a16="http://schemas.microsoft.com/office/drawing/2014/main" id="{6B212A12-89D8-4787-8A61-6F5E63D034B5}"/>
                 </a:ext>
               </a:extLst>
             </p:cNvPr>
@@ -11862,7 +11862,7 @@
             <p:cNvPr id="79" name="Object 60">
               <a:extLst>
                 <a:ext uri="{FF2B5EF4-FFF2-40B4-BE49-F238E27FC236}">
-                  <a16:creationId xmlns:a16="http://schemas.microsoft.com/office/drawing/2014/main" id="{EB531667-045D-4E09-8A8C-C92C8BD47BE4}"/>
+                  <a16:creationId xmlns="" xmlns:a16="http://schemas.microsoft.com/office/drawing/2014/main" id="{EB531667-045D-4E09-8A8C-C92C8BD47BE4}"/>
                 </a:ext>
               </a:extLst>
             </p:cNvPr>
@@ -11877,60 +11877,9 @@
           </p:xfrm>
           <a:graphic>
             <a:graphicData uri="http://schemas.openxmlformats.org/presentationml/2006/ole">
-              <mc:AlternateContent xmlns:mc="http://schemas.openxmlformats.org/markup-compatibility/2006">
-                <mc:Choice xmlns:v="urn:schemas-microsoft-com:vml" Requires="v">
-                  <p:oleObj spid="_x0000_s332812" name="Équation" r:id="rId3" imgW="1066680" imgH="431640" progId="Equation.3">
-                    <p:embed/>
-                  </p:oleObj>
-                </mc:Choice>
-                <mc:Fallback>
-                  <p:oleObj name="Équation" r:id="rId3" imgW="1066680" imgH="431640" progId="Equation.3">
-                    <p:embed/>
-                    <p:pic>
-                      <p:nvPicPr>
-                        <p:cNvPr id="208899" name="Object 60"/>
-                        <p:cNvPicPr>
-                          <a:picLocks noChangeAspect="1" noChangeArrowheads="1"/>
-                        </p:cNvPicPr>
-                        <p:nvPr/>
-                      </p:nvPicPr>
-                      <p:blipFill>
-                        <a:blip r:embed="rId4">
-                          <a:extLst>
-                            <a:ext uri="{28A0092B-C50C-407E-A947-70E740481C1C}">
-                              <a14:useLocalDpi xmlns:a14="http://schemas.microsoft.com/office/drawing/2010/main" val="0"/>
-                            </a:ext>
-                          </a:extLst>
-                        </a:blip>
-                        <a:srcRect/>
-                        <a:stretch>
-                          <a:fillRect/>
-                        </a:stretch>
-                      </p:blipFill>
-                      <p:spPr bwMode="auto">
-                        <a:xfrm>
-                          <a:off x="5505457" y="5222880"/>
-                          <a:ext cx="1398587" cy="565150"/>
-                        </a:xfrm>
-                        <a:prstGeom prst="rect">
-                          <a:avLst/>
-                        </a:prstGeom>
-                        <a:solidFill>
-                          <a:schemeClr val="folHlink"/>
-                        </a:solidFill>
-                        <a:ln w="9525">
-                          <a:solidFill>
-                            <a:srgbClr val="008000"/>
-                          </a:solidFill>
-                          <a:miter lim="800000"/>
-                          <a:headEnd/>
-                          <a:tailEnd/>
-                        </a:ln>
-                      </p:spPr>
-                    </p:pic>
-                  </p:oleObj>
-                </mc:Fallback>
-              </mc:AlternateContent>
+              <p:oleObj spid="_x0000_s332814" name="Équation" r:id="rId3" imgW="25603200" imgH="10363200" progId="Equation.3">
+                <p:embed/>
+              </p:oleObj>
             </a:graphicData>
           </a:graphic>
         </p:graphicFrame>
@@ -11939,7 +11888,7 @@
             <p:cNvPr id="80" name="Object 62">
               <a:extLst>
                 <a:ext uri="{FF2B5EF4-FFF2-40B4-BE49-F238E27FC236}">
-                  <a16:creationId xmlns:a16="http://schemas.microsoft.com/office/drawing/2014/main" id="{FA0B5F2C-F42A-4AB3-8E48-6D5DAAAE983B}"/>
+                  <a16:creationId xmlns="" xmlns:a16="http://schemas.microsoft.com/office/drawing/2014/main" id="{FA0B5F2C-F42A-4AB3-8E48-6D5DAAAE983B}"/>
                 </a:ext>
               </a:extLst>
             </p:cNvPr>
@@ -11954,60 +11903,9 @@
           </p:xfrm>
           <a:graphic>
             <a:graphicData uri="http://schemas.openxmlformats.org/presentationml/2006/ole">
-              <mc:AlternateContent xmlns:mc="http://schemas.openxmlformats.org/markup-compatibility/2006">
-                <mc:Choice xmlns:v="urn:schemas-microsoft-com:vml" Requires="v">
-                  <p:oleObj spid="_x0000_s332813" name="Équation" r:id="rId5" imgW="914400" imgH="431640" progId="Equation.3">
-                    <p:embed/>
-                  </p:oleObj>
-                </mc:Choice>
-                <mc:Fallback>
-                  <p:oleObj name="Équation" r:id="rId5" imgW="914400" imgH="431640" progId="Equation.3">
-                    <p:embed/>
-                    <p:pic>
-                      <p:nvPicPr>
-                        <p:cNvPr id="208900" name="Object 62"/>
-                        <p:cNvPicPr>
-                          <a:picLocks noChangeAspect="1" noChangeArrowheads="1"/>
-                        </p:cNvPicPr>
-                        <p:nvPr/>
-                      </p:nvPicPr>
-                      <p:blipFill>
-                        <a:blip r:embed="rId6">
-                          <a:extLst>
-                            <a:ext uri="{28A0092B-C50C-407E-A947-70E740481C1C}">
-                              <a14:useLocalDpi xmlns:a14="http://schemas.microsoft.com/office/drawing/2010/main" val="0"/>
-                            </a:ext>
-                          </a:extLst>
-                        </a:blip>
-                        <a:srcRect/>
-                        <a:stretch>
-                          <a:fillRect/>
-                        </a:stretch>
-                      </p:blipFill>
-                      <p:spPr bwMode="auto">
-                        <a:xfrm>
-                          <a:off x="5110164" y="3967164"/>
-                          <a:ext cx="1312862" cy="619125"/>
-                        </a:xfrm>
-                        <a:prstGeom prst="rect">
-                          <a:avLst/>
-                        </a:prstGeom>
-                        <a:solidFill>
-                          <a:schemeClr val="folHlink"/>
-                        </a:solidFill>
-                        <a:ln w="9525">
-                          <a:solidFill>
-                            <a:srgbClr val="808000"/>
-                          </a:solidFill>
-                          <a:miter lim="800000"/>
-                          <a:headEnd/>
-                          <a:tailEnd/>
-                        </a:ln>
-                      </p:spPr>
-                    </p:pic>
-                  </p:oleObj>
-                </mc:Fallback>
-              </mc:AlternateContent>
+              <p:oleObj spid="_x0000_s332815" name="Équation" r:id="rId4" imgW="21945600" imgH="10363200" progId="Equation.3">
+                <p:embed/>
+              </p:oleObj>
             </a:graphicData>
           </a:graphic>
         </p:graphicFrame>
@@ -12017,7 +11915,7 @@
           <p:cNvPr id="92" name="Freeform 9">
             <a:extLst>
               <a:ext uri="{FF2B5EF4-FFF2-40B4-BE49-F238E27FC236}">
-                <a16:creationId xmlns:a16="http://schemas.microsoft.com/office/drawing/2014/main" id="{FA1EF838-637A-47B8-A1E1-99F199319A9B}"/>
+                <a16:creationId xmlns="" xmlns:a16="http://schemas.microsoft.com/office/drawing/2014/main" id="{FA1EF838-637A-47B8-A1E1-99F199319A9B}"/>
               </a:ext>
             </a:extLst>
           </p:cNvPr>
@@ -12091,7 +11989,7 @@
           <p:cNvPr id="93" name="Line 10">
             <a:extLst>
               <a:ext uri="{FF2B5EF4-FFF2-40B4-BE49-F238E27FC236}">
-                <a16:creationId xmlns:a16="http://schemas.microsoft.com/office/drawing/2014/main" id="{2CC4EECC-8AB2-46D1-9CD7-14F956FE7C65}"/>
+                <a16:creationId xmlns="" xmlns:a16="http://schemas.microsoft.com/office/drawing/2014/main" id="{2CC4EECC-8AB2-46D1-9CD7-14F956FE7C65}"/>
               </a:ext>
             </a:extLst>
           </p:cNvPr>
@@ -12137,7 +12035,7 @@
           <p:cNvPr id="94" name="Freeform 17">
             <a:extLst>
               <a:ext uri="{FF2B5EF4-FFF2-40B4-BE49-F238E27FC236}">
-                <a16:creationId xmlns:a16="http://schemas.microsoft.com/office/drawing/2014/main" id="{12C8DD7B-1449-4447-97C6-269BC229BB6C}"/>
+                <a16:creationId xmlns="" xmlns:a16="http://schemas.microsoft.com/office/drawing/2014/main" id="{12C8DD7B-1449-4447-97C6-269BC229BB6C}"/>
               </a:ext>
             </a:extLst>
           </p:cNvPr>
@@ -12220,7 +12118,7 @@
           <p:cNvPr id="95" name="Oval 19">
             <a:extLst>
               <a:ext uri="{FF2B5EF4-FFF2-40B4-BE49-F238E27FC236}">
-                <a16:creationId xmlns:a16="http://schemas.microsoft.com/office/drawing/2014/main" id="{030FD04D-B5C9-4CC8-876F-BA61D5CD86C7}"/>
+                <a16:creationId xmlns="" xmlns:a16="http://schemas.microsoft.com/office/drawing/2014/main" id="{030FD04D-B5C9-4CC8-876F-BA61D5CD86C7}"/>
               </a:ext>
             </a:extLst>
           </p:cNvPr>
@@ -12268,7 +12166,7 @@
           <p:cNvPr id="96" name="Rectangle 95">
             <a:extLst>
               <a:ext uri="{FF2B5EF4-FFF2-40B4-BE49-F238E27FC236}">
-                <a16:creationId xmlns:a16="http://schemas.microsoft.com/office/drawing/2014/main" id="{D6CA1224-F8A5-44F6-93D3-177210B0988B}"/>
+                <a16:creationId xmlns="" xmlns:a16="http://schemas.microsoft.com/office/drawing/2014/main" id="{D6CA1224-F8A5-44F6-93D3-177210B0988B}"/>
               </a:ext>
             </a:extLst>
           </p:cNvPr>
@@ -12332,7 +12230,7 @@
           <p:cNvPr id="97" name="Oval 22">
             <a:extLst>
               <a:ext uri="{FF2B5EF4-FFF2-40B4-BE49-F238E27FC236}">
-                <a16:creationId xmlns:a16="http://schemas.microsoft.com/office/drawing/2014/main" id="{AD4E3D68-80CD-4715-9547-B5E887AB2628}"/>
+                <a16:creationId xmlns="" xmlns:a16="http://schemas.microsoft.com/office/drawing/2014/main" id="{AD4E3D68-80CD-4715-9547-B5E887AB2628}"/>
               </a:ext>
             </a:extLst>
           </p:cNvPr>
@@ -12380,7 +12278,7 @@
           <p:cNvPr id="98" name="Rectangle 97">
             <a:extLst>
               <a:ext uri="{FF2B5EF4-FFF2-40B4-BE49-F238E27FC236}">
-                <a16:creationId xmlns:a16="http://schemas.microsoft.com/office/drawing/2014/main" id="{3FDB978E-EBF5-4251-ABB7-28458D77894E}"/>
+                <a16:creationId xmlns="" xmlns:a16="http://schemas.microsoft.com/office/drawing/2014/main" id="{3FDB978E-EBF5-4251-ABB7-28458D77894E}"/>
               </a:ext>
             </a:extLst>
           </p:cNvPr>
@@ -12444,7 +12342,7 @@
           <p:cNvPr id="99" name="Rectangle 98">
             <a:extLst>
               <a:ext uri="{FF2B5EF4-FFF2-40B4-BE49-F238E27FC236}">
-                <a16:creationId xmlns:a16="http://schemas.microsoft.com/office/drawing/2014/main" id="{4EA72BE8-F560-45B1-A5BD-2999AEBB1048}"/>
+                <a16:creationId xmlns="" xmlns:a16="http://schemas.microsoft.com/office/drawing/2014/main" id="{4EA72BE8-F560-45B1-A5BD-2999AEBB1048}"/>
               </a:ext>
             </a:extLst>
           </p:cNvPr>
@@ -12518,7 +12416,7 @@
           <p:cNvPr id="100" name="Rectangle 99">
             <a:extLst>
               <a:ext uri="{FF2B5EF4-FFF2-40B4-BE49-F238E27FC236}">
-                <a16:creationId xmlns:a16="http://schemas.microsoft.com/office/drawing/2014/main" id="{3687ED8C-B809-4AB7-B694-A67862DD42BB}"/>
+                <a16:creationId xmlns="" xmlns:a16="http://schemas.microsoft.com/office/drawing/2014/main" id="{3687ED8C-B809-4AB7-B694-A67862DD42BB}"/>
               </a:ext>
             </a:extLst>
           </p:cNvPr>
@@ -12592,7 +12490,7 @@
           <p:cNvPr id="101" name="Rectangle 100">
             <a:extLst>
               <a:ext uri="{FF2B5EF4-FFF2-40B4-BE49-F238E27FC236}">
-                <a16:creationId xmlns:a16="http://schemas.microsoft.com/office/drawing/2014/main" id="{CA9578C3-F762-4641-AA4A-098A07745F6B}"/>
+                <a16:creationId xmlns="" xmlns:a16="http://schemas.microsoft.com/office/drawing/2014/main" id="{CA9578C3-F762-4641-AA4A-098A07745F6B}"/>
               </a:ext>
             </a:extLst>
           </p:cNvPr>
@@ -12666,7 +12564,7 @@
           <p:cNvPr id="102" name="Rectangle 101">
             <a:extLst>
               <a:ext uri="{FF2B5EF4-FFF2-40B4-BE49-F238E27FC236}">
-                <a16:creationId xmlns:a16="http://schemas.microsoft.com/office/drawing/2014/main" id="{10130861-25F2-4363-B776-8570C1E2209F}"/>
+                <a16:creationId xmlns="" xmlns:a16="http://schemas.microsoft.com/office/drawing/2014/main" id="{10130861-25F2-4363-B776-8570C1E2209F}"/>
               </a:ext>
             </a:extLst>
           </p:cNvPr>
@@ -12714,7 +12612,7 @@
           <p:cNvPr id="103" name="Line 28">
             <a:extLst>
               <a:ext uri="{FF2B5EF4-FFF2-40B4-BE49-F238E27FC236}">
-                <a16:creationId xmlns:a16="http://schemas.microsoft.com/office/drawing/2014/main" id="{5605FC70-4D5E-4C8F-AD16-84352B14EE61}"/>
+                <a16:creationId xmlns="" xmlns:a16="http://schemas.microsoft.com/office/drawing/2014/main" id="{5605FC70-4D5E-4C8F-AD16-84352B14EE61}"/>
               </a:ext>
             </a:extLst>
           </p:cNvPr>
@@ -12760,7 +12658,7 @@
           <p:cNvPr id="104" name="Rectangle 27">
             <a:extLst>
               <a:ext uri="{FF2B5EF4-FFF2-40B4-BE49-F238E27FC236}">
-                <a16:creationId xmlns:a16="http://schemas.microsoft.com/office/drawing/2014/main" id="{1F119CB5-E61C-4C20-8104-103F0DEC9715}"/>
+                <a16:creationId xmlns="" xmlns:a16="http://schemas.microsoft.com/office/drawing/2014/main" id="{1F119CB5-E61C-4C20-8104-103F0DEC9715}"/>
               </a:ext>
             </a:extLst>
           </p:cNvPr>
@@ -12808,7 +12706,7 @@
           <p:cNvPr id="105" name="Rectangle 128">
             <a:extLst>
               <a:ext uri="{FF2B5EF4-FFF2-40B4-BE49-F238E27FC236}">
-                <a16:creationId xmlns:a16="http://schemas.microsoft.com/office/drawing/2014/main" id="{F677A81E-D356-4549-B8A9-ED4F04B042D3}"/>
+                <a16:creationId xmlns="" xmlns:a16="http://schemas.microsoft.com/office/drawing/2014/main" id="{F677A81E-D356-4549-B8A9-ED4F04B042D3}"/>
               </a:ext>
             </a:extLst>
           </p:cNvPr>
@@ -12879,7 +12777,7 @@
           <p:cNvPr id="106" name="Forme libre 242">
             <a:extLst>
               <a:ext uri="{FF2B5EF4-FFF2-40B4-BE49-F238E27FC236}">
-                <a16:creationId xmlns:a16="http://schemas.microsoft.com/office/drawing/2014/main" id="{0EB16691-A708-4C22-9D78-3FD359643557}"/>
+                <a16:creationId xmlns="" xmlns:a16="http://schemas.microsoft.com/office/drawing/2014/main" id="{0EB16691-A708-4C22-9D78-3FD359643557}"/>
               </a:ext>
             </a:extLst>
           </p:cNvPr>
@@ -12965,7 +12863,7 @@
         </p:txBody>
       </p:sp>
       <mc:AlternateContent xmlns:mc="http://schemas.openxmlformats.org/markup-compatibility/2006">
-        <mc:Choice xmlns:a14="http://schemas.microsoft.com/office/drawing/2010/main" Requires="a14">
+        <mc:Choice xmlns="" xmlns:a14="http://schemas.microsoft.com/office/drawing/2010/main" Requires="a14">
           <p:sp>
             <p:nvSpPr>
               <p:cNvPr id="2" name="ZoneTexte 1">
@@ -13013,6 +12911,7 @@
               </a:bodyPr>
               <a:lstStyle/>
               <a:p>
+                <a:pPr/>
                 <a14:m>
                   <m:oMathPara xmlns:m="http://schemas.openxmlformats.org/officeDocument/2006/math">
                     <m:oMathParaPr>
@@ -13390,7 +13289,7 @@
                               <a:effectLst/>
                               <a:latin typeface="Cambria Math" panose="02040503050406030204" pitchFamily="18" charset="0"/>
                             </a:rPr>
-                            <m:t>-</m:t>
+                            <m:t>−</m:t>
                           </m:r>
                           <m:r>
                             <a:rPr lang="fr-FR" sz="1200" i="1">
@@ -13424,7 +13323,7 @@
               <p:cNvPr id="2" name="ZoneTexte 1">
                 <a:extLst>
                   <a:ext uri="{FF2B5EF4-FFF2-40B4-BE49-F238E27FC236}">
-                    <a16:creationId xmlns:a16="http://schemas.microsoft.com/office/drawing/2014/main" id="{763E54B2-354A-4B69-8CF2-566D1A7ED291}"/>
+                    <a16:creationId xmlns:a14="http://schemas.microsoft.com/office/drawing/2010/main" xmlns="" xmlns:a16="http://schemas.microsoft.com/office/drawing/2014/main" id="{763E54B2-354A-4B69-8CF2-566D1A7ED291}"/>
                   </a:ext>
                 </a:extLst>
               </p:cNvPr>
@@ -13442,7 +13341,7 @@
                 <a:avLst/>
               </a:prstGeom>
               <a:blipFill>
-                <a:blip r:embed="rId7"/>
+                <a:blip r:embed="rId5"/>
                 <a:stretch>
                   <a:fillRect l="-780" t="-1493" r="-585" b="-13433"/>
                 </a:stretch>
@@ -13467,7 +13366,7 @@
         </mc:Fallback>
       </mc:AlternateContent>
       <mc:AlternateContent xmlns:mc="http://schemas.openxmlformats.org/markup-compatibility/2006">
-        <mc:Choice xmlns:a14="http://schemas.microsoft.com/office/drawing/2010/main" Requires="a14">
+        <mc:Choice xmlns="" xmlns:a14="http://schemas.microsoft.com/office/drawing/2010/main" Requires="a14">
           <p:sp>
             <p:nvSpPr>
               <p:cNvPr id="108" name="Object 4">
@@ -13954,7 +13853,7 @@
               <p:cNvPr id="108" name="Object 4">
                 <a:extLst>
                   <a:ext uri="{FF2B5EF4-FFF2-40B4-BE49-F238E27FC236}">
-                    <a16:creationId xmlns:a16="http://schemas.microsoft.com/office/drawing/2014/main" id="{BBD871C4-810C-4A09-95E2-55CA5427AEAD}"/>
+                    <a16:creationId xmlns:a14="http://schemas.microsoft.com/office/drawing/2010/main" xmlns="" xmlns:a16="http://schemas.microsoft.com/office/drawing/2014/main" id="{BBD871C4-810C-4A09-95E2-55CA5427AEAD}"/>
                   </a:ext>
                 </a:extLst>
               </p:cNvPr>
@@ -13972,7 +13871,7 @@
                 <a:avLst/>
               </a:prstGeom>
               <a:blipFill>
-                <a:blip r:embed="rId8"/>
+                <a:blip r:embed="rId6"/>
                 <a:stretch>
                   <a:fillRect/>
                 </a:stretch>
@@ -14002,7 +13901,7 @@
     </p:spTree>
     <p:extLst>
       <p:ext uri="{BB962C8B-B14F-4D97-AF65-F5344CB8AC3E}">
-        <p14:creationId xmlns:p14="http://schemas.microsoft.com/office/powerpoint/2010/main" val="1164395815"/>
+        <p14:creationId xmlns="" xmlns:p14="http://schemas.microsoft.com/office/powerpoint/2010/main" val="1164395815"/>
       </p:ext>
     </p:extLst>
   </p:cSld>
@@ -14034,7 +13933,7 @@
           <p:cNvPr id="3" name="Espace réservé de la date 2">
             <a:extLst>
               <a:ext uri="{FF2B5EF4-FFF2-40B4-BE49-F238E27FC236}">
-                <a16:creationId xmlns:a16="http://schemas.microsoft.com/office/drawing/2014/main" id="{B056F826-499B-407B-8105-22D7784C72C9}"/>
+                <a16:creationId xmlns="" xmlns:a16="http://schemas.microsoft.com/office/drawing/2014/main" id="{B056F826-499B-407B-8105-22D7784C72C9}"/>
               </a:ext>
             </a:extLst>
           </p:cNvPr>
@@ -14053,7 +13952,7 @@
             <a:fld id="{80ADAFC8-E58E-40F9-B663-9F56451821D1}" type="datetime8">
               <a:rPr lang="fr-FR" smtClean="0"/>
               <a:pPr/>
-              <a:t>18/10/2024 07:36</a:t>
+              <a:t>24/10/2024 16:53</a:t>
             </a:fld>
             <a:endParaRPr lang="fr-FR"/>
           </a:p>
@@ -14064,7 +13963,7 @@
           <p:cNvPr id="4" name="Espace réservé du pied de page 3">
             <a:extLst>
               <a:ext uri="{FF2B5EF4-FFF2-40B4-BE49-F238E27FC236}">
-                <a16:creationId xmlns:a16="http://schemas.microsoft.com/office/drawing/2014/main" id="{F3E4A479-1B4F-4BB3-9515-6A9C30531C7E}"/>
+                <a16:creationId xmlns="" xmlns:a16="http://schemas.microsoft.com/office/drawing/2014/main" id="{F3E4A479-1B4F-4BB3-9515-6A9C30531C7E}"/>
               </a:ext>
             </a:extLst>
           </p:cNvPr>
@@ -14093,7 +13992,7 @@
           <p:cNvPr id="5" name="Espace réservé du numéro de diapositive 4">
             <a:extLst>
               <a:ext uri="{FF2B5EF4-FFF2-40B4-BE49-F238E27FC236}">
-                <a16:creationId xmlns:a16="http://schemas.microsoft.com/office/drawing/2014/main" id="{7770904E-5F23-477F-92FD-9DE3E348D081}"/>
+                <a16:creationId xmlns="" xmlns:a16="http://schemas.microsoft.com/office/drawing/2014/main" id="{7770904E-5F23-477F-92FD-9DE3E348D081}"/>
               </a:ext>
             </a:extLst>
           </p:cNvPr>
@@ -14123,7 +14022,7 @@
           <p:cNvPr id="8" name="Line 10">
             <a:extLst>
               <a:ext uri="{FF2B5EF4-FFF2-40B4-BE49-F238E27FC236}">
-                <a16:creationId xmlns:a16="http://schemas.microsoft.com/office/drawing/2014/main" id="{D2579991-AA28-4056-ADDE-346FA54546B8}"/>
+                <a16:creationId xmlns="" xmlns:a16="http://schemas.microsoft.com/office/drawing/2014/main" id="{D2579991-AA28-4056-ADDE-346FA54546B8}"/>
               </a:ext>
             </a:extLst>
           </p:cNvPr>
@@ -14168,7 +14067,7 @@
           <p:cNvPr id="9" name="Group 11">
             <a:extLst>
               <a:ext uri="{FF2B5EF4-FFF2-40B4-BE49-F238E27FC236}">
-                <a16:creationId xmlns:a16="http://schemas.microsoft.com/office/drawing/2014/main" id="{E02CE653-0EEC-43E5-BEF9-68D92471F8AB}"/>
+                <a16:creationId xmlns="" xmlns:a16="http://schemas.microsoft.com/office/drawing/2014/main" id="{E02CE653-0EEC-43E5-BEF9-68D92471F8AB}"/>
               </a:ext>
             </a:extLst>
           </p:cNvPr>
@@ -14190,7 +14089,7 @@
             <p:cNvPr id="45" name="Oval 12">
               <a:extLst>
                 <a:ext uri="{FF2B5EF4-FFF2-40B4-BE49-F238E27FC236}">
-                  <a16:creationId xmlns:a16="http://schemas.microsoft.com/office/drawing/2014/main" id="{C8CD48E8-989D-44DA-8FF3-7C6DCBDD9457}"/>
+                  <a16:creationId xmlns="" xmlns:a16="http://schemas.microsoft.com/office/drawing/2014/main" id="{C8CD48E8-989D-44DA-8FF3-7C6DCBDD9457}"/>
                 </a:ext>
               </a:extLst>
             </p:cNvPr>
@@ -14235,7 +14134,7 @@
             <p:cNvPr id="46" name="Oval 13">
               <a:extLst>
                 <a:ext uri="{FF2B5EF4-FFF2-40B4-BE49-F238E27FC236}">
-                  <a16:creationId xmlns:a16="http://schemas.microsoft.com/office/drawing/2014/main" id="{E5595C7A-23AC-4D1B-A6AA-D67331609949}"/>
+                  <a16:creationId xmlns="" xmlns:a16="http://schemas.microsoft.com/office/drawing/2014/main" id="{E5595C7A-23AC-4D1B-A6AA-D67331609949}"/>
                 </a:ext>
               </a:extLst>
             </p:cNvPr>
@@ -14281,7 +14180,7 @@
           <p:cNvPr id="10" name="Freeform 14">
             <a:extLst>
               <a:ext uri="{FF2B5EF4-FFF2-40B4-BE49-F238E27FC236}">
-                <a16:creationId xmlns:a16="http://schemas.microsoft.com/office/drawing/2014/main" id="{5FA48C6A-85F2-4878-BFBD-77D98FC07E50}"/>
+                <a16:creationId xmlns="" xmlns:a16="http://schemas.microsoft.com/office/drawing/2014/main" id="{5FA48C6A-85F2-4878-BFBD-77D98FC07E50}"/>
               </a:ext>
             </a:extLst>
           </p:cNvPr>
@@ -14354,7 +14253,7 @@
           <p:cNvPr id="11" name="Line 15">
             <a:extLst>
               <a:ext uri="{FF2B5EF4-FFF2-40B4-BE49-F238E27FC236}">
-                <a16:creationId xmlns:a16="http://schemas.microsoft.com/office/drawing/2014/main" id="{EC9DC4D9-70DD-4E1E-A097-70BEF45EA010}"/>
+                <a16:creationId xmlns="" xmlns:a16="http://schemas.microsoft.com/office/drawing/2014/main" id="{EC9DC4D9-70DD-4E1E-A097-70BEF45EA010}"/>
               </a:ext>
             </a:extLst>
           </p:cNvPr>
@@ -14399,7 +14298,7 @@
           <p:cNvPr id="12" name="Freeform 16">
             <a:extLst>
               <a:ext uri="{FF2B5EF4-FFF2-40B4-BE49-F238E27FC236}">
-                <a16:creationId xmlns:a16="http://schemas.microsoft.com/office/drawing/2014/main" id="{94CA67B4-EEBA-49F6-9046-D36728201482}"/>
+                <a16:creationId xmlns="" xmlns:a16="http://schemas.microsoft.com/office/drawing/2014/main" id="{94CA67B4-EEBA-49F6-9046-D36728201482}"/>
               </a:ext>
             </a:extLst>
           </p:cNvPr>
@@ -14481,7 +14380,7 @@
           <p:cNvPr id="14" name="Oval 18">
             <a:extLst>
               <a:ext uri="{FF2B5EF4-FFF2-40B4-BE49-F238E27FC236}">
-                <a16:creationId xmlns:a16="http://schemas.microsoft.com/office/drawing/2014/main" id="{2476419F-29AF-4871-87E5-E3198CA55492}"/>
+                <a16:creationId xmlns="" xmlns:a16="http://schemas.microsoft.com/office/drawing/2014/main" id="{2476419F-29AF-4871-87E5-E3198CA55492}"/>
               </a:ext>
             </a:extLst>
           </p:cNvPr>
@@ -14528,7 +14427,7 @@
           <p:cNvPr id="17" name="Rectangle 16">
             <a:extLst>
               <a:ext uri="{FF2B5EF4-FFF2-40B4-BE49-F238E27FC236}">
-                <a16:creationId xmlns:a16="http://schemas.microsoft.com/office/drawing/2014/main" id="{4760EC27-3AFF-48E2-991F-E4B64F513D84}"/>
+                <a16:creationId xmlns="" xmlns:a16="http://schemas.microsoft.com/office/drawing/2014/main" id="{4760EC27-3AFF-48E2-991F-E4B64F513D84}"/>
               </a:ext>
             </a:extLst>
           </p:cNvPr>
@@ -14591,7 +14490,7 @@
           <p:cNvPr id="21" name="Rectangle 20">
             <a:extLst>
               <a:ext uri="{FF2B5EF4-FFF2-40B4-BE49-F238E27FC236}">
-                <a16:creationId xmlns:a16="http://schemas.microsoft.com/office/drawing/2014/main" id="{5B026465-4A90-4BD5-9DBD-1F183AB07F0B}"/>
+                <a16:creationId xmlns="" xmlns:a16="http://schemas.microsoft.com/office/drawing/2014/main" id="{5B026465-4A90-4BD5-9DBD-1F183AB07F0B}"/>
               </a:ext>
             </a:extLst>
           </p:cNvPr>
@@ -14675,7 +14574,7 @@
           <p:cNvPr id="22" name="Oval 26">
             <a:extLst>
               <a:ext uri="{FF2B5EF4-FFF2-40B4-BE49-F238E27FC236}">
-                <a16:creationId xmlns:a16="http://schemas.microsoft.com/office/drawing/2014/main" id="{E0F7AEE2-CA2F-4F4F-A0D4-4B88F4C1A53E}"/>
+                <a16:creationId xmlns="" xmlns:a16="http://schemas.microsoft.com/office/drawing/2014/main" id="{E0F7AEE2-CA2F-4F4F-A0D4-4B88F4C1A53E}"/>
               </a:ext>
             </a:extLst>
           </p:cNvPr>
@@ -14722,7 +14621,7 @@
           <p:cNvPr id="23" name="Rectangle 22">
             <a:extLst>
               <a:ext uri="{FF2B5EF4-FFF2-40B4-BE49-F238E27FC236}">
-                <a16:creationId xmlns:a16="http://schemas.microsoft.com/office/drawing/2014/main" id="{18280244-6F53-4CC8-A3A7-B43D52073ACB}"/>
+                <a16:creationId xmlns="" xmlns:a16="http://schemas.microsoft.com/office/drawing/2014/main" id="{18280244-6F53-4CC8-A3A7-B43D52073ACB}"/>
               </a:ext>
             </a:extLst>
           </p:cNvPr>
@@ -14785,7 +14684,7 @@
           <p:cNvPr id="25" name="Rectangle 24">
             <a:extLst>
               <a:ext uri="{FF2B5EF4-FFF2-40B4-BE49-F238E27FC236}">
-                <a16:creationId xmlns:a16="http://schemas.microsoft.com/office/drawing/2014/main" id="{2A3DF76E-3306-4C29-8256-CEE6F246CA78}"/>
+                <a16:creationId xmlns="" xmlns:a16="http://schemas.microsoft.com/office/drawing/2014/main" id="{2A3DF76E-3306-4C29-8256-CEE6F246CA78}"/>
               </a:ext>
             </a:extLst>
           </p:cNvPr>
@@ -14858,7 +14757,7 @@
           <p:cNvPr id="27" name="Group 38">
             <a:extLst>
               <a:ext uri="{FF2B5EF4-FFF2-40B4-BE49-F238E27FC236}">
-                <a16:creationId xmlns:a16="http://schemas.microsoft.com/office/drawing/2014/main" id="{7C3123D4-8C11-4A6D-B78D-E298FE4E2882}"/>
+                <a16:creationId xmlns="" xmlns:a16="http://schemas.microsoft.com/office/drawing/2014/main" id="{7C3123D4-8C11-4A6D-B78D-E298FE4E2882}"/>
               </a:ext>
             </a:extLst>
           </p:cNvPr>
@@ -14880,7 +14779,7 @@
             <p:cNvPr id="43" name="Line 39">
               <a:extLst>
                 <a:ext uri="{FF2B5EF4-FFF2-40B4-BE49-F238E27FC236}">
-                  <a16:creationId xmlns:a16="http://schemas.microsoft.com/office/drawing/2014/main" id="{5E953442-3153-48D9-8CDB-411224B4FEDF}"/>
+                  <a16:creationId xmlns="" xmlns:a16="http://schemas.microsoft.com/office/drawing/2014/main" id="{5E953442-3153-48D9-8CDB-411224B4FEDF}"/>
                 </a:ext>
               </a:extLst>
             </p:cNvPr>
@@ -14925,7 +14824,7 @@
             <p:cNvPr id="44" name="Freeform 40">
               <a:extLst>
                 <a:ext uri="{FF2B5EF4-FFF2-40B4-BE49-F238E27FC236}">
-                  <a16:creationId xmlns:a16="http://schemas.microsoft.com/office/drawing/2014/main" id="{2EE90437-4349-4721-8B6A-30AA92973068}"/>
+                  <a16:creationId xmlns="" xmlns:a16="http://schemas.microsoft.com/office/drawing/2014/main" id="{2EE90437-4349-4721-8B6A-30AA92973068}"/>
                 </a:ext>
               </a:extLst>
             </p:cNvPr>
@@ -15008,7 +14907,7 @@
           <p:cNvPr id="33" name="Line 28">
             <a:extLst>
               <a:ext uri="{FF2B5EF4-FFF2-40B4-BE49-F238E27FC236}">
-                <a16:creationId xmlns:a16="http://schemas.microsoft.com/office/drawing/2014/main" id="{A1F81C07-328A-4950-8EA8-F89C4D2AB8E6}"/>
+                <a16:creationId xmlns="" xmlns:a16="http://schemas.microsoft.com/office/drawing/2014/main" id="{A1F81C07-328A-4950-8EA8-F89C4D2AB8E6}"/>
               </a:ext>
             </a:extLst>
           </p:cNvPr>
@@ -15053,7 +14952,7 @@
           <p:cNvPr id="34" name="Rectangle 27">
             <a:extLst>
               <a:ext uri="{FF2B5EF4-FFF2-40B4-BE49-F238E27FC236}">
-                <a16:creationId xmlns:a16="http://schemas.microsoft.com/office/drawing/2014/main" id="{58D24A3B-B76E-4ECA-B6E5-6FFEB4308626}"/>
+                <a16:creationId xmlns="" xmlns:a16="http://schemas.microsoft.com/office/drawing/2014/main" id="{58D24A3B-B76E-4ECA-B6E5-6FFEB4308626}"/>
               </a:ext>
             </a:extLst>
           </p:cNvPr>
@@ -15100,7 +14999,7 @@
           <p:cNvPr id="36" name="Forme libre 243">
             <a:extLst>
               <a:ext uri="{FF2B5EF4-FFF2-40B4-BE49-F238E27FC236}">
-                <a16:creationId xmlns:a16="http://schemas.microsoft.com/office/drawing/2014/main" id="{4AB5638F-F8EB-4920-AB97-631DDFE6FD07}"/>
+                <a16:creationId xmlns="" xmlns:a16="http://schemas.microsoft.com/office/drawing/2014/main" id="{4AB5638F-F8EB-4920-AB97-631DDFE6FD07}"/>
               </a:ext>
             </a:extLst>
           </p:cNvPr>
@@ -15189,7 +15088,7 @@
           <p:cNvPr id="37" name="Rectangle 36">
             <a:extLst>
               <a:ext uri="{FF2B5EF4-FFF2-40B4-BE49-F238E27FC236}">
-                <a16:creationId xmlns:a16="http://schemas.microsoft.com/office/drawing/2014/main" id="{8B97D65D-7384-417B-8C0E-7A4AAAD071FB}"/>
+                <a16:creationId xmlns="" xmlns:a16="http://schemas.microsoft.com/office/drawing/2014/main" id="{8B97D65D-7384-417B-8C0E-7A4AAAD071FB}"/>
               </a:ext>
             </a:extLst>
           </p:cNvPr>
@@ -15264,7 +15163,7 @@
           <p:cNvPr id="47" name="Rectangle 46">
             <a:extLst>
               <a:ext uri="{FF2B5EF4-FFF2-40B4-BE49-F238E27FC236}">
-                <a16:creationId xmlns:a16="http://schemas.microsoft.com/office/drawing/2014/main" id="{9CA9D085-EF5E-421F-9F26-D48686287842}"/>
+                <a16:creationId xmlns="" xmlns:a16="http://schemas.microsoft.com/office/drawing/2014/main" id="{9CA9D085-EF5E-421F-9F26-D48686287842}"/>
               </a:ext>
             </a:extLst>
           </p:cNvPr>
@@ -15327,7 +15226,7 @@
           <p:cNvPr id="48" name="Line 10">
             <a:extLst>
               <a:ext uri="{FF2B5EF4-FFF2-40B4-BE49-F238E27FC236}">
-                <a16:creationId xmlns:a16="http://schemas.microsoft.com/office/drawing/2014/main" id="{DCBE6125-9DB3-4463-B5D0-278EDC36CC5C}"/>
+                <a16:creationId xmlns="" xmlns:a16="http://schemas.microsoft.com/office/drawing/2014/main" id="{DCBE6125-9DB3-4463-B5D0-278EDC36CC5C}"/>
               </a:ext>
             </a:extLst>
           </p:cNvPr>
@@ -15372,7 +15271,7 @@
           <p:cNvPr id="49" name="Group 11">
             <a:extLst>
               <a:ext uri="{FF2B5EF4-FFF2-40B4-BE49-F238E27FC236}">
-                <a16:creationId xmlns:a16="http://schemas.microsoft.com/office/drawing/2014/main" id="{8831C526-49BD-439D-B006-BB8340A0A90D}"/>
+                <a16:creationId xmlns="" xmlns:a16="http://schemas.microsoft.com/office/drawing/2014/main" id="{8831C526-49BD-439D-B006-BB8340A0A90D}"/>
               </a:ext>
             </a:extLst>
           </p:cNvPr>
@@ -15394,7 +15293,7 @@
             <p:cNvPr id="50" name="Oval 12">
               <a:extLst>
                 <a:ext uri="{FF2B5EF4-FFF2-40B4-BE49-F238E27FC236}">
-                  <a16:creationId xmlns:a16="http://schemas.microsoft.com/office/drawing/2014/main" id="{C569CDF4-2C10-4D82-87BD-A60076B85D5F}"/>
+                  <a16:creationId xmlns="" xmlns:a16="http://schemas.microsoft.com/office/drawing/2014/main" id="{C569CDF4-2C10-4D82-87BD-A60076B85D5F}"/>
                 </a:ext>
               </a:extLst>
             </p:cNvPr>
@@ -15439,7 +15338,7 @@
             <p:cNvPr id="51" name="Oval 13">
               <a:extLst>
                 <a:ext uri="{FF2B5EF4-FFF2-40B4-BE49-F238E27FC236}">
-                  <a16:creationId xmlns:a16="http://schemas.microsoft.com/office/drawing/2014/main" id="{BC72F9AA-FF3C-4E89-9A30-3E59BCD2C03D}"/>
+                  <a16:creationId xmlns="" xmlns:a16="http://schemas.microsoft.com/office/drawing/2014/main" id="{BC72F9AA-FF3C-4E89-9A30-3E59BCD2C03D}"/>
                 </a:ext>
               </a:extLst>
             </p:cNvPr>
@@ -15485,7 +15384,7 @@
           <p:cNvPr id="52" name="Freeform 14">
             <a:extLst>
               <a:ext uri="{FF2B5EF4-FFF2-40B4-BE49-F238E27FC236}">
-                <a16:creationId xmlns:a16="http://schemas.microsoft.com/office/drawing/2014/main" id="{A054C7B7-5047-4D9F-899D-BE22CDB68B4E}"/>
+                <a16:creationId xmlns="" xmlns:a16="http://schemas.microsoft.com/office/drawing/2014/main" id="{A054C7B7-5047-4D9F-899D-BE22CDB68B4E}"/>
               </a:ext>
             </a:extLst>
           </p:cNvPr>
@@ -15558,7 +15457,7 @@
           <p:cNvPr id="53" name="Line 15">
             <a:extLst>
               <a:ext uri="{FF2B5EF4-FFF2-40B4-BE49-F238E27FC236}">
-                <a16:creationId xmlns:a16="http://schemas.microsoft.com/office/drawing/2014/main" id="{2FBB9941-C55F-45C2-9013-6F29A451A2D3}"/>
+                <a16:creationId xmlns="" xmlns:a16="http://schemas.microsoft.com/office/drawing/2014/main" id="{2FBB9941-C55F-45C2-9013-6F29A451A2D3}"/>
               </a:ext>
             </a:extLst>
           </p:cNvPr>
@@ -15603,7 +15502,7 @@
           <p:cNvPr id="54" name="Freeform 16">
             <a:extLst>
               <a:ext uri="{FF2B5EF4-FFF2-40B4-BE49-F238E27FC236}">
-                <a16:creationId xmlns:a16="http://schemas.microsoft.com/office/drawing/2014/main" id="{5AEB4A9B-5D92-4B75-8171-326E9DF70C1B}"/>
+                <a16:creationId xmlns="" xmlns:a16="http://schemas.microsoft.com/office/drawing/2014/main" id="{5AEB4A9B-5D92-4B75-8171-326E9DF70C1B}"/>
               </a:ext>
             </a:extLst>
           </p:cNvPr>
@@ -15685,7 +15584,7 @@
           <p:cNvPr id="55" name="Oval 18">
             <a:extLst>
               <a:ext uri="{FF2B5EF4-FFF2-40B4-BE49-F238E27FC236}">
-                <a16:creationId xmlns:a16="http://schemas.microsoft.com/office/drawing/2014/main" id="{545A7F01-74D2-4DE6-9706-7F69B788A2EE}"/>
+                <a16:creationId xmlns="" xmlns:a16="http://schemas.microsoft.com/office/drawing/2014/main" id="{545A7F01-74D2-4DE6-9706-7F69B788A2EE}"/>
               </a:ext>
             </a:extLst>
           </p:cNvPr>
@@ -15732,7 +15631,7 @@
           <p:cNvPr id="56" name="Rectangle 55">
             <a:extLst>
               <a:ext uri="{FF2B5EF4-FFF2-40B4-BE49-F238E27FC236}">
-                <a16:creationId xmlns:a16="http://schemas.microsoft.com/office/drawing/2014/main" id="{45C75543-FCF3-4B23-9BCC-84CA0A303B93}"/>
+                <a16:creationId xmlns="" xmlns:a16="http://schemas.microsoft.com/office/drawing/2014/main" id="{45C75543-FCF3-4B23-9BCC-84CA0A303B93}"/>
               </a:ext>
             </a:extLst>
           </p:cNvPr>
@@ -15795,7 +15694,7 @@
           <p:cNvPr id="57" name="Rectangle 56">
             <a:extLst>
               <a:ext uri="{FF2B5EF4-FFF2-40B4-BE49-F238E27FC236}">
-                <a16:creationId xmlns:a16="http://schemas.microsoft.com/office/drawing/2014/main" id="{1963E529-65C2-4264-8ED6-8E5E7F022072}"/>
+                <a16:creationId xmlns="" xmlns:a16="http://schemas.microsoft.com/office/drawing/2014/main" id="{1963E529-65C2-4264-8ED6-8E5E7F022072}"/>
               </a:ext>
             </a:extLst>
           </p:cNvPr>
@@ -15879,7 +15778,7 @@
           <p:cNvPr id="58" name="Oval 26">
             <a:extLst>
               <a:ext uri="{FF2B5EF4-FFF2-40B4-BE49-F238E27FC236}">
-                <a16:creationId xmlns:a16="http://schemas.microsoft.com/office/drawing/2014/main" id="{93BDD31B-A286-41D9-A985-205F35FE268A}"/>
+                <a16:creationId xmlns="" xmlns:a16="http://schemas.microsoft.com/office/drawing/2014/main" id="{93BDD31B-A286-41D9-A985-205F35FE268A}"/>
               </a:ext>
             </a:extLst>
           </p:cNvPr>
@@ -15926,7 +15825,7 @@
           <p:cNvPr id="59" name="Rectangle 58">
             <a:extLst>
               <a:ext uri="{FF2B5EF4-FFF2-40B4-BE49-F238E27FC236}">
-                <a16:creationId xmlns:a16="http://schemas.microsoft.com/office/drawing/2014/main" id="{0DFDC082-8D46-493A-B9BD-70946898C2AC}"/>
+                <a16:creationId xmlns="" xmlns:a16="http://schemas.microsoft.com/office/drawing/2014/main" id="{0DFDC082-8D46-493A-B9BD-70946898C2AC}"/>
               </a:ext>
             </a:extLst>
           </p:cNvPr>
@@ -15989,7 +15888,7 @@
           <p:cNvPr id="60" name="Rectangle 59">
             <a:extLst>
               <a:ext uri="{FF2B5EF4-FFF2-40B4-BE49-F238E27FC236}">
-                <a16:creationId xmlns:a16="http://schemas.microsoft.com/office/drawing/2014/main" id="{11B77F43-A0DB-431A-8758-7B6FA02BADAA}"/>
+                <a16:creationId xmlns="" xmlns:a16="http://schemas.microsoft.com/office/drawing/2014/main" id="{11B77F43-A0DB-431A-8758-7B6FA02BADAA}"/>
               </a:ext>
             </a:extLst>
           </p:cNvPr>
@@ -16062,7 +15961,7 @@
           <p:cNvPr id="61" name="Group 38">
             <a:extLst>
               <a:ext uri="{FF2B5EF4-FFF2-40B4-BE49-F238E27FC236}">
-                <a16:creationId xmlns:a16="http://schemas.microsoft.com/office/drawing/2014/main" id="{1FCD6B5B-3AC4-45C8-8356-90AE51DFEC13}"/>
+                <a16:creationId xmlns="" xmlns:a16="http://schemas.microsoft.com/office/drawing/2014/main" id="{1FCD6B5B-3AC4-45C8-8356-90AE51DFEC13}"/>
               </a:ext>
             </a:extLst>
           </p:cNvPr>
@@ -16084,7 +15983,7 @@
             <p:cNvPr id="62" name="Line 39">
               <a:extLst>
                 <a:ext uri="{FF2B5EF4-FFF2-40B4-BE49-F238E27FC236}">
-                  <a16:creationId xmlns:a16="http://schemas.microsoft.com/office/drawing/2014/main" id="{065CC7D8-635C-4DFE-B8BE-2987D2D138EB}"/>
+                  <a16:creationId xmlns="" xmlns:a16="http://schemas.microsoft.com/office/drawing/2014/main" id="{065CC7D8-635C-4DFE-B8BE-2987D2D138EB}"/>
                 </a:ext>
               </a:extLst>
             </p:cNvPr>
@@ -16129,7 +16028,7 @@
             <p:cNvPr id="63" name="Freeform 40">
               <a:extLst>
                 <a:ext uri="{FF2B5EF4-FFF2-40B4-BE49-F238E27FC236}">
-                  <a16:creationId xmlns:a16="http://schemas.microsoft.com/office/drawing/2014/main" id="{FFEB590F-0E02-4662-A801-C36C02B71693}"/>
+                  <a16:creationId xmlns="" xmlns:a16="http://schemas.microsoft.com/office/drawing/2014/main" id="{FFEB590F-0E02-4662-A801-C36C02B71693}"/>
                 </a:ext>
               </a:extLst>
             </p:cNvPr>
@@ -16212,7 +16111,7 @@
           <p:cNvPr id="64" name="Line 28">
             <a:extLst>
               <a:ext uri="{FF2B5EF4-FFF2-40B4-BE49-F238E27FC236}">
-                <a16:creationId xmlns:a16="http://schemas.microsoft.com/office/drawing/2014/main" id="{7489B95E-9FFD-4DD4-B1CC-079FF11C8324}"/>
+                <a16:creationId xmlns="" xmlns:a16="http://schemas.microsoft.com/office/drawing/2014/main" id="{7489B95E-9FFD-4DD4-B1CC-079FF11C8324}"/>
               </a:ext>
             </a:extLst>
           </p:cNvPr>
@@ -16257,7 +16156,7 @@
           <p:cNvPr id="67" name="Rectangle 66">
             <a:extLst>
               <a:ext uri="{FF2B5EF4-FFF2-40B4-BE49-F238E27FC236}">
-                <a16:creationId xmlns:a16="http://schemas.microsoft.com/office/drawing/2014/main" id="{D24B1F53-8722-4195-AF43-38E3678567C6}"/>
+                <a16:creationId xmlns="" xmlns:a16="http://schemas.microsoft.com/office/drawing/2014/main" id="{D24B1F53-8722-4195-AF43-38E3678567C6}"/>
               </a:ext>
             </a:extLst>
           </p:cNvPr>
@@ -16332,7 +16231,7 @@
           <p:cNvPr id="69" name="Freeform 16">
             <a:extLst>
               <a:ext uri="{FF2B5EF4-FFF2-40B4-BE49-F238E27FC236}">
-                <a16:creationId xmlns:a16="http://schemas.microsoft.com/office/drawing/2014/main" id="{E00A737B-DC1B-4BF2-9D13-4E4524E33576}"/>
+                <a16:creationId xmlns="" xmlns:a16="http://schemas.microsoft.com/office/drawing/2014/main" id="{E00A737B-DC1B-4BF2-9D13-4E4524E33576}"/>
               </a:ext>
             </a:extLst>
           </p:cNvPr>
@@ -16409,10 +16308,3536 @@
           </a:p>
         </p:txBody>
       </p:sp>
+      <p:grpSp>
+        <p:nvGrpSpPr>
+          <p:cNvPr id="66" name="Groupe 65">
+            <a:extLst>
+              <a:ext uri="{FF2B5EF4-FFF2-40B4-BE49-F238E27FC236}">
+                <a16:creationId xmlns="" xmlns:a16="http://schemas.microsoft.com/office/drawing/2014/main" id="{2FF4A8F3-CFEE-42E7-93EA-CE98536ECB59}"/>
+              </a:ext>
+            </a:extLst>
+          </p:cNvPr>
+          <p:cNvGrpSpPr/>
+          <p:nvPr/>
+        </p:nvGrpSpPr>
+        <p:grpSpPr>
+          <a:xfrm>
+            <a:off x="2410160" y="2530091"/>
+            <a:ext cx="542944" cy="178244"/>
+            <a:chOff x="4981946" y="3512977"/>
+            <a:chExt cx="633441" cy="177961"/>
+          </a:xfrm>
+        </p:grpSpPr>
+        <p:cxnSp>
+          <p:nvCxnSpPr>
+            <p:cNvPr id="81" name="Connecteur droit 80">
+              <a:extLst>
+                <a:ext uri="{FF2B5EF4-FFF2-40B4-BE49-F238E27FC236}">
+                  <a16:creationId xmlns="" xmlns:a16="http://schemas.microsoft.com/office/drawing/2014/main" id="{122C1ECB-4B42-4F0D-B7CD-9FED125970DF}"/>
+                </a:ext>
+              </a:extLst>
+            </p:cNvPr>
+            <p:cNvCxnSpPr/>
+            <p:nvPr/>
+          </p:nvCxnSpPr>
+          <p:spPr>
+            <a:xfrm rot="10800000">
+              <a:off x="4981946" y="3512977"/>
+              <a:ext cx="633412" cy="2884"/>
+            </a:xfrm>
+            <a:prstGeom prst="line">
+              <a:avLst/>
+            </a:prstGeom>
+            <a:ln w="57150">
+              <a:solidFill>
+                <a:srgbClr val="FF0000"/>
+              </a:solidFill>
+            </a:ln>
+          </p:spPr>
+          <p:style>
+            <a:lnRef idx="1">
+              <a:schemeClr val="accent1"/>
+            </a:lnRef>
+            <a:fillRef idx="0">
+              <a:schemeClr val="accent1"/>
+            </a:fillRef>
+            <a:effectRef idx="0">
+              <a:schemeClr val="accent1"/>
+            </a:effectRef>
+            <a:fontRef idx="minor">
+              <a:schemeClr val="tx1"/>
+            </a:fontRef>
+          </p:style>
+        </p:cxnSp>
+        <p:cxnSp>
+          <p:nvCxnSpPr>
+            <p:cNvPr id="82" name="Connecteur droit 81">
+              <a:extLst>
+                <a:ext uri="{FF2B5EF4-FFF2-40B4-BE49-F238E27FC236}">
+                  <a16:creationId xmlns="" xmlns:a16="http://schemas.microsoft.com/office/drawing/2014/main" id="{F2907823-0517-4878-82F1-F1BD775B5782}"/>
+                </a:ext>
+              </a:extLst>
+            </p:cNvPr>
+            <p:cNvCxnSpPr/>
+            <p:nvPr/>
+          </p:nvCxnSpPr>
+          <p:spPr>
+            <a:xfrm rot="10800000">
+              <a:off x="4981974" y="3688054"/>
+              <a:ext cx="633413" cy="2884"/>
+            </a:xfrm>
+            <a:prstGeom prst="line">
+              <a:avLst/>
+            </a:prstGeom>
+            <a:ln w="57150">
+              <a:solidFill>
+                <a:srgbClr val="FF0000"/>
+              </a:solidFill>
+            </a:ln>
+          </p:spPr>
+          <p:style>
+            <a:lnRef idx="1">
+              <a:schemeClr val="accent1"/>
+            </a:lnRef>
+            <a:fillRef idx="0">
+              <a:schemeClr val="accent1"/>
+            </a:fillRef>
+            <a:effectRef idx="0">
+              <a:schemeClr val="accent1"/>
+            </a:effectRef>
+            <a:fontRef idx="minor">
+              <a:schemeClr val="tx1"/>
+            </a:fontRef>
+          </p:style>
+        </p:cxnSp>
+      </p:grpSp>
+      <p:sp>
+        <p:nvSpPr>
+          <p:cNvPr id="70" name="Forme libre 26">
+            <a:extLst>
+              <a:ext uri="{FF2B5EF4-FFF2-40B4-BE49-F238E27FC236}">
+                <a16:creationId xmlns="" xmlns:a16="http://schemas.microsoft.com/office/drawing/2014/main" id="{A4CD5BD3-EC62-40E3-8590-58A0E3DB007B}"/>
+              </a:ext>
+            </a:extLst>
+          </p:cNvPr>
+          <p:cNvSpPr/>
+          <p:nvPr/>
+        </p:nvSpPr>
+        <p:spPr>
+          <a:xfrm>
+            <a:off x="1403010" y="2144889"/>
+            <a:ext cx="324000" cy="0"/>
+          </a:xfrm>
+          <a:custGeom>
+            <a:avLst/>
+            <a:gdLst>
+              <a:gd name="connsiteX0" fmla="*/ 711200 w 711200"/>
+              <a:gd name="connsiteY0" fmla="*/ 0 h 0"/>
+              <a:gd name="connsiteX1" fmla="*/ 0 w 711200"/>
+              <a:gd name="connsiteY1" fmla="*/ 0 h 0"/>
+            </a:gdLst>
+            <a:ahLst/>
+            <a:cxnLst>
+              <a:cxn ang="0">
+                <a:pos x="connsiteX0" y="connsiteY0"/>
+              </a:cxn>
+              <a:cxn ang="0">
+                <a:pos x="connsiteX1" y="connsiteY1"/>
+              </a:cxn>
+            </a:cxnLst>
+            <a:rect l="l" t="t" r="r" b="b"/>
+            <a:pathLst>
+              <a:path w="711200">
+                <a:moveTo>
+                  <a:pt x="711200" y="0"/>
+                </a:moveTo>
+                <a:lnTo>
+                  <a:pt x="0" y="0"/>
+                </a:lnTo>
+              </a:path>
+            </a:pathLst>
+          </a:custGeom>
+          <a:ln w="38100">
+            <a:solidFill>
+              <a:schemeClr val="bg1"/>
+            </a:solidFill>
+            <a:headEnd type="none"/>
+            <a:tailEnd type="oval" w="lg" len="lg"/>
+          </a:ln>
+        </p:spPr>
+        <p:style>
+          <a:lnRef idx="1">
+            <a:schemeClr val="accent1"/>
+          </a:lnRef>
+          <a:fillRef idx="0">
+            <a:schemeClr val="accent1"/>
+          </a:fillRef>
+          <a:effectRef idx="0">
+            <a:schemeClr val="accent1"/>
+          </a:effectRef>
+          <a:fontRef idx="minor">
+            <a:schemeClr val="tx1"/>
+          </a:fontRef>
+        </p:style>
+        <p:txBody>
+          <a:bodyPr rtlCol="0" anchor="ctr"/>
+          <a:lstStyle/>
+          <a:p>
+            <a:pPr algn="ctr"/>
+            <a:endParaRPr lang="fr-FR" b="1">
+              <a:solidFill>
+                <a:srgbClr val="0033CC"/>
+              </a:solidFill>
+              <a:effectLst/>
+            </a:endParaRPr>
+          </a:p>
+        </p:txBody>
+      </p:sp>
+      <p:sp>
+        <p:nvSpPr>
+          <p:cNvPr id="71" name="Forme libre 27">
+            <a:extLst>
+              <a:ext uri="{FF2B5EF4-FFF2-40B4-BE49-F238E27FC236}">
+                <a16:creationId xmlns="" xmlns:a16="http://schemas.microsoft.com/office/drawing/2014/main" id="{27E8D6C6-3DCA-48B3-BA3D-AD4031047D45}"/>
+              </a:ext>
+            </a:extLst>
+          </p:cNvPr>
+          <p:cNvSpPr/>
+          <p:nvPr/>
+        </p:nvSpPr>
+        <p:spPr>
+          <a:xfrm>
+            <a:off x="2681677" y="2731669"/>
+            <a:ext cx="0" cy="354253"/>
+          </a:xfrm>
+          <a:custGeom>
+            <a:avLst/>
+            <a:gdLst>
+              <a:gd name="connsiteX0" fmla="*/ 0 w 0"/>
+              <a:gd name="connsiteY0" fmla="*/ 0 h 596900"/>
+              <a:gd name="connsiteX1" fmla="*/ 0 w 0"/>
+              <a:gd name="connsiteY1" fmla="*/ 596900 h 596900"/>
+            </a:gdLst>
+            <a:ahLst/>
+            <a:cxnLst>
+              <a:cxn ang="0">
+                <a:pos x="connsiteX0" y="connsiteY0"/>
+              </a:cxn>
+              <a:cxn ang="0">
+                <a:pos x="connsiteX1" y="connsiteY1"/>
+              </a:cxn>
+            </a:cxnLst>
+            <a:rect l="l" t="t" r="r" b="b"/>
+            <a:pathLst>
+              <a:path h="596900">
+                <a:moveTo>
+                  <a:pt x="0" y="0"/>
+                </a:moveTo>
+                <a:lnTo>
+                  <a:pt x="0" y="596900"/>
+                </a:lnTo>
+              </a:path>
+            </a:pathLst>
+          </a:custGeom>
+          <a:ln w="38100">
+            <a:solidFill>
+              <a:schemeClr val="bg1"/>
+            </a:solidFill>
+            <a:headEnd type="none"/>
+            <a:tailEnd type="oval" w="lg" len="lg"/>
+          </a:ln>
+        </p:spPr>
+        <p:style>
+          <a:lnRef idx="1">
+            <a:schemeClr val="accent1"/>
+          </a:lnRef>
+          <a:fillRef idx="0">
+            <a:schemeClr val="accent1"/>
+          </a:fillRef>
+          <a:effectRef idx="0">
+            <a:schemeClr val="accent1"/>
+          </a:effectRef>
+          <a:fontRef idx="minor">
+            <a:schemeClr val="tx1"/>
+          </a:fontRef>
+        </p:style>
+        <p:txBody>
+          <a:bodyPr rtlCol="0" anchor="ctr"/>
+          <a:lstStyle/>
+          <a:p>
+            <a:pPr algn="ctr"/>
+            <a:endParaRPr lang="fr-FR" b="1">
+              <a:solidFill>
+                <a:srgbClr val="0033CC"/>
+              </a:solidFill>
+              <a:effectLst/>
+            </a:endParaRPr>
+          </a:p>
+        </p:txBody>
+      </p:sp>
+      <p:sp>
+        <p:nvSpPr>
+          <p:cNvPr id="76" name="ZoneTexte 75">
+            <a:extLst>
+              <a:ext uri="{FF2B5EF4-FFF2-40B4-BE49-F238E27FC236}">
+                <a16:creationId xmlns="" xmlns:a16="http://schemas.microsoft.com/office/drawing/2014/main" id="{137BD7D8-33BF-4248-81EA-837B11BC6756}"/>
+              </a:ext>
+            </a:extLst>
+          </p:cNvPr>
+          <p:cNvSpPr txBox="1"/>
+          <p:nvPr/>
+        </p:nvSpPr>
+        <p:spPr>
+          <a:xfrm>
+            <a:off x="1741309" y="1521588"/>
+            <a:ext cx="274114" cy="484582"/>
+          </a:xfrm>
+          <a:prstGeom prst="rect">
+            <a:avLst/>
+          </a:prstGeom>
+          <a:noFill/>
+        </p:spPr>
+        <p:txBody>
+          <a:bodyPr wrap="none" lIns="0" tIns="0" rIns="0" bIns="0" rtlCol="0">
+            <a:spAutoFit/>
+          </a:bodyPr>
+          <a:lstStyle/>
+          <a:p>
+            <a:r>
+              <a:rPr lang="fr-FR" sz="3200" b="1" i="1" dirty="0">
+                <a:solidFill>
+                  <a:srgbClr val="0000FF"/>
+                </a:solidFill>
+                <a:effectLst/>
+              </a:rPr>
+              <a:t>R</a:t>
+            </a:r>
+            <a:endParaRPr lang="fr-FR" sz="3200" b="1" i="1" baseline="-25000" dirty="0">
+              <a:solidFill>
+                <a:srgbClr val="0000FF"/>
+              </a:solidFill>
+              <a:effectLst/>
+            </a:endParaRPr>
+          </a:p>
+        </p:txBody>
+      </p:sp>
+      <p:sp>
+        <p:nvSpPr>
+          <p:cNvPr id="77" name="ZoneTexte 76">
+            <a:extLst>
+              <a:ext uri="{FF2B5EF4-FFF2-40B4-BE49-F238E27FC236}">
+                <a16:creationId xmlns="" xmlns:a16="http://schemas.microsoft.com/office/drawing/2014/main" id="{260B8EE6-4616-4E8E-AE37-019356FCDE05}"/>
+              </a:ext>
+            </a:extLst>
+          </p:cNvPr>
+          <p:cNvSpPr txBox="1"/>
+          <p:nvPr/>
+        </p:nvSpPr>
+        <p:spPr>
+          <a:xfrm>
+            <a:off x="1996255" y="2417125"/>
+            <a:ext cx="274114" cy="492443"/>
+          </a:xfrm>
+          <a:prstGeom prst="rect">
+            <a:avLst/>
+          </a:prstGeom>
+          <a:noFill/>
+        </p:spPr>
+        <p:txBody>
+          <a:bodyPr wrap="none" lIns="0" tIns="0" rIns="0" bIns="0" rtlCol="0">
+            <a:spAutoFit/>
+          </a:bodyPr>
+          <a:lstStyle/>
+          <a:p>
+            <a:r>
+              <a:rPr lang="fr-FR" sz="3200" b="1" i="1" dirty="0">
+                <a:solidFill>
+                  <a:srgbClr val="0000FF"/>
+                </a:solidFill>
+                <a:effectLst/>
+              </a:rPr>
+              <a:t>C</a:t>
+            </a:r>
+            <a:endParaRPr lang="fr-FR" sz="3200" b="1" i="1" baseline="-25000" dirty="0">
+              <a:solidFill>
+                <a:srgbClr val="0000FF"/>
+              </a:solidFill>
+              <a:effectLst/>
+            </a:endParaRPr>
+          </a:p>
+        </p:txBody>
+      </p:sp>
+      <p:sp>
+        <p:nvSpPr>
+          <p:cNvPr id="83" name="Forme libre 49">
+            <a:extLst>
+              <a:ext uri="{FF2B5EF4-FFF2-40B4-BE49-F238E27FC236}">
+                <a16:creationId xmlns="" xmlns:a16="http://schemas.microsoft.com/office/drawing/2014/main" id="{B649979B-25A2-47C5-BA0E-0FD666145F62}"/>
+              </a:ext>
+            </a:extLst>
+          </p:cNvPr>
+          <p:cNvSpPr/>
+          <p:nvPr/>
+        </p:nvSpPr>
+        <p:spPr>
+          <a:xfrm>
+            <a:off x="2357422" y="2143116"/>
+            <a:ext cx="324000" cy="360000"/>
+          </a:xfrm>
+          <a:custGeom>
+            <a:avLst/>
+            <a:gdLst>
+              <a:gd name="connsiteX0" fmla="*/ 704850 w 704850"/>
+              <a:gd name="connsiteY0" fmla="*/ 615950 h 615950"/>
+              <a:gd name="connsiteX1" fmla="*/ 704850 w 704850"/>
+              <a:gd name="connsiteY1" fmla="*/ 0 h 615950"/>
+              <a:gd name="connsiteX2" fmla="*/ 0 w 704850"/>
+              <a:gd name="connsiteY2" fmla="*/ 0 h 615950"/>
+            </a:gdLst>
+            <a:ahLst/>
+            <a:cxnLst>
+              <a:cxn ang="0">
+                <a:pos x="connsiteX0" y="connsiteY0"/>
+              </a:cxn>
+              <a:cxn ang="0">
+                <a:pos x="connsiteX1" y="connsiteY1"/>
+              </a:cxn>
+              <a:cxn ang="0">
+                <a:pos x="connsiteX2" y="connsiteY2"/>
+              </a:cxn>
+            </a:cxnLst>
+            <a:rect l="l" t="t" r="r" b="b"/>
+            <a:pathLst>
+              <a:path w="704850" h="615950">
+                <a:moveTo>
+                  <a:pt x="704850" y="615950"/>
+                </a:moveTo>
+                <a:lnTo>
+                  <a:pt x="704850" y="0"/>
+                </a:lnTo>
+                <a:lnTo>
+                  <a:pt x="0" y="0"/>
+                </a:lnTo>
+              </a:path>
+            </a:pathLst>
+          </a:custGeom>
+          <a:ln w="38100">
+            <a:solidFill>
+              <a:schemeClr val="bg1"/>
+            </a:solidFill>
+          </a:ln>
+        </p:spPr>
+        <p:style>
+          <a:lnRef idx="1">
+            <a:schemeClr val="accent1"/>
+          </a:lnRef>
+          <a:fillRef idx="0">
+            <a:schemeClr val="accent1"/>
+          </a:fillRef>
+          <a:effectRef idx="0">
+            <a:schemeClr val="accent1"/>
+          </a:effectRef>
+          <a:fontRef idx="minor">
+            <a:schemeClr val="tx1"/>
+          </a:fontRef>
+        </p:style>
+        <p:txBody>
+          <a:bodyPr rtlCol="0" anchor="ctr"/>
+          <a:lstStyle/>
+          <a:p>
+            <a:pPr algn="ctr"/>
+            <a:endParaRPr lang="fr-FR"/>
+          </a:p>
+        </p:txBody>
+      </p:sp>
+      <p:sp>
+        <p:nvSpPr>
+          <p:cNvPr id="73" name="Rectangle 72"/>
+          <p:cNvSpPr/>
+          <p:nvPr/>
+        </p:nvSpPr>
+        <p:spPr bwMode="auto">
+          <a:xfrm>
+            <a:off x="4572000" y="642918"/>
+            <a:ext cx="3286148" cy="2316486"/>
+          </a:xfrm>
+          <a:prstGeom prst="rect">
+            <a:avLst/>
+          </a:prstGeom>
+          <a:solidFill>
+            <a:schemeClr val="tx1"/>
+          </a:solidFill>
+          <a:ln w="28575">
+            <a:solidFill>
+              <a:srgbClr val="FFC000"/>
+            </a:solidFill>
+            <a:round/>
+            <a:headEnd/>
+            <a:tailEnd/>
+          </a:ln>
+        </p:spPr>
+        <p:txBody>
+          <a:bodyPr vert="horz" wrap="square" lIns="91440" tIns="45720" rIns="91440" bIns="45720" numCol="1" rtlCol="0" anchor="ctr" anchorCtr="0" compatLnSpc="1">
+            <a:prstTxWarp prst="textNoShape">
+              <a:avLst/>
+            </a:prstTxWarp>
+          </a:bodyPr>
+          <a:lstStyle/>
+          <a:p>
+            <a:pPr algn="ctr"/>
+            <a:endParaRPr lang="fr-FR" sz="1600"/>
+          </a:p>
+        </p:txBody>
+      </p:sp>
+      <p:grpSp>
+        <p:nvGrpSpPr>
+          <p:cNvPr id="74" name="Groupe 23"/>
+          <p:cNvGrpSpPr/>
+          <p:nvPr/>
+        </p:nvGrpSpPr>
+        <p:grpSpPr>
+          <a:xfrm>
+            <a:off x="6813758" y="1797414"/>
+            <a:ext cx="542926" cy="180945"/>
+            <a:chOff x="5727700" y="3740149"/>
+            <a:chExt cx="633414" cy="177801"/>
+          </a:xfrm>
+        </p:grpSpPr>
+        <p:cxnSp>
+          <p:nvCxnSpPr>
+            <p:cNvPr id="96" name="Connecteur droit 95"/>
+            <p:cNvCxnSpPr/>
+            <p:nvPr/>
+          </p:nvCxnSpPr>
+          <p:spPr>
+            <a:xfrm rot="10800000">
+              <a:off x="5727700" y="3740149"/>
+              <a:ext cx="633413" cy="2884"/>
+            </a:xfrm>
+            <a:prstGeom prst="line">
+              <a:avLst/>
+            </a:prstGeom>
+            <a:ln w="57150">
+              <a:solidFill>
+                <a:schemeClr val="bg1"/>
+              </a:solidFill>
+            </a:ln>
+          </p:spPr>
+          <p:style>
+            <a:lnRef idx="1">
+              <a:schemeClr val="accent1"/>
+            </a:lnRef>
+            <a:fillRef idx="0">
+              <a:schemeClr val="accent1"/>
+            </a:fillRef>
+            <a:effectRef idx="0">
+              <a:schemeClr val="accent1"/>
+            </a:effectRef>
+            <a:fontRef idx="minor">
+              <a:schemeClr val="tx1"/>
+            </a:fontRef>
+          </p:style>
+        </p:cxnSp>
+        <p:cxnSp>
+          <p:nvCxnSpPr>
+            <p:cNvPr id="97" name="Connecteur droit 96"/>
+            <p:cNvCxnSpPr/>
+            <p:nvPr/>
+          </p:nvCxnSpPr>
+          <p:spPr>
+            <a:xfrm rot="10800000">
+              <a:off x="5727701" y="3915066"/>
+              <a:ext cx="633413" cy="2884"/>
+            </a:xfrm>
+            <a:prstGeom prst="line">
+              <a:avLst/>
+            </a:prstGeom>
+            <a:ln w="57150">
+              <a:solidFill>
+                <a:schemeClr val="bg1"/>
+              </a:solidFill>
+            </a:ln>
+          </p:spPr>
+          <p:style>
+            <a:lnRef idx="1">
+              <a:schemeClr val="accent1"/>
+            </a:lnRef>
+            <a:fillRef idx="0">
+              <a:schemeClr val="accent1"/>
+            </a:fillRef>
+            <a:effectRef idx="0">
+              <a:schemeClr val="accent1"/>
+            </a:effectRef>
+            <a:fontRef idx="minor">
+              <a:schemeClr val="tx1"/>
+            </a:fontRef>
+          </p:style>
+        </p:cxnSp>
+      </p:grpSp>
+      <p:sp>
+        <p:nvSpPr>
+          <p:cNvPr id="75" name="Rectangle 74"/>
+          <p:cNvSpPr/>
+          <p:nvPr/>
+        </p:nvSpPr>
+        <p:spPr>
+          <a:xfrm>
+            <a:off x="5637414" y="1074162"/>
+            <a:ext cx="723904" cy="180976"/>
+          </a:xfrm>
+          <a:prstGeom prst="rect">
+            <a:avLst/>
+          </a:prstGeom>
+          <a:solidFill>
+            <a:schemeClr val="accent2"/>
+          </a:solidFill>
+          <a:ln w="57150">
+            <a:solidFill>
+              <a:schemeClr val="bg1"/>
+            </a:solidFill>
+          </a:ln>
+        </p:spPr>
+        <p:style>
+          <a:lnRef idx="1">
+            <a:schemeClr val="accent1"/>
+          </a:lnRef>
+          <a:fillRef idx="0">
+            <a:schemeClr val="accent1"/>
+          </a:fillRef>
+          <a:effectRef idx="0">
+            <a:schemeClr val="accent1"/>
+          </a:effectRef>
+          <a:fontRef idx="minor">
+            <a:schemeClr val="tx1"/>
+          </a:fontRef>
+        </p:style>
+        <p:txBody>
+          <a:bodyPr rtlCol="0" anchor="ctr"/>
+          <a:lstStyle/>
+          <a:p>
+            <a:pPr algn="ctr"/>
+            <a:endParaRPr lang="fr-FR" sz="2400" i="1">
+              <a:solidFill>
+                <a:srgbClr val="0033CC"/>
+              </a:solidFill>
+              <a:effectLst/>
+            </a:endParaRPr>
+          </a:p>
+        </p:txBody>
+      </p:sp>
+      <p:sp>
+        <p:nvSpPr>
+          <p:cNvPr id="84" name="Forme libre 83"/>
+          <p:cNvSpPr/>
+          <p:nvPr/>
+        </p:nvSpPr>
+        <p:spPr>
+          <a:xfrm>
+            <a:off x="4913530" y="1164646"/>
+            <a:ext cx="711200" cy="0"/>
+          </a:xfrm>
+          <a:custGeom>
+            <a:avLst/>
+            <a:gdLst>
+              <a:gd name="connsiteX0" fmla="*/ 711200 w 711200"/>
+              <a:gd name="connsiteY0" fmla="*/ 0 h 0"/>
+              <a:gd name="connsiteX1" fmla="*/ 0 w 711200"/>
+              <a:gd name="connsiteY1" fmla="*/ 0 h 0"/>
+            </a:gdLst>
+            <a:ahLst/>
+            <a:cxnLst>
+              <a:cxn ang="0">
+                <a:pos x="connsiteX0" y="connsiteY0"/>
+              </a:cxn>
+              <a:cxn ang="0">
+                <a:pos x="connsiteX1" y="connsiteY1"/>
+              </a:cxn>
+            </a:cxnLst>
+            <a:rect l="l" t="t" r="r" b="b"/>
+            <a:pathLst>
+              <a:path w="711200">
+                <a:moveTo>
+                  <a:pt x="711200" y="0"/>
+                </a:moveTo>
+                <a:lnTo>
+                  <a:pt x="0" y="0"/>
+                </a:lnTo>
+              </a:path>
+            </a:pathLst>
+          </a:custGeom>
+          <a:ln w="28575">
+            <a:solidFill>
+              <a:schemeClr val="bg1"/>
+            </a:solidFill>
+            <a:headEnd type="none"/>
+            <a:tailEnd type="oval" w="lg" len="lg"/>
+          </a:ln>
+        </p:spPr>
+        <p:style>
+          <a:lnRef idx="1">
+            <a:schemeClr val="accent1"/>
+          </a:lnRef>
+          <a:fillRef idx="0">
+            <a:schemeClr val="accent1"/>
+          </a:fillRef>
+          <a:effectRef idx="0">
+            <a:schemeClr val="accent1"/>
+          </a:effectRef>
+          <a:fontRef idx="minor">
+            <a:schemeClr val="tx1"/>
+          </a:fontRef>
+        </p:style>
+        <p:txBody>
+          <a:bodyPr rtlCol="0" anchor="ctr"/>
+          <a:lstStyle/>
+          <a:p>
+            <a:pPr algn="ctr"/>
+            <a:endParaRPr lang="fr-FR" sz="2400" i="1">
+              <a:solidFill>
+                <a:srgbClr val="0033CC"/>
+              </a:solidFill>
+              <a:effectLst/>
+            </a:endParaRPr>
+          </a:p>
+        </p:txBody>
+      </p:sp>
+      <p:sp>
+        <p:nvSpPr>
+          <p:cNvPr id="85" name="Forme libre 84"/>
+          <p:cNvSpPr/>
+          <p:nvPr/>
+        </p:nvSpPr>
+        <p:spPr>
+          <a:xfrm>
+            <a:off x="7085230" y="2002846"/>
+            <a:ext cx="0" cy="596900"/>
+          </a:xfrm>
+          <a:custGeom>
+            <a:avLst/>
+            <a:gdLst>
+              <a:gd name="connsiteX0" fmla="*/ 0 w 0"/>
+              <a:gd name="connsiteY0" fmla="*/ 0 h 596900"/>
+              <a:gd name="connsiteX1" fmla="*/ 0 w 0"/>
+              <a:gd name="connsiteY1" fmla="*/ 596900 h 596900"/>
+            </a:gdLst>
+            <a:ahLst/>
+            <a:cxnLst>
+              <a:cxn ang="0">
+                <a:pos x="connsiteX0" y="connsiteY0"/>
+              </a:cxn>
+              <a:cxn ang="0">
+                <a:pos x="connsiteX1" y="connsiteY1"/>
+              </a:cxn>
+            </a:cxnLst>
+            <a:rect l="l" t="t" r="r" b="b"/>
+            <a:pathLst>
+              <a:path h="596900">
+                <a:moveTo>
+                  <a:pt x="0" y="0"/>
+                </a:moveTo>
+                <a:lnTo>
+                  <a:pt x="0" y="596900"/>
+                </a:lnTo>
+              </a:path>
+            </a:pathLst>
+          </a:custGeom>
+          <a:ln w="28575">
+            <a:solidFill>
+              <a:schemeClr val="bg1"/>
+            </a:solidFill>
+          </a:ln>
+        </p:spPr>
+        <p:style>
+          <a:lnRef idx="1">
+            <a:schemeClr val="accent1"/>
+          </a:lnRef>
+          <a:fillRef idx="0">
+            <a:schemeClr val="accent1"/>
+          </a:fillRef>
+          <a:effectRef idx="0">
+            <a:schemeClr val="accent1"/>
+          </a:effectRef>
+          <a:fontRef idx="minor">
+            <a:schemeClr val="tx1"/>
+          </a:fontRef>
+        </p:style>
+        <p:txBody>
+          <a:bodyPr rtlCol="0" anchor="ctr"/>
+          <a:lstStyle/>
+          <a:p>
+            <a:pPr algn="ctr"/>
+            <a:endParaRPr lang="fr-FR" sz="2400" i="1">
+              <a:solidFill>
+                <a:srgbClr val="0033CC"/>
+              </a:solidFill>
+              <a:effectLst/>
+            </a:endParaRPr>
+          </a:p>
+        </p:txBody>
+      </p:sp>
+      <p:grpSp>
+        <p:nvGrpSpPr>
+          <p:cNvPr id="86" name="Groupe 34"/>
+          <p:cNvGrpSpPr/>
+          <p:nvPr/>
+        </p:nvGrpSpPr>
+        <p:grpSpPr>
+          <a:xfrm>
+            <a:off x="6813758" y="2612458"/>
+            <a:ext cx="546100" cy="180976"/>
+            <a:chOff x="2852728" y="5600712"/>
+            <a:chExt cx="546100" cy="180976"/>
+          </a:xfrm>
+        </p:grpSpPr>
+        <p:sp>
+          <p:nvSpPr>
+            <p:cNvPr id="93" name="Forme libre 92"/>
+            <p:cNvSpPr/>
+            <p:nvPr/>
+          </p:nvSpPr>
+          <p:spPr>
+            <a:xfrm>
+              <a:off x="2852728" y="5600712"/>
+              <a:ext cx="546100" cy="0"/>
+            </a:xfrm>
+            <a:custGeom>
+              <a:avLst/>
+              <a:gdLst>
+                <a:gd name="connsiteX0" fmla="*/ 0 w 546100"/>
+                <a:gd name="connsiteY0" fmla="*/ 0 h 0"/>
+                <a:gd name="connsiteX1" fmla="*/ 546100 w 546100"/>
+                <a:gd name="connsiteY1" fmla="*/ 0 h 0"/>
+              </a:gdLst>
+              <a:ahLst/>
+              <a:cxnLst>
+                <a:cxn ang="0">
+                  <a:pos x="connsiteX0" y="connsiteY0"/>
+                </a:cxn>
+                <a:cxn ang="0">
+                  <a:pos x="connsiteX1" y="connsiteY1"/>
+                </a:cxn>
+              </a:cxnLst>
+              <a:rect l="l" t="t" r="r" b="b"/>
+              <a:pathLst>
+                <a:path w="546100">
+                  <a:moveTo>
+                    <a:pt x="0" y="0"/>
+                  </a:moveTo>
+                  <a:lnTo>
+                    <a:pt x="546100" y="0"/>
+                  </a:lnTo>
+                </a:path>
+              </a:pathLst>
+            </a:custGeom>
+            <a:ln w="28575">
+              <a:solidFill>
+                <a:schemeClr val="bg1"/>
+              </a:solidFill>
+            </a:ln>
+          </p:spPr>
+          <p:style>
+            <a:lnRef idx="1">
+              <a:schemeClr val="accent1"/>
+            </a:lnRef>
+            <a:fillRef idx="0">
+              <a:schemeClr val="accent1"/>
+            </a:fillRef>
+            <a:effectRef idx="0">
+              <a:schemeClr val="accent1"/>
+            </a:effectRef>
+            <a:fontRef idx="minor">
+              <a:schemeClr val="tx1"/>
+            </a:fontRef>
+          </p:style>
+          <p:txBody>
+            <a:bodyPr rtlCol="0" anchor="ctr"/>
+            <a:lstStyle/>
+            <a:p>
+              <a:pPr algn="ctr"/>
+              <a:endParaRPr lang="fr-FR" sz="2400" i="1">
+                <a:solidFill>
+                  <a:srgbClr val="0033CC"/>
+                </a:solidFill>
+                <a:effectLst/>
+              </a:endParaRPr>
+            </a:p>
+          </p:txBody>
+        </p:sp>
+        <p:sp>
+          <p:nvSpPr>
+            <p:cNvPr id="94" name="Forme libre 93"/>
+            <p:cNvSpPr/>
+            <p:nvPr/>
+          </p:nvSpPr>
+          <p:spPr>
+            <a:xfrm flipV="1">
+              <a:off x="2919405" y="5648656"/>
+              <a:ext cx="412746" cy="45719"/>
+            </a:xfrm>
+            <a:custGeom>
+              <a:avLst/>
+              <a:gdLst>
+                <a:gd name="connsiteX0" fmla="*/ 0 w 546100"/>
+                <a:gd name="connsiteY0" fmla="*/ 0 h 0"/>
+                <a:gd name="connsiteX1" fmla="*/ 546100 w 546100"/>
+                <a:gd name="connsiteY1" fmla="*/ 0 h 0"/>
+              </a:gdLst>
+              <a:ahLst/>
+              <a:cxnLst>
+                <a:cxn ang="0">
+                  <a:pos x="connsiteX0" y="connsiteY0"/>
+                </a:cxn>
+                <a:cxn ang="0">
+                  <a:pos x="connsiteX1" y="connsiteY1"/>
+                </a:cxn>
+              </a:cxnLst>
+              <a:rect l="l" t="t" r="r" b="b"/>
+              <a:pathLst>
+                <a:path w="546100">
+                  <a:moveTo>
+                    <a:pt x="0" y="0"/>
+                  </a:moveTo>
+                  <a:lnTo>
+                    <a:pt x="546100" y="0"/>
+                  </a:lnTo>
+                </a:path>
+              </a:pathLst>
+            </a:custGeom>
+            <a:ln w="28575">
+              <a:solidFill>
+                <a:schemeClr val="bg1"/>
+              </a:solidFill>
+            </a:ln>
+          </p:spPr>
+          <p:style>
+            <a:lnRef idx="1">
+              <a:schemeClr val="accent1"/>
+            </a:lnRef>
+            <a:fillRef idx="0">
+              <a:schemeClr val="accent1"/>
+            </a:fillRef>
+            <a:effectRef idx="0">
+              <a:schemeClr val="accent1"/>
+            </a:effectRef>
+            <a:fontRef idx="minor">
+              <a:schemeClr val="tx1"/>
+            </a:fontRef>
+          </p:style>
+          <p:txBody>
+            <a:bodyPr rtlCol="0" anchor="ctr"/>
+            <a:lstStyle/>
+            <a:p>
+              <a:pPr algn="ctr"/>
+              <a:endParaRPr lang="fr-FR" sz="2400" i="1">
+                <a:solidFill>
+                  <a:srgbClr val="0033CC"/>
+                </a:solidFill>
+                <a:effectLst/>
+              </a:endParaRPr>
+            </a:p>
+          </p:txBody>
+        </p:sp>
+        <p:sp>
+          <p:nvSpPr>
+            <p:cNvPr id="95" name="Forme libre 94"/>
+            <p:cNvSpPr/>
+            <p:nvPr/>
+          </p:nvSpPr>
+          <p:spPr>
+            <a:xfrm flipV="1">
+              <a:off x="3009097" y="5724541"/>
+              <a:ext cx="233363" cy="57147"/>
+            </a:xfrm>
+            <a:custGeom>
+              <a:avLst/>
+              <a:gdLst>
+                <a:gd name="connsiteX0" fmla="*/ 0 w 546100"/>
+                <a:gd name="connsiteY0" fmla="*/ 0 h 0"/>
+                <a:gd name="connsiteX1" fmla="*/ 546100 w 546100"/>
+                <a:gd name="connsiteY1" fmla="*/ 0 h 0"/>
+              </a:gdLst>
+              <a:ahLst/>
+              <a:cxnLst>
+                <a:cxn ang="0">
+                  <a:pos x="connsiteX0" y="connsiteY0"/>
+                </a:cxn>
+                <a:cxn ang="0">
+                  <a:pos x="connsiteX1" y="connsiteY1"/>
+                </a:cxn>
+              </a:cxnLst>
+              <a:rect l="l" t="t" r="r" b="b"/>
+              <a:pathLst>
+                <a:path w="546100">
+                  <a:moveTo>
+                    <a:pt x="0" y="0"/>
+                  </a:moveTo>
+                  <a:lnTo>
+                    <a:pt x="546100" y="0"/>
+                  </a:lnTo>
+                </a:path>
+              </a:pathLst>
+            </a:custGeom>
+            <a:ln w="28575">
+              <a:solidFill>
+                <a:schemeClr val="bg1"/>
+              </a:solidFill>
+            </a:ln>
+          </p:spPr>
+          <p:style>
+            <a:lnRef idx="1">
+              <a:schemeClr val="accent1"/>
+            </a:lnRef>
+            <a:fillRef idx="0">
+              <a:schemeClr val="accent1"/>
+            </a:fillRef>
+            <a:effectRef idx="0">
+              <a:schemeClr val="accent1"/>
+            </a:effectRef>
+            <a:fontRef idx="minor">
+              <a:schemeClr val="tx1"/>
+            </a:fontRef>
+          </p:style>
+          <p:txBody>
+            <a:bodyPr rtlCol="0" anchor="ctr"/>
+            <a:lstStyle/>
+            <a:p>
+              <a:pPr algn="ctr"/>
+              <a:endParaRPr lang="fr-FR" sz="2400" i="1">
+                <a:solidFill>
+                  <a:srgbClr val="0033CC"/>
+                </a:solidFill>
+                <a:effectLst/>
+              </a:endParaRPr>
+            </a:p>
+          </p:txBody>
+        </p:sp>
+      </p:grpSp>
+      <p:cxnSp>
+        <p:nvCxnSpPr>
+          <p:cNvPr id="87" name="Connecteur droit avec flèche 86"/>
+          <p:cNvCxnSpPr/>
+          <p:nvPr/>
+        </p:nvCxnSpPr>
+        <p:spPr>
+          <a:xfrm flipV="1">
+            <a:off x="7085230" y="983674"/>
+            <a:ext cx="361944" cy="168272"/>
+          </a:xfrm>
+          <a:prstGeom prst="straightConnector1">
+            <a:avLst/>
+          </a:prstGeom>
+          <a:ln w="28575">
+            <a:solidFill>
+              <a:srgbClr val="FF0000"/>
+            </a:solidFill>
+            <a:headEnd type="oval"/>
+            <a:tailEnd type="triangle" w="lg" len="lg"/>
+          </a:ln>
+        </p:spPr>
+        <p:style>
+          <a:lnRef idx="1">
+            <a:schemeClr val="accent1"/>
+          </a:lnRef>
+          <a:fillRef idx="0">
+            <a:schemeClr val="accent1"/>
+          </a:fillRef>
+          <a:effectRef idx="0">
+            <a:schemeClr val="accent1"/>
+          </a:effectRef>
+          <a:fontRef idx="minor">
+            <a:schemeClr val="tx1"/>
+          </a:fontRef>
+        </p:style>
+      </p:cxnSp>
+      <p:sp>
+        <p:nvSpPr>
+          <p:cNvPr id="88" name="ZoneTexte 87"/>
+          <p:cNvSpPr txBox="1"/>
+          <p:nvPr/>
+        </p:nvSpPr>
+        <p:spPr>
+          <a:xfrm>
+            <a:off x="7528962" y="732290"/>
+            <a:ext cx="241669" cy="369332"/>
+          </a:xfrm>
+          <a:prstGeom prst="rect">
+            <a:avLst/>
+          </a:prstGeom>
+          <a:noFill/>
+        </p:spPr>
+        <p:txBody>
+          <a:bodyPr wrap="none" lIns="0" tIns="0" rIns="0" bIns="0" rtlCol="0">
+            <a:spAutoFit/>
+          </a:bodyPr>
+          <a:lstStyle/>
+          <a:p>
+            <a:r>
+              <a:rPr lang="fr-FR" sz="2400" i="1" dirty="0">
+                <a:solidFill>
+                  <a:srgbClr val="FF0000"/>
+                </a:solidFill>
+                <a:effectLst/>
+                <a:latin typeface="+mn-lt"/>
+              </a:rPr>
+              <a:t>V</a:t>
+            </a:r>
+            <a:r>
+              <a:rPr lang="fr-FR" sz="2400" i="1" baseline="-25000" dirty="0">
+                <a:solidFill>
+                  <a:srgbClr val="FF0000"/>
+                </a:solidFill>
+                <a:effectLst/>
+                <a:latin typeface="+mn-lt"/>
+              </a:rPr>
+              <a:t>s</a:t>
+            </a:r>
+          </a:p>
+        </p:txBody>
+      </p:sp>
+      <p:sp>
+        <p:nvSpPr>
+          <p:cNvPr id="89" name="ZoneTexte 88"/>
+          <p:cNvSpPr txBox="1"/>
+          <p:nvPr/>
+        </p:nvSpPr>
+        <p:spPr>
+          <a:xfrm>
+            <a:off x="4801070" y="650502"/>
+            <a:ext cx="362984" cy="369332"/>
+          </a:xfrm>
+          <a:prstGeom prst="rect">
+            <a:avLst/>
+          </a:prstGeom>
+          <a:noFill/>
+        </p:spPr>
+        <p:txBody>
+          <a:bodyPr wrap="none" lIns="0" tIns="0" rIns="0" bIns="0" rtlCol="0">
+            <a:spAutoFit/>
+          </a:bodyPr>
+          <a:lstStyle/>
+          <a:p>
+            <a:r>
+              <a:rPr lang="fr-FR" sz="2400" i="1" noProof="1" smtClean="0">
+                <a:solidFill>
+                  <a:srgbClr val="0033CC"/>
+                </a:solidFill>
+                <a:effectLst/>
+                <a:latin typeface="+mn-lt"/>
+              </a:rPr>
+              <a:t>V</a:t>
+            </a:r>
+            <a:r>
+              <a:rPr lang="fr-FR" sz="2400" i="1" baseline="-25000" noProof="1" smtClean="0">
+                <a:solidFill>
+                  <a:srgbClr val="0033CC"/>
+                </a:solidFill>
+                <a:effectLst/>
+                <a:latin typeface="+mn-lt"/>
+              </a:rPr>
+              <a:t>eq</a:t>
+            </a:r>
+            <a:endParaRPr lang="fr-FR" sz="2400" i="1" baseline="-25000" noProof="1">
+              <a:solidFill>
+                <a:srgbClr val="0033CC"/>
+              </a:solidFill>
+              <a:effectLst/>
+              <a:latin typeface="+mn-lt"/>
+            </a:endParaRPr>
+          </a:p>
+        </p:txBody>
+      </p:sp>
+      <p:sp>
+        <p:nvSpPr>
+          <p:cNvPr id="90" name="ZoneTexte 89"/>
+          <p:cNvSpPr txBox="1"/>
+          <p:nvPr/>
+        </p:nvSpPr>
+        <p:spPr>
+          <a:xfrm>
+            <a:off x="5679446" y="680602"/>
+            <a:ext cx="696024" cy="307777"/>
+          </a:xfrm>
+          <a:prstGeom prst="rect">
+            <a:avLst/>
+          </a:prstGeom>
+          <a:noFill/>
+        </p:spPr>
+        <p:txBody>
+          <a:bodyPr wrap="none" lIns="0" tIns="0" rIns="0" bIns="0" rtlCol="0">
+            <a:spAutoFit/>
+          </a:bodyPr>
+          <a:lstStyle/>
+          <a:p>
+            <a:r>
+              <a:rPr lang="fr-FR" sz="2000" i="1" dirty="0" smtClean="0">
+                <a:solidFill>
+                  <a:schemeClr val="bg1"/>
+                </a:solidFill>
+                <a:effectLst/>
+                <a:latin typeface="+mn-lt"/>
+              </a:rPr>
+              <a:t>R</a:t>
+            </a:r>
+            <a:r>
+              <a:rPr lang="fr-FR" sz="2000" i="1" baseline="-25000" dirty="0" smtClean="0">
+                <a:solidFill>
+                  <a:schemeClr val="bg1"/>
+                </a:solidFill>
+                <a:effectLst/>
+                <a:latin typeface="+mn-lt"/>
+              </a:rPr>
+              <a:t>eq</a:t>
+            </a:r>
+            <a:r>
+              <a:rPr lang="fr-FR" sz="2000" i="1" dirty="0" smtClean="0">
+                <a:solidFill>
+                  <a:schemeClr val="bg1"/>
+                </a:solidFill>
+                <a:effectLst/>
+                <a:latin typeface="+mn-lt"/>
+              </a:rPr>
+              <a:t>=6K</a:t>
+            </a:r>
+            <a:endParaRPr lang="fr-FR" sz="2000" i="1" baseline="-25000" dirty="0">
+              <a:solidFill>
+                <a:schemeClr val="bg1"/>
+              </a:solidFill>
+              <a:effectLst/>
+              <a:latin typeface="+mn-lt"/>
+            </a:endParaRPr>
+          </a:p>
+        </p:txBody>
+      </p:sp>
+      <p:sp>
+        <p:nvSpPr>
+          <p:cNvPr id="91" name="ZoneTexte 90"/>
+          <p:cNvSpPr txBox="1"/>
+          <p:nvPr/>
+        </p:nvSpPr>
+        <p:spPr>
+          <a:xfrm>
+            <a:off x="6000760" y="1714488"/>
+            <a:ext cx="772647" cy="307777"/>
+          </a:xfrm>
+          <a:prstGeom prst="rect">
+            <a:avLst/>
+          </a:prstGeom>
+          <a:noFill/>
+        </p:spPr>
+        <p:txBody>
+          <a:bodyPr wrap="none" lIns="0" tIns="0" rIns="0" bIns="0" rtlCol="0">
+            <a:spAutoFit/>
+          </a:bodyPr>
+          <a:lstStyle/>
+          <a:p>
+            <a:r>
+              <a:rPr lang="fr-FR" sz="2000" i="1" dirty="0" smtClean="0">
+                <a:solidFill>
+                  <a:schemeClr val="bg1"/>
+                </a:solidFill>
+                <a:effectLst/>
+                <a:latin typeface="+mn-lt"/>
+              </a:rPr>
+              <a:t>C=10nF</a:t>
+            </a:r>
+            <a:endParaRPr lang="fr-FR" sz="2000" i="1" baseline="-25000" dirty="0">
+              <a:solidFill>
+                <a:schemeClr val="bg1"/>
+              </a:solidFill>
+              <a:effectLst/>
+              <a:latin typeface="+mn-lt"/>
+            </a:endParaRPr>
+          </a:p>
+        </p:txBody>
+      </p:sp>
+      <p:sp>
+        <p:nvSpPr>
+          <p:cNvPr id="92" name="Forme libre 91"/>
+          <p:cNvSpPr/>
+          <p:nvPr/>
+        </p:nvSpPr>
+        <p:spPr>
+          <a:xfrm>
+            <a:off x="6362282" y="1155134"/>
+            <a:ext cx="723900" cy="609600"/>
+          </a:xfrm>
+          <a:custGeom>
+            <a:avLst/>
+            <a:gdLst>
+              <a:gd name="connsiteX0" fmla="*/ 0 w 723900"/>
+              <a:gd name="connsiteY0" fmla="*/ 0 h 609600"/>
+              <a:gd name="connsiteX1" fmla="*/ 723900 w 723900"/>
+              <a:gd name="connsiteY1" fmla="*/ 0 h 609600"/>
+              <a:gd name="connsiteX2" fmla="*/ 723900 w 723900"/>
+              <a:gd name="connsiteY2" fmla="*/ 609600 h 609600"/>
+            </a:gdLst>
+            <a:ahLst/>
+            <a:cxnLst>
+              <a:cxn ang="0">
+                <a:pos x="connsiteX0" y="connsiteY0"/>
+              </a:cxn>
+              <a:cxn ang="0">
+                <a:pos x="connsiteX1" y="connsiteY1"/>
+              </a:cxn>
+              <a:cxn ang="0">
+                <a:pos x="connsiteX2" y="connsiteY2"/>
+              </a:cxn>
+            </a:cxnLst>
+            <a:rect l="l" t="t" r="r" b="b"/>
+            <a:pathLst>
+              <a:path w="723900" h="609600">
+                <a:moveTo>
+                  <a:pt x="0" y="0"/>
+                </a:moveTo>
+                <a:lnTo>
+                  <a:pt x="723900" y="0"/>
+                </a:lnTo>
+                <a:lnTo>
+                  <a:pt x="723900" y="609600"/>
+                </a:lnTo>
+              </a:path>
+            </a:pathLst>
+          </a:custGeom>
+          <a:ln w="28575">
+            <a:solidFill>
+              <a:schemeClr val="bg1"/>
+            </a:solidFill>
+          </a:ln>
+        </p:spPr>
+        <p:style>
+          <a:lnRef idx="1">
+            <a:schemeClr val="accent1"/>
+          </a:lnRef>
+          <a:fillRef idx="0">
+            <a:schemeClr val="accent1"/>
+          </a:fillRef>
+          <a:effectRef idx="0">
+            <a:schemeClr val="accent1"/>
+          </a:effectRef>
+          <a:fontRef idx="minor">
+            <a:schemeClr val="tx1"/>
+          </a:fontRef>
+        </p:style>
+        <p:txBody>
+          <a:bodyPr rtlCol="0" anchor="ctr"/>
+          <a:lstStyle/>
+          <a:p>
+            <a:pPr algn="ctr"/>
+            <a:endParaRPr lang="fr-FR" sz="2400" i="1">
+              <a:solidFill>
+                <a:srgbClr val="0033CC"/>
+              </a:solidFill>
+              <a:effectLst/>
+            </a:endParaRPr>
+          </a:p>
+        </p:txBody>
+      </p:sp>
+      <p:sp>
+        <p:nvSpPr>
+          <p:cNvPr id="99" name="Line 18"/>
+          <p:cNvSpPr>
+            <a:spLocks noChangeShapeType="1"/>
+          </p:cNvSpPr>
+          <p:nvPr/>
+        </p:nvSpPr>
+        <p:spPr bwMode="auto">
+          <a:xfrm flipV="1">
+            <a:off x="4783739" y="4010290"/>
+            <a:ext cx="1091" cy="1281107"/>
+          </a:xfrm>
+          <a:prstGeom prst="line">
+            <a:avLst/>
+          </a:prstGeom>
+          <a:noFill/>
+          <a:ln w="19050">
+            <a:solidFill>
+              <a:schemeClr val="bg1"/>
+            </a:solidFill>
+            <a:round/>
+            <a:headEnd type="none" w="med" len="med"/>
+            <a:tailEnd type="triangle" w="med" len="med"/>
+          </a:ln>
+        </p:spPr>
+        <p:txBody>
+          <a:bodyPr vert="horz" wrap="square" lIns="91440" tIns="45720" rIns="91440" bIns="45720" numCol="1" anchor="t" anchorCtr="0" compatLnSpc="1">
+            <a:prstTxWarp prst="textNoShape">
+              <a:avLst/>
+            </a:prstTxWarp>
+          </a:bodyPr>
+          <a:lstStyle/>
+          <a:p>
+            <a:endParaRPr lang="fr-FR" sz="1600" i="1">
+              <a:solidFill>
+                <a:srgbClr val="0033CC"/>
+              </a:solidFill>
+              <a:latin typeface="+mn-lt"/>
+            </a:endParaRPr>
+          </a:p>
+        </p:txBody>
+      </p:sp>
+      <p:sp>
+        <p:nvSpPr>
+          <p:cNvPr id="100" name="Rectangle 16"/>
+          <p:cNvSpPr>
+            <a:spLocks noChangeArrowheads="1"/>
+          </p:cNvSpPr>
+          <p:nvPr/>
+        </p:nvSpPr>
+        <p:spPr bwMode="auto">
+          <a:xfrm>
+            <a:off x="5786446" y="4429132"/>
+            <a:ext cx="243080" cy="246221"/>
+          </a:xfrm>
+          <a:prstGeom prst="rect">
+            <a:avLst/>
+          </a:prstGeom>
+          <a:noFill/>
+          <a:ln w="9525">
+            <a:noFill/>
+            <a:miter lim="800000"/>
+            <a:headEnd/>
+            <a:tailEnd/>
+          </a:ln>
+        </p:spPr>
+        <p:txBody>
+          <a:bodyPr vert="horz" wrap="none" lIns="0" tIns="0" rIns="0" bIns="0" numCol="1" anchor="t" anchorCtr="0" compatLnSpc="1">
+            <a:prstTxWarp prst="textNoShape">
+              <a:avLst/>
+            </a:prstTxWarp>
+            <a:spAutoFit/>
+          </a:bodyPr>
+          <a:lstStyle/>
+          <a:p>
+            <a:pPr marL="0" marR="0" lvl="0" indent="0" algn="just" defTabSz="914400" rtl="0" eaLnBrk="1" fontAlgn="base" latinLnBrk="0" hangingPunct="1">
+              <a:lnSpc>
+                <a:spcPct val="100000"/>
+              </a:lnSpc>
+              <a:spcBef>
+                <a:spcPct val="0"/>
+              </a:spcBef>
+              <a:spcAft>
+                <a:spcPct val="0"/>
+              </a:spcAft>
+              <a:buClrTx/>
+              <a:buSzTx/>
+              <a:buFontTx/>
+              <a:buNone/>
+              <a:tabLst/>
+            </a:pPr>
+            <a:r>
+              <a:rPr kumimoji="0" lang="en-US" sz="1600" b="0" i="1" u="none" strike="noStrike" cap="none" normalizeH="0" baseline="0" dirty="0" smtClean="0">
+                <a:ln>
+                  <a:noFill/>
+                </a:ln>
+                <a:solidFill>
+                  <a:srgbClr val="0033CC"/>
+                </a:solidFill>
+                <a:effectLst/>
+                <a:latin typeface="+mn-lt"/>
+                <a:ea typeface="Times New Roman" pitchFamily="18" charset="0"/>
+                <a:cs typeface="Times New Roman" pitchFamily="18" charset="0"/>
+              </a:rPr>
+              <a:t>V</a:t>
+            </a:r>
+            <a:r>
+              <a:rPr kumimoji="0" lang="en-US" sz="1600" b="0" i="1" u="none" strike="noStrike" cap="none" normalizeH="0" baseline="-25000" dirty="0" smtClean="0">
+                <a:ln>
+                  <a:noFill/>
+                </a:ln>
+                <a:solidFill>
+                  <a:srgbClr val="0033CC"/>
+                </a:solidFill>
+                <a:effectLst/>
+                <a:latin typeface="+mn-lt"/>
+                <a:ea typeface="Times New Roman" pitchFamily="18" charset="0"/>
+                <a:cs typeface="Times New Roman" pitchFamily="18" charset="0"/>
+              </a:rPr>
+              <a:t>eq</a:t>
+            </a:r>
+            <a:endParaRPr kumimoji="0" lang="en-US" sz="1600" b="0" i="1" u="none" strike="noStrike" cap="none" normalizeH="0" baseline="-25000" dirty="0">
+              <a:ln>
+                <a:noFill/>
+              </a:ln>
+              <a:solidFill>
+                <a:srgbClr val="0033CC"/>
+              </a:solidFill>
+              <a:effectLst/>
+              <a:latin typeface="+mn-lt"/>
+              <a:cs typeface="Arial" pitchFamily="34" charset="0"/>
+            </a:endParaRPr>
+          </a:p>
+        </p:txBody>
+      </p:sp>
+      <p:sp>
+        <p:nvSpPr>
+          <p:cNvPr id="101" name="Rectangle 15"/>
+          <p:cNvSpPr>
+            <a:spLocks noChangeArrowheads="1"/>
+          </p:cNvSpPr>
+          <p:nvPr/>
+        </p:nvSpPr>
+        <p:spPr bwMode="auto">
+          <a:xfrm>
+            <a:off x="7777591" y="5170860"/>
+            <a:ext cx="72095" cy="246221"/>
+          </a:xfrm>
+          <a:prstGeom prst="rect">
+            <a:avLst/>
+          </a:prstGeom>
+          <a:noFill/>
+          <a:ln w="9525">
+            <a:noFill/>
+            <a:miter lim="800000"/>
+            <a:headEnd/>
+            <a:tailEnd/>
+          </a:ln>
+        </p:spPr>
+        <p:txBody>
+          <a:bodyPr vert="horz" wrap="none" lIns="0" tIns="0" rIns="0" bIns="0" numCol="1" anchor="t" anchorCtr="0" compatLnSpc="1">
+            <a:prstTxWarp prst="textNoShape">
+              <a:avLst/>
+            </a:prstTxWarp>
+            <a:spAutoFit/>
+          </a:bodyPr>
+          <a:lstStyle/>
+          <a:p>
+            <a:pPr marL="0" marR="0" lvl="0" indent="0" algn="just" defTabSz="914400" rtl="0" eaLnBrk="1" fontAlgn="base" latinLnBrk="0" hangingPunct="1">
+              <a:lnSpc>
+                <a:spcPct val="100000"/>
+              </a:lnSpc>
+              <a:spcBef>
+                <a:spcPct val="0"/>
+              </a:spcBef>
+              <a:spcAft>
+                <a:spcPct val="0"/>
+              </a:spcAft>
+              <a:buClrTx/>
+              <a:buSzTx/>
+              <a:buFontTx/>
+              <a:buNone/>
+              <a:tabLst/>
+            </a:pPr>
+            <a:r>
+              <a:rPr kumimoji="0" lang="en-US" sz="1600" b="0" i="1" u="none" strike="noStrike" cap="none" normalizeH="0" baseline="0" dirty="0">
+                <a:ln>
+                  <a:noFill/>
+                </a:ln>
+                <a:solidFill>
+                  <a:srgbClr val="0033CC"/>
+                </a:solidFill>
+                <a:effectLst/>
+                <a:latin typeface="+mn-lt"/>
+                <a:ea typeface="Times New Roman" pitchFamily="18" charset="0"/>
+                <a:cs typeface="Times New Roman" pitchFamily="18" charset="0"/>
+              </a:rPr>
+              <a:t>t</a:t>
+            </a:r>
+            <a:endParaRPr kumimoji="0" lang="en-US" sz="1600" b="0" i="1" u="none" strike="noStrike" cap="none" normalizeH="0" baseline="0" dirty="0">
+              <a:ln>
+                <a:noFill/>
+              </a:ln>
+              <a:solidFill>
+                <a:srgbClr val="0033CC"/>
+              </a:solidFill>
+              <a:effectLst/>
+              <a:latin typeface="+mn-lt"/>
+              <a:cs typeface="Arial" pitchFamily="34" charset="0"/>
+            </a:endParaRPr>
+          </a:p>
+        </p:txBody>
+      </p:sp>
+      <p:sp>
+        <p:nvSpPr>
+          <p:cNvPr id="102" name="Rectangle 14"/>
+          <p:cNvSpPr>
+            <a:spLocks noChangeArrowheads="1"/>
+          </p:cNvSpPr>
+          <p:nvPr/>
+        </p:nvSpPr>
+        <p:spPr bwMode="auto">
+          <a:xfrm>
+            <a:off x="4534642" y="4128140"/>
+            <a:ext cx="163506" cy="184666"/>
+          </a:xfrm>
+          <a:prstGeom prst="rect">
+            <a:avLst/>
+          </a:prstGeom>
+          <a:noFill/>
+          <a:ln w="9525">
+            <a:noFill/>
+            <a:miter lim="800000"/>
+            <a:headEnd/>
+            <a:tailEnd/>
+          </a:ln>
+        </p:spPr>
+        <p:txBody>
+          <a:bodyPr vert="horz" wrap="none" lIns="0" tIns="0" rIns="0" bIns="0" numCol="1" anchor="t" anchorCtr="0" compatLnSpc="1">
+            <a:prstTxWarp prst="textNoShape">
+              <a:avLst/>
+            </a:prstTxWarp>
+            <a:spAutoFit/>
+          </a:bodyPr>
+          <a:lstStyle/>
+          <a:p>
+            <a:pPr marL="0" marR="0" lvl="0" indent="0" algn="just" defTabSz="914400" rtl="0" eaLnBrk="1" fontAlgn="base" latinLnBrk="0" hangingPunct="1">
+              <a:lnSpc>
+                <a:spcPct val="100000"/>
+              </a:lnSpc>
+              <a:spcBef>
+                <a:spcPct val="0"/>
+              </a:spcBef>
+              <a:spcAft>
+                <a:spcPct val="0"/>
+              </a:spcAft>
+              <a:buClrTx/>
+              <a:buSzTx/>
+              <a:buFontTx/>
+              <a:buNone/>
+              <a:tabLst/>
+            </a:pPr>
+            <a:r>
+              <a:rPr kumimoji="0" lang="en-US" sz="1200" b="0" i="1" u="none" strike="noStrike" cap="none" normalizeH="0" baseline="0" dirty="0" smtClean="0">
+                <a:ln>
+                  <a:noFill/>
+                </a:ln>
+                <a:solidFill>
+                  <a:schemeClr val="bg1"/>
+                </a:solidFill>
+                <a:effectLst/>
+                <a:latin typeface="Cambria" pitchFamily="18" charset="0"/>
+                <a:ea typeface="Times New Roman" pitchFamily="18" charset="0"/>
+                <a:cs typeface="Times New Roman" pitchFamily="18" charset="0"/>
+              </a:rPr>
+              <a:t>10</a:t>
+            </a:r>
+            <a:endParaRPr kumimoji="0" lang="en-US" sz="1600" b="0" i="1" u="none" strike="noStrike" cap="none" normalizeH="0" baseline="0" dirty="0">
+              <a:ln>
+                <a:noFill/>
+              </a:ln>
+              <a:solidFill>
+                <a:schemeClr val="bg1"/>
+              </a:solidFill>
+              <a:effectLst/>
+              <a:latin typeface="Arial" pitchFamily="34" charset="0"/>
+              <a:cs typeface="Arial" pitchFamily="34" charset="0"/>
+            </a:endParaRPr>
+          </a:p>
+        </p:txBody>
+      </p:sp>
+      <p:sp>
+        <p:nvSpPr>
+          <p:cNvPr id="105" name="Rectangle 2"/>
+          <p:cNvSpPr>
+            <a:spLocks noChangeArrowheads="1"/>
+          </p:cNvSpPr>
+          <p:nvPr/>
+        </p:nvSpPr>
+        <p:spPr bwMode="auto">
+          <a:xfrm>
+            <a:off x="5357818" y="5286388"/>
+            <a:ext cx="277762" cy="246221"/>
+          </a:xfrm>
+          <a:prstGeom prst="rect">
+            <a:avLst/>
+          </a:prstGeom>
+          <a:noFill/>
+          <a:ln w="9525">
+            <a:noFill/>
+            <a:miter lim="800000"/>
+            <a:headEnd/>
+            <a:tailEnd/>
+          </a:ln>
+        </p:spPr>
+        <p:txBody>
+          <a:bodyPr vert="horz" wrap="square" lIns="0" tIns="0" rIns="0" bIns="0" numCol="1" anchor="t" anchorCtr="0" compatLnSpc="1">
+            <a:prstTxWarp prst="textNoShape">
+              <a:avLst/>
+            </a:prstTxWarp>
+            <a:spAutoFit/>
+          </a:bodyPr>
+          <a:lstStyle/>
+          <a:p>
+            <a:pPr marL="0" marR="0" lvl="0" indent="0" algn="just" defTabSz="914400" rtl="0" eaLnBrk="1" fontAlgn="base" latinLnBrk="0" hangingPunct="1">
+              <a:lnSpc>
+                <a:spcPct val="100000"/>
+              </a:lnSpc>
+              <a:spcBef>
+                <a:spcPct val="0"/>
+              </a:spcBef>
+              <a:spcAft>
+                <a:spcPct val="0"/>
+              </a:spcAft>
+              <a:buClrTx/>
+              <a:buSzTx/>
+              <a:buFontTx/>
+              <a:buNone/>
+              <a:tabLst/>
+            </a:pPr>
+            <a:r>
+              <a:rPr kumimoji="0" lang="en-US" sz="1600" b="0" i="1" u="none" strike="noStrike" cap="none" normalizeH="0" baseline="0" dirty="0" smtClean="0">
+                <a:ln>
+                  <a:noFill/>
+                </a:ln>
+                <a:solidFill>
+                  <a:schemeClr val="bg1"/>
+                </a:solidFill>
+                <a:effectLst/>
+                <a:latin typeface="+mn-lt"/>
+                <a:ea typeface="Times New Roman" pitchFamily="18" charset="0"/>
+                <a:cs typeface="Times New Roman" pitchFamily="18" charset="0"/>
+              </a:rPr>
+              <a:t>t</a:t>
+            </a:r>
+            <a:r>
+              <a:rPr kumimoji="0" lang="en-US" sz="1600" b="0" i="1" u="none" strike="noStrike" cap="none" normalizeH="0" baseline="-25000" dirty="0" smtClean="0">
+                <a:ln>
+                  <a:noFill/>
+                </a:ln>
+                <a:solidFill>
+                  <a:schemeClr val="bg1"/>
+                </a:solidFill>
+                <a:effectLst/>
+                <a:latin typeface="+mn-lt"/>
+                <a:ea typeface="Times New Roman" pitchFamily="18" charset="0"/>
+                <a:cs typeface="Times New Roman" pitchFamily="18" charset="0"/>
+              </a:rPr>
+              <a:t>o</a:t>
+            </a:r>
+            <a:endParaRPr kumimoji="0" lang="en-US" sz="1600" b="0" i="1" u="none" strike="noStrike" cap="none" normalizeH="0" baseline="-25000" dirty="0">
+              <a:ln>
+                <a:noFill/>
+              </a:ln>
+              <a:solidFill>
+                <a:schemeClr val="bg1"/>
+              </a:solidFill>
+              <a:effectLst/>
+              <a:latin typeface="+mn-lt"/>
+              <a:cs typeface="Arial" pitchFamily="34" charset="0"/>
+            </a:endParaRPr>
+          </a:p>
+        </p:txBody>
+      </p:sp>
+      <p:cxnSp>
+        <p:nvCxnSpPr>
+          <p:cNvPr id="106" name="Connecteur droit avec flèche 105"/>
+          <p:cNvCxnSpPr/>
+          <p:nvPr/>
+        </p:nvCxnSpPr>
+        <p:spPr>
+          <a:xfrm>
+            <a:off x="4790937" y="5280176"/>
+            <a:ext cx="2933802" cy="1588"/>
+          </a:xfrm>
+          <a:prstGeom prst="straightConnector1">
+            <a:avLst/>
+          </a:prstGeom>
+          <a:noFill/>
+          <a:ln w="19050">
+            <a:solidFill>
+              <a:schemeClr val="bg1"/>
+            </a:solidFill>
+            <a:round/>
+            <a:headEnd type="none" w="med" len="med"/>
+            <a:tailEnd type="triangle" w="med" len="med"/>
+          </a:ln>
+        </p:spPr>
+      </p:cxnSp>
+      <p:grpSp>
+        <p:nvGrpSpPr>
+          <p:cNvPr id="107" name="Groupe 49"/>
+          <p:cNvGrpSpPr/>
+          <p:nvPr/>
+        </p:nvGrpSpPr>
+        <p:grpSpPr>
+          <a:xfrm>
+            <a:off x="4793327" y="4214818"/>
+            <a:ext cx="2660172" cy="1052517"/>
+            <a:chOff x="5892372" y="1135347"/>
+            <a:chExt cx="2602509" cy="866160"/>
+          </a:xfrm>
+        </p:grpSpPr>
+        <p:sp>
+          <p:nvSpPr>
+            <p:cNvPr id="108" name="Line 6"/>
+            <p:cNvSpPr>
+              <a:spLocks noChangeShapeType="1"/>
+            </p:cNvSpPr>
+            <p:nvPr/>
+          </p:nvSpPr>
+          <p:spPr bwMode="auto">
+            <a:xfrm>
+              <a:off x="6487523" y="1142775"/>
+              <a:ext cx="1408786" cy="1067"/>
+            </a:xfrm>
+            <a:prstGeom prst="line">
+              <a:avLst/>
+            </a:prstGeom>
+            <a:noFill/>
+            <a:ln w="28575">
+              <a:solidFill>
+                <a:srgbClr val="FFC000"/>
+              </a:solidFill>
+              <a:prstDash val="sysDash"/>
+              <a:round/>
+              <a:headEnd/>
+              <a:tailEnd/>
+            </a:ln>
+          </p:spPr>
+          <p:txBody>
+            <a:bodyPr vert="horz" wrap="square" lIns="91440" tIns="45720" rIns="91440" bIns="45720" numCol="1" anchor="t" anchorCtr="0" compatLnSpc="1">
+              <a:prstTxWarp prst="textNoShape">
+                <a:avLst/>
+              </a:prstTxWarp>
+            </a:bodyPr>
+            <a:lstStyle/>
+            <a:p>
+              <a:endParaRPr lang="fr-FR" sz="1600" i="1">
+                <a:ln w="28575">
+                  <a:solidFill>
+                    <a:schemeClr val="tx1"/>
+                  </a:solidFill>
+                </a:ln>
+                <a:solidFill>
+                  <a:srgbClr val="0033CC"/>
+                </a:solidFill>
+                <a:latin typeface="+mn-lt"/>
+              </a:endParaRPr>
+            </a:p>
+          </p:txBody>
+        </p:sp>
+        <p:sp>
+          <p:nvSpPr>
+            <p:cNvPr id="109" name="Freeform 5"/>
+            <p:cNvSpPr>
+              <a:spLocks/>
+            </p:cNvSpPr>
+            <p:nvPr/>
+          </p:nvSpPr>
+          <p:spPr bwMode="auto">
+            <a:xfrm>
+              <a:off x="7890131" y="1135347"/>
+              <a:ext cx="604750" cy="866160"/>
+            </a:xfrm>
+            <a:custGeom>
+              <a:avLst/>
+              <a:gdLst/>
+              <a:ahLst/>
+              <a:cxnLst>
+                <a:cxn ang="0">
+                  <a:pos x="0" y="0"/>
+                </a:cxn>
+                <a:cxn ang="0">
+                  <a:pos x="0" y="812"/>
+                </a:cxn>
+                <a:cxn ang="0">
+                  <a:pos x="567" y="812"/>
+                </a:cxn>
+              </a:cxnLst>
+              <a:rect l="0" t="0" r="r" b="b"/>
+              <a:pathLst>
+                <a:path w="567" h="812">
+                  <a:moveTo>
+                    <a:pt x="0" y="0"/>
+                  </a:moveTo>
+                  <a:lnTo>
+                    <a:pt x="0" y="812"/>
+                  </a:lnTo>
+                  <a:lnTo>
+                    <a:pt x="567" y="812"/>
+                  </a:lnTo>
+                </a:path>
+              </a:pathLst>
+            </a:custGeom>
+            <a:noFill/>
+            <a:ln w="28575">
+              <a:solidFill>
+                <a:srgbClr val="FFC000"/>
+              </a:solidFill>
+              <a:prstDash val="sysDash"/>
+              <a:round/>
+              <a:headEnd/>
+              <a:tailEnd/>
+            </a:ln>
+          </p:spPr>
+          <p:txBody>
+            <a:bodyPr vert="horz" wrap="square" lIns="91440" tIns="45720" rIns="91440" bIns="45720" numCol="1" anchor="t" anchorCtr="0" compatLnSpc="1">
+              <a:prstTxWarp prst="textNoShape">
+                <a:avLst/>
+              </a:prstTxWarp>
+            </a:bodyPr>
+            <a:lstStyle/>
+            <a:p>
+              <a:endParaRPr lang="fr-FR" sz="1600" i="1">
+                <a:solidFill>
+                  <a:srgbClr val="0033CC"/>
+                </a:solidFill>
+                <a:latin typeface="+mn-lt"/>
+              </a:endParaRPr>
+            </a:p>
+          </p:txBody>
+        </p:sp>
+        <p:sp>
+          <p:nvSpPr>
+            <p:cNvPr id="110" name="Freeform 5"/>
+            <p:cNvSpPr>
+              <a:spLocks/>
+            </p:cNvSpPr>
+            <p:nvPr/>
+          </p:nvSpPr>
+          <p:spPr bwMode="auto">
+            <a:xfrm flipH="1">
+              <a:off x="5892372" y="1135347"/>
+              <a:ext cx="604750" cy="866160"/>
+            </a:xfrm>
+            <a:custGeom>
+              <a:avLst/>
+              <a:gdLst/>
+              <a:ahLst/>
+              <a:cxnLst>
+                <a:cxn ang="0">
+                  <a:pos x="0" y="0"/>
+                </a:cxn>
+                <a:cxn ang="0">
+                  <a:pos x="0" y="812"/>
+                </a:cxn>
+                <a:cxn ang="0">
+                  <a:pos x="567" y="812"/>
+                </a:cxn>
+              </a:cxnLst>
+              <a:rect l="0" t="0" r="r" b="b"/>
+              <a:pathLst>
+                <a:path w="567" h="812">
+                  <a:moveTo>
+                    <a:pt x="0" y="0"/>
+                  </a:moveTo>
+                  <a:lnTo>
+                    <a:pt x="0" y="812"/>
+                  </a:lnTo>
+                  <a:lnTo>
+                    <a:pt x="567" y="812"/>
+                  </a:lnTo>
+                </a:path>
+              </a:pathLst>
+            </a:custGeom>
+            <a:noFill/>
+            <a:ln w="28575">
+              <a:solidFill>
+                <a:srgbClr val="FFC000"/>
+              </a:solidFill>
+              <a:prstDash val="sysDash"/>
+              <a:round/>
+              <a:headEnd/>
+              <a:tailEnd/>
+            </a:ln>
+          </p:spPr>
+          <p:txBody>
+            <a:bodyPr vert="horz" wrap="square" lIns="91440" tIns="45720" rIns="91440" bIns="45720" numCol="1" anchor="t" anchorCtr="0" compatLnSpc="1">
+              <a:prstTxWarp prst="textNoShape">
+                <a:avLst/>
+              </a:prstTxWarp>
+            </a:bodyPr>
+            <a:lstStyle/>
+            <a:p>
+              <a:endParaRPr lang="fr-FR" sz="1600" i="1">
+                <a:solidFill>
+                  <a:srgbClr val="0033CC"/>
+                </a:solidFill>
+                <a:latin typeface="+mn-lt"/>
+              </a:endParaRPr>
+            </a:p>
+          </p:txBody>
+        </p:sp>
+      </p:grpSp>
+      <p:sp>
+        <p:nvSpPr>
+          <p:cNvPr id="111" name="Line 9"/>
+          <p:cNvSpPr>
+            <a:spLocks noChangeShapeType="1"/>
+          </p:cNvSpPr>
+          <p:nvPr/>
+        </p:nvSpPr>
+        <p:spPr bwMode="auto">
+          <a:xfrm flipH="1">
+            <a:off x="4737736" y="4221371"/>
+            <a:ext cx="98119" cy="1067"/>
+          </a:xfrm>
+          <a:prstGeom prst="line">
+            <a:avLst/>
+          </a:prstGeom>
+          <a:noFill/>
+          <a:ln w="40">
+            <a:solidFill>
+              <a:schemeClr val="bg1"/>
+            </a:solidFill>
+            <a:round/>
+            <a:headEnd/>
+            <a:tailEnd/>
+          </a:ln>
+        </p:spPr>
+        <p:txBody>
+          <a:bodyPr vert="horz" wrap="square" lIns="91440" tIns="45720" rIns="91440" bIns="45720" numCol="1" anchor="t" anchorCtr="0" compatLnSpc="1">
+            <a:prstTxWarp prst="textNoShape">
+              <a:avLst/>
+            </a:prstTxWarp>
+          </a:bodyPr>
+          <a:lstStyle/>
+          <a:p>
+            <a:endParaRPr lang="fr-FR" sz="1600" i="1">
+              <a:solidFill>
+                <a:srgbClr val="0033CC"/>
+              </a:solidFill>
+              <a:latin typeface="+mn-lt"/>
+            </a:endParaRPr>
+          </a:p>
+        </p:txBody>
+      </p:sp>
+      <p:sp>
+        <p:nvSpPr>
+          <p:cNvPr id="116" name="Line 9"/>
+          <p:cNvSpPr>
+            <a:spLocks noChangeShapeType="1"/>
+          </p:cNvSpPr>
+          <p:nvPr/>
+        </p:nvSpPr>
+        <p:spPr bwMode="auto">
+          <a:xfrm flipH="1">
+            <a:off x="4737736" y="4327766"/>
+            <a:ext cx="98119" cy="1067"/>
+          </a:xfrm>
+          <a:prstGeom prst="line">
+            <a:avLst/>
+          </a:prstGeom>
+          <a:noFill/>
+          <a:ln w="40">
+            <a:solidFill>
+              <a:schemeClr val="bg1"/>
+            </a:solidFill>
+            <a:round/>
+            <a:headEnd/>
+            <a:tailEnd/>
+          </a:ln>
+        </p:spPr>
+        <p:txBody>
+          <a:bodyPr vert="horz" wrap="square" lIns="91440" tIns="45720" rIns="91440" bIns="45720" numCol="1" anchor="t" anchorCtr="0" compatLnSpc="1">
+            <a:prstTxWarp prst="textNoShape">
+              <a:avLst/>
+            </a:prstTxWarp>
+          </a:bodyPr>
+          <a:lstStyle/>
+          <a:p>
+            <a:endParaRPr lang="fr-FR" sz="1600" i="1">
+              <a:solidFill>
+                <a:srgbClr val="0033CC"/>
+              </a:solidFill>
+              <a:latin typeface="+mn-lt"/>
+            </a:endParaRPr>
+          </a:p>
+        </p:txBody>
+      </p:sp>
+      <p:sp>
+        <p:nvSpPr>
+          <p:cNvPr id="117" name="Line 9"/>
+          <p:cNvSpPr>
+            <a:spLocks noChangeShapeType="1"/>
+          </p:cNvSpPr>
+          <p:nvPr/>
+        </p:nvSpPr>
+        <p:spPr bwMode="auto">
+          <a:xfrm flipH="1">
+            <a:off x="4737736" y="4540556"/>
+            <a:ext cx="98119" cy="1067"/>
+          </a:xfrm>
+          <a:prstGeom prst="line">
+            <a:avLst/>
+          </a:prstGeom>
+          <a:noFill/>
+          <a:ln w="40">
+            <a:solidFill>
+              <a:schemeClr val="bg1"/>
+            </a:solidFill>
+            <a:round/>
+            <a:headEnd/>
+            <a:tailEnd/>
+          </a:ln>
+        </p:spPr>
+        <p:txBody>
+          <a:bodyPr vert="horz" wrap="square" lIns="91440" tIns="45720" rIns="91440" bIns="45720" numCol="1" anchor="t" anchorCtr="0" compatLnSpc="1">
+            <a:prstTxWarp prst="textNoShape">
+              <a:avLst/>
+            </a:prstTxWarp>
+          </a:bodyPr>
+          <a:lstStyle/>
+          <a:p>
+            <a:endParaRPr lang="fr-FR" sz="1600" i="1">
+              <a:solidFill>
+                <a:srgbClr val="0033CC"/>
+              </a:solidFill>
+              <a:latin typeface="+mn-lt"/>
+            </a:endParaRPr>
+          </a:p>
+        </p:txBody>
+      </p:sp>
+      <p:sp>
+        <p:nvSpPr>
+          <p:cNvPr id="118" name="Line 9"/>
+          <p:cNvSpPr>
+            <a:spLocks noChangeShapeType="1"/>
+          </p:cNvSpPr>
+          <p:nvPr/>
+        </p:nvSpPr>
+        <p:spPr bwMode="auto">
+          <a:xfrm flipH="1">
+            <a:off x="4737736" y="4753346"/>
+            <a:ext cx="98119" cy="1067"/>
+          </a:xfrm>
+          <a:prstGeom prst="line">
+            <a:avLst/>
+          </a:prstGeom>
+          <a:noFill/>
+          <a:ln w="40">
+            <a:solidFill>
+              <a:schemeClr val="bg1"/>
+            </a:solidFill>
+            <a:round/>
+            <a:headEnd/>
+            <a:tailEnd/>
+          </a:ln>
+        </p:spPr>
+        <p:txBody>
+          <a:bodyPr vert="horz" wrap="square" lIns="91440" tIns="45720" rIns="91440" bIns="45720" numCol="1" anchor="t" anchorCtr="0" compatLnSpc="1">
+            <a:prstTxWarp prst="textNoShape">
+              <a:avLst/>
+            </a:prstTxWarp>
+          </a:bodyPr>
+          <a:lstStyle/>
+          <a:p>
+            <a:endParaRPr lang="fr-FR" sz="1600" i="1">
+              <a:solidFill>
+                <a:srgbClr val="0033CC"/>
+              </a:solidFill>
+              <a:latin typeface="+mn-lt"/>
+            </a:endParaRPr>
+          </a:p>
+        </p:txBody>
+      </p:sp>
+      <p:sp>
+        <p:nvSpPr>
+          <p:cNvPr id="119" name="Line 9"/>
+          <p:cNvSpPr>
+            <a:spLocks noChangeShapeType="1"/>
+          </p:cNvSpPr>
+          <p:nvPr/>
+        </p:nvSpPr>
+        <p:spPr bwMode="auto">
+          <a:xfrm flipH="1">
+            <a:off x="4737736" y="4966136"/>
+            <a:ext cx="98119" cy="1067"/>
+          </a:xfrm>
+          <a:prstGeom prst="line">
+            <a:avLst/>
+          </a:prstGeom>
+          <a:noFill/>
+          <a:ln w="40">
+            <a:solidFill>
+              <a:schemeClr val="bg1"/>
+            </a:solidFill>
+            <a:round/>
+            <a:headEnd/>
+            <a:tailEnd/>
+          </a:ln>
+        </p:spPr>
+        <p:txBody>
+          <a:bodyPr vert="horz" wrap="square" lIns="91440" tIns="45720" rIns="91440" bIns="45720" numCol="1" anchor="t" anchorCtr="0" compatLnSpc="1">
+            <a:prstTxWarp prst="textNoShape">
+              <a:avLst/>
+            </a:prstTxWarp>
+          </a:bodyPr>
+          <a:lstStyle/>
+          <a:p>
+            <a:endParaRPr lang="fr-FR" sz="1600" i="1">
+              <a:solidFill>
+                <a:srgbClr val="0033CC"/>
+              </a:solidFill>
+              <a:latin typeface="+mn-lt"/>
+            </a:endParaRPr>
+          </a:p>
+        </p:txBody>
+      </p:sp>
+      <p:sp>
+        <p:nvSpPr>
+          <p:cNvPr id="120" name="Line 9"/>
+          <p:cNvSpPr>
+            <a:spLocks noChangeShapeType="1"/>
+          </p:cNvSpPr>
+          <p:nvPr/>
+        </p:nvSpPr>
+        <p:spPr bwMode="auto">
+          <a:xfrm flipH="1">
+            <a:off x="4737736" y="5178926"/>
+            <a:ext cx="98119" cy="1067"/>
+          </a:xfrm>
+          <a:prstGeom prst="line">
+            <a:avLst/>
+          </a:prstGeom>
+          <a:noFill/>
+          <a:ln w="40">
+            <a:solidFill>
+              <a:schemeClr val="bg1"/>
+            </a:solidFill>
+            <a:round/>
+            <a:headEnd/>
+            <a:tailEnd/>
+          </a:ln>
+        </p:spPr>
+        <p:txBody>
+          <a:bodyPr vert="horz" wrap="square" lIns="91440" tIns="45720" rIns="91440" bIns="45720" numCol="1" anchor="t" anchorCtr="0" compatLnSpc="1">
+            <a:prstTxWarp prst="textNoShape">
+              <a:avLst/>
+            </a:prstTxWarp>
+          </a:bodyPr>
+          <a:lstStyle/>
+          <a:p>
+            <a:endParaRPr lang="fr-FR" sz="1600" i="1">
+              <a:solidFill>
+                <a:srgbClr val="0033CC"/>
+              </a:solidFill>
+              <a:latin typeface="+mn-lt"/>
+            </a:endParaRPr>
+          </a:p>
+        </p:txBody>
+      </p:sp>
+      <p:sp>
+        <p:nvSpPr>
+          <p:cNvPr id="122" name="Line 9"/>
+          <p:cNvSpPr>
+            <a:spLocks noChangeShapeType="1"/>
+          </p:cNvSpPr>
+          <p:nvPr/>
+        </p:nvSpPr>
+        <p:spPr bwMode="auto">
+          <a:xfrm flipH="1">
+            <a:off x="4737736" y="4434161"/>
+            <a:ext cx="98119" cy="1067"/>
+          </a:xfrm>
+          <a:prstGeom prst="line">
+            <a:avLst/>
+          </a:prstGeom>
+          <a:noFill/>
+          <a:ln w="40">
+            <a:solidFill>
+              <a:schemeClr val="bg1"/>
+            </a:solidFill>
+            <a:round/>
+            <a:headEnd/>
+            <a:tailEnd/>
+          </a:ln>
+        </p:spPr>
+        <p:txBody>
+          <a:bodyPr vert="horz" wrap="square" lIns="91440" tIns="45720" rIns="91440" bIns="45720" numCol="1" anchor="t" anchorCtr="0" compatLnSpc="1">
+            <a:prstTxWarp prst="textNoShape">
+              <a:avLst/>
+            </a:prstTxWarp>
+          </a:bodyPr>
+          <a:lstStyle/>
+          <a:p>
+            <a:endParaRPr lang="fr-FR" sz="1600" i="1">
+              <a:solidFill>
+                <a:srgbClr val="0033CC"/>
+              </a:solidFill>
+              <a:latin typeface="+mn-lt"/>
+            </a:endParaRPr>
+          </a:p>
+        </p:txBody>
+      </p:sp>
+      <p:sp>
+        <p:nvSpPr>
+          <p:cNvPr id="123" name="Line 9"/>
+          <p:cNvSpPr>
+            <a:spLocks noChangeShapeType="1"/>
+          </p:cNvSpPr>
+          <p:nvPr/>
+        </p:nvSpPr>
+        <p:spPr bwMode="auto">
+          <a:xfrm flipH="1">
+            <a:off x="4740594" y="4646951"/>
+            <a:ext cx="98119" cy="1067"/>
+          </a:xfrm>
+          <a:prstGeom prst="line">
+            <a:avLst/>
+          </a:prstGeom>
+          <a:noFill/>
+          <a:ln w="40">
+            <a:solidFill>
+              <a:schemeClr val="bg1"/>
+            </a:solidFill>
+            <a:round/>
+            <a:headEnd/>
+            <a:tailEnd/>
+          </a:ln>
+        </p:spPr>
+        <p:txBody>
+          <a:bodyPr vert="horz" wrap="square" lIns="91440" tIns="45720" rIns="91440" bIns="45720" numCol="1" anchor="t" anchorCtr="0" compatLnSpc="1">
+            <a:prstTxWarp prst="textNoShape">
+              <a:avLst/>
+            </a:prstTxWarp>
+          </a:bodyPr>
+          <a:lstStyle/>
+          <a:p>
+            <a:endParaRPr lang="fr-FR" sz="1600" i="1">
+              <a:solidFill>
+                <a:srgbClr val="0033CC"/>
+              </a:solidFill>
+              <a:latin typeface="+mn-lt"/>
+            </a:endParaRPr>
+          </a:p>
+        </p:txBody>
+      </p:sp>
+      <p:sp>
+        <p:nvSpPr>
+          <p:cNvPr id="124" name="Line 9"/>
+          <p:cNvSpPr>
+            <a:spLocks noChangeShapeType="1"/>
+          </p:cNvSpPr>
+          <p:nvPr/>
+        </p:nvSpPr>
+        <p:spPr bwMode="auto">
+          <a:xfrm flipH="1">
+            <a:off x="4737736" y="4859741"/>
+            <a:ext cx="98119" cy="1067"/>
+          </a:xfrm>
+          <a:prstGeom prst="line">
+            <a:avLst/>
+          </a:prstGeom>
+          <a:noFill/>
+          <a:ln w="40">
+            <a:solidFill>
+              <a:schemeClr val="bg1"/>
+            </a:solidFill>
+            <a:round/>
+            <a:headEnd/>
+            <a:tailEnd/>
+          </a:ln>
+        </p:spPr>
+        <p:txBody>
+          <a:bodyPr vert="horz" wrap="square" lIns="91440" tIns="45720" rIns="91440" bIns="45720" numCol="1" anchor="t" anchorCtr="0" compatLnSpc="1">
+            <a:prstTxWarp prst="textNoShape">
+              <a:avLst/>
+            </a:prstTxWarp>
+          </a:bodyPr>
+          <a:lstStyle/>
+          <a:p>
+            <a:endParaRPr lang="fr-FR" sz="1600" i="1">
+              <a:solidFill>
+                <a:srgbClr val="0033CC"/>
+              </a:solidFill>
+              <a:latin typeface="+mn-lt"/>
+            </a:endParaRPr>
+          </a:p>
+        </p:txBody>
+      </p:sp>
+      <p:sp>
+        <p:nvSpPr>
+          <p:cNvPr id="125" name="Line 9"/>
+          <p:cNvSpPr>
+            <a:spLocks noChangeShapeType="1"/>
+          </p:cNvSpPr>
+          <p:nvPr/>
+        </p:nvSpPr>
+        <p:spPr bwMode="auto">
+          <a:xfrm flipH="1">
+            <a:off x="4737736" y="5072531"/>
+            <a:ext cx="98119" cy="1067"/>
+          </a:xfrm>
+          <a:prstGeom prst="line">
+            <a:avLst/>
+          </a:prstGeom>
+          <a:noFill/>
+          <a:ln w="40">
+            <a:solidFill>
+              <a:schemeClr val="bg1"/>
+            </a:solidFill>
+            <a:round/>
+            <a:headEnd/>
+            <a:tailEnd/>
+          </a:ln>
+        </p:spPr>
+        <p:txBody>
+          <a:bodyPr vert="horz" wrap="square" lIns="91440" tIns="45720" rIns="91440" bIns="45720" numCol="1" anchor="t" anchorCtr="0" compatLnSpc="1">
+            <a:prstTxWarp prst="textNoShape">
+              <a:avLst/>
+            </a:prstTxWarp>
+          </a:bodyPr>
+          <a:lstStyle/>
+          <a:p>
+            <a:endParaRPr lang="fr-FR" sz="1600" i="1">
+              <a:solidFill>
+                <a:srgbClr val="0033CC"/>
+              </a:solidFill>
+              <a:latin typeface="+mn-lt"/>
+            </a:endParaRPr>
+          </a:p>
+        </p:txBody>
+      </p:sp>
+      <p:grpSp>
+        <p:nvGrpSpPr>
+          <p:cNvPr id="127" name="Groupe 49"/>
+          <p:cNvGrpSpPr/>
+          <p:nvPr/>
+        </p:nvGrpSpPr>
+        <p:grpSpPr>
+          <a:xfrm>
+            <a:off x="4795066" y="4429132"/>
+            <a:ext cx="2660172" cy="642942"/>
+            <a:chOff x="5892372" y="1135347"/>
+            <a:chExt cx="2602509" cy="866160"/>
+          </a:xfrm>
+        </p:grpSpPr>
+        <p:sp>
+          <p:nvSpPr>
+            <p:cNvPr id="128" name="Line 6"/>
+            <p:cNvSpPr>
+              <a:spLocks noChangeShapeType="1"/>
+            </p:cNvSpPr>
+            <p:nvPr/>
+          </p:nvSpPr>
+          <p:spPr bwMode="auto">
+            <a:xfrm>
+              <a:off x="6487523" y="1142774"/>
+              <a:ext cx="1408786" cy="0"/>
+            </a:xfrm>
+            <a:prstGeom prst="line">
+              <a:avLst/>
+            </a:prstGeom>
+            <a:noFill/>
+            <a:ln w="28575">
+              <a:solidFill>
+                <a:srgbClr val="0033CC"/>
+              </a:solidFill>
+              <a:round/>
+              <a:headEnd/>
+              <a:tailEnd/>
+            </a:ln>
+          </p:spPr>
+          <p:txBody>
+            <a:bodyPr vert="horz" wrap="square" lIns="91440" tIns="45720" rIns="91440" bIns="45720" numCol="1" anchor="t" anchorCtr="0" compatLnSpc="1">
+              <a:prstTxWarp prst="textNoShape">
+                <a:avLst/>
+              </a:prstTxWarp>
+            </a:bodyPr>
+            <a:lstStyle/>
+            <a:p>
+              <a:endParaRPr lang="fr-FR" sz="1600" i="1">
+                <a:ln w="28575">
+                  <a:solidFill>
+                    <a:schemeClr val="tx1"/>
+                  </a:solidFill>
+                </a:ln>
+                <a:solidFill>
+                  <a:srgbClr val="0033CC"/>
+                </a:solidFill>
+                <a:latin typeface="+mn-lt"/>
+              </a:endParaRPr>
+            </a:p>
+          </p:txBody>
+        </p:sp>
+        <p:sp>
+          <p:nvSpPr>
+            <p:cNvPr id="129" name="Freeform 5"/>
+            <p:cNvSpPr>
+              <a:spLocks/>
+            </p:cNvSpPr>
+            <p:nvPr/>
+          </p:nvSpPr>
+          <p:spPr bwMode="auto">
+            <a:xfrm>
+              <a:off x="7890131" y="1135347"/>
+              <a:ext cx="604750" cy="866160"/>
+            </a:xfrm>
+            <a:custGeom>
+              <a:avLst/>
+              <a:gdLst/>
+              <a:ahLst/>
+              <a:cxnLst>
+                <a:cxn ang="0">
+                  <a:pos x="0" y="0"/>
+                </a:cxn>
+                <a:cxn ang="0">
+                  <a:pos x="0" y="812"/>
+                </a:cxn>
+                <a:cxn ang="0">
+                  <a:pos x="567" y="812"/>
+                </a:cxn>
+              </a:cxnLst>
+              <a:rect l="0" t="0" r="r" b="b"/>
+              <a:pathLst>
+                <a:path w="567" h="812">
+                  <a:moveTo>
+                    <a:pt x="0" y="0"/>
+                  </a:moveTo>
+                  <a:lnTo>
+                    <a:pt x="0" y="812"/>
+                  </a:lnTo>
+                  <a:lnTo>
+                    <a:pt x="567" y="812"/>
+                  </a:lnTo>
+                </a:path>
+              </a:pathLst>
+            </a:custGeom>
+            <a:noFill/>
+            <a:ln w="28575">
+              <a:solidFill>
+                <a:srgbClr val="0033CC"/>
+              </a:solidFill>
+              <a:round/>
+              <a:headEnd/>
+              <a:tailEnd/>
+            </a:ln>
+          </p:spPr>
+          <p:txBody>
+            <a:bodyPr vert="horz" wrap="square" lIns="91440" tIns="45720" rIns="91440" bIns="45720" numCol="1" anchor="t" anchorCtr="0" compatLnSpc="1">
+              <a:prstTxWarp prst="textNoShape">
+                <a:avLst/>
+              </a:prstTxWarp>
+            </a:bodyPr>
+            <a:lstStyle/>
+            <a:p>
+              <a:endParaRPr lang="fr-FR" sz="1600" i="1">
+                <a:solidFill>
+                  <a:srgbClr val="0033CC"/>
+                </a:solidFill>
+                <a:latin typeface="+mn-lt"/>
+              </a:endParaRPr>
+            </a:p>
+          </p:txBody>
+        </p:sp>
+        <p:sp>
+          <p:nvSpPr>
+            <p:cNvPr id="130" name="Freeform 5"/>
+            <p:cNvSpPr>
+              <a:spLocks/>
+            </p:cNvSpPr>
+            <p:nvPr/>
+          </p:nvSpPr>
+          <p:spPr bwMode="auto">
+            <a:xfrm flipH="1">
+              <a:off x="5892372" y="1135347"/>
+              <a:ext cx="604750" cy="866160"/>
+            </a:xfrm>
+            <a:custGeom>
+              <a:avLst/>
+              <a:gdLst/>
+              <a:ahLst/>
+              <a:cxnLst>
+                <a:cxn ang="0">
+                  <a:pos x="0" y="0"/>
+                </a:cxn>
+                <a:cxn ang="0">
+                  <a:pos x="0" y="812"/>
+                </a:cxn>
+                <a:cxn ang="0">
+                  <a:pos x="567" y="812"/>
+                </a:cxn>
+              </a:cxnLst>
+              <a:rect l="0" t="0" r="r" b="b"/>
+              <a:pathLst>
+                <a:path w="567" h="812">
+                  <a:moveTo>
+                    <a:pt x="0" y="0"/>
+                  </a:moveTo>
+                  <a:lnTo>
+                    <a:pt x="0" y="812"/>
+                  </a:lnTo>
+                  <a:lnTo>
+                    <a:pt x="567" y="812"/>
+                  </a:lnTo>
+                </a:path>
+              </a:pathLst>
+            </a:custGeom>
+            <a:noFill/>
+            <a:ln w="28575">
+              <a:solidFill>
+                <a:srgbClr val="0033CC"/>
+              </a:solidFill>
+              <a:round/>
+              <a:headEnd/>
+              <a:tailEnd/>
+            </a:ln>
+          </p:spPr>
+          <p:txBody>
+            <a:bodyPr vert="horz" wrap="square" lIns="91440" tIns="45720" rIns="91440" bIns="45720" numCol="1" anchor="t" anchorCtr="0" compatLnSpc="1">
+              <a:prstTxWarp prst="textNoShape">
+                <a:avLst/>
+              </a:prstTxWarp>
+            </a:bodyPr>
+            <a:lstStyle/>
+            <a:p>
+              <a:endParaRPr lang="fr-FR" sz="1600" i="1">
+                <a:solidFill>
+                  <a:srgbClr val="0033CC"/>
+                </a:solidFill>
+                <a:latin typeface="+mn-lt"/>
+              </a:endParaRPr>
+            </a:p>
+          </p:txBody>
+        </p:sp>
+      </p:grpSp>
+      <p:sp>
+        <p:nvSpPr>
+          <p:cNvPr id="131" name="Rectangle 16"/>
+          <p:cNvSpPr>
+            <a:spLocks noChangeArrowheads="1"/>
+          </p:cNvSpPr>
+          <p:nvPr/>
+        </p:nvSpPr>
+        <p:spPr bwMode="auto">
+          <a:xfrm>
+            <a:off x="5786446" y="4000504"/>
+            <a:ext cx="204608" cy="246221"/>
+          </a:xfrm>
+          <a:prstGeom prst="rect">
+            <a:avLst/>
+          </a:prstGeom>
+          <a:noFill/>
+          <a:ln w="9525">
+            <a:noFill/>
+            <a:miter lim="800000"/>
+            <a:headEnd/>
+            <a:tailEnd/>
+          </a:ln>
+        </p:spPr>
+        <p:txBody>
+          <a:bodyPr vert="horz" wrap="none" lIns="0" tIns="0" rIns="0" bIns="0" numCol="1" anchor="t" anchorCtr="0" compatLnSpc="1">
+            <a:prstTxWarp prst="textNoShape">
+              <a:avLst/>
+            </a:prstTxWarp>
+            <a:spAutoFit/>
+          </a:bodyPr>
+          <a:lstStyle/>
+          <a:p>
+            <a:pPr marL="0" marR="0" lvl="0" indent="0" algn="just" defTabSz="914400" rtl="0" eaLnBrk="1" fontAlgn="base" latinLnBrk="0" hangingPunct="1">
+              <a:lnSpc>
+                <a:spcPct val="100000"/>
+              </a:lnSpc>
+              <a:spcBef>
+                <a:spcPct val="0"/>
+              </a:spcBef>
+              <a:spcAft>
+                <a:spcPct val="0"/>
+              </a:spcAft>
+              <a:buClrTx/>
+              <a:buSzTx/>
+              <a:buFontTx/>
+              <a:buNone/>
+              <a:tabLst/>
+            </a:pPr>
+            <a:r>
+              <a:rPr kumimoji="0" lang="en-US" sz="1600" b="0" i="1" u="none" strike="noStrike" cap="none" normalizeH="0" baseline="0" dirty="0" smtClean="0">
+                <a:ln>
+                  <a:noFill/>
+                </a:ln>
+                <a:solidFill>
+                  <a:srgbClr val="FFC000"/>
+                </a:solidFill>
+                <a:effectLst/>
+                <a:latin typeface="+mn-lt"/>
+                <a:ea typeface="Times New Roman" pitchFamily="18" charset="0"/>
+                <a:cs typeface="Times New Roman" pitchFamily="18" charset="0"/>
+              </a:rPr>
+              <a:t>Ve</a:t>
+            </a:r>
+            <a:endParaRPr kumimoji="0" lang="en-US" sz="1600" b="0" i="1" u="none" strike="noStrike" cap="none" normalizeH="0" baseline="0" dirty="0">
+              <a:ln>
+                <a:noFill/>
+              </a:ln>
+              <a:solidFill>
+                <a:srgbClr val="FFC000"/>
+              </a:solidFill>
+              <a:effectLst/>
+              <a:latin typeface="+mn-lt"/>
+              <a:cs typeface="Arial" pitchFamily="34" charset="0"/>
+            </a:endParaRPr>
+          </a:p>
+        </p:txBody>
+      </p:sp>
+      <p:sp>
+        <p:nvSpPr>
+          <p:cNvPr id="132" name="Rectangle 2"/>
+          <p:cNvSpPr>
+            <a:spLocks noChangeArrowheads="1"/>
+          </p:cNvSpPr>
+          <p:nvPr/>
+        </p:nvSpPr>
+        <p:spPr bwMode="auto">
+          <a:xfrm>
+            <a:off x="6786578" y="5286388"/>
+            <a:ext cx="277762" cy="246221"/>
+          </a:xfrm>
+          <a:prstGeom prst="rect">
+            <a:avLst/>
+          </a:prstGeom>
+          <a:noFill/>
+          <a:ln w="9525">
+            <a:noFill/>
+            <a:miter lim="800000"/>
+            <a:headEnd/>
+            <a:tailEnd/>
+          </a:ln>
+        </p:spPr>
+        <p:txBody>
+          <a:bodyPr vert="horz" wrap="square" lIns="0" tIns="0" rIns="0" bIns="0" numCol="1" anchor="t" anchorCtr="0" compatLnSpc="1">
+            <a:prstTxWarp prst="textNoShape">
+              <a:avLst/>
+            </a:prstTxWarp>
+            <a:spAutoFit/>
+          </a:bodyPr>
+          <a:lstStyle/>
+          <a:p>
+            <a:pPr marL="0" marR="0" lvl="0" indent="0" algn="just" defTabSz="914400" rtl="0" eaLnBrk="1" fontAlgn="base" latinLnBrk="0" hangingPunct="1">
+              <a:lnSpc>
+                <a:spcPct val="100000"/>
+              </a:lnSpc>
+              <a:spcBef>
+                <a:spcPct val="0"/>
+              </a:spcBef>
+              <a:spcAft>
+                <a:spcPct val="0"/>
+              </a:spcAft>
+              <a:buClrTx/>
+              <a:buSzTx/>
+              <a:buFontTx/>
+              <a:buNone/>
+              <a:tabLst/>
+            </a:pPr>
+            <a:r>
+              <a:rPr kumimoji="0" lang="en-US" sz="1600" b="0" i="1" u="none" strike="noStrike" cap="none" normalizeH="0" baseline="0" dirty="0" smtClean="0">
+                <a:ln>
+                  <a:noFill/>
+                </a:ln>
+                <a:solidFill>
+                  <a:schemeClr val="bg1"/>
+                </a:solidFill>
+                <a:effectLst/>
+                <a:latin typeface="+mn-lt"/>
+                <a:ea typeface="Times New Roman" pitchFamily="18" charset="0"/>
+                <a:cs typeface="Times New Roman" pitchFamily="18" charset="0"/>
+              </a:rPr>
+              <a:t>t</a:t>
+            </a:r>
+            <a:r>
+              <a:rPr lang="en-US" sz="1600" i="1" baseline="-25000" dirty="0" smtClean="0">
+                <a:solidFill>
+                  <a:schemeClr val="bg1"/>
+                </a:solidFill>
+                <a:effectLst/>
+                <a:latin typeface="+mn-lt"/>
+                <a:ea typeface="Times New Roman" pitchFamily="18" charset="0"/>
+                <a:cs typeface="Times New Roman" pitchFamily="18" charset="0"/>
+              </a:rPr>
+              <a:t>1</a:t>
+            </a:r>
+            <a:endParaRPr kumimoji="0" lang="en-US" sz="1600" b="0" i="1" u="none" strike="noStrike" cap="none" normalizeH="0" baseline="-25000" dirty="0">
+              <a:ln>
+                <a:noFill/>
+              </a:ln>
+              <a:solidFill>
+                <a:schemeClr val="bg1"/>
+              </a:solidFill>
+              <a:effectLst/>
+              <a:latin typeface="+mn-lt"/>
+              <a:cs typeface="Arial" pitchFamily="34" charset="0"/>
+            </a:endParaRPr>
+          </a:p>
+        </p:txBody>
+      </p:sp>
+      <p:sp>
+        <p:nvSpPr>
+          <p:cNvPr id="68" name="Rectangle 67">
+            <a:extLst>
+              <a:ext uri="{FF2B5EF4-FFF2-40B4-BE49-F238E27FC236}">
+                <a16:creationId xmlns="" xmlns:a16="http://schemas.microsoft.com/office/drawing/2014/main" id="{0E6501FD-4705-4FBA-A74C-73A0A11BAB13}"/>
+              </a:ext>
+            </a:extLst>
+          </p:cNvPr>
+          <p:cNvSpPr/>
+          <p:nvPr/>
+        </p:nvSpPr>
+        <p:spPr>
+          <a:xfrm>
+            <a:off x="1721952" y="2055849"/>
+            <a:ext cx="648000" cy="178087"/>
+          </a:xfrm>
+          <a:prstGeom prst="rect">
+            <a:avLst/>
+          </a:prstGeom>
+          <a:solidFill>
+            <a:schemeClr val="accent2"/>
+          </a:solidFill>
+          <a:ln w="57150">
+            <a:solidFill>
+              <a:srgbClr val="FF0000"/>
+            </a:solidFill>
+          </a:ln>
+        </p:spPr>
+        <p:style>
+          <a:lnRef idx="1">
+            <a:schemeClr val="accent1"/>
+          </a:lnRef>
+          <a:fillRef idx="0">
+            <a:schemeClr val="accent1"/>
+          </a:fillRef>
+          <a:effectRef idx="0">
+            <a:schemeClr val="accent1"/>
+          </a:effectRef>
+          <a:fontRef idx="minor">
+            <a:schemeClr val="tx1"/>
+          </a:fontRef>
+        </p:style>
+        <p:txBody>
+          <a:bodyPr rtlCol="0" anchor="ctr"/>
+          <a:lstStyle/>
+          <a:p>
+            <a:pPr algn="ctr"/>
+            <a:endParaRPr lang="fr-FR" b="1">
+              <a:solidFill>
+                <a:srgbClr val="0033CC"/>
+              </a:solidFill>
+              <a:effectLst/>
+            </a:endParaRPr>
+          </a:p>
+        </p:txBody>
+      </p:sp>
+      <p:grpSp>
+        <p:nvGrpSpPr>
+          <p:cNvPr id="103" name="Groupe 102"/>
+          <p:cNvGrpSpPr/>
+          <p:nvPr/>
+        </p:nvGrpSpPr>
+        <p:grpSpPr>
+          <a:xfrm>
+            <a:off x="571472" y="3571876"/>
+            <a:ext cx="3135856" cy="2743199"/>
+            <a:chOff x="839245" y="1092200"/>
+            <a:chExt cx="3135856" cy="2743199"/>
+          </a:xfrm>
+        </p:grpSpPr>
+        <p:sp>
+          <p:nvSpPr>
+            <p:cNvPr id="104" name="Rectangle 103"/>
+            <p:cNvSpPr/>
+            <p:nvPr/>
+          </p:nvSpPr>
+          <p:spPr bwMode="auto">
+            <a:xfrm>
+              <a:off x="839245" y="1092200"/>
+              <a:ext cx="3135856" cy="2743199"/>
+            </a:xfrm>
+            <a:prstGeom prst="rect">
+              <a:avLst/>
+            </a:prstGeom>
+            <a:solidFill>
+              <a:schemeClr val="tx1"/>
+            </a:solidFill>
+            <a:ln w="28575">
+              <a:solidFill>
+                <a:srgbClr val="FFC000"/>
+              </a:solidFill>
+              <a:round/>
+              <a:headEnd/>
+              <a:tailEnd/>
+            </a:ln>
+          </p:spPr>
+          <p:txBody>
+            <a:bodyPr vert="horz" wrap="square" lIns="91440" tIns="45720" rIns="91440" bIns="45720" numCol="1" rtlCol="0" anchor="ctr" anchorCtr="0" compatLnSpc="1">
+              <a:prstTxWarp prst="textNoShape">
+                <a:avLst/>
+              </a:prstTxWarp>
+            </a:bodyPr>
+            <a:lstStyle/>
+            <a:p>
+              <a:pPr algn="ctr"/>
+              <a:endParaRPr lang="fr-FR" sz="1600"/>
+            </a:p>
+          </p:txBody>
+        </p:sp>
+        <p:grpSp>
+          <p:nvGrpSpPr>
+            <p:cNvPr id="112" name="Groupe 36"/>
+            <p:cNvGrpSpPr/>
+            <p:nvPr/>
+          </p:nvGrpSpPr>
+          <p:grpSpPr>
+            <a:xfrm>
+              <a:off x="952480" y="1179504"/>
+              <a:ext cx="2570089" cy="2547149"/>
+              <a:chOff x="952480" y="1179504"/>
+              <a:chExt cx="2570089" cy="2547149"/>
+            </a:xfrm>
+          </p:grpSpPr>
+          <p:sp>
+            <p:nvSpPr>
+              <p:cNvPr id="113" name="Rectangle 112"/>
+              <p:cNvSpPr/>
+              <p:nvPr/>
+            </p:nvSpPr>
+            <p:spPr>
+              <a:xfrm rot="5400000">
+                <a:off x="2581264" y="2524120"/>
+                <a:ext cx="723904" cy="180976"/>
+              </a:xfrm>
+              <a:prstGeom prst="rect">
+                <a:avLst/>
+              </a:prstGeom>
+              <a:solidFill>
+                <a:schemeClr val="accent2"/>
+              </a:solidFill>
+              <a:ln w="57150">
+                <a:solidFill>
+                  <a:schemeClr val="bg1"/>
+                </a:solidFill>
+              </a:ln>
+            </p:spPr>
+            <p:style>
+              <a:lnRef idx="1">
+                <a:schemeClr val="accent1"/>
+              </a:lnRef>
+              <a:fillRef idx="0">
+                <a:schemeClr val="accent1"/>
+              </a:fillRef>
+              <a:effectRef idx="0">
+                <a:schemeClr val="accent1"/>
+              </a:effectRef>
+              <a:fontRef idx="minor">
+                <a:schemeClr val="tx1"/>
+              </a:fontRef>
+            </p:style>
+            <p:txBody>
+              <a:bodyPr rtlCol="0" anchor="ctr"/>
+              <a:lstStyle/>
+              <a:p>
+                <a:pPr algn="ctr"/>
+                <a:endParaRPr lang="fr-FR">
+                  <a:solidFill>
+                    <a:srgbClr val="0033CC"/>
+                  </a:solidFill>
+                  <a:effectLst/>
+                </a:endParaRPr>
+              </a:p>
+            </p:txBody>
+          </p:sp>
+          <p:sp>
+            <p:nvSpPr>
+              <p:cNvPr id="114" name="Forme libre 113"/>
+              <p:cNvSpPr/>
+              <p:nvPr/>
+            </p:nvSpPr>
+            <p:spPr>
+              <a:xfrm flipV="1">
+                <a:off x="1133456" y="1851334"/>
+                <a:ext cx="904880" cy="45719"/>
+              </a:xfrm>
+              <a:custGeom>
+                <a:avLst/>
+                <a:gdLst>
+                  <a:gd name="connsiteX0" fmla="*/ 711200 w 711200"/>
+                  <a:gd name="connsiteY0" fmla="*/ 0 h 0"/>
+                  <a:gd name="connsiteX1" fmla="*/ 0 w 711200"/>
+                  <a:gd name="connsiteY1" fmla="*/ 0 h 0"/>
+                </a:gdLst>
+                <a:ahLst/>
+                <a:cxnLst>
+                  <a:cxn ang="0">
+                    <a:pos x="connsiteX0" y="connsiteY0"/>
+                  </a:cxn>
+                  <a:cxn ang="0">
+                    <a:pos x="connsiteX1" y="connsiteY1"/>
+                  </a:cxn>
+                </a:cxnLst>
+                <a:rect l="l" t="t" r="r" b="b"/>
+                <a:pathLst>
+                  <a:path w="711200">
+                    <a:moveTo>
+                      <a:pt x="711200" y="0"/>
+                    </a:moveTo>
+                    <a:lnTo>
+                      <a:pt x="0" y="0"/>
+                    </a:lnTo>
+                  </a:path>
+                </a:pathLst>
+              </a:custGeom>
+              <a:ln w="28575">
+                <a:solidFill>
+                  <a:schemeClr val="bg1"/>
+                </a:solidFill>
+                <a:headEnd type="none"/>
+                <a:tailEnd type="oval" w="lg" len="lg"/>
+              </a:ln>
+            </p:spPr>
+            <p:style>
+              <a:lnRef idx="1">
+                <a:schemeClr val="accent1"/>
+              </a:lnRef>
+              <a:fillRef idx="0">
+                <a:schemeClr val="accent1"/>
+              </a:fillRef>
+              <a:effectRef idx="0">
+                <a:schemeClr val="accent1"/>
+              </a:effectRef>
+              <a:fontRef idx="minor">
+                <a:schemeClr val="tx1"/>
+              </a:fontRef>
+            </p:style>
+            <p:txBody>
+              <a:bodyPr rtlCol="0" anchor="ctr"/>
+              <a:lstStyle/>
+              <a:p>
+                <a:pPr algn="ctr"/>
+                <a:endParaRPr lang="fr-FR">
+                  <a:solidFill>
+                    <a:srgbClr val="0033CC"/>
+                  </a:solidFill>
+                  <a:effectLst/>
+                </a:endParaRPr>
+              </a:p>
+            </p:txBody>
+          </p:sp>
+          <p:cxnSp>
+            <p:nvCxnSpPr>
+              <p:cNvPr id="115" name="Connecteur droit avec flèche 114"/>
+              <p:cNvCxnSpPr/>
+              <p:nvPr/>
+            </p:nvCxnSpPr>
+            <p:spPr>
+              <a:xfrm flipV="1">
+                <a:off x="2930512" y="1722432"/>
+                <a:ext cx="361944" cy="168272"/>
+              </a:xfrm>
+              <a:prstGeom prst="straightConnector1">
+                <a:avLst/>
+              </a:prstGeom>
+              <a:ln w="28575">
+                <a:solidFill>
+                  <a:srgbClr val="FF0000"/>
+                </a:solidFill>
+                <a:tailEnd type="triangle" w="lg" len="lg"/>
+              </a:ln>
+            </p:spPr>
+            <p:style>
+              <a:lnRef idx="1">
+                <a:schemeClr val="accent1"/>
+              </a:lnRef>
+              <a:fillRef idx="0">
+                <a:schemeClr val="accent1"/>
+              </a:fillRef>
+              <a:effectRef idx="0">
+                <a:schemeClr val="accent1"/>
+              </a:effectRef>
+              <a:fontRef idx="minor">
+                <a:schemeClr val="tx1"/>
+              </a:fontRef>
+            </p:style>
+          </p:cxnSp>
+          <p:sp>
+            <p:nvSpPr>
+              <p:cNvPr id="121" name="ZoneTexte 120"/>
+              <p:cNvSpPr txBox="1"/>
+              <p:nvPr/>
+            </p:nvSpPr>
+            <p:spPr>
+              <a:xfrm>
+                <a:off x="3201968" y="1179504"/>
+                <a:ext cx="320601" cy="492443"/>
+              </a:xfrm>
+              <a:prstGeom prst="rect">
+                <a:avLst/>
+              </a:prstGeom>
+              <a:noFill/>
+            </p:spPr>
+            <p:txBody>
+              <a:bodyPr wrap="none" lIns="0" tIns="0" rIns="0" bIns="0" rtlCol="0">
+                <a:spAutoFit/>
+              </a:bodyPr>
+              <a:lstStyle/>
+              <a:p>
+                <a:r>
+                  <a:rPr lang="fr-FR" sz="3200" i="1" dirty="0">
+                    <a:solidFill>
+                      <a:srgbClr val="FF0000"/>
+                    </a:solidFill>
+                    <a:effectLst/>
+                    <a:latin typeface="+mn-lt"/>
+                  </a:rPr>
+                  <a:t>V</a:t>
+                </a:r>
+                <a:r>
+                  <a:rPr lang="fr-FR" sz="3200" i="1" baseline="-25000" dirty="0">
+                    <a:solidFill>
+                      <a:srgbClr val="FF0000"/>
+                    </a:solidFill>
+                    <a:effectLst/>
+                    <a:latin typeface="+mn-lt"/>
+                  </a:rPr>
+                  <a:t>s</a:t>
+                </a:r>
+              </a:p>
+            </p:txBody>
+          </p:sp>
+          <p:sp>
+            <p:nvSpPr>
+              <p:cNvPr id="126" name="ZoneTexte 125"/>
+              <p:cNvSpPr txBox="1"/>
+              <p:nvPr/>
+            </p:nvSpPr>
+            <p:spPr>
+              <a:xfrm>
+                <a:off x="952480" y="1257288"/>
+                <a:ext cx="343427" cy="492443"/>
+              </a:xfrm>
+              <a:prstGeom prst="rect">
+                <a:avLst/>
+              </a:prstGeom>
+              <a:noFill/>
+            </p:spPr>
+            <p:txBody>
+              <a:bodyPr wrap="none" lIns="0" tIns="0" rIns="0" bIns="0" rtlCol="0">
+                <a:spAutoFit/>
+              </a:bodyPr>
+              <a:lstStyle/>
+              <a:p>
+                <a:r>
+                  <a:rPr lang="fr-FR" sz="3200" i="1" dirty="0">
+                    <a:solidFill>
+                      <a:srgbClr val="0033CC"/>
+                    </a:solidFill>
+                    <a:effectLst/>
+                    <a:latin typeface="+mn-lt"/>
+                  </a:rPr>
+                  <a:t>V</a:t>
+                </a:r>
+                <a:r>
+                  <a:rPr lang="fr-FR" sz="3200" i="1" baseline="-25000" dirty="0">
+                    <a:solidFill>
+                      <a:srgbClr val="0033CC"/>
+                    </a:solidFill>
+                    <a:effectLst/>
+                    <a:latin typeface="+mn-lt"/>
+                  </a:rPr>
+                  <a:t>e</a:t>
+                </a:r>
+              </a:p>
+            </p:txBody>
+          </p:sp>
+          <p:sp>
+            <p:nvSpPr>
+              <p:cNvPr id="133" name="ZoneTexte 132"/>
+              <p:cNvSpPr txBox="1"/>
+              <p:nvPr/>
+            </p:nvSpPr>
+            <p:spPr>
+              <a:xfrm>
+                <a:off x="1982253" y="2663836"/>
+                <a:ext cx="784638" cy="276999"/>
+              </a:xfrm>
+              <a:prstGeom prst="rect">
+                <a:avLst/>
+              </a:prstGeom>
+              <a:noFill/>
+            </p:spPr>
+            <p:txBody>
+              <a:bodyPr wrap="none" lIns="0" tIns="0" rIns="0" bIns="0" rtlCol="0">
+                <a:spAutoFit/>
+              </a:bodyPr>
+              <a:lstStyle/>
+              <a:p>
+                <a:r>
+                  <a:rPr lang="fr-FR" sz="1800" i="1" noProof="1" smtClean="0">
+                    <a:solidFill>
+                      <a:schemeClr val="bg1"/>
+                    </a:solidFill>
+                    <a:effectLst/>
+                    <a:latin typeface="+mn-lt"/>
+                  </a:rPr>
+                  <a:t>R</a:t>
+                </a:r>
+                <a:r>
+                  <a:rPr lang="fr-FR" sz="1800" i="1" baseline="-25000" noProof="1" smtClean="0">
+                    <a:solidFill>
+                      <a:schemeClr val="bg1"/>
+                    </a:solidFill>
+                    <a:effectLst/>
+                    <a:latin typeface="+mn-lt"/>
+                  </a:rPr>
+                  <a:t>eq</a:t>
+                </a:r>
+                <a:r>
+                  <a:rPr lang="fr-FR" sz="1800" i="1" noProof="1" smtClean="0">
+                    <a:solidFill>
+                      <a:schemeClr val="bg1"/>
+                    </a:solidFill>
+                    <a:effectLst/>
+                    <a:latin typeface="+mn-lt"/>
+                  </a:rPr>
+                  <a:t>=7.5k</a:t>
+                </a:r>
+                <a:endParaRPr lang="fr-FR" sz="1800" i="1" baseline="-25000" noProof="1">
+                  <a:solidFill>
+                    <a:schemeClr val="bg1"/>
+                  </a:solidFill>
+                  <a:effectLst/>
+                  <a:latin typeface="+mn-lt"/>
+                </a:endParaRPr>
+              </a:p>
+            </p:txBody>
+          </p:sp>
+          <p:sp>
+            <p:nvSpPr>
+              <p:cNvPr id="134" name="ZoneTexte 133"/>
+              <p:cNvSpPr txBox="1"/>
+              <p:nvPr/>
+            </p:nvSpPr>
+            <p:spPr>
+              <a:xfrm>
+                <a:off x="1766872" y="1249908"/>
+                <a:ext cx="588303" cy="276999"/>
+              </a:xfrm>
+              <a:prstGeom prst="rect">
+                <a:avLst/>
+              </a:prstGeom>
+              <a:noFill/>
+            </p:spPr>
+            <p:txBody>
+              <a:bodyPr wrap="none" lIns="0" tIns="0" rIns="0" bIns="0" rtlCol="0">
+                <a:spAutoFit/>
+              </a:bodyPr>
+              <a:lstStyle/>
+              <a:p>
+                <a:r>
+                  <a:rPr lang="fr-FR" sz="1800" i="1" dirty="0" smtClean="0">
+                    <a:solidFill>
+                      <a:schemeClr val="bg1"/>
+                    </a:solidFill>
+                    <a:effectLst/>
+                    <a:latin typeface="+mn-lt"/>
+                  </a:rPr>
+                  <a:t>C=10n</a:t>
+                </a:r>
+                <a:endParaRPr lang="fr-FR" sz="1800" i="1" baseline="-25000" dirty="0">
+                  <a:solidFill>
+                    <a:schemeClr val="bg1"/>
+                  </a:solidFill>
+                  <a:effectLst/>
+                  <a:latin typeface="+mn-lt"/>
+                </a:endParaRPr>
+              </a:p>
+            </p:txBody>
+          </p:sp>
+          <p:cxnSp>
+            <p:nvCxnSpPr>
+              <p:cNvPr id="135" name="Connecteur droit 134"/>
+              <p:cNvCxnSpPr>
+                <a:stCxn id="113" idx="3"/>
+              </p:cNvCxnSpPr>
+              <p:nvPr/>
+            </p:nvCxnSpPr>
+            <p:spPr>
+              <a:xfrm rot="5400000">
+                <a:off x="2762240" y="3157536"/>
+                <a:ext cx="361952" cy="1588"/>
+              </a:xfrm>
+              <a:prstGeom prst="line">
+                <a:avLst/>
+              </a:prstGeom>
+              <a:ln w="28575">
+                <a:solidFill>
+                  <a:schemeClr val="bg1"/>
+                </a:solidFill>
+              </a:ln>
+            </p:spPr>
+            <p:style>
+              <a:lnRef idx="1">
+                <a:schemeClr val="accent1"/>
+              </a:lnRef>
+              <a:fillRef idx="0">
+                <a:schemeClr val="accent1"/>
+              </a:fillRef>
+              <a:effectRef idx="0">
+                <a:schemeClr val="accent1"/>
+              </a:effectRef>
+              <a:fontRef idx="minor">
+                <a:schemeClr val="tx1"/>
+              </a:fontRef>
+            </p:style>
+          </p:cxnSp>
+          <p:sp>
+            <p:nvSpPr>
+              <p:cNvPr id="136" name="Forme libre 135"/>
+              <p:cNvSpPr/>
+              <p:nvPr/>
+            </p:nvSpPr>
+            <p:spPr>
+              <a:xfrm>
+                <a:off x="2251050" y="1890700"/>
+                <a:ext cx="685800" cy="336550"/>
+              </a:xfrm>
+              <a:custGeom>
+                <a:avLst/>
+                <a:gdLst>
+                  <a:gd name="connsiteX0" fmla="*/ 685800 w 685800"/>
+                  <a:gd name="connsiteY0" fmla="*/ 336550 h 336550"/>
+                  <a:gd name="connsiteX1" fmla="*/ 685800 w 685800"/>
+                  <a:gd name="connsiteY1" fmla="*/ 0 h 336550"/>
+                  <a:gd name="connsiteX2" fmla="*/ 0 w 685800"/>
+                  <a:gd name="connsiteY2" fmla="*/ 0 h 336550"/>
+                </a:gdLst>
+                <a:ahLst/>
+                <a:cxnLst>
+                  <a:cxn ang="0">
+                    <a:pos x="connsiteX0" y="connsiteY0"/>
+                  </a:cxn>
+                  <a:cxn ang="0">
+                    <a:pos x="connsiteX1" y="connsiteY1"/>
+                  </a:cxn>
+                  <a:cxn ang="0">
+                    <a:pos x="connsiteX2" y="connsiteY2"/>
+                  </a:cxn>
+                </a:cxnLst>
+                <a:rect l="l" t="t" r="r" b="b"/>
+                <a:pathLst>
+                  <a:path w="685800" h="336550">
+                    <a:moveTo>
+                      <a:pt x="685800" y="336550"/>
+                    </a:moveTo>
+                    <a:lnTo>
+                      <a:pt x="685800" y="0"/>
+                    </a:lnTo>
+                    <a:lnTo>
+                      <a:pt x="0" y="0"/>
+                    </a:lnTo>
+                  </a:path>
+                </a:pathLst>
+              </a:custGeom>
+              <a:ln w="28575">
+                <a:solidFill>
+                  <a:schemeClr val="bg1"/>
+                </a:solidFill>
+              </a:ln>
+            </p:spPr>
+            <p:style>
+              <a:lnRef idx="1">
+                <a:schemeClr val="accent1"/>
+              </a:lnRef>
+              <a:fillRef idx="0">
+                <a:schemeClr val="accent1"/>
+              </a:fillRef>
+              <a:effectRef idx="0">
+                <a:schemeClr val="accent1"/>
+              </a:effectRef>
+              <a:fontRef idx="minor">
+                <a:schemeClr val="tx1"/>
+              </a:fontRef>
+            </p:style>
+            <p:txBody>
+              <a:bodyPr rtlCol="0" anchor="ctr"/>
+              <a:lstStyle/>
+              <a:p>
+                <a:pPr algn="ctr"/>
+                <a:endParaRPr lang="fr-FR">
+                  <a:solidFill>
+                    <a:srgbClr val="0033CC"/>
+                  </a:solidFill>
+                  <a:effectLst/>
+                </a:endParaRPr>
+              </a:p>
+            </p:txBody>
+          </p:sp>
+          <p:grpSp>
+            <p:nvGrpSpPr>
+              <p:cNvPr id="137" name="Groupe 43"/>
+              <p:cNvGrpSpPr/>
+              <p:nvPr/>
+            </p:nvGrpSpPr>
+            <p:grpSpPr>
+              <a:xfrm rot="5400000">
+                <a:off x="1877079" y="1806581"/>
+                <a:ext cx="542926" cy="180945"/>
+                <a:chOff x="5727700" y="3740149"/>
+                <a:chExt cx="633414" cy="177801"/>
+              </a:xfrm>
+            </p:grpSpPr>
+            <p:cxnSp>
+              <p:nvCxnSpPr>
+                <p:cNvPr id="140" name="Connecteur droit 139"/>
+                <p:cNvCxnSpPr/>
+                <p:nvPr/>
+              </p:nvCxnSpPr>
+              <p:spPr>
+                <a:xfrm rot="10800000">
+                  <a:off x="5727700" y="3740149"/>
+                  <a:ext cx="633413" cy="2884"/>
+                </a:xfrm>
+                <a:prstGeom prst="line">
+                  <a:avLst/>
+                </a:prstGeom>
+                <a:ln w="57150">
+                  <a:solidFill>
+                    <a:schemeClr val="bg1"/>
+                  </a:solidFill>
+                </a:ln>
+              </p:spPr>
+              <p:style>
+                <a:lnRef idx="1">
+                  <a:schemeClr val="accent1"/>
+                </a:lnRef>
+                <a:fillRef idx="0">
+                  <a:schemeClr val="accent1"/>
+                </a:fillRef>
+                <a:effectRef idx="0">
+                  <a:schemeClr val="accent1"/>
+                </a:effectRef>
+                <a:fontRef idx="minor">
+                  <a:schemeClr val="tx1"/>
+                </a:fontRef>
+              </p:style>
+            </p:cxnSp>
+            <p:cxnSp>
+              <p:nvCxnSpPr>
+                <p:cNvPr id="141" name="Connecteur droit 140"/>
+                <p:cNvCxnSpPr/>
+                <p:nvPr/>
+              </p:nvCxnSpPr>
+              <p:spPr>
+                <a:xfrm rot="10800000">
+                  <a:off x="5727701" y="3915066"/>
+                  <a:ext cx="633413" cy="2884"/>
+                </a:xfrm>
+                <a:prstGeom prst="line">
+                  <a:avLst/>
+                </a:prstGeom>
+                <a:ln w="57150">
+                  <a:solidFill>
+                    <a:schemeClr val="bg1"/>
+                  </a:solidFill>
+                </a:ln>
+              </p:spPr>
+              <p:style>
+                <a:lnRef idx="1">
+                  <a:schemeClr val="accent1"/>
+                </a:lnRef>
+                <a:fillRef idx="0">
+                  <a:schemeClr val="accent1"/>
+                </a:fillRef>
+                <a:effectRef idx="0">
+                  <a:schemeClr val="accent1"/>
+                </a:effectRef>
+                <a:fontRef idx="minor">
+                  <a:schemeClr val="tx1"/>
+                </a:fontRef>
+              </p:style>
+            </p:cxnSp>
+          </p:grpSp>
+          <p:cxnSp>
+            <p:nvCxnSpPr>
+              <p:cNvPr id="138" name="Connecteur droit avec flèche 137"/>
+              <p:cNvCxnSpPr/>
+              <p:nvPr/>
+            </p:nvCxnSpPr>
+            <p:spPr>
+              <a:xfrm rot="5400000">
+                <a:off x="2807484" y="3474244"/>
+                <a:ext cx="271464" cy="1588"/>
+              </a:xfrm>
+              <a:prstGeom prst="straightConnector1">
+                <a:avLst/>
+              </a:prstGeom>
+              <a:ln w="28575">
+                <a:solidFill>
+                  <a:schemeClr val="bg1"/>
+                </a:solidFill>
+                <a:tailEnd type="triangle" w="lg" len="lg"/>
+              </a:ln>
+            </p:spPr>
+            <p:style>
+              <a:lnRef idx="1">
+                <a:schemeClr val="accent1"/>
+              </a:lnRef>
+              <a:fillRef idx="0">
+                <a:schemeClr val="accent1"/>
+              </a:fillRef>
+              <a:effectRef idx="0">
+                <a:schemeClr val="accent1"/>
+              </a:effectRef>
+              <a:fontRef idx="minor">
+                <a:schemeClr val="tx1"/>
+              </a:fontRef>
+            </p:style>
+          </p:cxnSp>
+          <p:sp>
+            <p:nvSpPr>
+              <p:cNvPr id="139" name="ZoneTexte 138"/>
+              <p:cNvSpPr txBox="1"/>
+              <p:nvPr/>
+            </p:nvSpPr>
+            <p:spPr>
+              <a:xfrm>
+                <a:off x="1910815" y="3449654"/>
+                <a:ext cx="927883" cy="276999"/>
+              </a:xfrm>
+              <a:prstGeom prst="rect">
+                <a:avLst/>
+              </a:prstGeom>
+              <a:noFill/>
+            </p:spPr>
+            <p:txBody>
+              <a:bodyPr wrap="none" lIns="0" tIns="0" rIns="0" bIns="0" rtlCol="0">
+                <a:spAutoFit/>
+              </a:bodyPr>
+              <a:lstStyle/>
+              <a:p>
+                <a:r>
+                  <a:rPr lang="fr-FR" sz="1800" i="1" noProof="1" smtClean="0">
+                    <a:solidFill>
+                      <a:schemeClr val="bg1"/>
+                    </a:solidFill>
+                    <a:effectLst/>
+                    <a:latin typeface="+mn-lt"/>
+                  </a:rPr>
+                  <a:t>V</a:t>
+                </a:r>
+                <a:r>
+                  <a:rPr lang="fr-FR" sz="1800" i="1" baseline="-25000" noProof="1" smtClean="0">
+                    <a:solidFill>
+                      <a:schemeClr val="bg1"/>
+                    </a:solidFill>
+                    <a:effectLst/>
+                    <a:latin typeface="+mn-lt"/>
+                  </a:rPr>
+                  <a:t>eq</a:t>
+                </a:r>
+                <a:r>
+                  <a:rPr lang="fr-FR" sz="1800" i="1" noProof="1" smtClean="0">
+                    <a:solidFill>
+                      <a:schemeClr val="bg1"/>
+                    </a:solidFill>
+                    <a:effectLst/>
+                    <a:latin typeface="+mn-lt"/>
+                  </a:rPr>
+                  <a:t>=3.75V</a:t>
+                </a:r>
+                <a:endParaRPr lang="fr-FR" sz="1800" i="1" baseline="-25000" noProof="1">
+                  <a:solidFill>
+                    <a:schemeClr val="bg1"/>
+                  </a:solidFill>
+                  <a:effectLst/>
+                  <a:latin typeface="+mn-lt"/>
+                </a:endParaRPr>
+              </a:p>
+            </p:txBody>
+          </p:sp>
+        </p:grpSp>
+      </p:grpSp>
     </p:spTree>
     <p:extLst>
       <p:ext uri="{BB962C8B-B14F-4D97-AF65-F5344CB8AC3E}">
-        <p14:creationId xmlns:p14="http://schemas.microsoft.com/office/powerpoint/2010/main" val="639009737"/>
+        <p14:creationId xmlns="" xmlns:p14="http://schemas.microsoft.com/office/powerpoint/2010/main" val="639009737"/>
       </p:ext>
     </p:extLst>
   </p:cSld>

--- a/ELECTRONIQUE/IMAGES/Schemas.pptx
+++ b/ELECTRONIQUE/IMAGES/Schemas.pptx
@@ -5,15 +5,16 @@
     <p:sldMasterId id="2147484222" r:id="rId1"/>
   </p:sldMasterIdLst>
   <p:notesMasterIdLst>
-    <p:notesMasterId r:id="rId5"/>
+    <p:notesMasterId r:id="rId6"/>
   </p:notesMasterIdLst>
   <p:handoutMasterIdLst>
-    <p:handoutMasterId r:id="rId6"/>
+    <p:handoutMasterId r:id="rId7"/>
   </p:handoutMasterIdLst>
   <p:sldIdLst>
-    <p:sldId id="527" r:id="rId2"/>
-    <p:sldId id="528" r:id="rId3"/>
-    <p:sldId id="529" r:id="rId4"/>
+    <p:sldId id="530" r:id="rId2"/>
+    <p:sldId id="527" r:id="rId3"/>
+    <p:sldId id="528" r:id="rId4"/>
+    <p:sldId id="529" r:id="rId5"/>
   </p:sldIdLst>
   <p:sldSz cx="9144000" cy="6858000" type="screen4x3"/>
   <p:notesSz cx="6797675" cy="9926638"/>
@@ -207,7 +208,7 @@
   </p:defaultTextStyle>
   <p:extLst>
     <p:ext uri="{EFAFB233-063F-42B5-8137-9DF3F51BA10A}">
-      <p15:sldGuideLst xmlns="" xmlns:p15="http://schemas.microsoft.com/office/powerpoint/2012/main">
+      <p15:sldGuideLst xmlns:p15="http://schemas.microsoft.com/office/powerpoint/2012/main" xmlns="">
         <p15:guide id="1" orient="horz" pos="2840" userDrawn="1">
           <p15:clr>
             <a:srgbClr val="A4A3A4"/>
@@ -226,7 +227,7 @@
       </p15:sldGuideLst>
     </p:ext>
     <p:ext uri="{2D200454-40CA-4A62-9FC3-DE9A4176ACB9}">
-      <p15:notesGuideLst xmlns="" xmlns:p15="http://schemas.microsoft.com/office/powerpoint/2012/main">
+      <p15:notesGuideLst xmlns:p15="http://schemas.microsoft.com/office/powerpoint/2012/main" xmlns="">
         <p15:guide id="1" orient="horz" pos="3127">
           <p15:clr>
             <a:srgbClr val="A4A3A4"/>
@@ -334,7 +335,7 @@
               <a:pPr>
                 <a:defRPr/>
               </a:pPr>
-              <a:t>24/10/2024</a:t>
+              <a:t>29/11/2024</a:t>
             </a:fld>
             <a:endParaRPr lang="fr-FR"/>
           </a:p>
@@ -418,7 +419,7 @@
     </p:spTree>
     <p:extLst>
       <p:ext uri="{BB962C8B-B14F-4D97-AF65-F5344CB8AC3E}">
-        <p14:creationId xmlns="" xmlns:p14="http://schemas.microsoft.com/office/powerpoint/2010/main" val="1"/>
+        <p14:creationId xmlns:p14="http://schemas.microsoft.com/office/powerpoint/2010/main" xmlns="" val="1"/>
       </p:ext>
     </p:extLst>
   </p:cSld>
@@ -929,7 +930,7 @@
             <a:fld id="{365EAE7C-6C5B-41CD-BAD8-09323DC88F6D}" type="datetime8">
               <a:rPr lang="fr-FR" smtClean="0"/>
               <a:pPr/>
-              <a:t>24/10/2024 16:50</a:t>
+              <a:t>29/11/2024 09:14</a:t>
             </a:fld>
             <a:endParaRPr lang="fr-FR"/>
           </a:p>
@@ -1128,7 +1129,7 @@
             <a:fld id="{80ADAFC8-E58E-40F9-B663-9F56451821D1}" type="datetime8">
               <a:rPr lang="fr-FR" smtClean="0"/>
               <a:pPr/>
-              <a:t>24/10/2024 16:50</a:t>
+              <a:t>29/11/2024 09:14</a:t>
             </a:fld>
             <a:endParaRPr lang="fr-FR"/>
           </a:p>
@@ -1257,7 +1258,7 @@
             <a:fld id="{27CF4C7D-0BF8-4175-ABDC-B527910D61EE}" type="datetime8">
               <a:rPr lang="fr-FR" smtClean="0"/>
               <a:pPr/>
-              <a:t>24/10/2024 16:50</a:t>
+              <a:t>29/11/2024 09:14</a:t>
             </a:fld>
             <a:endParaRPr lang="fr-FR"/>
           </a:p>
@@ -1457,7 +1458,7 @@
             <a:fld id="{FFD76516-F1CB-4547-BCD9-750F24D75B14}" type="datetime8">
               <a:rPr lang="fr-FR" smtClean="0"/>
               <a:pPr/>
-              <a:t>24/10/2024 16:50</a:t>
+              <a:t>29/11/2024 09:14</a:t>
             </a:fld>
             <a:endParaRPr lang="fr-FR"/>
           </a:p>
@@ -1724,7 +1725,7 @@
             <a:fld id="{DCCA0A29-E4CE-41CE-97A0-9AC6848D0399}" type="datetime8">
               <a:rPr lang="fr-FR" smtClean="0"/>
               <a:pPr/>
-              <a:t>24/10/2024 16:50</a:t>
+              <a:t>29/11/2024 09:14</a:t>
             </a:fld>
             <a:endParaRPr lang="fr-FR" dirty="0"/>
           </a:p>
@@ -2073,7 +2074,7 @@
             <a:fld id="{BBDF3BB5-99CC-43F1-B038-57FA1B31A3ED}" type="datetime8">
               <a:rPr lang="fr-FR" smtClean="0"/>
               <a:pPr/>
-              <a:t>24/10/2024 16:50</a:t>
+              <a:t>29/11/2024 09:14</a:t>
             </a:fld>
             <a:endParaRPr lang="fr-FR"/>
           </a:p>
@@ -2327,7 +2328,7 @@
             <a:fld id="{AFA6468B-3BBE-4926-A82A-2522BDA4C876}" type="datetime8">
               <a:rPr lang="fr-FR" smtClean="0"/>
               <a:pPr/>
-              <a:t>24/10/2024 16:50</a:t>
+              <a:t>29/11/2024 09:14</a:t>
             </a:fld>
             <a:endParaRPr lang="fr-FR"/>
           </a:p>
@@ -2729,7 +2730,7 @@
             <a:fld id="{802532EB-A128-4E3D-A83F-28D3FC555FCD}" type="datetime8">
               <a:rPr lang="fr-FR" smtClean="0"/>
               <a:pPr/>
-              <a:t>24/10/2024 16:50</a:t>
+              <a:t>29/11/2024 09:14</a:t>
             </a:fld>
             <a:endParaRPr lang="fr-FR" dirty="0"/>
           </a:p>
@@ -3232,10 +3233,2060 @@
       </p:grpSpPr>
       <p:sp>
         <p:nvSpPr>
+          <p:cNvPr id="2" name="Titre 1"/>
+          <p:cNvSpPr>
+            <a:spLocks noGrp="1"/>
+          </p:cNvSpPr>
+          <p:nvPr>
+            <p:ph type="title"/>
+          </p:nvPr>
+        </p:nvSpPr>
+        <p:spPr/>
+        <p:txBody>
+          <a:bodyPr/>
+          <a:lstStyle/>
+          <a:p>
+            <a:endParaRPr lang="fr-FR"/>
+          </a:p>
+        </p:txBody>
+      </p:sp>
+      <p:sp>
+        <p:nvSpPr>
+          <p:cNvPr id="3" name="Espace réservé de la date 2"/>
+          <p:cNvSpPr>
+            <a:spLocks noGrp="1"/>
+          </p:cNvSpPr>
+          <p:nvPr>
+            <p:ph type="dt" sz="half" idx="10"/>
+          </p:nvPr>
+        </p:nvSpPr>
+        <p:spPr/>
+        <p:txBody>
+          <a:bodyPr/>
+          <a:lstStyle/>
+          <a:p>
+            <a:fld id="{80ADAFC8-E58E-40F9-B663-9F56451821D1}" type="datetime8">
+              <a:rPr lang="fr-FR" smtClean="0"/>
+              <a:pPr/>
+              <a:t>29/11/2024 09:14</a:t>
+            </a:fld>
+            <a:endParaRPr lang="fr-FR"/>
+          </a:p>
+        </p:txBody>
+      </p:sp>
+      <p:sp>
+        <p:nvSpPr>
+          <p:cNvPr id="4" name="Espace réservé du pied de page 3"/>
+          <p:cNvSpPr>
+            <a:spLocks noGrp="1"/>
+          </p:cNvSpPr>
+          <p:nvPr>
+            <p:ph type="ftr" sz="quarter" idx="11"/>
+          </p:nvPr>
+        </p:nvSpPr>
+        <p:spPr/>
+        <p:txBody>
+          <a:bodyPr/>
+          <a:lstStyle/>
+          <a:p>
+            <a:r>
+              <a:rPr lang="fr-FR" smtClean="0"/>
+              <a:t>A. Oumnad</a:t>
+            </a:r>
+            <a:endParaRPr lang="fr-FR" dirty="0"/>
+          </a:p>
+        </p:txBody>
+      </p:sp>
+      <p:sp>
+        <p:nvSpPr>
+          <p:cNvPr id="5" name="Espace réservé du numéro de diapositive 4"/>
+          <p:cNvSpPr>
+            <a:spLocks noGrp="1"/>
+          </p:cNvSpPr>
+          <p:nvPr>
+            <p:ph type="sldNum" sz="quarter" idx="12"/>
+          </p:nvPr>
+        </p:nvSpPr>
+        <p:spPr/>
+        <p:txBody>
+          <a:bodyPr/>
+          <a:lstStyle/>
+          <a:p>
+            <a:fld id="{B5A9633A-FFAA-4A63-B9D0-7C8F8F0E0665}" type="slidenum">
+              <a:rPr lang="fr-FR" smtClean="0"/>
+              <a:pPr/>
+              <a:t>1</a:t>
+            </a:fld>
+            <a:endParaRPr lang="fr-FR"/>
+          </a:p>
+        </p:txBody>
+      </p:sp>
+      <p:sp>
+        <p:nvSpPr>
+          <p:cNvPr id="345094" name="Rectangle 6"/>
+          <p:cNvSpPr>
+            <a:spLocks noChangeArrowheads="1"/>
+          </p:cNvSpPr>
+          <p:nvPr/>
+        </p:nvSpPr>
+        <p:spPr bwMode="auto">
+          <a:xfrm>
+            <a:off x="4486269" y="2719382"/>
+            <a:ext cx="800100" cy="942975"/>
+          </a:xfrm>
+          <a:prstGeom prst="rect">
+            <a:avLst/>
+          </a:prstGeom>
+          <a:solidFill>
+            <a:srgbClr val="BBE0E3"/>
+          </a:solidFill>
+          <a:ln w="9525">
+            <a:noFill/>
+            <a:miter lim="800000"/>
+            <a:headEnd/>
+            <a:tailEnd/>
+          </a:ln>
+        </p:spPr>
+        <p:txBody>
+          <a:bodyPr vert="horz" wrap="square" lIns="91440" tIns="45720" rIns="91440" bIns="45720" numCol="1" anchor="t" anchorCtr="0" compatLnSpc="1">
+            <a:prstTxWarp prst="textNoShape">
+              <a:avLst/>
+            </a:prstTxWarp>
+          </a:bodyPr>
+          <a:lstStyle/>
+          <a:p>
+            <a:endParaRPr lang="fr-FR"/>
+          </a:p>
+        </p:txBody>
+      </p:sp>
+      <p:sp>
+        <p:nvSpPr>
+          <p:cNvPr id="345095" name="Freeform 7"/>
+          <p:cNvSpPr>
+            <a:spLocks noEditPoints="1"/>
+          </p:cNvSpPr>
+          <p:nvPr/>
+        </p:nvSpPr>
+        <p:spPr bwMode="auto">
+          <a:xfrm>
+            <a:off x="4471982" y="2705095"/>
+            <a:ext cx="828675" cy="971550"/>
+          </a:xfrm>
+          <a:custGeom>
+            <a:avLst/>
+            <a:gdLst/>
+            <a:ahLst/>
+            <a:cxnLst>
+              <a:cxn ang="0">
+                <a:pos x="0" y="0"/>
+              </a:cxn>
+              <a:cxn ang="0">
+                <a:pos x="522" y="0"/>
+              </a:cxn>
+              <a:cxn ang="0">
+                <a:pos x="522" y="612"/>
+              </a:cxn>
+              <a:cxn ang="0">
+                <a:pos x="0" y="612"/>
+              </a:cxn>
+              <a:cxn ang="0">
+                <a:pos x="0" y="0"/>
+              </a:cxn>
+              <a:cxn ang="0">
+                <a:pos x="18" y="603"/>
+              </a:cxn>
+              <a:cxn ang="0">
+                <a:pos x="9" y="594"/>
+              </a:cxn>
+              <a:cxn ang="0">
+                <a:pos x="513" y="594"/>
+              </a:cxn>
+              <a:cxn ang="0">
+                <a:pos x="504" y="603"/>
+              </a:cxn>
+              <a:cxn ang="0">
+                <a:pos x="504" y="9"/>
+              </a:cxn>
+              <a:cxn ang="0">
+                <a:pos x="513" y="18"/>
+              </a:cxn>
+              <a:cxn ang="0">
+                <a:pos x="9" y="18"/>
+              </a:cxn>
+              <a:cxn ang="0">
+                <a:pos x="18" y="9"/>
+              </a:cxn>
+              <a:cxn ang="0">
+                <a:pos x="18" y="603"/>
+              </a:cxn>
+            </a:cxnLst>
+            <a:rect l="0" t="0" r="r" b="b"/>
+            <a:pathLst>
+              <a:path w="522" h="612">
+                <a:moveTo>
+                  <a:pt x="0" y="0"/>
+                </a:moveTo>
+                <a:lnTo>
+                  <a:pt x="522" y="0"/>
+                </a:lnTo>
+                <a:lnTo>
+                  <a:pt x="522" y="612"/>
+                </a:lnTo>
+                <a:lnTo>
+                  <a:pt x="0" y="612"/>
+                </a:lnTo>
+                <a:lnTo>
+                  <a:pt x="0" y="0"/>
+                </a:lnTo>
+                <a:close/>
+                <a:moveTo>
+                  <a:pt x="18" y="603"/>
+                </a:moveTo>
+                <a:lnTo>
+                  <a:pt x="9" y="594"/>
+                </a:lnTo>
+                <a:lnTo>
+                  <a:pt x="513" y="594"/>
+                </a:lnTo>
+                <a:lnTo>
+                  <a:pt x="504" y="603"/>
+                </a:lnTo>
+                <a:lnTo>
+                  <a:pt x="504" y="9"/>
+                </a:lnTo>
+                <a:lnTo>
+                  <a:pt x="513" y="18"/>
+                </a:lnTo>
+                <a:lnTo>
+                  <a:pt x="9" y="18"/>
+                </a:lnTo>
+                <a:lnTo>
+                  <a:pt x="18" y="9"/>
+                </a:lnTo>
+                <a:lnTo>
+                  <a:pt x="18" y="603"/>
+                </a:lnTo>
+                <a:close/>
+              </a:path>
+            </a:pathLst>
+          </a:custGeom>
+          <a:solidFill>
+            <a:srgbClr val="FF0000"/>
+          </a:solidFill>
+          <a:ln w="0" cap="flat">
+            <a:solidFill>
+              <a:srgbClr val="FF0000"/>
+            </a:solidFill>
+            <a:prstDash val="solid"/>
+            <a:round/>
+            <a:headEnd/>
+            <a:tailEnd/>
+          </a:ln>
+        </p:spPr>
+        <p:txBody>
+          <a:bodyPr vert="horz" wrap="square" lIns="91440" tIns="45720" rIns="91440" bIns="45720" numCol="1" anchor="t" anchorCtr="0" compatLnSpc="1">
+            <a:prstTxWarp prst="textNoShape">
+              <a:avLst/>
+            </a:prstTxWarp>
+          </a:bodyPr>
+          <a:lstStyle/>
+          <a:p>
+            <a:endParaRPr lang="fr-FR"/>
+          </a:p>
+        </p:txBody>
+      </p:sp>
+      <p:sp>
+        <p:nvSpPr>
+          <p:cNvPr id="345096" name="Freeform 8"/>
+          <p:cNvSpPr>
+            <a:spLocks noEditPoints="1"/>
+          </p:cNvSpPr>
+          <p:nvPr/>
+        </p:nvSpPr>
+        <p:spPr bwMode="auto">
+          <a:xfrm flipH="1">
+            <a:off x="4691057" y="2795582"/>
+            <a:ext cx="225425" cy="647700"/>
+          </a:xfrm>
+          <a:custGeom>
+            <a:avLst/>
+            <a:gdLst/>
+            <a:ahLst/>
+            <a:cxnLst>
+              <a:cxn ang="0">
+                <a:pos x="199" y="1020"/>
+              </a:cxn>
+              <a:cxn ang="0">
+                <a:pos x="186" y="1009"/>
+              </a:cxn>
+              <a:cxn ang="0">
+                <a:pos x="131" y="946"/>
+              </a:cxn>
+              <a:cxn ang="0">
+                <a:pos x="85" y="878"/>
+              </a:cxn>
+              <a:cxn ang="0">
+                <a:pos x="49" y="804"/>
+              </a:cxn>
+              <a:cxn ang="0">
+                <a:pos x="22" y="725"/>
+              </a:cxn>
+              <a:cxn ang="0">
+                <a:pos x="5" y="644"/>
+              </a:cxn>
+              <a:cxn ang="0">
+                <a:pos x="0" y="559"/>
+              </a:cxn>
+              <a:cxn ang="0">
+                <a:pos x="6" y="468"/>
+              </a:cxn>
+              <a:cxn ang="0">
+                <a:pos x="6" y="464"/>
+              </a:cxn>
+              <a:cxn ang="0">
+                <a:pos x="25" y="378"/>
+              </a:cxn>
+              <a:cxn ang="0">
+                <a:pos x="56" y="294"/>
+              </a:cxn>
+              <a:cxn ang="0">
+                <a:pos x="98" y="215"/>
+              </a:cxn>
+              <a:cxn ang="0">
+                <a:pos x="100" y="212"/>
+              </a:cxn>
+              <a:cxn ang="0">
+                <a:pos x="152" y="143"/>
+              </a:cxn>
+              <a:cxn ang="0">
+                <a:pos x="214" y="80"/>
+              </a:cxn>
+              <a:cxn ang="0">
+                <a:pos x="241" y="59"/>
+              </a:cxn>
+              <a:cxn ang="0">
+                <a:pos x="271" y="97"/>
+              </a:cxn>
+              <a:cxn ang="0">
+                <a:pos x="249" y="113"/>
+              </a:cxn>
+              <a:cxn ang="0">
+                <a:pos x="191" y="172"/>
+              </a:cxn>
+              <a:cxn ang="0">
+                <a:pos x="139" y="241"/>
+              </a:cxn>
+              <a:cxn ang="0">
+                <a:pos x="141" y="238"/>
+              </a:cxn>
+              <a:cxn ang="0">
+                <a:pos x="101" y="311"/>
+              </a:cxn>
+              <a:cxn ang="0">
+                <a:pos x="72" y="389"/>
+              </a:cxn>
+              <a:cxn ang="0">
+                <a:pos x="53" y="475"/>
+              </a:cxn>
+              <a:cxn ang="0">
+                <a:pos x="53" y="471"/>
+              </a:cxn>
+              <a:cxn ang="0">
+                <a:pos x="47" y="556"/>
+              </a:cxn>
+              <a:cxn ang="0">
+                <a:pos x="52" y="635"/>
+              </a:cxn>
+              <a:cxn ang="0">
+                <a:pos x="67" y="710"/>
+              </a:cxn>
+              <a:cxn ang="0">
+                <a:pos x="92" y="783"/>
+              </a:cxn>
+              <a:cxn ang="0">
+                <a:pos x="125" y="851"/>
+              </a:cxn>
+              <a:cxn ang="0">
+                <a:pos x="168" y="915"/>
+              </a:cxn>
+              <a:cxn ang="0">
+                <a:pos x="217" y="972"/>
+              </a:cxn>
+              <a:cxn ang="0">
+                <a:pos x="230" y="984"/>
+              </a:cxn>
+              <a:cxn ang="0">
+                <a:pos x="199" y="1020"/>
+              </a:cxn>
+              <a:cxn ang="0">
+                <a:pos x="214" y="1002"/>
+              </a:cxn>
+              <a:cxn ang="0">
+                <a:pos x="210" y="848"/>
+              </a:cxn>
+              <a:cxn ang="0">
+                <a:pos x="329" y="1088"/>
+              </a:cxn>
+              <a:cxn ang="0">
+                <a:pos x="66" y="1040"/>
+              </a:cxn>
+              <a:cxn ang="0">
+                <a:pos x="214" y="1002"/>
+              </a:cxn>
+              <a:cxn ang="0">
+                <a:pos x="256" y="78"/>
+              </a:cxn>
+              <a:cxn ang="0">
+                <a:pos x="111" y="28"/>
+              </a:cxn>
+              <a:cxn ang="0">
+                <a:pos x="377" y="0"/>
+              </a:cxn>
+              <a:cxn ang="0">
+                <a:pos x="239" y="230"/>
+              </a:cxn>
+              <a:cxn ang="0">
+                <a:pos x="256" y="78"/>
+              </a:cxn>
+            </a:cxnLst>
+            <a:rect l="0" t="0" r="r" b="b"/>
+            <a:pathLst>
+              <a:path w="377" h="1088">
+                <a:moveTo>
+                  <a:pt x="199" y="1020"/>
+                </a:moveTo>
+                <a:lnTo>
+                  <a:pt x="186" y="1009"/>
+                </a:lnTo>
+                <a:lnTo>
+                  <a:pt x="131" y="946"/>
+                </a:lnTo>
+                <a:lnTo>
+                  <a:pt x="85" y="878"/>
+                </a:lnTo>
+                <a:lnTo>
+                  <a:pt x="49" y="804"/>
+                </a:lnTo>
+                <a:lnTo>
+                  <a:pt x="22" y="725"/>
+                </a:lnTo>
+                <a:lnTo>
+                  <a:pt x="5" y="644"/>
+                </a:lnTo>
+                <a:lnTo>
+                  <a:pt x="0" y="559"/>
+                </a:lnTo>
+                <a:lnTo>
+                  <a:pt x="6" y="468"/>
+                </a:lnTo>
+                <a:cubicBezTo>
+                  <a:pt x="6" y="467"/>
+                  <a:pt x="6" y="465"/>
+                  <a:pt x="6" y="464"/>
+                </a:cubicBezTo>
+                <a:lnTo>
+                  <a:pt x="25" y="378"/>
+                </a:lnTo>
+                <a:lnTo>
+                  <a:pt x="56" y="294"/>
+                </a:lnTo>
+                <a:lnTo>
+                  <a:pt x="98" y="215"/>
+                </a:lnTo>
+                <a:cubicBezTo>
+                  <a:pt x="99" y="214"/>
+                  <a:pt x="100" y="213"/>
+                  <a:pt x="100" y="212"/>
+                </a:cubicBezTo>
+                <a:lnTo>
+                  <a:pt x="152" y="143"/>
+                </a:lnTo>
+                <a:lnTo>
+                  <a:pt x="214" y="80"/>
+                </a:lnTo>
+                <a:lnTo>
+                  <a:pt x="241" y="59"/>
+                </a:lnTo>
+                <a:lnTo>
+                  <a:pt x="271" y="97"/>
+                </a:lnTo>
+                <a:lnTo>
+                  <a:pt x="249" y="113"/>
+                </a:lnTo>
+                <a:lnTo>
+                  <a:pt x="191" y="172"/>
+                </a:lnTo>
+                <a:lnTo>
+                  <a:pt x="139" y="241"/>
+                </a:lnTo>
+                <a:lnTo>
+                  <a:pt x="141" y="238"/>
+                </a:lnTo>
+                <a:lnTo>
+                  <a:pt x="101" y="311"/>
+                </a:lnTo>
+                <a:lnTo>
+                  <a:pt x="72" y="389"/>
+                </a:lnTo>
+                <a:lnTo>
+                  <a:pt x="53" y="475"/>
+                </a:lnTo>
+                <a:lnTo>
+                  <a:pt x="53" y="471"/>
+                </a:lnTo>
+                <a:lnTo>
+                  <a:pt x="47" y="556"/>
+                </a:lnTo>
+                <a:lnTo>
+                  <a:pt x="52" y="635"/>
+                </a:lnTo>
+                <a:lnTo>
+                  <a:pt x="67" y="710"/>
+                </a:lnTo>
+                <a:lnTo>
+                  <a:pt x="92" y="783"/>
+                </a:lnTo>
+                <a:lnTo>
+                  <a:pt x="125" y="851"/>
+                </a:lnTo>
+                <a:lnTo>
+                  <a:pt x="168" y="915"/>
+                </a:lnTo>
+                <a:lnTo>
+                  <a:pt x="217" y="972"/>
+                </a:lnTo>
+                <a:lnTo>
+                  <a:pt x="230" y="984"/>
+                </a:lnTo>
+                <a:lnTo>
+                  <a:pt x="199" y="1020"/>
+                </a:lnTo>
+                <a:close/>
+                <a:moveTo>
+                  <a:pt x="214" y="1002"/>
+                </a:moveTo>
+                <a:lnTo>
+                  <a:pt x="210" y="848"/>
+                </a:lnTo>
+                <a:lnTo>
+                  <a:pt x="329" y="1088"/>
+                </a:lnTo>
+                <a:lnTo>
+                  <a:pt x="66" y="1040"/>
+                </a:lnTo>
+                <a:lnTo>
+                  <a:pt x="214" y="1002"/>
+                </a:lnTo>
+                <a:close/>
+                <a:moveTo>
+                  <a:pt x="256" y="78"/>
+                </a:moveTo>
+                <a:lnTo>
+                  <a:pt x="111" y="28"/>
+                </a:lnTo>
+                <a:lnTo>
+                  <a:pt x="377" y="0"/>
+                </a:lnTo>
+                <a:lnTo>
+                  <a:pt x="239" y="230"/>
+                </a:lnTo>
+                <a:lnTo>
+                  <a:pt x="256" y="78"/>
+                </a:lnTo>
+                <a:close/>
+              </a:path>
+            </a:pathLst>
+          </a:custGeom>
+          <a:solidFill>
+            <a:srgbClr val="000000"/>
+          </a:solidFill>
+          <a:ln w="0" cap="flat">
+            <a:solidFill>
+              <a:srgbClr val="000000"/>
+            </a:solidFill>
+            <a:prstDash val="solid"/>
+            <a:round/>
+            <a:headEnd/>
+            <a:tailEnd/>
+          </a:ln>
+        </p:spPr>
+        <p:txBody>
+          <a:bodyPr vert="horz" wrap="square" lIns="91440" tIns="45720" rIns="91440" bIns="45720" numCol="1" anchor="t" anchorCtr="0" compatLnSpc="1">
+            <a:prstTxWarp prst="textNoShape">
+              <a:avLst/>
+            </a:prstTxWarp>
+          </a:bodyPr>
+          <a:lstStyle/>
+          <a:p>
+            <a:endParaRPr lang="fr-FR"/>
+          </a:p>
+        </p:txBody>
+      </p:sp>
+      <p:sp>
+        <p:nvSpPr>
+          <p:cNvPr id="345098" name="Freeform 10"/>
+          <p:cNvSpPr>
+            <a:spLocks noEditPoints="1"/>
+          </p:cNvSpPr>
+          <p:nvPr/>
+        </p:nvSpPr>
+        <p:spPr bwMode="auto">
+          <a:xfrm>
+            <a:off x="5286380" y="2847976"/>
+            <a:ext cx="252000" cy="76200"/>
+          </a:xfrm>
+          <a:custGeom>
+            <a:avLst/>
+            <a:gdLst/>
+            <a:ahLst/>
+            <a:cxnLst>
+              <a:cxn ang="0">
+                <a:pos x="0" y="18"/>
+              </a:cxn>
+              <a:cxn ang="0">
+                <a:pos x="230" y="18"/>
+              </a:cxn>
+              <a:cxn ang="0">
+                <a:pos x="230" y="30"/>
+              </a:cxn>
+              <a:cxn ang="0">
+                <a:pos x="0" y="30"/>
+              </a:cxn>
+              <a:cxn ang="0">
+                <a:pos x="0" y="18"/>
+              </a:cxn>
+              <a:cxn ang="0">
+                <a:pos x="222" y="0"/>
+              </a:cxn>
+              <a:cxn ang="0">
+                <a:pos x="270" y="24"/>
+              </a:cxn>
+              <a:cxn ang="0">
+                <a:pos x="222" y="48"/>
+              </a:cxn>
+              <a:cxn ang="0">
+                <a:pos x="222" y="0"/>
+              </a:cxn>
+            </a:cxnLst>
+            <a:rect l="0" t="0" r="r" b="b"/>
+            <a:pathLst>
+              <a:path w="270" h="48">
+                <a:moveTo>
+                  <a:pt x="0" y="18"/>
+                </a:moveTo>
+                <a:lnTo>
+                  <a:pt x="230" y="18"/>
+                </a:lnTo>
+                <a:lnTo>
+                  <a:pt x="230" y="30"/>
+                </a:lnTo>
+                <a:lnTo>
+                  <a:pt x="0" y="30"/>
+                </a:lnTo>
+                <a:lnTo>
+                  <a:pt x="0" y="18"/>
+                </a:lnTo>
+                <a:close/>
+                <a:moveTo>
+                  <a:pt x="222" y="0"/>
+                </a:moveTo>
+                <a:lnTo>
+                  <a:pt x="270" y="24"/>
+                </a:lnTo>
+                <a:lnTo>
+                  <a:pt x="222" y="48"/>
+                </a:lnTo>
+                <a:lnTo>
+                  <a:pt x="222" y="0"/>
+                </a:lnTo>
+                <a:close/>
+              </a:path>
+            </a:pathLst>
+          </a:custGeom>
+          <a:solidFill>
+            <a:srgbClr val="000000"/>
+          </a:solidFill>
+          <a:ln w="0" cap="flat">
+            <a:solidFill>
+              <a:srgbClr val="000000"/>
+            </a:solidFill>
+            <a:prstDash val="solid"/>
+            <a:round/>
+            <a:headEnd/>
+            <a:tailEnd/>
+          </a:ln>
+        </p:spPr>
+        <p:txBody>
+          <a:bodyPr vert="horz" wrap="square" lIns="91440" tIns="45720" rIns="91440" bIns="45720" numCol="1" anchor="t" anchorCtr="0" compatLnSpc="1">
+            <a:prstTxWarp prst="textNoShape">
+              <a:avLst/>
+            </a:prstTxWarp>
+          </a:bodyPr>
+          <a:lstStyle/>
+          <a:p>
+            <a:endParaRPr lang="fr-FR"/>
+          </a:p>
+        </p:txBody>
+      </p:sp>
+      <p:sp>
+        <p:nvSpPr>
+          <p:cNvPr id="345099" name="Freeform 11"/>
+          <p:cNvSpPr>
+            <a:spLocks noEditPoints="1"/>
+          </p:cNvSpPr>
+          <p:nvPr/>
+        </p:nvSpPr>
+        <p:spPr bwMode="auto">
+          <a:xfrm>
+            <a:off x="5286380" y="3067051"/>
+            <a:ext cx="252000" cy="76200"/>
+          </a:xfrm>
+          <a:custGeom>
+            <a:avLst/>
+            <a:gdLst/>
+            <a:ahLst/>
+            <a:cxnLst>
+              <a:cxn ang="0">
+                <a:pos x="0" y="18"/>
+              </a:cxn>
+              <a:cxn ang="0">
+                <a:pos x="230" y="18"/>
+              </a:cxn>
+              <a:cxn ang="0">
+                <a:pos x="230" y="30"/>
+              </a:cxn>
+              <a:cxn ang="0">
+                <a:pos x="0" y="30"/>
+              </a:cxn>
+              <a:cxn ang="0">
+                <a:pos x="0" y="18"/>
+              </a:cxn>
+              <a:cxn ang="0">
+                <a:pos x="222" y="0"/>
+              </a:cxn>
+              <a:cxn ang="0">
+                <a:pos x="270" y="24"/>
+              </a:cxn>
+              <a:cxn ang="0">
+                <a:pos x="222" y="48"/>
+              </a:cxn>
+              <a:cxn ang="0">
+                <a:pos x="222" y="0"/>
+              </a:cxn>
+            </a:cxnLst>
+            <a:rect l="0" t="0" r="r" b="b"/>
+            <a:pathLst>
+              <a:path w="270" h="48">
+                <a:moveTo>
+                  <a:pt x="0" y="18"/>
+                </a:moveTo>
+                <a:lnTo>
+                  <a:pt x="230" y="18"/>
+                </a:lnTo>
+                <a:lnTo>
+                  <a:pt x="230" y="30"/>
+                </a:lnTo>
+                <a:lnTo>
+                  <a:pt x="0" y="30"/>
+                </a:lnTo>
+                <a:lnTo>
+                  <a:pt x="0" y="18"/>
+                </a:lnTo>
+                <a:close/>
+                <a:moveTo>
+                  <a:pt x="222" y="0"/>
+                </a:moveTo>
+                <a:lnTo>
+                  <a:pt x="270" y="24"/>
+                </a:lnTo>
+                <a:lnTo>
+                  <a:pt x="222" y="48"/>
+                </a:lnTo>
+                <a:lnTo>
+                  <a:pt x="222" y="0"/>
+                </a:lnTo>
+                <a:close/>
+              </a:path>
+            </a:pathLst>
+          </a:custGeom>
+          <a:solidFill>
+            <a:srgbClr val="000000"/>
+          </a:solidFill>
+          <a:ln w="0" cap="flat">
+            <a:solidFill>
+              <a:srgbClr val="000000"/>
+            </a:solidFill>
+            <a:prstDash val="solid"/>
+            <a:round/>
+            <a:headEnd/>
+            <a:tailEnd/>
+          </a:ln>
+        </p:spPr>
+        <p:txBody>
+          <a:bodyPr vert="horz" wrap="square" lIns="91440" tIns="45720" rIns="91440" bIns="45720" numCol="1" anchor="t" anchorCtr="0" compatLnSpc="1">
+            <a:prstTxWarp prst="textNoShape">
+              <a:avLst/>
+            </a:prstTxWarp>
+          </a:bodyPr>
+          <a:lstStyle/>
+          <a:p>
+            <a:endParaRPr lang="fr-FR"/>
+          </a:p>
+        </p:txBody>
+      </p:sp>
+      <p:sp>
+        <p:nvSpPr>
+          <p:cNvPr id="345100" name="Freeform 12"/>
+          <p:cNvSpPr>
+            <a:spLocks noEditPoints="1"/>
+          </p:cNvSpPr>
+          <p:nvPr/>
+        </p:nvSpPr>
+        <p:spPr bwMode="auto">
+          <a:xfrm>
+            <a:off x="5286380" y="3286126"/>
+            <a:ext cx="252000" cy="76200"/>
+          </a:xfrm>
+          <a:custGeom>
+            <a:avLst/>
+            <a:gdLst/>
+            <a:ahLst/>
+            <a:cxnLst>
+              <a:cxn ang="0">
+                <a:pos x="0" y="18"/>
+              </a:cxn>
+              <a:cxn ang="0">
+                <a:pos x="230" y="18"/>
+              </a:cxn>
+              <a:cxn ang="0">
+                <a:pos x="230" y="30"/>
+              </a:cxn>
+              <a:cxn ang="0">
+                <a:pos x="0" y="30"/>
+              </a:cxn>
+              <a:cxn ang="0">
+                <a:pos x="0" y="18"/>
+              </a:cxn>
+              <a:cxn ang="0">
+                <a:pos x="222" y="0"/>
+              </a:cxn>
+              <a:cxn ang="0">
+                <a:pos x="270" y="24"/>
+              </a:cxn>
+              <a:cxn ang="0">
+                <a:pos x="222" y="48"/>
+              </a:cxn>
+              <a:cxn ang="0">
+                <a:pos x="222" y="0"/>
+              </a:cxn>
+            </a:cxnLst>
+            <a:rect l="0" t="0" r="r" b="b"/>
+            <a:pathLst>
+              <a:path w="270" h="48">
+                <a:moveTo>
+                  <a:pt x="0" y="18"/>
+                </a:moveTo>
+                <a:lnTo>
+                  <a:pt x="230" y="18"/>
+                </a:lnTo>
+                <a:lnTo>
+                  <a:pt x="230" y="30"/>
+                </a:lnTo>
+                <a:lnTo>
+                  <a:pt x="0" y="30"/>
+                </a:lnTo>
+                <a:lnTo>
+                  <a:pt x="0" y="18"/>
+                </a:lnTo>
+                <a:close/>
+                <a:moveTo>
+                  <a:pt x="222" y="0"/>
+                </a:moveTo>
+                <a:lnTo>
+                  <a:pt x="270" y="24"/>
+                </a:lnTo>
+                <a:lnTo>
+                  <a:pt x="222" y="48"/>
+                </a:lnTo>
+                <a:lnTo>
+                  <a:pt x="222" y="0"/>
+                </a:lnTo>
+                <a:close/>
+              </a:path>
+            </a:pathLst>
+          </a:custGeom>
+          <a:solidFill>
+            <a:srgbClr val="000000"/>
+          </a:solidFill>
+          <a:ln w="0" cap="flat">
+            <a:solidFill>
+              <a:srgbClr val="000000"/>
+            </a:solidFill>
+            <a:prstDash val="solid"/>
+            <a:round/>
+            <a:headEnd/>
+            <a:tailEnd/>
+          </a:ln>
+        </p:spPr>
+        <p:txBody>
+          <a:bodyPr vert="horz" wrap="square" lIns="91440" tIns="45720" rIns="91440" bIns="45720" numCol="1" anchor="t" anchorCtr="0" compatLnSpc="1">
+            <a:prstTxWarp prst="textNoShape">
+              <a:avLst/>
+            </a:prstTxWarp>
+          </a:bodyPr>
+          <a:lstStyle/>
+          <a:p>
+            <a:endParaRPr lang="fr-FR"/>
+          </a:p>
+        </p:txBody>
+      </p:sp>
+      <p:sp>
+        <p:nvSpPr>
+          <p:cNvPr id="345101" name="Freeform 13"/>
+          <p:cNvSpPr>
+            <a:spLocks noEditPoints="1"/>
+          </p:cNvSpPr>
+          <p:nvPr/>
+        </p:nvSpPr>
+        <p:spPr bwMode="auto">
+          <a:xfrm>
+            <a:off x="5286380" y="3495676"/>
+            <a:ext cx="252000" cy="76200"/>
+          </a:xfrm>
+          <a:custGeom>
+            <a:avLst/>
+            <a:gdLst/>
+            <a:ahLst/>
+            <a:cxnLst>
+              <a:cxn ang="0">
+                <a:pos x="0" y="18"/>
+              </a:cxn>
+              <a:cxn ang="0">
+                <a:pos x="230" y="18"/>
+              </a:cxn>
+              <a:cxn ang="0">
+                <a:pos x="230" y="30"/>
+              </a:cxn>
+              <a:cxn ang="0">
+                <a:pos x="0" y="30"/>
+              </a:cxn>
+              <a:cxn ang="0">
+                <a:pos x="0" y="18"/>
+              </a:cxn>
+              <a:cxn ang="0">
+                <a:pos x="222" y="0"/>
+              </a:cxn>
+              <a:cxn ang="0">
+                <a:pos x="270" y="24"/>
+              </a:cxn>
+              <a:cxn ang="0">
+                <a:pos x="222" y="48"/>
+              </a:cxn>
+              <a:cxn ang="0">
+                <a:pos x="222" y="0"/>
+              </a:cxn>
+            </a:cxnLst>
+            <a:rect l="0" t="0" r="r" b="b"/>
+            <a:pathLst>
+              <a:path w="270" h="48">
+                <a:moveTo>
+                  <a:pt x="0" y="18"/>
+                </a:moveTo>
+                <a:lnTo>
+                  <a:pt x="230" y="18"/>
+                </a:lnTo>
+                <a:lnTo>
+                  <a:pt x="230" y="30"/>
+                </a:lnTo>
+                <a:lnTo>
+                  <a:pt x="0" y="30"/>
+                </a:lnTo>
+                <a:lnTo>
+                  <a:pt x="0" y="18"/>
+                </a:lnTo>
+                <a:close/>
+                <a:moveTo>
+                  <a:pt x="222" y="0"/>
+                </a:moveTo>
+                <a:lnTo>
+                  <a:pt x="270" y="24"/>
+                </a:lnTo>
+                <a:lnTo>
+                  <a:pt x="222" y="48"/>
+                </a:lnTo>
+                <a:lnTo>
+                  <a:pt x="222" y="0"/>
+                </a:lnTo>
+                <a:close/>
+              </a:path>
+            </a:pathLst>
+          </a:custGeom>
+          <a:solidFill>
+            <a:srgbClr val="000000"/>
+          </a:solidFill>
+          <a:ln w="0" cap="flat">
+            <a:solidFill>
+              <a:srgbClr val="000000"/>
+            </a:solidFill>
+            <a:prstDash val="solid"/>
+            <a:round/>
+            <a:headEnd/>
+            <a:tailEnd/>
+          </a:ln>
+        </p:spPr>
+        <p:txBody>
+          <a:bodyPr vert="horz" wrap="square" lIns="91440" tIns="45720" rIns="91440" bIns="45720" numCol="1" anchor="t" anchorCtr="0" compatLnSpc="1">
+            <a:prstTxWarp prst="textNoShape">
+              <a:avLst/>
+            </a:prstTxWarp>
+          </a:bodyPr>
+          <a:lstStyle/>
+          <a:p>
+            <a:endParaRPr lang="fr-FR"/>
+          </a:p>
+        </p:txBody>
+      </p:sp>
+      <p:sp>
+        <p:nvSpPr>
+          <p:cNvPr id="345103" name="Freeform 15"/>
+          <p:cNvSpPr>
+            <a:spLocks/>
+          </p:cNvSpPr>
+          <p:nvPr/>
+        </p:nvSpPr>
+        <p:spPr bwMode="auto">
+          <a:xfrm flipH="1">
+            <a:off x="4483104" y="2867022"/>
+            <a:ext cx="731838" cy="312738"/>
+          </a:xfrm>
+          <a:custGeom>
+            <a:avLst/>
+            <a:gdLst/>
+            <a:ahLst/>
+            <a:cxnLst>
+              <a:cxn ang="0">
+                <a:pos x="456" y="197"/>
+              </a:cxn>
+              <a:cxn ang="0">
+                <a:pos x="0" y="11"/>
+              </a:cxn>
+              <a:cxn ang="0">
+                <a:pos x="5" y="0"/>
+              </a:cxn>
+              <a:cxn ang="0">
+                <a:pos x="461" y="186"/>
+              </a:cxn>
+              <a:cxn ang="0">
+                <a:pos x="456" y="197"/>
+              </a:cxn>
+            </a:cxnLst>
+            <a:rect l="0" t="0" r="r" b="b"/>
+            <a:pathLst>
+              <a:path w="461" h="197">
+                <a:moveTo>
+                  <a:pt x="456" y="197"/>
+                </a:moveTo>
+                <a:lnTo>
+                  <a:pt x="0" y="11"/>
+                </a:lnTo>
+                <a:lnTo>
+                  <a:pt x="5" y="0"/>
+                </a:lnTo>
+                <a:lnTo>
+                  <a:pt x="461" y="186"/>
+                </a:lnTo>
+                <a:lnTo>
+                  <a:pt x="456" y="197"/>
+                </a:lnTo>
+                <a:close/>
+              </a:path>
+            </a:pathLst>
+          </a:custGeom>
+          <a:solidFill>
+            <a:srgbClr val="FF0000"/>
+          </a:solidFill>
+          <a:ln w="0" cap="flat">
+            <a:solidFill>
+              <a:srgbClr val="FF0000"/>
+            </a:solidFill>
+            <a:prstDash val="solid"/>
+            <a:round/>
+            <a:headEnd/>
+            <a:tailEnd/>
+          </a:ln>
+        </p:spPr>
+        <p:txBody>
+          <a:bodyPr vert="horz" wrap="square" lIns="91440" tIns="45720" rIns="91440" bIns="45720" numCol="1" anchor="t" anchorCtr="0" compatLnSpc="1">
+            <a:prstTxWarp prst="textNoShape">
+              <a:avLst/>
+            </a:prstTxWarp>
+          </a:bodyPr>
+          <a:lstStyle/>
+          <a:p>
+            <a:endParaRPr lang="fr-FR"/>
+          </a:p>
+        </p:txBody>
+      </p:sp>
+      <p:sp>
+        <p:nvSpPr>
+          <p:cNvPr id="345106" name="Rectangle 18"/>
+          <p:cNvSpPr>
+            <a:spLocks noChangeArrowheads="1"/>
+          </p:cNvSpPr>
+          <p:nvPr/>
+        </p:nvSpPr>
+        <p:spPr bwMode="auto">
+          <a:xfrm>
+            <a:off x="4071934" y="3071810"/>
+            <a:ext cx="86562" cy="184666"/>
+          </a:xfrm>
+          <a:prstGeom prst="rect">
+            <a:avLst/>
+          </a:prstGeom>
+          <a:noFill/>
+          <a:ln w="9525">
+            <a:noFill/>
+            <a:miter lim="800000"/>
+            <a:headEnd/>
+            <a:tailEnd/>
+          </a:ln>
+        </p:spPr>
+        <p:txBody>
+          <a:bodyPr vert="horz" wrap="none" lIns="0" tIns="0" rIns="0" bIns="0" numCol="1" anchor="t" anchorCtr="0" compatLnSpc="1">
+            <a:prstTxWarp prst="textNoShape">
+              <a:avLst/>
+            </a:prstTxWarp>
+            <a:spAutoFit/>
+          </a:bodyPr>
+          <a:lstStyle/>
+          <a:p>
+            <a:pPr marL="0" marR="0" lvl="0" indent="0" algn="l" defTabSz="914400" rtl="0" eaLnBrk="1" fontAlgn="base" latinLnBrk="0" hangingPunct="1">
+              <a:lnSpc>
+                <a:spcPct val="100000"/>
+              </a:lnSpc>
+              <a:spcBef>
+                <a:spcPct val="0"/>
+              </a:spcBef>
+              <a:spcAft>
+                <a:spcPct val="0"/>
+              </a:spcAft>
+              <a:buClrTx/>
+              <a:buSzTx/>
+              <a:buFontTx/>
+              <a:buNone/>
+              <a:tabLst/>
+            </a:pPr>
+            <a:r>
+              <a:rPr kumimoji="0" lang="fr-FR" sz="1200" b="0" i="0" u="none" strike="noStrike" cap="none" normalizeH="0" baseline="0" dirty="0" smtClean="0">
+                <a:ln>
+                  <a:noFill/>
+                </a:ln>
+                <a:solidFill>
+                  <a:srgbClr val="000000"/>
+                </a:solidFill>
+                <a:effectLst/>
+                <a:latin typeface="Tahoma" pitchFamily="34" charset="0"/>
+                <a:cs typeface="Arial" pitchFamily="34" charset="0"/>
+              </a:rPr>
+              <a:t>E</a:t>
+            </a:r>
+            <a:endParaRPr kumimoji="0" lang="fr-FR" sz="1400" b="0" i="0" u="none" strike="noStrike" cap="none" normalizeH="0" baseline="0" dirty="0" smtClean="0">
+              <a:ln>
+                <a:noFill/>
+              </a:ln>
+              <a:solidFill>
+                <a:schemeClr val="tx1"/>
+              </a:solidFill>
+              <a:effectLst/>
+              <a:latin typeface="Arial" pitchFamily="34" charset="0"/>
+              <a:cs typeface="Arial" pitchFamily="34" charset="0"/>
+            </a:endParaRPr>
+          </a:p>
+        </p:txBody>
+      </p:sp>
+      <p:sp>
+        <p:nvSpPr>
+          <p:cNvPr id="345112" name="Freeform 24"/>
+          <p:cNvSpPr>
+            <a:spLocks noEditPoints="1"/>
+          </p:cNvSpPr>
+          <p:nvPr/>
+        </p:nvSpPr>
+        <p:spPr bwMode="auto">
+          <a:xfrm>
+            <a:off x="4738683" y="3657595"/>
+            <a:ext cx="76200" cy="209550"/>
+          </a:xfrm>
+          <a:custGeom>
+            <a:avLst/>
+            <a:gdLst/>
+            <a:ahLst/>
+            <a:cxnLst>
+              <a:cxn ang="0">
+                <a:pos x="18" y="132"/>
+              </a:cxn>
+              <a:cxn ang="0">
+                <a:pos x="18" y="40"/>
+              </a:cxn>
+              <a:cxn ang="0">
+                <a:pos x="30" y="40"/>
+              </a:cxn>
+              <a:cxn ang="0">
+                <a:pos x="30" y="132"/>
+              </a:cxn>
+              <a:cxn ang="0">
+                <a:pos x="18" y="132"/>
+              </a:cxn>
+              <a:cxn ang="0">
+                <a:pos x="0" y="48"/>
+              </a:cxn>
+              <a:cxn ang="0">
+                <a:pos x="24" y="0"/>
+              </a:cxn>
+              <a:cxn ang="0">
+                <a:pos x="48" y="48"/>
+              </a:cxn>
+              <a:cxn ang="0">
+                <a:pos x="0" y="48"/>
+              </a:cxn>
+            </a:cxnLst>
+            <a:rect l="0" t="0" r="r" b="b"/>
+            <a:pathLst>
+              <a:path w="48" h="132">
+                <a:moveTo>
+                  <a:pt x="18" y="132"/>
+                </a:moveTo>
+                <a:lnTo>
+                  <a:pt x="18" y="40"/>
+                </a:lnTo>
+                <a:lnTo>
+                  <a:pt x="30" y="40"/>
+                </a:lnTo>
+                <a:lnTo>
+                  <a:pt x="30" y="132"/>
+                </a:lnTo>
+                <a:lnTo>
+                  <a:pt x="18" y="132"/>
+                </a:lnTo>
+                <a:close/>
+                <a:moveTo>
+                  <a:pt x="0" y="48"/>
+                </a:moveTo>
+                <a:lnTo>
+                  <a:pt x="24" y="0"/>
+                </a:lnTo>
+                <a:lnTo>
+                  <a:pt x="48" y="48"/>
+                </a:lnTo>
+                <a:lnTo>
+                  <a:pt x="0" y="48"/>
+                </a:lnTo>
+                <a:close/>
+              </a:path>
+            </a:pathLst>
+          </a:custGeom>
+          <a:solidFill>
+            <a:srgbClr val="000000"/>
+          </a:solidFill>
+          <a:ln w="0" cap="flat">
+            <a:solidFill>
+              <a:srgbClr val="000000"/>
+            </a:solidFill>
+            <a:prstDash val="solid"/>
+            <a:round/>
+            <a:headEnd/>
+            <a:tailEnd/>
+          </a:ln>
+        </p:spPr>
+        <p:txBody>
+          <a:bodyPr vert="horz" wrap="square" lIns="91440" tIns="45720" rIns="91440" bIns="45720" numCol="1" anchor="t" anchorCtr="0" compatLnSpc="1">
+            <a:prstTxWarp prst="textNoShape">
+              <a:avLst/>
+            </a:prstTxWarp>
+          </a:bodyPr>
+          <a:lstStyle/>
+          <a:p>
+            <a:endParaRPr lang="fr-FR"/>
+          </a:p>
+        </p:txBody>
+      </p:sp>
+      <p:sp>
+        <p:nvSpPr>
+          <p:cNvPr id="345113" name="Freeform 25"/>
+          <p:cNvSpPr>
+            <a:spLocks noEditPoints="1"/>
+          </p:cNvSpPr>
+          <p:nvPr/>
+        </p:nvSpPr>
+        <p:spPr bwMode="auto">
+          <a:xfrm>
+            <a:off x="5024432" y="3657595"/>
+            <a:ext cx="76200" cy="209550"/>
+          </a:xfrm>
+          <a:custGeom>
+            <a:avLst/>
+            <a:gdLst/>
+            <a:ahLst/>
+            <a:cxnLst>
+              <a:cxn ang="0">
+                <a:pos x="18" y="132"/>
+              </a:cxn>
+              <a:cxn ang="0">
+                <a:pos x="18" y="40"/>
+              </a:cxn>
+              <a:cxn ang="0">
+                <a:pos x="30" y="40"/>
+              </a:cxn>
+              <a:cxn ang="0">
+                <a:pos x="30" y="132"/>
+              </a:cxn>
+              <a:cxn ang="0">
+                <a:pos x="18" y="132"/>
+              </a:cxn>
+              <a:cxn ang="0">
+                <a:pos x="0" y="48"/>
+              </a:cxn>
+              <a:cxn ang="0">
+                <a:pos x="24" y="0"/>
+              </a:cxn>
+              <a:cxn ang="0">
+                <a:pos x="48" y="48"/>
+              </a:cxn>
+              <a:cxn ang="0">
+                <a:pos x="0" y="48"/>
+              </a:cxn>
+            </a:cxnLst>
+            <a:rect l="0" t="0" r="r" b="b"/>
+            <a:pathLst>
+              <a:path w="48" h="132">
+                <a:moveTo>
+                  <a:pt x="18" y="132"/>
+                </a:moveTo>
+                <a:lnTo>
+                  <a:pt x="18" y="40"/>
+                </a:lnTo>
+                <a:lnTo>
+                  <a:pt x="30" y="40"/>
+                </a:lnTo>
+                <a:lnTo>
+                  <a:pt x="30" y="132"/>
+                </a:lnTo>
+                <a:lnTo>
+                  <a:pt x="18" y="132"/>
+                </a:lnTo>
+                <a:close/>
+                <a:moveTo>
+                  <a:pt x="0" y="48"/>
+                </a:moveTo>
+                <a:lnTo>
+                  <a:pt x="24" y="0"/>
+                </a:lnTo>
+                <a:lnTo>
+                  <a:pt x="48" y="48"/>
+                </a:lnTo>
+                <a:lnTo>
+                  <a:pt x="0" y="48"/>
+                </a:lnTo>
+                <a:close/>
+              </a:path>
+            </a:pathLst>
+          </a:custGeom>
+          <a:solidFill>
+            <a:srgbClr val="000000"/>
+          </a:solidFill>
+          <a:ln w="0" cap="flat">
+            <a:solidFill>
+              <a:srgbClr val="000000"/>
+            </a:solidFill>
+            <a:prstDash val="solid"/>
+            <a:round/>
+            <a:headEnd/>
+            <a:tailEnd/>
+          </a:ln>
+        </p:spPr>
+        <p:txBody>
+          <a:bodyPr vert="horz" wrap="square" lIns="91440" tIns="45720" rIns="91440" bIns="45720" numCol="1" anchor="t" anchorCtr="0" compatLnSpc="1">
+            <a:prstTxWarp prst="textNoShape">
+              <a:avLst/>
+            </a:prstTxWarp>
+          </a:bodyPr>
+          <a:lstStyle/>
+          <a:p>
+            <a:endParaRPr lang="fr-FR"/>
+          </a:p>
+        </p:txBody>
+      </p:sp>
+      <p:sp>
+        <p:nvSpPr>
+          <p:cNvPr id="345114" name="Rectangle 26"/>
+          <p:cNvSpPr>
+            <a:spLocks noChangeArrowheads="1"/>
+          </p:cNvSpPr>
+          <p:nvPr/>
+        </p:nvSpPr>
+        <p:spPr bwMode="auto">
+          <a:xfrm>
+            <a:off x="4994269" y="3873495"/>
+            <a:ext cx="149080" cy="184666"/>
+          </a:xfrm>
+          <a:prstGeom prst="rect">
+            <a:avLst/>
+          </a:prstGeom>
+          <a:noFill/>
+          <a:ln w="9525">
+            <a:noFill/>
+            <a:miter lim="800000"/>
+            <a:headEnd/>
+            <a:tailEnd/>
+          </a:ln>
+        </p:spPr>
+        <p:txBody>
+          <a:bodyPr vert="horz" wrap="none" lIns="0" tIns="0" rIns="0" bIns="0" numCol="1" anchor="t" anchorCtr="0" compatLnSpc="1">
+            <a:prstTxWarp prst="textNoShape">
+              <a:avLst/>
+            </a:prstTxWarp>
+            <a:spAutoFit/>
+          </a:bodyPr>
+          <a:lstStyle/>
+          <a:p>
+            <a:pPr marL="0" marR="0" lvl="0" indent="0" algn="l" defTabSz="914400" rtl="0" eaLnBrk="1" fontAlgn="base" latinLnBrk="0" hangingPunct="1">
+              <a:lnSpc>
+                <a:spcPct val="100000"/>
+              </a:lnSpc>
+              <a:spcBef>
+                <a:spcPct val="0"/>
+              </a:spcBef>
+              <a:spcAft>
+                <a:spcPct val="0"/>
+              </a:spcAft>
+              <a:buClrTx/>
+              <a:buSzTx/>
+              <a:buFontTx/>
+              <a:buNone/>
+              <a:tabLst/>
+            </a:pPr>
+            <a:r>
+              <a:rPr kumimoji="0" lang="fr-FR" sz="1200" b="0" i="0" u="none" strike="noStrike" cap="none" normalizeH="0" baseline="0" noProof="1" smtClean="0">
+                <a:ln>
+                  <a:noFill/>
+                </a:ln>
+                <a:solidFill>
+                  <a:srgbClr val="000000"/>
+                </a:solidFill>
+                <a:effectLst/>
+                <a:latin typeface="Tahoma" pitchFamily="34" charset="0"/>
+                <a:cs typeface="Arial" pitchFamily="34" charset="0"/>
+              </a:rPr>
+              <a:t>A</a:t>
+            </a:r>
+            <a:r>
+              <a:rPr kumimoji="0" lang="fr-FR" sz="1200" b="0" i="0" u="none" strike="noStrike" cap="none" normalizeH="0" baseline="-25000" noProof="1" smtClean="0">
+                <a:ln>
+                  <a:noFill/>
+                </a:ln>
+                <a:solidFill>
+                  <a:srgbClr val="000000"/>
+                </a:solidFill>
+                <a:effectLst/>
+                <a:latin typeface="Tahoma" pitchFamily="34" charset="0"/>
+                <a:cs typeface="Arial" pitchFamily="34" charset="0"/>
+              </a:rPr>
+              <a:t>o</a:t>
+            </a:r>
+            <a:endParaRPr kumimoji="0" lang="fr-FR" sz="1400" b="0" i="0" u="none" strike="noStrike" cap="none" normalizeH="0" baseline="-25000" noProof="1" smtClean="0">
+              <a:ln>
+                <a:noFill/>
+              </a:ln>
+              <a:solidFill>
+                <a:schemeClr val="tx1"/>
+              </a:solidFill>
+              <a:effectLst/>
+              <a:latin typeface="Arial" pitchFamily="34" charset="0"/>
+              <a:cs typeface="Arial" pitchFamily="34" charset="0"/>
+            </a:endParaRPr>
+          </a:p>
+        </p:txBody>
+      </p:sp>
+      <p:sp>
+        <p:nvSpPr>
+          <p:cNvPr id="50" name="Rectangle 16"/>
+          <p:cNvSpPr>
+            <a:spLocks noChangeArrowheads="1"/>
+          </p:cNvSpPr>
+          <p:nvPr/>
+        </p:nvSpPr>
+        <p:spPr bwMode="auto">
+          <a:xfrm>
+            <a:off x="5572132" y="2786058"/>
+            <a:ext cx="141385" cy="184666"/>
+          </a:xfrm>
+          <a:prstGeom prst="rect">
+            <a:avLst/>
+          </a:prstGeom>
+          <a:noFill/>
+          <a:ln w="9525">
+            <a:noFill/>
+            <a:miter lim="800000"/>
+            <a:headEnd/>
+            <a:tailEnd/>
+          </a:ln>
+        </p:spPr>
+        <p:txBody>
+          <a:bodyPr vert="horz" wrap="none" lIns="0" tIns="0" rIns="0" bIns="0" numCol="1" anchor="t" anchorCtr="0" compatLnSpc="1">
+            <a:prstTxWarp prst="textNoShape">
+              <a:avLst/>
+            </a:prstTxWarp>
+            <a:spAutoFit/>
+          </a:bodyPr>
+          <a:lstStyle/>
+          <a:p>
+            <a:pPr marL="0" marR="0" lvl="0" indent="0" algn="l" defTabSz="914400" rtl="0" eaLnBrk="1" fontAlgn="base" latinLnBrk="0" hangingPunct="1">
+              <a:lnSpc>
+                <a:spcPct val="100000"/>
+              </a:lnSpc>
+              <a:spcBef>
+                <a:spcPct val="0"/>
+              </a:spcBef>
+              <a:spcAft>
+                <a:spcPct val="0"/>
+              </a:spcAft>
+              <a:buClrTx/>
+              <a:buSzTx/>
+              <a:buFontTx/>
+              <a:buNone/>
+              <a:tabLst/>
+            </a:pPr>
+            <a:r>
+              <a:rPr kumimoji="0" lang="fr-FR" sz="1200" b="0" i="0" u="none" strike="noStrike" cap="none" normalizeH="0" baseline="0" noProof="1" smtClean="0">
+                <a:ln>
+                  <a:noFill/>
+                </a:ln>
+                <a:solidFill>
+                  <a:srgbClr val="000000"/>
+                </a:solidFill>
+                <a:effectLst/>
+                <a:latin typeface="Tahoma" pitchFamily="34" charset="0"/>
+                <a:cs typeface="Arial" pitchFamily="34" charset="0"/>
+              </a:rPr>
+              <a:t>S</a:t>
+            </a:r>
+            <a:r>
+              <a:rPr kumimoji="0" lang="fr-FR" sz="1200" b="0" i="0" u="none" strike="noStrike" cap="none" normalizeH="0" baseline="-25000" noProof="1" smtClean="0">
+                <a:ln>
+                  <a:noFill/>
+                </a:ln>
+                <a:solidFill>
+                  <a:srgbClr val="000000"/>
+                </a:solidFill>
+                <a:effectLst/>
+                <a:latin typeface="Tahoma" pitchFamily="34" charset="0"/>
+                <a:cs typeface="Arial" pitchFamily="34" charset="0"/>
+              </a:rPr>
+              <a:t>o</a:t>
+            </a:r>
+            <a:endParaRPr kumimoji="0" lang="fr-FR" sz="1400" b="0" i="0" u="none" strike="noStrike" cap="none" normalizeH="0" baseline="-25000" noProof="1" smtClean="0">
+              <a:ln>
+                <a:noFill/>
+              </a:ln>
+              <a:solidFill>
+                <a:schemeClr val="tx1"/>
+              </a:solidFill>
+              <a:effectLst/>
+              <a:latin typeface="Arial" pitchFamily="34" charset="0"/>
+              <a:cs typeface="Arial" pitchFamily="34" charset="0"/>
+            </a:endParaRPr>
+          </a:p>
+        </p:txBody>
+      </p:sp>
+      <p:sp>
+        <p:nvSpPr>
+          <p:cNvPr id="51" name="Rectangle 16"/>
+          <p:cNvSpPr>
+            <a:spLocks noChangeArrowheads="1"/>
+          </p:cNvSpPr>
+          <p:nvPr/>
+        </p:nvSpPr>
+        <p:spPr bwMode="auto">
+          <a:xfrm>
+            <a:off x="5572132" y="3000372"/>
+            <a:ext cx="141064" cy="184666"/>
+          </a:xfrm>
+          <a:prstGeom prst="rect">
+            <a:avLst/>
+          </a:prstGeom>
+          <a:noFill/>
+          <a:ln w="9525">
+            <a:noFill/>
+            <a:miter lim="800000"/>
+            <a:headEnd/>
+            <a:tailEnd/>
+          </a:ln>
+        </p:spPr>
+        <p:txBody>
+          <a:bodyPr vert="horz" wrap="none" lIns="0" tIns="0" rIns="0" bIns="0" numCol="1" anchor="t" anchorCtr="0" compatLnSpc="1">
+            <a:prstTxWarp prst="textNoShape">
+              <a:avLst/>
+            </a:prstTxWarp>
+            <a:spAutoFit/>
+          </a:bodyPr>
+          <a:lstStyle/>
+          <a:p>
+            <a:pPr marL="0" marR="0" lvl="0" indent="0" algn="l" defTabSz="914400" rtl="0" eaLnBrk="1" fontAlgn="base" latinLnBrk="0" hangingPunct="1">
+              <a:lnSpc>
+                <a:spcPct val="100000"/>
+              </a:lnSpc>
+              <a:spcBef>
+                <a:spcPct val="0"/>
+              </a:spcBef>
+              <a:spcAft>
+                <a:spcPct val="0"/>
+              </a:spcAft>
+              <a:buClrTx/>
+              <a:buSzTx/>
+              <a:buFontTx/>
+              <a:buNone/>
+              <a:tabLst/>
+            </a:pPr>
+            <a:r>
+              <a:rPr kumimoji="0" lang="fr-FR" sz="1200" b="0" i="0" u="none" strike="noStrike" cap="none" normalizeH="0" baseline="0" noProof="1" smtClean="0">
+                <a:ln>
+                  <a:noFill/>
+                </a:ln>
+                <a:solidFill>
+                  <a:srgbClr val="000000"/>
+                </a:solidFill>
+                <a:effectLst/>
+                <a:latin typeface="Tahoma" pitchFamily="34" charset="0"/>
+                <a:cs typeface="Arial" pitchFamily="34" charset="0"/>
+              </a:rPr>
+              <a:t>S</a:t>
+            </a:r>
+            <a:r>
+              <a:rPr lang="fr-FR" sz="1200" baseline="-25000" noProof="1" smtClean="0">
+                <a:solidFill>
+                  <a:srgbClr val="000000"/>
+                </a:solidFill>
+                <a:effectLst/>
+                <a:latin typeface="Tahoma" pitchFamily="34" charset="0"/>
+                <a:cs typeface="Arial" pitchFamily="34" charset="0"/>
+              </a:rPr>
+              <a:t>1</a:t>
+            </a:r>
+            <a:endParaRPr kumimoji="0" lang="fr-FR" sz="1400" b="0" i="0" u="none" strike="noStrike" cap="none" normalizeH="0" baseline="-25000" noProof="1" smtClean="0">
+              <a:ln>
+                <a:noFill/>
+              </a:ln>
+              <a:solidFill>
+                <a:schemeClr val="tx1"/>
+              </a:solidFill>
+              <a:effectLst/>
+              <a:latin typeface="Arial" pitchFamily="34" charset="0"/>
+              <a:cs typeface="Arial" pitchFamily="34" charset="0"/>
+            </a:endParaRPr>
+          </a:p>
+        </p:txBody>
+      </p:sp>
+      <p:sp>
+        <p:nvSpPr>
+          <p:cNvPr id="52" name="Rectangle 16"/>
+          <p:cNvSpPr>
+            <a:spLocks noChangeArrowheads="1"/>
+          </p:cNvSpPr>
+          <p:nvPr/>
+        </p:nvSpPr>
+        <p:spPr bwMode="auto">
+          <a:xfrm>
+            <a:off x="5572132" y="3214686"/>
+            <a:ext cx="141064" cy="184666"/>
+          </a:xfrm>
+          <a:prstGeom prst="rect">
+            <a:avLst/>
+          </a:prstGeom>
+          <a:noFill/>
+          <a:ln w="9525">
+            <a:noFill/>
+            <a:miter lim="800000"/>
+            <a:headEnd/>
+            <a:tailEnd/>
+          </a:ln>
+        </p:spPr>
+        <p:txBody>
+          <a:bodyPr vert="horz" wrap="none" lIns="0" tIns="0" rIns="0" bIns="0" numCol="1" anchor="t" anchorCtr="0" compatLnSpc="1">
+            <a:prstTxWarp prst="textNoShape">
+              <a:avLst/>
+            </a:prstTxWarp>
+            <a:spAutoFit/>
+          </a:bodyPr>
+          <a:lstStyle/>
+          <a:p>
+            <a:pPr marL="0" marR="0" lvl="0" indent="0" algn="l" defTabSz="914400" rtl="0" eaLnBrk="1" fontAlgn="base" latinLnBrk="0" hangingPunct="1">
+              <a:lnSpc>
+                <a:spcPct val="100000"/>
+              </a:lnSpc>
+              <a:spcBef>
+                <a:spcPct val="0"/>
+              </a:spcBef>
+              <a:spcAft>
+                <a:spcPct val="0"/>
+              </a:spcAft>
+              <a:buClrTx/>
+              <a:buSzTx/>
+              <a:buFontTx/>
+              <a:buNone/>
+              <a:tabLst/>
+            </a:pPr>
+            <a:r>
+              <a:rPr kumimoji="0" lang="fr-FR" sz="1200" b="0" i="0" u="none" strike="noStrike" cap="none" normalizeH="0" baseline="0" noProof="1" smtClean="0">
+                <a:ln>
+                  <a:noFill/>
+                </a:ln>
+                <a:solidFill>
+                  <a:srgbClr val="000000"/>
+                </a:solidFill>
+                <a:effectLst/>
+                <a:latin typeface="Tahoma" pitchFamily="34" charset="0"/>
+                <a:cs typeface="Arial" pitchFamily="34" charset="0"/>
+              </a:rPr>
+              <a:t>S</a:t>
+            </a:r>
+            <a:r>
+              <a:rPr lang="fr-FR" sz="1200" baseline="-25000" noProof="1" smtClean="0">
+                <a:solidFill>
+                  <a:srgbClr val="000000"/>
+                </a:solidFill>
+                <a:effectLst/>
+                <a:latin typeface="Tahoma" pitchFamily="34" charset="0"/>
+                <a:cs typeface="Arial" pitchFamily="34" charset="0"/>
+              </a:rPr>
+              <a:t>2</a:t>
+            </a:r>
+            <a:endParaRPr kumimoji="0" lang="fr-FR" sz="1400" b="0" i="0" u="none" strike="noStrike" cap="none" normalizeH="0" baseline="-25000" noProof="1" smtClean="0">
+              <a:ln>
+                <a:noFill/>
+              </a:ln>
+              <a:solidFill>
+                <a:schemeClr val="tx1"/>
+              </a:solidFill>
+              <a:effectLst/>
+              <a:latin typeface="Arial" pitchFamily="34" charset="0"/>
+              <a:cs typeface="Arial" pitchFamily="34" charset="0"/>
+            </a:endParaRPr>
+          </a:p>
+        </p:txBody>
+      </p:sp>
+      <p:sp>
+        <p:nvSpPr>
+          <p:cNvPr id="53" name="Rectangle 16"/>
+          <p:cNvSpPr>
+            <a:spLocks noChangeArrowheads="1"/>
+          </p:cNvSpPr>
+          <p:nvPr/>
+        </p:nvSpPr>
+        <p:spPr bwMode="auto">
+          <a:xfrm>
+            <a:off x="5572132" y="3429000"/>
+            <a:ext cx="141064" cy="184666"/>
+          </a:xfrm>
+          <a:prstGeom prst="rect">
+            <a:avLst/>
+          </a:prstGeom>
+          <a:noFill/>
+          <a:ln w="9525">
+            <a:noFill/>
+            <a:miter lim="800000"/>
+            <a:headEnd/>
+            <a:tailEnd/>
+          </a:ln>
+        </p:spPr>
+        <p:txBody>
+          <a:bodyPr vert="horz" wrap="none" lIns="0" tIns="0" rIns="0" bIns="0" numCol="1" anchor="t" anchorCtr="0" compatLnSpc="1">
+            <a:prstTxWarp prst="textNoShape">
+              <a:avLst/>
+            </a:prstTxWarp>
+            <a:spAutoFit/>
+          </a:bodyPr>
+          <a:lstStyle/>
+          <a:p>
+            <a:pPr marL="0" marR="0" lvl="0" indent="0" algn="l" defTabSz="914400" rtl="0" eaLnBrk="1" fontAlgn="base" latinLnBrk="0" hangingPunct="1">
+              <a:lnSpc>
+                <a:spcPct val="100000"/>
+              </a:lnSpc>
+              <a:spcBef>
+                <a:spcPct val="0"/>
+              </a:spcBef>
+              <a:spcAft>
+                <a:spcPct val="0"/>
+              </a:spcAft>
+              <a:buClrTx/>
+              <a:buSzTx/>
+              <a:buFontTx/>
+              <a:buNone/>
+              <a:tabLst/>
+            </a:pPr>
+            <a:r>
+              <a:rPr kumimoji="0" lang="fr-FR" sz="1200" b="0" i="0" u="none" strike="noStrike" cap="none" normalizeH="0" baseline="0" noProof="1" smtClean="0">
+                <a:ln>
+                  <a:noFill/>
+                </a:ln>
+                <a:solidFill>
+                  <a:srgbClr val="000000"/>
+                </a:solidFill>
+                <a:effectLst/>
+                <a:latin typeface="Tahoma" pitchFamily="34" charset="0"/>
+                <a:cs typeface="Arial" pitchFamily="34" charset="0"/>
+              </a:rPr>
+              <a:t>S</a:t>
+            </a:r>
+            <a:r>
+              <a:rPr lang="fr-FR" sz="1200" baseline="-25000" noProof="1" smtClean="0">
+                <a:solidFill>
+                  <a:srgbClr val="000000"/>
+                </a:solidFill>
+                <a:effectLst/>
+                <a:latin typeface="Tahoma" pitchFamily="34" charset="0"/>
+                <a:cs typeface="Arial" pitchFamily="34" charset="0"/>
+              </a:rPr>
+              <a:t>3</a:t>
+            </a:r>
+            <a:endParaRPr kumimoji="0" lang="fr-FR" sz="1400" b="0" i="0" u="none" strike="noStrike" cap="none" normalizeH="0" baseline="-25000" noProof="1" smtClean="0">
+              <a:ln>
+                <a:noFill/>
+              </a:ln>
+              <a:solidFill>
+                <a:schemeClr val="tx1"/>
+              </a:solidFill>
+              <a:effectLst/>
+              <a:latin typeface="Arial" pitchFamily="34" charset="0"/>
+              <a:cs typeface="Arial" pitchFamily="34" charset="0"/>
+            </a:endParaRPr>
+          </a:p>
+        </p:txBody>
+      </p:sp>
+      <p:sp>
+        <p:nvSpPr>
+          <p:cNvPr id="54" name="Rectangle 26"/>
+          <p:cNvSpPr>
+            <a:spLocks noChangeArrowheads="1"/>
+          </p:cNvSpPr>
+          <p:nvPr/>
+        </p:nvSpPr>
+        <p:spPr bwMode="auto">
+          <a:xfrm>
+            <a:off x="4714876" y="3857628"/>
+            <a:ext cx="149080" cy="184666"/>
+          </a:xfrm>
+          <a:prstGeom prst="rect">
+            <a:avLst/>
+          </a:prstGeom>
+          <a:noFill/>
+          <a:ln w="9525">
+            <a:noFill/>
+            <a:miter lim="800000"/>
+            <a:headEnd/>
+            <a:tailEnd/>
+          </a:ln>
+        </p:spPr>
+        <p:txBody>
+          <a:bodyPr vert="horz" wrap="none" lIns="0" tIns="0" rIns="0" bIns="0" numCol="1" anchor="t" anchorCtr="0" compatLnSpc="1">
+            <a:prstTxWarp prst="textNoShape">
+              <a:avLst/>
+            </a:prstTxWarp>
+            <a:spAutoFit/>
+          </a:bodyPr>
+          <a:lstStyle/>
+          <a:p>
+            <a:pPr marL="0" marR="0" lvl="0" indent="0" algn="l" defTabSz="914400" rtl="0" eaLnBrk="1" fontAlgn="base" latinLnBrk="0" hangingPunct="1">
+              <a:lnSpc>
+                <a:spcPct val="100000"/>
+              </a:lnSpc>
+              <a:spcBef>
+                <a:spcPct val="0"/>
+              </a:spcBef>
+              <a:spcAft>
+                <a:spcPct val="0"/>
+              </a:spcAft>
+              <a:buClrTx/>
+              <a:buSzTx/>
+              <a:buFontTx/>
+              <a:buNone/>
+              <a:tabLst/>
+            </a:pPr>
+            <a:r>
+              <a:rPr kumimoji="0" lang="fr-FR" sz="1200" b="0" i="0" u="none" strike="noStrike" cap="none" normalizeH="0" baseline="0" noProof="1" smtClean="0">
+                <a:ln>
+                  <a:noFill/>
+                </a:ln>
+                <a:solidFill>
+                  <a:srgbClr val="000000"/>
+                </a:solidFill>
+                <a:effectLst/>
+                <a:latin typeface="Tahoma" pitchFamily="34" charset="0"/>
+                <a:cs typeface="Arial" pitchFamily="34" charset="0"/>
+              </a:rPr>
+              <a:t>A</a:t>
+            </a:r>
+            <a:r>
+              <a:rPr lang="fr-FR" sz="1200" baseline="-25000" noProof="1" smtClean="0">
+                <a:solidFill>
+                  <a:srgbClr val="000000"/>
+                </a:solidFill>
+                <a:effectLst/>
+                <a:latin typeface="Tahoma" pitchFamily="34" charset="0"/>
+                <a:cs typeface="Arial" pitchFamily="34" charset="0"/>
+              </a:rPr>
+              <a:t>1</a:t>
+            </a:r>
+            <a:endParaRPr kumimoji="0" lang="fr-FR" sz="1400" b="0" i="0" u="none" strike="noStrike" cap="none" normalizeH="0" baseline="-25000" noProof="1" smtClean="0">
+              <a:ln>
+                <a:noFill/>
+              </a:ln>
+              <a:solidFill>
+                <a:schemeClr val="tx1"/>
+              </a:solidFill>
+              <a:effectLst/>
+              <a:latin typeface="Arial" pitchFamily="34" charset="0"/>
+              <a:cs typeface="Arial" pitchFamily="34" charset="0"/>
+            </a:endParaRPr>
+          </a:p>
+        </p:txBody>
+      </p:sp>
+      <p:sp>
+        <p:nvSpPr>
+          <p:cNvPr id="345102" name="Freeform 14"/>
+          <p:cNvSpPr>
+            <a:spLocks noEditPoints="1"/>
+          </p:cNvSpPr>
+          <p:nvPr/>
+        </p:nvSpPr>
+        <p:spPr bwMode="auto">
+          <a:xfrm>
+            <a:off x="4176562" y="3143248"/>
+            <a:ext cx="324000" cy="76200"/>
+          </a:xfrm>
+          <a:custGeom>
+            <a:avLst/>
+            <a:gdLst/>
+            <a:ahLst/>
+            <a:cxnLst>
+              <a:cxn ang="0">
+                <a:pos x="0" y="18"/>
+              </a:cxn>
+              <a:cxn ang="0">
+                <a:pos x="230" y="18"/>
+              </a:cxn>
+              <a:cxn ang="0">
+                <a:pos x="230" y="30"/>
+              </a:cxn>
+              <a:cxn ang="0">
+                <a:pos x="0" y="30"/>
+              </a:cxn>
+              <a:cxn ang="0">
+                <a:pos x="0" y="18"/>
+              </a:cxn>
+              <a:cxn ang="0">
+                <a:pos x="222" y="0"/>
+              </a:cxn>
+              <a:cxn ang="0">
+                <a:pos x="270" y="24"/>
+              </a:cxn>
+              <a:cxn ang="0">
+                <a:pos x="222" y="48"/>
+              </a:cxn>
+              <a:cxn ang="0">
+                <a:pos x="222" y="0"/>
+              </a:cxn>
+            </a:cxnLst>
+            <a:rect l="0" t="0" r="r" b="b"/>
+            <a:pathLst>
+              <a:path w="270" h="48">
+                <a:moveTo>
+                  <a:pt x="0" y="18"/>
+                </a:moveTo>
+                <a:lnTo>
+                  <a:pt x="230" y="18"/>
+                </a:lnTo>
+                <a:lnTo>
+                  <a:pt x="230" y="30"/>
+                </a:lnTo>
+                <a:lnTo>
+                  <a:pt x="0" y="30"/>
+                </a:lnTo>
+                <a:lnTo>
+                  <a:pt x="0" y="18"/>
+                </a:lnTo>
+                <a:close/>
+                <a:moveTo>
+                  <a:pt x="222" y="0"/>
+                </a:moveTo>
+                <a:lnTo>
+                  <a:pt x="270" y="24"/>
+                </a:lnTo>
+                <a:lnTo>
+                  <a:pt x="222" y="48"/>
+                </a:lnTo>
+                <a:lnTo>
+                  <a:pt x="222" y="0"/>
+                </a:lnTo>
+                <a:close/>
+              </a:path>
+            </a:pathLst>
+          </a:custGeom>
+          <a:solidFill>
+            <a:srgbClr val="000000"/>
+          </a:solidFill>
+          <a:ln w="0" cap="flat">
+            <a:solidFill>
+              <a:srgbClr val="000000"/>
+            </a:solidFill>
+            <a:prstDash val="solid"/>
+            <a:round/>
+            <a:headEnd/>
+            <a:tailEnd/>
+          </a:ln>
+        </p:spPr>
+        <p:txBody>
+          <a:bodyPr vert="horz" wrap="square" lIns="91440" tIns="45720" rIns="91440" bIns="45720" numCol="1" anchor="t" anchorCtr="0" compatLnSpc="1">
+            <a:prstTxWarp prst="textNoShape">
+              <a:avLst/>
+            </a:prstTxWarp>
+          </a:bodyPr>
+          <a:lstStyle/>
+          <a:p>
+            <a:endParaRPr lang="fr-FR"/>
+          </a:p>
+        </p:txBody>
+      </p:sp>
+    </p:spTree>
+  </p:cSld>
+  <p:clrMapOvr>
+    <a:masterClrMapping/>
+  </p:clrMapOvr>
+</p:sld>
+</file>
+
+<file path=ppt/slides/slide2.xml><?xml version="1.0" encoding="utf-8"?>
+<p:sld xmlns:a="http://schemas.openxmlformats.org/drawingml/2006/main" xmlns:r="http://schemas.openxmlformats.org/officeDocument/2006/relationships" xmlns:p="http://schemas.openxmlformats.org/presentationml/2006/main">
+  <p:cSld>
+    <p:spTree>
+      <p:nvGrpSpPr>
+        <p:cNvPr id="1" name=""/>
+        <p:cNvGrpSpPr/>
+        <p:nvPr/>
+      </p:nvGrpSpPr>
+      <p:grpSpPr>
+        <a:xfrm>
+          <a:off x="0" y="0"/>
+          <a:ext cx="0" cy="0"/>
+          <a:chOff x="0" y="0"/>
+          <a:chExt cx="0" cy="0"/>
+        </a:xfrm>
+      </p:grpSpPr>
+      <p:sp>
+        <p:nvSpPr>
           <p:cNvPr id="2" name="Titre 1">
             <a:extLst>
               <a:ext uri="{FF2B5EF4-FFF2-40B4-BE49-F238E27FC236}">
-                <a16:creationId xmlns="" xmlns:a16="http://schemas.microsoft.com/office/drawing/2014/main" id="{C2E5D865-6987-4935-AFA0-39E772C5DF96}"/>
+                <a16:creationId xmlns:a16="http://schemas.microsoft.com/office/drawing/2014/main" xmlns="" id="{C2E5D865-6987-4935-AFA0-39E772C5DF96}"/>
               </a:ext>
             </a:extLst>
           </p:cNvPr>
@@ -3260,7 +5311,7 @@
           <p:cNvPr id="3" name="Espace réservé de la date 2">
             <a:extLst>
               <a:ext uri="{FF2B5EF4-FFF2-40B4-BE49-F238E27FC236}">
-                <a16:creationId xmlns="" xmlns:a16="http://schemas.microsoft.com/office/drawing/2014/main" id="{3B70F4D3-A56B-4978-B41D-9AAFBB46DFD2}"/>
+                <a16:creationId xmlns:a16="http://schemas.microsoft.com/office/drawing/2014/main" xmlns="" id="{3B70F4D3-A56B-4978-B41D-9AAFBB46DFD2}"/>
               </a:ext>
             </a:extLst>
           </p:cNvPr>
@@ -3279,7 +5330,7 @@
             <a:fld id="{80ADAFC8-E58E-40F9-B663-9F56451821D1}" type="datetime8">
               <a:rPr lang="fr-FR" smtClean="0"/>
               <a:pPr/>
-              <a:t>24/10/2024 16:50</a:t>
+              <a:t>29/11/2024 09:14</a:t>
             </a:fld>
             <a:endParaRPr lang="fr-FR"/>
           </a:p>
@@ -3290,7 +5341,7 @@
           <p:cNvPr id="4" name="Espace réservé du pied de page 3">
             <a:extLst>
               <a:ext uri="{FF2B5EF4-FFF2-40B4-BE49-F238E27FC236}">
-                <a16:creationId xmlns="" xmlns:a16="http://schemas.microsoft.com/office/drawing/2014/main" id="{7ACCFD58-1CC0-4447-9ADF-93B4E798160F}"/>
+                <a16:creationId xmlns:a16="http://schemas.microsoft.com/office/drawing/2014/main" xmlns="" id="{7ACCFD58-1CC0-4447-9ADF-93B4E798160F}"/>
               </a:ext>
             </a:extLst>
           </p:cNvPr>
@@ -3319,7 +5370,7 @@
           <p:cNvPr id="5" name="Espace réservé du numéro de diapositive 4">
             <a:extLst>
               <a:ext uri="{FF2B5EF4-FFF2-40B4-BE49-F238E27FC236}">
-                <a16:creationId xmlns="" xmlns:a16="http://schemas.microsoft.com/office/drawing/2014/main" id="{973C6ACC-702B-4A83-BA9F-F9ABE3AD73DB}"/>
+                <a16:creationId xmlns:a16="http://schemas.microsoft.com/office/drawing/2014/main" xmlns="" id="{973C6ACC-702B-4A83-BA9F-F9ABE3AD73DB}"/>
               </a:ext>
             </a:extLst>
           </p:cNvPr>
@@ -3338,7 +5389,7 @@
             <a:fld id="{B5A9633A-FFAA-4A63-B9D0-7C8F8F0E0665}" type="slidenum">
               <a:rPr lang="fr-FR" smtClean="0"/>
               <a:pPr/>
-              <a:t>1</a:t>
+              <a:t>2</a:t>
             </a:fld>
             <a:endParaRPr lang="fr-FR"/>
           </a:p>
@@ -3349,7 +5400,7 @@
           <p:cNvPr id="6" name="Groupe 5">
             <a:extLst>
               <a:ext uri="{FF2B5EF4-FFF2-40B4-BE49-F238E27FC236}">
-                <a16:creationId xmlns="" xmlns:a16="http://schemas.microsoft.com/office/drawing/2014/main" id="{DF1DCF97-66FE-4A04-8B19-827D4442392E}"/>
+                <a16:creationId xmlns:a16="http://schemas.microsoft.com/office/drawing/2014/main" xmlns="" id="{DF1DCF97-66FE-4A04-8B19-827D4442392E}"/>
               </a:ext>
             </a:extLst>
           </p:cNvPr>
@@ -3369,7 +5420,7 @@
             <p:cNvPr id="7" name="Line 13">
               <a:extLst>
                 <a:ext uri="{FF2B5EF4-FFF2-40B4-BE49-F238E27FC236}">
-                  <a16:creationId xmlns="" xmlns:a16="http://schemas.microsoft.com/office/drawing/2014/main" id="{3BB99FFA-2C0E-4F78-9DD0-201B36AA44F0}"/>
+                  <a16:creationId xmlns:a16="http://schemas.microsoft.com/office/drawing/2014/main" xmlns="" id="{3BB99FFA-2C0E-4F78-9DD0-201B36AA44F0}"/>
                 </a:ext>
               </a:extLst>
             </p:cNvPr>
@@ -3414,7 +5465,7 @@
             <p:cNvPr id="8" name="Line 14">
               <a:extLst>
                 <a:ext uri="{FF2B5EF4-FFF2-40B4-BE49-F238E27FC236}">
-                  <a16:creationId xmlns="" xmlns:a16="http://schemas.microsoft.com/office/drawing/2014/main" id="{F53D6DBD-E6AC-45DD-8B05-C2712B1F0FF2}"/>
+                  <a16:creationId xmlns:a16="http://schemas.microsoft.com/office/drawing/2014/main" xmlns="" id="{F53D6DBD-E6AC-45DD-8B05-C2712B1F0FF2}"/>
                 </a:ext>
               </a:extLst>
             </p:cNvPr>
@@ -3459,7 +5510,7 @@
             <p:cNvPr id="9" name="Line 15">
               <a:extLst>
                 <a:ext uri="{FF2B5EF4-FFF2-40B4-BE49-F238E27FC236}">
-                  <a16:creationId xmlns="" xmlns:a16="http://schemas.microsoft.com/office/drawing/2014/main" id="{F06471F3-AD8F-4473-B6F6-9497D173423A}"/>
+                  <a16:creationId xmlns:a16="http://schemas.microsoft.com/office/drawing/2014/main" xmlns="" id="{F06471F3-AD8F-4473-B6F6-9497D173423A}"/>
                 </a:ext>
               </a:extLst>
             </p:cNvPr>
@@ -3504,7 +5555,7 @@
             <p:cNvPr id="10" name="Line 16">
               <a:extLst>
                 <a:ext uri="{FF2B5EF4-FFF2-40B4-BE49-F238E27FC236}">
-                  <a16:creationId xmlns="" xmlns:a16="http://schemas.microsoft.com/office/drawing/2014/main" id="{52FBB3F9-8A48-474E-892F-85488CE0C678}"/>
+                  <a16:creationId xmlns:a16="http://schemas.microsoft.com/office/drawing/2014/main" xmlns="" id="{52FBB3F9-8A48-474E-892F-85488CE0C678}"/>
                 </a:ext>
               </a:extLst>
             </p:cNvPr>
@@ -3549,7 +5600,7 @@
             <p:cNvPr id="11" name="Freeform 17">
               <a:extLst>
                 <a:ext uri="{FF2B5EF4-FFF2-40B4-BE49-F238E27FC236}">
-                  <a16:creationId xmlns="" xmlns:a16="http://schemas.microsoft.com/office/drawing/2014/main" id="{098716CD-EB5D-4CE0-A909-E4ED93E9E9C9}"/>
+                  <a16:creationId xmlns:a16="http://schemas.microsoft.com/office/drawing/2014/main" xmlns="" id="{098716CD-EB5D-4CE0-A909-E4ED93E9E9C9}"/>
                 </a:ext>
               </a:extLst>
             </p:cNvPr>
@@ -3621,7 +5672,7 @@
             <p:cNvPr id="12" name="Rectangle 18">
               <a:extLst>
                 <a:ext uri="{FF2B5EF4-FFF2-40B4-BE49-F238E27FC236}">
-                  <a16:creationId xmlns="" xmlns:a16="http://schemas.microsoft.com/office/drawing/2014/main" id="{20744C48-A0BE-47B4-8B39-FA2E56CB1C42}"/>
+                  <a16:creationId xmlns:a16="http://schemas.microsoft.com/office/drawing/2014/main" xmlns="" id="{20744C48-A0BE-47B4-8B39-FA2E56CB1C42}"/>
                 </a:ext>
               </a:extLst>
             </p:cNvPr>
@@ -3668,7 +5719,7 @@
             <p:cNvPr id="13" name="Line 19">
               <a:extLst>
                 <a:ext uri="{FF2B5EF4-FFF2-40B4-BE49-F238E27FC236}">
-                  <a16:creationId xmlns="" xmlns:a16="http://schemas.microsoft.com/office/drawing/2014/main" id="{3CDC0B9D-8488-4DEB-A6B5-EF8373C5E0F8}"/>
+                  <a16:creationId xmlns:a16="http://schemas.microsoft.com/office/drawing/2014/main" xmlns="" id="{3CDC0B9D-8488-4DEB-A6B5-EF8373C5E0F8}"/>
                 </a:ext>
               </a:extLst>
             </p:cNvPr>
@@ -3713,7 +5764,7 @@
             <p:cNvPr id="14" name="Line 20">
               <a:extLst>
                 <a:ext uri="{FF2B5EF4-FFF2-40B4-BE49-F238E27FC236}">
-                  <a16:creationId xmlns="" xmlns:a16="http://schemas.microsoft.com/office/drawing/2014/main" id="{8E3C754A-EA1A-466B-9F56-540E1A532974}"/>
+                  <a16:creationId xmlns:a16="http://schemas.microsoft.com/office/drawing/2014/main" xmlns="" id="{8E3C754A-EA1A-466B-9F56-540E1A532974}"/>
                 </a:ext>
               </a:extLst>
             </p:cNvPr>
@@ -3758,7 +5809,7 @@
             <p:cNvPr id="15" name="Rectangle 21">
               <a:extLst>
                 <a:ext uri="{FF2B5EF4-FFF2-40B4-BE49-F238E27FC236}">
-                  <a16:creationId xmlns="" xmlns:a16="http://schemas.microsoft.com/office/drawing/2014/main" id="{C1BE2688-BD54-4A3F-B0AB-2A556D2B2EC2}"/>
+                  <a16:creationId xmlns:a16="http://schemas.microsoft.com/office/drawing/2014/main" xmlns="" id="{C1BE2688-BD54-4A3F-B0AB-2A556D2B2EC2}"/>
                 </a:ext>
               </a:extLst>
             </p:cNvPr>
@@ -3841,7 +5892,7 @@
             <p:cNvPr id="16" name="Rectangle 22">
               <a:extLst>
                 <a:ext uri="{FF2B5EF4-FFF2-40B4-BE49-F238E27FC236}">
-                  <a16:creationId xmlns="" xmlns:a16="http://schemas.microsoft.com/office/drawing/2014/main" id="{A7D60A8D-7EA1-42BD-877C-B3C0C9EAF60A}"/>
+                  <a16:creationId xmlns:a16="http://schemas.microsoft.com/office/drawing/2014/main" xmlns="" id="{A7D60A8D-7EA1-42BD-877C-B3C0C9EAF60A}"/>
                 </a:ext>
               </a:extLst>
             </p:cNvPr>
@@ -3888,7 +5939,7 @@
             <p:cNvPr id="17" name="Line 23">
               <a:extLst>
                 <a:ext uri="{FF2B5EF4-FFF2-40B4-BE49-F238E27FC236}">
-                  <a16:creationId xmlns="" xmlns:a16="http://schemas.microsoft.com/office/drawing/2014/main" id="{B577248A-519A-42A6-B9C3-4837D0298C09}"/>
+                  <a16:creationId xmlns:a16="http://schemas.microsoft.com/office/drawing/2014/main" xmlns="" id="{B577248A-519A-42A6-B9C3-4837D0298C09}"/>
                 </a:ext>
               </a:extLst>
             </p:cNvPr>
@@ -3933,7 +5984,7 @@
             <p:cNvPr id="18" name="Line 24">
               <a:extLst>
                 <a:ext uri="{FF2B5EF4-FFF2-40B4-BE49-F238E27FC236}">
-                  <a16:creationId xmlns="" xmlns:a16="http://schemas.microsoft.com/office/drawing/2014/main" id="{7109DC07-5F1E-4A75-A515-13C9073AE816}"/>
+                  <a16:creationId xmlns:a16="http://schemas.microsoft.com/office/drawing/2014/main" xmlns="" id="{7109DC07-5F1E-4A75-A515-13C9073AE816}"/>
                 </a:ext>
               </a:extLst>
             </p:cNvPr>
@@ -3978,7 +6029,7 @@
             <p:cNvPr id="19" name="Rectangle 25">
               <a:extLst>
                 <a:ext uri="{FF2B5EF4-FFF2-40B4-BE49-F238E27FC236}">
-                  <a16:creationId xmlns="" xmlns:a16="http://schemas.microsoft.com/office/drawing/2014/main" id="{9CBB0335-4D9C-4642-8EAE-4FBB518E4DAE}"/>
+                  <a16:creationId xmlns:a16="http://schemas.microsoft.com/office/drawing/2014/main" xmlns="" id="{9CBB0335-4D9C-4642-8EAE-4FBB518E4DAE}"/>
                 </a:ext>
               </a:extLst>
             </p:cNvPr>
@@ -4061,7 +6112,7 @@
             <p:cNvPr id="20" name="Rectangle 26">
               <a:extLst>
                 <a:ext uri="{FF2B5EF4-FFF2-40B4-BE49-F238E27FC236}">
-                  <a16:creationId xmlns="" xmlns:a16="http://schemas.microsoft.com/office/drawing/2014/main" id="{01AD7C9D-4DA3-4EFE-811A-556E1CA02DE2}"/>
+                  <a16:creationId xmlns:a16="http://schemas.microsoft.com/office/drawing/2014/main" xmlns="" id="{01AD7C9D-4DA3-4EFE-811A-556E1CA02DE2}"/>
                 </a:ext>
               </a:extLst>
             </p:cNvPr>
@@ -4108,7 +6159,7 @@
             <p:cNvPr id="21" name="Line 27">
               <a:extLst>
                 <a:ext uri="{FF2B5EF4-FFF2-40B4-BE49-F238E27FC236}">
-                  <a16:creationId xmlns="" xmlns:a16="http://schemas.microsoft.com/office/drawing/2014/main" id="{5BF8101D-ACEF-400C-AD0F-88EAFEA18D26}"/>
+                  <a16:creationId xmlns:a16="http://schemas.microsoft.com/office/drawing/2014/main" xmlns="" id="{5BF8101D-ACEF-400C-AD0F-88EAFEA18D26}"/>
                 </a:ext>
               </a:extLst>
             </p:cNvPr>
@@ -4153,7 +6204,7 @@
             <p:cNvPr id="22" name="Line 28">
               <a:extLst>
                 <a:ext uri="{FF2B5EF4-FFF2-40B4-BE49-F238E27FC236}">
-                  <a16:creationId xmlns="" xmlns:a16="http://schemas.microsoft.com/office/drawing/2014/main" id="{17C8BAC5-DB92-4E1F-B670-5BD0A8254C74}"/>
+                  <a16:creationId xmlns:a16="http://schemas.microsoft.com/office/drawing/2014/main" xmlns="" id="{17C8BAC5-DB92-4E1F-B670-5BD0A8254C74}"/>
                 </a:ext>
               </a:extLst>
             </p:cNvPr>
@@ -4198,7 +6249,7 @@
             <p:cNvPr id="23" name="Rectangle 29">
               <a:extLst>
                 <a:ext uri="{FF2B5EF4-FFF2-40B4-BE49-F238E27FC236}">
-                  <a16:creationId xmlns="" xmlns:a16="http://schemas.microsoft.com/office/drawing/2014/main" id="{CCF1A717-F894-4844-995E-57714CBE3360}"/>
+                  <a16:creationId xmlns:a16="http://schemas.microsoft.com/office/drawing/2014/main" xmlns="" id="{CCF1A717-F894-4844-995E-57714CBE3360}"/>
                 </a:ext>
               </a:extLst>
             </p:cNvPr>
@@ -4281,7 +6332,7 @@
             <p:cNvPr id="24" name="Rectangle 49">
               <a:extLst>
                 <a:ext uri="{FF2B5EF4-FFF2-40B4-BE49-F238E27FC236}">
-                  <a16:creationId xmlns="" xmlns:a16="http://schemas.microsoft.com/office/drawing/2014/main" id="{330BE6EE-731A-44E6-9779-42ED233A6B86}"/>
+                  <a16:creationId xmlns:a16="http://schemas.microsoft.com/office/drawing/2014/main" xmlns="" id="{330BE6EE-731A-44E6-9779-42ED233A6B86}"/>
                 </a:ext>
               </a:extLst>
             </p:cNvPr>
@@ -4364,7 +6415,7 @@
             <p:cNvPr id="25" name="Rectangle 64">
               <a:extLst>
                 <a:ext uri="{FF2B5EF4-FFF2-40B4-BE49-F238E27FC236}">
-                  <a16:creationId xmlns="" xmlns:a16="http://schemas.microsoft.com/office/drawing/2014/main" id="{DC1778B8-D595-4628-BB8D-E31FBD463F04}"/>
+                  <a16:creationId xmlns:a16="http://schemas.microsoft.com/office/drawing/2014/main" xmlns="" id="{DC1778B8-D595-4628-BB8D-E31FBD463F04}"/>
                 </a:ext>
               </a:extLst>
             </p:cNvPr>
@@ -4444,7 +6495,7 @@
             <p:cNvPr id="26" name="Oval 65">
               <a:extLst>
                 <a:ext uri="{FF2B5EF4-FFF2-40B4-BE49-F238E27FC236}">
-                  <a16:creationId xmlns="" xmlns:a16="http://schemas.microsoft.com/office/drawing/2014/main" id="{7717CD30-CF15-4016-BAD5-8D4A077F050A}"/>
+                  <a16:creationId xmlns:a16="http://schemas.microsoft.com/office/drawing/2014/main" xmlns="" id="{7717CD30-CF15-4016-BAD5-8D4A077F050A}"/>
                 </a:ext>
               </a:extLst>
             </p:cNvPr>
@@ -4491,7 +6542,7 @@
             <p:cNvPr id="27" name="Oval 66">
               <a:extLst>
                 <a:ext uri="{FF2B5EF4-FFF2-40B4-BE49-F238E27FC236}">
-                  <a16:creationId xmlns="" xmlns:a16="http://schemas.microsoft.com/office/drawing/2014/main" id="{3D18D16B-16F2-4F06-8356-51B31350B45C}"/>
+                  <a16:creationId xmlns:a16="http://schemas.microsoft.com/office/drawing/2014/main" xmlns="" id="{3D18D16B-16F2-4F06-8356-51B31350B45C}"/>
                 </a:ext>
               </a:extLst>
             </p:cNvPr>
@@ -4538,7 +6589,7 @@
             <p:cNvPr id="28" name="Line 13">
               <a:extLst>
                 <a:ext uri="{FF2B5EF4-FFF2-40B4-BE49-F238E27FC236}">
-                  <a16:creationId xmlns="" xmlns:a16="http://schemas.microsoft.com/office/drawing/2014/main" id="{5ABB79A2-85CE-42D0-8816-65938F53B6A0}"/>
+                  <a16:creationId xmlns:a16="http://schemas.microsoft.com/office/drawing/2014/main" xmlns="" id="{5ABB79A2-85CE-42D0-8816-65938F53B6A0}"/>
                 </a:ext>
               </a:extLst>
             </p:cNvPr>
@@ -4583,7 +6634,7 @@
             <p:cNvPr id="29" name="Groupe 28">
               <a:extLst>
                 <a:ext uri="{FF2B5EF4-FFF2-40B4-BE49-F238E27FC236}">
-                  <a16:creationId xmlns="" xmlns:a16="http://schemas.microsoft.com/office/drawing/2014/main" id="{6440AACF-B474-406E-A8F1-27B84C177818}"/>
+                  <a16:creationId xmlns:a16="http://schemas.microsoft.com/office/drawing/2014/main" xmlns="" id="{6440AACF-B474-406E-A8F1-27B84C177818}"/>
                 </a:ext>
               </a:extLst>
             </p:cNvPr>
@@ -4603,7 +6654,7 @@
               <p:cNvPr id="42" name="Freeform 62">
                 <a:extLst>
                   <a:ext uri="{FF2B5EF4-FFF2-40B4-BE49-F238E27FC236}">
-                    <a16:creationId xmlns="" xmlns:a16="http://schemas.microsoft.com/office/drawing/2014/main" id="{0BE0F8EE-4C08-43BC-9B34-A6BD5C504BCE}"/>
+                    <a16:creationId xmlns:a16="http://schemas.microsoft.com/office/drawing/2014/main" xmlns="" id="{0BE0F8EE-4C08-43BC-9B34-A6BD5C504BCE}"/>
                   </a:ext>
                 </a:extLst>
               </p:cNvPr>
@@ -4682,7 +6733,7 @@
               <p:cNvPr id="43" name="Line 63">
                 <a:extLst>
                   <a:ext uri="{FF2B5EF4-FFF2-40B4-BE49-F238E27FC236}">
-                    <a16:creationId xmlns="" xmlns:a16="http://schemas.microsoft.com/office/drawing/2014/main" id="{F4AC4471-5F4B-4852-A7B6-8394CC9356C9}"/>
+                    <a16:creationId xmlns:a16="http://schemas.microsoft.com/office/drawing/2014/main" xmlns="" id="{F4AC4471-5F4B-4852-A7B6-8394CC9356C9}"/>
                   </a:ext>
                 </a:extLst>
               </p:cNvPr>
@@ -4728,7 +6779,7 @@
             <p:cNvPr id="30" name="Rectangle 49">
               <a:extLst>
                 <a:ext uri="{FF2B5EF4-FFF2-40B4-BE49-F238E27FC236}">
-                  <a16:creationId xmlns="" xmlns:a16="http://schemas.microsoft.com/office/drawing/2014/main" id="{B06290EB-F200-47DF-9C64-F3323B661583}"/>
+                  <a16:creationId xmlns:a16="http://schemas.microsoft.com/office/drawing/2014/main" xmlns="" id="{B06290EB-F200-47DF-9C64-F3323B661583}"/>
                 </a:ext>
               </a:extLst>
             </p:cNvPr>
@@ -4811,7 +6862,7 @@
             <p:cNvPr id="31" name="Line 13">
               <a:extLst>
                 <a:ext uri="{FF2B5EF4-FFF2-40B4-BE49-F238E27FC236}">
-                  <a16:creationId xmlns="" xmlns:a16="http://schemas.microsoft.com/office/drawing/2014/main" id="{6EBA3ED8-9ADF-4397-8163-61695B7B4A47}"/>
+                  <a16:creationId xmlns:a16="http://schemas.microsoft.com/office/drawing/2014/main" xmlns="" id="{6EBA3ED8-9ADF-4397-8163-61695B7B4A47}"/>
                 </a:ext>
               </a:extLst>
             </p:cNvPr>
@@ -4856,7 +6907,7 @@
             <p:cNvPr id="32" name="Groupe 31">
               <a:extLst>
                 <a:ext uri="{FF2B5EF4-FFF2-40B4-BE49-F238E27FC236}">
-                  <a16:creationId xmlns="" xmlns:a16="http://schemas.microsoft.com/office/drawing/2014/main" id="{083EE034-AF3F-4F64-A287-8AA0240815D2}"/>
+                  <a16:creationId xmlns:a16="http://schemas.microsoft.com/office/drawing/2014/main" xmlns="" id="{083EE034-AF3F-4F64-A287-8AA0240815D2}"/>
                 </a:ext>
               </a:extLst>
             </p:cNvPr>
@@ -4876,7 +6927,7 @@
               <p:cNvPr id="40" name="Freeform 62">
                 <a:extLst>
                   <a:ext uri="{FF2B5EF4-FFF2-40B4-BE49-F238E27FC236}">
-                    <a16:creationId xmlns="" xmlns:a16="http://schemas.microsoft.com/office/drawing/2014/main" id="{4A8E9F6B-E785-40F1-9282-6CC000E17943}"/>
+                    <a16:creationId xmlns:a16="http://schemas.microsoft.com/office/drawing/2014/main" xmlns="" id="{4A8E9F6B-E785-40F1-9282-6CC000E17943}"/>
                   </a:ext>
                 </a:extLst>
               </p:cNvPr>
@@ -4955,7 +7006,7 @@
               <p:cNvPr id="41" name="Line 63">
                 <a:extLst>
                   <a:ext uri="{FF2B5EF4-FFF2-40B4-BE49-F238E27FC236}">
-                    <a16:creationId xmlns="" xmlns:a16="http://schemas.microsoft.com/office/drawing/2014/main" id="{92D8180F-D30F-46FB-B1BC-289FDA579977}"/>
+                    <a16:creationId xmlns:a16="http://schemas.microsoft.com/office/drawing/2014/main" xmlns="" id="{92D8180F-D30F-46FB-B1BC-289FDA579977}"/>
                   </a:ext>
                 </a:extLst>
               </p:cNvPr>
@@ -5001,7 +7052,7 @@
             <p:cNvPr id="33" name="Rectangle 49">
               <a:extLst>
                 <a:ext uri="{FF2B5EF4-FFF2-40B4-BE49-F238E27FC236}">
-                  <a16:creationId xmlns="" xmlns:a16="http://schemas.microsoft.com/office/drawing/2014/main" id="{46489540-AAFC-49E6-9AB9-74FD0F2D0798}"/>
+                  <a16:creationId xmlns:a16="http://schemas.microsoft.com/office/drawing/2014/main" xmlns="" id="{46489540-AAFC-49E6-9AB9-74FD0F2D0798}"/>
                 </a:ext>
               </a:extLst>
             </p:cNvPr>
@@ -5084,7 +7135,7 @@
             <p:cNvPr id="34" name="Line 13">
               <a:extLst>
                 <a:ext uri="{FF2B5EF4-FFF2-40B4-BE49-F238E27FC236}">
-                  <a16:creationId xmlns="" xmlns:a16="http://schemas.microsoft.com/office/drawing/2014/main" id="{1B484978-B11E-475F-855E-CB8C505B7D7A}"/>
+                  <a16:creationId xmlns:a16="http://schemas.microsoft.com/office/drawing/2014/main" xmlns="" id="{1B484978-B11E-475F-855E-CB8C505B7D7A}"/>
                 </a:ext>
               </a:extLst>
             </p:cNvPr>
@@ -5129,7 +7180,7 @@
             <p:cNvPr id="35" name="Groupe 34">
               <a:extLst>
                 <a:ext uri="{FF2B5EF4-FFF2-40B4-BE49-F238E27FC236}">
-                  <a16:creationId xmlns="" xmlns:a16="http://schemas.microsoft.com/office/drawing/2014/main" id="{6AA27C0A-661B-4EDD-A6C9-0DFA190AA187}"/>
+                  <a16:creationId xmlns:a16="http://schemas.microsoft.com/office/drawing/2014/main" xmlns="" id="{6AA27C0A-661B-4EDD-A6C9-0DFA190AA187}"/>
                 </a:ext>
               </a:extLst>
             </p:cNvPr>
@@ -5149,7 +7200,7 @@
               <p:cNvPr id="38" name="Freeform 62">
                 <a:extLst>
                   <a:ext uri="{FF2B5EF4-FFF2-40B4-BE49-F238E27FC236}">
-                    <a16:creationId xmlns="" xmlns:a16="http://schemas.microsoft.com/office/drawing/2014/main" id="{03B8862E-618D-4F6E-A1E8-DDFF7206A51F}"/>
+                    <a16:creationId xmlns:a16="http://schemas.microsoft.com/office/drawing/2014/main" xmlns="" id="{03B8862E-618D-4F6E-A1E8-DDFF7206A51F}"/>
                   </a:ext>
                 </a:extLst>
               </p:cNvPr>
@@ -5228,7 +7279,7 @@
               <p:cNvPr id="39" name="Line 63">
                 <a:extLst>
                   <a:ext uri="{FF2B5EF4-FFF2-40B4-BE49-F238E27FC236}">
-                    <a16:creationId xmlns="" xmlns:a16="http://schemas.microsoft.com/office/drawing/2014/main" id="{C90DD8F3-866E-41B0-B107-E2AFD1763616}"/>
+                    <a16:creationId xmlns:a16="http://schemas.microsoft.com/office/drawing/2014/main" xmlns="" id="{C90DD8F3-866E-41B0-B107-E2AFD1763616}"/>
                   </a:ext>
                 </a:extLst>
               </p:cNvPr>
@@ -5274,7 +7325,7 @@
             <p:cNvPr id="36" name="Oval 65">
               <a:extLst>
                 <a:ext uri="{FF2B5EF4-FFF2-40B4-BE49-F238E27FC236}">
-                  <a16:creationId xmlns="" xmlns:a16="http://schemas.microsoft.com/office/drawing/2014/main" id="{CA7F708E-AD6B-40E4-B7EB-239CCEF3B282}"/>
+                  <a16:creationId xmlns:a16="http://schemas.microsoft.com/office/drawing/2014/main" xmlns="" id="{CA7F708E-AD6B-40E4-B7EB-239CCEF3B282}"/>
                 </a:ext>
               </a:extLst>
             </p:cNvPr>
@@ -5321,7 +7372,7 @@
             <p:cNvPr id="37" name="Rectangle à coins arrondis 43">
               <a:extLst>
                 <a:ext uri="{FF2B5EF4-FFF2-40B4-BE49-F238E27FC236}">
-                  <a16:creationId xmlns="" xmlns:a16="http://schemas.microsoft.com/office/drawing/2014/main" id="{71A5A780-8787-4D66-A432-661EE29127F6}"/>
+                  <a16:creationId xmlns:a16="http://schemas.microsoft.com/office/drawing/2014/main" xmlns="" id="{71A5A780-8787-4D66-A432-661EE29127F6}"/>
                 </a:ext>
               </a:extLst>
             </p:cNvPr>
@@ -5378,7 +7429,7 @@
           <p:cNvPr id="44" name="Flèche : bas 43">
             <a:extLst>
               <a:ext uri="{FF2B5EF4-FFF2-40B4-BE49-F238E27FC236}">
-                <a16:creationId xmlns="" xmlns:a16="http://schemas.microsoft.com/office/drawing/2014/main" id="{DE438506-59B9-40BE-B65E-3FDC7325831D}"/>
+                <a16:creationId xmlns:a16="http://schemas.microsoft.com/office/drawing/2014/main" xmlns="" id="{DE438506-59B9-40BE-B65E-3FDC7325831D}"/>
               </a:ext>
             </a:extLst>
           </p:cNvPr>
@@ -5425,7 +7476,7 @@
           <p:cNvPr id="45" name="Groupe 44">
             <a:extLst>
               <a:ext uri="{FF2B5EF4-FFF2-40B4-BE49-F238E27FC236}">
-                <a16:creationId xmlns="" xmlns:a16="http://schemas.microsoft.com/office/drawing/2014/main" id="{18324A95-0BBE-46FE-ACB5-19F911F30CEE}"/>
+                <a16:creationId xmlns:a16="http://schemas.microsoft.com/office/drawing/2014/main" xmlns="" id="{18324A95-0BBE-46FE-ACB5-19F911F30CEE}"/>
               </a:ext>
             </a:extLst>
           </p:cNvPr>
@@ -5445,7 +7496,7 @@
             <p:cNvPr id="46" name="Line 13">
               <a:extLst>
                 <a:ext uri="{FF2B5EF4-FFF2-40B4-BE49-F238E27FC236}">
-                  <a16:creationId xmlns="" xmlns:a16="http://schemas.microsoft.com/office/drawing/2014/main" id="{0BB8CE31-D058-4DE2-91B7-D2E7509B9C73}"/>
+                  <a16:creationId xmlns:a16="http://schemas.microsoft.com/office/drawing/2014/main" xmlns="" id="{0BB8CE31-D058-4DE2-91B7-D2E7509B9C73}"/>
                 </a:ext>
               </a:extLst>
             </p:cNvPr>
@@ -5490,7 +7541,7 @@
             <p:cNvPr id="47" name="Rectangle 18">
               <a:extLst>
                 <a:ext uri="{FF2B5EF4-FFF2-40B4-BE49-F238E27FC236}">
-                  <a16:creationId xmlns="" xmlns:a16="http://schemas.microsoft.com/office/drawing/2014/main" id="{60F581EA-8443-46F2-AB01-C9D6049B2DCC}"/>
+                  <a16:creationId xmlns:a16="http://schemas.microsoft.com/office/drawing/2014/main" xmlns="" id="{60F581EA-8443-46F2-AB01-C9D6049B2DCC}"/>
                 </a:ext>
               </a:extLst>
             </p:cNvPr>
@@ -5537,7 +7588,7 @@
             <p:cNvPr id="48" name="Line 19">
               <a:extLst>
                 <a:ext uri="{FF2B5EF4-FFF2-40B4-BE49-F238E27FC236}">
-                  <a16:creationId xmlns="" xmlns:a16="http://schemas.microsoft.com/office/drawing/2014/main" id="{8ED635EF-EE5E-466D-8B19-410E008DB88B}"/>
+                  <a16:creationId xmlns:a16="http://schemas.microsoft.com/office/drawing/2014/main" xmlns="" id="{8ED635EF-EE5E-466D-8B19-410E008DB88B}"/>
                 </a:ext>
               </a:extLst>
             </p:cNvPr>
@@ -5582,7 +7633,7 @@
             <p:cNvPr id="49" name="Line 20">
               <a:extLst>
                 <a:ext uri="{FF2B5EF4-FFF2-40B4-BE49-F238E27FC236}">
-                  <a16:creationId xmlns="" xmlns:a16="http://schemas.microsoft.com/office/drawing/2014/main" id="{DD87E7CC-C794-4B07-930E-35993D486F8D}"/>
+                  <a16:creationId xmlns:a16="http://schemas.microsoft.com/office/drawing/2014/main" xmlns="" id="{DD87E7CC-C794-4B07-930E-35993D486F8D}"/>
                 </a:ext>
               </a:extLst>
             </p:cNvPr>
@@ -5627,7 +7678,7 @@
             <p:cNvPr id="50" name="Rectangle 21">
               <a:extLst>
                 <a:ext uri="{FF2B5EF4-FFF2-40B4-BE49-F238E27FC236}">
-                  <a16:creationId xmlns="" xmlns:a16="http://schemas.microsoft.com/office/drawing/2014/main" id="{1FD5133C-42E6-439F-BAB7-5CCEE726E129}"/>
+                  <a16:creationId xmlns:a16="http://schemas.microsoft.com/office/drawing/2014/main" xmlns="" id="{1FD5133C-42E6-439F-BAB7-5CCEE726E129}"/>
                 </a:ext>
               </a:extLst>
             </p:cNvPr>
@@ -5710,7 +7761,7 @@
             <p:cNvPr id="51" name="Rectangle 64">
               <a:extLst>
                 <a:ext uri="{FF2B5EF4-FFF2-40B4-BE49-F238E27FC236}">
-                  <a16:creationId xmlns="" xmlns:a16="http://schemas.microsoft.com/office/drawing/2014/main" id="{8BB40608-8CC8-4C62-A4FB-1BB3ED4C2791}"/>
+                  <a16:creationId xmlns:a16="http://schemas.microsoft.com/office/drawing/2014/main" xmlns="" id="{8BB40608-8CC8-4C62-A4FB-1BB3ED4C2791}"/>
                 </a:ext>
               </a:extLst>
             </p:cNvPr>
@@ -5790,7 +7841,7 @@
             <p:cNvPr id="52" name="Line 13">
               <a:extLst>
                 <a:ext uri="{FF2B5EF4-FFF2-40B4-BE49-F238E27FC236}">
-                  <a16:creationId xmlns="" xmlns:a16="http://schemas.microsoft.com/office/drawing/2014/main" id="{ABC2447F-952A-41DC-8330-E949A2E2FC35}"/>
+                  <a16:creationId xmlns:a16="http://schemas.microsoft.com/office/drawing/2014/main" xmlns="" id="{ABC2447F-952A-41DC-8330-E949A2E2FC35}"/>
                 </a:ext>
               </a:extLst>
             </p:cNvPr>
@@ -5835,7 +7886,7 @@
             <p:cNvPr id="53" name="Groupe 52">
               <a:extLst>
                 <a:ext uri="{FF2B5EF4-FFF2-40B4-BE49-F238E27FC236}">
-                  <a16:creationId xmlns="" xmlns:a16="http://schemas.microsoft.com/office/drawing/2014/main" id="{81D05B18-5A21-4743-88AA-373EAC7BE815}"/>
+                  <a16:creationId xmlns:a16="http://schemas.microsoft.com/office/drawing/2014/main" xmlns="" id="{81D05B18-5A21-4743-88AA-373EAC7BE815}"/>
                 </a:ext>
               </a:extLst>
             </p:cNvPr>
@@ -5855,7 +7906,7 @@
               <p:cNvPr id="57" name="Freeform 62">
                 <a:extLst>
                   <a:ext uri="{FF2B5EF4-FFF2-40B4-BE49-F238E27FC236}">
-                    <a16:creationId xmlns="" xmlns:a16="http://schemas.microsoft.com/office/drawing/2014/main" id="{87B5D23B-2B66-406C-A9C5-FBFBC7A9AA4E}"/>
+                    <a16:creationId xmlns:a16="http://schemas.microsoft.com/office/drawing/2014/main" xmlns="" id="{87B5D23B-2B66-406C-A9C5-FBFBC7A9AA4E}"/>
                   </a:ext>
                 </a:extLst>
               </p:cNvPr>
@@ -5934,7 +7985,7 @@
               <p:cNvPr id="58" name="Line 63">
                 <a:extLst>
                   <a:ext uri="{FF2B5EF4-FFF2-40B4-BE49-F238E27FC236}">
-                    <a16:creationId xmlns="" xmlns:a16="http://schemas.microsoft.com/office/drawing/2014/main" id="{95115474-92F5-4694-9235-B60FDBF79C5E}"/>
+                    <a16:creationId xmlns:a16="http://schemas.microsoft.com/office/drawing/2014/main" xmlns="" id="{95115474-92F5-4694-9235-B60FDBF79C5E}"/>
                   </a:ext>
                 </a:extLst>
               </p:cNvPr>
@@ -5980,7 +8031,7 @@
             <p:cNvPr id="54" name="Oval 65">
               <a:extLst>
                 <a:ext uri="{FF2B5EF4-FFF2-40B4-BE49-F238E27FC236}">
-                  <a16:creationId xmlns="" xmlns:a16="http://schemas.microsoft.com/office/drawing/2014/main" id="{A4E3F157-3F65-4017-8C06-129726420D7B}"/>
+                  <a16:creationId xmlns:a16="http://schemas.microsoft.com/office/drawing/2014/main" xmlns="" id="{A4E3F157-3F65-4017-8C06-129726420D7B}"/>
                 </a:ext>
               </a:extLst>
             </p:cNvPr>
@@ -6027,7 +8078,7 @@
             <p:cNvPr id="55" name="Rectangle à coins arrondis 81">
               <a:extLst>
                 <a:ext uri="{FF2B5EF4-FFF2-40B4-BE49-F238E27FC236}">
-                  <a16:creationId xmlns="" xmlns:a16="http://schemas.microsoft.com/office/drawing/2014/main" id="{0C2CE06B-94ED-4019-93CD-4F547886C6F0}"/>
+                  <a16:creationId xmlns:a16="http://schemas.microsoft.com/office/drawing/2014/main" xmlns="" id="{0C2CE06B-94ED-4019-93CD-4F547886C6F0}"/>
                 </a:ext>
               </a:extLst>
             </p:cNvPr>
@@ -6083,7 +8134,7 @@
             <p:cNvPr id="56" name="Rectangle 21">
               <a:extLst>
                 <a:ext uri="{FF2B5EF4-FFF2-40B4-BE49-F238E27FC236}">
-                  <a16:creationId xmlns="" xmlns:a16="http://schemas.microsoft.com/office/drawing/2014/main" id="{B2F8E697-DC77-4EBE-B2ED-87405238AC7F}"/>
+                  <a16:creationId xmlns:a16="http://schemas.microsoft.com/office/drawing/2014/main" xmlns="" id="{B2F8E697-DC77-4EBE-B2ED-87405238AC7F}"/>
                 </a:ext>
               </a:extLst>
             </p:cNvPr>
@@ -6178,7 +8229,7 @@
           <p:cNvPr id="60" name="Rectangle 64">
             <a:extLst>
               <a:ext uri="{FF2B5EF4-FFF2-40B4-BE49-F238E27FC236}">
-                <a16:creationId xmlns="" xmlns:a16="http://schemas.microsoft.com/office/drawing/2014/main" id="{02AB47F7-5BBE-4247-A0CF-3B91C0B34E05}"/>
+                <a16:creationId xmlns:a16="http://schemas.microsoft.com/office/drawing/2014/main" xmlns="" id="{02AB47F7-5BBE-4247-A0CF-3B91C0B34E05}"/>
               </a:ext>
             </a:extLst>
           </p:cNvPr>
@@ -6261,7 +8312,7 @@
           <p:cNvPr id="62" name="Line 13">
             <a:extLst>
               <a:ext uri="{FF2B5EF4-FFF2-40B4-BE49-F238E27FC236}">
-                <a16:creationId xmlns="" xmlns:a16="http://schemas.microsoft.com/office/drawing/2014/main" id="{63C71FC3-A0E2-44C2-AAE3-AD063D7F1F4C}"/>
+                <a16:creationId xmlns:a16="http://schemas.microsoft.com/office/drawing/2014/main" xmlns="" id="{63C71FC3-A0E2-44C2-AAE3-AD063D7F1F4C}"/>
               </a:ext>
             </a:extLst>
           </p:cNvPr>
@@ -6306,7 +8357,7 @@
           <p:cNvPr id="63" name="Line 14">
             <a:extLst>
               <a:ext uri="{FF2B5EF4-FFF2-40B4-BE49-F238E27FC236}">
-                <a16:creationId xmlns="" xmlns:a16="http://schemas.microsoft.com/office/drawing/2014/main" id="{5D30F928-76BE-4911-B3F1-C7941A050E8C}"/>
+                <a16:creationId xmlns:a16="http://schemas.microsoft.com/office/drawing/2014/main" xmlns="" id="{5D30F928-76BE-4911-B3F1-C7941A050E8C}"/>
               </a:ext>
             </a:extLst>
           </p:cNvPr>
@@ -6351,7 +8402,7 @@
           <p:cNvPr id="64" name="Line 15">
             <a:extLst>
               <a:ext uri="{FF2B5EF4-FFF2-40B4-BE49-F238E27FC236}">
-                <a16:creationId xmlns="" xmlns:a16="http://schemas.microsoft.com/office/drawing/2014/main" id="{D6A1CDA2-1ED5-44E3-ADDD-8D7F9C506A05}"/>
+                <a16:creationId xmlns:a16="http://schemas.microsoft.com/office/drawing/2014/main" xmlns="" id="{D6A1CDA2-1ED5-44E3-ADDD-8D7F9C506A05}"/>
               </a:ext>
             </a:extLst>
           </p:cNvPr>
@@ -6396,7 +8447,7 @@
           <p:cNvPr id="65" name="Line 16">
             <a:extLst>
               <a:ext uri="{FF2B5EF4-FFF2-40B4-BE49-F238E27FC236}">
-                <a16:creationId xmlns="" xmlns:a16="http://schemas.microsoft.com/office/drawing/2014/main" id="{8CF85B3B-A5FC-4C92-A3D8-27444BC73E8D}"/>
+                <a16:creationId xmlns:a16="http://schemas.microsoft.com/office/drawing/2014/main" xmlns="" id="{8CF85B3B-A5FC-4C92-A3D8-27444BC73E8D}"/>
               </a:ext>
             </a:extLst>
           </p:cNvPr>
@@ -6441,7 +8492,7 @@
           <p:cNvPr id="66" name="Freeform 17">
             <a:extLst>
               <a:ext uri="{FF2B5EF4-FFF2-40B4-BE49-F238E27FC236}">
-                <a16:creationId xmlns="" xmlns:a16="http://schemas.microsoft.com/office/drawing/2014/main" id="{F6EB7282-C4E9-4323-8357-4FCDBA4D6DB7}"/>
+                <a16:creationId xmlns:a16="http://schemas.microsoft.com/office/drawing/2014/main" xmlns="" id="{F6EB7282-C4E9-4323-8357-4FCDBA4D6DB7}"/>
               </a:ext>
             </a:extLst>
           </p:cNvPr>
@@ -6513,7 +8564,7 @@
           <p:cNvPr id="67" name="Rectangle 18">
             <a:extLst>
               <a:ext uri="{FF2B5EF4-FFF2-40B4-BE49-F238E27FC236}">
-                <a16:creationId xmlns="" xmlns:a16="http://schemas.microsoft.com/office/drawing/2014/main" id="{A13CE3B1-5791-4990-B82C-0440970750D4}"/>
+                <a16:creationId xmlns:a16="http://schemas.microsoft.com/office/drawing/2014/main" xmlns="" id="{A13CE3B1-5791-4990-B82C-0440970750D4}"/>
               </a:ext>
             </a:extLst>
           </p:cNvPr>
@@ -6560,7 +8611,7 @@
           <p:cNvPr id="69" name="Line 20">
             <a:extLst>
               <a:ext uri="{FF2B5EF4-FFF2-40B4-BE49-F238E27FC236}">
-                <a16:creationId xmlns="" xmlns:a16="http://schemas.microsoft.com/office/drawing/2014/main" id="{CBA31DAC-8ED7-4E45-AACE-DE376FD91A61}"/>
+                <a16:creationId xmlns:a16="http://schemas.microsoft.com/office/drawing/2014/main" xmlns="" id="{CBA31DAC-8ED7-4E45-AACE-DE376FD91A61}"/>
               </a:ext>
             </a:extLst>
           </p:cNvPr>
@@ -6605,7 +8656,7 @@
           <p:cNvPr id="70" name="Rectangle 21">
             <a:extLst>
               <a:ext uri="{FF2B5EF4-FFF2-40B4-BE49-F238E27FC236}">
-                <a16:creationId xmlns="" xmlns:a16="http://schemas.microsoft.com/office/drawing/2014/main" id="{3D627554-8FFF-40F0-999A-EAAD9586BC0C}"/>
+                <a16:creationId xmlns:a16="http://schemas.microsoft.com/office/drawing/2014/main" xmlns="" id="{3D627554-8FFF-40F0-999A-EAAD9586BC0C}"/>
               </a:ext>
             </a:extLst>
           </p:cNvPr>
@@ -6688,7 +8739,7 @@
           <p:cNvPr id="71" name="Rectangle 22">
             <a:extLst>
               <a:ext uri="{FF2B5EF4-FFF2-40B4-BE49-F238E27FC236}">
-                <a16:creationId xmlns="" xmlns:a16="http://schemas.microsoft.com/office/drawing/2014/main" id="{5C76B6C7-5C05-4926-B482-FF80358AE29F}"/>
+                <a16:creationId xmlns:a16="http://schemas.microsoft.com/office/drawing/2014/main" xmlns="" id="{5C76B6C7-5C05-4926-B482-FF80358AE29F}"/>
               </a:ext>
             </a:extLst>
           </p:cNvPr>
@@ -6735,7 +8786,7 @@
           <p:cNvPr id="72" name="Line 23">
             <a:extLst>
               <a:ext uri="{FF2B5EF4-FFF2-40B4-BE49-F238E27FC236}">
-                <a16:creationId xmlns="" xmlns:a16="http://schemas.microsoft.com/office/drawing/2014/main" id="{E6D2FFAF-F158-4160-BF01-E57944AE8DA4}"/>
+                <a16:creationId xmlns:a16="http://schemas.microsoft.com/office/drawing/2014/main" xmlns="" id="{E6D2FFAF-F158-4160-BF01-E57944AE8DA4}"/>
               </a:ext>
             </a:extLst>
           </p:cNvPr>
@@ -6780,7 +8831,7 @@
           <p:cNvPr id="73" name="Line 24">
             <a:extLst>
               <a:ext uri="{FF2B5EF4-FFF2-40B4-BE49-F238E27FC236}">
-                <a16:creationId xmlns="" xmlns:a16="http://schemas.microsoft.com/office/drawing/2014/main" id="{70E7D3D2-1436-4EDB-A635-BF9EF68CEF3E}"/>
+                <a16:creationId xmlns:a16="http://schemas.microsoft.com/office/drawing/2014/main" xmlns="" id="{70E7D3D2-1436-4EDB-A635-BF9EF68CEF3E}"/>
               </a:ext>
             </a:extLst>
           </p:cNvPr>
@@ -6825,7 +8876,7 @@
           <p:cNvPr id="74" name="Rectangle 25">
             <a:extLst>
               <a:ext uri="{FF2B5EF4-FFF2-40B4-BE49-F238E27FC236}">
-                <a16:creationId xmlns="" xmlns:a16="http://schemas.microsoft.com/office/drawing/2014/main" id="{C4383B26-BE87-41EE-B61F-EDBDEFB34A0F}"/>
+                <a16:creationId xmlns:a16="http://schemas.microsoft.com/office/drawing/2014/main" xmlns="" id="{C4383B26-BE87-41EE-B61F-EDBDEFB34A0F}"/>
               </a:ext>
             </a:extLst>
           </p:cNvPr>
@@ -6908,7 +8959,7 @@
           <p:cNvPr id="75" name="Rectangle 26">
             <a:extLst>
               <a:ext uri="{FF2B5EF4-FFF2-40B4-BE49-F238E27FC236}">
-                <a16:creationId xmlns="" xmlns:a16="http://schemas.microsoft.com/office/drawing/2014/main" id="{41CA94AE-7DAA-49E3-BAD8-575B8CCC4803}"/>
+                <a16:creationId xmlns:a16="http://schemas.microsoft.com/office/drawing/2014/main" xmlns="" id="{41CA94AE-7DAA-49E3-BAD8-575B8CCC4803}"/>
               </a:ext>
             </a:extLst>
           </p:cNvPr>
@@ -6955,7 +9006,7 @@
           <p:cNvPr id="77" name="Line 28">
             <a:extLst>
               <a:ext uri="{FF2B5EF4-FFF2-40B4-BE49-F238E27FC236}">
-                <a16:creationId xmlns="" xmlns:a16="http://schemas.microsoft.com/office/drawing/2014/main" id="{F470F4B7-FCA8-4442-8FB8-787B8D92CD0C}"/>
+                <a16:creationId xmlns:a16="http://schemas.microsoft.com/office/drawing/2014/main" xmlns="" id="{F470F4B7-FCA8-4442-8FB8-787B8D92CD0C}"/>
               </a:ext>
             </a:extLst>
           </p:cNvPr>
@@ -7000,7 +9051,7 @@
           <p:cNvPr id="78" name="Rectangle 29">
             <a:extLst>
               <a:ext uri="{FF2B5EF4-FFF2-40B4-BE49-F238E27FC236}">
-                <a16:creationId xmlns="" xmlns:a16="http://schemas.microsoft.com/office/drawing/2014/main" id="{658BB651-F555-4805-B6D1-C43D41A47203}"/>
+                <a16:creationId xmlns:a16="http://schemas.microsoft.com/office/drawing/2014/main" xmlns="" id="{658BB651-F555-4805-B6D1-C43D41A47203}"/>
               </a:ext>
             </a:extLst>
           </p:cNvPr>
@@ -7083,7 +9134,7 @@
           <p:cNvPr id="80" name="Rectangle 64">
             <a:extLst>
               <a:ext uri="{FF2B5EF4-FFF2-40B4-BE49-F238E27FC236}">
-                <a16:creationId xmlns="" xmlns:a16="http://schemas.microsoft.com/office/drawing/2014/main" id="{CEA774CB-F41E-4694-8A1F-A57044507B00}"/>
+                <a16:creationId xmlns:a16="http://schemas.microsoft.com/office/drawing/2014/main" xmlns="" id="{CEA774CB-F41E-4694-8A1F-A57044507B00}"/>
               </a:ext>
             </a:extLst>
           </p:cNvPr>
@@ -7163,7 +9214,7 @@
           <p:cNvPr id="81" name="Oval 65">
             <a:extLst>
               <a:ext uri="{FF2B5EF4-FFF2-40B4-BE49-F238E27FC236}">
-                <a16:creationId xmlns="" xmlns:a16="http://schemas.microsoft.com/office/drawing/2014/main" id="{647DC32B-D655-434D-A45D-FD842F738D41}"/>
+                <a16:creationId xmlns:a16="http://schemas.microsoft.com/office/drawing/2014/main" xmlns="" id="{647DC32B-D655-434D-A45D-FD842F738D41}"/>
               </a:ext>
             </a:extLst>
           </p:cNvPr>
@@ -7210,7 +9261,7 @@
           <p:cNvPr id="82" name="Oval 66">
             <a:extLst>
               <a:ext uri="{FF2B5EF4-FFF2-40B4-BE49-F238E27FC236}">
-                <a16:creationId xmlns="" xmlns:a16="http://schemas.microsoft.com/office/drawing/2014/main" id="{D59097DA-1869-466B-AD56-B3D6D297F774}"/>
+                <a16:creationId xmlns:a16="http://schemas.microsoft.com/office/drawing/2014/main" xmlns="" id="{D59097DA-1869-466B-AD56-B3D6D297F774}"/>
               </a:ext>
             </a:extLst>
           </p:cNvPr>
@@ -7257,7 +9308,7 @@
           <p:cNvPr id="83" name="Line 13">
             <a:extLst>
               <a:ext uri="{FF2B5EF4-FFF2-40B4-BE49-F238E27FC236}">
-                <a16:creationId xmlns="" xmlns:a16="http://schemas.microsoft.com/office/drawing/2014/main" id="{CB8FD647-6842-40EA-A4BC-8B3F4F2B72BF}"/>
+                <a16:creationId xmlns:a16="http://schemas.microsoft.com/office/drawing/2014/main" xmlns="" id="{CB8FD647-6842-40EA-A4BC-8B3F4F2B72BF}"/>
               </a:ext>
             </a:extLst>
           </p:cNvPr>
@@ -7302,7 +9353,7 @@
           <p:cNvPr id="86" name="Line 13">
             <a:extLst>
               <a:ext uri="{FF2B5EF4-FFF2-40B4-BE49-F238E27FC236}">
-                <a16:creationId xmlns="" xmlns:a16="http://schemas.microsoft.com/office/drawing/2014/main" id="{612F001D-2FCF-4182-80C0-A21EF15FCBB8}"/>
+                <a16:creationId xmlns:a16="http://schemas.microsoft.com/office/drawing/2014/main" xmlns="" id="{612F001D-2FCF-4182-80C0-A21EF15FCBB8}"/>
               </a:ext>
             </a:extLst>
           </p:cNvPr>
@@ -7347,7 +9398,7 @@
           <p:cNvPr id="91" name="Oval 65">
             <a:extLst>
               <a:ext uri="{FF2B5EF4-FFF2-40B4-BE49-F238E27FC236}">
-                <a16:creationId xmlns="" xmlns:a16="http://schemas.microsoft.com/office/drawing/2014/main" id="{11B9C6B5-BC1A-495F-9E8D-F87257B762F4}"/>
+                <a16:creationId xmlns:a16="http://schemas.microsoft.com/office/drawing/2014/main" xmlns="" id="{11B9C6B5-BC1A-495F-9E8D-F87257B762F4}"/>
               </a:ext>
             </a:extLst>
           </p:cNvPr>
@@ -7394,7 +9445,7 @@
           <p:cNvPr id="92" name="Rectangle à coins arrondis 103">
             <a:extLst>
               <a:ext uri="{FF2B5EF4-FFF2-40B4-BE49-F238E27FC236}">
-                <a16:creationId xmlns="" xmlns:a16="http://schemas.microsoft.com/office/drawing/2014/main" id="{32DA6AAE-C1B9-4B59-B472-C0D17550A080}"/>
+                <a16:creationId xmlns:a16="http://schemas.microsoft.com/office/drawing/2014/main" xmlns="" id="{32DA6AAE-C1B9-4B59-B472-C0D17550A080}"/>
               </a:ext>
             </a:extLst>
           </p:cNvPr>
@@ -7450,7 +9501,7 @@
           <p:cNvPr id="99" name="Line 13">
             <a:extLst>
               <a:ext uri="{FF2B5EF4-FFF2-40B4-BE49-F238E27FC236}">
-                <a16:creationId xmlns="" xmlns:a16="http://schemas.microsoft.com/office/drawing/2014/main" id="{6F527DC3-475F-454F-A684-0BC497588067}"/>
+                <a16:creationId xmlns:a16="http://schemas.microsoft.com/office/drawing/2014/main" xmlns="" id="{6F527DC3-475F-454F-A684-0BC497588067}"/>
               </a:ext>
             </a:extLst>
           </p:cNvPr>
@@ -7495,7 +9546,7 @@
           <p:cNvPr id="103" name="Groupe 102">
             <a:extLst>
               <a:ext uri="{FF2B5EF4-FFF2-40B4-BE49-F238E27FC236}">
-                <a16:creationId xmlns="" xmlns:a16="http://schemas.microsoft.com/office/drawing/2014/main" id="{515DB70C-E504-4786-BEF4-CBD35C82A598}"/>
+                <a16:creationId xmlns:a16="http://schemas.microsoft.com/office/drawing/2014/main" xmlns="" id="{515DB70C-E504-4786-BEF4-CBD35C82A598}"/>
               </a:ext>
             </a:extLst>
           </p:cNvPr>
@@ -7515,7 +9566,7 @@
             <p:cNvPr id="100" name="Line 13">
               <a:extLst>
                 <a:ext uri="{FF2B5EF4-FFF2-40B4-BE49-F238E27FC236}">
-                  <a16:creationId xmlns="" xmlns:a16="http://schemas.microsoft.com/office/drawing/2014/main" id="{B09B7679-D7B8-4F8E-9852-8190BBF69A2B}"/>
+                  <a16:creationId xmlns:a16="http://schemas.microsoft.com/office/drawing/2014/main" xmlns="" id="{B09B7679-D7B8-4F8E-9852-8190BBF69A2B}"/>
                 </a:ext>
               </a:extLst>
             </p:cNvPr>
@@ -7560,7 +9611,7 @@
             <p:cNvPr id="101" name="Line 13">
               <a:extLst>
                 <a:ext uri="{FF2B5EF4-FFF2-40B4-BE49-F238E27FC236}">
-                  <a16:creationId xmlns="" xmlns:a16="http://schemas.microsoft.com/office/drawing/2014/main" id="{783BFE1C-9BFB-4823-A2F2-67E864C080D3}"/>
+                  <a16:creationId xmlns:a16="http://schemas.microsoft.com/office/drawing/2014/main" xmlns="" id="{783BFE1C-9BFB-4823-A2F2-67E864C080D3}"/>
                 </a:ext>
               </a:extLst>
             </p:cNvPr>
@@ -7605,7 +9656,7 @@
             <p:cNvPr id="102" name="Line 13">
               <a:extLst>
                 <a:ext uri="{FF2B5EF4-FFF2-40B4-BE49-F238E27FC236}">
-                  <a16:creationId xmlns="" xmlns:a16="http://schemas.microsoft.com/office/drawing/2014/main" id="{FF297A89-2496-49F8-B91F-430181FBB8CF}"/>
+                  <a16:creationId xmlns:a16="http://schemas.microsoft.com/office/drawing/2014/main" xmlns="" id="{FF297A89-2496-49F8-B91F-430181FBB8CF}"/>
                 </a:ext>
               </a:extLst>
             </p:cNvPr>
@@ -7651,7 +9702,7 @@
           <p:cNvPr id="104" name="Line 13">
             <a:extLst>
               <a:ext uri="{FF2B5EF4-FFF2-40B4-BE49-F238E27FC236}">
-                <a16:creationId xmlns="" xmlns:a16="http://schemas.microsoft.com/office/drawing/2014/main" id="{BD22AB5A-DC8D-41A5-92ED-6F4A2DDA074A}"/>
+                <a16:creationId xmlns:a16="http://schemas.microsoft.com/office/drawing/2014/main" xmlns="" id="{BD22AB5A-DC8D-41A5-92ED-6F4A2DDA074A}"/>
               </a:ext>
             </a:extLst>
           </p:cNvPr>
@@ -7694,7 +9745,7 @@
     </p:spTree>
     <p:extLst>
       <p:ext uri="{BB962C8B-B14F-4D97-AF65-F5344CB8AC3E}">
-        <p14:creationId xmlns="" xmlns:p14="http://schemas.microsoft.com/office/powerpoint/2010/main" val="2270118311"/>
+        <p14:creationId xmlns:p14="http://schemas.microsoft.com/office/powerpoint/2010/main" xmlns="" val="2270118311"/>
       </p:ext>
     </p:extLst>
   </p:cSld>
@@ -7704,7 +9755,7 @@
 </p:sld>
 </file>
 
-<file path=ppt/slides/slide2.xml><?xml version="1.0" encoding="utf-8"?>
+<file path=ppt/slides/slide3.xml><?xml version="1.0" encoding="utf-8"?>
 <p:sld xmlns:a="http://schemas.openxmlformats.org/drawingml/2006/main" xmlns:r="http://schemas.openxmlformats.org/officeDocument/2006/relationships" xmlns:p="http://schemas.openxmlformats.org/presentationml/2006/main">
   <p:cSld>
     <p:spTree>
@@ -7726,7 +9777,7 @@
           <p:cNvPr id="3" name="Espace réservé de la date 2">
             <a:extLst>
               <a:ext uri="{FF2B5EF4-FFF2-40B4-BE49-F238E27FC236}">
-                <a16:creationId xmlns="" xmlns:a16="http://schemas.microsoft.com/office/drawing/2014/main" id="{2C19661C-E370-4BA2-9074-7F4657B99FBA}"/>
+                <a16:creationId xmlns:a16="http://schemas.microsoft.com/office/drawing/2014/main" xmlns="" id="{2C19661C-E370-4BA2-9074-7F4657B99FBA}"/>
               </a:ext>
             </a:extLst>
           </p:cNvPr>
@@ -7745,7 +9796,7 @@
             <a:fld id="{80ADAFC8-E58E-40F9-B663-9F56451821D1}" type="datetime8">
               <a:rPr lang="fr-FR" smtClean="0"/>
               <a:pPr/>
-              <a:t>24/10/2024 16:50</a:t>
+              <a:t>29/11/2024 09:14</a:t>
             </a:fld>
             <a:endParaRPr lang="fr-FR"/>
           </a:p>
@@ -7756,7 +9807,7 @@
           <p:cNvPr id="4" name="Espace réservé du pied de page 3">
             <a:extLst>
               <a:ext uri="{FF2B5EF4-FFF2-40B4-BE49-F238E27FC236}">
-                <a16:creationId xmlns="" xmlns:a16="http://schemas.microsoft.com/office/drawing/2014/main" id="{E37A5394-8D47-4187-BC63-B66E8FE9C0CE}"/>
+                <a16:creationId xmlns:a16="http://schemas.microsoft.com/office/drawing/2014/main" xmlns="" id="{E37A5394-8D47-4187-BC63-B66E8FE9C0CE}"/>
               </a:ext>
             </a:extLst>
           </p:cNvPr>
@@ -7785,7 +9836,7 @@
           <p:cNvPr id="5" name="Espace réservé du numéro de diapositive 4">
             <a:extLst>
               <a:ext uri="{FF2B5EF4-FFF2-40B4-BE49-F238E27FC236}">
-                <a16:creationId xmlns="" xmlns:a16="http://schemas.microsoft.com/office/drawing/2014/main" id="{A227A4BB-E398-4D29-BF7A-DF938798CB79}"/>
+                <a16:creationId xmlns:a16="http://schemas.microsoft.com/office/drawing/2014/main" xmlns="" id="{A227A4BB-E398-4D29-BF7A-DF938798CB79}"/>
               </a:ext>
             </a:extLst>
           </p:cNvPr>
@@ -7804,7 +9855,7 @@
             <a:fld id="{B5A9633A-FFAA-4A63-B9D0-7C8F8F0E0665}" type="slidenum">
               <a:rPr lang="fr-FR" smtClean="0"/>
               <a:pPr/>
-              <a:t>2</a:t>
+              <a:t>3</a:t>
             </a:fld>
             <a:endParaRPr lang="fr-FR"/>
           </a:p>
@@ -7815,7 +9866,7 @@
           <p:cNvPr id="6" name="Group 18">
             <a:extLst>
               <a:ext uri="{FF2B5EF4-FFF2-40B4-BE49-F238E27FC236}">
-                <a16:creationId xmlns="" xmlns:a16="http://schemas.microsoft.com/office/drawing/2014/main" id="{AADD6174-C550-4B59-BC10-9800610AED39}"/>
+                <a16:creationId xmlns:a16="http://schemas.microsoft.com/office/drawing/2014/main" xmlns="" id="{AADD6174-C550-4B59-BC10-9800610AED39}"/>
               </a:ext>
             </a:extLst>
           </p:cNvPr>
@@ -7837,7 +9888,7 @@
             <p:cNvPr id="7" name="Line 14">
               <a:extLst>
                 <a:ext uri="{FF2B5EF4-FFF2-40B4-BE49-F238E27FC236}">
-                  <a16:creationId xmlns="" xmlns:a16="http://schemas.microsoft.com/office/drawing/2014/main" id="{514F93B6-9448-4928-BD40-C618AFF8929D}"/>
+                  <a16:creationId xmlns:a16="http://schemas.microsoft.com/office/drawing/2014/main" xmlns="" id="{514F93B6-9448-4928-BD40-C618AFF8929D}"/>
                 </a:ext>
               </a:extLst>
             </p:cNvPr>
@@ -7880,7 +9931,7 @@
             <p:cNvPr id="8" name="Freeform 15">
               <a:extLst>
                 <a:ext uri="{FF2B5EF4-FFF2-40B4-BE49-F238E27FC236}">
-                  <a16:creationId xmlns="" xmlns:a16="http://schemas.microsoft.com/office/drawing/2014/main" id="{1A329421-F354-4FB6-9B52-B4C886F0B48E}"/>
+                  <a16:creationId xmlns:a16="http://schemas.microsoft.com/office/drawing/2014/main" xmlns="" id="{1A329421-F354-4FB6-9B52-B4C886F0B48E}"/>
                 </a:ext>
               </a:extLst>
             </p:cNvPr>
@@ -7969,7 +10020,7 @@
             <p:cNvPr id="9" name="Line 16">
               <a:extLst>
                 <a:ext uri="{FF2B5EF4-FFF2-40B4-BE49-F238E27FC236}">
-                  <a16:creationId xmlns="" xmlns:a16="http://schemas.microsoft.com/office/drawing/2014/main" id="{984C8F04-19F3-48D6-836A-FB8980B428B4}"/>
+                  <a16:creationId xmlns:a16="http://schemas.microsoft.com/office/drawing/2014/main" xmlns="" id="{984C8F04-19F3-48D6-836A-FB8980B428B4}"/>
                 </a:ext>
               </a:extLst>
             </p:cNvPr>
@@ -8012,7 +10063,7 @@
             <p:cNvPr id="10" name="Freeform 17">
               <a:extLst>
                 <a:ext uri="{FF2B5EF4-FFF2-40B4-BE49-F238E27FC236}">
-                  <a16:creationId xmlns="" xmlns:a16="http://schemas.microsoft.com/office/drawing/2014/main" id="{49B3B906-F49D-45E2-B2D2-893D24606E4F}"/>
+                  <a16:creationId xmlns:a16="http://schemas.microsoft.com/office/drawing/2014/main" xmlns="" id="{49B3B906-F49D-45E2-B2D2-893D24606E4F}"/>
                 </a:ext>
               </a:extLst>
             </p:cNvPr>
@@ -8093,7 +10144,7 @@
           <p:cNvPr id="11" name="Freeform 19">
             <a:extLst>
               <a:ext uri="{FF2B5EF4-FFF2-40B4-BE49-F238E27FC236}">
-                <a16:creationId xmlns="" xmlns:a16="http://schemas.microsoft.com/office/drawing/2014/main" id="{066803B4-D355-4893-A363-7B7E5D829B0A}"/>
+                <a16:creationId xmlns:a16="http://schemas.microsoft.com/office/drawing/2014/main" xmlns="" id="{066803B4-D355-4893-A363-7B7E5D829B0A}"/>
               </a:ext>
             </a:extLst>
           </p:cNvPr>
@@ -8170,7 +10221,7 @@
           <p:cNvPr id="12" name="Group 22">
             <a:extLst>
               <a:ext uri="{FF2B5EF4-FFF2-40B4-BE49-F238E27FC236}">
-                <a16:creationId xmlns="" xmlns:a16="http://schemas.microsoft.com/office/drawing/2014/main" id="{7D82332C-D12D-4AA1-9EA5-3906CF3D3D76}"/>
+                <a16:creationId xmlns:a16="http://schemas.microsoft.com/office/drawing/2014/main" xmlns="" id="{7D82332C-D12D-4AA1-9EA5-3906CF3D3D76}"/>
               </a:ext>
             </a:extLst>
           </p:cNvPr>
@@ -8192,7 +10243,7 @@
             <p:cNvPr id="13" name="Line 20">
               <a:extLst>
                 <a:ext uri="{FF2B5EF4-FFF2-40B4-BE49-F238E27FC236}">
-                  <a16:creationId xmlns="" xmlns:a16="http://schemas.microsoft.com/office/drawing/2014/main" id="{0C8702E7-F985-4066-9F73-9124D1027182}"/>
+                  <a16:creationId xmlns:a16="http://schemas.microsoft.com/office/drawing/2014/main" xmlns="" id="{0C8702E7-F985-4066-9F73-9124D1027182}"/>
                 </a:ext>
               </a:extLst>
             </p:cNvPr>
@@ -8235,7 +10286,7 @@
             <p:cNvPr id="14" name="Line 21">
               <a:extLst>
                 <a:ext uri="{FF2B5EF4-FFF2-40B4-BE49-F238E27FC236}">
-                  <a16:creationId xmlns="" xmlns:a16="http://schemas.microsoft.com/office/drawing/2014/main" id="{28955AC2-9C40-40F9-934B-E75130F41090}"/>
+                  <a16:creationId xmlns:a16="http://schemas.microsoft.com/office/drawing/2014/main" xmlns="" id="{28955AC2-9C40-40F9-934B-E75130F41090}"/>
                 </a:ext>
               </a:extLst>
             </p:cNvPr>
@@ -8279,7 +10330,7 @@
           <p:cNvPr id="15" name="Rectangle 23">
             <a:extLst>
               <a:ext uri="{FF2B5EF4-FFF2-40B4-BE49-F238E27FC236}">
-                <a16:creationId xmlns="" xmlns:a16="http://schemas.microsoft.com/office/drawing/2014/main" id="{ADD7FFED-1AEC-4A65-BA91-3D3CFCB4AB1B}"/>
+                <a16:creationId xmlns:a16="http://schemas.microsoft.com/office/drawing/2014/main" xmlns="" id="{ADD7FFED-1AEC-4A65-BA91-3D3CFCB4AB1B}"/>
               </a:ext>
             </a:extLst>
           </p:cNvPr>
@@ -8338,7 +10389,7 @@
           <p:cNvPr id="16" name="Rectangle 24">
             <a:extLst>
               <a:ext uri="{FF2B5EF4-FFF2-40B4-BE49-F238E27FC236}">
-                <a16:creationId xmlns="" xmlns:a16="http://schemas.microsoft.com/office/drawing/2014/main" id="{B373D56E-37BF-4A78-82C8-EF3D70A31D0B}"/>
+                <a16:creationId xmlns:a16="http://schemas.microsoft.com/office/drawing/2014/main" xmlns="" id="{B373D56E-37BF-4A78-82C8-EF3D70A31D0B}"/>
               </a:ext>
             </a:extLst>
           </p:cNvPr>
@@ -8397,7 +10448,7 @@
           <p:cNvPr id="17" name="Rectangle 25">
             <a:extLst>
               <a:ext uri="{FF2B5EF4-FFF2-40B4-BE49-F238E27FC236}">
-                <a16:creationId xmlns="" xmlns:a16="http://schemas.microsoft.com/office/drawing/2014/main" id="{9505B10C-FBE4-40AD-BFF5-DD54BCAFAB4A}"/>
+                <a16:creationId xmlns:a16="http://schemas.microsoft.com/office/drawing/2014/main" xmlns="" id="{9505B10C-FBE4-40AD-BFF5-DD54BCAFAB4A}"/>
               </a:ext>
             </a:extLst>
           </p:cNvPr>
@@ -8466,7 +10517,7 @@
           <p:cNvPr id="18" name="Line 26">
             <a:extLst>
               <a:ext uri="{FF2B5EF4-FFF2-40B4-BE49-F238E27FC236}">
-                <a16:creationId xmlns="" xmlns:a16="http://schemas.microsoft.com/office/drawing/2014/main" id="{C0EA198E-FCE8-42F6-A6CE-A7201082FF23}"/>
+                <a16:creationId xmlns:a16="http://schemas.microsoft.com/office/drawing/2014/main" xmlns="" id="{C0EA198E-FCE8-42F6-A6CE-A7201082FF23}"/>
               </a:ext>
             </a:extLst>
           </p:cNvPr>
@@ -8509,7 +10560,7 @@
           <p:cNvPr id="19" name="Line 27">
             <a:extLst>
               <a:ext uri="{FF2B5EF4-FFF2-40B4-BE49-F238E27FC236}">
-                <a16:creationId xmlns="" xmlns:a16="http://schemas.microsoft.com/office/drawing/2014/main" id="{9DFC6206-9823-458E-9050-60F9A47AB4A4}"/>
+                <a16:creationId xmlns:a16="http://schemas.microsoft.com/office/drawing/2014/main" xmlns="" id="{9DFC6206-9823-458E-9050-60F9A47AB4A4}"/>
               </a:ext>
             </a:extLst>
           </p:cNvPr>
@@ -8552,7 +10603,7 @@
           <p:cNvPr id="20" name="Rectangle 28">
             <a:extLst>
               <a:ext uri="{FF2B5EF4-FFF2-40B4-BE49-F238E27FC236}">
-                <a16:creationId xmlns="" xmlns:a16="http://schemas.microsoft.com/office/drawing/2014/main" id="{A900B799-F762-4077-B331-D74729192C68}"/>
+                <a16:creationId xmlns:a16="http://schemas.microsoft.com/office/drawing/2014/main" xmlns="" id="{A900B799-F762-4077-B331-D74729192C68}"/>
               </a:ext>
             </a:extLst>
           </p:cNvPr>
@@ -8597,7 +10648,7 @@
           <p:cNvPr id="21" name="Freeform 29">
             <a:extLst>
               <a:ext uri="{FF2B5EF4-FFF2-40B4-BE49-F238E27FC236}">
-                <a16:creationId xmlns="" xmlns:a16="http://schemas.microsoft.com/office/drawing/2014/main" id="{BAFD8361-2234-4CCF-AF2D-5FE870BC33EE}"/>
+                <a16:creationId xmlns:a16="http://schemas.microsoft.com/office/drawing/2014/main" xmlns="" id="{BAFD8361-2234-4CCF-AF2D-5FE870BC33EE}"/>
               </a:ext>
             </a:extLst>
           </p:cNvPr>
@@ -8677,7 +10728,7 @@
           <p:cNvPr id="22" name="Rectangle 30">
             <a:extLst>
               <a:ext uri="{FF2B5EF4-FFF2-40B4-BE49-F238E27FC236}">
-                <a16:creationId xmlns="" xmlns:a16="http://schemas.microsoft.com/office/drawing/2014/main" id="{A70F081A-1C99-4D65-BF4E-A109E06DCED5}"/>
+                <a16:creationId xmlns:a16="http://schemas.microsoft.com/office/drawing/2014/main" xmlns="" id="{A70F081A-1C99-4D65-BF4E-A109E06DCED5}"/>
               </a:ext>
             </a:extLst>
           </p:cNvPr>
@@ -8736,7 +10787,7 @@
           <p:cNvPr id="23" name="Freeform 31">
             <a:extLst>
               <a:ext uri="{FF2B5EF4-FFF2-40B4-BE49-F238E27FC236}">
-                <a16:creationId xmlns="" xmlns:a16="http://schemas.microsoft.com/office/drawing/2014/main" id="{B5E5439E-A60E-4C11-ABD8-2531ED159933}"/>
+                <a16:creationId xmlns:a16="http://schemas.microsoft.com/office/drawing/2014/main" xmlns="" id="{B5E5439E-A60E-4C11-ABD8-2531ED159933}"/>
               </a:ext>
             </a:extLst>
           </p:cNvPr>
@@ -8816,7 +10867,7 @@
           <p:cNvPr id="24" name="Rectangle 32">
             <a:extLst>
               <a:ext uri="{FF2B5EF4-FFF2-40B4-BE49-F238E27FC236}">
-                <a16:creationId xmlns="" xmlns:a16="http://schemas.microsoft.com/office/drawing/2014/main" id="{5AACEFBC-AE4C-4011-9AB7-DC64BA688284}"/>
+                <a16:creationId xmlns:a16="http://schemas.microsoft.com/office/drawing/2014/main" xmlns="" id="{5AACEFBC-AE4C-4011-9AB7-DC64BA688284}"/>
               </a:ext>
             </a:extLst>
           </p:cNvPr>
@@ -8885,7 +10936,7 @@
           <p:cNvPr id="25" name="Oval 33">
             <a:extLst>
               <a:ext uri="{FF2B5EF4-FFF2-40B4-BE49-F238E27FC236}">
-                <a16:creationId xmlns="" xmlns:a16="http://schemas.microsoft.com/office/drawing/2014/main" id="{E05BABC3-FF0B-488B-A661-846B14D8CB5D}"/>
+                <a16:creationId xmlns:a16="http://schemas.microsoft.com/office/drawing/2014/main" xmlns="" id="{E05BABC3-FF0B-488B-A661-846B14D8CB5D}"/>
               </a:ext>
             </a:extLst>
           </p:cNvPr>
@@ -8930,7 +10981,7 @@
           <p:cNvPr id="26" name="Oval 34">
             <a:extLst>
               <a:ext uri="{FF2B5EF4-FFF2-40B4-BE49-F238E27FC236}">
-                <a16:creationId xmlns="" xmlns:a16="http://schemas.microsoft.com/office/drawing/2014/main" id="{23C308AE-DB6B-422B-8752-2B00A967F801}"/>
+                <a16:creationId xmlns:a16="http://schemas.microsoft.com/office/drawing/2014/main" xmlns="" id="{23C308AE-DB6B-422B-8752-2B00A967F801}"/>
               </a:ext>
             </a:extLst>
           </p:cNvPr>
@@ -8975,7 +11026,7 @@
           <p:cNvPr id="27" name="Oval 35">
             <a:extLst>
               <a:ext uri="{FF2B5EF4-FFF2-40B4-BE49-F238E27FC236}">
-                <a16:creationId xmlns="" xmlns:a16="http://schemas.microsoft.com/office/drawing/2014/main" id="{544E18C8-EF62-4891-8A50-830A36A3C1A8}"/>
+                <a16:creationId xmlns:a16="http://schemas.microsoft.com/office/drawing/2014/main" xmlns="" id="{544E18C8-EF62-4891-8A50-830A36A3C1A8}"/>
               </a:ext>
             </a:extLst>
           </p:cNvPr>
@@ -9020,7 +11071,7 @@
           <p:cNvPr id="31" name="Group 42">
             <a:extLst>
               <a:ext uri="{FF2B5EF4-FFF2-40B4-BE49-F238E27FC236}">
-                <a16:creationId xmlns="" xmlns:a16="http://schemas.microsoft.com/office/drawing/2014/main" id="{77DF949E-DBCA-4A07-A0E9-9C9DFD65690D}"/>
+                <a16:creationId xmlns:a16="http://schemas.microsoft.com/office/drawing/2014/main" xmlns="" id="{77DF949E-DBCA-4A07-A0E9-9C9DFD65690D}"/>
               </a:ext>
             </a:extLst>
           </p:cNvPr>
@@ -9042,7 +11093,7 @@
             <p:cNvPr id="32" name="Line 39">
               <a:extLst>
                 <a:ext uri="{FF2B5EF4-FFF2-40B4-BE49-F238E27FC236}">
-                  <a16:creationId xmlns="" xmlns:a16="http://schemas.microsoft.com/office/drawing/2014/main" id="{82653F81-B3DF-44BB-B98C-26797BCBD132}"/>
+                  <a16:creationId xmlns:a16="http://schemas.microsoft.com/office/drawing/2014/main" xmlns="" id="{82653F81-B3DF-44BB-B98C-26797BCBD132}"/>
                 </a:ext>
               </a:extLst>
             </p:cNvPr>
@@ -9085,7 +11136,7 @@
             <p:cNvPr id="33" name="Line 40">
               <a:extLst>
                 <a:ext uri="{FF2B5EF4-FFF2-40B4-BE49-F238E27FC236}">
-                  <a16:creationId xmlns="" xmlns:a16="http://schemas.microsoft.com/office/drawing/2014/main" id="{4329BD57-B95C-4C78-BE49-00ECF4572229}"/>
+                  <a16:creationId xmlns:a16="http://schemas.microsoft.com/office/drawing/2014/main" xmlns="" id="{4329BD57-B95C-4C78-BE49-00ECF4572229}"/>
                 </a:ext>
               </a:extLst>
             </p:cNvPr>
@@ -9128,7 +11179,7 @@
             <p:cNvPr id="34" name="Line 41">
               <a:extLst>
                 <a:ext uri="{FF2B5EF4-FFF2-40B4-BE49-F238E27FC236}">
-                  <a16:creationId xmlns="" xmlns:a16="http://schemas.microsoft.com/office/drawing/2014/main" id="{A5D96D6D-913C-44BF-A6F1-80B0F7F4B53F}"/>
+                  <a16:creationId xmlns:a16="http://schemas.microsoft.com/office/drawing/2014/main" xmlns="" id="{A5D96D6D-913C-44BF-A6F1-80B0F7F4B53F}"/>
                 </a:ext>
               </a:extLst>
             </p:cNvPr>
@@ -9172,7 +11223,7 @@
           <p:cNvPr id="35" name="Line 43">
             <a:extLst>
               <a:ext uri="{FF2B5EF4-FFF2-40B4-BE49-F238E27FC236}">
-                <a16:creationId xmlns="" xmlns:a16="http://schemas.microsoft.com/office/drawing/2014/main" id="{C0B36644-8DC6-4168-9E91-7150A3E8D0C9}"/>
+                <a16:creationId xmlns:a16="http://schemas.microsoft.com/office/drawing/2014/main" xmlns="" id="{C0B36644-8DC6-4168-9E91-7150A3E8D0C9}"/>
               </a:ext>
             </a:extLst>
           </p:cNvPr>
@@ -9215,7 +11266,7 @@
           <p:cNvPr id="36" name="Oval 44">
             <a:extLst>
               <a:ext uri="{FF2B5EF4-FFF2-40B4-BE49-F238E27FC236}">
-                <a16:creationId xmlns="" xmlns:a16="http://schemas.microsoft.com/office/drawing/2014/main" id="{4A233CBB-E97A-4887-B98C-498434263871}"/>
+                <a16:creationId xmlns:a16="http://schemas.microsoft.com/office/drawing/2014/main" xmlns="" id="{4A233CBB-E97A-4887-B98C-498434263871}"/>
               </a:ext>
             </a:extLst>
           </p:cNvPr>
@@ -9260,7 +11311,7 @@
           <p:cNvPr id="37" name="Rectangle 45">
             <a:extLst>
               <a:ext uri="{FF2B5EF4-FFF2-40B4-BE49-F238E27FC236}">
-                <a16:creationId xmlns="" xmlns:a16="http://schemas.microsoft.com/office/drawing/2014/main" id="{306F57C3-5C76-481F-9095-EF5BA0915A57}"/>
+                <a16:creationId xmlns:a16="http://schemas.microsoft.com/office/drawing/2014/main" xmlns="" id="{306F57C3-5C76-481F-9095-EF5BA0915A57}"/>
               </a:ext>
             </a:extLst>
           </p:cNvPr>
@@ -9305,7 +11356,7 @@
           <p:cNvPr id="38" name="Line 46">
             <a:extLst>
               <a:ext uri="{FF2B5EF4-FFF2-40B4-BE49-F238E27FC236}">
-                <a16:creationId xmlns="" xmlns:a16="http://schemas.microsoft.com/office/drawing/2014/main" id="{2822DB52-3C60-4B65-B4C1-54E04695400D}"/>
+                <a16:creationId xmlns:a16="http://schemas.microsoft.com/office/drawing/2014/main" xmlns="" id="{2822DB52-3C60-4B65-B4C1-54E04695400D}"/>
               </a:ext>
             </a:extLst>
           </p:cNvPr>
@@ -9348,7 +11399,7 @@
           <p:cNvPr id="39" name="Freeform 47">
             <a:extLst>
               <a:ext uri="{FF2B5EF4-FFF2-40B4-BE49-F238E27FC236}">
-                <a16:creationId xmlns="" xmlns:a16="http://schemas.microsoft.com/office/drawing/2014/main" id="{744515C5-D7BA-4960-89C9-A3AEA5AD1FB5}"/>
+                <a16:creationId xmlns:a16="http://schemas.microsoft.com/office/drawing/2014/main" xmlns="" id="{744515C5-D7BA-4960-89C9-A3AEA5AD1FB5}"/>
               </a:ext>
             </a:extLst>
           </p:cNvPr>
@@ -9419,7 +11470,7 @@
           <p:cNvPr id="40" name="Freeform 48">
             <a:extLst>
               <a:ext uri="{FF2B5EF4-FFF2-40B4-BE49-F238E27FC236}">
-                <a16:creationId xmlns="" xmlns:a16="http://schemas.microsoft.com/office/drawing/2014/main" id="{917EE97A-3D99-4B82-8923-F8A38D2858E3}"/>
+                <a16:creationId xmlns:a16="http://schemas.microsoft.com/office/drawing/2014/main" xmlns="" id="{917EE97A-3D99-4B82-8923-F8A38D2858E3}"/>
               </a:ext>
             </a:extLst>
           </p:cNvPr>
@@ -9490,7 +11541,7 @@
           <p:cNvPr id="41" name="Rectangle 49">
             <a:extLst>
               <a:ext uri="{FF2B5EF4-FFF2-40B4-BE49-F238E27FC236}">
-                <a16:creationId xmlns="" xmlns:a16="http://schemas.microsoft.com/office/drawing/2014/main" id="{475FF672-07E2-4AD7-BC51-4A95A6BEF71D}"/>
+                <a16:creationId xmlns:a16="http://schemas.microsoft.com/office/drawing/2014/main" xmlns="" id="{475FF672-07E2-4AD7-BC51-4A95A6BEF71D}"/>
               </a:ext>
             </a:extLst>
           </p:cNvPr>
@@ -9535,7 +11586,7 @@
           <p:cNvPr id="42" name="Line 50">
             <a:extLst>
               <a:ext uri="{FF2B5EF4-FFF2-40B4-BE49-F238E27FC236}">
-                <a16:creationId xmlns="" xmlns:a16="http://schemas.microsoft.com/office/drawing/2014/main" id="{546C23C8-6434-441C-BEEC-DC13BE425261}"/>
+                <a16:creationId xmlns:a16="http://schemas.microsoft.com/office/drawing/2014/main" xmlns="" id="{546C23C8-6434-441C-BEEC-DC13BE425261}"/>
               </a:ext>
             </a:extLst>
           </p:cNvPr>
@@ -9578,7 +11629,7 @@
           <p:cNvPr id="43" name="Rectangle 51">
             <a:extLst>
               <a:ext uri="{FF2B5EF4-FFF2-40B4-BE49-F238E27FC236}">
-                <a16:creationId xmlns="" xmlns:a16="http://schemas.microsoft.com/office/drawing/2014/main" id="{71154796-4628-4A33-8543-D1D738E8F043}"/>
+                <a16:creationId xmlns:a16="http://schemas.microsoft.com/office/drawing/2014/main" xmlns="" id="{71154796-4628-4A33-8543-D1D738E8F043}"/>
               </a:ext>
             </a:extLst>
           </p:cNvPr>
@@ -9647,7 +11698,7 @@
           <p:cNvPr id="44" name="Rectangle 45">
             <a:extLst>
               <a:ext uri="{FF2B5EF4-FFF2-40B4-BE49-F238E27FC236}">
-                <a16:creationId xmlns="" xmlns:a16="http://schemas.microsoft.com/office/drawing/2014/main" id="{B36717D3-E76B-477A-A147-652F190466ED}"/>
+                <a16:creationId xmlns:a16="http://schemas.microsoft.com/office/drawing/2014/main" xmlns="" id="{B36717D3-E76B-477A-A147-652F190466ED}"/>
               </a:ext>
             </a:extLst>
           </p:cNvPr>
@@ -9692,7 +11743,7 @@
           <p:cNvPr id="45" name="Freeform 47">
             <a:extLst>
               <a:ext uri="{FF2B5EF4-FFF2-40B4-BE49-F238E27FC236}">
-                <a16:creationId xmlns="" xmlns:a16="http://schemas.microsoft.com/office/drawing/2014/main" id="{D5C8333C-25FE-4CC3-BCBB-D6FF70DB4CF8}"/>
+                <a16:creationId xmlns:a16="http://schemas.microsoft.com/office/drawing/2014/main" xmlns="" id="{D5C8333C-25FE-4CC3-BCBB-D6FF70DB4CF8}"/>
               </a:ext>
             </a:extLst>
           </p:cNvPr>
@@ -9763,7 +11814,7 @@
           <p:cNvPr id="46" name="Rectangle 25">
             <a:extLst>
               <a:ext uri="{FF2B5EF4-FFF2-40B4-BE49-F238E27FC236}">
-                <a16:creationId xmlns="" xmlns:a16="http://schemas.microsoft.com/office/drawing/2014/main" id="{CBB70B37-BF94-41C2-8498-0BB4F6CCD634}"/>
+                <a16:creationId xmlns:a16="http://schemas.microsoft.com/office/drawing/2014/main" xmlns="" id="{CBB70B37-BF94-41C2-8498-0BB4F6CCD634}"/>
               </a:ext>
             </a:extLst>
           </p:cNvPr>
@@ -9841,7 +11892,7 @@
           <p:cNvPr id="47" name="Groupe 46">
             <a:extLst>
               <a:ext uri="{FF2B5EF4-FFF2-40B4-BE49-F238E27FC236}">
-                <a16:creationId xmlns="" xmlns:a16="http://schemas.microsoft.com/office/drawing/2014/main" id="{E14DA9C7-47CF-4384-B58D-1C3CCDAD6167}"/>
+                <a16:creationId xmlns:a16="http://schemas.microsoft.com/office/drawing/2014/main" xmlns="" id="{E14DA9C7-47CF-4384-B58D-1C3CCDAD6167}"/>
               </a:ext>
             </a:extLst>
           </p:cNvPr>
@@ -9861,7 +11912,7 @@
             <p:cNvPr id="48" name="Group 4">
               <a:extLst>
                 <a:ext uri="{FF2B5EF4-FFF2-40B4-BE49-F238E27FC236}">
-                  <a16:creationId xmlns="" xmlns:a16="http://schemas.microsoft.com/office/drawing/2014/main" id="{023A6122-DD8E-42F2-B014-BA3FA310895E}"/>
+                  <a16:creationId xmlns:a16="http://schemas.microsoft.com/office/drawing/2014/main" xmlns="" id="{023A6122-DD8E-42F2-B014-BA3FA310895E}"/>
                 </a:ext>
               </a:extLst>
             </p:cNvPr>
@@ -9883,7 +11934,7 @@
               <p:cNvPr id="88" name="Line 5">
                 <a:extLst>
                   <a:ext uri="{FF2B5EF4-FFF2-40B4-BE49-F238E27FC236}">
-                    <a16:creationId xmlns="" xmlns:a16="http://schemas.microsoft.com/office/drawing/2014/main" id="{249E3599-9316-49F2-8E1A-9E48649611AD}"/>
+                    <a16:creationId xmlns:a16="http://schemas.microsoft.com/office/drawing/2014/main" xmlns="" id="{249E3599-9316-49F2-8E1A-9E48649611AD}"/>
                   </a:ext>
                 </a:extLst>
               </p:cNvPr>
@@ -9926,7 +11977,7 @@
               <p:cNvPr id="89" name="Freeform 6">
                 <a:extLst>
                   <a:ext uri="{FF2B5EF4-FFF2-40B4-BE49-F238E27FC236}">
-                    <a16:creationId xmlns="" xmlns:a16="http://schemas.microsoft.com/office/drawing/2014/main" id="{C44D61E2-23DC-4F3E-AEA4-ADE016321E91}"/>
+                    <a16:creationId xmlns:a16="http://schemas.microsoft.com/office/drawing/2014/main" xmlns="" id="{C44D61E2-23DC-4F3E-AEA4-ADE016321E91}"/>
                   </a:ext>
                 </a:extLst>
               </p:cNvPr>
@@ -10015,7 +12066,7 @@
               <p:cNvPr id="90" name="Line 7">
                 <a:extLst>
                   <a:ext uri="{FF2B5EF4-FFF2-40B4-BE49-F238E27FC236}">
-                    <a16:creationId xmlns="" xmlns:a16="http://schemas.microsoft.com/office/drawing/2014/main" id="{3BC24801-EB72-41F4-AC12-D36DCB6A8DB5}"/>
+                    <a16:creationId xmlns:a16="http://schemas.microsoft.com/office/drawing/2014/main" xmlns="" id="{3BC24801-EB72-41F4-AC12-D36DCB6A8DB5}"/>
                   </a:ext>
                 </a:extLst>
               </p:cNvPr>
@@ -10058,7 +12109,7 @@
               <p:cNvPr id="91" name="Freeform 8">
                 <a:extLst>
                   <a:ext uri="{FF2B5EF4-FFF2-40B4-BE49-F238E27FC236}">
-                    <a16:creationId xmlns="" xmlns:a16="http://schemas.microsoft.com/office/drawing/2014/main" id="{9043ED71-46F1-4402-8BC5-C28BCCF617EA}"/>
+                    <a16:creationId xmlns:a16="http://schemas.microsoft.com/office/drawing/2014/main" xmlns="" id="{9043ED71-46F1-4402-8BC5-C28BCCF617EA}"/>
                   </a:ext>
                 </a:extLst>
               </p:cNvPr>
@@ -10139,7 +12190,7 @@
             <p:cNvPr id="49" name="Freeform 9">
               <a:extLst>
                 <a:ext uri="{FF2B5EF4-FFF2-40B4-BE49-F238E27FC236}">
-                  <a16:creationId xmlns="" xmlns:a16="http://schemas.microsoft.com/office/drawing/2014/main" id="{A794FD91-6CBC-45BB-8A64-D832F7E05777}"/>
+                  <a16:creationId xmlns:a16="http://schemas.microsoft.com/office/drawing/2014/main" xmlns="" id="{A794FD91-6CBC-45BB-8A64-D832F7E05777}"/>
                 </a:ext>
               </a:extLst>
             </p:cNvPr>
@@ -10216,7 +12267,7 @@
             <p:cNvPr id="50" name="Group 10">
               <a:extLst>
                 <a:ext uri="{FF2B5EF4-FFF2-40B4-BE49-F238E27FC236}">
-                  <a16:creationId xmlns="" xmlns:a16="http://schemas.microsoft.com/office/drawing/2014/main" id="{CDFC7CCC-8A59-48C5-9163-F15EF251E8AD}"/>
+                  <a16:creationId xmlns:a16="http://schemas.microsoft.com/office/drawing/2014/main" xmlns="" id="{CDFC7CCC-8A59-48C5-9163-F15EF251E8AD}"/>
                 </a:ext>
               </a:extLst>
             </p:cNvPr>
@@ -10238,7 +12289,7 @@
               <p:cNvPr id="86" name="Line 11">
                 <a:extLst>
                   <a:ext uri="{FF2B5EF4-FFF2-40B4-BE49-F238E27FC236}">
-                    <a16:creationId xmlns="" xmlns:a16="http://schemas.microsoft.com/office/drawing/2014/main" id="{76DB538D-67C7-454D-8736-32F31817D5C5}"/>
+                    <a16:creationId xmlns:a16="http://schemas.microsoft.com/office/drawing/2014/main" xmlns="" id="{76DB538D-67C7-454D-8736-32F31817D5C5}"/>
                   </a:ext>
                 </a:extLst>
               </p:cNvPr>
@@ -10281,7 +12332,7 @@
               <p:cNvPr id="87" name="Line 12">
                 <a:extLst>
                   <a:ext uri="{FF2B5EF4-FFF2-40B4-BE49-F238E27FC236}">
-                    <a16:creationId xmlns="" xmlns:a16="http://schemas.microsoft.com/office/drawing/2014/main" id="{02FD3E25-ED46-4682-A160-EF19EF91DDF4}"/>
+                    <a16:creationId xmlns:a16="http://schemas.microsoft.com/office/drawing/2014/main" xmlns="" id="{02FD3E25-ED46-4682-A160-EF19EF91DDF4}"/>
                   </a:ext>
                 </a:extLst>
               </p:cNvPr>
@@ -10325,7 +12376,7 @@
             <p:cNvPr id="51" name="Rectangle 13">
               <a:extLst>
                 <a:ext uri="{FF2B5EF4-FFF2-40B4-BE49-F238E27FC236}">
-                  <a16:creationId xmlns="" xmlns:a16="http://schemas.microsoft.com/office/drawing/2014/main" id="{9782E8D1-C216-4A01-9A07-51CEC2BDF805}"/>
+                  <a16:creationId xmlns:a16="http://schemas.microsoft.com/office/drawing/2014/main" xmlns="" id="{9782E8D1-C216-4A01-9A07-51CEC2BDF805}"/>
                 </a:ext>
               </a:extLst>
             </p:cNvPr>
@@ -10384,7 +12435,7 @@
             <p:cNvPr id="52" name="Rectangle 14">
               <a:extLst>
                 <a:ext uri="{FF2B5EF4-FFF2-40B4-BE49-F238E27FC236}">
-                  <a16:creationId xmlns="" xmlns:a16="http://schemas.microsoft.com/office/drawing/2014/main" id="{10C4E1A7-8A2B-4121-BD9E-47C3944487E0}"/>
+                  <a16:creationId xmlns:a16="http://schemas.microsoft.com/office/drawing/2014/main" xmlns="" id="{10C4E1A7-8A2B-4121-BD9E-47C3944487E0}"/>
                 </a:ext>
               </a:extLst>
             </p:cNvPr>
@@ -10443,7 +12494,7 @@
             <p:cNvPr id="53" name="Line 16">
               <a:extLst>
                 <a:ext uri="{FF2B5EF4-FFF2-40B4-BE49-F238E27FC236}">
-                  <a16:creationId xmlns="" xmlns:a16="http://schemas.microsoft.com/office/drawing/2014/main" id="{0163D3BD-E9C3-4512-BA2C-AEAB87158191}"/>
+                  <a16:creationId xmlns:a16="http://schemas.microsoft.com/office/drawing/2014/main" xmlns="" id="{0163D3BD-E9C3-4512-BA2C-AEAB87158191}"/>
                 </a:ext>
               </a:extLst>
             </p:cNvPr>
@@ -10486,7 +12537,7 @@
             <p:cNvPr id="54" name="Line 17">
               <a:extLst>
                 <a:ext uri="{FF2B5EF4-FFF2-40B4-BE49-F238E27FC236}">
-                  <a16:creationId xmlns="" xmlns:a16="http://schemas.microsoft.com/office/drawing/2014/main" id="{A766FBDF-804A-4793-9D76-2D6DCAE28B03}"/>
+                  <a16:creationId xmlns:a16="http://schemas.microsoft.com/office/drawing/2014/main" xmlns="" id="{A766FBDF-804A-4793-9D76-2D6DCAE28B03}"/>
                 </a:ext>
               </a:extLst>
             </p:cNvPr>
@@ -10529,7 +12580,7 @@
             <p:cNvPr id="55" name="Rectangle 18">
               <a:extLst>
                 <a:ext uri="{FF2B5EF4-FFF2-40B4-BE49-F238E27FC236}">
-                  <a16:creationId xmlns="" xmlns:a16="http://schemas.microsoft.com/office/drawing/2014/main" id="{4540C74B-395F-4064-B66B-EA6116EED146}"/>
+                  <a16:creationId xmlns:a16="http://schemas.microsoft.com/office/drawing/2014/main" xmlns="" id="{4540C74B-395F-4064-B66B-EA6116EED146}"/>
                 </a:ext>
               </a:extLst>
             </p:cNvPr>
@@ -10574,7 +12625,7 @@
             <p:cNvPr id="56" name="Freeform 19">
               <a:extLst>
                 <a:ext uri="{FF2B5EF4-FFF2-40B4-BE49-F238E27FC236}">
-                  <a16:creationId xmlns="" xmlns:a16="http://schemas.microsoft.com/office/drawing/2014/main" id="{7212F5D8-5B1F-43AF-A09A-7129DB38B315}"/>
+                  <a16:creationId xmlns:a16="http://schemas.microsoft.com/office/drawing/2014/main" xmlns="" id="{7212F5D8-5B1F-43AF-A09A-7129DB38B315}"/>
                 </a:ext>
               </a:extLst>
             </p:cNvPr>
@@ -10654,7 +12705,7 @@
             <p:cNvPr id="57" name="Rectangle 20">
               <a:extLst>
                 <a:ext uri="{FF2B5EF4-FFF2-40B4-BE49-F238E27FC236}">
-                  <a16:creationId xmlns="" xmlns:a16="http://schemas.microsoft.com/office/drawing/2014/main" id="{10BC58F9-9718-4882-A551-83B3F910589C}"/>
+                  <a16:creationId xmlns:a16="http://schemas.microsoft.com/office/drawing/2014/main" xmlns="" id="{10BC58F9-9718-4882-A551-83B3F910589C}"/>
                 </a:ext>
               </a:extLst>
             </p:cNvPr>
@@ -10713,7 +12764,7 @@
             <p:cNvPr id="58" name="Freeform 21">
               <a:extLst>
                 <a:ext uri="{FF2B5EF4-FFF2-40B4-BE49-F238E27FC236}">
-                  <a16:creationId xmlns="" xmlns:a16="http://schemas.microsoft.com/office/drawing/2014/main" id="{8ECAB41B-1943-47C7-AA84-0D8352A04C3A}"/>
+                  <a16:creationId xmlns:a16="http://schemas.microsoft.com/office/drawing/2014/main" xmlns="" id="{8ECAB41B-1943-47C7-AA84-0D8352A04C3A}"/>
                 </a:ext>
               </a:extLst>
             </p:cNvPr>
@@ -10793,7 +12844,7 @@
             <p:cNvPr id="59" name="Rectangle 22">
               <a:extLst>
                 <a:ext uri="{FF2B5EF4-FFF2-40B4-BE49-F238E27FC236}">
-                  <a16:creationId xmlns="" xmlns:a16="http://schemas.microsoft.com/office/drawing/2014/main" id="{56FEB464-C5E2-4F61-99CE-3E33B8477531}"/>
+                  <a16:creationId xmlns:a16="http://schemas.microsoft.com/office/drawing/2014/main" xmlns="" id="{56FEB464-C5E2-4F61-99CE-3E33B8477531}"/>
                 </a:ext>
               </a:extLst>
             </p:cNvPr>
@@ -10862,7 +12913,7 @@
             <p:cNvPr id="60" name="Oval 23">
               <a:extLst>
                 <a:ext uri="{FF2B5EF4-FFF2-40B4-BE49-F238E27FC236}">
-                  <a16:creationId xmlns="" xmlns:a16="http://schemas.microsoft.com/office/drawing/2014/main" id="{08DC7B04-17F0-4E0B-AA1B-1EB5CCC3DA4E}"/>
+                  <a16:creationId xmlns:a16="http://schemas.microsoft.com/office/drawing/2014/main" xmlns="" id="{08DC7B04-17F0-4E0B-AA1B-1EB5CCC3DA4E}"/>
                 </a:ext>
               </a:extLst>
             </p:cNvPr>
@@ -10907,7 +12958,7 @@
             <p:cNvPr id="61" name="Oval 24">
               <a:extLst>
                 <a:ext uri="{FF2B5EF4-FFF2-40B4-BE49-F238E27FC236}">
-                  <a16:creationId xmlns="" xmlns:a16="http://schemas.microsoft.com/office/drawing/2014/main" id="{ACB096AE-BD99-4A6E-95B6-5F4A50D2FBD8}"/>
+                  <a16:creationId xmlns:a16="http://schemas.microsoft.com/office/drawing/2014/main" xmlns="" id="{ACB096AE-BD99-4A6E-95B6-5F4A50D2FBD8}"/>
                 </a:ext>
               </a:extLst>
             </p:cNvPr>
@@ -10952,7 +13003,7 @@
             <p:cNvPr id="62" name="Oval 25">
               <a:extLst>
                 <a:ext uri="{FF2B5EF4-FFF2-40B4-BE49-F238E27FC236}">
-                  <a16:creationId xmlns="" xmlns:a16="http://schemas.microsoft.com/office/drawing/2014/main" id="{869D0EFA-AC40-424B-AD51-3A359CC9FF97}"/>
+                  <a16:creationId xmlns:a16="http://schemas.microsoft.com/office/drawing/2014/main" xmlns="" id="{869D0EFA-AC40-424B-AD51-3A359CC9FF97}"/>
                 </a:ext>
               </a:extLst>
             </p:cNvPr>
@@ -10997,7 +13048,7 @@
             <p:cNvPr id="66" name="Group 29">
               <a:extLst>
                 <a:ext uri="{FF2B5EF4-FFF2-40B4-BE49-F238E27FC236}">
-                  <a16:creationId xmlns="" xmlns:a16="http://schemas.microsoft.com/office/drawing/2014/main" id="{C06D013F-34AF-4016-ADC3-91BBF2132786}"/>
+                  <a16:creationId xmlns:a16="http://schemas.microsoft.com/office/drawing/2014/main" xmlns="" id="{C06D013F-34AF-4016-ADC3-91BBF2132786}"/>
                 </a:ext>
               </a:extLst>
             </p:cNvPr>
@@ -11019,7 +13070,7 @@
               <p:cNvPr id="83" name="Line 30">
                 <a:extLst>
                   <a:ext uri="{FF2B5EF4-FFF2-40B4-BE49-F238E27FC236}">
-                    <a16:creationId xmlns="" xmlns:a16="http://schemas.microsoft.com/office/drawing/2014/main" id="{B6D22774-B3AA-4C3C-90C9-14C8CDE2B78D}"/>
+                    <a16:creationId xmlns:a16="http://schemas.microsoft.com/office/drawing/2014/main" xmlns="" id="{B6D22774-B3AA-4C3C-90C9-14C8CDE2B78D}"/>
                   </a:ext>
                 </a:extLst>
               </p:cNvPr>
@@ -11062,7 +13113,7 @@
               <p:cNvPr id="84" name="Line 31">
                 <a:extLst>
                   <a:ext uri="{FF2B5EF4-FFF2-40B4-BE49-F238E27FC236}">
-                    <a16:creationId xmlns="" xmlns:a16="http://schemas.microsoft.com/office/drawing/2014/main" id="{9722178F-DCD2-4EEA-A7ED-E1FD944FD218}"/>
+                    <a16:creationId xmlns:a16="http://schemas.microsoft.com/office/drawing/2014/main" xmlns="" id="{9722178F-DCD2-4EEA-A7ED-E1FD944FD218}"/>
                   </a:ext>
                 </a:extLst>
               </p:cNvPr>
@@ -11105,7 +13156,7 @@
               <p:cNvPr id="85" name="Line 32">
                 <a:extLst>
                   <a:ext uri="{FF2B5EF4-FFF2-40B4-BE49-F238E27FC236}">
-                    <a16:creationId xmlns="" xmlns:a16="http://schemas.microsoft.com/office/drawing/2014/main" id="{7CA40A3C-B9D6-4CE0-91B6-FC1AD777DD8A}"/>
+                    <a16:creationId xmlns:a16="http://schemas.microsoft.com/office/drawing/2014/main" xmlns="" id="{7CA40A3C-B9D6-4CE0-91B6-FC1AD777DD8A}"/>
                   </a:ext>
                 </a:extLst>
               </p:cNvPr>
@@ -11149,7 +13200,7 @@
             <p:cNvPr id="67" name="Line 33">
               <a:extLst>
                 <a:ext uri="{FF2B5EF4-FFF2-40B4-BE49-F238E27FC236}">
-                  <a16:creationId xmlns="" xmlns:a16="http://schemas.microsoft.com/office/drawing/2014/main" id="{1960B32B-A48F-4729-9639-FA33B69C0976}"/>
+                  <a16:creationId xmlns:a16="http://schemas.microsoft.com/office/drawing/2014/main" xmlns="" id="{1960B32B-A48F-4729-9639-FA33B69C0976}"/>
                 </a:ext>
               </a:extLst>
             </p:cNvPr>
@@ -11192,7 +13243,7 @@
             <p:cNvPr id="68" name="Oval 34">
               <a:extLst>
                 <a:ext uri="{FF2B5EF4-FFF2-40B4-BE49-F238E27FC236}">
-                  <a16:creationId xmlns="" xmlns:a16="http://schemas.microsoft.com/office/drawing/2014/main" id="{334F2B23-74F6-4226-B7BB-D03851FC19D9}"/>
+                  <a16:creationId xmlns:a16="http://schemas.microsoft.com/office/drawing/2014/main" xmlns="" id="{334F2B23-74F6-4226-B7BB-D03851FC19D9}"/>
                 </a:ext>
               </a:extLst>
             </p:cNvPr>
@@ -11237,7 +13288,7 @@
             <p:cNvPr id="69" name="Rectangle 35">
               <a:extLst>
                 <a:ext uri="{FF2B5EF4-FFF2-40B4-BE49-F238E27FC236}">
-                  <a16:creationId xmlns="" xmlns:a16="http://schemas.microsoft.com/office/drawing/2014/main" id="{A50045DB-AF1D-455B-B8FF-90147423DB1E}"/>
+                  <a16:creationId xmlns:a16="http://schemas.microsoft.com/office/drawing/2014/main" xmlns="" id="{A50045DB-AF1D-455B-B8FF-90147423DB1E}"/>
                 </a:ext>
               </a:extLst>
             </p:cNvPr>
@@ -11282,7 +13333,7 @@
             <p:cNvPr id="70" name="Freeform 38">
               <a:extLst>
                 <a:ext uri="{FF2B5EF4-FFF2-40B4-BE49-F238E27FC236}">
-                  <a16:creationId xmlns="" xmlns:a16="http://schemas.microsoft.com/office/drawing/2014/main" id="{2FE973E7-F095-4594-8D36-E971F2F15336}"/>
+                  <a16:creationId xmlns:a16="http://schemas.microsoft.com/office/drawing/2014/main" xmlns="" id="{2FE973E7-F095-4594-8D36-E971F2F15336}"/>
                 </a:ext>
               </a:extLst>
             </p:cNvPr>
@@ -11353,7 +13404,7 @@
             <p:cNvPr id="71" name="Rectangle 39">
               <a:extLst>
                 <a:ext uri="{FF2B5EF4-FFF2-40B4-BE49-F238E27FC236}">
-                  <a16:creationId xmlns="" xmlns:a16="http://schemas.microsoft.com/office/drawing/2014/main" id="{C4AE0DD8-F969-41F1-9078-CD5E06ADD967}"/>
+                  <a16:creationId xmlns:a16="http://schemas.microsoft.com/office/drawing/2014/main" xmlns="" id="{C4AE0DD8-F969-41F1-9078-CD5E06ADD967}"/>
                 </a:ext>
               </a:extLst>
             </p:cNvPr>
@@ -11398,7 +13449,7 @@
             <p:cNvPr id="72" name="Line 40">
               <a:extLst>
                 <a:ext uri="{FF2B5EF4-FFF2-40B4-BE49-F238E27FC236}">
-                  <a16:creationId xmlns="" xmlns:a16="http://schemas.microsoft.com/office/drawing/2014/main" id="{0848691B-C234-40E0-8B39-5F4312CA1BD0}"/>
+                  <a16:creationId xmlns:a16="http://schemas.microsoft.com/office/drawing/2014/main" xmlns="" id="{0848691B-C234-40E0-8B39-5F4312CA1BD0}"/>
                 </a:ext>
               </a:extLst>
             </p:cNvPr>
@@ -11441,7 +13492,7 @@
             <p:cNvPr id="73" name="Rectangle 41">
               <a:extLst>
                 <a:ext uri="{FF2B5EF4-FFF2-40B4-BE49-F238E27FC236}">
-                  <a16:creationId xmlns="" xmlns:a16="http://schemas.microsoft.com/office/drawing/2014/main" id="{7852E4B6-7DCE-4A64-9F1D-612E4BA51328}"/>
+                  <a16:creationId xmlns:a16="http://schemas.microsoft.com/office/drawing/2014/main" xmlns="" id="{7852E4B6-7DCE-4A64-9F1D-612E4BA51328}"/>
                 </a:ext>
               </a:extLst>
             </p:cNvPr>
@@ -11500,7 +13551,7 @@
             <p:cNvPr id="74" name="Rectangle 42">
               <a:extLst>
                 <a:ext uri="{FF2B5EF4-FFF2-40B4-BE49-F238E27FC236}">
-                  <a16:creationId xmlns="" xmlns:a16="http://schemas.microsoft.com/office/drawing/2014/main" id="{4197C7B5-C4FD-41BD-B926-4A19C5627C23}"/>
+                  <a16:creationId xmlns:a16="http://schemas.microsoft.com/office/drawing/2014/main" xmlns="" id="{4197C7B5-C4FD-41BD-B926-4A19C5627C23}"/>
                 </a:ext>
               </a:extLst>
             </p:cNvPr>
@@ -11559,7 +13610,7 @@
             <p:cNvPr id="75" name="Line 51">
               <a:extLst>
                 <a:ext uri="{FF2B5EF4-FFF2-40B4-BE49-F238E27FC236}">
-                  <a16:creationId xmlns="" xmlns:a16="http://schemas.microsoft.com/office/drawing/2014/main" id="{867A1A9F-0C31-4FCE-8500-BA11EF45F98D}"/>
+                  <a16:creationId xmlns:a16="http://schemas.microsoft.com/office/drawing/2014/main" xmlns="" id="{867A1A9F-0C31-4FCE-8500-BA11EF45F98D}"/>
                 </a:ext>
               </a:extLst>
             </p:cNvPr>
@@ -11605,7 +13656,7 @@
             <p:cNvPr id="76" name="Group 52">
               <a:extLst>
                 <a:ext uri="{FF2B5EF4-FFF2-40B4-BE49-F238E27FC236}">
-                  <a16:creationId xmlns="" xmlns:a16="http://schemas.microsoft.com/office/drawing/2014/main" id="{44092EAF-45F2-4B98-9C4F-48752C646387}"/>
+                  <a16:creationId xmlns:a16="http://schemas.microsoft.com/office/drawing/2014/main" xmlns="" id="{44092EAF-45F2-4B98-9C4F-48752C646387}"/>
                 </a:ext>
               </a:extLst>
             </p:cNvPr>
@@ -11627,7 +13678,7 @@
               <p:cNvPr id="81" name="Line 53">
                 <a:extLst>
                   <a:ext uri="{FF2B5EF4-FFF2-40B4-BE49-F238E27FC236}">
-                    <a16:creationId xmlns="" xmlns:a16="http://schemas.microsoft.com/office/drawing/2014/main" id="{BF1358D9-6144-4A6F-9B4B-5D29AA5CDBB9}"/>
+                    <a16:creationId xmlns:a16="http://schemas.microsoft.com/office/drawing/2014/main" xmlns="" id="{BF1358D9-6144-4A6F-9B4B-5D29AA5CDBB9}"/>
                   </a:ext>
                 </a:extLst>
               </p:cNvPr>
@@ -11670,7 +13721,7 @@
               <p:cNvPr id="82" name="Line 54">
                 <a:extLst>
                   <a:ext uri="{FF2B5EF4-FFF2-40B4-BE49-F238E27FC236}">
-                    <a16:creationId xmlns="" xmlns:a16="http://schemas.microsoft.com/office/drawing/2014/main" id="{2A646DA3-D2A3-44FD-9275-DE39F82A5A60}"/>
+                    <a16:creationId xmlns:a16="http://schemas.microsoft.com/office/drawing/2014/main" xmlns="" id="{2A646DA3-D2A3-44FD-9275-DE39F82A5A60}"/>
                   </a:ext>
                 </a:extLst>
               </p:cNvPr>
@@ -11714,7 +13765,7 @@
             <p:cNvPr id="77" name="Freeform 56">
               <a:extLst>
                 <a:ext uri="{FF2B5EF4-FFF2-40B4-BE49-F238E27FC236}">
-                  <a16:creationId xmlns="" xmlns:a16="http://schemas.microsoft.com/office/drawing/2014/main" id="{85D6E943-78DE-49CF-9C37-8FC2A006B0ED}"/>
+                  <a16:creationId xmlns:a16="http://schemas.microsoft.com/office/drawing/2014/main" xmlns="" id="{85D6E943-78DE-49CF-9C37-8FC2A006B0ED}"/>
                 </a:ext>
               </a:extLst>
             </p:cNvPr>
@@ -11788,7 +13839,7 @@
             <p:cNvPr id="78" name="Freeform 57">
               <a:extLst>
                 <a:ext uri="{FF2B5EF4-FFF2-40B4-BE49-F238E27FC236}">
-                  <a16:creationId xmlns="" xmlns:a16="http://schemas.microsoft.com/office/drawing/2014/main" id="{6B212A12-89D8-4787-8A61-6F5E63D034B5}"/>
+                  <a16:creationId xmlns:a16="http://schemas.microsoft.com/office/drawing/2014/main" xmlns="" id="{6B212A12-89D8-4787-8A61-6F5E63D034B5}"/>
                 </a:ext>
               </a:extLst>
             </p:cNvPr>
@@ -11862,7 +13913,7 @@
             <p:cNvPr id="79" name="Object 60">
               <a:extLst>
                 <a:ext uri="{FF2B5EF4-FFF2-40B4-BE49-F238E27FC236}">
-                  <a16:creationId xmlns="" xmlns:a16="http://schemas.microsoft.com/office/drawing/2014/main" id="{EB531667-045D-4E09-8A8C-C92C8BD47BE4}"/>
+                  <a16:creationId xmlns:a16="http://schemas.microsoft.com/office/drawing/2014/main" xmlns="" id="{EB531667-045D-4E09-8A8C-C92C8BD47BE4}"/>
                 </a:ext>
               </a:extLst>
             </p:cNvPr>
@@ -11888,7 +13939,7 @@
             <p:cNvPr id="80" name="Object 62">
               <a:extLst>
                 <a:ext uri="{FF2B5EF4-FFF2-40B4-BE49-F238E27FC236}">
-                  <a16:creationId xmlns="" xmlns:a16="http://schemas.microsoft.com/office/drawing/2014/main" id="{FA0B5F2C-F42A-4AB3-8E48-6D5DAAAE983B}"/>
+                  <a16:creationId xmlns:a16="http://schemas.microsoft.com/office/drawing/2014/main" xmlns="" id="{FA0B5F2C-F42A-4AB3-8E48-6D5DAAAE983B}"/>
                 </a:ext>
               </a:extLst>
             </p:cNvPr>
@@ -11915,7 +13966,7 @@
           <p:cNvPr id="92" name="Freeform 9">
             <a:extLst>
               <a:ext uri="{FF2B5EF4-FFF2-40B4-BE49-F238E27FC236}">
-                <a16:creationId xmlns="" xmlns:a16="http://schemas.microsoft.com/office/drawing/2014/main" id="{FA1EF838-637A-47B8-A1E1-99F199319A9B}"/>
+                <a16:creationId xmlns:a16="http://schemas.microsoft.com/office/drawing/2014/main" xmlns="" id="{FA1EF838-637A-47B8-A1E1-99F199319A9B}"/>
               </a:ext>
             </a:extLst>
           </p:cNvPr>
@@ -11989,7 +14040,7 @@
           <p:cNvPr id="93" name="Line 10">
             <a:extLst>
               <a:ext uri="{FF2B5EF4-FFF2-40B4-BE49-F238E27FC236}">
-                <a16:creationId xmlns="" xmlns:a16="http://schemas.microsoft.com/office/drawing/2014/main" id="{2CC4EECC-8AB2-46D1-9CD7-14F956FE7C65}"/>
+                <a16:creationId xmlns:a16="http://schemas.microsoft.com/office/drawing/2014/main" xmlns="" id="{2CC4EECC-8AB2-46D1-9CD7-14F956FE7C65}"/>
               </a:ext>
             </a:extLst>
           </p:cNvPr>
@@ -12035,7 +14086,7 @@
           <p:cNvPr id="94" name="Freeform 17">
             <a:extLst>
               <a:ext uri="{FF2B5EF4-FFF2-40B4-BE49-F238E27FC236}">
-                <a16:creationId xmlns="" xmlns:a16="http://schemas.microsoft.com/office/drawing/2014/main" id="{12C8DD7B-1449-4447-97C6-269BC229BB6C}"/>
+                <a16:creationId xmlns:a16="http://schemas.microsoft.com/office/drawing/2014/main" xmlns="" id="{12C8DD7B-1449-4447-97C6-269BC229BB6C}"/>
               </a:ext>
             </a:extLst>
           </p:cNvPr>
@@ -12118,7 +14169,7 @@
           <p:cNvPr id="95" name="Oval 19">
             <a:extLst>
               <a:ext uri="{FF2B5EF4-FFF2-40B4-BE49-F238E27FC236}">
-                <a16:creationId xmlns="" xmlns:a16="http://schemas.microsoft.com/office/drawing/2014/main" id="{030FD04D-B5C9-4CC8-876F-BA61D5CD86C7}"/>
+                <a16:creationId xmlns:a16="http://schemas.microsoft.com/office/drawing/2014/main" xmlns="" id="{030FD04D-B5C9-4CC8-876F-BA61D5CD86C7}"/>
               </a:ext>
             </a:extLst>
           </p:cNvPr>
@@ -12166,7 +14217,7 @@
           <p:cNvPr id="96" name="Rectangle 95">
             <a:extLst>
               <a:ext uri="{FF2B5EF4-FFF2-40B4-BE49-F238E27FC236}">
-                <a16:creationId xmlns="" xmlns:a16="http://schemas.microsoft.com/office/drawing/2014/main" id="{D6CA1224-F8A5-44F6-93D3-177210B0988B}"/>
+                <a16:creationId xmlns:a16="http://schemas.microsoft.com/office/drawing/2014/main" xmlns="" id="{D6CA1224-F8A5-44F6-93D3-177210B0988B}"/>
               </a:ext>
             </a:extLst>
           </p:cNvPr>
@@ -12230,7 +14281,7 @@
           <p:cNvPr id="97" name="Oval 22">
             <a:extLst>
               <a:ext uri="{FF2B5EF4-FFF2-40B4-BE49-F238E27FC236}">
-                <a16:creationId xmlns="" xmlns:a16="http://schemas.microsoft.com/office/drawing/2014/main" id="{AD4E3D68-80CD-4715-9547-B5E887AB2628}"/>
+                <a16:creationId xmlns:a16="http://schemas.microsoft.com/office/drawing/2014/main" xmlns="" id="{AD4E3D68-80CD-4715-9547-B5E887AB2628}"/>
               </a:ext>
             </a:extLst>
           </p:cNvPr>
@@ -12278,7 +14329,7 @@
           <p:cNvPr id="98" name="Rectangle 97">
             <a:extLst>
               <a:ext uri="{FF2B5EF4-FFF2-40B4-BE49-F238E27FC236}">
-                <a16:creationId xmlns="" xmlns:a16="http://schemas.microsoft.com/office/drawing/2014/main" id="{3FDB978E-EBF5-4251-ABB7-28458D77894E}"/>
+                <a16:creationId xmlns:a16="http://schemas.microsoft.com/office/drawing/2014/main" xmlns="" id="{3FDB978E-EBF5-4251-ABB7-28458D77894E}"/>
               </a:ext>
             </a:extLst>
           </p:cNvPr>
@@ -12342,7 +14393,7 @@
           <p:cNvPr id="99" name="Rectangle 98">
             <a:extLst>
               <a:ext uri="{FF2B5EF4-FFF2-40B4-BE49-F238E27FC236}">
-                <a16:creationId xmlns="" xmlns:a16="http://schemas.microsoft.com/office/drawing/2014/main" id="{4EA72BE8-F560-45B1-A5BD-2999AEBB1048}"/>
+                <a16:creationId xmlns:a16="http://schemas.microsoft.com/office/drawing/2014/main" xmlns="" id="{4EA72BE8-F560-45B1-A5BD-2999AEBB1048}"/>
               </a:ext>
             </a:extLst>
           </p:cNvPr>
@@ -12416,7 +14467,7 @@
           <p:cNvPr id="100" name="Rectangle 99">
             <a:extLst>
               <a:ext uri="{FF2B5EF4-FFF2-40B4-BE49-F238E27FC236}">
-                <a16:creationId xmlns="" xmlns:a16="http://schemas.microsoft.com/office/drawing/2014/main" id="{3687ED8C-B809-4AB7-B694-A67862DD42BB}"/>
+                <a16:creationId xmlns:a16="http://schemas.microsoft.com/office/drawing/2014/main" xmlns="" id="{3687ED8C-B809-4AB7-B694-A67862DD42BB}"/>
               </a:ext>
             </a:extLst>
           </p:cNvPr>
@@ -12490,7 +14541,7 @@
           <p:cNvPr id="101" name="Rectangle 100">
             <a:extLst>
               <a:ext uri="{FF2B5EF4-FFF2-40B4-BE49-F238E27FC236}">
-                <a16:creationId xmlns="" xmlns:a16="http://schemas.microsoft.com/office/drawing/2014/main" id="{CA9578C3-F762-4641-AA4A-098A07745F6B}"/>
+                <a16:creationId xmlns:a16="http://schemas.microsoft.com/office/drawing/2014/main" xmlns="" id="{CA9578C3-F762-4641-AA4A-098A07745F6B}"/>
               </a:ext>
             </a:extLst>
           </p:cNvPr>
@@ -12564,7 +14615,7 @@
           <p:cNvPr id="102" name="Rectangle 101">
             <a:extLst>
               <a:ext uri="{FF2B5EF4-FFF2-40B4-BE49-F238E27FC236}">
-                <a16:creationId xmlns="" xmlns:a16="http://schemas.microsoft.com/office/drawing/2014/main" id="{10130861-25F2-4363-B776-8570C1E2209F}"/>
+                <a16:creationId xmlns:a16="http://schemas.microsoft.com/office/drawing/2014/main" xmlns="" id="{10130861-25F2-4363-B776-8570C1E2209F}"/>
               </a:ext>
             </a:extLst>
           </p:cNvPr>
@@ -12612,7 +14663,7 @@
           <p:cNvPr id="103" name="Line 28">
             <a:extLst>
               <a:ext uri="{FF2B5EF4-FFF2-40B4-BE49-F238E27FC236}">
-                <a16:creationId xmlns="" xmlns:a16="http://schemas.microsoft.com/office/drawing/2014/main" id="{5605FC70-4D5E-4C8F-AD16-84352B14EE61}"/>
+                <a16:creationId xmlns:a16="http://schemas.microsoft.com/office/drawing/2014/main" xmlns="" id="{5605FC70-4D5E-4C8F-AD16-84352B14EE61}"/>
               </a:ext>
             </a:extLst>
           </p:cNvPr>
@@ -12658,7 +14709,7 @@
           <p:cNvPr id="104" name="Rectangle 27">
             <a:extLst>
               <a:ext uri="{FF2B5EF4-FFF2-40B4-BE49-F238E27FC236}">
-                <a16:creationId xmlns="" xmlns:a16="http://schemas.microsoft.com/office/drawing/2014/main" id="{1F119CB5-E61C-4C20-8104-103F0DEC9715}"/>
+                <a16:creationId xmlns:a16="http://schemas.microsoft.com/office/drawing/2014/main" xmlns="" id="{1F119CB5-E61C-4C20-8104-103F0DEC9715}"/>
               </a:ext>
             </a:extLst>
           </p:cNvPr>
@@ -12706,7 +14757,7 @@
           <p:cNvPr id="105" name="Rectangle 128">
             <a:extLst>
               <a:ext uri="{FF2B5EF4-FFF2-40B4-BE49-F238E27FC236}">
-                <a16:creationId xmlns="" xmlns:a16="http://schemas.microsoft.com/office/drawing/2014/main" id="{F677A81E-D356-4549-B8A9-ED4F04B042D3}"/>
+                <a16:creationId xmlns:a16="http://schemas.microsoft.com/office/drawing/2014/main" xmlns="" id="{F677A81E-D356-4549-B8A9-ED4F04B042D3}"/>
               </a:ext>
             </a:extLst>
           </p:cNvPr>
@@ -12777,7 +14828,7 @@
           <p:cNvPr id="106" name="Forme libre 242">
             <a:extLst>
               <a:ext uri="{FF2B5EF4-FFF2-40B4-BE49-F238E27FC236}">
-                <a16:creationId xmlns="" xmlns:a16="http://schemas.microsoft.com/office/drawing/2014/main" id="{0EB16691-A708-4C22-9D78-3FD359643557}"/>
+                <a16:creationId xmlns:a16="http://schemas.microsoft.com/office/drawing/2014/main" xmlns="" id="{0EB16691-A708-4C22-9D78-3FD359643557}"/>
               </a:ext>
             </a:extLst>
           </p:cNvPr>
@@ -12863,7 +14914,7 @@
         </p:txBody>
       </p:sp>
       <mc:AlternateContent xmlns:mc="http://schemas.openxmlformats.org/markup-compatibility/2006">
-        <mc:Choice xmlns="" xmlns:a14="http://schemas.microsoft.com/office/drawing/2010/main" Requires="a14">
+        <mc:Choice xmlns:a14="http://schemas.microsoft.com/office/drawing/2010/main" xmlns="" Requires="a14">
           <p:sp>
             <p:nvSpPr>
               <p:cNvPr id="2" name="ZoneTexte 1">
@@ -13323,7 +15374,7 @@
               <p:cNvPr id="2" name="ZoneTexte 1">
                 <a:extLst>
                   <a:ext uri="{FF2B5EF4-FFF2-40B4-BE49-F238E27FC236}">
-                    <a16:creationId xmlns:a14="http://schemas.microsoft.com/office/drawing/2010/main" xmlns="" xmlns:a16="http://schemas.microsoft.com/office/drawing/2014/main" id="{763E54B2-354A-4B69-8CF2-566D1A7ED291}"/>
+                    <a16:creationId xmlns:a16="http://schemas.microsoft.com/office/drawing/2014/main" xmlns="" xmlns:a14="http://schemas.microsoft.com/office/drawing/2010/main" id="{763E54B2-354A-4B69-8CF2-566D1A7ED291}"/>
                   </a:ext>
                 </a:extLst>
               </p:cNvPr>
@@ -13366,7 +15417,7 @@
         </mc:Fallback>
       </mc:AlternateContent>
       <mc:AlternateContent xmlns:mc="http://schemas.openxmlformats.org/markup-compatibility/2006">
-        <mc:Choice xmlns="" xmlns:a14="http://schemas.microsoft.com/office/drawing/2010/main" Requires="a14">
+        <mc:Choice xmlns:a14="http://schemas.microsoft.com/office/drawing/2010/main" xmlns="" Requires="a14">
           <p:sp>
             <p:nvSpPr>
               <p:cNvPr id="108" name="Object 4">
@@ -13853,7 +15904,7 @@
               <p:cNvPr id="108" name="Object 4">
                 <a:extLst>
                   <a:ext uri="{FF2B5EF4-FFF2-40B4-BE49-F238E27FC236}">
-                    <a16:creationId xmlns:a14="http://schemas.microsoft.com/office/drawing/2010/main" xmlns="" xmlns:a16="http://schemas.microsoft.com/office/drawing/2014/main" id="{BBD871C4-810C-4A09-95E2-55CA5427AEAD}"/>
+                    <a16:creationId xmlns:a16="http://schemas.microsoft.com/office/drawing/2014/main" xmlns="" xmlns:a14="http://schemas.microsoft.com/office/drawing/2010/main" id="{BBD871C4-810C-4A09-95E2-55CA5427AEAD}"/>
                   </a:ext>
                 </a:extLst>
               </p:cNvPr>
@@ -13901,7 +15952,7 @@
     </p:spTree>
     <p:extLst>
       <p:ext uri="{BB962C8B-B14F-4D97-AF65-F5344CB8AC3E}">
-        <p14:creationId xmlns="" xmlns:p14="http://schemas.microsoft.com/office/powerpoint/2010/main" val="1164395815"/>
+        <p14:creationId xmlns:p14="http://schemas.microsoft.com/office/powerpoint/2010/main" xmlns="" val="1164395815"/>
       </p:ext>
     </p:extLst>
   </p:cSld>
@@ -13911,7 +15962,7 @@
 </p:sld>
 </file>
 
-<file path=ppt/slides/slide3.xml><?xml version="1.0" encoding="utf-8"?>
+<file path=ppt/slides/slide4.xml><?xml version="1.0" encoding="utf-8"?>
 <p:sld xmlns:a="http://schemas.openxmlformats.org/drawingml/2006/main" xmlns:r="http://schemas.openxmlformats.org/officeDocument/2006/relationships" xmlns:p="http://schemas.openxmlformats.org/presentationml/2006/main">
   <p:cSld>
     <p:spTree>
@@ -13933,7 +15984,7 @@
           <p:cNvPr id="3" name="Espace réservé de la date 2">
             <a:extLst>
               <a:ext uri="{FF2B5EF4-FFF2-40B4-BE49-F238E27FC236}">
-                <a16:creationId xmlns="" xmlns:a16="http://schemas.microsoft.com/office/drawing/2014/main" id="{B056F826-499B-407B-8105-22D7784C72C9}"/>
+                <a16:creationId xmlns:a16="http://schemas.microsoft.com/office/drawing/2014/main" xmlns="" id="{B056F826-499B-407B-8105-22D7784C72C9}"/>
               </a:ext>
             </a:extLst>
           </p:cNvPr>
@@ -13952,7 +16003,7 @@
             <a:fld id="{80ADAFC8-E58E-40F9-B663-9F56451821D1}" type="datetime8">
               <a:rPr lang="fr-FR" smtClean="0"/>
               <a:pPr/>
-              <a:t>24/10/2024 16:53</a:t>
+              <a:t>29/11/2024 09:14</a:t>
             </a:fld>
             <a:endParaRPr lang="fr-FR"/>
           </a:p>
@@ -13963,7 +16014,7 @@
           <p:cNvPr id="4" name="Espace réservé du pied de page 3">
             <a:extLst>
               <a:ext uri="{FF2B5EF4-FFF2-40B4-BE49-F238E27FC236}">
-                <a16:creationId xmlns="" xmlns:a16="http://schemas.microsoft.com/office/drawing/2014/main" id="{F3E4A479-1B4F-4BB3-9515-6A9C30531C7E}"/>
+                <a16:creationId xmlns:a16="http://schemas.microsoft.com/office/drawing/2014/main" xmlns="" id="{F3E4A479-1B4F-4BB3-9515-6A9C30531C7E}"/>
               </a:ext>
             </a:extLst>
           </p:cNvPr>
@@ -13992,7 +16043,7 @@
           <p:cNvPr id="5" name="Espace réservé du numéro de diapositive 4">
             <a:extLst>
               <a:ext uri="{FF2B5EF4-FFF2-40B4-BE49-F238E27FC236}">
-                <a16:creationId xmlns="" xmlns:a16="http://schemas.microsoft.com/office/drawing/2014/main" id="{7770904E-5F23-477F-92FD-9DE3E348D081}"/>
+                <a16:creationId xmlns:a16="http://schemas.microsoft.com/office/drawing/2014/main" xmlns="" id="{7770904E-5F23-477F-92FD-9DE3E348D081}"/>
               </a:ext>
             </a:extLst>
           </p:cNvPr>
@@ -14011,7 +16062,7 @@
             <a:fld id="{B5A9633A-FFAA-4A63-B9D0-7C8F8F0E0665}" type="slidenum">
               <a:rPr lang="fr-FR" smtClean="0"/>
               <a:pPr/>
-              <a:t>3</a:t>
+              <a:t>4</a:t>
             </a:fld>
             <a:endParaRPr lang="fr-FR"/>
           </a:p>
@@ -14022,7 +16073,7 @@
           <p:cNvPr id="8" name="Line 10">
             <a:extLst>
               <a:ext uri="{FF2B5EF4-FFF2-40B4-BE49-F238E27FC236}">
-                <a16:creationId xmlns="" xmlns:a16="http://schemas.microsoft.com/office/drawing/2014/main" id="{D2579991-AA28-4056-ADDE-346FA54546B8}"/>
+                <a16:creationId xmlns:a16="http://schemas.microsoft.com/office/drawing/2014/main" xmlns="" id="{D2579991-AA28-4056-ADDE-346FA54546B8}"/>
               </a:ext>
             </a:extLst>
           </p:cNvPr>
@@ -14067,7 +16118,7 @@
           <p:cNvPr id="9" name="Group 11">
             <a:extLst>
               <a:ext uri="{FF2B5EF4-FFF2-40B4-BE49-F238E27FC236}">
-                <a16:creationId xmlns="" xmlns:a16="http://schemas.microsoft.com/office/drawing/2014/main" id="{E02CE653-0EEC-43E5-BEF9-68D92471F8AB}"/>
+                <a16:creationId xmlns:a16="http://schemas.microsoft.com/office/drawing/2014/main" xmlns="" id="{E02CE653-0EEC-43E5-BEF9-68D92471F8AB}"/>
               </a:ext>
             </a:extLst>
           </p:cNvPr>
@@ -14089,7 +16140,7 @@
             <p:cNvPr id="45" name="Oval 12">
               <a:extLst>
                 <a:ext uri="{FF2B5EF4-FFF2-40B4-BE49-F238E27FC236}">
-                  <a16:creationId xmlns="" xmlns:a16="http://schemas.microsoft.com/office/drawing/2014/main" id="{C8CD48E8-989D-44DA-8FF3-7C6DCBDD9457}"/>
+                  <a16:creationId xmlns:a16="http://schemas.microsoft.com/office/drawing/2014/main" xmlns="" id="{C8CD48E8-989D-44DA-8FF3-7C6DCBDD9457}"/>
                 </a:ext>
               </a:extLst>
             </p:cNvPr>
@@ -14134,7 +16185,7 @@
             <p:cNvPr id="46" name="Oval 13">
               <a:extLst>
                 <a:ext uri="{FF2B5EF4-FFF2-40B4-BE49-F238E27FC236}">
-                  <a16:creationId xmlns="" xmlns:a16="http://schemas.microsoft.com/office/drawing/2014/main" id="{E5595C7A-23AC-4D1B-A6AA-D67331609949}"/>
+                  <a16:creationId xmlns:a16="http://schemas.microsoft.com/office/drawing/2014/main" xmlns="" id="{E5595C7A-23AC-4D1B-A6AA-D67331609949}"/>
                 </a:ext>
               </a:extLst>
             </p:cNvPr>
@@ -14180,7 +16231,7 @@
           <p:cNvPr id="10" name="Freeform 14">
             <a:extLst>
               <a:ext uri="{FF2B5EF4-FFF2-40B4-BE49-F238E27FC236}">
-                <a16:creationId xmlns="" xmlns:a16="http://schemas.microsoft.com/office/drawing/2014/main" id="{5FA48C6A-85F2-4878-BFBD-77D98FC07E50}"/>
+                <a16:creationId xmlns:a16="http://schemas.microsoft.com/office/drawing/2014/main" xmlns="" id="{5FA48C6A-85F2-4878-BFBD-77D98FC07E50}"/>
               </a:ext>
             </a:extLst>
           </p:cNvPr>
@@ -14253,7 +16304,7 @@
           <p:cNvPr id="11" name="Line 15">
             <a:extLst>
               <a:ext uri="{FF2B5EF4-FFF2-40B4-BE49-F238E27FC236}">
-                <a16:creationId xmlns="" xmlns:a16="http://schemas.microsoft.com/office/drawing/2014/main" id="{EC9DC4D9-70DD-4E1E-A097-70BEF45EA010}"/>
+                <a16:creationId xmlns:a16="http://schemas.microsoft.com/office/drawing/2014/main" xmlns="" id="{EC9DC4D9-70DD-4E1E-A097-70BEF45EA010}"/>
               </a:ext>
             </a:extLst>
           </p:cNvPr>
@@ -14298,7 +16349,7 @@
           <p:cNvPr id="12" name="Freeform 16">
             <a:extLst>
               <a:ext uri="{FF2B5EF4-FFF2-40B4-BE49-F238E27FC236}">
-                <a16:creationId xmlns="" xmlns:a16="http://schemas.microsoft.com/office/drawing/2014/main" id="{94CA67B4-EEBA-49F6-9046-D36728201482}"/>
+                <a16:creationId xmlns:a16="http://schemas.microsoft.com/office/drawing/2014/main" xmlns="" id="{94CA67B4-EEBA-49F6-9046-D36728201482}"/>
               </a:ext>
             </a:extLst>
           </p:cNvPr>
@@ -14380,7 +16431,7 @@
           <p:cNvPr id="14" name="Oval 18">
             <a:extLst>
               <a:ext uri="{FF2B5EF4-FFF2-40B4-BE49-F238E27FC236}">
-                <a16:creationId xmlns="" xmlns:a16="http://schemas.microsoft.com/office/drawing/2014/main" id="{2476419F-29AF-4871-87E5-E3198CA55492}"/>
+                <a16:creationId xmlns:a16="http://schemas.microsoft.com/office/drawing/2014/main" xmlns="" id="{2476419F-29AF-4871-87E5-E3198CA55492}"/>
               </a:ext>
             </a:extLst>
           </p:cNvPr>
@@ -14427,7 +16478,7 @@
           <p:cNvPr id="17" name="Rectangle 16">
             <a:extLst>
               <a:ext uri="{FF2B5EF4-FFF2-40B4-BE49-F238E27FC236}">
-                <a16:creationId xmlns="" xmlns:a16="http://schemas.microsoft.com/office/drawing/2014/main" id="{4760EC27-3AFF-48E2-991F-E4B64F513D84}"/>
+                <a16:creationId xmlns:a16="http://schemas.microsoft.com/office/drawing/2014/main" xmlns="" id="{4760EC27-3AFF-48E2-991F-E4B64F513D84}"/>
               </a:ext>
             </a:extLst>
           </p:cNvPr>
@@ -14490,7 +16541,7 @@
           <p:cNvPr id="21" name="Rectangle 20">
             <a:extLst>
               <a:ext uri="{FF2B5EF4-FFF2-40B4-BE49-F238E27FC236}">
-                <a16:creationId xmlns="" xmlns:a16="http://schemas.microsoft.com/office/drawing/2014/main" id="{5B026465-4A90-4BD5-9DBD-1F183AB07F0B}"/>
+                <a16:creationId xmlns:a16="http://schemas.microsoft.com/office/drawing/2014/main" xmlns="" id="{5B026465-4A90-4BD5-9DBD-1F183AB07F0B}"/>
               </a:ext>
             </a:extLst>
           </p:cNvPr>
@@ -14574,7 +16625,7 @@
           <p:cNvPr id="22" name="Oval 26">
             <a:extLst>
               <a:ext uri="{FF2B5EF4-FFF2-40B4-BE49-F238E27FC236}">
-                <a16:creationId xmlns="" xmlns:a16="http://schemas.microsoft.com/office/drawing/2014/main" id="{E0F7AEE2-CA2F-4F4F-A0D4-4B88F4C1A53E}"/>
+                <a16:creationId xmlns:a16="http://schemas.microsoft.com/office/drawing/2014/main" xmlns="" id="{E0F7AEE2-CA2F-4F4F-A0D4-4B88F4C1A53E}"/>
               </a:ext>
             </a:extLst>
           </p:cNvPr>
@@ -14621,7 +16672,7 @@
           <p:cNvPr id="23" name="Rectangle 22">
             <a:extLst>
               <a:ext uri="{FF2B5EF4-FFF2-40B4-BE49-F238E27FC236}">
-                <a16:creationId xmlns="" xmlns:a16="http://schemas.microsoft.com/office/drawing/2014/main" id="{18280244-6F53-4CC8-A3A7-B43D52073ACB}"/>
+                <a16:creationId xmlns:a16="http://schemas.microsoft.com/office/drawing/2014/main" xmlns="" id="{18280244-6F53-4CC8-A3A7-B43D52073ACB}"/>
               </a:ext>
             </a:extLst>
           </p:cNvPr>
@@ -14684,7 +16735,7 @@
           <p:cNvPr id="25" name="Rectangle 24">
             <a:extLst>
               <a:ext uri="{FF2B5EF4-FFF2-40B4-BE49-F238E27FC236}">
-                <a16:creationId xmlns="" xmlns:a16="http://schemas.microsoft.com/office/drawing/2014/main" id="{2A3DF76E-3306-4C29-8256-CEE6F246CA78}"/>
+                <a16:creationId xmlns:a16="http://schemas.microsoft.com/office/drawing/2014/main" xmlns="" id="{2A3DF76E-3306-4C29-8256-CEE6F246CA78}"/>
               </a:ext>
             </a:extLst>
           </p:cNvPr>
@@ -14757,7 +16808,7 @@
           <p:cNvPr id="27" name="Group 38">
             <a:extLst>
               <a:ext uri="{FF2B5EF4-FFF2-40B4-BE49-F238E27FC236}">
-                <a16:creationId xmlns="" xmlns:a16="http://schemas.microsoft.com/office/drawing/2014/main" id="{7C3123D4-8C11-4A6D-B78D-E298FE4E2882}"/>
+                <a16:creationId xmlns:a16="http://schemas.microsoft.com/office/drawing/2014/main" xmlns="" id="{7C3123D4-8C11-4A6D-B78D-E298FE4E2882}"/>
               </a:ext>
             </a:extLst>
           </p:cNvPr>
@@ -14779,7 +16830,7 @@
             <p:cNvPr id="43" name="Line 39">
               <a:extLst>
                 <a:ext uri="{FF2B5EF4-FFF2-40B4-BE49-F238E27FC236}">
-                  <a16:creationId xmlns="" xmlns:a16="http://schemas.microsoft.com/office/drawing/2014/main" id="{5E953442-3153-48D9-8CDB-411224B4FEDF}"/>
+                  <a16:creationId xmlns:a16="http://schemas.microsoft.com/office/drawing/2014/main" xmlns="" id="{5E953442-3153-48D9-8CDB-411224B4FEDF}"/>
                 </a:ext>
               </a:extLst>
             </p:cNvPr>
@@ -14824,7 +16875,7 @@
             <p:cNvPr id="44" name="Freeform 40">
               <a:extLst>
                 <a:ext uri="{FF2B5EF4-FFF2-40B4-BE49-F238E27FC236}">
-                  <a16:creationId xmlns="" xmlns:a16="http://schemas.microsoft.com/office/drawing/2014/main" id="{2EE90437-4349-4721-8B6A-30AA92973068}"/>
+                  <a16:creationId xmlns:a16="http://schemas.microsoft.com/office/drawing/2014/main" xmlns="" id="{2EE90437-4349-4721-8B6A-30AA92973068}"/>
                 </a:ext>
               </a:extLst>
             </p:cNvPr>
@@ -14907,7 +16958,7 @@
           <p:cNvPr id="33" name="Line 28">
             <a:extLst>
               <a:ext uri="{FF2B5EF4-FFF2-40B4-BE49-F238E27FC236}">
-                <a16:creationId xmlns="" xmlns:a16="http://schemas.microsoft.com/office/drawing/2014/main" id="{A1F81C07-328A-4950-8EA8-F89C4D2AB8E6}"/>
+                <a16:creationId xmlns:a16="http://schemas.microsoft.com/office/drawing/2014/main" xmlns="" id="{A1F81C07-328A-4950-8EA8-F89C4D2AB8E6}"/>
               </a:ext>
             </a:extLst>
           </p:cNvPr>
@@ -14952,7 +17003,7 @@
           <p:cNvPr id="34" name="Rectangle 27">
             <a:extLst>
               <a:ext uri="{FF2B5EF4-FFF2-40B4-BE49-F238E27FC236}">
-                <a16:creationId xmlns="" xmlns:a16="http://schemas.microsoft.com/office/drawing/2014/main" id="{58D24A3B-B76E-4ECA-B6E5-6FFEB4308626}"/>
+                <a16:creationId xmlns:a16="http://schemas.microsoft.com/office/drawing/2014/main" xmlns="" id="{58D24A3B-B76E-4ECA-B6E5-6FFEB4308626}"/>
               </a:ext>
             </a:extLst>
           </p:cNvPr>
@@ -14999,7 +17050,7 @@
           <p:cNvPr id="36" name="Forme libre 243">
             <a:extLst>
               <a:ext uri="{FF2B5EF4-FFF2-40B4-BE49-F238E27FC236}">
-                <a16:creationId xmlns="" xmlns:a16="http://schemas.microsoft.com/office/drawing/2014/main" id="{4AB5638F-F8EB-4920-AB97-631DDFE6FD07}"/>
+                <a16:creationId xmlns:a16="http://schemas.microsoft.com/office/drawing/2014/main" xmlns="" id="{4AB5638F-F8EB-4920-AB97-631DDFE6FD07}"/>
               </a:ext>
             </a:extLst>
           </p:cNvPr>
@@ -15088,7 +17139,7 @@
           <p:cNvPr id="37" name="Rectangle 36">
             <a:extLst>
               <a:ext uri="{FF2B5EF4-FFF2-40B4-BE49-F238E27FC236}">
-                <a16:creationId xmlns="" xmlns:a16="http://schemas.microsoft.com/office/drawing/2014/main" id="{8B97D65D-7384-417B-8C0E-7A4AAAD071FB}"/>
+                <a16:creationId xmlns:a16="http://schemas.microsoft.com/office/drawing/2014/main" xmlns="" id="{8B97D65D-7384-417B-8C0E-7A4AAAD071FB}"/>
               </a:ext>
             </a:extLst>
           </p:cNvPr>
@@ -15163,7 +17214,7 @@
           <p:cNvPr id="47" name="Rectangle 46">
             <a:extLst>
               <a:ext uri="{FF2B5EF4-FFF2-40B4-BE49-F238E27FC236}">
-                <a16:creationId xmlns="" xmlns:a16="http://schemas.microsoft.com/office/drawing/2014/main" id="{9CA9D085-EF5E-421F-9F26-D48686287842}"/>
+                <a16:creationId xmlns:a16="http://schemas.microsoft.com/office/drawing/2014/main" xmlns="" id="{9CA9D085-EF5E-421F-9F26-D48686287842}"/>
               </a:ext>
             </a:extLst>
           </p:cNvPr>
@@ -15226,7 +17277,7 @@
           <p:cNvPr id="48" name="Line 10">
             <a:extLst>
               <a:ext uri="{FF2B5EF4-FFF2-40B4-BE49-F238E27FC236}">
-                <a16:creationId xmlns="" xmlns:a16="http://schemas.microsoft.com/office/drawing/2014/main" id="{DCBE6125-9DB3-4463-B5D0-278EDC36CC5C}"/>
+                <a16:creationId xmlns:a16="http://schemas.microsoft.com/office/drawing/2014/main" xmlns="" id="{DCBE6125-9DB3-4463-B5D0-278EDC36CC5C}"/>
               </a:ext>
             </a:extLst>
           </p:cNvPr>
@@ -15271,7 +17322,7 @@
           <p:cNvPr id="49" name="Group 11">
             <a:extLst>
               <a:ext uri="{FF2B5EF4-FFF2-40B4-BE49-F238E27FC236}">
-                <a16:creationId xmlns="" xmlns:a16="http://schemas.microsoft.com/office/drawing/2014/main" id="{8831C526-49BD-439D-B006-BB8340A0A90D}"/>
+                <a16:creationId xmlns:a16="http://schemas.microsoft.com/office/drawing/2014/main" xmlns="" id="{8831C526-49BD-439D-B006-BB8340A0A90D}"/>
               </a:ext>
             </a:extLst>
           </p:cNvPr>
@@ -15293,7 +17344,7 @@
             <p:cNvPr id="50" name="Oval 12">
               <a:extLst>
                 <a:ext uri="{FF2B5EF4-FFF2-40B4-BE49-F238E27FC236}">
-                  <a16:creationId xmlns="" xmlns:a16="http://schemas.microsoft.com/office/drawing/2014/main" id="{C569CDF4-2C10-4D82-87BD-A60076B85D5F}"/>
+                  <a16:creationId xmlns:a16="http://schemas.microsoft.com/office/drawing/2014/main" xmlns="" id="{C569CDF4-2C10-4D82-87BD-A60076B85D5F}"/>
                 </a:ext>
               </a:extLst>
             </p:cNvPr>
@@ -15338,7 +17389,7 @@
             <p:cNvPr id="51" name="Oval 13">
               <a:extLst>
                 <a:ext uri="{FF2B5EF4-FFF2-40B4-BE49-F238E27FC236}">
-                  <a16:creationId xmlns="" xmlns:a16="http://schemas.microsoft.com/office/drawing/2014/main" id="{BC72F9AA-FF3C-4E89-9A30-3E59BCD2C03D}"/>
+                  <a16:creationId xmlns:a16="http://schemas.microsoft.com/office/drawing/2014/main" xmlns="" id="{BC72F9AA-FF3C-4E89-9A30-3E59BCD2C03D}"/>
                 </a:ext>
               </a:extLst>
             </p:cNvPr>
@@ -15384,7 +17435,7 @@
           <p:cNvPr id="52" name="Freeform 14">
             <a:extLst>
               <a:ext uri="{FF2B5EF4-FFF2-40B4-BE49-F238E27FC236}">
-                <a16:creationId xmlns="" xmlns:a16="http://schemas.microsoft.com/office/drawing/2014/main" id="{A054C7B7-5047-4D9F-899D-BE22CDB68B4E}"/>
+                <a16:creationId xmlns:a16="http://schemas.microsoft.com/office/drawing/2014/main" xmlns="" id="{A054C7B7-5047-4D9F-899D-BE22CDB68B4E}"/>
               </a:ext>
             </a:extLst>
           </p:cNvPr>
@@ -15457,7 +17508,7 @@
           <p:cNvPr id="53" name="Line 15">
             <a:extLst>
               <a:ext uri="{FF2B5EF4-FFF2-40B4-BE49-F238E27FC236}">
-                <a16:creationId xmlns="" xmlns:a16="http://schemas.microsoft.com/office/drawing/2014/main" id="{2FBB9941-C55F-45C2-9013-6F29A451A2D3}"/>
+                <a16:creationId xmlns:a16="http://schemas.microsoft.com/office/drawing/2014/main" xmlns="" id="{2FBB9941-C55F-45C2-9013-6F29A451A2D3}"/>
               </a:ext>
             </a:extLst>
           </p:cNvPr>
@@ -15502,7 +17553,7 @@
           <p:cNvPr id="54" name="Freeform 16">
             <a:extLst>
               <a:ext uri="{FF2B5EF4-FFF2-40B4-BE49-F238E27FC236}">
-                <a16:creationId xmlns="" xmlns:a16="http://schemas.microsoft.com/office/drawing/2014/main" id="{5AEB4A9B-5D92-4B75-8171-326E9DF70C1B}"/>
+                <a16:creationId xmlns:a16="http://schemas.microsoft.com/office/drawing/2014/main" xmlns="" id="{5AEB4A9B-5D92-4B75-8171-326E9DF70C1B}"/>
               </a:ext>
             </a:extLst>
           </p:cNvPr>
@@ -15584,7 +17635,7 @@
           <p:cNvPr id="55" name="Oval 18">
             <a:extLst>
               <a:ext uri="{FF2B5EF4-FFF2-40B4-BE49-F238E27FC236}">
-                <a16:creationId xmlns="" xmlns:a16="http://schemas.microsoft.com/office/drawing/2014/main" id="{545A7F01-74D2-4DE6-9706-7F69B788A2EE}"/>
+                <a16:creationId xmlns:a16="http://schemas.microsoft.com/office/drawing/2014/main" xmlns="" id="{545A7F01-74D2-4DE6-9706-7F69B788A2EE}"/>
               </a:ext>
             </a:extLst>
           </p:cNvPr>
@@ -15631,7 +17682,7 @@
           <p:cNvPr id="56" name="Rectangle 55">
             <a:extLst>
               <a:ext uri="{FF2B5EF4-FFF2-40B4-BE49-F238E27FC236}">
-                <a16:creationId xmlns="" xmlns:a16="http://schemas.microsoft.com/office/drawing/2014/main" id="{45C75543-FCF3-4B23-9BCC-84CA0A303B93}"/>
+                <a16:creationId xmlns:a16="http://schemas.microsoft.com/office/drawing/2014/main" xmlns="" id="{45C75543-FCF3-4B23-9BCC-84CA0A303B93}"/>
               </a:ext>
             </a:extLst>
           </p:cNvPr>
@@ -15694,7 +17745,7 @@
           <p:cNvPr id="57" name="Rectangle 56">
             <a:extLst>
               <a:ext uri="{FF2B5EF4-FFF2-40B4-BE49-F238E27FC236}">
-                <a16:creationId xmlns="" xmlns:a16="http://schemas.microsoft.com/office/drawing/2014/main" id="{1963E529-65C2-4264-8ED6-8E5E7F022072}"/>
+                <a16:creationId xmlns:a16="http://schemas.microsoft.com/office/drawing/2014/main" xmlns="" id="{1963E529-65C2-4264-8ED6-8E5E7F022072}"/>
               </a:ext>
             </a:extLst>
           </p:cNvPr>
@@ -15778,7 +17829,7 @@
           <p:cNvPr id="58" name="Oval 26">
             <a:extLst>
               <a:ext uri="{FF2B5EF4-FFF2-40B4-BE49-F238E27FC236}">
-                <a16:creationId xmlns="" xmlns:a16="http://schemas.microsoft.com/office/drawing/2014/main" id="{93BDD31B-A286-41D9-A985-205F35FE268A}"/>
+                <a16:creationId xmlns:a16="http://schemas.microsoft.com/office/drawing/2014/main" xmlns="" id="{93BDD31B-A286-41D9-A985-205F35FE268A}"/>
               </a:ext>
             </a:extLst>
           </p:cNvPr>
@@ -15825,7 +17876,7 @@
           <p:cNvPr id="59" name="Rectangle 58">
             <a:extLst>
               <a:ext uri="{FF2B5EF4-FFF2-40B4-BE49-F238E27FC236}">
-                <a16:creationId xmlns="" xmlns:a16="http://schemas.microsoft.com/office/drawing/2014/main" id="{0DFDC082-8D46-493A-B9BD-70946898C2AC}"/>
+                <a16:creationId xmlns:a16="http://schemas.microsoft.com/office/drawing/2014/main" xmlns="" id="{0DFDC082-8D46-493A-B9BD-70946898C2AC}"/>
               </a:ext>
             </a:extLst>
           </p:cNvPr>
@@ -15888,7 +17939,7 @@
           <p:cNvPr id="60" name="Rectangle 59">
             <a:extLst>
               <a:ext uri="{FF2B5EF4-FFF2-40B4-BE49-F238E27FC236}">
-                <a16:creationId xmlns="" xmlns:a16="http://schemas.microsoft.com/office/drawing/2014/main" id="{11B77F43-A0DB-431A-8758-7B6FA02BADAA}"/>
+                <a16:creationId xmlns:a16="http://schemas.microsoft.com/office/drawing/2014/main" xmlns="" id="{11B77F43-A0DB-431A-8758-7B6FA02BADAA}"/>
               </a:ext>
             </a:extLst>
           </p:cNvPr>
@@ -15961,7 +18012,7 @@
           <p:cNvPr id="61" name="Group 38">
             <a:extLst>
               <a:ext uri="{FF2B5EF4-FFF2-40B4-BE49-F238E27FC236}">
-                <a16:creationId xmlns="" xmlns:a16="http://schemas.microsoft.com/office/drawing/2014/main" id="{1FCD6B5B-3AC4-45C8-8356-90AE51DFEC13}"/>
+                <a16:creationId xmlns:a16="http://schemas.microsoft.com/office/drawing/2014/main" xmlns="" id="{1FCD6B5B-3AC4-45C8-8356-90AE51DFEC13}"/>
               </a:ext>
             </a:extLst>
           </p:cNvPr>
@@ -15983,7 +18034,7 @@
             <p:cNvPr id="62" name="Line 39">
               <a:extLst>
                 <a:ext uri="{FF2B5EF4-FFF2-40B4-BE49-F238E27FC236}">
-                  <a16:creationId xmlns="" xmlns:a16="http://schemas.microsoft.com/office/drawing/2014/main" id="{065CC7D8-635C-4DFE-B8BE-2987D2D138EB}"/>
+                  <a16:creationId xmlns:a16="http://schemas.microsoft.com/office/drawing/2014/main" xmlns="" id="{065CC7D8-635C-4DFE-B8BE-2987D2D138EB}"/>
                 </a:ext>
               </a:extLst>
             </p:cNvPr>
@@ -16028,7 +18079,7 @@
             <p:cNvPr id="63" name="Freeform 40">
               <a:extLst>
                 <a:ext uri="{FF2B5EF4-FFF2-40B4-BE49-F238E27FC236}">
-                  <a16:creationId xmlns="" xmlns:a16="http://schemas.microsoft.com/office/drawing/2014/main" id="{FFEB590F-0E02-4662-A801-C36C02B71693}"/>
+                  <a16:creationId xmlns:a16="http://schemas.microsoft.com/office/drawing/2014/main" xmlns="" id="{FFEB590F-0E02-4662-A801-C36C02B71693}"/>
                 </a:ext>
               </a:extLst>
             </p:cNvPr>
@@ -16111,7 +18162,7 @@
           <p:cNvPr id="64" name="Line 28">
             <a:extLst>
               <a:ext uri="{FF2B5EF4-FFF2-40B4-BE49-F238E27FC236}">
-                <a16:creationId xmlns="" xmlns:a16="http://schemas.microsoft.com/office/drawing/2014/main" id="{7489B95E-9FFD-4DD4-B1CC-079FF11C8324}"/>
+                <a16:creationId xmlns:a16="http://schemas.microsoft.com/office/drawing/2014/main" xmlns="" id="{7489B95E-9FFD-4DD4-B1CC-079FF11C8324}"/>
               </a:ext>
             </a:extLst>
           </p:cNvPr>
@@ -16156,7 +18207,7 @@
           <p:cNvPr id="67" name="Rectangle 66">
             <a:extLst>
               <a:ext uri="{FF2B5EF4-FFF2-40B4-BE49-F238E27FC236}">
-                <a16:creationId xmlns="" xmlns:a16="http://schemas.microsoft.com/office/drawing/2014/main" id="{D24B1F53-8722-4195-AF43-38E3678567C6}"/>
+                <a16:creationId xmlns:a16="http://schemas.microsoft.com/office/drawing/2014/main" xmlns="" id="{D24B1F53-8722-4195-AF43-38E3678567C6}"/>
               </a:ext>
             </a:extLst>
           </p:cNvPr>
@@ -16231,7 +18282,7 @@
           <p:cNvPr id="69" name="Freeform 16">
             <a:extLst>
               <a:ext uri="{FF2B5EF4-FFF2-40B4-BE49-F238E27FC236}">
-                <a16:creationId xmlns="" xmlns:a16="http://schemas.microsoft.com/office/drawing/2014/main" id="{E00A737B-DC1B-4BF2-9D13-4E4524E33576}"/>
+                <a16:creationId xmlns:a16="http://schemas.microsoft.com/office/drawing/2014/main" xmlns="" id="{E00A737B-DC1B-4BF2-9D13-4E4524E33576}"/>
               </a:ext>
             </a:extLst>
           </p:cNvPr>
@@ -16313,7 +18364,7 @@
           <p:cNvPr id="66" name="Groupe 65">
             <a:extLst>
               <a:ext uri="{FF2B5EF4-FFF2-40B4-BE49-F238E27FC236}">
-                <a16:creationId xmlns="" xmlns:a16="http://schemas.microsoft.com/office/drawing/2014/main" id="{2FF4A8F3-CFEE-42E7-93EA-CE98536ECB59}"/>
+                <a16:creationId xmlns:a16="http://schemas.microsoft.com/office/drawing/2014/main" xmlns="" id="{2FF4A8F3-CFEE-42E7-93EA-CE98536ECB59}"/>
               </a:ext>
             </a:extLst>
           </p:cNvPr>
@@ -16333,7 +18384,7 @@
             <p:cNvPr id="81" name="Connecteur droit 80">
               <a:extLst>
                 <a:ext uri="{FF2B5EF4-FFF2-40B4-BE49-F238E27FC236}">
-                  <a16:creationId xmlns="" xmlns:a16="http://schemas.microsoft.com/office/drawing/2014/main" id="{122C1ECB-4B42-4F0D-B7CD-9FED125970DF}"/>
+                  <a16:creationId xmlns:a16="http://schemas.microsoft.com/office/drawing/2014/main" xmlns="" id="{122C1ECB-4B42-4F0D-B7CD-9FED125970DF}"/>
                 </a:ext>
               </a:extLst>
             </p:cNvPr>
@@ -16374,7 +18425,7 @@
             <p:cNvPr id="82" name="Connecteur droit 81">
               <a:extLst>
                 <a:ext uri="{FF2B5EF4-FFF2-40B4-BE49-F238E27FC236}">
-                  <a16:creationId xmlns="" xmlns:a16="http://schemas.microsoft.com/office/drawing/2014/main" id="{F2907823-0517-4878-82F1-F1BD775B5782}"/>
+                  <a16:creationId xmlns:a16="http://schemas.microsoft.com/office/drawing/2014/main" xmlns="" id="{F2907823-0517-4878-82F1-F1BD775B5782}"/>
                 </a:ext>
               </a:extLst>
             </p:cNvPr>
@@ -16416,7 +18467,7 @@
           <p:cNvPr id="70" name="Forme libre 26">
             <a:extLst>
               <a:ext uri="{FF2B5EF4-FFF2-40B4-BE49-F238E27FC236}">
-                <a16:creationId xmlns="" xmlns:a16="http://schemas.microsoft.com/office/drawing/2014/main" id="{A4CD5BD3-EC62-40E3-8590-58A0E3DB007B}"/>
+                <a16:creationId xmlns:a16="http://schemas.microsoft.com/office/drawing/2014/main" xmlns="" id="{A4CD5BD3-EC62-40E3-8590-58A0E3DB007B}"/>
               </a:ext>
             </a:extLst>
           </p:cNvPr>
@@ -16498,7 +18549,7 @@
           <p:cNvPr id="71" name="Forme libre 27">
             <a:extLst>
               <a:ext uri="{FF2B5EF4-FFF2-40B4-BE49-F238E27FC236}">
-                <a16:creationId xmlns="" xmlns:a16="http://schemas.microsoft.com/office/drawing/2014/main" id="{27E8D6C6-3DCA-48B3-BA3D-AD4031047D45}"/>
+                <a16:creationId xmlns:a16="http://schemas.microsoft.com/office/drawing/2014/main" xmlns="" id="{27E8D6C6-3DCA-48B3-BA3D-AD4031047D45}"/>
               </a:ext>
             </a:extLst>
           </p:cNvPr>
@@ -16580,7 +18631,7 @@
           <p:cNvPr id="76" name="ZoneTexte 75">
             <a:extLst>
               <a:ext uri="{FF2B5EF4-FFF2-40B4-BE49-F238E27FC236}">
-                <a16:creationId xmlns="" xmlns:a16="http://schemas.microsoft.com/office/drawing/2014/main" id="{137BD7D8-33BF-4248-81EA-837B11BC6756}"/>
+                <a16:creationId xmlns:a16="http://schemas.microsoft.com/office/drawing/2014/main" xmlns="" id="{137BD7D8-33BF-4248-81EA-837B11BC6756}"/>
               </a:ext>
             </a:extLst>
           </p:cNvPr>
@@ -16626,7 +18677,7 @@
           <p:cNvPr id="77" name="ZoneTexte 76">
             <a:extLst>
               <a:ext uri="{FF2B5EF4-FFF2-40B4-BE49-F238E27FC236}">
-                <a16:creationId xmlns="" xmlns:a16="http://schemas.microsoft.com/office/drawing/2014/main" id="{260B8EE6-4616-4E8E-AE37-019356FCDE05}"/>
+                <a16:creationId xmlns:a16="http://schemas.microsoft.com/office/drawing/2014/main" xmlns="" id="{260B8EE6-4616-4E8E-AE37-019356FCDE05}"/>
               </a:ext>
             </a:extLst>
           </p:cNvPr>
@@ -16672,7 +18723,7 @@
           <p:cNvPr id="83" name="Forme libre 49">
             <a:extLst>
               <a:ext uri="{FF2B5EF4-FFF2-40B4-BE49-F238E27FC236}">
-                <a16:creationId xmlns="" xmlns:a16="http://schemas.microsoft.com/office/drawing/2014/main" id="{B649979B-25A2-47C5-BA0E-0FD666145F62}"/>
+                <a16:creationId xmlns:a16="http://schemas.microsoft.com/office/drawing/2014/main" xmlns="" id="{B649979B-25A2-47C5-BA0E-0FD666145F62}"/>
               </a:ext>
             </a:extLst>
           </p:cNvPr>
@@ -19054,7 +21105,7 @@
           <p:cNvPr id="68" name="Rectangle 67">
             <a:extLst>
               <a:ext uri="{FF2B5EF4-FFF2-40B4-BE49-F238E27FC236}">
-                <a16:creationId xmlns="" xmlns:a16="http://schemas.microsoft.com/office/drawing/2014/main" id="{0E6501FD-4705-4FBA-A74C-73A0A11BAB13}"/>
+                <a16:creationId xmlns:a16="http://schemas.microsoft.com/office/drawing/2014/main" xmlns="" id="{0E6501FD-4705-4FBA-A74C-73A0A11BAB13}"/>
               </a:ext>
             </a:extLst>
           </p:cNvPr>
@@ -19837,7 +21888,7 @@
     </p:spTree>
     <p:extLst>
       <p:ext uri="{BB962C8B-B14F-4D97-AF65-F5344CB8AC3E}">
-        <p14:creationId xmlns="" xmlns:p14="http://schemas.microsoft.com/office/powerpoint/2010/main" val="639009737"/>
+        <p14:creationId xmlns:p14="http://schemas.microsoft.com/office/powerpoint/2010/main" xmlns="" val="639009737"/>
       </p:ext>
     </p:extLst>
   </p:cSld>

--- a/ELECTRONIQUE/IMAGES/Schemas.pptx
+++ b/ELECTRONIQUE/IMAGES/Schemas.pptx
@@ -208,7 +208,7 @@
   </p:defaultTextStyle>
   <p:extLst>
     <p:ext uri="{EFAFB233-063F-42B5-8137-9DF3F51BA10A}">
-      <p15:sldGuideLst xmlns:p15="http://schemas.microsoft.com/office/powerpoint/2012/main" xmlns="">
+      <p15:sldGuideLst xmlns="" xmlns:p15="http://schemas.microsoft.com/office/powerpoint/2012/main">
         <p15:guide id="1" orient="horz" pos="2840" userDrawn="1">
           <p15:clr>
             <a:srgbClr val="A4A3A4"/>
@@ -227,7 +227,7 @@
       </p15:sldGuideLst>
     </p:ext>
     <p:ext uri="{2D200454-40CA-4A62-9FC3-DE9A4176ACB9}">
-      <p15:notesGuideLst xmlns:p15="http://schemas.microsoft.com/office/powerpoint/2012/main" xmlns="">
+      <p15:notesGuideLst xmlns="" xmlns:p15="http://schemas.microsoft.com/office/powerpoint/2012/main">
         <p15:guide id="1" orient="horz" pos="3127">
           <p15:clr>
             <a:srgbClr val="A4A3A4"/>
@@ -335,7 +335,7 @@
               <a:pPr>
                 <a:defRPr/>
               </a:pPr>
-              <a:t>29/11/2024</a:t>
+              <a:t>10/12/2024</a:t>
             </a:fld>
             <a:endParaRPr lang="fr-FR"/>
           </a:p>
@@ -419,7 +419,7 @@
     </p:spTree>
     <p:extLst>
       <p:ext uri="{BB962C8B-B14F-4D97-AF65-F5344CB8AC3E}">
-        <p14:creationId xmlns:p14="http://schemas.microsoft.com/office/powerpoint/2010/main" xmlns="" val="1"/>
+        <p14:creationId xmlns="" xmlns:p14="http://schemas.microsoft.com/office/powerpoint/2010/main" val="1"/>
       </p:ext>
     </p:extLst>
   </p:cSld>
@@ -930,7 +930,7 @@
             <a:fld id="{365EAE7C-6C5B-41CD-BAD8-09323DC88F6D}" type="datetime8">
               <a:rPr lang="fr-FR" smtClean="0"/>
               <a:pPr/>
-              <a:t>29/11/2024 09:14</a:t>
+              <a:t>10/12/2024 17:51</a:t>
             </a:fld>
             <a:endParaRPr lang="fr-FR"/>
           </a:p>
@@ -1129,7 +1129,7 @@
             <a:fld id="{80ADAFC8-E58E-40F9-B663-9F56451821D1}" type="datetime8">
               <a:rPr lang="fr-FR" smtClean="0"/>
               <a:pPr/>
-              <a:t>29/11/2024 09:14</a:t>
+              <a:t>10/12/2024 17:51</a:t>
             </a:fld>
             <a:endParaRPr lang="fr-FR"/>
           </a:p>
@@ -1258,7 +1258,7 @@
             <a:fld id="{27CF4C7D-0BF8-4175-ABDC-B527910D61EE}" type="datetime8">
               <a:rPr lang="fr-FR" smtClean="0"/>
               <a:pPr/>
-              <a:t>29/11/2024 09:14</a:t>
+              <a:t>10/12/2024 17:51</a:t>
             </a:fld>
             <a:endParaRPr lang="fr-FR"/>
           </a:p>
@@ -1458,7 +1458,7 @@
             <a:fld id="{FFD76516-F1CB-4547-BCD9-750F24D75B14}" type="datetime8">
               <a:rPr lang="fr-FR" smtClean="0"/>
               <a:pPr/>
-              <a:t>29/11/2024 09:14</a:t>
+              <a:t>10/12/2024 17:51</a:t>
             </a:fld>
             <a:endParaRPr lang="fr-FR"/>
           </a:p>
@@ -1725,7 +1725,7 @@
             <a:fld id="{DCCA0A29-E4CE-41CE-97A0-9AC6848D0399}" type="datetime8">
               <a:rPr lang="fr-FR" smtClean="0"/>
               <a:pPr/>
-              <a:t>29/11/2024 09:14</a:t>
+              <a:t>10/12/2024 17:51</a:t>
             </a:fld>
             <a:endParaRPr lang="fr-FR" dirty="0"/>
           </a:p>
@@ -2074,7 +2074,7 @@
             <a:fld id="{BBDF3BB5-99CC-43F1-B038-57FA1B31A3ED}" type="datetime8">
               <a:rPr lang="fr-FR" smtClean="0"/>
               <a:pPr/>
-              <a:t>29/11/2024 09:14</a:t>
+              <a:t>10/12/2024 17:51</a:t>
             </a:fld>
             <a:endParaRPr lang="fr-FR"/>
           </a:p>
@@ -2328,7 +2328,7 @@
             <a:fld id="{AFA6468B-3BBE-4926-A82A-2522BDA4C876}" type="datetime8">
               <a:rPr lang="fr-FR" smtClean="0"/>
               <a:pPr/>
-              <a:t>29/11/2024 09:14</a:t>
+              <a:t>10/12/2024 17:51</a:t>
             </a:fld>
             <a:endParaRPr lang="fr-FR"/>
           </a:p>
@@ -2730,7 +2730,7 @@
             <a:fld id="{802532EB-A128-4E3D-A83F-28D3FC555FCD}" type="datetime8">
               <a:rPr lang="fr-FR" smtClean="0"/>
               <a:pPr/>
-              <a:t>29/11/2024 09:14</a:t>
+              <a:t>10/12/2024 17:51</a:t>
             </a:fld>
             <a:endParaRPr lang="fr-FR" dirty="0"/>
           </a:p>
@@ -3268,7 +3268,7 @@
             <a:fld id="{80ADAFC8-E58E-40F9-B663-9F56451821D1}" type="datetime8">
               <a:rPr lang="fr-FR" smtClean="0"/>
               <a:pPr/>
-              <a:t>29/11/2024 09:14</a:t>
+              <a:t>10/12/2024 17:51</a:t>
             </a:fld>
             <a:endParaRPr lang="fr-FR"/>
           </a:p>
@@ -5256,6 +5256,804 @@
           </a:p>
         </p:txBody>
       </p:sp>
+      <p:grpSp>
+        <p:nvGrpSpPr>
+          <p:cNvPr id="24" name="Groupe 66"/>
+          <p:cNvGrpSpPr/>
+          <p:nvPr/>
+        </p:nvGrpSpPr>
+        <p:grpSpPr>
+          <a:xfrm>
+            <a:off x="857224" y="1500174"/>
+            <a:ext cx="1546764" cy="2943616"/>
+            <a:chOff x="964504" y="3444658"/>
+            <a:chExt cx="1546764" cy="2943616"/>
+          </a:xfrm>
+        </p:grpSpPr>
+        <p:sp>
+          <p:nvSpPr>
+            <p:cNvPr id="25" name="Rectangle 24"/>
+            <p:cNvSpPr/>
+            <p:nvPr/>
+          </p:nvSpPr>
+          <p:spPr bwMode="auto">
+            <a:xfrm>
+              <a:off x="964504" y="3444658"/>
+              <a:ext cx="1546764" cy="2943616"/>
+            </a:xfrm>
+            <a:prstGeom prst="rect">
+              <a:avLst/>
+            </a:prstGeom>
+            <a:solidFill>
+              <a:schemeClr val="tx1"/>
+            </a:solidFill>
+            <a:ln w="28575">
+              <a:solidFill>
+                <a:srgbClr val="FFC000"/>
+              </a:solidFill>
+              <a:round/>
+              <a:headEnd/>
+              <a:tailEnd/>
+            </a:ln>
+          </p:spPr>
+          <p:txBody>
+            <a:bodyPr vert="horz" wrap="square" lIns="91440" tIns="45720" rIns="91440" bIns="45720" numCol="1" rtlCol="0" anchor="ctr" anchorCtr="0" compatLnSpc="1">
+              <a:prstTxWarp prst="textNoShape">
+                <a:avLst/>
+              </a:prstTxWarp>
+            </a:bodyPr>
+            <a:lstStyle/>
+            <a:p>
+              <a:pPr algn="ctr"/>
+              <a:endParaRPr lang="fr-FR" sz="1600" noProof="1"/>
+            </a:p>
+          </p:txBody>
+        </p:sp>
+        <p:grpSp>
+          <p:nvGrpSpPr>
+            <p:cNvPr id="26" name="Groupe 34"/>
+            <p:cNvGrpSpPr/>
+            <p:nvPr/>
+          </p:nvGrpSpPr>
+          <p:grpSpPr>
+            <a:xfrm>
+              <a:off x="1185232" y="6134115"/>
+              <a:ext cx="546100" cy="180976"/>
+              <a:chOff x="2852728" y="5600712"/>
+              <a:chExt cx="546100" cy="180976"/>
+            </a:xfrm>
+          </p:grpSpPr>
+          <p:sp>
+            <p:nvSpPr>
+              <p:cNvPr id="39" name="Forme libre 38"/>
+              <p:cNvSpPr/>
+              <p:nvPr/>
+            </p:nvSpPr>
+            <p:spPr>
+              <a:xfrm>
+                <a:off x="2852728" y="5600712"/>
+                <a:ext cx="546100" cy="0"/>
+              </a:xfrm>
+              <a:custGeom>
+                <a:avLst/>
+                <a:gdLst>
+                  <a:gd name="connsiteX0" fmla="*/ 0 w 546100"/>
+                  <a:gd name="connsiteY0" fmla="*/ 0 h 0"/>
+                  <a:gd name="connsiteX1" fmla="*/ 546100 w 546100"/>
+                  <a:gd name="connsiteY1" fmla="*/ 0 h 0"/>
+                </a:gdLst>
+                <a:ahLst/>
+                <a:cxnLst>
+                  <a:cxn ang="0">
+                    <a:pos x="connsiteX0" y="connsiteY0"/>
+                  </a:cxn>
+                  <a:cxn ang="0">
+                    <a:pos x="connsiteX1" y="connsiteY1"/>
+                  </a:cxn>
+                </a:cxnLst>
+                <a:rect l="l" t="t" r="r" b="b"/>
+                <a:pathLst>
+                  <a:path w="546100">
+                    <a:moveTo>
+                      <a:pt x="0" y="0"/>
+                    </a:moveTo>
+                    <a:lnTo>
+                      <a:pt x="546100" y="0"/>
+                    </a:lnTo>
+                  </a:path>
+                </a:pathLst>
+              </a:custGeom>
+              <a:ln w="28575">
+                <a:solidFill>
+                  <a:schemeClr val="bg1"/>
+                </a:solidFill>
+              </a:ln>
+            </p:spPr>
+            <p:style>
+              <a:lnRef idx="1">
+                <a:schemeClr val="accent1"/>
+              </a:lnRef>
+              <a:fillRef idx="0">
+                <a:schemeClr val="accent1"/>
+              </a:fillRef>
+              <a:effectRef idx="0">
+                <a:schemeClr val="accent1"/>
+              </a:effectRef>
+              <a:fontRef idx="minor">
+                <a:schemeClr val="tx1"/>
+              </a:fontRef>
+            </p:style>
+            <p:txBody>
+              <a:bodyPr rtlCol="0" anchor="ctr"/>
+              <a:lstStyle/>
+              <a:p>
+                <a:pPr algn="ctr"/>
+                <a:endParaRPr lang="fr-FR" noProof="1">
+                  <a:solidFill>
+                    <a:srgbClr val="0033CC"/>
+                  </a:solidFill>
+                  <a:effectLst/>
+                </a:endParaRPr>
+              </a:p>
+            </p:txBody>
+          </p:sp>
+          <p:sp>
+            <p:nvSpPr>
+              <p:cNvPr id="40" name="Forme libre 39"/>
+              <p:cNvSpPr/>
+              <p:nvPr/>
+            </p:nvSpPr>
+            <p:spPr>
+              <a:xfrm flipV="1">
+                <a:off x="2919405" y="5648656"/>
+                <a:ext cx="412746" cy="45719"/>
+              </a:xfrm>
+              <a:custGeom>
+                <a:avLst/>
+                <a:gdLst>
+                  <a:gd name="connsiteX0" fmla="*/ 0 w 546100"/>
+                  <a:gd name="connsiteY0" fmla="*/ 0 h 0"/>
+                  <a:gd name="connsiteX1" fmla="*/ 546100 w 546100"/>
+                  <a:gd name="connsiteY1" fmla="*/ 0 h 0"/>
+                </a:gdLst>
+                <a:ahLst/>
+                <a:cxnLst>
+                  <a:cxn ang="0">
+                    <a:pos x="connsiteX0" y="connsiteY0"/>
+                  </a:cxn>
+                  <a:cxn ang="0">
+                    <a:pos x="connsiteX1" y="connsiteY1"/>
+                  </a:cxn>
+                </a:cxnLst>
+                <a:rect l="l" t="t" r="r" b="b"/>
+                <a:pathLst>
+                  <a:path w="546100">
+                    <a:moveTo>
+                      <a:pt x="0" y="0"/>
+                    </a:moveTo>
+                    <a:lnTo>
+                      <a:pt x="546100" y="0"/>
+                    </a:lnTo>
+                  </a:path>
+                </a:pathLst>
+              </a:custGeom>
+              <a:ln w="28575">
+                <a:solidFill>
+                  <a:schemeClr val="bg1"/>
+                </a:solidFill>
+              </a:ln>
+            </p:spPr>
+            <p:style>
+              <a:lnRef idx="1">
+                <a:schemeClr val="accent1"/>
+              </a:lnRef>
+              <a:fillRef idx="0">
+                <a:schemeClr val="accent1"/>
+              </a:fillRef>
+              <a:effectRef idx="0">
+                <a:schemeClr val="accent1"/>
+              </a:effectRef>
+              <a:fontRef idx="minor">
+                <a:schemeClr val="tx1"/>
+              </a:fontRef>
+            </p:style>
+            <p:txBody>
+              <a:bodyPr rtlCol="0" anchor="ctr"/>
+              <a:lstStyle/>
+              <a:p>
+                <a:pPr algn="ctr"/>
+                <a:endParaRPr lang="fr-FR" noProof="1">
+                  <a:solidFill>
+                    <a:srgbClr val="0033CC"/>
+                  </a:solidFill>
+                  <a:effectLst/>
+                </a:endParaRPr>
+              </a:p>
+            </p:txBody>
+          </p:sp>
+          <p:sp>
+            <p:nvSpPr>
+              <p:cNvPr id="41" name="Forme libre 40"/>
+              <p:cNvSpPr/>
+              <p:nvPr/>
+            </p:nvSpPr>
+            <p:spPr>
+              <a:xfrm flipV="1">
+                <a:off x="3009097" y="5724541"/>
+                <a:ext cx="233363" cy="57147"/>
+              </a:xfrm>
+              <a:custGeom>
+                <a:avLst/>
+                <a:gdLst>
+                  <a:gd name="connsiteX0" fmla="*/ 0 w 546100"/>
+                  <a:gd name="connsiteY0" fmla="*/ 0 h 0"/>
+                  <a:gd name="connsiteX1" fmla="*/ 546100 w 546100"/>
+                  <a:gd name="connsiteY1" fmla="*/ 0 h 0"/>
+                </a:gdLst>
+                <a:ahLst/>
+                <a:cxnLst>
+                  <a:cxn ang="0">
+                    <a:pos x="connsiteX0" y="connsiteY0"/>
+                  </a:cxn>
+                  <a:cxn ang="0">
+                    <a:pos x="connsiteX1" y="connsiteY1"/>
+                  </a:cxn>
+                </a:cxnLst>
+                <a:rect l="l" t="t" r="r" b="b"/>
+                <a:pathLst>
+                  <a:path w="546100">
+                    <a:moveTo>
+                      <a:pt x="0" y="0"/>
+                    </a:moveTo>
+                    <a:lnTo>
+                      <a:pt x="546100" y="0"/>
+                    </a:lnTo>
+                  </a:path>
+                </a:pathLst>
+              </a:custGeom>
+              <a:ln w="28575">
+                <a:solidFill>
+                  <a:schemeClr val="bg1"/>
+                </a:solidFill>
+              </a:ln>
+            </p:spPr>
+            <p:style>
+              <a:lnRef idx="1">
+                <a:schemeClr val="accent1"/>
+              </a:lnRef>
+              <a:fillRef idx="0">
+                <a:schemeClr val="accent1"/>
+              </a:fillRef>
+              <a:effectRef idx="0">
+                <a:schemeClr val="accent1"/>
+              </a:effectRef>
+              <a:fontRef idx="minor">
+                <a:schemeClr val="tx1"/>
+              </a:fontRef>
+            </p:style>
+            <p:txBody>
+              <a:bodyPr rtlCol="0" anchor="ctr"/>
+              <a:lstStyle/>
+              <a:p>
+                <a:pPr algn="ctr"/>
+                <a:endParaRPr lang="fr-FR" noProof="1">
+                  <a:solidFill>
+                    <a:srgbClr val="0033CC"/>
+                  </a:solidFill>
+                  <a:effectLst/>
+                </a:endParaRPr>
+              </a:p>
+            </p:txBody>
+          </p:sp>
+        </p:grpSp>
+        <p:sp>
+          <p:nvSpPr>
+            <p:cNvPr id="27" name="ZoneTexte 26"/>
+            <p:cNvSpPr txBox="1"/>
+            <p:nvPr/>
+          </p:nvSpPr>
+          <p:spPr>
+            <a:xfrm>
+              <a:off x="2016132" y="4728531"/>
+              <a:ext cx="320601" cy="492443"/>
+            </a:xfrm>
+            <a:prstGeom prst="rect">
+              <a:avLst/>
+            </a:prstGeom>
+            <a:noFill/>
+          </p:spPr>
+          <p:txBody>
+            <a:bodyPr wrap="none" lIns="0" tIns="0" rIns="0" bIns="0" rtlCol="0">
+              <a:spAutoFit/>
+            </a:bodyPr>
+            <a:lstStyle/>
+            <a:p>
+              <a:r>
+                <a:rPr lang="fr-FR" sz="3200" i="1" noProof="1" smtClean="0">
+                  <a:solidFill>
+                    <a:srgbClr val="0033CC"/>
+                  </a:solidFill>
+                  <a:effectLst/>
+                  <a:latin typeface="+mn-lt"/>
+                </a:rPr>
+                <a:t>V</a:t>
+              </a:r>
+              <a:r>
+                <a:rPr lang="fr-FR" sz="3200" i="1" baseline="-25000" noProof="1" smtClean="0">
+                  <a:solidFill>
+                    <a:srgbClr val="0033CC"/>
+                  </a:solidFill>
+                  <a:effectLst/>
+                  <a:latin typeface="+mn-lt"/>
+                </a:rPr>
+                <a:t>s</a:t>
+              </a:r>
+              <a:endParaRPr lang="fr-FR" sz="3200" i="1" baseline="-25000" noProof="1">
+                <a:solidFill>
+                  <a:srgbClr val="0033CC"/>
+                </a:solidFill>
+                <a:effectLst/>
+                <a:latin typeface="+mn-lt"/>
+              </a:endParaRPr>
+            </a:p>
+          </p:txBody>
+        </p:sp>
+        <p:sp>
+          <p:nvSpPr>
+            <p:cNvPr id="28" name="Rectangle 27"/>
+            <p:cNvSpPr/>
+            <p:nvPr/>
+          </p:nvSpPr>
+          <p:spPr>
+            <a:xfrm rot="5400000">
+              <a:off x="1190036" y="4413171"/>
+              <a:ext cx="544516" cy="179388"/>
+            </a:xfrm>
+            <a:prstGeom prst="rect">
+              <a:avLst/>
+            </a:prstGeom>
+            <a:ln w="57150">
+              <a:solidFill>
+                <a:schemeClr val="bg1"/>
+              </a:solidFill>
+            </a:ln>
+          </p:spPr>
+          <p:style>
+            <a:lnRef idx="1">
+              <a:schemeClr val="accent1"/>
+            </a:lnRef>
+            <a:fillRef idx="0">
+              <a:schemeClr val="accent1"/>
+            </a:fillRef>
+            <a:effectRef idx="0">
+              <a:schemeClr val="accent1"/>
+            </a:effectRef>
+            <a:fontRef idx="minor">
+              <a:schemeClr val="tx1"/>
+            </a:fontRef>
+          </p:style>
+          <p:txBody>
+            <a:bodyPr rtlCol="0" anchor="ctr"/>
+            <a:lstStyle/>
+            <a:p>
+              <a:pPr algn="ctr"/>
+              <a:endParaRPr lang="fr-FR" noProof="1">
+                <a:solidFill>
+                  <a:srgbClr val="0033CC"/>
+                </a:solidFill>
+                <a:effectLst/>
+              </a:endParaRPr>
+            </a:p>
+          </p:txBody>
+        </p:sp>
+        <p:cxnSp>
+          <p:nvCxnSpPr>
+            <p:cNvPr id="29" name="Connecteur droit avec flèche 28"/>
+            <p:cNvCxnSpPr>
+              <a:stCxn id="28" idx="1"/>
+            </p:cNvCxnSpPr>
+            <p:nvPr/>
+          </p:nvCxnSpPr>
+          <p:spPr>
+            <a:xfrm rot="5400000" flipH="1" flipV="1">
+              <a:off x="1292409" y="4050204"/>
+              <a:ext cx="350288" cy="10519"/>
+            </a:xfrm>
+            <a:prstGeom prst="straightConnector1">
+              <a:avLst/>
+            </a:prstGeom>
+            <a:ln w="28575">
+              <a:solidFill>
+                <a:schemeClr val="bg1"/>
+              </a:solidFill>
+              <a:headEnd type="none" w="med" len="med"/>
+              <a:tailEnd type="triangle" w="lg" len="lg"/>
+            </a:ln>
+          </p:spPr>
+          <p:style>
+            <a:lnRef idx="1">
+              <a:schemeClr val="accent1"/>
+            </a:lnRef>
+            <a:fillRef idx="0">
+              <a:schemeClr val="accent1"/>
+            </a:fillRef>
+            <a:effectRef idx="0">
+              <a:schemeClr val="accent1"/>
+            </a:effectRef>
+            <a:fontRef idx="minor">
+              <a:schemeClr val="tx1"/>
+            </a:fontRef>
+          </p:style>
+        </p:cxnSp>
+        <p:sp>
+          <p:nvSpPr>
+            <p:cNvPr id="30" name="ZoneTexte 29"/>
+            <p:cNvSpPr txBox="1"/>
+            <p:nvPr/>
+          </p:nvSpPr>
+          <p:spPr>
+            <a:xfrm>
+              <a:off x="1343260" y="3460035"/>
+              <a:ext cx="327077" cy="369332"/>
+            </a:xfrm>
+            <a:prstGeom prst="rect">
+              <a:avLst/>
+            </a:prstGeom>
+            <a:noFill/>
+          </p:spPr>
+          <p:txBody>
+            <a:bodyPr wrap="none" lIns="0" tIns="0" rIns="0" bIns="0" rtlCol="0">
+              <a:spAutoFit/>
+            </a:bodyPr>
+            <a:lstStyle/>
+            <a:p>
+              <a:r>
+                <a:rPr lang="fr-FR" sz="2400" i="1" noProof="1" smtClean="0">
+                  <a:solidFill>
+                    <a:schemeClr val="bg1"/>
+                  </a:solidFill>
+                  <a:effectLst/>
+                  <a:latin typeface="+mn-lt"/>
+                </a:rPr>
+                <a:t>V</a:t>
+              </a:r>
+              <a:r>
+                <a:rPr lang="fr-FR" sz="2400" i="1" baseline="-25000" noProof="1" smtClean="0">
+                  <a:solidFill>
+                    <a:schemeClr val="bg1"/>
+                  </a:solidFill>
+                  <a:effectLst/>
+                  <a:latin typeface="+mn-lt"/>
+                </a:rPr>
+                <a:t>cc</a:t>
+              </a:r>
+              <a:endParaRPr lang="fr-FR" sz="2400" i="1" baseline="-25000" noProof="1">
+                <a:solidFill>
+                  <a:schemeClr val="bg1"/>
+                </a:solidFill>
+                <a:effectLst/>
+                <a:latin typeface="+mn-lt"/>
+              </a:endParaRPr>
+            </a:p>
+          </p:txBody>
+        </p:sp>
+        <p:sp>
+          <p:nvSpPr>
+            <p:cNvPr id="31" name="Ellipse 30"/>
+            <p:cNvSpPr/>
+            <p:nvPr/>
+          </p:nvSpPr>
+          <p:spPr>
+            <a:xfrm>
+              <a:off x="1179830" y="5191125"/>
+              <a:ext cx="586740" cy="571500"/>
+            </a:xfrm>
+            <a:prstGeom prst="ellipse">
+              <a:avLst/>
+            </a:prstGeom>
+            <a:ln w="28575">
+              <a:solidFill>
+                <a:srgbClr val="FF0000"/>
+              </a:solidFill>
+              <a:headEnd type="none" w="med" len="med"/>
+              <a:tailEnd type="triangle" w="med" len="med"/>
+            </a:ln>
+          </p:spPr>
+          <p:style>
+            <a:lnRef idx="1">
+              <a:schemeClr val="accent1"/>
+            </a:lnRef>
+            <a:fillRef idx="0">
+              <a:schemeClr val="accent1"/>
+            </a:fillRef>
+            <a:effectRef idx="0">
+              <a:schemeClr val="accent1"/>
+            </a:effectRef>
+            <a:fontRef idx="minor">
+              <a:schemeClr val="tx1"/>
+            </a:fontRef>
+          </p:style>
+          <p:txBody>
+            <a:bodyPr rtlCol="0" anchor="ctr"/>
+            <a:lstStyle/>
+            <a:p>
+              <a:pPr algn="ctr"/>
+              <a:endParaRPr lang="fr-FR" noProof="1">
+                <a:solidFill>
+                  <a:srgbClr val="0033CC"/>
+                </a:solidFill>
+                <a:effectLst/>
+              </a:endParaRPr>
+            </a:p>
+          </p:txBody>
+        </p:sp>
+        <p:cxnSp>
+          <p:nvCxnSpPr>
+            <p:cNvPr id="32" name="Connecteur droit 31"/>
+            <p:cNvCxnSpPr/>
+            <p:nvPr/>
+          </p:nvCxnSpPr>
+          <p:spPr>
+            <a:xfrm flipV="1">
+              <a:off x="1458926" y="4775123"/>
+              <a:ext cx="3368" cy="290272"/>
+            </a:xfrm>
+            <a:prstGeom prst="line">
+              <a:avLst/>
+            </a:prstGeom>
+            <a:ln w="38100">
+              <a:solidFill>
+                <a:schemeClr val="bg1"/>
+              </a:solidFill>
+            </a:ln>
+          </p:spPr>
+          <p:style>
+            <a:lnRef idx="1">
+              <a:schemeClr val="accent1"/>
+            </a:lnRef>
+            <a:fillRef idx="0">
+              <a:schemeClr val="accent1"/>
+            </a:fillRef>
+            <a:effectRef idx="0">
+              <a:schemeClr val="accent1"/>
+            </a:effectRef>
+            <a:fontRef idx="minor">
+              <a:schemeClr val="tx1"/>
+            </a:fontRef>
+          </p:style>
+        </p:cxnSp>
+        <p:cxnSp>
+          <p:nvCxnSpPr>
+            <p:cNvPr id="33" name="Connecteur droit 32"/>
+            <p:cNvCxnSpPr/>
+            <p:nvPr/>
+          </p:nvCxnSpPr>
+          <p:spPr>
+            <a:xfrm rot="5400000" flipH="1" flipV="1">
+              <a:off x="1289844" y="5763419"/>
+              <a:ext cx="335756" cy="5556"/>
+            </a:xfrm>
+            <a:prstGeom prst="line">
+              <a:avLst/>
+            </a:prstGeom>
+            <a:ln w="38100">
+              <a:solidFill>
+                <a:srgbClr val="FF0000"/>
+              </a:solidFill>
+              <a:tailEnd type="oval"/>
+            </a:ln>
+          </p:spPr>
+          <p:style>
+            <a:lnRef idx="1">
+              <a:schemeClr val="accent1"/>
+            </a:lnRef>
+            <a:fillRef idx="0">
+              <a:schemeClr val="accent1"/>
+            </a:fillRef>
+            <a:effectRef idx="0">
+              <a:schemeClr val="accent1"/>
+            </a:effectRef>
+            <a:fontRef idx="minor">
+              <a:schemeClr val="tx1"/>
+            </a:fontRef>
+          </p:style>
+        </p:cxnSp>
+        <p:cxnSp>
+          <p:nvCxnSpPr>
+            <p:cNvPr id="34" name="Connecteur droit 33"/>
+            <p:cNvCxnSpPr/>
+            <p:nvPr/>
+          </p:nvCxnSpPr>
+          <p:spPr>
+            <a:xfrm rot="16200000" flipH="1">
+              <a:off x="1403350" y="5368925"/>
+              <a:ext cx="298450" cy="196850"/>
+            </a:xfrm>
+            <a:prstGeom prst="line">
+              <a:avLst/>
+            </a:prstGeom>
+            <a:ln w="38100">
+              <a:solidFill>
+                <a:srgbClr val="0000FF"/>
+              </a:solidFill>
+            </a:ln>
+          </p:spPr>
+          <p:style>
+            <a:lnRef idx="1">
+              <a:schemeClr val="accent1"/>
+            </a:lnRef>
+            <a:fillRef idx="0">
+              <a:schemeClr val="accent1"/>
+            </a:fillRef>
+            <a:effectRef idx="0">
+              <a:schemeClr val="accent1"/>
+            </a:effectRef>
+            <a:fontRef idx="minor">
+              <a:schemeClr val="tx1"/>
+            </a:fontRef>
+          </p:style>
+        </p:cxnSp>
+        <p:cxnSp>
+          <p:nvCxnSpPr>
+            <p:cNvPr id="35" name="Connecteur droit 34"/>
+            <p:cNvCxnSpPr/>
+            <p:nvPr/>
+          </p:nvCxnSpPr>
+          <p:spPr>
+            <a:xfrm rot="5400000">
+              <a:off x="1325880" y="5198745"/>
+              <a:ext cx="266700" cy="1588"/>
+            </a:xfrm>
+            <a:prstGeom prst="line">
+              <a:avLst/>
+            </a:prstGeom>
+            <a:ln w="38100">
+              <a:solidFill>
+                <a:srgbClr val="FF0000"/>
+              </a:solidFill>
+              <a:tailEnd type="oval"/>
+            </a:ln>
+          </p:spPr>
+          <p:style>
+            <a:lnRef idx="1">
+              <a:schemeClr val="accent1"/>
+            </a:lnRef>
+            <a:fillRef idx="0">
+              <a:schemeClr val="accent1"/>
+            </a:fillRef>
+            <a:effectRef idx="0">
+              <a:schemeClr val="accent1"/>
+            </a:effectRef>
+            <a:fontRef idx="minor">
+              <a:schemeClr val="tx1"/>
+            </a:fontRef>
+          </p:style>
+        </p:cxnSp>
+        <p:cxnSp>
+          <p:nvCxnSpPr>
+            <p:cNvPr id="36" name="Connecteur droit 35"/>
+            <p:cNvCxnSpPr/>
+            <p:nvPr/>
+          </p:nvCxnSpPr>
+          <p:spPr>
+            <a:xfrm rot="5400000">
+              <a:off x="1339850" y="6022975"/>
+              <a:ext cx="228600" cy="1588"/>
+            </a:xfrm>
+            <a:prstGeom prst="line">
+              <a:avLst/>
+            </a:prstGeom>
+            <a:ln w="38100">
+              <a:solidFill>
+                <a:schemeClr val="bg1"/>
+              </a:solidFill>
+            </a:ln>
+          </p:spPr>
+          <p:style>
+            <a:lnRef idx="1">
+              <a:schemeClr val="accent1"/>
+            </a:lnRef>
+            <a:fillRef idx="0">
+              <a:schemeClr val="accent1"/>
+            </a:fillRef>
+            <a:effectRef idx="0">
+              <a:schemeClr val="accent1"/>
+            </a:effectRef>
+            <a:fontRef idx="minor">
+              <a:schemeClr val="tx1"/>
+            </a:fontRef>
+          </p:style>
+        </p:cxnSp>
+        <p:cxnSp>
+          <p:nvCxnSpPr>
+            <p:cNvPr id="38" name="Connecteur droit avec flèche 37"/>
+            <p:cNvCxnSpPr/>
+            <p:nvPr/>
+          </p:nvCxnSpPr>
+          <p:spPr>
+            <a:xfrm>
+              <a:off x="1457157" y="5035872"/>
+              <a:ext cx="461820" cy="1588"/>
+            </a:xfrm>
+            <a:prstGeom prst="straightConnector1">
+              <a:avLst/>
+            </a:prstGeom>
+            <a:ln w="28575">
+              <a:solidFill>
+                <a:schemeClr val="bg1"/>
+              </a:solidFill>
+              <a:headEnd type="oval"/>
+              <a:tailEnd type="triangle" w="lg" len="lg"/>
+            </a:ln>
+          </p:spPr>
+          <p:style>
+            <a:lnRef idx="1">
+              <a:schemeClr val="accent1"/>
+            </a:lnRef>
+            <a:fillRef idx="0">
+              <a:schemeClr val="accent1"/>
+            </a:fillRef>
+            <a:effectRef idx="0">
+              <a:schemeClr val="accent1"/>
+            </a:effectRef>
+            <a:fontRef idx="minor">
+              <a:schemeClr val="tx1"/>
+            </a:fontRef>
+          </p:style>
+        </p:cxnSp>
+        <p:sp>
+          <p:nvSpPr>
+            <p:cNvPr id="42" name="ZoneTexte 41"/>
+            <p:cNvSpPr txBox="1"/>
+            <p:nvPr/>
+          </p:nvSpPr>
+          <p:spPr>
+            <a:xfrm>
+              <a:off x="1600416" y="4286256"/>
+              <a:ext cx="189154" cy="276999"/>
+            </a:xfrm>
+            <a:prstGeom prst="rect">
+              <a:avLst/>
+            </a:prstGeom>
+            <a:noFill/>
+          </p:spPr>
+          <p:txBody>
+            <a:bodyPr wrap="none" lIns="0" tIns="0" rIns="0" bIns="0" rtlCol="0">
+              <a:spAutoFit/>
+            </a:bodyPr>
+            <a:lstStyle/>
+            <a:p>
+              <a:r>
+                <a:rPr lang="fr-FR" sz="1800" i="1" noProof="1" smtClean="0">
+                  <a:solidFill>
+                    <a:schemeClr val="bg1"/>
+                  </a:solidFill>
+                  <a:effectLst/>
+                  <a:latin typeface="+mn-lt"/>
+                </a:rPr>
+                <a:t>R</a:t>
+              </a:r>
+              <a:r>
+                <a:rPr lang="fr-FR" sz="1800" i="1" baseline="-25000" noProof="1" smtClean="0">
+                  <a:solidFill>
+                    <a:schemeClr val="bg1"/>
+                  </a:solidFill>
+                  <a:effectLst/>
+                  <a:latin typeface="+mn-lt"/>
+                </a:rPr>
+                <a:t>L</a:t>
+              </a:r>
+              <a:endParaRPr lang="fr-FR" sz="1800" i="1" baseline="-25000" noProof="1">
+                <a:solidFill>
+                  <a:schemeClr val="bg1"/>
+                </a:solidFill>
+                <a:effectLst/>
+                <a:latin typeface="+mn-lt"/>
+              </a:endParaRPr>
+            </a:p>
+          </p:txBody>
+        </p:sp>
+      </p:grpSp>
     </p:spTree>
   </p:cSld>
   <p:clrMapOvr>
@@ -5286,7 +6084,7 @@
           <p:cNvPr id="2" name="Titre 1">
             <a:extLst>
               <a:ext uri="{FF2B5EF4-FFF2-40B4-BE49-F238E27FC236}">
-                <a16:creationId xmlns:a16="http://schemas.microsoft.com/office/drawing/2014/main" xmlns="" id="{C2E5D865-6987-4935-AFA0-39E772C5DF96}"/>
+                <a16:creationId xmlns="" xmlns:a16="http://schemas.microsoft.com/office/drawing/2014/main" id="{C2E5D865-6987-4935-AFA0-39E772C5DF96}"/>
               </a:ext>
             </a:extLst>
           </p:cNvPr>
@@ -5311,7 +6109,7 @@
           <p:cNvPr id="3" name="Espace réservé de la date 2">
             <a:extLst>
               <a:ext uri="{FF2B5EF4-FFF2-40B4-BE49-F238E27FC236}">
-                <a16:creationId xmlns:a16="http://schemas.microsoft.com/office/drawing/2014/main" xmlns="" id="{3B70F4D3-A56B-4978-B41D-9AAFBB46DFD2}"/>
+                <a16:creationId xmlns="" xmlns:a16="http://schemas.microsoft.com/office/drawing/2014/main" id="{3B70F4D3-A56B-4978-B41D-9AAFBB46DFD2}"/>
               </a:ext>
             </a:extLst>
           </p:cNvPr>
@@ -5330,7 +6128,7 @@
             <a:fld id="{80ADAFC8-E58E-40F9-B663-9F56451821D1}" type="datetime8">
               <a:rPr lang="fr-FR" smtClean="0"/>
               <a:pPr/>
-              <a:t>29/11/2024 09:14</a:t>
+              <a:t>10/12/2024 17:51</a:t>
             </a:fld>
             <a:endParaRPr lang="fr-FR"/>
           </a:p>
@@ -5341,7 +6139,7 @@
           <p:cNvPr id="4" name="Espace réservé du pied de page 3">
             <a:extLst>
               <a:ext uri="{FF2B5EF4-FFF2-40B4-BE49-F238E27FC236}">
-                <a16:creationId xmlns:a16="http://schemas.microsoft.com/office/drawing/2014/main" xmlns="" id="{7ACCFD58-1CC0-4447-9ADF-93B4E798160F}"/>
+                <a16:creationId xmlns="" xmlns:a16="http://schemas.microsoft.com/office/drawing/2014/main" id="{7ACCFD58-1CC0-4447-9ADF-93B4E798160F}"/>
               </a:ext>
             </a:extLst>
           </p:cNvPr>
@@ -5370,7 +6168,7 @@
           <p:cNvPr id="5" name="Espace réservé du numéro de diapositive 4">
             <a:extLst>
               <a:ext uri="{FF2B5EF4-FFF2-40B4-BE49-F238E27FC236}">
-                <a16:creationId xmlns:a16="http://schemas.microsoft.com/office/drawing/2014/main" xmlns="" id="{973C6ACC-702B-4A83-BA9F-F9ABE3AD73DB}"/>
+                <a16:creationId xmlns="" xmlns:a16="http://schemas.microsoft.com/office/drawing/2014/main" id="{973C6ACC-702B-4A83-BA9F-F9ABE3AD73DB}"/>
               </a:ext>
             </a:extLst>
           </p:cNvPr>
@@ -5400,7 +6198,7 @@
           <p:cNvPr id="6" name="Groupe 5">
             <a:extLst>
               <a:ext uri="{FF2B5EF4-FFF2-40B4-BE49-F238E27FC236}">
-                <a16:creationId xmlns:a16="http://schemas.microsoft.com/office/drawing/2014/main" xmlns="" id="{DF1DCF97-66FE-4A04-8B19-827D4442392E}"/>
+                <a16:creationId xmlns="" xmlns:a16="http://schemas.microsoft.com/office/drawing/2014/main" id="{DF1DCF97-66FE-4A04-8B19-827D4442392E}"/>
               </a:ext>
             </a:extLst>
           </p:cNvPr>
@@ -5420,7 +6218,7 @@
             <p:cNvPr id="7" name="Line 13">
               <a:extLst>
                 <a:ext uri="{FF2B5EF4-FFF2-40B4-BE49-F238E27FC236}">
-                  <a16:creationId xmlns:a16="http://schemas.microsoft.com/office/drawing/2014/main" xmlns="" id="{3BB99FFA-2C0E-4F78-9DD0-201B36AA44F0}"/>
+                  <a16:creationId xmlns="" xmlns:a16="http://schemas.microsoft.com/office/drawing/2014/main" id="{3BB99FFA-2C0E-4F78-9DD0-201B36AA44F0}"/>
                 </a:ext>
               </a:extLst>
             </p:cNvPr>
@@ -5465,7 +6263,7 @@
             <p:cNvPr id="8" name="Line 14">
               <a:extLst>
                 <a:ext uri="{FF2B5EF4-FFF2-40B4-BE49-F238E27FC236}">
-                  <a16:creationId xmlns:a16="http://schemas.microsoft.com/office/drawing/2014/main" xmlns="" id="{F53D6DBD-E6AC-45DD-8B05-C2712B1F0FF2}"/>
+                  <a16:creationId xmlns="" xmlns:a16="http://schemas.microsoft.com/office/drawing/2014/main" id="{F53D6DBD-E6AC-45DD-8B05-C2712B1F0FF2}"/>
                 </a:ext>
               </a:extLst>
             </p:cNvPr>
@@ -5510,7 +6308,7 @@
             <p:cNvPr id="9" name="Line 15">
               <a:extLst>
                 <a:ext uri="{FF2B5EF4-FFF2-40B4-BE49-F238E27FC236}">
-                  <a16:creationId xmlns:a16="http://schemas.microsoft.com/office/drawing/2014/main" xmlns="" id="{F06471F3-AD8F-4473-B6F6-9497D173423A}"/>
+                  <a16:creationId xmlns="" xmlns:a16="http://schemas.microsoft.com/office/drawing/2014/main" id="{F06471F3-AD8F-4473-B6F6-9497D173423A}"/>
                 </a:ext>
               </a:extLst>
             </p:cNvPr>
@@ -5555,7 +6353,7 @@
             <p:cNvPr id="10" name="Line 16">
               <a:extLst>
                 <a:ext uri="{FF2B5EF4-FFF2-40B4-BE49-F238E27FC236}">
-                  <a16:creationId xmlns:a16="http://schemas.microsoft.com/office/drawing/2014/main" xmlns="" id="{52FBB3F9-8A48-474E-892F-85488CE0C678}"/>
+                  <a16:creationId xmlns="" xmlns:a16="http://schemas.microsoft.com/office/drawing/2014/main" id="{52FBB3F9-8A48-474E-892F-85488CE0C678}"/>
                 </a:ext>
               </a:extLst>
             </p:cNvPr>
@@ -5600,7 +6398,7 @@
             <p:cNvPr id="11" name="Freeform 17">
               <a:extLst>
                 <a:ext uri="{FF2B5EF4-FFF2-40B4-BE49-F238E27FC236}">
-                  <a16:creationId xmlns:a16="http://schemas.microsoft.com/office/drawing/2014/main" xmlns="" id="{098716CD-EB5D-4CE0-A909-E4ED93E9E9C9}"/>
+                  <a16:creationId xmlns="" xmlns:a16="http://schemas.microsoft.com/office/drawing/2014/main" id="{098716CD-EB5D-4CE0-A909-E4ED93E9E9C9}"/>
                 </a:ext>
               </a:extLst>
             </p:cNvPr>
@@ -5672,7 +6470,7 @@
             <p:cNvPr id="12" name="Rectangle 18">
               <a:extLst>
                 <a:ext uri="{FF2B5EF4-FFF2-40B4-BE49-F238E27FC236}">
-                  <a16:creationId xmlns:a16="http://schemas.microsoft.com/office/drawing/2014/main" xmlns="" id="{20744C48-A0BE-47B4-8B39-FA2E56CB1C42}"/>
+                  <a16:creationId xmlns="" xmlns:a16="http://schemas.microsoft.com/office/drawing/2014/main" id="{20744C48-A0BE-47B4-8B39-FA2E56CB1C42}"/>
                 </a:ext>
               </a:extLst>
             </p:cNvPr>
@@ -5719,7 +6517,7 @@
             <p:cNvPr id="13" name="Line 19">
               <a:extLst>
                 <a:ext uri="{FF2B5EF4-FFF2-40B4-BE49-F238E27FC236}">
-                  <a16:creationId xmlns:a16="http://schemas.microsoft.com/office/drawing/2014/main" xmlns="" id="{3CDC0B9D-8488-4DEB-A6B5-EF8373C5E0F8}"/>
+                  <a16:creationId xmlns="" xmlns:a16="http://schemas.microsoft.com/office/drawing/2014/main" id="{3CDC0B9D-8488-4DEB-A6B5-EF8373C5E0F8}"/>
                 </a:ext>
               </a:extLst>
             </p:cNvPr>
@@ -5764,7 +6562,7 @@
             <p:cNvPr id="14" name="Line 20">
               <a:extLst>
                 <a:ext uri="{FF2B5EF4-FFF2-40B4-BE49-F238E27FC236}">
-                  <a16:creationId xmlns:a16="http://schemas.microsoft.com/office/drawing/2014/main" xmlns="" id="{8E3C754A-EA1A-466B-9F56-540E1A532974}"/>
+                  <a16:creationId xmlns="" xmlns:a16="http://schemas.microsoft.com/office/drawing/2014/main" id="{8E3C754A-EA1A-466B-9F56-540E1A532974}"/>
                 </a:ext>
               </a:extLst>
             </p:cNvPr>
@@ -5809,7 +6607,7 @@
             <p:cNvPr id="15" name="Rectangle 21">
               <a:extLst>
                 <a:ext uri="{FF2B5EF4-FFF2-40B4-BE49-F238E27FC236}">
-                  <a16:creationId xmlns:a16="http://schemas.microsoft.com/office/drawing/2014/main" xmlns="" id="{C1BE2688-BD54-4A3F-B0AB-2A556D2B2EC2}"/>
+                  <a16:creationId xmlns="" xmlns:a16="http://schemas.microsoft.com/office/drawing/2014/main" id="{C1BE2688-BD54-4A3F-B0AB-2A556D2B2EC2}"/>
                 </a:ext>
               </a:extLst>
             </p:cNvPr>
@@ -5892,7 +6690,7 @@
             <p:cNvPr id="16" name="Rectangle 22">
               <a:extLst>
                 <a:ext uri="{FF2B5EF4-FFF2-40B4-BE49-F238E27FC236}">
-                  <a16:creationId xmlns:a16="http://schemas.microsoft.com/office/drawing/2014/main" xmlns="" id="{A7D60A8D-7EA1-42BD-877C-B3C0C9EAF60A}"/>
+                  <a16:creationId xmlns="" xmlns:a16="http://schemas.microsoft.com/office/drawing/2014/main" id="{A7D60A8D-7EA1-42BD-877C-B3C0C9EAF60A}"/>
                 </a:ext>
               </a:extLst>
             </p:cNvPr>
@@ -5939,7 +6737,7 @@
             <p:cNvPr id="17" name="Line 23">
               <a:extLst>
                 <a:ext uri="{FF2B5EF4-FFF2-40B4-BE49-F238E27FC236}">
-                  <a16:creationId xmlns:a16="http://schemas.microsoft.com/office/drawing/2014/main" xmlns="" id="{B577248A-519A-42A6-B9C3-4837D0298C09}"/>
+                  <a16:creationId xmlns="" xmlns:a16="http://schemas.microsoft.com/office/drawing/2014/main" id="{B577248A-519A-42A6-B9C3-4837D0298C09}"/>
                 </a:ext>
               </a:extLst>
             </p:cNvPr>
@@ -5984,7 +6782,7 @@
             <p:cNvPr id="18" name="Line 24">
               <a:extLst>
                 <a:ext uri="{FF2B5EF4-FFF2-40B4-BE49-F238E27FC236}">
-                  <a16:creationId xmlns:a16="http://schemas.microsoft.com/office/drawing/2014/main" xmlns="" id="{7109DC07-5F1E-4A75-A515-13C9073AE816}"/>
+                  <a16:creationId xmlns="" xmlns:a16="http://schemas.microsoft.com/office/drawing/2014/main" id="{7109DC07-5F1E-4A75-A515-13C9073AE816}"/>
                 </a:ext>
               </a:extLst>
             </p:cNvPr>
@@ -6029,7 +6827,7 @@
             <p:cNvPr id="19" name="Rectangle 25">
               <a:extLst>
                 <a:ext uri="{FF2B5EF4-FFF2-40B4-BE49-F238E27FC236}">
-                  <a16:creationId xmlns:a16="http://schemas.microsoft.com/office/drawing/2014/main" xmlns="" id="{9CBB0335-4D9C-4642-8EAE-4FBB518E4DAE}"/>
+                  <a16:creationId xmlns="" xmlns:a16="http://schemas.microsoft.com/office/drawing/2014/main" id="{9CBB0335-4D9C-4642-8EAE-4FBB518E4DAE}"/>
                 </a:ext>
               </a:extLst>
             </p:cNvPr>
@@ -6112,7 +6910,7 @@
             <p:cNvPr id="20" name="Rectangle 26">
               <a:extLst>
                 <a:ext uri="{FF2B5EF4-FFF2-40B4-BE49-F238E27FC236}">
-                  <a16:creationId xmlns:a16="http://schemas.microsoft.com/office/drawing/2014/main" xmlns="" id="{01AD7C9D-4DA3-4EFE-811A-556E1CA02DE2}"/>
+                  <a16:creationId xmlns="" xmlns:a16="http://schemas.microsoft.com/office/drawing/2014/main" id="{01AD7C9D-4DA3-4EFE-811A-556E1CA02DE2}"/>
                 </a:ext>
               </a:extLst>
             </p:cNvPr>
@@ -6159,7 +6957,7 @@
             <p:cNvPr id="21" name="Line 27">
               <a:extLst>
                 <a:ext uri="{FF2B5EF4-FFF2-40B4-BE49-F238E27FC236}">
-                  <a16:creationId xmlns:a16="http://schemas.microsoft.com/office/drawing/2014/main" xmlns="" id="{5BF8101D-ACEF-400C-AD0F-88EAFEA18D26}"/>
+                  <a16:creationId xmlns="" xmlns:a16="http://schemas.microsoft.com/office/drawing/2014/main" id="{5BF8101D-ACEF-400C-AD0F-88EAFEA18D26}"/>
                 </a:ext>
               </a:extLst>
             </p:cNvPr>
@@ -6204,7 +7002,7 @@
             <p:cNvPr id="22" name="Line 28">
               <a:extLst>
                 <a:ext uri="{FF2B5EF4-FFF2-40B4-BE49-F238E27FC236}">
-                  <a16:creationId xmlns:a16="http://schemas.microsoft.com/office/drawing/2014/main" xmlns="" id="{17C8BAC5-DB92-4E1F-B670-5BD0A8254C74}"/>
+                  <a16:creationId xmlns="" xmlns:a16="http://schemas.microsoft.com/office/drawing/2014/main" id="{17C8BAC5-DB92-4E1F-B670-5BD0A8254C74}"/>
                 </a:ext>
               </a:extLst>
             </p:cNvPr>
@@ -6249,7 +7047,7 @@
             <p:cNvPr id="23" name="Rectangle 29">
               <a:extLst>
                 <a:ext uri="{FF2B5EF4-FFF2-40B4-BE49-F238E27FC236}">
-                  <a16:creationId xmlns:a16="http://schemas.microsoft.com/office/drawing/2014/main" xmlns="" id="{CCF1A717-F894-4844-995E-57714CBE3360}"/>
+                  <a16:creationId xmlns="" xmlns:a16="http://schemas.microsoft.com/office/drawing/2014/main" id="{CCF1A717-F894-4844-995E-57714CBE3360}"/>
                 </a:ext>
               </a:extLst>
             </p:cNvPr>
@@ -6332,7 +7130,7 @@
             <p:cNvPr id="24" name="Rectangle 49">
               <a:extLst>
                 <a:ext uri="{FF2B5EF4-FFF2-40B4-BE49-F238E27FC236}">
-                  <a16:creationId xmlns:a16="http://schemas.microsoft.com/office/drawing/2014/main" xmlns="" id="{330BE6EE-731A-44E6-9779-42ED233A6B86}"/>
+                  <a16:creationId xmlns="" xmlns:a16="http://schemas.microsoft.com/office/drawing/2014/main" id="{330BE6EE-731A-44E6-9779-42ED233A6B86}"/>
                 </a:ext>
               </a:extLst>
             </p:cNvPr>
@@ -6415,7 +7213,7 @@
             <p:cNvPr id="25" name="Rectangle 64">
               <a:extLst>
                 <a:ext uri="{FF2B5EF4-FFF2-40B4-BE49-F238E27FC236}">
-                  <a16:creationId xmlns:a16="http://schemas.microsoft.com/office/drawing/2014/main" xmlns="" id="{DC1778B8-D595-4628-BB8D-E31FBD463F04}"/>
+                  <a16:creationId xmlns="" xmlns:a16="http://schemas.microsoft.com/office/drawing/2014/main" id="{DC1778B8-D595-4628-BB8D-E31FBD463F04}"/>
                 </a:ext>
               </a:extLst>
             </p:cNvPr>
@@ -6495,7 +7293,7 @@
             <p:cNvPr id="26" name="Oval 65">
               <a:extLst>
                 <a:ext uri="{FF2B5EF4-FFF2-40B4-BE49-F238E27FC236}">
-                  <a16:creationId xmlns:a16="http://schemas.microsoft.com/office/drawing/2014/main" xmlns="" id="{7717CD30-CF15-4016-BAD5-8D4A077F050A}"/>
+                  <a16:creationId xmlns="" xmlns:a16="http://schemas.microsoft.com/office/drawing/2014/main" id="{7717CD30-CF15-4016-BAD5-8D4A077F050A}"/>
                 </a:ext>
               </a:extLst>
             </p:cNvPr>
@@ -6542,7 +7340,7 @@
             <p:cNvPr id="27" name="Oval 66">
               <a:extLst>
                 <a:ext uri="{FF2B5EF4-FFF2-40B4-BE49-F238E27FC236}">
-                  <a16:creationId xmlns:a16="http://schemas.microsoft.com/office/drawing/2014/main" xmlns="" id="{3D18D16B-16F2-4F06-8356-51B31350B45C}"/>
+                  <a16:creationId xmlns="" xmlns:a16="http://schemas.microsoft.com/office/drawing/2014/main" id="{3D18D16B-16F2-4F06-8356-51B31350B45C}"/>
                 </a:ext>
               </a:extLst>
             </p:cNvPr>
@@ -6589,7 +7387,7 @@
             <p:cNvPr id="28" name="Line 13">
               <a:extLst>
                 <a:ext uri="{FF2B5EF4-FFF2-40B4-BE49-F238E27FC236}">
-                  <a16:creationId xmlns:a16="http://schemas.microsoft.com/office/drawing/2014/main" xmlns="" id="{5ABB79A2-85CE-42D0-8816-65938F53B6A0}"/>
+                  <a16:creationId xmlns="" xmlns:a16="http://schemas.microsoft.com/office/drawing/2014/main" id="{5ABB79A2-85CE-42D0-8816-65938F53B6A0}"/>
                 </a:ext>
               </a:extLst>
             </p:cNvPr>
@@ -6634,7 +7432,7 @@
             <p:cNvPr id="29" name="Groupe 28">
               <a:extLst>
                 <a:ext uri="{FF2B5EF4-FFF2-40B4-BE49-F238E27FC236}">
-                  <a16:creationId xmlns:a16="http://schemas.microsoft.com/office/drawing/2014/main" xmlns="" id="{6440AACF-B474-406E-A8F1-27B84C177818}"/>
+                  <a16:creationId xmlns="" xmlns:a16="http://schemas.microsoft.com/office/drawing/2014/main" id="{6440AACF-B474-406E-A8F1-27B84C177818}"/>
                 </a:ext>
               </a:extLst>
             </p:cNvPr>
@@ -6654,7 +7452,7 @@
               <p:cNvPr id="42" name="Freeform 62">
                 <a:extLst>
                   <a:ext uri="{FF2B5EF4-FFF2-40B4-BE49-F238E27FC236}">
-                    <a16:creationId xmlns:a16="http://schemas.microsoft.com/office/drawing/2014/main" xmlns="" id="{0BE0F8EE-4C08-43BC-9B34-A6BD5C504BCE}"/>
+                    <a16:creationId xmlns="" xmlns:a16="http://schemas.microsoft.com/office/drawing/2014/main" id="{0BE0F8EE-4C08-43BC-9B34-A6BD5C504BCE}"/>
                   </a:ext>
                 </a:extLst>
               </p:cNvPr>
@@ -6733,7 +7531,7 @@
               <p:cNvPr id="43" name="Line 63">
                 <a:extLst>
                   <a:ext uri="{FF2B5EF4-FFF2-40B4-BE49-F238E27FC236}">
-                    <a16:creationId xmlns:a16="http://schemas.microsoft.com/office/drawing/2014/main" xmlns="" id="{F4AC4471-5F4B-4852-A7B6-8394CC9356C9}"/>
+                    <a16:creationId xmlns="" xmlns:a16="http://schemas.microsoft.com/office/drawing/2014/main" id="{F4AC4471-5F4B-4852-A7B6-8394CC9356C9}"/>
                   </a:ext>
                 </a:extLst>
               </p:cNvPr>
@@ -6779,7 +7577,7 @@
             <p:cNvPr id="30" name="Rectangle 49">
               <a:extLst>
                 <a:ext uri="{FF2B5EF4-FFF2-40B4-BE49-F238E27FC236}">
-                  <a16:creationId xmlns:a16="http://schemas.microsoft.com/office/drawing/2014/main" xmlns="" id="{B06290EB-F200-47DF-9C64-F3323B661583}"/>
+                  <a16:creationId xmlns="" xmlns:a16="http://schemas.microsoft.com/office/drawing/2014/main" id="{B06290EB-F200-47DF-9C64-F3323B661583}"/>
                 </a:ext>
               </a:extLst>
             </p:cNvPr>
@@ -6862,7 +7660,7 @@
             <p:cNvPr id="31" name="Line 13">
               <a:extLst>
                 <a:ext uri="{FF2B5EF4-FFF2-40B4-BE49-F238E27FC236}">
-                  <a16:creationId xmlns:a16="http://schemas.microsoft.com/office/drawing/2014/main" xmlns="" id="{6EBA3ED8-9ADF-4397-8163-61695B7B4A47}"/>
+                  <a16:creationId xmlns="" xmlns:a16="http://schemas.microsoft.com/office/drawing/2014/main" id="{6EBA3ED8-9ADF-4397-8163-61695B7B4A47}"/>
                 </a:ext>
               </a:extLst>
             </p:cNvPr>
@@ -6907,7 +7705,7 @@
             <p:cNvPr id="32" name="Groupe 31">
               <a:extLst>
                 <a:ext uri="{FF2B5EF4-FFF2-40B4-BE49-F238E27FC236}">
-                  <a16:creationId xmlns:a16="http://schemas.microsoft.com/office/drawing/2014/main" xmlns="" id="{083EE034-AF3F-4F64-A287-8AA0240815D2}"/>
+                  <a16:creationId xmlns="" xmlns:a16="http://schemas.microsoft.com/office/drawing/2014/main" id="{083EE034-AF3F-4F64-A287-8AA0240815D2}"/>
                 </a:ext>
               </a:extLst>
             </p:cNvPr>
@@ -6927,7 +7725,7 @@
               <p:cNvPr id="40" name="Freeform 62">
                 <a:extLst>
                   <a:ext uri="{FF2B5EF4-FFF2-40B4-BE49-F238E27FC236}">
-                    <a16:creationId xmlns:a16="http://schemas.microsoft.com/office/drawing/2014/main" xmlns="" id="{4A8E9F6B-E785-40F1-9282-6CC000E17943}"/>
+                    <a16:creationId xmlns="" xmlns:a16="http://schemas.microsoft.com/office/drawing/2014/main" id="{4A8E9F6B-E785-40F1-9282-6CC000E17943}"/>
                   </a:ext>
                 </a:extLst>
               </p:cNvPr>
@@ -7006,7 +7804,7 @@
               <p:cNvPr id="41" name="Line 63">
                 <a:extLst>
                   <a:ext uri="{FF2B5EF4-FFF2-40B4-BE49-F238E27FC236}">
-                    <a16:creationId xmlns:a16="http://schemas.microsoft.com/office/drawing/2014/main" xmlns="" id="{92D8180F-D30F-46FB-B1BC-289FDA579977}"/>
+                    <a16:creationId xmlns="" xmlns:a16="http://schemas.microsoft.com/office/drawing/2014/main" id="{92D8180F-D30F-46FB-B1BC-289FDA579977}"/>
                   </a:ext>
                 </a:extLst>
               </p:cNvPr>
@@ -7052,7 +7850,7 @@
             <p:cNvPr id="33" name="Rectangle 49">
               <a:extLst>
                 <a:ext uri="{FF2B5EF4-FFF2-40B4-BE49-F238E27FC236}">
-                  <a16:creationId xmlns:a16="http://schemas.microsoft.com/office/drawing/2014/main" xmlns="" id="{46489540-AAFC-49E6-9AB9-74FD0F2D0798}"/>
+                  <a16:creationId xmlns="" xmlns:a16="http://schemas.microsoft.com/office/drawing/2014/main" id="{46489540-AAFC-49E6-9AB9-74FD0F2D0798}"/>
                 </a:ext>
               </a:extLst>
             </p:cNvPr>
@@ -7135,7 +7933,7 @@
             <p:cNvPr id="34" name="Line 13">
               <a:extLst>
                 <a:ext uri="{FF2B5EF4-FFF2-40B4-BE49-F238E27FC236}">
-                  <a16:creationId xmlns:a16="http://schemas.microsoft.com/office/drawing/2014/main" xmlns="" id="{1B484978-B11E-475F-855E-CB8C505B7D7A}"/>
+                  <a16:creationId xmlns="" xmlns:a16="http://schemas.microsoft.com/office/drawing/2014/main" id="{1B484978-B11E-475F-855E-CB8C505B7D7A}"/>
                 </a:ext>
               </a:extLst>
             </p:cNvPr>
@@ -7180,7 +7978,7 @@
             <p:cNvPr id="35" name="Groupe 34">
               <a:extLst>
                 <a:ext uri="{FF2B5EF4-FFF2-40B4-BE49-F238E27FC236}">
-                  <a16:creationId xmlns:a16="http://schemas.microsoft.com/office/drawing/2014/main" xmlns="" id="{6AA27C0A-661B-4EDD-A6C9-0DFA190AA187}"/>
+                  <a16:creationId xmlns="" xmlns:a16="http://schemas.microsoft.com/office/drawing/2014/main" id="{6AA27C0A-661B-4EDD-A6C9-0DFA190AA187}"/>
                 </a:ext>
               </a:extLst>
             </p:cNvPr>
@@ -7200,7 +7998,7 @@
               <p:cNvPr id="38" name="Freeform 62">
                 <a:extLst>
                   <a:ext uri="{FF2B5EF4-FFF2-40B4-BE49-F238E27FC236}">
-                    <a16:creationId xmlns:a16="http://schemas.microsoft.com/office/drawing/2014/main" xmlns="" id="{03B8862E-618D-4F6E-A1E8-DDFF7206A51F}"/>
+                    <a16:creationId xmlns="" xmlns:a16="http://schemas.microsoft.com/office/drawing/2014/main" id="{03B8862E-618D-4F6E-A1E8-DDFF7206A51F}"/>
                   </a:ext>
                 </a:extLst>
               </p:cNvPr>
@@ -7279,7 +8077,7 @@
               <p:cNvPr id="39" name="Line 63">
                 <a:extLst>
                   <a:ext uri="{FF2B5EF4-FFF2-40B4-BE49-F238E27FC236}">
-                    <a16:creationId xmlns:a16="http://schemas.microsoft.com/office/drawing/2014/main" xmlns="" id="{C90DD8F3-866E-41B0-B107-E2AFD1763616}"/>
+                    <a16:creationId xmlns="" xmlns:a16="http://schemas.microsoft.com/office/drawing/2014/main" id="{C90DD8F3-866E-41B0-B107-E2AFD1763616}"/>
                   </a:ext>
                 </a:extLst>
               </p:cNvPr>
@@ -7325,7 +8123,7 @@
             <p:cNvPr id="36" name="Oval 65">
               <a:extLst>
                 <a:ext uri="{FF2B5EF4-FFF2-40B4-BE49-F238E27FC236}">
-                  <a16:creationId xmlns:a16="http://schemas.microsoft.com/office/drawing/2014/main" xmlns="" id="{CA7F708E-AD6B-40E4-B7EB-239CCEF3B282}"/>
+                  <a16:creationId xmlns="" xmlns:a16="http://schemas.microsoft.com/office/drawing/2014/main" id="{CA7F708E-AD6B-40E4-B7EB-239CCEF3B282}"/>
                 </a:ext>
               </a:extLst>
             </p:cNvPr>
@@ -7372,7 +8170,7 @@
             <p:cNvPr id="37" name="Rectangle à coins arrondis 43">
               <a:extLst>
                 <a:ext uri="{FF2B5EF4-FFF2-40B4-BE49-F238E27FC236}">
-                  <a16:creationId xmlns:a16="http://schemas.microsoft.com/office/drawing/2014/main" xmlns="" id="{71A5A780-8787-4D66-A432-661EE29127F6}"/>
+                  <a16:creationId xmlns="" xmlns:a16="http://schemas.microsoft.com/office/drawing/2014/main" id="{71A5A780-8787-4D66-A432-661EE29127F6}"/>
                 </a:ext>
               </a:extLst>
             </p:cNvPr>
@@ -7429,7 +8227,7 @@
           <p:cNvPr id="44" name="Flèche : bas 43">
             <a:extLst>
               <a:ext uri="{FF2B5EF4-FFF2-40B4-BE49-F238E27FC236}">
-                <a16:creationId xmlns:a16="http://schemas.microsoft.com/office/drawing/2014/main" xmlns="" id="{DE438506-59B9-40BE-B65E-3FDC7325831D}"/>
+                <a16:creationId xmlns="" xmlns:a16="http://schemas.microsoft.com/office/drawing/2014/main" id="{DE438506-59B9-40BE-B65E-3FDC7325831D}"/>
               </a:ext>
             </a:extLst>
           </p:cNvPr>
@@ -7476,7 +8274,7 @@
           <p:cNvPr id="45" name="Groupe 44">
             <a:extLst>
               <a:ext uri="{FF2B5EF4-FFF2-40B4-BE49-F238E27FC236}">
-                <a16:creationId xmlns:a16="http://schemas.microsoft.com/office/drawing/2014/main" xmlns="" id="{18324A95-0BBE-46FE-ACB5-19F911F30CEE}"/>
+                <a16:creationId xmlns="" xmlns:a16="http://schemas.microsoft.com/office/drawing/2014/main" id="{18324A95-0BBE-46FE-ACB5-19F911F30CEE}"/>
               </a:ext>
             </a:extLst>
           </p:cNvPr>
@@ -7496,7 +8294,7 @@
             <p:cNvPr id="46" name="Line 13">
               <a:extLst>
                 <a:ext uri="{FF2B5EF4-FFF2-40B4-BE49-F238E27FC236}">
-                  <a16:creationId xmlns:a16="http://schemas.microsoft.com/office/drawing/2014/main" xmlns="" id="{0BB8CE31-D058-4DE2-91B7-D2E7509B9C73}"/>
+                  <a16:creationId xmlns="" xmlns:a16="http://schemas.microsoft.com/office/drawing/2014/main" id="{0BB8CE31-D058-4DE2-91B7-D2E7509B9C73}"/>
                 </a:ext>
               </a:extLst>
             </p:cNvPr>
@@ -7541,7 +8339,7 @@
             <p:cNvPr id="47" name="Rectangle 18">
               <a:extLst>
                 <a:ext uri="{FF2B5EF4-FFF2-40B4-BE49-F238E27FC236}">
-                  <a16:creationId xmlns:a16="http://schemas.microsoft.com/office/drawing/2014/main" xmlns="" id="{60F581EA-8443-46F2-AB01-C9D6049B2DCC}"/>
+                  <a16:creationId xmlns="" xmlns:a16="http://schemas.microsoft.com/office/drawing/2014/main" id="{60F581EA-8443-46F2-AB01-C9D6049B2DCC}"/>
                 </a:ext>
               </a:extLst>
             </p:cNvPr>
@@ -7588,7 +8386,7 @@
             <p:cNvPr id="48" name="Line 19">
               <a:extLst>
                 <a:ext uri="{FF2B5EF4-FFF2-40B4-BE49-F238E27FC236}">
-                  <a16:creationId xmlns:a16="http://schemas.microsoft.com/office/drawing/2014/main" xmlns="" id="{8ED635EF-EE5E-466D-8B19-410E008DB88B}"/>
+                  <a16:creationId xmlns="" xmlns:a16="http://schemas.microsoft.com/office/drawing/2014/main" id="{8ED635EF-EE5E-466D-8B19-410E008DB88B}"/>
                 </a:ext>
               </a:extLst>
             </p:cNvPr>
@@ -7633,7 +8431,7 @@
             <p:cNvPr id="49" name="Line 20">
               <a:extLst>
                 <a:ext uri="{FF2B5EF4-FFF2-40B4-BE49-F238E27FC236}">
-                  <a16:creationId xmlns:a16="http://schemas.microsoft.com/office/drawing/2014/main" xmlns="" id="{DD87E7CC-C794-4B07-930E-35993D486F8D}"/>
+                  <a16:creationId xmlns="" xmlns:a16="http://schemas.microsoft.com/office/drawing/2014/main" id="{DD87E7CC-C794-4B07-930E-35993D486F8D}"/>
                 </a:ext>
               </a:extLst>
             </p:cNvPr>
@@ -7678,7 +8476,7 @@
             <p:cNvPr id="50" name="Rectangle 21">
               <a:extLst>
                 <a:ext uri="{FF2B5EF4-FFF2-40B4-BE49-F238E27FC236}">
-                  <a16:creationId xmlns:a16="http://schemas.microsoft.com/office/drawing/2014/main" xmlns="" id="{1FD5133C-42E6-439F-BAB7-5CCEE726E129}"/>
+                  <a16:creationId xmlns="" xmlns:a16="http://schemas.microsoft.com/office/drawing/2014/main" id="{1FD5133C-42E6-439F-BAB7-5CCEE726E129}"/>
                 </a:ext>
               </a:extLst>
             </p:cNvPr>
@@ -7761,7 +8559,7 @@
             <p:cNvPr id="51" name="Rectangle 64">
               <a:extLst>
                 <a:ext uri="{FF2B5EF4-FFF2-40B4-BE49-F238E27FC236}">
-                  <a16:creationId xmlns:a16="http://schemas.microsoft.com/office/drawing/2014/main" xmlns="" id="{8BB40608-8CC8-4C62-A4FB-1BB3ED4C2791}"/>
+                  <a16:creationId xmlns="" xmlns:a16="http://schemas.microsoft.com/office/drawing/2014/main" id="{8BB40608-8CC8-4C62-A4FB-1BB3ED4C2791}"/>
                 </a:ext>
               </a:extLst>
             </p:cNvPr>
@@ -7841,7 +8639,7 @@
             <p:cNvPr id="52" name="Line 13">
               <a:extLst>
                 <a:ext uri="{FF2B5EF4-FFF2-40B4-BE49-F238E27FC236}">
-                  <a16:creationId xmlns:a16="http://schemas.microsoft.com/office/drawing/2014/main" xmlns="" id="{ABC2447F-952A-41DC-8330-E949A2E2FC35}"/>
+                  <a16:creationId xmlns="" xmlns:a16="http://schemas.microsoft.com/office/drawing/2014/main" id="{ABC2447F-952A-41DC-8330-E949A2E2FC35}"/>
                 </a:ext>
               </a:extLst>
             </p:cNvPr>
@@ -7886,7 +8684,7 @@
             <p:cNvPr id="53" name="Groupe 52">
               <a:extLst>
                 <a:ext uri="{FF2B5EF4-FFF2-40B4-BE49-F238E27FC236}">
-                  <a16:creationId xmlns:a16="http://schemas.microsoft.com/office/drawing/2014/main" xmlns="" id="{81D05B18-5A21-4743-88AA-373EAC7BE815}"/>
+                  <a16:creationId xmlns="" xmlns:a16="http://schemas.microsoft.com/office/drawing/2014/main" id="{81D05B18-5A21-4743-88AA-373EAC7BE815}"/>
                 </a:ext>
               </a:extLst>
             </p:cNvPr>
@@ -7906,7 +8704,7 @@
               <p:cNvPr id="57" name="Freeform 62">
                 <a:extLst>
                   <a:ext uri="{FF2B5EF4-FFF2-40B4-BE49-F238E27FC236}">
-                    <a16:creationId xmlns:a16="http://schemas.microsoft.com/office/drawing/2014/main" xmlns="" id="{87B5D23B-2B66-406C-A9C5-FBFBC7A9AA4E}"/>
+                    <a16:creationId xmlns="" xmlns:a16="http://schemas.microsoft.com/office/drawing/2014/main" id="{87B5D23B-2B66-406C-A9C5-FBFBC7A9AA4E}"/>
                   </a:ext>
                 </a:extLst>
               </p:cNvPr>
@@ -7985,7 +8783,7 @@
               <p:cNvPr id="58" name="Line 63">
                 <a:extLst>
                   <a:ext uri="{FF2B5EF4-FFF2-40B4-BE49-F238E27FC236}">
-                    <a16:creationId xmlns:a16="http://schemas.microsoft.com/office/drawing/2014/main" xmlns="" id="{95115474-92F5-4694-9235-B60FDBF79C5E}"/>
+                    <a16:creationId xmlns="" xmlns:a16="http://schemas.microsoft.com/office/drawing/2014/main" id="{95115474-92F5-4694-9235-B60FDBF79C5E}"/>
                   </a:ext>
                 </a:extLst>
               </p:cNvPr>
@@ -8031,7 +8829,7 @@
             <p:cNvPr id="54" name="Oval 65">
               <a:extLst>
                 <a:ext uri="{FF2B5EF4-FFF2-40B4-BE49-F238E27FC236}">
-                  <a16:creationId xmlns:a16="http://schemas.microsoft.com/office/drawing/2014/main" xmlns="" id="{A4E3F157-3F65-4017-8C06-129726420D7B}"/>
+                  <a16:creationId xmlns="" xmlns:a16="http://schemas.microsoft.com/office/drawing/2014/main" id="{A4E3F157-3F65-4017-8C06-129726420D7B}"/>
                 </a:ext>
               </a:extLst>
             </p:cNvPr>
@@ -8078,7 +8876,7 @@
             <p:cNvPr id="55" name="Rectangle à coins arrondis 81">
               <a:extLst>
                 <a:ext uri="{FF2B5EF4-FFF2-40B4-BE49-F238E27FC236}">
-                  <a16:creationId xmlns:a16="http://schemas.microsoft.com/office/drawing/2014/main" xmlns="" id="{0C2CE06B-94ED-4019-93CD-4F547886C6F0}"/>
+                  <a16:creationId xmlns="" xmlns:a16="http://schemas.microsoft.com/office/drawing/2014/main" id="{0C2CE06B-94ED-4019-93CD-4F547886C6F0}"/>
                 </a:ext>
               </a:extLst>
             </p:cNvPr>
@@ -8134,7 +8932,7 @@
             <p:cNvPr id="56" name="Rectangle 21">
               <a:extLst>
                 <a:ext uri="{FF2B5EF4-FFF2-40B4-BE49-F238E27FC236}">
-                  <a16:creationId xmlns:a16="http://schemas.microsoft.com/office/drawing/2014/main" xmlns="" id="{B2F8E697-DC77-4EBE-B2ED-87405238AC7F}"/>
+                  <a16:creationId xmlns="" xmlns:a16="http://schemas.microsoft.com/office/drawing/2014/main" id="{B2F8E697-DC77-4EBE-B2ED-87405238AC7F}"/>
                 </a:ext>
               </a:extLst>
             </p:cNvPr>
@@ -8229,7 +9027,7 @@
           <p:cNvPr id="60" name="Rectangle 64">
             <a:extLst>
               <a:ext uri="{FF2B5EF4-FFF2-40B4-BE49-F238E27FC236}">
-                <a16:creationId xmlns:a16="http://schemas.microsoft.com/office/drawing/2014/main" xmlns="" id="{02AB47F7-5BBE-4247-A0CF-3B91C0B34E05}"/>
+                <a16:creationId xmlns="" xmlns:a16="http://schemas.microsoft.com/office/drawing/2014/main" id="{02AB47F7-5BBE-4247-A0CF-3B91C0B34E05}"/>
               </a:ext>
             </a:extLst>
           </p:cNvPr>
@@ -8312,7 +9110,7 @@
           <p:cNvPr id="62" name="Line 13">
             <a:extLst>
               <a:ext uri="{FF2B5EF4-FFF2-40B4-BE49-F238E27FC236}">
-                <a16:creationId xmlns:a16="http://schemas.microsoft.com/office/drawing/2014/main" xmlns="" id="{63C71FC3-A0E2-44C2-AAE3-AD063D7F1F4C}"/>
+                <a16:creationId xmlns="" xmlns:a16="http://schemas.microsoft.com/office/drawing/2014/main" id="{63C71FC3-A0E2-44C2-AAE3-AD063D7F1F4C}"/>
               </a:ext>
             </a:extLst>
           </p:cNvPr>
@@ -8357,7 +9155,7 @@
           <p:cNvPr id="63" name="Line 14">
             <a:extLst>
               <a:ext uri="{FF2B5EF4-FFF2-40B4-BE49-F238E27FC236}">
-                <a16:creationId xmlns:a16="http://schemas.microsoft.com/office/drawing/2014/main" xmlns="" id="{5D30F928-76BE-4911-B3F1-C7941A050E8C}"/>
+                <a16:creationId xmlns="" xmlns:a16="http://schemas.microsoft.com/office/drawing/2014/main" id="{5D30F928-76BE-4911-B3F1-C7941A050E8C}"/>
               </a:ext>
             </a:extLst>
           </p:cNvPr>
@@ -8402,7 +9200,7 @@
           <p:cNvPr id="64" name="Line 15">
             <a:extLst>
               <a:ext uri="{FF2B5EF4-FFF2-40B4-BE49-F238E27FC236}">
-                <a16:creationId xmlns:a16="http://schemas.microsoft.com/office/drawing/2014/main" xmlns="" id="{D6A1CDA2-1ED5-44E3-ADDD-8D7F9C506A05}"/>
+                <a16:creationId xmlns="" xmlns:a16="http://schemas.microsoft.com/office/drawing/2014/main" id="{D6A1CDA2-1ED5-44E3-ADDD-8D7F9C506A05}"/>
               </a:ext>
             </a:extLst>
           </p:cNvPr>
@@ -8447,7 +9245,7 @@
           <p:cNvPr id="65" name="Line 16">
             <a:extLst>
               <a:ext uri="{FF2B5EF4-FFF2-40B4-BE49-F238E27FC236}">
-                <a16:creationId xmlns:a16="http://schemas.microsoft.com/office/drawing/2014/main" xmlns="" id="{8CF85B3B-A5FC-4C92-A3D8-27444BC73E8D}"/>
+                <a16:creationId xmlns="" xmlns:a16="http://schemas.microsoft.com/office/drawing/2014/main" id="{8CF85B3B-A5FC-4C92-A3D8-27444BC73E8D}"/>
               </a:ext>
             </a:extLst>
           </p:cNvPr>
@@ -8492,7 +9290,7 @@
           <p:cNvPr id="66" name="Freeform 17">
             <a:extLst>
               <a:ext uri="{FF2B5EF4-FFF2-40B4-BE49-F238E27FC236}">
-                <a16:creationId xmlns:a16="http://schemas.microsoft.com/office/drawing/2014/main" xmlns="" id="{F6EB7282-C4E9-4323-8357-4FCDBA4D6DB7}"/>
+                <a16:creationId xmlns="" xmlns:a16="http://schemas.microsoft.com/office/drawing/2014/main" id="{F6EB7282-C4E9-4323-8357-4FCDBA4D6DB7}"/>
               </a:ext>
             </a:extLst>
           </p:cNvPr>
@@ -8564,7 +9362,7 @@
           <p:cNvPr id="67" name="Rectangle 18">
             <a:extLst>
               <a:ext uri="{FF2B5EF4-FFF2-40B4-BE49-F238E27FC236}">
-                <a16:creationId xmlns:a16="http://schemas.microsoft.com/office/drawing/2014/main" xmlns="" id="{A13CE3B1-5791-4990-B82C-0440970750D4}"/>
+                <a16:creationId xmlns="" xmlns:a16="http://schemas.microsoft.com/office/drawing/2014/main" id="{A13CE3B1-5791-4990-B82C-0440970750D4}"/>
               </a:ext>
             </a:extLst>
           </p:cNvPr>
@@ -8611,7 +9409,7 @@
           <p:cNvPr id="69" name="Line 20">
             <a:extLst>
               <a:ext uri="{FF2B5EF4-FFF2-40B4-BE49-F238E27FC236}">
-                <a16:creationId xmlns:a16="http://schemas.microsoft.com/office/drawing/2014/main" xmlns="" id="{CBA31DAC-8ED7-4E45-AACE-DE376FD91A61}"/>
+                <a16:creationId xmlns="" xmlns:a16="http://schemas.microsoft.com/office/drawing/2014/main" id="{CBA31DAC-8ED7-4E45-AACE-DE376FD91A61}"/>
               </a:ext>
             </a:extLst>
           </p:cNvPr>
@@ -8656,7 +9454,7 @@
           <p:cNvPr id="70" name="Rectangle 21">
             <a:extLst>
               <a:ext uri="{FF2B5EF4-FFF2-40B4-BE49-F238E27FC236}">
-                <a16:creationId xmlns:a16="http://schemas.microsoft.com/office/drawing/2014/main" xmlns="" id="{3D627554-8FFF-40F0-999A-EAAD9586BC0C}"/>
+                <a16:creationId xmlns="" xmlns:a16="http://schemas.microsoft.com/office/drawing/2014/main" id="{3D627554-8FFF-40F0-999A-EAAD9586BC0C}"/>
               </a:ext>
             </a:extLst>
           </p:cNvPr>
@@ -8739,7 +9537,7 @@
           <p:cNvPr id="71" name="Rectangle 22">
             <a:extLst>
               <a:ext uri="{FF2B5EF4-FFF2-40B4-BE49-F238E27FC236}">
-                <a16:creationId xmlns:a16="http://schemas.microsoft.com/office/drawing/2014/main" xmlns="" id="{5C76B6C7-5C05-4926-B482-FF80358AE29F}"/>
+                <a16:creationId xmlns="" xmlns:a16="http://schemas.microsoft.com/office/drawing/2014/main" id="{5C76B6C7-5C05-4926-B482-FF80358AE29F}"/>
               </a:ext>
             </a:extLst>
           </p:cNvPr>
@@ -8786,7 +9584,7 @@
           <p:cNvPr id="72" name="Line 23">
             <a:extLst>
               <a:ext uri="{FF2B5EF4-FFF2-40B4-BE49-F238E27FC236}">
-                <a16:creationId xmlns:a16="http://schemas.microsoft.com/office/drawing/2014/main" xmlns="" id="{E6D2FFAF-F158-4160-BF01-E57944AE8DA4}"/>
+                <a16:creationId xmlns="" xmlns:a16="http://schemas.microsoft.com/office/drawing/2014/main" id="{E6D2FFAF-F158-4160-BF01-E57944AE8DA4}"/>
               </a:ext>
             </a:extLst>
           </p:cNvPr>
@@ -8831,7 +9629,7 @@
           <p:cNvPr id="73" name="Line 24">
             <a:extLst>
               <a:ext uri="{FF2B5EF4-FFF2-40B4-BE49-F238E27FC236}">
-                <a16:creationId xmlns:a16="http://schemas.microsoft.com/office/drawing/2014/main" xmlns="" id="{70E7D3D2-1436-4EDB-A635-BF9EF68CEF3E}"/>
+                <a16:creationId xmlns="" xmlns:a16="http://schemas.microsoft.com/office/drawing/2014/main" id="{70E7D3D2-1436-4EDB-A635-BF9EF68CEF3E}"/>
               </a:ext>
             </a:extLst>
           </p:cNvPr>
@@ -8876,7 +9674,7 @@
           <p:cNvPr id="74" name="Rectangle 25">
             <a:extLst>
               <a:ext uri="{FF2B5EF4-FFF2-40B4-BE49-F238E27FC236}">
-                <a16:creationId xmlns:a16="http://schemas.microsoft.com/office/drawing/2014/main" xmlns="" id="{C4383B26-BE87-41EE-B61F-EDBDEFB34A0F}"/>
+                <a16:creationId xmlns="" xmlns:a16="http://schemas.microsoft.com/office/drawing/2014/main" id="{C4383B26-BE87-41EE-B61F-EDBDEFB34A0F}"/>
               </a:ext>
             </a:extLst>
           </p:cNvPr>
@@ -8959,7 +9757,7 @@
           <p:cNvPr id="75" name="Rectangle 26">
             <a:extLst>
               <a:ext uri="{FF2B5EF4-FFF2-40B4-BE49-F238E27FC236}">
-                <a16:creationId xmlns:a16="http://schemas.microsoft.com/office/drawing/2014/main" xmlns="" id="{41CA94AE-7DAA-49E3-BAD8-575B8CCC4803}"/>
+                <a16:creationId xmlns="" xmlns:a16="http://schemas.microsoft.com/office/drawing/2014/main" id="{41CA94AE-7DAA-49E3-BAD8-575B8CCC4803}"/>
               </a:ext>
             </a:extLst>
           </p:cNvPr>
@@ -9006,7 +9804,7 @@
           <p:cNvPr id="77" name="Line 28">
             <a:extLst>
               <a:ext uri="{FF2B5EF4-FFF2-40B4-BE49-F238E27FC236}">
-                <a16:creationId xmlns:a16="http://schemas.microsoft.com/office/drawing/2014/main" xmlns="" id="{F470F4B7-FCA8-4442-8FB8-787B8D92CD0C}"/>
+                <a16:creationId xmlns="" xmlns:a16="http://schemas.microsoft.com/office/drawing/2014/main" id="{F470F4B7-FCA8-4442-8FB8-787B8D92CD0C}"/>
               </a:ext>
             </a:extLst>
           </p:cNvPr>
@@ -9051,7 +9849,7 @@
           <p:cNvPr id="78" name="Rectangle 29">
             <a:extLst>
               <a:ext uri="{FF2B5EF4-FFF2-40B4-BE49-F238E27FC236}">
-                <a16:creationId xmlns:a16="http://schemas.microsoft.com/office/drawing/2014/main" xmlns="" id="{658BB651-F555-4805-B6D1-C43D41A47203}"/>
+                <a16:creationId xmlns="" xmlns:a16="http://schemas.microsoft.com/office/drawing/2014/main" id="{658BB651-F555-4805-B6D1-C43D41A47203}"/>
               </a:ext>
             </a:extLst>
           </p:cNvPr>
@@ -9134,7 +9932,7 @@
           <p:cNvPr id="80" name="Rectangle 64">
             <a:extLst>
               <a:ext uri="{FF2B5EF4-FFF2-40B4-BE49-F238E27FC236}">
-                <a16:creationId xmlns:a16="http://schemas.microsoft.com/office/drawing/2014/main" xmlns="" id="{CEA774CB-F41E-4694-8A1F-A57044507B00}"/>
+                <a16:creationId xmlns="" xmlns:a16="http://schemas.microsoft.com/office/drawing/2014/main" id="{CEA774CB-F41E-4694-8A1F-A57044507B00}"/>
               </a:ext>
             </a:extLst>
           </p:cNvPr>
@@ -9214,7 +10012,7 @@
           <p:cNvPr id="81" name="Oval 65">
             <a:extLst>
               <a:ext uri="{FF2B5EF4-FFF2-40B4-BE49-F238E27FC236}">
-                <a16:creationId xmlns:a16="http://schemas.microsoft.com/office/drawing/2014/main" xmlns="" id="{647DC32B-D655-434D-A45D-FD842F738D41}"/>
+                <a16:creationId xmlns="" xmlns:a16="http://schemas.microsoft.com/office/drawing/2014/main" id="{647DC32B-D655-434D-A45D-FD842F738D41}"/>
               </a:ext>
             </a:extLst>
           </p:cNvPr>
@@ -9261,7 +10059,7 @@
           <p:cNvPr id="82" name="Oval 66">
             <a:extLst>
               <a:ext uri="{FF2B5EF4-FFF2-40B4-BE49-F238E27FC236}">
-                <a16:creationId xmlns:a16="http://schemas.microsoft.com/office/drawing/2014/main" xmlns="" id="{D59097DA-1869-466B-AD56-B3D6D297F774}"/>
+                <a16:creationId xmlns="" xmlns:a16="http://schemas.microsoft.com/office/drawing/2014/main" id="{D59097DA-1869-466B-AD56-B3D6D297F774}"/>
               </a:ext>
             </a:extLst>
           </p:cNvPr>
@@ -9308,7 +10106,7 @@
           <p:cNvPr id="83" name="Line 13">
             <a:extLst>
               <a:ext uri="{FF2B5EF4-FFF2-40B4-BE49-F238E27FC236}">
-                <a16:creationId xmlns:a16="http://schemas.microsoft.com/office/drawing/2014/main" xmlns="" id="{CB8FD647-6842-40EA-A4BC-8B3F4F2B72BF}"/>
+                <a16:creationId xmlns="" xmlns:a16="http://schemas.microsoft.com/office/drawing/2014/main" id="{CB8FD647-6842-40EA-A4BC-8B3F4F2B72BF}"/>
               </a:ext>
             </a:extLst>
           </p:cNvPr>
@@ -9353,7 +10151,7 @@
           <p:cNvPr id="86" name="Line 13">
             <a:extLst>
               <a:ext uri="{FF2B5EF4-FFF2-40B4-BE49-F238E27FC236}">
-                <a16:creationId xmlns:a16="http://schemas.microsoft.com/office/drawing/2014/main" xmlns="" id="{612F001D-2FCF-4182-80C0-A21EF15FCBB8}"/>
+                <a16:creationId xmlns="" xmlns:a16="http://schemas.microsoft.com/office/drawing/2014/main" id="{612F001D-2FCF-4182-80C0-A21EF15FCBB8}"/>
               </a:ext>
             </a:extLst>
           </p:cNvPr>
@@ -9398,7 +10196,7 @@
           <p:cNvPr id="91" name="Oval 65">
             <a:extLst>
               <a:ext uri="{FF2B5EF4-FFF2-40B4-BE49-F238E27FC236}">
-                <a16:creationId xmlns:a16="http://schemas.microsoft.com/office/drawing/2014/main" xmlns="" id="{11B9C6B5-BC1A-495F-9E8D-F87257B762F4}"/>
+                <a16:creationId xmlns="" xmlns:a16="http://schemas.microsoft.com/office/drawing/2014/main" id="{11B9C6B5-BC1A-495F-9E8D-F87257B762F4}"/>
               </a:ext>
             </a:extLst>
           </p:cNvPr>
@@ -9445,7 +10243,7 @@
           <p:cNvPr id="92" name="Rectangle à coins arrondis 103">
             <a:extLst>
               <a:ext uri="{FF2B5EF4-FFF2-40B4-BE49-F238E27FC236}">
-                <a16:creationId xmlns:a16="http://schemas.microsoft.com/office/drawing/2014/main" xmlns="" id="{32DA6AAE-C1B9-4B59-B472-C0D17550A080}"/>
+                <a16:creationId xmlns="" xmlns:a16="http://schemas.microsoft.com/office/drawing/2014/main" id="{32DA6AAE-C1B9-4B59-B472-C0D17550A080}"/>
               </a:ext>
             </a:extLst>
           </p:cNvPr>
@@ -9501,7 +10299,7 @@
           <p:cNvPr id="99" name="Line 13">
             <a:extLst>
               <a:ext uri="{FF2B5EF4-FFF2-40B4-BE49-F238E27FC236}">
-                <a16:creationId xmlns:a16="http://schemas.microsoft.com/office/drawing/2014/main" xmlns="" id="{6F527DC3-475F-454F-A684-0BC497588067}"/>
+                <a16:creationId xmlns="" xmlns:a16="http://schemas.microsoft.com/office/drawing/2014/main" id="{6F527DC3-475F-454F-A684-0BC497588067}"/>
               </a:ext>
             </a:extLst>
           </p:cNvPr>
@@ -9546,7 +10344,7 @@
           <p:cNvPr id="103" name="Groupe 102">
             <a:extLst>
               <a:ext uri="{FF2B5EF4-FFF2-40B4-BE49-F238E27FC236}">
-                <a16:creationId xmlns:a16="http://schemas.microsoft.com/office/drawing/2014/main" xmlns="" id="{515DB70C-E504-4786-BEF4-CBD35C82A598}"/>
+                <a16:creationId xmlns="" xmlns:a16="http://schemas.microsoft.com/office/drawing/2014/main" id="{515DB70C-E504-4786-BEF4-CBD35C82A598}"/>
               </a:ext>
             </a:extLst>
           </p:cNvPr>
@@ -9566,7 +10364,7 @@
             <p:cNvPr id="100" name="Line 13">
               <a:extLst>
                 <a:ext uri="{FF2B5EF4-FFF2-40B4-BE49-F238E27FC236}">
-                  <a16:creationId xmlns:a16="http://schemas.microsoft.com/office/drawing/2014/main" xmlns="" id="{B09B7679-D7B8-4F8E-9852-8190BBF69A2B}"/>
+                  <a16:creationId xmlns="" xmlns:a16="http://schemas.microsoft.com/office/drawing/2014/main" id="{B09B7679-D7B8-4F8E-9852-8190BBF69A2B}"/>
                 </a:ext>
               </a:extLst>
             </p:cNvPr>
@@ -9611,7 +10409,7 @@
             <p:cNvPr id="101" name="Line 13">
               <a:extLst>
                 <a:ext uri="{FF2B5EF4-FFF2-40B4-BE49-F238E27FC236}">
-                  <a16:creationId xmlns:a16="http://schemas.microsoft.com/office/drawing/2014/main" xmlns="" id="{783BFE1C-9BFB-4823-A2F2-67E864C080D3}"/>
+                  <a16:creationId xmlns="" xmlns:a16="http://schemas.microsoft.com/office/drawing/2014/main" id="{783BFE1C-9BFB-4823-A2F2-67E864C080D3}"/>
                 </a:ext>
               </a:extLst>
             </p:cNvPr>
@@ -9656,7 +10454,7 @@
             <p:cNvPr id="102" name="Line 13">
               <a:extLst>
                 <a:ext uri="{FF2B5EF4-FFF2-40B4-BE49-F238E27FC236}">
-                  <a16:creationId xmlns:a16="http://schemas.microsoft.com/office/drawing/2014/main" xmlns="" id="{FF297A89-2496-49F8-B91F-430181FBB8CF}"/>
+                  <a16:creationId xmlns="" xmlns:a16="http://schemas.microsoft.com/office/drawing/2014/main" id="{FF297A89-2496-49F8-B91F-430181FBB8CF}"/>
                 </a:ext>
               </a:extLst>
             </p:cNvPr>
@@ -9702,7 +10500,7 @@
           <p:cNvPr id="104" name="Line 13">
             <a:extLst>
               <a:ext uri="{FF2B5EF4-FFF2-40B4-BE49-F238E27FC236}">
-                <a16:creationId xmlns:a16="http://schemas.microsoft.com/office/drawing/2014/main" xmlns="" id="{BD22AB5A-DC8D-41A5-92ED-6F4A2DDA074A}"/>
+                <a16:creationId xmlns="" xmlns:a16="http://schemas.microsoft.com/office/drawing/2014/main" id="{BD22AB5A-DC8D-41A5-92ED-6F4A2DDA074A}"/>
               </a:ext>
             </a:extLst>
           </p:cNvPr>
@@ -9745,7 +10543,7 @@
     </p:spTree>
     <p:extLst>
       <p:ext uri="{BB962C8B-B14F-4D97-AF65-F5344CB8AC3E}">
-        <p14:creationId xmlns:p14="http://schemas.microsoft.com/office/powerpoint/2010/main" xmlns="" val="2270118311"/>
+        <p14:creationId xmlns="" xmlns:p14="http://schemas.microsoft.com/office/powerpoint/2010/main" val="2270118311"/>
       </p:ext>
     </p:extLst>
   </p:cSld>
@@ -9777,7 +10575,7 @@
           <p:cNvPr id="3" name="Espace réservé de la date 2">
             <a:extLst>
               <a:ext uri="{FF2B5EF4-FFF2-40B4-BE49-F238E27FC236}">
-                <a16:creationId xmlns:a16="http://schemas.microsoft.com/office/drawing/2014/main" xmlns="" id="{2C19661C-E370-4BA2-9074-7F4657B99FBA}"/>
+                <a16:creationId xmlns="" xmlns:a16="http://schemas.microsoft.com/office/drawing/2014/main" id="{2C19661C-E370-4BA2-9074-7F4657B99FBA}"/>
               </a:ext>
             </a:extLst>
           </p:cNvPr>
@@ -9796,7 +10594,7 @@
             <a:fld id="{80ADAFC8-E58E-40F9-B663-9F56451821D1}" type="datetime8">
               <a:rPr lang="fr-FR" smtClean="0"/>
               <a:pPr/>
-              <a:t>29/11/2024 09:14</a:t>
+              <a:t>10/12/2024 17:51</a:t>
             </a:fld>
             <a:endParaRPr lang="fr-FR"/>
           </a:p>
@@ -9807,7 +10605,7 @@
           <p:cNvPr id="4" name="Espace réservé du pied de page 3">
             <a:extLst>
               <a:ext uri="{FF2B5EF4-FFF2-40B4-BE49-F238E27FC236}">
-                <a16:creationId xmlns:a16="http://schemas.microsoft.com/office/drawing/2014/main" xmlns="" id="{E37A5394-8D47-4187-BC63-B66E8FE9C0CE}"/>
+                <a16:creationId xmlns="" xmlns:a16="http://schemas.microsoft.com/office/drawing/2014/main" id="{E37A5394-8D47-4187-BC63-B66E8FE9C0CE}"/>
               </a:ext>
             </a:extLst>
           </p:cNvPr>
@@ -9836,7 +10634,7 @@
           <p:cNvPr id="5" name="Espace réservé du numéro de diapositive 4">
             <a:extLst>
               <a:ext uri="{FF2B5EF4-FFF2-40B4-BE49-F238E27FC236}">
-                <a16:creationId xmlns:a16="http://schemas.microsoft.com/office/drawing/2014/main" xmlns="" id="{A227A4BB-E398-4D29-BF7A-DF938798CB79}"/>
+                <a16:creationId xmlns="" xmlns:a16="http://schemas.microsoft.com/office/drawing/2014/main" id="{A227A4BB-E398-4D29-BF7A-DF938798CB79}"/>
               </a:ext>
             </a:extLst>
           </p:cNvPr>
@@ -9866,7 +10664,7 @@
           <p:cNvPr id="6" name="Group 18">
             <a:extLst>
               <a:ext uri="{FF2B5EF4-FFF2-40B4-BE49-F238E27FC236}">
-                <a16:creationId xmlns:a16="http://schemas.microsoft.com/office/drawing/2014/main" xmlns="" id="{AADD6174-C550-4B59-BC10-9800610AED39}"/>
+                <a16:creationId xmlns="" xmlns:a16="http://schemas.microsoft.com/office/drawing/2014/main" id="{AADD6174-C550-4B59-BC10-9800610AED39}"/>
               </a:ext>
             </a:extLst>
           </p:cNvPr>
@@ -9888,7 +10686,7 @@
             <p:cNvPr id="7" name="Line 14">
               <a:extLst>
                 <a:ext uri="{FF2B5EF4-FFF2-40B4-BE49-F238E27FC236}">
-                  <a16:creationId xmlns:a16="http://schemas.microsoft.com/office/drawing/2014/main" xmlns="" id="{514F93B6-9448-4928-BD40-C618AFF8929D}"/>
+                  <a16:creationId xmlns="" xmlns:a16="http://schemas.microsoft.com/office/drawing/2014/main" id="{514F93B6-9448-4928-BD40-C618AFF8929D}"/>
                 </a:ext>
               </a:extLst>
             </p:cNvPr>
@@ -9931,7 +10729,7 @@
             <p:cNvPr id="8" name="Freeform 15">
               <a:extLst>
                 <a:ext uri="{FF2B5EF4-FFF2-40B4-BE49-F238E27FC236}">
-                  <a16:creationId xmlns:a16="http://schemas.microsoft.com/office/drawing/2014/main" xmlns="" id="{1A329421-F354-4FB6-9B52-B4C886F0B48E}"/>
+                  <a16:creationId xmlns="" xmlns:a16="http://schemas.microsoft.com/office/drawing/2014/main" id="{1A329421-F354-4FB6-9B52-B4C886F0B48E}"/>
                 </a:ext>
               </a:extLst>
             </p:cNvPr>
@@ -10020,7 +10818,7 @@
             <p:cNvPr id="9" name="Line 16">
               <a:extLst>
                 <a:ext uri="{FF2B5EF4-FFF2-40B4-BE49-F238E27FC236}">
-                  <a16:creationId xmlns:a16="http://schemas.microsoft.com/office/drawing/2014/main" xmlns="" id="{984C8F04-19F3-48D6-836A-FB8980B428B4}"/>
+                  <a16:creationId xmlns="" xmlns:a16="http://schemas.microsoft.com/office/drawing/2014/main" id="{984C8F04-19F3-48D6-836A-FB8980B428B4}"/>
                 </a:ext>
               </a:extLst>
             </p:cNvPr>
@@ -10063,7 +10861,7 @@
             <p:cNvPr id="10" name="Freeform 17">
               <a:extLst>
                 <a:ext uri="{FF2B5EF4-FFF2-40B4-BE49-F238E27FC236}">
-                  <a16:creationId xmlns:a16="http://schemas.microsoft.com/office/drawing/2014/main" xmlns="" id="{49B3B906-F49D-45E2-B2D2-893D24606E4F}"/>
+                  <a16:creationId xmlns="" xmlns:a16="http://schemas.microsoft.com/office/drawing/2014/main" id="{49B3B906-F49D-45E2-B2D2-893D24606E4F}"/>
                 </a:ext>
               </a:extLst>
             </p:cNvPr>
@@ -10144,7 +10942,7 @@
           <p:cNvPr id="11" name="Freeform 19">
             <a:extLst>
               <a:ext uri="{FF2B5EF4-FFF2-40B4-BE49-F238E27FC236}">
-                <a16:creationId xmlns:a16="http://schemas.microsoft.com/office/drawing/2014/main" xmlns="" id="{066803B4-D355-4893-A363-7B7E5D829B0A}"/>
+                <a16:creationId xmlns="" xmlns:a16="http://schemas.microsoft.com/office/drawing/2014/main" id="{066803B4-D355-4893-A363-7B7E5D829B0A}"/>
               </a:ext>
             </a:extLst>
           </p:cNvPr>
@@ -10221,7 +11019,7 @@
           <p:cNvPr id="12" name="Group 22">
             <a:extLst>
               <a:ext uri="{FF2B5EF4-FFF2-40B4-BE49-F238E27FC236}">
-                <a16:creationId xmlns:a16="http://schemas.microsoft.com/office/drawing/2014/main" xmlns="" id="{7D82332C-D12D-4AA1-9EA5-3906CF3D3D76}"/>
+                <a16:creationId xmlns="" xmlns:a16="http://schemas.microsoft.com/office/drawing/2014/main" id="{7D82332C-D12D-4AA1-9EA5-3906CF3D3D76}"/>
               </a:ext>
             </a:extLst>
           </p:cNvPr>
@@ -10243,7 +11041,7 @@
             <p:cNvPr id="13" name="Line 20">
               <a:extLst>
                 <a:ext uri="{FF2B5EF4-FFF2-40B4-BE49-F238E27FC236}">
-                  <a16:creationId xmlns:a16="http://schemas.microsoft.com/office/drawing/2014/main" xmlns="" id="{0C8702E7-F985-4066-9F73-9124D1027182}"/>
+                  <a16:creationId xmlns="" xmlns:a16="http://schemas.microsoft.com/office/drawing/2014/main" id="{0C8702E7-F985-4066-9F73-9124D1027182}"/>
                 </a:ext>
               </a:extLst>
             </p:cNvPr>
@@ -10286,7 +11084,7 @@
             <p:cNvPr id="14" name="Line 21">
               <a:extLst>
                 <a:ext uri="{FF2B5EF4-FFF2-40B4-BE49-F238E27FC236}">
-                  <a16:creationId xmlns:a16="http://schemas.microsoft.com/office/drawing/2014/main" xmlns="" id="{28955AC2-9C40-40F9-934B-E75130F41090}"/>
+                  <a16:creationId xmlns="" xmlns:a16="http://schemas.microsoft.com/office/drawing/2014/main" id="{28955AC2-9C40-40F9-934B-E75130F41090}"/>
                 </a:ext>
               </a:extLst>
             </p:cNvPr>
@@ -10330,7 +11128,7 @@
           <p:cNvPr id="15" name="Rectangle 23">
             <a:extLst>
               <a:ext uri="{FF2B5EF4-FFF2-40B4-BE49-F238E27FC236}">
-                <a16:creationId xmlns:a16="http://schemas.microsoft.com/office/drawing/2014/main" xmlns="" id="{ADD7FFED-1AEC-4A65-BA91-3D3CFCB4AB1B}"/>
+                <a16:creationId xmlns="" xmlns:a16="http://schemas.microsoft.com/office/drawing/2014/main" id="{ADD7FFED-1AEC-4A65-BA91-3D3CFCB4AB1B}"/>
               </a:ext>
             </a:extLst>
           </p:cNvPr>
@@ -10389,7 +11187,7 @@
           <p:cNvPr id="16" name="Rectangle 24">
             <a:extLst>
               <a:ext uri="{FF2B5EF4-FFF2-40B4-BE49-F238E27FC236}">
-                <a16:creationId xmlns:a16="http://schemas.microsoft.com/office/drawing/2014/main" xmlns="" id="{B373D56E-37BF-4A78-82C8-EF3D70A31D0B}"/>
+                <a16:creationId xmlns="" xmlns:a16="http://schemas.microsoft.com/office/drawing/2014/main" id="{B373D56E-37BF-4A78-82C8-EF3D70A31D0B}"/>
               </a:ext>
             </a:extLst>
           </p:cNvPr>
@@ -10448,7 +11246,7 @@
           <p:cNvPr id="17" name="Rectangle 25">
             <a:extLst>
               <a:ext uri="{FF2B5EF4-FFF2-40B4-BE49-F238E27FC236}">
-                <a16:creationId xmlns:a16="http://schemas.microsoft.com/office/drawing/2014/main" xmlns="" id="{9505B10C-FBE4-40AD-BFF5-DD54BCAFAB4A}"/>
+                <a16:creationId xmlns="" xmlns:a16="http://schemas.microsoft.com/office/drawing/2014/main" id="{9505B10C-FBE4-40AD-BFF5-DD54BCAFAB4A}"/>
               </a:ext>
             </a:extLst>
           </p:cNvPr>
@@ -10517,7 +11315,7 @@
           <p:cNvPr id="18" name="Line 26">
             <a:extLst>
               <a:ext uri="{FF2B5EF4-FFF2-40B4-BE49-F238E27FC236}">
-                <a16:creationId xmlns:a16="http://schemas.microsoft.com/office/drawing/2014/main" xmlns="" id="{C0EA198E-FCE8-42F6-A6CE-A7201082FF23}"/>
+                <a16:creationId xmlns="" xmlns:a16="http://schemas.microsoft.com/office/drawing/2014/main" id="{C0EA198E-FCE8-42F6-A6CE-A7201082FF23}"/>
               </a:ext>
             </a:extLst>
           </p:cNvPr>
@@ -10560,7 +11358,7 @@
           <p:cNvPr id="19" name="Line 27">
             <a:extLst>
               <a:ext uri="{FF2B5EF4-FFF2-40B4-BE49-F238E27FC236}">
-                <a16:creationId xmlns:a16="http://schemas.microsoft.com/office/drawing/2014/main" xmlns="" id="{9DFC6206-9823-458E-9050-60F9A47AB4A4}"/>
+                <a16:creationId xmlns="" xmlns:a16="http://schemas.microsoft.com/office/drawing/2014/main" id="{9DFC6206-9823-458E-9050-60F9A47AB4A4}"/>
               </a:ext>
             </a:extLst>
           </p:cNvPr>
@@ -10603,7 +11401,7 @@
           <p:cNvPr id="20" name="Rectangle 28">
             <a:extLst>
               <a:ext uri="{FF2B5EF4-FFF2-40B4-BE49-F238E27FC236}">
-                <a16:creationId xmlns:a16="http://schemas.microsoft.com/office/drawing/2014/main" xmlns="" id="{A900B799-F762-4077-B331-D74729192C68}"/>
+                <a16:creationId xmlns="" xmlns:a16="http://schemas.microsoft.com/office/drawing/2014/main" id="{A900B799-F762-4077-B331-D74729192C68}"/>
               </a:ext>
             </a:extLst>
           </p:cNvPr>
@@ -10648,7 +11446,7 @@
           <p:cNvPr id="21" name="Freeform 29">
             <a:extLst>
               <a:ext uri="{FF2B5EF4-FFF2-40B4-BE49-F238E27FC236}">
-                <a16:creationId xmlns:a16="http://schemas.microsoft.com/office/drawing/2014/main" xmlns="" id="{BAFD8361-2234-4CCF-AF2D-5FE870BC33EE}"/>
+                <a16:creationId xmlns="" xmlns:a16="http://schemas.microsoft.com/office/drawing/2014/main" id="{BAFD8361-2234-4CCF-AF2D-5FE870BC33EE}"/>
               </a:ext>
             </a:extLst>
           </p:cNvPr>
@@ -10728,7 +11526,7 @@
           <p:cNvPr id="22" name="Rectangle 30">
             <a:extLst>
               <a:ext uri="{FF2B5EF4-FFF2-40B4-BE49-F238E27FC236}">
-                <a16:creationId xmlns:a16="http://schemas.microsoft.com/office/drawing/2014/main" xmlns="" id="{A70F081A-1C99-4D65-BF4E-A109E06DCED5}"/>
+                <a16:creationId xmlns="" xmlns:a16="http://schemas.microsoft.com/office/drawing/2014/main" id="{A70F081A-1C99-4D65-BF4E-A109E06DCED5}"/>
               </a:ext>
             </a:extLst>
           </p:cNvPr>
@@ -10787,7 +11585,7 @@
           <p:cNvPr id="23" name="Freeform 31">
             <a:extLst>
               <a:ext uri="{FF2B5EF4-FFF2-40B4-BE49-F238E27FC236}">
-                <a16:creationId xmlns:a16="http://schemas.microsoft.com/office/drawing/2014/main" xmlns="" id="{B5E5439E-A60E-4C11-ABD8-2531ED159933}"/>
+                <a16:creationId xmlns="" xmlns:a16="http://schemas.microsoft.com/office/drawing/2014/main" id="{B5E5439E-A60E-4C11-ABD8-2531ED159933}"/>
               </a:ext>
             </a:extLst>
           </p:cNvPr>
@@ -10867,7 +11665,7 @@
           <p:cNvPr id="24" name="Rectangle 32">
             <a:extLst>
               <a:ext uri="{FF2B5EF4-FFF2-40B4-BE49-F238E27FC236}">
-                <a16:creationId xmlns:a16="http://schemas.microsoft.com/office/drawing/2014/main" xmlns="" id="{5AACEFBC-AE4C-4011-9AB7-DC64BA688284}"/>
+                <a16:creationId xmlns="" xmlns:a16="http://schemas.microsoft.com/office/drawing/2014/main" id="{5AACEFBC-AE4C-4011-9AB7-DC64BA688284}"/>
               </a:ext>
             </a:extLst>
           </p:cNvPr>
@@ -10936,7 +11734,7 @@
           <p:cNvPr id="25" name="Oval 33">
             <a:extLst>
               <a:ext uri="{FF2B5EF4-FFF2-40B4-BE49-F238E27FC236}">
-                <a16:creationId xmlns:a16="http://schemas.microsoft.com/office/drawing/2014/main" xmlns="" id="{E05BABC3-FF0B-488B-A661-846B14D8CB5D}"/>
+                <a16:creationId xmlns="" xmlns:a16="http://schemas.microsoft.com/office/drawing/2014/main" id="{E05BABC3-FF0B-488B-A661-846B14D8CB5D}"/>
               </a:ext>
             </a:extLst>
           </p:cNvPr>
@@ -10981,7 +11779,7 @@
           <p:cNvPr id="26" name="Oval 34">
             <a:extLst>
               <a:ext uri="{FF2B5EF4-FFF2-40B4-BE49-F238E27FC236}">
-                <a16:creationId xmlns:a16="http://schemas.microsoft.com/office/drawing/2014/main" xmlns="" id="{23C308AE-DB6B-422B-8752-2B00A967F801}"/>
+                <a16:creationId xmlns="" xmlns:a16="http://schemas.microsoft.com/office/drawing/2014/main" id="{23C308AE-DB6B-422B-8752-2B00A967F801}"/>
               </a:ext>
             </a:extLst>
           </p:cNvPr>
@@ -11026,7 +11824,7 @@
           <p:cNvPr id="27" name="Oval 35">
             <a:extLst>
               <a:ext uri="{FF2B5EF4-FFF2-40B4-BE49-F238E27FC236}">
-                <a16:creationId xmlns:a16="http://schemas.microsoft.com/office/drawing/2014/main" xmlns="" id="{544E18C8-EF62-4891-8A50-830A36A3C1A8}"/>
+                <a16:creationId xmlns="" xmlns:a16="http://schemas.microsoft.com/office/drawing/2014/main" id="{544E18C8-EF62-4891-8A50-830A36A3C1A8}"/>
               </a:ext>
             </a:extLst>
           </p:cNvPr>
@@ -11071,7 +11869,7 @@
           <p:cNvPr id="31" name="Group 42">
             <a:extLst>
               <a:ext uri="{FF2B5EF4-FFF2-40B4-BE49-F238E27FC236}">
-                <a16:creationId xmlns:a16="http://schemas.microsoft.com/office/drawing/2014/main" xmlns="" id="{77DF949E-DBCA-4A07-A0E9-9C9DFD65690D}"/>
+                <a16:creationId xmlns="" xmlns:a16="http://schemas.microsoft.com/office/drawing/2014/main" id="{77DF949E-DBCA-4A07-A0E9-9C9DFD65690D}"/>
               </a:ext>
             </a:extLst>
           </p:cNvPr>
@@ -11093,7 +11891,7 @@
             <p:cNvPr id="32" name="Line 39">
               <a:extLst>
                 <a:ext uri="{FF2B5EF4-FFF2-40B4-BE49-F238E27FC236}">
-                  <a16:creationId xmlns:a16="http://schemas.microsoft.com/office/drawing/2014/main" xmlns="" id="{82653F81-B3DF-44BB-B98C-26797BCBD132}"/>
+                  <a16:creationId xmlns="" xmlns:a16="http://schemas.microsoft.com/office/drawing/2014/main" id="{82653F81-B3DF-44BB-B98C-26797BCBD132}"/>
                 </a:ext>
               </a:extLst>
             </p:cNvPr>
@@ -11136,7 +11934,7 @@
             <p:cNvPr id="33" name="Line 40">
               <a:extLst>
                 <a:ext uri="{FF2B5EF4-FFF2-40B4-BE49-F238E27FC236}">
-                  <a16:creationId xmlns:a16="http://schemas.microsoft.com/office/drawing/2014/main" xmlns="" id="{4329BD57-B95C-4C78-BE49-00ECF4572229}"/>
+                  <a16:creationId xmlns="" xmlns:a16="http://schemas.microsoft.com/office/drawing/2014/main" id="{4329BD57-B95C-4C78-BE49-00ECF4572229}"/>
                 </a:ext>
               </a:extLst>
             </p:cNvPr>
@@ -11179,7 +11977,7 @@
             <p:cNvPr id="34" name="Line 41">
               <a:extLst>
                 <a:ext uri="{FF2B5EF4-FFF2-40B4-BE49-F238E27FC236}">
-                  <a16:creationId xmlns:a16="http://schemas.microsoft.com/office/drawing/2014/main" xmlns="" id="{A5D96D6D-913C-44BF-A6F1-80B0F7F4B53F}"/>
+                  <a16:creationId xmlns="" xmlns:a16="http://schemas.microsoft.com/office/drawing/2014/main" id="{A5D96D6D-913C-44BF-A6F1-80B0F7F4B53F}"/>
                 </a:ext>
               </a:extLst>
             </p:cNvPr>
@@ -11223,7 +12021,7 @@
           <p:cNvPr id="35" name="Line 43">
             <a:extLst>
               <a:ext uri="{FF2B5EF4-FFF2-40B4-BE49-F238E27FC236}">
-                <a16:creationId xmlns:a16="http://schemas.microsoft.com/office/drawing/2014/main" xmlns="" id="{C0B36644-8DC6-4168-9E91-7150A3E8D0C9}"/>
+                <a16:creationId xmlns="" xmlns:a16="http://schemas.microsoft.com/office/drawing/2014/main" id="{C0B36644-8DC6-4168-9E91-7150A3E8D0C9}"/>
               </a:ext>
             </a:extLst>
           </p:cNvPr>
@@ -11266,7 +12064,7 @@
           <p:cNvPr id="36" name="Oval 44">
             <a:extLst>
               <a:ext uri="{FF2B5EF4-FFF2-40B4-BE49-F238E27FC236}">
-                <a16:creationId xmlns:a16="http://schemas.microsoft.com/office/drawing/2014/main" xmlns="" id="{4A233CBB-E97A-4887-B98C-498434263871}"/>
+                <a16:creationId xmlns="" xmlns:a16="http://schemas.microsoft.com/office/drawing/2014/main" id="{4A233CBB-E97A-4887-B98C-498434263871}"/>
               </a:ext>
             </a:extLst>
           </p:cNvPr>
@@ -11311,7 +12109,7 @@
           <p:cNvPr id="37" name="Rectangle 45">
             <a:extLst>
               <a:ext uri="{FF2B5EF4-FFF2-40B4-BE49-F238E27FC236}">
-                <a16:creationId xmlns:a16="http://schemas.microsoft.com/office/drawing/2014/main" xmlns="" id="{306F57C3-5C76-481F-9095-EF5BA0915A57}"/>
+                <a16:creationId xmlns="" xmlns:a16="http://schemas.microsoft.com/office/drawing/2014/main" id="{306F57C3-5C76-481F-9095-EF5BA0915A57}"/>
               </a:ext>
             </a:extLst>
           </p:cNvPr>
@@ -11356,7 +12154,7 @@
           <p:cNvPr id="38" name="Line 46">
             <a:extLst>
               <a:ext uri="{FF2B5EF4-FFF2-40B4-BE49-F238E27FC236}">
-                <a16:creationId xmlns:a16="http://schemas.microsoft.com/office/drawing/2014/main" xmlns="" id="{2822DB52-3C60-4B65-B4C1-54E04695400D}"/>
+                <a16:creationId xmlns="" xmlns:a16="http://schemas.microsoft.com/office/drawing/2014/main" id="{2822DB52-3C60-4B65-B4C1-54E04695400D}"/>
               </a:ext>
             </a:extLst>
           </p:cNvPr>
@@ -11399,7 +12197,7 @@
           <p:cNvPr id="39" name="Freeform 47">
             <a:extLst>
               <a:ext uri="{FF2B5EF4-FFF2-40B4-BE49-F238E27FC236}">
-                <a16:creationId xmlns:a16="http://schemas.microsoft.com/office/drawing/2014/main" xmlns="" id="{744515C5-D7BA-4960-89C9-A3AEA5AD1FB5}"/>
+                <a16:creationId xmlns="" xmlns:a16="http://schemas.microsoft.com/office/drawing/2014/main" id="{744515C5-D7BA-4960-89C9-A3AEA5AD1FB5}"/>
               </a:ext>
             </a:extLst>
           </p:cNvPr>
@@ -11470,7 +12268,7 @@
           <p:cNvPr id="40" name="Freeform 48">
             <a:extLst>
               <a:ext uri="{FF2B5EF4-FFF2-40B4-BE49-F238E27FC236}">
-                <a16:creationId xmlns:a16="http://schemas.microsoft.com/office/drawing/2014/main" xmlns="" id="{917EE97A-3D99-4B82-8923-F8A38D2858E3}"/>
+                <a16:creationId xmlns="" xmlns:a16="http://schemas.microsoft.com/office/drawing/2014/main" id="{917EE97A-3D99-4B82-8923-F8A38D2858E3}"/>
               </a:ext>
             </a:extLst>
           </p:cNvPr>
@@ -11541,7 +12339,7 @@
           <p:cNvPr id="41" name="Rectangle 49">
             <a:extLst>
               <a:ext uri="{FF2B5EF4-FFF2-40B4-BE49-F238E27FC236}">
-                <a16:creationId xmlns:a16="http://schemas.microsoft.com/office/drawing/2014/main" xmlns="" id="{475FF672-07E2-4AD7-BC51-4A95A6BEF71D}"/>
+                <a16:creationId xmlns="" xmlns:a16="http://schemas.microsoft.com/office/drawing/2014/main" id="{475FF672-07E2-4AD7-BC51-4A95A6BEF71D}"/>
               </a:ext>
             </a:extLst>
           </p:cNvPr>
@@ -11586,7 +12384,7 @@
           <p:cNvPr id="42" name="Line 50">
             <a:extLst>
               <a:ext uri="{FF2B5EF4-FFF2-40B4-BE49-F238E27FC236}">
-                <a16:creationId xmlns:a16="http://schemas.microsoft.com/office/drawing/2014/main" xmlns="" id="{546C23C8-6434-441C-BEEC-DC13BE425261}"/>
+                <a16:creationId xmlns="" xmlns:a16="http://schemas.microsoft.com/office/drawing/2014/main" id="{546C23C8-6434-441C-BEEC-DC13BE425261}"/>
               </a:ext>
             </a:extLst>
           </p:cNvPr>
@@ -11629,7 +12427,7 @@
           <p:cNvPr id="43" name="Rectangle 51">
             <a:extLst>
               <a:ext uri="{FF2B5EF4-FFF2-40B4-BE49-F238E27FC236}">
-                <a16:creationId xmlns:a16="http://schemas.microsoft.com/office/drawing/2014/main" xmlns="" id="{71154796-4628-4A33-8543-D1D738E8F043}"/>
+                <a16:creationId xmlns="" xmlns:a16="http://schemas.microsoft.com/office/drawing/2014/main" id="{71154796-4628-4A33-8543-D1D738E8F043}"/>
               </a:ext>
             </a:extLst>
           </p:cNvPr>
@@ -11698,7 +12496,7 @@
           <p:cNvPr id="44" name="Rectangle 45">
             <a:extLst>
               <a:ext uri="{FF2B5EF4-FFF2-40B4-BE49-F238E27FC236}">
-                <a16:creationId xmlns:a16="http://schemas.microsoft.com/office/drawing/2014/main" xmlns="" id="{B36717D3-E76B-477A-A147-652F190466ED}"/>
+                <a16:creationId xmlns="" xmlns:a16="http://schemas.microsoft.com/office/drawing/2014/main" id="{B36717D3-E76B-477A-A147-652F190466ED}"/>
               </a:ext>
             </a:extLst>
           </p:cNvPr>
@@ -11743,7 +12541,7 @@
           <p:cNvPr id="45" name="Freeform 47">
             <a:extLst>
               <a:ext uri="{FF2B5EF4-FFF2-40B4-BE49-F238E27FC236}">
-                <a16:creationId xmlns:a16="http://schemas.microsoft.com/office/drawing/2014/main" xmlns="" id="{D5C8333C-25FE-4CC3-BCBB-D6FF70DB4CF8}"/>
+                <a16:creationId xmlns="" xmlns:a16="http://schemas.microsoft.com/office/drawing/2014/main" id="{D5C8333C-25FE-4CC3-BCBB-D6FF70DB4CF8}"/>
               </a:ext>
             </a:extLst>
           </p:cNvPr>
@@ -11814,7 +12612,7 @@
           <p:cNvPr id="46" name="Rectangle 25">
             <a:extLst>
               <a:ext uri="{FF2B5EF4-FFF2-40B4-BE49-F238E27FC236}">
-                <a16:creationId xmlns:a16="http://schemas.microsoft.com/office/drawing/2014/main" xmlns="" id="{CBB70B37-BF94-41C2-8498-0BB4F6CCD634}"/>
+                <a16:creationId xmlns="" xmlns:a16="http://schemas.microsoft.com/office/drawing/2014/main" id="{CBB70B37-BF94-41C2-8498-0BB4F6CCD634}"/>
               </a:ext>
             </a:extLst>
           </p:cNvPr>
@@ -11892,7 +12690,7 @@
           <p:cNvPr id="47" name="Groupe 46">
             <a:extLst>
               <a:ext uri="{FF2B5EF4-FFF2-40B4-BE49-F238E27FC236}">
-                <a16:creationId xmlns:a16="http://schemas.microsoft.com/office/drawing/2014/main" xmlns="" id="{E14DA9C7-47CF-4384-B58D-1C3CCDAD6167}"/>
+                <a16:creationId xmlns="" xmlns:a16="http://schemas.microsoft.com/office/drawing/2014/main" id="{E14DA9C7-47CF-4384-B58D-1C3CCDAD6167}"/>
               </a:ext>
             </a:extLst>
           </p:cNvPr>
@@ -11912,7 +12710,7 @@
             <p:cNvPr id="48" name="Group 4">
               <a:extLst>
                 <a:ext uri="{FF2B5EF4-FFF2-40B4-BE49-F238E27FC236}">
-                  <a16:creationId xmlns:a16="http://schemas.microsoft.com/office/drawing/2014/main" xmlns="" id="{023A6122-DD8E-42F2-B014-BA3FA310895E}"/>
+                  <a16:creationId xmlns="" xmlns:a16="http://schemas.microsoft.com/office/drawing/2014/main" id="{023A6122-DD8E-42F2-B014-BA3FA310895E}"/>
                 </a:ext>
               </a:extLst>
             </p:cNvPr>
@@ -11934,7 +12732,7 @@
               <p:cNvPr id="88" name="Line 5">
                 <a:extLst>
                   <a:ext uri="{FF2B5EF4-FFF2-40B4-BE49-F238E27FC236}">
-                    <a16:creationId xmlns:a16="http://schemas.microsoft.com/office/drawing/2014/main" xmlns="" id="{249E3599-9316-49F2-8E1A-9E48649611AD}"/>
+                    <a16:creationId xmlns="" xmlns:a16="http://schemas.microsoft.com/office/drawing/2014/main" id="{249E3599-9316-49F2-8E1A-9E48649611AD}"/>
                   </a:ext>
                 </a:extLst>
               </p:cNvPr>
@@ -11977,7 +12775,7 @@
               <p:cNvPr id="89" name="Freeform 6">
                 <a:extLst>
                   <a:ext uri="{FF2B5EF4-FFF2-40B4-BE49-F238E27FC236}">
-                    <a16:creationId xmlns:a16="http://schemas.microsoft.com/office/drawing/2014/main" xmlns="" id="{C44D61E2-23DC-4F3E-AEA4-ADE016321E91}"/>
+                    <a16:creationId xmlns="" xmlns:a16="http://schemas.microsoft.com/office/drawing/2014/main" id="{C44D61E2-23DC-4F3E-AEA4-ADE016321E91}"/>
                   </a:ext>
                 </a:extLst>
               </p:cNvPr>
@@ -12066,7 +12864,7 @@
               <p:cNvPr id="90" name="Line 7">
                 <a:extLst>
                   <a:ext uri="{FF2B5EF4-FFF2-40B4-BE49-F238E27FC236}">
-                    <a16:creationId xmlns:a16="http://schemas.microsoft.com/office/drawing/2014/main" xmlns="" id="{3BC24801-EB72-41F4-AC12-D36DCB6A8DB5}"/>
+                    <a16:creationId xmlns="" xmlns:a16="http://schemas.microsoft.com/office/drawing/2014/main" id="{3BC24801-EB72-41F4-AC12-D36DCB6A8DB5}"/>
                   </a:ext>
                 </a:extLst>
               </p:cNvPr>
@@ -12109,7 +12907,7 @@
               <p:cNvPr id="91" name="Freeform 8">
                 <a:extLst>
                   <a:ext uri="{FF2B5EF4-FFF2-40B4-BE49-F238E27FC236}">
-                    <a16:creationId xmlns:a16="http://schemas.microsoft.com/office/drawing/2014/main" xmlns="" id="{9043ED71-46F1-4402-8BC5-C28BCCF617EA}"/>
+                    <a16:creationId xmlns="" xmlns:a16="http://schemas.microsoft.com/office/drawing/2014/main" id="{9043ED71-46F1-4402-8BC5-C28BCCF617EA}"/>
                   </a:ext>
                 </a:extLst>
               </p:cNvPr>
@@ -12190,7 +12988,7 @@
             <p:cNvPr id="49" name="Freeform 9">
               <a:extLst>
                 <a:ext uri="{FF2B5EF4-FFF2-40B4-BE49-F238E27FC236}">
-                  <a16:creationId xmlns:a16="http://schemas.microsoft.com/office/drawing/2014/main" xmlns="" id="{A794FD91-6CBC-45BB-8A64-D832F7E05777}"/>
+                  <a16:creationId xmlns="" xmlns:a16="http://schemas.microsoft.com/office/drawing/2014/main" id="{A794FD91-6CBC-45BB-8A64-D832F7E05777}"/>
                 </a:ext>
               </a:extLst>
             </p:cNvPr>
@@ -12267,7 +13065,7 @@
             <p:cNvPr id="50" name="Group 10">
               <a:extLst>
                 <a:ext uri="{FF2B5EF4-FFF2-40B4-BE49-F238E27FC236}">
-                  <a16:creationId xmlns:a16="http://schemas.microsoft.com/office/drawing/2014/main" xmlns="" id="{CDFC7CCC-8A59-48C5-9163-F15EF251E8AD}"/>
+                  <a16:creationId xmlns="" xmlns:a16="http://schemas.microsoft.com/office/drawing/2014/main" id="{CDFC7CCC-8A59-48C5-9163-F15EF251E8AD}"/>
                 </a:ext>
               </a:extLst>
             </p:cNvPr>
@@ -12289,7 +13087,7 @@
               <p:cNvPr id="86" name="Line 11">
                 <a:extLst>
                   <a:ext uri="{FF2B5EF4-FFF2-40B4-BE49-F238E27FC236}">
-                    <a16:creationId xmlns:a16="http://schemas.microsoft.com/office/drawing/2014/main" xmlns="" id="{76DB538D-67C7-454D-8736-32F31817D5C5}"/>
+                    <a16:creationId xmlns="" xmlns:a16="http://schemas.microsoft.com/office/drawing/2014/main" id="{76DB538D-67C7-454D-8736-32F31817D5C5}"/>
                   </a:ext>
                 </a:extLst>
               </p:cNvPr>
@@ -12332,7 +13130,7 @@
               <p:cNvPr id="87" name="Line 12">
                 <a:extLst>
                   <a:ext uri="{FF2B5EF4-FFF2-40B4-BE49-F238E27FC236}">
-                    <a16:creationId xmlns:a16="http://schemas.microsoft.com/office/drawing/2014/main" xmlns="" id="{02FD3E25-ED46-4682-A160-EF19EF91DDF4}"/>
+                    <a16:creationId xmlns="" xmlns:a16="http://schemas.microsoft.com/office/drawing/2014/main" id="{02FD3E25-ED46-4682-A160-EF19EF91DDF4}"/>
                   </a:ext>
                 </a:extLst>
               </p:cNvPr>
@@ -12376,7 +13174,7 @@
             <p:cNvPr id="51" name="Rectangle 13">
               <a:extLst>
                 <a:ext uri="{FF2B5EF4-FFF2-40B4-BE49-F238E27FC236}">
-                  <a16:creationId xmlns:a16="http://schemas.microsoft.com/office/drawing/2014/main" xmlns="" id="{9782E8D1-C216-4A01-9A07-51CEC2BDF805}"/>
+                  <a16:creationId xmlns="" xmlns:a16="http://schemas.microsoft.com/office/drawing/2014/main" id="{9782E8D1-C216-4A01-9A07-51CEC2BDF805}"/>
                 </a:ext>
               </a:extLst>
             </p:cNvPr>
@@ -12435,7 +13233,7 @@
             <p:cNvPr id="52" name="Rectangle 14">
               <a:extLst>
                 <a:ext uri="{FF2B5EF4-FFF2-40B4-BE49-F238E27FC236}">
-                  <a16:creationId xmlns:a16="http://schemas.microsoft.com/office/drawing/2014/main" xmlns="" id="{10C4E1A7-8A2B-4121-BD9E-47C3944487E0}"/>
+                  <a16:creationId xmlns="" xmlns:a16="http://schemas.microsoft.com/office/drawing/2014/main" id="{10C4E1A7-8A2B-4121-BD9E-47C3944487E0}"/>
                 </a:ext>
               </a:extLst>
             </p:cNvPr>
@@ -12494,7 +13292,7 @@
             <p:cNvPr id="53" name="Line 16">
               <a:extLst>
                 <a:ext uri="{FF2B5EF4-FFF2-40B4-BE49-F238E27FC236}">
-                  <a16:creationId xmlns:a16="http://schemas.microsoft.com/office/drawing/2014/main" xmlns="" id="{0163D3BD-E9C3-4512-BA2C-AEAB87158191}"/>
+                  <a16:creationId xmlns="" xmlns:a16="http://schemas.microsoft.com/office/drawing/2014/main" id="{0163D3BD-E9C3-4512-BA2C-AEAB87158191}"/>
                 </a:ext>
               </a:extLst>
             </p:cNvPr>
@@ -12537,7 +13335,7 @@
             <p:cNvPr id="54" name="Line 17">
               <a:extLst>
                 <a:ext uri="{FF2B5EF4-FFF2-40B4-BE49-F238E27FC236}">
-                  <a16:creationId xmlns:a16="http://schemas.microsoft.com/office/drawing/2014/main" xmlns="" id="{A766FBDF-804A-4793-9D76-2D6DCAE28B03}"/>
+                  <a16:creationId xmlns="" xmlns:a16="http://schemas.microsoft.com/office/drawing/2014/main" id="{A766FBDF-804A-4793-9D76-2D6DCAE28B03}"/>
                 </a:ext>
               </a:extLst>
             </p:cNvPr>
@@ -12580,7 +13378,7 @@
             <p:cNvPr id="55" name="Rectangle 18">
               <a:extLst>
                 <a:ext uri="{FF2B5EF4-FFF2-40B4-BE49-F238E27FC236}">
-                  <a16:creationId xmlns:a16="http://schemas.microsoft.com/office/drawing/2014/main" xmlns="" id="{4540C74B-395F-4064-B66B-EA6116EED146}"/>
+                  <a16:creationId xmlns="" xmlns:a16="http://schemas.microsoft.com/office/drawing/2014/main" id="{4540C74B-395F-4064-B66B-EA6116EED146}"/>
                 </a:ext>
               </a:extLst>
             </p:cNvPr>
@@ -12625,7 +13423,7 @@
             <p:cNvPr id="56" name="Freeform 19">
               <a:extLst>
                 <a:ext uri="{FF2B5EF4-FFF2-40B4-BE49-F238E27FC236}">
-                  <a16:creationId xmlns:a16="http://schemas.microsoft.com/office/drawing/2014/main" xmlns="" id="{7212F5D8-5B1F-43AF-A09A-7129DB38B315}"/>
+                  <a16:creationId xmlns="" xmlns:a16="http://schemas.microsoft.com/office/drawing/2014/main" id="{7212F5D8-5B1F-43AF-A09A-7129DB38B315}"/>
                 </a:ext>
               </a:extLst>
             </p:cNvPr>
@@ -12705,7 +13503,7 @@
             <p:cNvPr id="57" name="Rectangle 20">
               <a:extLst>
                 <a:ext uri="{FF2B5EF4-FFF2-40B4-BE49-F238E27FC236}">
-                  <a16:creationId xmlns:a16="http://schemas.microsoft.com/office/drawing/2014/main" xmlns="" id="{10BC58F9-9718-4882-A551-83B3F910589C}"/>
+                  <a16:creationId xmlns="" xmlns:a16="http://schemas.microsoft.com/office/drawing/2014/main" id="{10BC58F9-9718-4882-A551-83B3F910589C}"/>
                 </a:ext>
               </a:extLst>
             </p:cNvPr>
@@ -12764,7 +13562,7 @@
             <p:cNvPr id="58" name="Freeform 21">
               <a:extLst>
                 <a:ext uri="{FF2B5EF4-FFF2-40B4-BE49-F238E27FC236}">
-                  <a16:creationId xmlns:a16="http://schemas.microsoft.com/office/drawing/2014/main" xmlns="" id="{8ECAB41B-1943-47C7-AA84-0D8352A04C3A}"/>
+                  <a16:creationId xmlns="" xmlns:a16="http://schemas.microsoft.com/office/drawing/2014/main" id="{8ECAB41B-1943-47C7-AA84-0D8352A04C3A}"/>
                 </a:ext>
               </a:extLst>
             </p:cNvPr>
@@ -12844,7 +13642,7 @@
             <p:cNvPr id="59" name="Rectangle 22">
               <a:extLst>
                 <a:ext uri="{FF2B5EF4-FFF2-40B4-BE49-F238E27FC236}">
-                  <a16:creationId xmlns:a16="http://schemas.microsoft.com/office/drawing/2014/main" xmlns="" id="{56FEB464-C5E2-4F61-99CE-3E33B8477531}"/>
+                  <a16:creationId xmlns="" xmlns:a16="http://schemas.microsoft.com/office/drawing/2014/main" id="{56FEB464-C5E2-4F61-99CE-3E33B8477531}"/>
                 </a:ext>
               </a:extLst>
             </p:cNvPr>
@@ -12913,7 +13711,7 @@
             <p:cNvPr id="60" name="Oval 23">
               <a:extLst>
                 <a:ext uri="{FF2B5EF4-FFF2-40B4-BE49-F238E27FC236}">
-                  <a16:creationId xmlns:a16="http://schemas.microsoft.com/office/drawing/2014/main" xmlns="" id="{08DC7B04-17F0-4E0B-AA1B-1EB5CCC3DA4E}"/>
+                  <a16:creationId xmlns="" xmlns:a16="http://schemas.microsoft.com/office/drawing/2014/main" id="{08DC7B04-17F0-4E0B-AA1B-1EB5CCC3DA4E}"/>
                 </a:ext>
               </a:extLst>
             </p:cNvPr>
@@ -12958,7 +13756,7 @@
             <p:cNvPr id="61" name="Oval 24">
               <a:extLst>
                 <a:ext uri="{FF2B5EF4-FFF2-40B4-BE49-F238E27FC236}">
-                  <a16:creationId xmlns:a16="http://schemas.microsoft.com/office/drawing/2014/main" xmlns="" id="{ACB096AE-BD99-4A6E-95B6-5F4A50D2FBD8}"/>
+                  <a16:creationId xmlns="" xmlns:a16="http://schemas.microsoft.com/office/drawing/2014/main" id="{ACB096AE-BD99-4A6E-95B6-5F4A50D2FBD8}"/>
                 </a:ext>
               </a:extLst>
             </p:cNvPr>
@@ -13003,7 +13801,7 @@
             <p:cNvPr id="62" name="Oval 25">
               <a:extLst>
                 <a:ext uri="{FF2B5EF4-FFF2-40B4-BE49-F238E27FC236}">
-                  <a16:creationId xmlns:a16="http://schemas.microsoft.com/office/drawing/2014/main" xmlns="" id="{869D0EFA-AC40-424B-AD51-3A359CC9FF97}"/>
+                  <a16:creationId xmlns="" xmlns:a16="http://schemas.microsoft.com/office/drawing/2014/main" id="{869D0EFA-AC40-424B-AD51-3A359CC9FF97}"/>
                 </a:ext>
               </a:extLst>
             </p:cNvPr>
@@ -13048,7 +13846,7 @@
             <p:cNvPr id="66" name="Group 29">
               <a:extLst>
                 <a:ext uri="{FF2B5EF4-FFF2-40B4-BE49-F238E27FC236}">
-                  <a16:creationId xmlns:a16="http://schemas.microsoft.com/office/drawing/2014/main" xmlns="" id="{C06D013F-34AF-4016-ADC3-91BBF2132786}"/>
+                  <a16:creationId xmlns="" xmlns:a16="http://schemas.microsoft.com/office/drawing/2014/main" id="{C06D013F-34AF-4016-ADC3-91BBF2132786}"/>
                 </a:ext>
               </a:extLst>
             </p:cNvPr>
@@ -13070,7 +13868,7 @@
               <p:cNvPr id="83" name="Line 30">
                 <a:extLst>
                   <a:ext uri="{FF2B5EF4-FFF2-40B4-BE49-F238E27FC236}">
-                    <a16:creationId xmlns:a16="http://schemas.microsoft.com/office/drawing/2014/main" xmlns="" id="{B6D22774-B3AA-4C3C-90C9-14C8CDE2B78D}"/>
+                    <a16:creationId xmlns="" xmlns:a16="http://schemas.microsoft.com/office/drawing/2014/main" id="{B6D22774-B3AA-4C3C-90C9-14C8CDE2B78D}"/>
                   </a:ext>
                 </a:extLst>
               </p:cNvPr>
@@ -13113,7 +13911,7 @@
               <p:cNvPr id="84" name="Line 31">
                 <a:extLst>
                   <a:ext uri="{FF2B5EF4-FFF2-40B4-BE49-F238E27FC236}">
-                    <a16:creationId xmlns:a16="http://schemas.microsoft.com/office/drawing/2014/main" xmlns="" id="{9722178F-DCD2-4EEA-A7ED-E1FD944FD218}"/>
+                    <a16:creationId xmlns="" xmlns:a16="http://schemas.microsoft.com/office/drawing/2014/main" id="{9722178F-DCD2-4EEA-A7ED-E1FD944FD218}"/>
                   </a:ext>
                 </a:extLst>
               </p:cNvPr>
@@ -13156,7 +13954,7 @@
               <p:cNvPr id="85" name="Line 32">
                 <a:extLst>
                   <a:ext uri="{FF2B5EF4-FFF2-40B4-BE49-F238E27FC236}">
-                    <a16:creationId xmlns:a16="http://schemas.microsoft.com/office/drawing/2014/main" xmlns="" id="{7CA40A3C-B9D6-4CE0-91B6-FC1AD777DD8A}"/>
+                    <a16:creationId xmlns="" xmlns:a16="http://schemas.microsoft.com/office/drawing/2014/main" id="{7CA40A3C-B9D6-4CE0-91B6-FC1AD777DD8A}"/>
                   </a:ext>
                 </a:extLst>
               </p:cNvPr>
@@ -13200,7 +13998,7 @@
             <p:cNvPr id="67" name="Line 33">
               <a:extLst>
                 <a:ext uri="{FF2B5EF4-FFF2-40B4-BE49-F238E27FC236}">
-                  <a16:creationId xmlns:a16="http://schemas.microsoft.com/office/drawing/2014/main" xmlns="" id="{1960B32B-A48F-4729-9639-FA33B69C0976}"/>
+                  <a16:creationId xmlns="" xmlns:a16="http://schemas.microsoft.com/office/drawing/2014/main" id="{1960B32B-A48F-4729-9639-FA33B69C0976}"/>
                 </a:ext>
               </a:extLst>
             </p:cNvPr>
@@ -13243,7 +14041,7 @@
             <p:cNvPr id="68" name="Oval 34">
               <a:extLst>
                 <a:ext uri="{FF2B5EF4-FFF2-40B4-BE49-F238E27FC236}">
-                  <a16:creationId xmlns:a16="http://schemas.microsoft.com/office/drawing/2014/main" xmlns="" id="{334F2B23-74F6-4226-B7BB-D03851FC19D9}"/>
+                  <a16:creationId xmlns="" xmlns:a16="http://schemas.microsoft.com/office/drawing/2014/main" id="{334F2B23-74F6-4226-B7BB-D03851FC19D9}"/>
                 </a:ext>
               </a:extLst>
             </p:cNvPr>
@@ -13288,7 +14086,7 @@
             <p:cNvPr id="69" name="Rectangle 35">
               <a:extLst>
                 <a:ext uri="{FF2B5EF4-FFF2-40B4-BE49-F238E27FC236}">
-                  <a16:creationId xmlns:a16="http://schemas.microsoft.com/office/drawing/2014/main" xmlns="" id="{A50045DB-AF1D-455B-B8FF-90147423DB1E}"/>
+                  <a16:creationId xmlns="" xmlns:a16="http://schemas.microsoft.com/office/drawing/2014/main" id="{A50045DB-AF1D-455B-B8FF-90147423DB1E}"/>
                 </a:ext>
               </a:extLst>
             </p:cNvPr>
@@ -13333,7 +14131,7 @@
             <p:cNvPr id="70" name="Freeform 38">
               <a:extLst>
                 <a:ext uri="{FF2B5EF4-FFF2-40B4-BE49-F238E27FC236}">
-                  <a16:creationId xmlns:a16="http://schemas.microsoft.com/office/drawing/2014/main" xmlns="" id="{2FE973E7-F095-4594-8D36-E971F2F15336}"/>
+                  <a16:creationId xmlns="" xmlns:a16="http://schemas.microsoft.com/office/drawing/2014/main" id="{2FE973E7-F095-4594-8D36-E971F2F15336}"/>
                 </a:ext>
               </a:extLst>
             </p:cNvPr>
@@ -13404,7 +14202,7 @@
             <p:cNvPr id="71" name="Rectangle 39">
               <a:extLst>
                 <a:ext uri="{FF2B5EF4-FFF2-40B4-BE49-F238E27FC236}">
-                  <a16:creationId xmlns:a16="http://schemas.microsoft.com/office/drawing/2014/main" xmlns="" id="{C4AE0DD8-F969-41F1-9078-CD5E06ADD967}"/>
+                  <a16:creationId xmlns="" xmlns:a16="http://schemas.microsoft.com/office/drawing/2014/main" id="{C4AE0DD8-F969-41F1-9078-CD5E06ADD967}"/>
                 </a:ext>
               </a:extLst>
             </p:cNvPr>
@@ -13449,7 +14247,7 @@
             <p:cNvPr id="72" name="Line 40">
               <a:extLst>
                 <a:ext uri="{FF2B5EF4-FFF2-40B4-BE49-F238E27FC236}">
-                  <a16:creationId xmlns:a16="http://schemas.microsoft.com/office/drawing/2014/main" xmlns="" id="{0848691B-C234-40E0-8B39-5F4312CA1BD0}"/>
+                  <a16:creationId xmlns="" xmlns:a16="http://schemas.microsoft.com/office/drawing/2014/main" id="{0848691B-C234-40E0-8B39-5F4312CA1BD0}"/>
                 </a:ext>
               </a:extLst>
             </p:cNvPr>
@@ -13492,7 +14290,7 @@
             <p:cNvPr id="73" name="Rectangle 41">
               <a:extLst>
                 <a:ext uri="{FF2B5EF4-FFF2-40B4-BE49-F238E27FC236}">
-                  <a16:creationId xmlns:a16="http://schemas.microsoft.com/office/drawing/2014/main" xmlns="" id="{7852E4B6-7DCE-4A64-9F1D-612E4BA51328}"/>
+                  <a16:creationId xmlns="" xmlns:a16="http://schemas.microsoft.com/office/drawing/2014/main" id="{7852E4B6-7DCE-4A64-9F1D-612E4BA51328}"/>
                 </a:ext>
               </a:extLst>
             </p:cNvPr>
@@ -13551,7 +14349,7 @@
             <p:cNvPr id="74" name="Rectangle 42">
               <a:extLst>
                 <a:ext uri="{FF2B5EF4-FFF2-40B4-BE49-F238E27FC236}">
-                  <a16:creationId xmlns:a16="http://schemas.microsoft.com/office/drawing/2014/main" xmlns="" id="{4197C7B5-C4FD-41BD-B926-4A19C5627C23}"/>
+                  <a16:creationId xmlns="" xmlns:a16="http://schemas.microsoft.com/office/drawing/2014/main" id="{4197C7B5-C4FD-41BD-B926-4A19C5627C23}"/>
                 </a:ext>
               </a:extLst>
             </p:cNvPr>
@@ -13610,7 +14408,7 @@
             <p:cNvPr id="75" name="Line 51">
               <a:extLst>
                 <a:ext uri="{FF2B5EF4-FFF2-40B4-BE49-F238E27FC236}">
-                  <a16:creationId xmlns:a16="http://schemas.microsoft.com/office/drawing/2014/main" xmlns="" id="{867A1A9F-0C31-4FCE-8500-BA11EF45F98D}"/>
+                  <a16:creationId xmlns="" xmlns:a16="http://schemas.microsoft.com/office/drawing/2014/main" id="{867A1A9F-0C31-4FCE-8500-BA11EF45F98D}"/>
                 </a:ext>
               </a:extLst>
             </p:cNvPr>
@@ -13656,7 +14454,7 @@
             <p:cNvPr id="76" name="Group 52">
               <a:extLst>
                 <a:ext uri="{FF2B5EF4-FFF2-40B4-BE49-F238E27FC236}">
-                  <a16:creationId xmlns:a16="http://schemas.microsoft.com/office/drawing/2014/main" xmlns="" id="{44092EAF-45F2-4B98-9C4F-48752C646387}"/>
+                  <a16:creationId xmlns="" xmlns:a16="http://schemas.microsoft.com/office/drawing/2014/main" id="{44092EAF-45F2-4B98-9C4F-48752C646387}"/>
                 </a:ext>
               </a:extLst>
             </p:cNvPr>
@@ -13678,7 +14476,7 @@
               <p:cNvPr id="81" name="Line 53">
                 <a:extLst>
                   <a:ext uri="{FF2B5EF4-FFF2-40B4-BE49-F238E27FC236}">
-                    <a16:creationId xmlns:a16="http://schemas.microsoft.com/office/drawing/2014/main" xmlns="" id="{BF1358D9-6144-4A6F-9B4B-5D29AA5CDBB9}"/>
+                    <a16:creationId xmlns="" xmlns:a16="http://schemas.microsoft.com/office/drawing/2014/main" id="{BF1358D9-6144-4A6F-9B4B-5D29AA5CDBB9}"/>
                   </a:ext>
                 </a:extLst>
               </p:cNvPr>
@@ -13721,7 +14519,7 @@
               <p:cNvPr id="82" name="Line 54">
                 <a:extLst>
                   <a:ext uri="{FF2B5EF4-FFF2-40B4-BE49-F238E27FC236}">
-                    <a16:creationId xmlns:a16="http://schemas.microsoft.com/office/drawing/2014/main" xmlns="" id="{2A646DA3-D2A3-44FD-9275-DE39F82A5A60}"/>
+                    <a16:creationId xmlns="" xmlns:a16="http://schemas.microsoft.com/office/drawing/2014/main" id="{2A646DA3-D2A3-44FD-9275-DE39F82A5A60}"/>
                   </a:ext>
                 </a:extLst>
               </p:cNvPr>
@@ -13765,7 +14563,7 @@
             <p:cNvPr id="77" name="Freeform 56">
               <a:extLst>
                 <a:ext uri="{FF2B5EF4-FFF2-40B4-BE49-F238E27FC236}">
-                  <a16:creationId xmlns:a16="http://schemas.microsoft.com/office/drawing/2014/main" xmlns="" id="{85D6E943-78DE-49CF-9C37-8FC2A006B0ED}"/>
+                  <a16:creationId xmlns="" xmlns:a16="http://schemas.microsoft.com/office/drawing/2014/main" id="{85D6E943-78DE-49CF-9C37-8FC2A006B0ED}"/>
                 </a:ext>
               </a:extLst>
             </p:cNvPr>
@@ -13839,7 +14637,7 @@
             <p:cNvPr id="78" name="Freeform 57">
               <a:extLst>
                 <a:ext uri="{FF2B5EF4-FFF2-40B4-BE49-F238E27FC236}">
-                  <a16:creationId xmlns:a16="http://schemas.microsoft.com/office/drawing/2014/main" xmlns="" id="{6B212A12-89D8-4787-8A61-6F5E63D034B5}"/>
+                  <a16:creationId xmlns="" xmlns:a16="http://schemas.microsoft.com/office/drawing/2014/main" id="{6B212A12-89D8-4787-8A61-6F5E63D034B5}"/>
                 </a:ext>
               </a:extLst>
             </p:cNvPr>
@@ -13913,7 +14711,7 @@
             <p:cNvPr id="79" name="Object 60">
               <a:extLst>
                 <a:ext uri="{FF2B5EF4-FFF2-40B4-BE49-F238E27FC236}">
-                  <a16:creationId xmlns:a16="http://schemas.microsoft.com/office/drawing/2014/main" xmlns="" id="{EB531667-045D-4E09-8A8C-C92C8BD47BE4}"/>
+                  <a16:creationId xmlns="" xmlns:a16="http://schemas.microsoft.com/office/drawing/2014/main" id="{EB531667-045D-4E09-8A8C-C92C8BD47BE4}"/>
                 </a:ext>
               </a:extLst>
             </p:cNvPr>
@@ -13939,7 +14737,7 @@
             <p:cNvPr id="80" name="Object 62">
               <a:extLst>
                 <a:ext uri="{FF2B5EF4-FFF2-40B4-BE49-F238E27FC236}">
-                  <a16:creationId xmlns:a16="http://schemas.microsoft.com/office/drawing/2014/main" xmlns="" id="{FA0B5F2C-F42A-4AB3-8E48-6D5DAAAE983B}"/>
+                  <a16:creationId xmlns="" xmlns:a16="http://schemas.microsoft.com/office/drawing/2014/main" id="{FA0B5F2C-F42A-4AB3-8E48-6D5DAAAE983B}"/>
                 </a:ext>
               </a:extLst>
             </p:cNvPr>
@@ -13966,7 +14764,7 @@
           <p:cNvPr id="92" name="Freeform 9">
             <a:extLst>
               <a:ext uri="{FF2B5EF4-FFF2-40B4-BE49-F238E27FC236}">
-                <a16:creationId xmlns:a16="http://schemas.microsoft.com/office/drawing/2014/main" xmlns="" id="{FA1EF838-637A-47B8-A1E1-99F199319A9B}"/>
+                <a16:creationId xmlns="" xmlns:a16="http://schemas.microsoft.com/office/drawing/2014/main" id="{FA1EF838-637A-47B8-A1E1-99F199319A9B}"/>
               </a:ext>
             </a:extLst>
           </p:cNvPr>
@@ -14040,7 +14838,7 @@
           <p:cNvPr id="93" name="Line 10">
             <a:extLst>
               <a:ext uri="{FF2B5EF4-FFF2-40B4-BE49-F238E27FC236}">
-                <a16:creationId xmlns:a16="http://schemas.microsoft.com/office/drawing/2014/main" xmlns="" id="{2CC4EECC-8AB2-46D1-9CD7-14F956FE7C65}"/>
+                <a16:creationId xmlns="" xmlns:a16="http://schemas.microsoft.com/office/drawing/2014/main" id="{2CC4EECC-8AB2-46D1-9CD7-14F956FE7C65}"/>
               </a:ext>
             </a:extLst>
           </p:cNvPr>
@@ -14086,7 +14884,7 @@
           <p:cNvPr id="94" name="Freeform 17">
             <a:extLst>
               <a:ext uri="{FF2B5EF4-FFF2-40B4-BE49-F238E27FC236}">
-                <a16:creationId xmlns:a16="http://schemas.microsoft.com/office/drawing/2014/main" xmlns="" id="{12C8DD7B-1449-4447-97C6-269BC229BB6C}"/>
+                <a16:creationId xmlns="" xmlns:a16="http://schemas.microsoft.com/office/drawing/2014/main" id="{12C8DD7B-1449-4447-97C6-269BC229BB6C}"/>
               </a:ext>
             </a:extLst>
           </p:cNvPr>
@@ -14169,7 +14967,7 @@
           <p:cNvPr id="95" name="Oval 19">
             <a:extLst>
               <a:ext uri="{FF2B5EF4-FFF2-40B4-BE49-F238E27FC236}">
-                <a16:creationId xmlns:a16="http://schemas.microsoft.com/office/drawing/2014/main" xmlns="" id="{030FD04D-B5C9-4CC8-876F-BA61D5CD86C7}"/>
+                <a16:creationId xmlns="" xmlns:a16="http://schemas.microsoft.com/office/drawing/2014/main" id="{030FD04D-B5C9-4CC8-876F-BA61D5CD86C7}"/>
               </a:ext>
             </a:extLst>
           </p:cNvPr>
@@ -14217,7 +15015,7 @@
           <p:cNvPr id="96" name="Rectangle 95">
             <a:extLst>
               <a:ext uri="{FF2B5EF4-FFF2-40B4-BE49-F238E27FC236}">
-                <a16:creationId xmlns:a16="http://schemas.microsoft.com/office/drawing/2014/main" xmlns="" id="{D6CA1224-F8A5-44F6-93D3-177210B0988B}"/>
+                <a16:creationId xmlns="" xmlns:a16="http://schemas.microsoft.com/office/drawing/2014/main" id="{D6CA1224-F8A5-44F6-93D3-177210B0988B}"/>
               </a:ext>
             </a:extLst>
           </p:cNvPr>
@@ -14281,7 +15079,7 @@
           <p:cNvPr id="97" name="Oval 22">
             <a:extLst>
               <a:ext uri="{FF2B5EF4-FFF2-40B4-BE49-F238E27FC236}">
-                <a16:creationId xmlns:a16="http://schemas.microsoft.com/office/drawing/2014/main" xmlns="" id="{AD4E3D68-80CD-4715-9547-B5E887AB2628}"/>
+                <a16:creationId xmlns="" xmlns:a16="http://schemas.microsoft.com/office/drawing/2014/main" id="{AD4E3D68-80CD-4715-9547-B5E887AB2628}"/>
               </a:ext>
             </a:extLst>
           </p:cNvPr>
@@ -14329,7 +15127,7 @@
           <p:cNvPr id="98" name="Rectangle 97">
             <a:extLst>
               <a:ext uri="{FF2B5EF4-FFF2-40B4-BE49-F238E27FC236}">
-                <a16:creationId xmlns:a16="http://schemas.microsoft.com/office/drawing/2014/main" xmlns="" id="{3FDB978E-EBF5-4251-ABB7-28458D77894E}"/>
+                <a16:creationId xmlns="" xmlns:a16="http://schemas.microsoft.com/office/drawing/2014/main" id="{3FDB978E-EBF5-4251-ABB7-28458D77894E}"/>
               </a:ext>
             </a:extLst>
           </p:cNvPr>
@@ -14393,7 +15191,7 @@
           <p:cNvPr id="99" name="Rectangle 98">
             <a:extLst>
               <a:ext uri="{FF2B5EF4-FFF2-40B4-BE49-F238E27FC236}">
-                <a16:creationId xmlns:a16="http://schemas.microsoft.com/office/drawing/2014/main" xmlns="" id="{4EA72BE8-F560-45B1-A5BD-2999AEBB1048}"/>
+                <a16:creationId xmlns="" xmlns:a16="http://schemas.microsoft.com/office/drawing/2014/main" id="{4EA72BE8-F560-45B1-A5BD-2999AEBB1048}"/>
               </a:ext>
             </a:extLst>
           </p:cNvPr>
@@ -14467,7 +15265,7 @@
           <p:cNvPr id="100" name="Rectangle 99">
             <a:extLst>
               <a:ext uri="{FF2B5EF4-FFF2-40B4-BE49-F238E27FC236}">
-                <a16:creationId xmlns:a16="http://schemas.microsoft.com/office/drawing/2014/main" xmlns="" id="{3687ED8C-B809-4AB7-B694-A67862DD42BB}"/>
+                <a16:creationId xmlns="" xmlns:a16="http://schemas.microsoft.com/office/drawing/2014/main" id="{3687ED8C-B809-4AB7-B694-A67862DD42BB}"/>
               </a:ext>
             </a:extLst>
           </p:cNvPr>
@@ -14541,7 +15339,7 @@
           <p:cNvPr id="101" name="Rectangle 100">
             <a:extLst>
               <a:ext uri="{FF2B5EF4-FFF2-40B4-BE49-F238E27FC236}">
-                <a16:creationId xmlns:a16="http://schemas.microsoft.com/office/drawing/2014/main" xmlns="" id="{CA9578C3-F762-4641-AA4A-098A07745F6B}"/>
+                <a16:creationId xmlns="" xmlns:a16="http://schemas.microsoft.com/office/drawing/2014/main" id="{CA9578C3-F762-4641-AA4A-098A07745F6B}"/>
               </a:ext>
             </a:extLst>
           </p:cNvPr>
@@ -14615,7 +15413,7 @@
           <p:cNvPr id="102" name="Rectangle 101">
             <a:extLst>
               <a:ext uri="{FF2B5EF4-FFF2-40B4-BE49-F238E27FC236}">
-                <a16:creationId xmlns:a16="http://schemas.microsoft.com/office/drawing/2014/main" xmlns="" id="{10130861-25F2-4363-B776-8570C1E2209F}"/>
+                <a16:creationId xmlns="" xmlns:a16="http://schemas.microsoft.com/office/drawing/2014/main" id="{10130861-25F2-4363-B776-8570C1E2209F}"/>
               </a:ext>
             </a:extLst>
           </p:cNvPr>
@@ -14663,7 +15461,7 @@
           <p:cNvPr id="103" name="Line 28">
             <a:extLst>
               <a:ext uri="{FF2B5EF4-FFF2-40B4-BE49-F238E27FC236}">
-                <a16:creationId xmlns:a16="http://schemas.microsoft.com/office/drawing/2014/main" xmlns="" id="{5605FC70-4D5E-4C8F-AD16-84352B14EE61}"/>
+                <a16:creationId xmlns="" xmlns:a16="http://schemas.microsoft.com/office/drawing/2014/main" id="{5605FC70-4D5E-4C8F-AD16-84352B14EE61}"/>
               </a:ext>
             </a:extLst>
           </p:cNvPr>
@@ -14709,7 +15507,7 @@
           <p:cNvPr id="104" name="Rectangle 27">
             <a:extLst>
               <a:ext uri="{FF2B5EF4-FFF2-40B4-BE49-F238E27FC236}">
-                <a16:creationId xmlns:a16="http://schemas.microsoft.com/office/drawing/2014/main" xmlns="" id="{1F119CB5-E61C-4C20-8104-103F0DEC9715}"/>
+                <a16:creationId xmlns="" xmlns:a16="http://schemas.microsoft.com/office/drawing/2014/main" id="{1F119CB5-E61C-4C20-8104-103F0DEC9715}"/>
               </a:ext>
             </a:extLst>
           </p:cNvPr>
@@ -14757,7 +15555,7 @@
           <p:cNvPr id="105" name="Rectangle 128">
             <a:extLst>
               <a:ext uri="{FF2B5EF4-FFF2-40B4-BE49-F238E27FC236}">
-                <a16:creationId xmlns:a16="http://schemas.microsoft.com/office/drawing/2014/main" xmlns="" id="{F677A81E-D356-4549-B8A9-ED4F04B042D3}"/>
+                <a16:creationId xmlns="" xmlns:a16="http://schemas.microsoft.com/office/drawing/2014/main" id="{F677A81E-D356-4549-B8A9-ED4F04B042D3}"/>
               </a:ext>
             </a:extLst>
           </p:cNvPr>
@@ -14828,7 +15626,7 @@
           <p:cNvPr id="106" name="Forme libre 242">
             <a:extLst>
               <a:ext uri="{FF2B5EF4-FFF2-40B4-BE49-F238E27FC236}">
-                <a16:creationId xmlns:a16="http://schemas.microsoft.com/office/drawing/2014/main" xmlns="" id="{0EB16691-A708-4C22-9D78-3FD359643557}"/>
+                <a16:creationId xmlns="" xmlns:a16="http://schemas.microsoft.com/office/drawing/2014/main" id="{0EB16691-A708-4C22-9D78-3FD359643557}"/>
               </a:ext>
             </a:extLst>
           </p:cNvPr>
@@ -14914,7 +15712,7 @@
         </p:txBody>
       </p:sp>
       <mc:AlternateContent xmlns:mc="http://schemas.openxmlformats.org/markup-compatibility/2006">
-        <mc:Choice xmlns:a14="http://schemas.microsoft.com/office/drawing/2010/main" xmlns="" Requires="a14">
+        <mc:Choice xmlns="" xmlns:a14="http://schemas.microsoft.com/office/drawing/2010/main" Requires="a14">
           <p:sp>
             <p:nvSpPr>
               <p:cNvPr id="2" name="ZoneTexte 1">
@@ -15374,7 +16172,7 @@
               <p:cNvPr id="2" name="ZoneTexte 1">
                 <a:extLst>
                   <a:ext uri="{FF2B5EF4-FFF2-40B4-BE49-F238E27FC236}">
-                    <a16:creationId xmlns:a16="http://schemas.microsoft.com/office/drawing/2014/main" xmlns="" xmlns:a14="http://schemas.microsoft.com/office/drawing/2010/main" id="{763E54B2-354A-4B69-8CF2-566D1A7ED291}"/>
+                    <a16:creationId xmlns:a14="http://schemas.microsoft.com/office/drawing/2010/main" xmlns="" xmlns:a16="http://schemas.microsoft.com/office/drawing/2014/main" id="{763E54B2-354A-4B69-8CF2-566D1A7ED291}"/>
                   </a:ext>
                 </a:extLst>
               </p:cNvPr>
@@ -15417,7 +16215,7 @@
         </mc:Fallback>
       </mc:AlternateContent>
       <mc:AlternateContent xmlns:mc="http://schemas.openxmlformats.org/markup-compatibility/2006">
-        <mc:Choice xmlns:a14="http://schemas.microsoft.com/office/drawing/2010/main" xmlns="" Requires="a14">
+        <mc:Choice xmlns="" xmlns:a14="http://schemas.microsoft.com/office/drawing/2010/main" Requires="a14">
           <p:sp>
             <p:nvSpPr>
               <p:cNvPr id="108" name="Object 4">
@@ -15904,7 +16702,7 @@
               <p:cNvPr id="108" name="Object 4">
                 <a:extLst>
                   <a:ext uri="{FF2B5EF4-FFF2-40B4-BE49-F238E27FC236}">
-                    <a16:creationId xmlns:a16="http://schemas.microsoft.com/office/drawing/2014/main" xmlns="" xmlns:a14="http://schemas.microsoft.com/office/drawing/2010/main" id="{BBD871C4-810C-4A09-95E2-55CA5427AEAD}"/>
+                    <a16:creationId xmlns:a14="http://schemas.microsoft.com/office/drawing/2010/main" xmlns="" xmlns:a16="http://schemas.microsoft.com/office/drawing/2014/main" id="{BBD871C4-810C-4A09-95E2-55CA5427AEAD}"/>
                   </a:ext>
                 </a:extLst>
               </p:cNvPr>
@@ -15952,7 +16750,7 @@
     </p:spTree>
     <p:extLst>
       <p:ext uri="{BB962C8B-B14F-4D97-AF65-F5344CB8AC3E}">
-        <p14:creationId xmlns:p14="http://schemas.microsoft.com/office/powerpoint/2010/main" xmlns="" val="1164395815"/>
+        <p14:creationId xmlns="" xmlns:p14="http://schemas.microsoft.com/office/powerpoint/2010/main" val="1164395815"/>
       </p:ext>
     </p:extLst>
   </p:cSld>
@@ -15984,7 +16782,7 @@
           <p:cNvPr id="3" name="Espace réservé de la date 2">
             <a:extLst>
               <a:ext uri="{FF2B5EF4-FFF2-40B4-BE49-F238E27FC236}">
-                <a16:creationId xmlns:a16="http://schemas.microsoft.com/office/drawing/2014/main" xmlns="" id="{B056F826-499B-407B-8105-22D7784C72C9}"/>
+                <a16:creationId xmlns="" xmlns:a16="http://schemas.microsoft.com/office/drawing/2014/main" id="{B056F826-499B-407B-8105-22D7784C72C9}"/>
               </a:ext>
             </a:extLst>
           </p:cNvPr>
@@ -16003,7 +16801,7 @@
             <a:fld id="{80ADAFC8-E58E-40F9-B663-9F56451821D1}" type="datetime8">
               <a:rPr lang="fr-FR" smtClean="0"/>
               <a:pPr/>
-              <a:t>29/11/2024 09:14</a:t>
+              <a:t>10/12/2024 17:51</a:t>
             </a:fld>
             <a:endParaRPr lang="fr-FR"/>
           </a:p>
@@ -16014,7 +16812,7 @@
           <p:cNvPr id="4" name="Espace réservé du pied de page 3">
             <a:extLst>
               <a:ext uri="{FF2B5EF4-FFF2-40B4-BE49-F238E27FC236}">
-                <a16:creationId xmlns:a16="http://schemas.microsoft.com/office/drawing/2014/main" xmlns="" id="{F3E4A479-1B4F-4BB3-9515-6A9C30531C7E}"/>
+                <a16:creationId xmlns="" xmlns:a16="http://schemas.microsoft.com/office/drawing/2014/main" id="{F3E4A479-1B4F-4BB3-9515-6A9C30531C7E}"/>
               </a:ext>
             </a:extLst>
           </p:cNvPr>
@@ -16043,7 +16841,7 @@
           <p:cNvPr id="5" name="Espace réservé du numéro de diapositive 4">
             <a:extLst>
               <a:ext uri="{FF2B5EF4-FFF2-40B4-BE49-F238E27FC236}">
-                <a16:creationId xmlns:a16="http://schemas.microsoft.com/office/drawing/2014/main" xmlns="" id="{7770904E-5F23-477F-92FD-9DE3E348D081}"/>
+                <a16:creationId xmlns="" xmlns:a16="http://schemas.microsoft.com/office/drawing/2014/main" id="{7770904E-5F23-477F-92FD-9DE3E348D081}"/>
               </a:ext>
             </a:extLst>
           </p:cNvPr>
@@ -16073,7 +16871,7 @@
           <p:cNvPr id="8" name="Line 10">
             <a:extLst>
               <a:ext uri="{FF2B5EF4-FFF2-40B4-BE49-F238E27FC236}">
-                <a16:creationId xmlns:a16="http://schemas.microsoft.com/office/drawing/2014/main" xmlns="" id="{D2579991-AA28-4056-ADDE-346FA54546B8}"/>
+                <a16:creationId xmlns="" xmlns:a16="http://schemas.microsoft.com/office/drawing/2014/main" id="{D2579991-AA28-4056-ADDE-346FA54546B8}"/>
               </a:ext>
             </a:extLst>
           </p:cNvPr>
@@ -16118,7 +16916,7 @@
           <p:cNvPr id="9" name="Group 11">
             <a:extLst>
               <a:ext uri="{FF2B5EF4-FFF2-40B4-BE49-F238E27FC236}">
-                <a16:creationId xmlns:a16="http://schemas.microsoft.com/office/drawing/2014/main" xmlns="" id="{E02CE653-0EEC-43E5-BEF9-68D92471F8AB}"/>
+                <a16:creationId xmlns="" xmlns:a16="http://schemas.microsoft.com/office/drawing/2014/main" id="{E02CE653-0EEC-43E5-BEF9-68D92471F8AB}"/>
               </a:ext>
             </a:extLst>
           </p:cNvPr>
@@ -16140,7 +16938,7 @@
             <p:cNvPr id="45" name="Oval 12">
               <a:extLst>
                 <a:ext uri="{FF2B5EF4-FFF2-40B4-BE49-F238E27FC236}">
-                  <a16:creationId xmlns:a16="http://schemas.microsoft.com/office/drawing/2014/main" xmlns="" id="{C8CD48E8-989D-44DA-8FF3-7C6DCBDD9457}"/>
+                  <a16:creationId xmlns="" xmlns:a16="http://schemas.microsoft.com/office/drawing/2014/main" id="{C8CD48E8-989D-44DA-8FF3-7C6DCBDD9457}"/>
                 </a:ext>
               </a:extLst>
             </p:cNvPr>
@@ -16185,7 +16983,7 @@
             <p:cNvPr id="46" name="Oval 13">
               <a:extLst>
                 <a:ext uri="{FF2B5EF4-FFF2-40B4-BE49-F238E27FC236}">
-                  <a16:creationId xmlns:a16="http://schemas.microsoft.com/office/drawing/2014/main" xmlns="" id="{E5595C7A-23AC-4D1B-A6AA-D67331609949}"/>
+                  <a16:creationId xmlns="" xmlns:a16="http://schemas.microsoft.com/office/drawing/2014/main" id="{E5595C7A-23AC-4D1B-A6AA-D67331609949}"/>
                 </a:ext>
               </a:extLst>
             </p:cNvPr>
@@ -16231,7 +17029,7 @@
           <p:cNvPr id="10" name="Freeform 14">
             <a:extLst>
               <a:ext uri="{FF2B5EF4-FFF2-40B4-BE49-F238E27FC236}">
-                <a16:creationId xmlns:a16="http://schemas.microsoft.com/office/drawing/2014/main" xmlns="" id="{5FA48C6A-85F2-4878-BFBD-77D98FC07E50}"/>
+                <a16:creationId xmlns="" xmlns:a16="http://schemas.microsoft.com/office/drawing/2014/main" id="{5FA48C6A-85F2-4878-BFBD-77D98FC07E50}"/>
               </a:ext>
             </a:extLst>
           </p:cNvPr>
@@ -16304,7 +17102,7 @@
           <p:cNvPr id="11" name="Line 15">
             <a:extLst>
               <a:ext uri="{FF2B5EF4-FFF2-40B4-BE49-F238E27FC236}">
-                <a16:creationId xmlns:a16="http://schemas.microsoft.com/office/drawing/2014/main" xmlns="" id="{EC9DC4D9-70DD-4E1E-A097-70BEF45EA010}"/>
+                <a16:creationId xmlns="" xmlns:a16="http://schemas.microsoft.com/office/drawing/2014/main" id="{EC9DC4D9-70DD-4E1E-A097-70BEF45EA010}"/>
               </a:ext>
             </a:extLst>
           </p:cNvPr>
@@ -16349,7 +17147,7 @@
           <p:cNvPr id="12" name="Freeform 16">
             <a:extLst>
               <a:ext uri="{FF2B5EF4-FFF2-40B4-BE49-F238E27FC236}">
-                <a16:creationId xmlns:a16="http://schemas.microsoft.com/office/drawing/2014/main" xmlns="" id="{94CA67B4-EEBA-49F6-9046-D36728201482}"/>
+                <a16:creationId xmlns="" xmlns:a16="http://schemas.microsoft.com/office/drawing/2014/main" id="{94CA67B4-EEBA-49F6-9046-D36728201482}"/>
               </a:ext>
             </a:extLst>
           </p:cNvPr>
@@ -16431,7 +17229,7 @@
           <p:cNvPr id="14" name="Oval 18">
             <a:extLst>
               <a:ext uri="{FF2B5EF4-FFF2-40B4-BE49-F238E27FC236}">
-                <a16:creationId xmlns:a16="http://schemas.microsoft.com/office/drawing/2014/main" xmlns="" id="{2476419F-29AF-4871-87E5-E3198CA55492}"/>
+                <a16:creationId xmlns="" xmlns:a16="http://schemas.microsoft.com/office/drawing/2014/main" id="{2476419F-29AF-4871-87E5-E3198CA55492}"/>
               </a:ext>
             </a:extLst>
           </p:cNvPr>
@@ -16478,7 +17276,7 @@
           <p:cNvPr id="17" name="Rectangle 16">
             <a:extLst>
               <a:ext uri="{FF2B5EF4-FFF2-40B4-BE49-F238E27FC236}">
-                <a16:creationId xmlns:a16="http://schemas.microsoft.com/office/drawing/2014/main" xmlns="" id="{4760EC27-3AFF-48E2-991F-E4B64F513D84}"/>
+                <a16:creationId xmlns="" xmlns:a16="http://schemas.microsoft.com/office/drawing/2014/main" id="{4760EC27-3AFF-48E2-991F-E4B64F513D84}"/>
               </a:ext>
             </a:extLst>
           </p:cNvPr>
@@ -16541,7 +17339,7 @@
           <p:cNvPr id="21" name="Rectangle 20">
             <a:extLst>
               <a:ext uri="{FF2B5EF4-FFF2-40B4-BE49-F238E27FC236}">
-                <a16:creationId xmlns:a16="http://schemas.microsoft.com/office/drawing/2014/main" xmlns="" id="{5B026465-4A90-4BD5-9DBD-1F183AB07F0B}"/>
+                <a16:creationId xmlns="" xmlns:a16="http://schemas.microsoft.com/office/drawing/2014/main" id="{5B026465-4A90-4BD5-9DBD-1F183AB07F0B}"/>
               </a:ext>
             </a:extLst>
           </p:cNvPr>
@@ -16625,7 +17423,7 @@
           <p:cNvPr id="22" name="Oval 26">
             <a:extLst>
               <a:ext uri="{FF2B5EF4-FFF2-40B4-BE49-F238E27FC236}">
-                <a16:creationId xmlns:a16="http://schemas.microsoft.com/office/drawing/2014/main" xmlns="" id="{E0F7AEE2-CA2F-4F4F-A0D4-4B88F4C1A53E}"/>
+                <a16:creationId xmlns="" xmlns:a16="http://schemas.microsoft.com/office/drawing/2014/main" id="{E0F7AEE2-CA2F-4F4F-A0D4-4B88F4C1A53E}"/>
               </a:ext>
             </a:extLst>
           </p:cNvPr>
@@ -16672,7 +17470,7 @@
           <p:cNvPr id="23" name="Rectangle 22">
             <a:extLst>
               <a:ext uri="{FF2B5EF4-FFF2-40B4-BE49-F238E27FC236}">
-                <a16:creationId xmlns:a16="http://schemas.microsoft.com/office/drawing/2014/main" xmlns="" id="{18280244-6F53-4CC8-A3A7-B43D52073ACB}"/>
+                <a16:creationId xmlns="" xmlns:a16="http://schemas.microsoft.com/office/drawing/2014/main" id="{18280244-6F53-4CC8-A3A7-B43D52073ACB}"/>
               </a:ext>
             </a:extLst>
           </p:cNvPr>
@@ -16735,7 +17533,7 @@
           <p:cNvPr id="25" name="Rectangle 24">
             <a:extLst>
               <a:ext uri="{FF2B5EF4-FFF2-40B4-BE49-F238E27FC236}">
-                <a16:creationId xmlns:a16="http://schemas.microsoft.com/office/drawing/2014/main" xmlns="" id="{2A3DF76E-3306-4C29-8256-CEE6F246CA78}"/>
+                <a16:creationId xmlns="" xmlns:a16="http://schemas.microsoft.com/office/drawing/2014/main" id="{2A3DF76E-3306-4C29-8256-CEE6F246CA78}"/>
               </a:ext>
             </a:extLst>
           </p:cNvPr>
@@ -16808,7 +17606,7 @@
           <p:cNvPr id="27" name="Group 38">
             <a:extLst>
               <a:ext uri="{FF2B5EF4-FFF2-40B4-BE49-F238E27FC236}">
-                <a16:creationId xmlns:a16="http://schemas.microsoft.com/office/drawing/2014/main" xmlns="" id="{7C3123D4-8C11-4A6D-B78D-E298FE4E2882}"/>
+                <a16:creationId xmlns="" xmlns:a16="http://schemas.microsoft.com/office/drawing/2014/main" id="{7C3123D4-8C11-4A6D-B78D-E298FE4E2882}"/>
               </a:ext>
             </a:extLst>
           </p:cNvPr>
@@ -16830,7 +17628,7 @@
             <p:cNvPr id="43" name="Line 39">
               <a:extLst>
                 <a:ext uri="{FF2B5EF4-FFF2-40B4-BE49-F238E27FC236}">
-                  <a16:creationId xmlns:a16="http://schemas.microsoft.com/office/drawing/2014/main" xmlns="" id="{5E953442-3153-48D9-8CDB-411224B4FEDF}"/>
+                  <a16:creationId xmlns="" xmlns:a16="http://schemas.microsoft.com/office/drawing/2014/main" id="{5E953442-3153-48D9-8CDB-411224B4FEDF}"/>
                 </a:ext>
               </a:extLst>
             </p:cNvPr>
@@ -16875,7 +17673,7 @@
             <p:cNvPr id="44" name="Freeform 40">
               <a:extLst>
                 <a:ext uri="{FF2B5EF4-FFF2-40B4-BE49-F238E27FC236}">
-                  <a16:creationId xmlns:a16="http://schemas.microsoft.com/office/drawing/2014/main" xmlns="" id="{2EE90437-4349-4721-8B6A-30AA92973068}"/>
+                  <a16:creationId xmlns="" xmlns:a16="http://schemas.microsoft.com/office/drawing/2014/main" id="{2EE90437-4349-4721-8B6A-30AA92973068}"/>
                 </a:ext>
               </a:extLst>
             </p:cNvPr>
@@ -16958,7 +17756,7 @@
           <p:cNvPr id="33" name="Line 28">
             <a:extLst>
               <a:ext uri="{FF2B5EF4-FFF2-40B4-BE49-F238E27FC236}">
-                <a16:creationId xmlns:a16="http://schemas.microsoft.com/office/drawing/2014/main" xmlns="" id="{A1F81C07-328A-4950-8EA8-F89C4D2AB8E6}"/>
+                <a16:creationId xmlns="" xmlns:a16="http://schemas.microsoft.com/office/drawing/2014/main" id="{A1F81C07-328A-4950-8EA8-F89C4D2AB8E6}"/>
               </a:ext>
             </a:extLst>
           </p:cNvPr>
@@ -17003,7 +17801,7 @@
           <p:cNvPr id="34" name="Rectangle 27">
             <a:extLst>
               <a:ext uri="{FF2B5EF4-FFF2-40B4-BE49-F238E27FC236}">
-                <a16:creationId xmlns:a16="http://schemas.microsoft.com/office/drawing/2014/main" xmlns="" id="{58D24A3B-B76E-4ECA-B6E5-6FFEB4308626}"/>
+                <a16:creationId xmlns="" xmlns:a16="http://schemas.microsoft.com/office/drawing/2014/main" id="{58D24A3B-B76E-4ECA-B6E5-6FFEB4308626}"/>
               </a:ext>
             </a:extLst>
           </p:cNvPr>
@@ -17050,7 +17848,7 @@
           <p:cNvPr id="36" name="Forme libre 243">
             <a:extLst>
               <a:ext uri="{FF2B5EF4-FFF2-40B4-BE49-F238E27FC236}">
-                <a16:creationId xmlns:a16="http://schemas.microsoft.com/office/drawing/2014/main" xmlns="" id="{4AB5638F-F8EB-4920-AB97-631DDFE6FD07}"/>
+                <a16:creationId xmlns="" xmlns:a16="http://schemas.microsoft.com/office/drawing/2014/main" id="{4AB5638F-F8EB-4920-AB97-631DDFE6FD07}"/>
               </a:ext>
             </a:extLst>
           </p:cNvPr>
@@ -17139,7 +17937,7 @@
           <p:cNvPr id="37" name="Rectangle 36">
             <a:extLst>
               <a:ext uri="{FF2B5EF4-FFF2-40B4-BE49-F238E27FC236}">
-                <a16:creationId xmlns:a16="http://schemas.microsoft.com/office/drawing/2014/main" xmlns="" id="{8B97D65D-7384-417B-8C0E-7A4AAAD071FB}"/>
+                <a16:creationId xmlns="" xmlns:a16="http://schemas.microsoft.com/office/drawing/2014/main" id="{8B97D65D-7384-417B-8C0E-7A4AAAD071FB}"/>
               </a:ext>
             </a:extLst>
           </p:cNvPr>
@@ -17214,7 +18012,7 @@
           <p:cNvPr id="47" name="Rectangle 46">
             <a:extLst>
               <a:ext uri="{FF2B5EF4-FFF2-40B4-BE49-F238E27FC236}">
-                <a16:creationId xmlns:a16="http://schemas.microsoft.com/office/drawing/2014/main" xmlns="" id="{9CA9D085-EF5E-421F-9F26-D48686287842}"/>
+                <a16:creationId xmlns="" xmlns:a16="http://schemas.microsoft.com/office/drawing/2014/main" id="{9CA9D085-EF5E-421F-9F26-D48686287842}"/>
               </a:ext>
             </a:extLst>
           </p:cNvPr>
@@ -17277,7 +18075,7 @@
           <p:cNvPr id="48" name="Line 10">
             <a:extLst>
               <a:ext uri="{FF2B5EF4-FFF2-40B4-BE49-F238E27FC236}">
-                <a16:creationId xmlns:a16="http://schemas.microsoft.com/office/drawing/2014/main" xmlns="" id="{DCBE6125-9DB3-4463-B5D0-278EDC36CC5C}"/>
+                <a16:creationId xmlns="" xmlns:a16="http://schemas.microsoft.com/office/drawing/2014/main" id="{DCBE6125-9DB3-4463-B5D0-278EDC36CC5C}"/>
               </a:ext>
             </a:extLst>
           </p:cNvPr>
@@ -17322,7 +18120,7 @@
           <p:cNvPr id="49" name="Group 11">
             <a:extLst>
               <a:ext uri="{FF2B5EF4-FFF2-40B4-BE49-F238E27FC236}">
-                <a16:creationId xmlns:a16="http://schemas.microsoft.com/office/drawing/2014/main" xmlns="" id="{8831C526-49BD-439D-B006-BB8340A0A90D}"/>
+                <a16:creationId xmlns="" xmlns:a16="http://schemas.microsoft.com/office/drawing/2014/main" id="{8831C526-49BD-439D-B006-BB8340A0A90D}"/>
               </a:ext>
             </a:extLst>
           </p:cNvPr>
@@ -17344,7 +18142,7 @@
             <p:cNvPr id="50" name="Oval 12">
               <a:extLst>
                 <a:ext uri="{FF2B5EF4-FFF2-40B4-BE49-F238E27FC236}">
-                  <a16:creationId xmlns:a16="http://schemas.microsoft.com/office/drawing/2014/main" xmlns="" id="{C569CDF4-2C10-4D82-87BD-A60076B85D5F}"/>
+                  <a16:creationId xmlns="" xmlns:a16="http://schemas.microsoft.com/office/drawing/2014/main" id="{C569CDF4-2C10-4D82-87BD-A60076B85D5F}"/>
                 </a:ext>
               </a:extLst>
             </p:cNvPr>
@@ -17389,7 +18187,7 @@
             <p:cNvPr id="51" name="Oval 13">
               <a:extLst>
                 <a:ext uri="{FF2B5EF4-FFF2-40B4-BE49-F238E27FC236}">
-                  <a16:creationId xmlns:a16="http://schemas.microsoft.com/office/drawing/2014/main" xmlns="" id="{BC72F9AA-FF3C-4E89-9A30-3E59BCD2C03D}"/>
+                  <a16:creationId xmlns="" xmlns:a16="http://schemas.microsoft.com/office/drawing/2014/main" id="{BC72F9AA-FF3C-4E89-9A30-3E59BCD2C03D}"/>
                 </a:ext>
               </a:extLst>
             </p:cNvPr>
@@ -17435,7 +18233,7 @@
           <p:cNvPr id="52" name="Freeform 14">
             <a:extLst>
               <a:ext uri="{FF2B5EF4-FFF2-40B4-BE49-F238E27FC236}">
-                <a16:creationId xmlns:a16="http://schemas.microsoft.com/office/drawing/2014/main" xmlns="" id="{A054C7B7-5047-4D9F-899D-BE22CDB68B4E}"/>
+                <a16:creationId xmlns="" xmlns:a16="http://schemas.microsoft.com/office/drawing/2014/main" id="{A054C7B7-5047-4D9F-899D-BE22CDB68B4E}"/>
               </a:ext>
             </a:extLst>
           </p:cNvPr>
@@ -17508,7 +18306,7 @@
           <p:cNvPr id="53" name="Line 15">
             <a:extLst>
               <a:ext uri="{FF2B5EF4-FFF2-40B4-BE49-F238E27FC236}">
-                <a16:creationId xmlns:a16="http://schemas.microsoft.com/office/drawing/2014/main" xmlns="" id="{2FBB9941-C55F-45C2-9013-6F29A451A2D3}"/>
+                <a16:creationId xmlns="" xmlns:a16="http://schemas.microsoft.com/office/drawing/2014/main" id="{2FBB9941-C55F-45C2-9013-6F29A451A2D3}"/>
               </a:ext>
             </a:extLst>
           </p:cNvPr>
@@ -17553,7 +18351,7 @@
           <p:cNvPr id="54" name="Freeform 16">
             <a:extLst>
               <a:ext uri="{FF2B5EF4-FFF2-40B4-BE49-F238E27FC236}">
-                <a16:creationId xmlns:a16="http://schemas.microsoft.com/office/drawing/2014/main" xmlns="" id="{5AEB4A9B-5D92-4B75-8171-326E9DF70C1B}"/>
+                <a16:creationId xmlns="" xmlns:a16="http://schemas.microsoft.com/office/drawing/2014/main" id="{5AEB4A9B-5D92-4B75-8171-326E9DF70C1B}"/>
               </a:ext>
             </a:extLst>
           </p:cNvPr>
@@ -17635,7 +18433,7 @@
           <p:cNvPr id="55" name="Oval 18">
             <a:extLst>
               <a:ext uri="{FF2B5EF4-FFF2-40B4-BE49-F238E27FC236}">
-                <a16:creationId xmlns:a16="http://schemas.microsoft.com/office/drawing/2014/main" xmlns="" id="{545A7F01-74D2-4DE6-9706-7F69B788A2EE}"/>
+                <a16:creationId xmlns="" xmlns:a16="http://schemas.microsoft.com/office/drawing/2014/main" id="{545A7F01-74D2-4DE6-9706-7F69B788A2EE}"/>
               </a:ext>
             </a:extLst>
           </p:cNvPr>
@@ -17682,7 +18480,7 @@
           <p:cNvPr id="56" name="Rectangle 55">
             <a:extLst>
               <a:ext uri="{FF2B5EF4-FFF2-40B4-BE49-F238E27FC236}">
-                <a16:creationId xmlns:a16="http://schemas.microsoft.com/office/drawing/2014/main" xmlns="" id="{45C75543-FCF3-4B23-9BCC-84CA0A303B93}"/>
+                <a16:creationId xmlns="" xmlns:a16="http://schemas.microsoft.com/office/drawing/2014/main" id="{45C75543-FCF3-4B23-9BCC-84CA0A303B93}"/>
               </a:ext>
             </a:extLst>
           </p:cNvPr>
@@ -17745,7 +18543,7 @@
           <p:cNvPr id="57" name="Rectangle 56">
             <a:extLst>
               <a:ext uri="{FF2B5EF4-FFF2-40B4-BE49-F238E27FC236}">
-                <a16:creationId xmlns:a16="http://schemas.microsoft.com/office/drawing/2014/main" xmlns="" id="{1963E529-65C2-4264-8ED6-8E5E7F022072}"/>
+                <a16:creationId xmlns="" xmlns:a16="http://schemas.microsoft.com/office/drawing/2014/main" id="{1963E529-65C2-4264-8ED6-8E5E7F022072}"/>
               </a:ext>
             </a:extLst>
           </p:cNvPr>
@@ -17829,7 +18627,7 @@
           <p:cNvPr id="58" name="Oval 26">
             <a:extLst>
               <a:ext uri="{FF2B5EF4-FFF2-40B4-BE49-F238E27FC236}">
-                <a16:creationId xmlns:a16="http://schemas.microsoft.com/office/drawing/2014/main" xmlns="" id="{93BDD31B-A286-41D9-A985-205F35FE268A}"/>
+                <a16:creationId xmlns="" xmlns:a16="http://schemas.microsoft.com/office/drawing/2014/main" id="{93BDD31B-A286-41D9-A985-205F35FE268A}"/>
               </a:ext>
             </a:extLst>
           </p:cNvPr>
@@ -17876,7 +18674,7 @@
           <p:cNvPr id="59" name="Rectangle 58">
             <a:extLst>
               <a:ext uri="{FF2B5EF4-FFF2-40B4-BE49-F238E27FC236}">
-                <a16:creationId xmlns:a16="http://schemas.microsoft.com/office/drawing/2014/main" xmlns="" id="{0DFDC082-8D46-493A-B9BD-70946898C2AC}"/>
+                <a16:creationId xmlns="" xmlns:a16="http://schemas.microsoft.com/office/drawing/2014/main" id="{0DFDC082-8D46-493A-B9BD-70946898C2AC}"/>
               </a:ext>
             </a:extLst>
           </p:cNvPr>
@@ -17939,7 +18737,7 @@
           <p:cNvPr id="60" name="Rectangle 59">
             <a:extLst>
               <a:ext uri="{FF2B5EF4-FFF2-40B4-BE49-F238E27FC236}">
-                <a16:creationId xmlns:a16="http://schemas.microsoft.com/office/drawing/2014/main" xmlns="" id="{11B77F43-A0DB-431A-8758-7B6FA02BADAA}"/>
+                <a16:creationId xmlns="" xmlns:a16="http://schemas.microsoft.com/office/drawing/2014/main" id="{11B77F43-A0DB-431A-8758-7B6FA02BADAA}"/>
               </a:ext>
             </a:extLst>
           </p:cNvPr>
@@ -18012,7 +18810,7 @@
           <p:cNvPr id="61" name="Group 38">
             <a:extLst>
               <a:ext uri="{FF2B5EF4-FFF2-40B4-BE49-F238E27FC236}">
-                <a16:creationId xmlns:a16="http://schemas.microsoft.com/office/drawing/2014/main" xmlns="" id="{1FCD6B5B-3AC4-45C8-8356-90AE51DFEC13}"/>
+                <a16:creationId xmlns="" xmlns:a16="http://schemas.microsoft.com/office/drawing/2014/main" id="{1FCD6B5B-3AC4-45C8-8356-90AE51DFEC13}"/>
               </a:ext>
             </a:extLst>
           </p:cNvPr>
@@ -18034,7 +18832,7 @@
             <p:cNvPr id="62" name="Line 39">
               <a:extLst>
                 <a:ext uri="{FF2B5EF4-FFF2-40B4-BE49-F238E27FC236}">
-                  <a16:creationId xmlns:a16="http://schemas.microsoft.com/office/drawing/2014/main" xmlns="" id="{065CC7D8-635C-4DFE-B8BE-2987D2D138EB}"/>
+                  <a16:creationId xmlns="" xmlns:a16="http://schemas.microsoft.com/office/drawing/2014/main" id="{065CC7D8-635C-4DFE-B8BE-2987D2D138EB}"/>
                 </a:ext>
               </a:extLst>
             </p:cNvPr>
@@ -18079,7 +18877,7 @@
             <p:cNvPr id="63" name="Freeform 40">
               <a:extLst>
                 <a:ext uri="{FF2B5EF4-FFF2-40B4-BE49-F238E27FC236}">
-                  <a16:creationId xmlns:a16="http://schemas.microsoft.com/office/drawing/2014/main" xmlns="" id="{FFEB590F-0E02-4662-A801-C36C02B71693}"/>
+                  <a16:creationId xmlns="" xmlns:a16="http://schemas.microsoft.com/office/drawing/2014/main" id="{FFEB590F-0E02-4662-A801-C36C02B71693}"/>
                 </a:ext>
               </a:extLst>
             </p:cNvPr>
@@ -18162,7 +18960,7 @@
           <p:cNvPr id="64" name="Line 28">
             <a:extLst>
               <a:ext uri="{FF2B5EF4-FFF2-40B4-BE49-F238E27FC236}">
-                <a16:creationId xmlns:a16="http://schemas.microsoft.com/office/drawing/2014/main" xmlns="" id="{7489B95E-9FFD-4DD4-B1CC-079FF11C8324}"/>
+                <a16:creationId xmlns="" xmlns:a16="http://schemas.microsoft.com/office/drawing/2014/main" id="{7489B95E-9FFD-4DD4-B1CC-079FF11C8324}"/>
               </a:ext>
             </a:extLst>
           </p:cNvPr>
@@ -18207,7 +19005,7 @@
           <p:cNvPr id="67" name="Rectangle 66">
             <a:extLst>
               <a:ext uri="{FF2B5EF4-FFF2-40B4-BE49-F238E27FC236}">
-                <a16:creationId xmlns:a16="http://schemas.microsoft.com/office/drawing/2014/main" xmlns="" id="{D24B1F53-8722-4195-AF43-38E3678567C6}"/>
+                <a16:creationId xmlns="" xmlns:a16="http://schemas.microsoft.com/office/drawing/2014/main" id="{D24B1F53-8722-4195-AF43-38E3678567C6}"/>
               </a:ext>
             </a:extLst>
           </p:cNvPr>
@@ -18282,7 +19080,7 @@
           <p:cNvPr id="69" name="Freeform 16">
             <a:extLst>
               <a:ext uri="{FF2B5EF4-FFF2-40B4-BE49-F238E27FC236}">
-                <a16:creationId xmlns:a16="http://schemas.microsoft.com/office/drawing/2014/main" xmlns="" id="{E00A737B-DC1B-4BF2-9D13-4E4524E33576}"/>
+                <a16:creationId xmlns="" xmlns:a16="http://schemas.microsoft.com/office/drawing/2014/main" id="{E00A737B-DC1B-4BF2-9D13-4E4524E33576}"/>
               </a:ext>
             </a:extLst>
           </p:cNvPr>
@@ -18364,7 +19162,7 @@
           <p:cNvPr id="66" name="Groupe 65">
             <a:extLst>
               <a:ext uri="{FF2B5EF4-FFF2-40B4-BE49-F238E27FC236}">
-                <a16:creationId xmlns:a16="http://schemas.microsoft.com/office/drawing/2014/main" xmlns="" id="{2FF4A8F3-CFEE-42E7-93EA-CE98536ECB59}"/>
+                <a16:creationId xmlns="" xmlns:a16="http://schemas.microsoft.com/office/drawing/2014/main" id="{2FF4A8F3-CFEE-42E7-93EA-CE98536ECB59}"/>
               </a:ext>
             </a:extLst>
           </p:cNvPr>
@@ -18384,7 +19182,7 @@
             <p:cNvPr id="81" name="Connecteur droit 80">
               <a:extLst>
                 <a:ext uri="{FF2B5EF4-FFF2-40B4-BE49-F238E27FC236}">
-                  <a16:creationId xmlns:a16="http://schemas.microsoft.com/office/drawing/2014/main" xmlns="" id="{122C1ECB-4B42-4F0D-B7CD-9FED125970DF}"/>
+                  <a16:creationId xmlns="" xmlns:a16="http://schemas.microsoft.com/office/drawing/2014/main" id="{122C1ECB-4B42-4F0D-B7CD-9FED125970DF}"/>
                 </a:ext>
               </a:extLst>
             </p:cNvPr>
@@ -18425,7 +19223,7 @@
             <p:cNvPr id="82" name="Connecteur droit 81">
               <a:extLst>
                 <a:ext uri="{FF2B5EF4-FFF2-40B4-BE49-F238E27FC236}">
-                  <a16:creationId xmlns:a16="http://schemas.microsoft.com/office/drawing/2014/main" xmlns="" id="{F2907823-0517-4878-82F1-F1BD775B5782}"/>
+                  <a16:creationId xmlns="" xmlns:a16="http://schemas.microsoft.com/office/drawing/2014/main" id="{F2907823-0517-4878-82F1-F1BD775B5782}"/>
                 </a:ext>
               </a:extLst>
             </p:cNvPr>
@@ -18467,7 +19265,7 @@
           <p:cNvPr id="70" name="Forme libre 26">
             <a:extLst>
               <a:ext uri="{FF2B5EF4-FFF2-40B4-BE49-F238E27FC236}">
-                <a16:creationId xmlns:a16="http://schemas.microsoft.com/office/drawing/2014/main" xmlns="" id="{A4CD5BD3-EC62-40E3-8590-58A0E3DB007B}"/>
+                <a16:creationId xmlns="" xmlns:a16="http://schemas.microsoft.com/office/drawing/2014/main" id="{A4CD5BD3-EC62-40E3-8590-58A0E3DB007B}"/>
               </a:ext>
             </a:extLst>
           </p:cNvPr>
@@ -18549,7 +19347,7 @@
           <p:cNvPr id="71" name="Forme libre 27">
             <a:extLst>
               <a:ext uri="{FF2B5EF4-FFF2-40B4-BE49-F238E27FC236}">
-                <a16:creationId xmlns:a16="http://schemas.microsoft.com/office/drawing/2014/main" xmlns="" id="{27E8D6C6-3DCA-48B3-BA3D-AD4031047D45}"/>
+                <a16:creationId xmlns="" xmlns:a16="http://schemas.microsoft.com/office/drawing/2014/main" id="{27E8D6C6-3DCA-48B3-BA3D-AD4031047D45}"/>
               </a:ext>
             </a:extLst>
           </p:cNvPr>
@@ -18631,7 +19429,7 @@
           <p:cNvPr id="76" name="ZoneTexte 75">
             <a:extLst>
               <a:ext uri="{FF2B5EF4-FFF2-40B4-BE49-F238E27FC236}">
-                <a16:creationId xmlns:a16="http://schemas.microsoft.com/office/drawing/2014/main" xmlns="" id="{137BD7D8-33BF-4248-81EA-837B11BC6756}"/>
+                <a16:creationId xmlns="" xmlns:a16="http://schemas.microsoft.com/office/drawing/2014/main" id="{137BD7D8-33BF-4248-81EA-837B11BC6756}"/>
               </a:ext>
             </a:extLst>
           </p:cNvPr>
@@ -18677,7 +19475,7 @@
           <p:cNvPr id="77" name="ZoneTexte 76">
             <a:extLst>
               <a:ext uri="{FF2B5EF4-FFF2-40B4-BE49-F238E27FC236}">
-                <a16:creationId xmlns:a16="http://schemas.microsoft.com/office/drawing/2014/main" xmlns="" id="{260B8EE6-4616-4E8E-AE37-019356FCDE05}"/>
+                <a16:creationId xmlns="" xmlns:a16="http://schemas.microsoft.com/office/drawing/2014/main" id="{260B8EE6-4616-4E8E-AE37-019356FCDE05}"/>
               </a:ext>
             </a:extLst>
           </p:cNvPr>
@@ -18723,7 +19521,7 @@
           <p:cNvPr id="83" name="Forme libre 49">
             <a:extLst>
               <a:ext uri="{FF2B5EF4-FFF2-40B4-BE49-F238E27FC236}">
-                <a16:creationId xmlns:a16="http://schemas.microsoft.com/office/drawing/2014/main" xmlns="" id="{B649979B-25A2-47C5-BA0E-0FD666145F62}"/>
+                <a16:creationId xmlns="" xmlns:a16="http://schemas.microsoft.com/office/drawing/2014/main" id="{B649979B-25A2-47C5-BA0E-0FD666145F62}"/>
               </a:ext>
             </a:extLst>
           </p:cNvPr>
@@ -21105,7 +21903,7 @@
           <p:cNvPr id="68" name="Rectangle 67">
             <a:extLst>
               <a:ext uri="{FF2B5EF4-FFF2-40B4-BE49-F238E27FC236}">
-                <a16:creationId xmlns:a16="http://schemas.microsoft.com/office/drawing/2014/main" xmlns="" id="{0E6501FD-4705-4FBA-A74C-73A0A11BAB13}"/>
+                <a16:creationId xmlns="" xmlns:a16="http://schemas.microsoft.com/office/drawing/2014/main" id="{0E6501FD-4705-4FBA-A74C-73A0A11BAB13}"/>
               </a:ext>
             </a:extLst>
           </p:cNvPr>
@@ -21888,7 +22686,7 @@
     </p:spTree>
     <p:extLst>
       <p:ext uri="{BB962C8B-B14F-4D97-AF65-F5344CB8AC3E}">
-        <p14:creationId xmlns:p14="http://schemas.microsoft.com/office/powerpoint/2010/main" xmlns="" val="639009737"/>
+        <p14:creationId xmlns="" xmlns:p14="http://schemas.microsoft.com/office/powerpoint/2010/main" val="639009737"/>
       </p:ext>
     </p:extLst>
   </p:cSld>

--- a/ELECTRONIQUE/IMAGES/Schemas.pptx
+++ b/ELECTRONIQUE/IMAGES/Schemas.pptx
@@ -208,7 +208,7 @@
   </p:defaultTextStyle>
   <p:extLst>
     <p:ext uri="{EFAFB233-063F-42B5-8137-9DF3F51BA10A}">
-      <p15:sldGuideLst xmlns="" xmlns:p15="http://schemas.microsoft.com/office/powerpoint/2012/main">
+      <p15:sldGuideLst xmlns:p15="http://schemas.microsoft.com/office/powerpoint/2012/main" xmlns="">
         <p15:guide id="1" orient="horz" pos="2840" userDrawn="1">
           <p15:clr>
             <a:srgbClr val="A4A3A4"/>
@@ -227,7 +227,7 @@
       </p15:sldGuideLst>
     </p:ext>
     <p:ext uri="{2D200454-40CA-4A62-9FC3-DE9A4176ACB9}">
-      <p15:notesGuideLst xmlns="" xmlns:p15="http://schemas.microsoft.com/office/powerpoint/2012/main">
+      <p15:notesGuideLst xmlns:p15="http://schemas.microsoft.com/office/powerpoint/2012/main" xmlns="">
         <p15:guide id="1" orient="horz" pos="3127">
           <p15:clr>
             <a:srgbClr val="A4A3A4"/>
@@ -335,7 +335,7 @@
               <a:pPr>
                 <a:defRPr/>
               </a:pPr>
-              <a:t>10/12/2024</a:t>
+              <a:t>15/12/2024</a:t>
             </a:fld>
             <a:endParaRPr lang="fr-FR"/>
           </a:p>
@@ -419,7 +419,7 @@
     </p:spTree>
     <p:extLst>
       <p:ext uri="{BB962C8B-B14F-4D97-AF65-F5344CB8AC3E}">
-        <p14:creationId xmlns="" xmlns:p14="http://schemas.microsoft.com/office/powerpoint/2010/main" val="1"/>
+        <p14:creationId xmlns:p14="http://schemas.microsoft.com/office/powerpoint/2010/main" xmlns="" val="1"/>
       </p:ext>
     </p:extLst>
   </p:cSld>
@@ -930,7 +930,7 @@
             <a:fld id="{365EAE7C-6C5B-41CD-BAD8-09323DC88F6D}" type="datetime8">
               <a:rPr lang="fr-FR" smtClean="0"/>
               <a:pPr/>
-              <a:t>10/12/2024 17:51</a:t>
+              <a:t>15/12/2024 08:19</a:t>
             </a:fld>
             <a:endParaRPr lang="fr-FR"/>
           </a:p>
@@ -1129,7 +1129,7 @@
             <a:fld id="{80ADAFC8-E58E-40F9-B663-9F56451821D1}" type="datetime8">
               <a:rPr lang="fr-FR" smtClean="0"/>
               <a:pPr/>
-              <a:t>10/12/2024 17:51</a:t>
+              <a:t>15/12/2024 08:19</a:t>
             </a:fld>
             <a:endParaRPr lang="fr-FR"/>
           </a:p>
@@ -1258,7 +1258,7 @@
             <a:fld id="{27CF4C7D-0BF8-4175-ABDC-B527910D61EE}" type="datetime8">
               <a:rPr lang="fr-FR" smtClean="0"/>
               <a:pPr/>
-              <a:t>10/12/2024 17:51</a:t>
+              <a:t>15/12/2024 08:19</a:t>
             </a:fld>
             <a:endParaRPr lang="fr-FR"/>
           </a:p>
@@ -1458,7 +1458,7 @@
             <a:fld id="{FFD76516-F1CB-4547-BCD9-750F24D75B14}" type="datetime8">
               <a:rPr lang="fr-FR" smtClean="0"/>
               <a:pPr/>
-              <a:t>10/12/2024 17:51</a:t>
+              <a:t>15/12/2024 08:19</a:t>
             </a:fld>
             <a:endParaRPr lang="fr-FR"/>
           </a:p>
@@ -1725,7 +1725,7 @@
             <a:fld id="{DCCA0A29-E4CE-41CE-97A0-9AC6848D0399}" type="datetime8">
               <a:rPr lang="fr-FR" smtClean="0"/>
               <a:pPr/>
-              <a:t>10/12/2024 17:51</a:t>
+              <a:t>15/12/2024 08:19</a:t>
             </a:fld>
             <a:endParaRPr lang="fr-FR" dirty="0"/>
           </a:p>
@@ -2074,7 +2074,7 @@
             <a:fld id="{BBDF3BB5-99CC-43F1-B038-57FA1B31A3ED}" type="datetime8">
               <a:rPr lang="fr-FR" smtClean="0"/>
               <a:pPr/>
-              <a:t>10/12/2024 17:51</a:t>
+              <a:t>15/12/2024 08:19</a:t>
             </a:fld>
             <a:endParaRPr lang="fr-FR"/>
           </a:p>
@@ -2328,7 +2328,7 @@
             <a:fld id="{AFA6468B-3BBE-4926-A82A-2522BDA4C876}" type="datetime8">
               <a:rPr lang="fr-FR" smtClean="0"/>
               <a:pPr/>
-              <a:t>10/12/2024 17:51</a:t>
+              <a:t>15/12/2024 08:19</a:t>
             </a:fld>
             <a:endParaRPr lang="fr-FR"/>
           </a:p>
@@ -2730,7 +2730,7 @@
             <a:fld id="{802532EB-A128-4E3D-A83F-28D3FC555FCD}" type="datetime8">
               <a:rPr lang="fr-FR" smtClean="0"/>
               <a:pPr/>
-              <a:t>10/12/2024 17:51</a:t>
+              <a:t>15/12/2024 08:19</a:t>
             </a:fld>
             <a:endParaRPr lang="fr-FR" dirty="0"/>
           </a:p>
@@ -3268,7 +3268,7 @@
             <a:fld id="{80ADAFC8-E58E-40F9-B663-9F56451821D1}" type="datetime8">
               <a:rPr lang="fr-FR" smtClean="0"/>
               <a:pPr/>
-              <a:t>10/12/2024 17:51</a:t>
+              <a:t>15/12/2024 08:19</a:t>
             </a:fld>
             <a:endParaRPr lang="fr-FR"/>
           </a:p>
@@ -3321,1941 +3321,1956 @@
           </a:p>
         </p:txBody>
       </p:sp>
-      <p:sp>
-        <p:nvSpPr>
-          <p:cNvPr id="345094" name="Rectangle 6"/>
-          <p:cNvSpPr>
-            <a:spLocks noChangeArrowheads="1"/>
-          </p:cNvSpPr>
+      <p:grpSp>
+        <p:nvGrpSpPr>
+          <p:cNvPr id="92" name="Groupe 91"/>
+          <p:cNvGrpSpPr/>
           <p:nvPr/>
-        </p:nvSpPr>
-        <p:spPr bwMode="auto">
+        </p:nvGrpSpPr>
+        <p:grpSpPr>
           <a:xfrm>
-            <a:off x="4486269" y="2719382"/>
-            <a:ext cx="800100" cy="942975"/>
+            <a:off x="642910" y="4786322"/>
+            <a:ext cx="1641583" cy="1353066"/>
+            <a:chOff x="4071934" y="2705095"/>
+            <a:chExt cx="1641583" cy="1353066"/>
           </a:xfrm>
-          <a:prstGeom prst="rect">
-            <a:avLst/>
-          </a:prstGeom>
-          <a:solidFill>
-            <a:srgbClr val="BBE0E3"/>
-          </a:solidFill>
-          <a:ln w="9525">
-            <a:noFill/>
-            <a:miter lim="800000"/>
-            <a:headEnd/>
-            <a:tailEnd/>
-          </a:ln>
-        </p:spPr>
-        <p:txBody>
-          <a:bodyPr vert="horz" wrap="square" lIns="91440" tIns="45720" rIns="91440" bIns="45720" numCol="1" anchor="t" anchorCtr="0" compatLnSpc="1">
-            <a:prstTxWarp prst="textNoShape">
+        </p:grpSpPr>
+        <p:sp>
+          <p:nvSpPr>
+            <p:cNvPr id="345094" name="Rectangle 6"/>
+            <p:cNvSpPr>
+              <a:spLocks noChangeArrowheads="1"/>
+            </p:cNvSpPr>
+            <p:nvPr/>
+          </p:nvSpPr>
+          <p:spPr bwMode="auto">
+            <a:xfrm>
+              <a:off x="4486269" y="2719382"/>
+              <a:ext cx="800100" cy="942975"/>
+            </a:xfrm>
+            <a:prstGeom prst="rect">
               <a:avLst/>
-            </a:prstTxWarp>
-          </a:bodyPr>
-          <a:lstStyle/>
-          <a:p>
-            <a:endParaRPr lang="fr-FR"/>
-          </a:p>
-        </p:txBody>
-      </p:sp>
-      <p:sp>
-        <p:nvSpPr>
-          <p:cNvPr id="345095" name="Freeform 7"/>
-          <p:cNvSpPr>
-            <a:spLocks noEditPoints="1"/>
-          </p:cNvSpPr>
-          <p:nvPr/>
-        </p:nvSpPr>
-        <p:spPr bwMode="auto">
-          <a:xfrm>
-            <a:off x="4471982" y="2705095"/>
-            <a:ext cx="828675" cy="971550"/>
-          </a:xfrm>
-          <a:custGeom>
-            <a:avLst/>
-            <a:gdLst/>
-            <a:ahLst/>
-            <a:cxnLst>
-              <a:cxn ang="0">
-                <a:pos x="0" y="0"/>
-              </a:cxn>
-              <a:cxn ang="0">
-                <a:pos x="522" y="0"/>
-              </a:cxn>
-              <a:cxn ang="0">
-                <a:pos x="522" y="612"/>
-              </a:cxn>
-              <a:cxn ang="0">
-                <a:pos x="0" y="612"/>
-              </a:cxn>
-              <a:cxn ang="0">
-                <a:pos x="0" y="0"/>
-              </a:cxn>
-              <a:cxn ang="0">
-                <a:pos x="18" y="603"/>
-              </a:cxn>
-              <a:cxn ang="0">
-                <a:pos x="9" y="594"/>
-              </a:cxn>
-              <a:cxn ang="0">
-                <a:pos x="513" y="594"/>
-              </a:cxn>
-              <a:cxn ang="0">
-                <a:pos x="504" y="603"/>
-              </a:cxn>
-              <a:cxn ang="0">
-                <a:pos x="504" y="9"/>
-              </a:cxn>
-              <a:cxn ang="0">
-                <a:pos x="513" y="18"/>
-              </a:cxn>
-              <a:cxn ang="0">
-                <a:pos x="9" y="18"/>
-              </a:cxn>
-              <a:cxn ang="0">
-                <a:pos x="18" y="9"/>
-              </a:cxn>
-              <a:cxn ang="0">
-                <a:pos x="18" y="603"/>
-              </a:cxn>
-            </a:cxnLst>
-            <a:rect l="0" t="0" r="r" b="b"/>
-            <a:pathLst>
-              <a:path w="522" h="612">
-                <a:moveTo>
-                  <a:pt x="0" y="0"/>
-                </a:moveTo>
-                <a:lnTo>
-                  <a:pt x="522" y="0"/>
-                </a:lnTo>
-                <a:lnTo>
-                  <a:pt x="522" y="612"/>
-                </a:lnTo>
-                <a:lnTo>
-                  <a:pt x="0" y="612"/>
-                </a:lnTo>
-                <a:lnTo>
-                  <a:pt x="0" y="0"/>
-                </a:lnTo>
-                <a:close/>
-                <a:moveTo>
-                  <a:pt x="18" y="603"/>
-                </a:moveTo>
-                <a:lnTo>
-                  <a:pt x="9" y="594"/>
-                </a:lnTo>
-                <a:lnTo>
-                  <a:pt x="513" y="594"/>
-                </a:lnTo>
-                <a:lnTo>
-                  <a:pt x="504" y="603"/>
-                </a:lnTo>
-                <a:lnTo>
-                  <a:pt x="504" y="9"/>
-                </a:lnTo>
-                <a:lnTo>
-                  <a:pt x="513" y="18"/>
-                </a:lnTo>
-                <a:lnTo>
-                  <a:pt x="9" y="18"/>
-                </a:lnTo>
-                <a:lnTo>
-                  <a:pt x="18" y="9"/>
-                </a:lnTo>
-                <a:lnTo>
-                  <a:pt x="18" y="603"/>
-                </a:lnTo>
-                <a:close/>
-              </a:path>
-            </a:pathLst>
-          </a:custGeom>
-          <a:solidFill>
-            <a:srgbClr val="FF0000"/>
-          </a:solidFill>
-          <a:ln w="0" cap="flat">
+            </a:prstGeom>
+            <a:solidFill>
+              <a:srgbClr val="BBE0E3"/>
+            </a:solidFill>
+            <a:ln w="9525">
+              <a:noFill/>
+              <a:miter lim="800000"/>
+              <a:headEnd/>
+              <a:tailEnd/>
+            </a:ln>
+          </p:spPr>
+          <p:txBody>
+            <a:bodyPr vert="horz" wrap="square" lIns="91440" tIns="45720" rIns="91440" bIns="45720" numCol="1" anchor="t" anchorCtr="0" compatLnSpc="1">
+              <a:prstTxWarp prst="textNoShape">
+                <a:avLst/>
+              </a:prstTxWarp>
+            </a:bodyPr>
+            <a:lstStyle/>
+            <a:p>
+              <a:endParaRPr lang="fr-FR"/>
+            </a:p>
+          </p:txBody>
+        </p:sp>
+        <p:sp>
+          <p:nvSpPr>
+            <p:cNvPr id="345095" name="Freeform 7"/>
+            <p:cNvSpPr>
+              <a:spLocks noEditPoints="1"/>
+            </p:cNvSpPr>
+            <p:nvPr/>
+          </p:nvSpPr>
+          <p:spPr bwMode="auto">
+            <a:xfrm>
+              <a:off x="4471982" y="2705095"/>
+              <a:ext cx="828675" cy="971550"/>
+            </a:xfrm>
+            <a:custGeom>
+              <a:avLst/>
+              <a:gdLst/>
+              <a:ahLst/>
+              <a:cxnLst>
+                <a:cxn ang="0">
+                  <a:pos x="0" y="0"/>
+                </a:cxn>
+                <a:cxn ang="0">
+                  <a:pos x="522" y="0"/>
+                </a:cxn>
+                <a:cxn ang="0">
+                  <a:pos x="522" y="612"/>
+                </a:cxn>
+                <a:cxn ang="0">
+                  <a:pos x="0" y="612"/>
+                </a:cxn>
+                <a:cxn ang="0">
+                  <a:pos x="0" y="0"/>
+                </a:cxn>
+                <a:cxn ang="0">
+                  <a:pos x="18" y="603"/>
+                </a:cxn>
+                <a:cxn ang="0">
+                  <a:pos x="9" y="594"/>
+                </a:cxn>
+                <a:cxn ang="0">
+                  <a:pos x="513" y="594"/>
+                </a:cxn>
+                <a:cxn ang="0">
+                  <a:pos x="504" y="603"/>
+                </a:cxn>
+                <a:cxn ang="0">
+                  <a:pos x="504" y="9"/>
+                </a:cxn>
+                <a:cxn ang="0">
+                  <a:pos x="513" y="18"/>
+                </a:cxn>
+                <a:cxn ang="0">
+                  <a:pos x="9" y="18"/>
+                </a:cxn>
+                <a:cxn ang="0">
+                  <a:pos x="18" y="9"/>
+                </a:cxn>
+                <a:cxn ang="0">
+                  <a:pos x="18" y="603"/>
+                </a:cxn>
+              </a:cxnLst>
+              <a:rect l="0" t="0" r="r" b="b"/>
+              <a:pathLst>
+                <a:path w="522" h="612">
+                  <a:moveTo>
+                    <a:pt x="0" y="0"/>
+                  </a:moveTo>
+                  <a:lnTo>
+                    <a:pt x="522" y="0"/>
+                  </a:lnTo>
+                  <a:lnTo>
+                    <a:pt x="522" y="612"/>
+                  </a:lnTo>
+                  <a:lnTo>
+                    <a:pt x="0" y="612"/>
+                  </a:lnTo>
+                  <a:lnTo>
+                    <a:pt x="0" y="0"/>
+                  </a:lnTo>
+                  <a:close/>
+                  <a:moveTo>
+                    <a:pt x="18" y="603"/>
+                  </a:moveTo>
+                  <a:lnTo>
+                    <a:pt x="9" y="594"/>
+                  </a:lnTo>
+                  <a:lnTo>
+                    <a:pt x="513" y="594"/>
+                  </a:lnTo>
+                  <a:lnTo>
+                    <a:pt x="504" y="603"/>
+                  </a:lnTo>
+                  <a:lnTo>
+                    <a:pt x="504" y="9"/>
+                  </a:lnTo>
+                  <a:lnTo>
+                    <a:pt x="513" y="18"/>
+                  </a:lnTo>
+                  <a:lnTo>
+                    <a:pt x="9" y="18"/>
+                  </a:lnTo>
+                  <a:lnTo>
+                    <a:pt x="18" y="9"/>
+                  </a:lnTo>
+                  <a:lnTo>
+                    <a:pt x="18" y="603"/>
+                  </a:lnTo>
+                  <a:close/>
+                </a:path>
+              </a:pathLst>
+            </a:custGeom>
             <a:solidFill>
               <a:srgbClr val="FF0000"/>
             </a:solidFill>
-            <a:prstDash val="solid"/>
-            <a:round/>
-            <a:headEnd/>
-            <a:tailEnd/>
-          </a:ln>
-        </p:spPr>
-        <p:txBody>
-          <a:bodyPr vert="horz" wrap="square" lIns="91440" tIns="45720" rIns="91440" bIns="45720" numCol="1" anchor="t" anchorCtr="0" compatLnSpc="1">
-            <a:prstTxWarp prst="textNoShape">
+            <a:ln w="0" cap="flat">
+              <a:solidFill>
+                <a:srgbClr val="FF0000"/>
+              </a:solidFill>
+              <a:prstDash val="solid"/>
+              <a:round/>
+              <a:headEnd/>
+              <a:tailEnd/>
+            </a:ln>
+          </p:spPr>
+          <p:txBody>
+            <a:bodyPr vert="horz" wrap="square" lIns="91440" tIns="45720" rIns="91440" bIns="45720" numCol="1" anchor="t" anchorCtr="0" compatLnSpc="1">
+              <a:prstTxWarp prst="textNoShape">
+                <a:avLst/>
+              </a:prstTxWarp>
+            </a:bodyPr>
+            <a:lstStyle/>
+            <a:p>
+              <a:endParaRPr lang="fr-FR"/>
+            </a:p>
+          </p:txBody>
+        </p:sp>
+        <p:sp>
+          <p:nvSpPr>
+            <p:cNvPr id="345096" name="Freeform 8"/>
+            <p:cNvSpPr>
+              <a:spLocks noEditPoints="1"/>
+            </p:cNvSpPr>
+            <p:nvPr/>
+          </p:nvSpPr>
+          <p:spPr bwMode="auto">
+            <a:xfrm flipH="1">
+              <a:off x="4691057" y="2795582"/>
+              <a:ext cx="225425" cy="647700"/>
+            </a:xfrm>
+            <a:custGeom>
               <a:avLst/>
-            </a:prstTxWarp>
-          </a:bodyPr>
-          <a:lstStyle/>
-          <a:p>
-            <a:endParaRPr lang="fr-FR"/>
-          </a:p>
-        </p:txBody>
-      </p:sp>
-      <p:sp>
-        <p:nvSpPr>
-          <p:cNvPr id="345096" name="Freeform 8"/>
-          <p:cNvSpPr>
-            <a:spLocks noEditPoints="1"/>
-          </p:cNvSpPr>
-          <p:nvPr/>
-        </p:nvSpPr>
-        <p:spPr bwMode="auto">
-          <a:xfrm flipH="1">
-            <a:off x="4691057" y="2795582"/>
-            <a:ext cx="225425" cy="647700"/>
-          </a:xfrm>
-          <a:custGeom>
-            <a:avLst/>
-            <a:gdLst/>
-            <a:ahLst/>
-            <a:cxnLst>
-              <a:cxn ang="0">
-                <a:pos x="199" y="1020"/>
-              </a:cxn>
-              <a:cxn ang="0">
-                <a:pos x="186" y="1009"/>
-              </a:cxn>
-              <a:cxn ang="0">
-                <a:pos x="131" y="946"/>
-              </a:cxn>
-              <a:cxn ang="0">
-                <a:pos x="85" y="878"/>
-              </a:cxn>
-              <a:cxn ang="0">
-                <a:pos x="49" y="804"/>
-              </a:cxn>
-              <a:cxn ang="0">
-                <a:pos x="22" y="725"/>
-              </a:cxn>
-              <a:cxn ang="0">
-                <a:pos x="5" y="644"/>
-              </a:cxn>
-              <a:cxn ang="0">
-                <a:pos x="0" y="559"/>
-              </a:cxn>
-              <a:cxn ang="0">
-                <a:pos x="6" y="468"/>
-              </a:cxn>
-              <a:cxn ang="0">
-                <a:pos x="6" y="464"/>
-              </a:cxn>
-              <a:cxn ang="0">
-                <a:pos x="25" y="378"/>
-              </a:cxn>
-              <a:cxn ang="0">
-                <a:pos x="56" y="294"/>
-              </a:cxn>
-              <a:cxn ang="0">
-                <a:pos x="98" y="215"/>
-              </a:cxn>
-              <a:cxn ang="0">
-                <a:pos x="100" y="212"/>
-              </a:cxn>
-              <a:cxn ang="0">
-                <a:pos x="152" y="143"/>
-              </a:cxn>
-              <a:cxn ang="0">
-                <a:pos x="214" y="80"/>
-              </a:cxn>
-              <a:cxn ang="0">
-                <a:pos x="241" y="59"/>
-              </a:cxn>
-              <a:cxn ang="0">
-                <a:pos x="271" y="97"/>
-              </a:cxn>
-              <a:cxn ang="0">
-                <a:pos x="249" y="113"/>
-              </a:cxn>
-              <a:cxn ang="0">
-                <a:pos x="191" y="172"/>
-              </a:cxn>
-              <a:cxn ang="0">
-                <a:pos x="139" y="241"/>
-              </a:cxn>
-              <a:cxn ang="0">
-                <a:pos x="141" y="238"/>
-              </a:cxn>
-              <a:cxn ang="0">
-                <a:pos x="101" y="311"/>
-              </a:cxn>
-              <a:cxn ang="0">
-                <a:pos x="72" y="389"/>
-              </a:cxn>
-              <a:cxn ang="0">
-                <a:pos x="53" y="475"/>
-              </a:cxn>
-              <a:cxn ang="0">
-                <a:pos x="53" y="471"/>
-              </a:cxn>
-              <a:cxn ang="0">
-                <a:pos x="47" y="556"/>
-              </a:cxn>
-              <a:cxn ang="0">
-                <a:pos x="52" y="635"/>
-              </a:cxn>
-              <a:cxn ang="0">
-                <a:pos x="67" y="710"/>
-              </a:cxn>
-              <a:cxn ang="0">
-                <a:pos x="92" y="783"/>
-              </a:cxn>
-              <a:cxn ang="0">
-                <a:pos x="125" y="851"/>
-              </a:cxn>
-              <a:cxn ang="0">
-                <a:pos x="168" y="915"/>
-              </a:cxn>
-              <a:cxn ang="0">
-                <a:pos x="217" y="972"/>
-              </a:cxn>
-              <a:cxn ang="0">
-                <a:pos x="230" y="984"/>
-              </a:cxn>
-              <a:cxn ang="0">
-                <a:pos x="199" y="1020"/>
-              </a:cxn>
-              <a:cxn ang="0">
-                <a:pos x="214" y="1002"/>
-              </a:cxn>
-              <a:cxn ang="0">
-                <a:pos x="210" y="848"/>
-              </a:cxn>
-              <a:cxn ang="0">
-                <a:pos x="329" y="1088"/>
-              </a:cxn>
-              <a:cxn ang="0">
-                <a:pos x="66" y="1040"/>
-              </a:cxn>
-              <a:cxn ang="0">
-                <a:pos x="214" y="1002"/>
-              </a:cxn>
-              <a:cxn ang="0">
-                <a:pos x="256" y="78"/>
-              </a:cxn>
-              <a:cxn ang="0">
-                <a:pos x="111" y="28"/>
-              </a:cxn>
-              <a:cxn ang="0">
-                <a:pos x="377" y="0"/>
-              </a:cxn>
-              <a:cxn ang="0">
-                <a:pos x="239" y="230"/>
-              </a:cxn>
-              <a:cxn ang="0">
-                <a:pos x="256" y="78"/>
-              </a:cxn>
-            </a:cxnLst>
-            <a:rect l="0" t="0" r="r" b="b"/>
-            <a:pathLst>
-              <a:path w="377" h="1088">
-                <a:moveTo>
-                  <a:pt x="199" y="1020"/>
-                </a:moveTo>
-                <a:lnTo>
-                  <a:pt x="186" y="1009"/>
-                </a:lnTo>
-                <a:lnTo>
-                  <a:pt x="131" y="946"/>
-                </a:lnTo>
-                <a:lnTo>
-                  <a:pt x="85" y="878"/>
-                </a:lnTo>
-                <a:lnTo>
-                  <a:pt x="49" y="804"/>
-                </a:lnTo>
-                <a:lnTo>
-                  <a:pt x="22" y="725"/>
-                </a:lnTo>
-                <a:lnTo>
-                  <a:pt x="5" y="644"/>
-                </a:lnTo>
-                <a:lnTo>
-                  <a:pt x="0" y="559"/>
-                </a:lnTo>
-                <a:lnTo>
-                  <a:pt x="6" y="468"/>
-                </a:lnTo>
-                <a:cubicBezTo>
-                  <a:pt x="6" y="467"/>
-                  <a:pt x="6" y="465"/>
-                  <a:pt x="6" y="464"/>
-                </a:cubicBezTo>
-                <a:lnTo>
-                  <a:pt x="25" y="378"/>
-                </a:lnTo>
-                <a:lnTo>
-                  <a:pt x="56" y="294"/>
-                </a:lnTo>
-                <a:lnTo>
-                  <a:pt x="98" y="215"/>
-                </a:lnTo>
-                <a:cubicBezTo>
-                  <a:pt x="99" y="214"/>
-                  <a:pt x="100" y="213"/>
-                  <a:pt x="100" y="212"/>
-                </a:cubicBezTo>
-                <a:lnTo>
-                  <a:pt x="152" y="143"/>
-                </a:lnTo>
-                <a:lnTo>
-                  <a:pt x="214" y="80"/>
-                </a:lnTo>
-                <a:lnTo>
-                  <a:pt x="241" y="59"/>
-                </a:lnTo>
-                <a:lnTo>
-                  <a:pt x="271" y="97"/>
-                </a:lnTo>
-                <a:lnTo>
-                  <a:pt x="249" y="113"/>
-                </a:lnTo>
-                <a:lnTo>
-                  <a:pt x="191" y="172"/>
-                </a:lnTo>
-                <a:lnTo>
-                  <a:pt x="139" y="241"/>
-                </a:lnTo>
-                <a:lnTo>
-                  <a:pt x="141" y="238"/>
-                </a:lnTo>
-                <a:lnTo>
-                  <a:pt x="101" y="311"/>
-                </a:lnTo>
-                <a:lnTo>
-                  <a:pt x="72" y="389"/>
-                </a:lnTo>
-                <a:lnTo>
-                  <a:pt x="53" y="475"/>
-                </a:lnTo>
-                <a:lnTo>
-                  <a:pt x="53" y="471"/>
-                </a:lnTo>
-                <a:lnTo>
-                  <a:pt x="47" y="556"/>
-                </a:lnTo>
-                <a:lnTo>
-                  <a:pt x="52" y="635"/>
-                </a:lnTo>
-                <a:lnTo>
-                  <a:pt x="67" y="710"/>
-                </a:lnTo>
-                <a:lnTo>
-                  <a:pt x="92" y="783"/>
-                </a:lnTo>
-                <a:lnTo>
-                  <a:pt x="125" y="851"/>
-                </a:lnTo>
-                <a:lnTo>
-                  <a:pt x="168" y="915"/>
-                </a:lnTo>
-                <a:lnTo>
-                  <a:pt x="217" y="972"/>
-                </a:lnTo>
-                <a:lnTo>
-                  <a:pt x="230" y="984"/>
-                </a:lnTo>
-                <a:lnTo>
-                  <a:pt x="199" y="1020"/>
-                </a:lnTo>
-                <a:close/>
-                <a:moveTo>
-                  <a:pt x="214" y="1002"/>
-                </a:moveTo>
-                <a:lnTo>
-                  <a:pt x="210" y="848"/>
-                </a:lnTo>
-                <a:lnTo>
-                  <a:pt x="329" y="1088"/>
-                </a:lnTo>
-                <a:lnTo>
-                  <a:pt x="66" y="1040"/>
-                </a:lnTo>
-                <a:lnTo>
-                  <a:pt x="214" y="1002"/>
-                </a:lnTo>
-                <a:close/>
-                <a:moveTo>
-                  <a:pt x="256" y="78"/>
-                </a:moveTo>
-                <a:lnTo>
-                  <a:pt x="111" y="28"/>
-                </a:lnTo>
-                <a:lnTo>
-                  <a:pt x="377" y="0"/>
-                </a:lnTo>
-                <a:lnTo>
-                  <a:pt x="239" y="230"/>
-                </a:lnTo>
-                <a:lnTo>
-                  <a:pt x="256" y="78"/>
-                </a:lnTo>
-                <a:close/>
-              </a:path>
-            </a:pathLst>
-          </a:custGeom>
-          <a:solidFill>
-            <a:srgbClr val="000000"/>
-          </a:solidFill>
-          <a:ln w="0" cap="flat">
+              <a:gdLst/>
+              <a:ahLst/>
+              <a:cxnLst>
+                <a:cxn ang="0">
+                  <a:pos x="199" y="1020"/>
+                </a:cxn>
+                <a:cxn ang="0">
+                  <a:pos x="186" y="1009"/>
+                </a:cxn>
+                <a:cxn ang="0">
+                  <a:pos x="131" y="946"/>
+                </a:cxn>
+                <a:cxn ang="0">
+                  <a:pos x="85" y="878"/>
+                </a:cxn>
+                <a:cxn ang="0">
+                  <a:pos x="49" y="804"/>
+                </a:cxn>
+                <a:cxn ang="0">
+                  <a:pos x="22" y="725"/>
+                </a:cxn>
+                <a:cxn ang="0">
+                  <a:pos x="5" y="644"/>
+                </a:cxn>
+                <a:cxn ang="0">
+                  <a:pos x="0" y="559"/>
+                </a:cxn>
+                <a:cxn ang="0">
+                  <a:pos x="6" y="468"/>
+                </a:cxn>
+                <a:cxn ang="0">
+                  <a:pos x="6" y="464"/>
+                </a:cxn>
+                <a:cxn ang="0">
+                  <a:pos x="25" y="378"/>
+                </a:cxn>
+                <a:cxn ang="0">
+                  <a:pos x="56" y="294"/>
+                </a:cxn>
+                <a:cxn ang="0">
+                  <a:pos x="98" y="215"/>
+                </a:cxn>
+                <a:cxn ang="0">
+                  <a:pos x="100" y="212"/>
+                </a:cxn>
+                <a:cxn ang="0">
+                  <a:pos x="152" y="143"/>
+                </a:cxn>
+                <a:cxn ang="0">
+                  <a:pos x="214" y="80"/>
+                </a:cxn>
+                <a:cxn ang="0">
+                  <a:pos x="241" y="59"/>
+                </a:cxn>
+                <a:cxn ang="0">
+                  <a:pos x="271" y="97"/>
+                </a:cxn>
+                <a:cxn ang="0">
+                  <a:pos x="249" y="113"/>
+                </a:cxn>
+                <a:cxn ang="0">
+                  <a:pos x="191" y="172"/>
+                </a:cxn>
+                <a:cxn ang="0">
+                  <a:pos x="139" y="241"/>
+                </a:cxn>
+                <a:cxn ang="0">
+                  <a:pos x="141" y="238"/>
+                </a:cxn>
+                <a:cxn ang="0">
+                  <a:pos x="101" y="311"/>
+                </a:cxn>
+                <a:cxn ang="0">
+                  <a:pos x="72" y="389"/>
+                </a:cxn>
+                <a:cxn ang="0">
+                  <a:pos x="53" y="475"/>
+                </a:cxn>
+                <a:cxn ang="0">
+                  <a:pos x="53" y="471"/>
+                </a:cxn>
+                <a:cxn ang="0">
+                  <a:pos x="47" y="556"/>
+                </a:cxn>
+                <a:cxn ang="0">
+                  <a:pos x="52" y="635"/>
+                </a:cxn>
+                <a:cxn ang="0">
+                  <a:pos x="67" y="710"/>
+                </a:cxn>
+                <a:cxn ang="0">
+                  <a:pos x="92" y="783"/>
+                </a:cxn>
+                <a:cxn ang="0">
+                  <a:pos x="125" y="851"/>
+                </a:cxn>
+                <a:cxn ang="0">
+                  <a:pos x="168" y="915"/>
+                </a:cxn>
+                <a:cxn ang="0">
+                  <a:pos x="217" y="972"/>
+                </a:cxn>
+                <a:cxn ang="0">
+                  <a:pos x="230" y="984"/>
+                </a:cxn>
+                <a:cxn ang="0">
+                  <a:pos x="199" y="1020"/>
+                </a:cxn>
+                <a:cxn ang="0">
+                  <a:pos x="214" y="1002"/>
+                </a:cxn>
+                <a:cxn ang="0">
+                  <a:pos x="210" y="848"/>
+                </a:cxn>
+                <a:cxn ang="0">
+                  <a:pos x="329" y="1088"/>
+                </a:cxn>
+                <a:cxn ang="0">
+                  <a:pos x="66" y="1040"/>
+                </a:cxn>
+                <a:cxn ang="0">
+                  <a:pos x="214" y="1002"/>
+                </a:cxn>
+                <a:cxn ang="0">
+                  <a:pos x="256" y="78"/>
+                </a:cxn>
+                <a:cxn ang="0">
+                  <a:pos x="111" y="28"/>
+                </a:cxn>
+                <a:cxn ang="0">
+                  <a:pos x="377" y="0"/>
+                </a:cxn>
+                <a:cxn ang="0">
+                  <a:pos x="239" y="230"/>
+                </a:cxn>
+                <a:cxn ang="0">
+                  <a:pos x="256" y="78"/>
+                </a:cxn>
+              </a:cxnLst>
+              <a:rect l="0" t="0" r="r" b="b"/>
+              <a:pathLst>
+                <a:path w="377" h="1088">
+                  <a:moveTo>
+                    <a:pt x="199" y="1020"/>
+                  </a:moveTo>
+                  <a:lnTo>
+                    <a:pt x="186" y="1009"/>
+                  </a:lnTo>
+                  <a:lnTo>
+                    <a:pt x="131" y="946"/>
+                  </a:lnTo>
+                  <a:lnTo>
+                    <a:pt x="85" y="878"/>
+                  </a:lnTo>
+                  <a:lnTo>
+                    <a:pt x="49" y="804"/>
+                  </a:lnTo>
+                  <a:lnTo>
+                    <a:pt x="22" y="725"/>
+                  </a:lnTo>
+                  <a:lnTo>
+                    <a:pt x="5" y="644"/>
+                  </a:lnTo>
+                  <a:lnTo>
+                    <a:pt x="0" y="559"/>
+                  </a:lnTo>
+                  <a:lnTo>
+                    <a:pt x="6" y="468"/>
+                  </a:lnTo>
+                  <a:cubicBezTo>
+                    <a:pt x="6" y="467"/>
+                    <a:pt x="6" y="465"/>
+                    <a:pt x="6" y="464"/>
+                  </a:cubicBezTo>
+                  <a:lnTo>
+                    <a:pt x="25" y="378"/>
+                  </a:lnTo>
+                  <a:lnTo>
+                    <a:pt x="56" y="294"/>
+                  </a:lnTo>
+                  <a:lnTo>
+                    <a:pt x="98" y="215"/>
+                  </a:lnTo>
+                  <a:cubicBezTo>
+                    <a:pt x="99" y="214"/>
+                    <a:pt x="100" y="213"/>
+                    <a:pt x="100" y="212"/>
+                  </a:cubicBezTo>
+                  <a:lnTo>
+                    <a:pt x="152" y="143"/>
+                  </a:lnTo>
+                  <a:lnTo>
+                    <a:pt x="214" y="80"/>
+                  </a:lnTo>
+                  <a:lnTo>
+                    <a:pt x="241" y="59"/>
+                  </a:lnTo>
+                  <a:lnTo>
+                    <a:pt x="271" y="97"/>
+                  </a:lnTo>
+                  <a:lnTo>
+                    <a:pt x="249" y="113"/>
+                  </a:lnTo>
+                  <a:lnTo>
+                    <a:pt x="191" y="172"/>
+                  </a:lnTo>
+                  <a:lnTo>
+                    <a:pt x="139" y="241"/>
+                  </a:lnTo>
+                  <a:lnTo>
+                    <a:pt x="141" y="238"/>
+                  </a:lnTo>
+                  <a:lnTo>
+                    <a:pt x="101" y="311"/>
+                  </a:lnTo>
+                  <a:lnTo>
+                    <a:pt x="72" y="389"/>
+                  </a:lnTo>
+                  <a:lnTo>
+                    <a:pt x="53" y="475"/>
+                  </a:lnTo>
+                  <a:lnTo>
+                    <a:pt x="53" y="471"/>
+                  </a:lnTo>
+                  <a:lnTo>
+                    <a:pt x="47" y="556"/>
+                  </a:lnTo>
+                  <a:lnTo>
+                    <a:pt x="52" y="635"/>
+                  </a:lnTo>
+                  <a:lnTo>
+                    <a:pt x="67" y="710"/>
+                  </a:lnTo>
+                  <a:lnTo>
+                    <a:pt x="92" y="783"/>
+                  </a:lnTo>
+                  <a:lnTo>
+                    <a:pt x="125" y="851"/>
+                  </a:lnTo>
+                  <a:lnTo>
+                    <a:pt x="168" y="915"/>
+                  </a:lnTo>
+                  <a:lnTo>
+                    <a:pt x="217" y="972"/>
+                  </a:lnTo>
+                  <a:lnTo>
+                    <a:pt x="230" y="984"/>
+                  </a:lnTo>
+                  <a:lnTo>
+                    <a:pt x="199" y="1020"/>
+                  </a:lnTo>
+                  <a:close/>
+                  <a:moveTo>
+                    <a:pt x="214" y="1002"/>
+                  </a:moveTo>
+                  <a:lnTo>
+                    <a:pt x="210" y="848"/>
+                  </a:lnTo>
+                  <a:lnTo>
+                    <a:pt x="329" y="1088"/>
+                  </a:lnTo>
+                  <a:lnTo>
+                    <a:pt x="66" y="1040"/>
+                  </a:lnTo>
+                  <a:lnTo>
+                    <a:pt x="214" y="1002"/>
+                  </a:lnTo>
+                  <a:close/>
+                  <a:moveTo>
+                    <a:pt x="256" y="78"/>
+                  </a:moveTo>
+                  <a:lnTo>
+                    <a:pt x="111" y="28"/>
+                  </a:lnTo>
+                  <a:lnTo>
+                    <a:pt x="377" y="0"/>
+                  </a:lnTo>
+                  <a:lnTo>
+                    <a:pt x="239" y="230"/>
+                  </a:lnTo>
+                  <a:lnTo>
+                    <a:pt x="256" y="78"/>
+                  </a:lnTo>
+                  <a:close/>
+                </a:path>
+              </a:pathLst>
+            </a:custGeom>
             <a:solidFill>
               <a:srgbClr val="000000"/>
             </a:solidFill>
-            <a:prstDash val="solid"/>
-            <a:round/>
-            <a:headEnd/>
-            <a:tailEnd/>
-          </a:ln>
-        </p:spPr>
-        <p:txBody>
-          <a:bodyPr vert="horz" wrap="square" lIns="91440" tIns="45720" rIns="91440" bIns="45720" numCol="1" anchor="t" anchorCtr="0" compatLnSpc="1">
-            <a:prstTxWarp prst="textNoShape">
+            <a:ln w="0" cap="flat">
+              <a:solidFill>
+                <a:srgbClr val="000000"/>
+              </a:solidFill>
+              <a:prstDash val="solid"/>
+              <a:round/>
+              <a:headEnd/>
+              <a:tailEnd/>
+            </a:ln>
+          </p:spPr>
+          <p:txBody>
+            <a:bodyPr vert="horz" wrap="square" lIns="91440" tIns="45720" rIns="91440" bIns="45720" numCol="1" anchor="t" anchorCtr="0" compatLnSpc="1">
+              <a:prstTxWarp prst="textNoShape">
+                <a:avLst/>
+              </a:prstTxWarp>
+            </a:bodyPr>
+            <a:lstStyle/>
+            <a:p>
+              <a:endParaRPr lang="fr-FR"/>
+            </a:p>
+          </p:txBody>
+        </p:sp>
+        <p:sp>
+          <p:nvSpPr>
+            <p:cNvPr id="345098" name="Freeform 10"/>
+            <p:cNvSpPr>
+              <a:spLocks noEditPoints="1"/>
+            </p:cNvSpPr>
+            <p:nvPr/>
+          </p:nvSpPr>
+          <p:spPr bwMode="auto">
+            <a:xfrm>
+              <a:off x="5286380" y="2847976"/>
+              <a:ext cx="252000" cy="76200"/>
+            </a:xfrm>
+            <a:custGeom>
               <a:avLst/>
-            </a:prstTxWarp>
-          </a:bodyPr>
-          <a:lstStyle/>
-          <a:p>
-            <a:endParaRPr lang="fr-FR"/>
-          </a:p>
-        </p:txBody>
-      </p:sp>
-      <p:sp>
-        <p:nvSpPr>
-          <p:cNvPr id="345098" name="Freeform 10"/>
-          <p:cNvSpPr>
-            <a:spLocks noEditPoints="1"/>
-          </p:cNvSpPr>
-          <p:nvPr/>
-        </p:nvSpPr>
-        <p:spPr bwMode="auto">
-          <a:xfrm>
-            <a:off x="5286380" y="2847976"/>
-            <a:ext cx="252000" cy="76200"/>
-          </a:xfrm>
-          <a:custGeom>
-            <a:avLst/>
-            <a:gdLst/>
-            <a:ahLst/>
-            <a:cxnLst>
-              <a:cxn ang="0">
-                <a:pos x="0" y="18"/>
-              </a:cxn>
-              <a:cxn ang="0">
-                <a:pos x="230" y="18"/>
-              </a:cxn>
-              <a:cxn ang="0">
-                <a:pos x="230" y="30"/>
-              </a:cxn>
-              <a:cxn ang="0">
-                <a:pos x="0" y="30"/>
-              </a:cxn>
-              <a:cxn ang="0">
-                <a:pos x="0" y="18"/>
-              </a:cxn>
-              <a:cxn ang="0">
-                <a:pos x="222" y="0"/>
-              </a:cxn>
-              <a:cxn ang="0">
-                <a:pos x="270" y="24"/>
-              </a:cxn>
-              <a:cxn ang="0">
-                <a:pos x="222" y="48"/>
-              </a:cxn>
-              <a:cxn ang="0">
-                <a:pos x="222" y="0"/>
-              </a:cxn>
-            </a:cxnLst>
-            <a:rect l="0" t="0" r="r" b="b"/>
-            <a:pathLst>
-              <a:path w="270" h="48">
-                <a:moveTo>
-                  <a:pt x="0" y="18"/>
-                </a:moveTo>
-                <a:lnTo>
-                  <a:pt x="230" y="18"/>
-                </a:lnTo>
-                <a:lnTo>
-                  <a:pt x="230" y="30"/>
-                </a:lnTo>
-                <a:lnTo>
-                  <a:pt x="0" y="30"/>
-                </a:lnTo>
-                <a:lnTo>
-                  <a:pt x="0" y="18"/>
-                </a:lnTo>
-                <a:close/>
-                <a:moveTo>
-                  <a:pt x="222" y="0"/>
-                </a:moveTo>
-                <a:lnTo>
-                  <a:pt x="270" y="24"/>
-                </a:lnTo>
-                <a:lnTo>
-                  <a:pt x="222" y="48"/>
-                </a:lnTo>
-                <a:lnTo>
-                  <a:pt x="222" y="0"/>
-                </a:lnTo>
-                <a:close/>
-              </a:path>
-            </a:pathLst>
-          </a:custGeom>
-          <a:solidFill>
-            <a:srgbClr val="000000"/>
-          </a:solidFill>
-          <a:ln w="0" cap="flat">
+              <a:gdLst/>
+              <a:ahLst/>
+              <a:cxnLst>
+                <a:cxn ang="0">
+                  <a:pos x="0" y="18"/>
+                </a:cxn>
+                <a:cxn ang="0">
+                  <a:pos x="230" y="18"/>
+                </a:cxn>
+                <a:cxn ang="0">
+                  <a:pos x="230" y="30"/>
+                </a:cxn>
+                <a:cxn ang="0">
+                  <a:pos x="0" y="30"/>
+                </a:cxn>
+                <a:cxn ang="0">
+                  <a:pos x="0" y="18"/>
+                </a:cxn>
+                <a:cxn ang="0">
+                  <a:pos x="222" y="0"/>
+                </a:cxn>
+                <a:cxn ang="0">
+                  <a:pos x="270" y="24"/>
+                </a:cxn>
+                <a:cxn ang="0">
+                  <a:pos x="222" y="48"/>
+                </a:cxn>
+                <a:cxn ang="0">
+                  <a:pos x="222" y="0"/>
+                </a:cxn>
+              </a:cxnLst>
+              <a:rect l="0" t="0" r="r" b="b"/>
+              <a:pathLst>
+                <a:path w="270" h="48">
+                  <a:moveTo>
+                    <a:pt x="0" y="18"/>
+                  </a:moveTo>
+                  <a:lnTo>
+                    <a:pt x="230" y="18"/>
+                  </a:lnTo>
+                  <a:lnTo>
+                    <a:pt x="230" y="30"/>
+                  </a:lnTo>
+                  <a:lnTo>
+                    <a:pt x="0" y="30"/>
+                  </a:lnTo>
+                  <a:lnTo>
+                    <a:pt x="0" y="18"/>
+                  </a:lnTo>
+                  <a:close/>
+                  <a:moveTo>
+                    <a:pt x="222" y="0"/>
+                  </a:moveTo>
+                  <a:lnTo>
+                    <a:pt x="270" y="24"/>
+                  </a:lnTo>
+                  <a:lnTo>
+                    <a:pt x="222" y="48"/>
+                  </a:lnTo>
+                  <a:lnTo>
+                    <a:pt x="222" y="0"/>
+                  </a:lnTo>
+                  <a:close/>
+                </a:path>
+              </a:pathLst>
+            </a:custGeom>
             <a:solidFill>
               <a:srgbClr val="000000"/>
             </a:solidFill>
-            <a:prstDash val="solid"/>
-            <a:round/>
-            <a:headEnd/>
-            <a:tailEnd/>
-          </a:ln>
-        </p:spPr>
-        <p:txBody>
-          <a:bodyPr vert="horz" wrap="square" lIns="91440" tIns="45720" rIns="91440" bIns="45720" numCol="1" anchor="t" anchorCtr="0" compatLnSpc="1">
-            <a:prstTxWarp prst="textNoShape">
+            <a:ln w="0" cap="flat">
+              <a:solidFill>
+                <a:srgbClr val="000000"/>
+              </a:solidFill>
+              <a:prstDash val="solid"/>
+              <a:round/>
+              <a:headEnd/>
+              <a:tailEnd/>
+            </a:ln>
+          </p:spPr>
+          <p:txBody>
+            <a:bodyPr vert="horz" wrap="square" lIns="91440" tIns="45720" rIns="91440" bIns="45720" numCol="1" anchor="t" anchorCtr="0" compatLnSpc="1">
+              <a:prstTxWarp prst="textNoShape">
+                <a:avLst/>
+              </a:prstTxWarp>
+            </a:bodyPr>
+            <a:lstStyle/>
+            <a:p>
+              <a:endParaRPr lang="fr-FR"/>
+            </a:p>
+          </p:txBody>
+        </p:sp>
+        <p:sp>
+          <p:nvSpPr>
+            <p:cNvPr id="345099" name="Freeform 11"/>
+            <p:cNvSpPr>
+              <a:spLocks noEditPoints="1"/>
+            </p:cNvSpPr>
+            <p:nvPr/>
+          </p:nvSpPr>
+          <p:spPr bwMode="auto">
+            <a:xfrm>
+              <a:off x="5286380" y="3067051"/>
+              <a:ext cx="252000" cy="76200"/>
+            </a:xfrm>
+            <a:custGeom>
               <a:avLst/>
-            </a:prstTxWarp>
-          </a:bodyPr>
-          <a:lstStyle/>
-          <a:p>
-            <a:endParaRPr lang="fr-FR"/>
-          </a:p>
-        </p:txBody>
-      </p:sp>
-      <p:sp>
-        <p:nvSpPr>
-          <p:cNvPr id="345099" name="Freeform 11"/>
-          <p:cNvSpPr>
-            <a:spLocks noEditPoints="1"/>
-          </p:cNvSpPr>
-          <p:nvPr/>
-        </p:nvSpPr>
-        <p:spPr bwMode="auto">
-          <a:xfrm>
-            <a:off x="5286380" y="3067051"/>
-            <a:ext cx="252000" cy="76200"/>
-          </a:xfrm>
-          <a:custGeom>
-            <a:avLst/>
-            <a:gdLst/>
-            <a:ahLst/>
-            <a:cxnLst>
-              <a:cxn ang="0">
-                <a:pos x="0" y="18"/>
-              </a:cxn>
-              <a:cxn ang="0">
-                <a:pos x="230" y="18"/>
-              </a:cxn>
-              <a:cxn ang="0">
-                <a:pos x="230" y="30"/>
-              </a:cxn>
-              <a:cxn ang="0">
-                <a:pos x="0" y="30"/>
-              </a:cxn>
-              <a:cxn ang="0">
-                <a:pos x="0" y="18"/>
-              </a:cxn>
-              <a:cxn ang="0">
-                <a:pos x="222" y="0"/>
-              </a:cxn>
-              <a:cxn ang="0">
-                <a:pos x="270" y="24"/>
-              </a:cxn>
-              <a:cxn ang="0">
-                <a:pos x="222" y="48"/>
-              </a:cxn>
-              <a:cxn ang="0">
-                <a:pos x="222" y="0"/>
-              </a:cxn>
-            </a:cxnLst>
-            <a:rect l="0" t="0" r="r" b="b"/>
-            <a:pathLst>
-              <a:path w="270" h="48">
-                <a:moveTo>
-                  <a:pt x="0" y="18"/>
-                </a:moveTo>
-                <a:lnTo>
-                  <a:pt x="230" y="18"/>
-                </a:lnTo>
-                <a:lnTo>
-                  <a:pt x="230" y="30"/>
-                </a:lnTo>
-                <a:lnTo>
-                  <a:pt x="0" y="30"/>
-                </a:lnTo>
-                <a:lnTo>
-                  <a:pt x="0" y="18"/>
-                </a:lnTo>
-                <a:close/>
-                <a:moveTo>
-                  <a:pt x="222" y="0"/>
-                </a:moveTo>
-                <a:lnTo>
-                  <a:pt x="270" y="24"/>
-                </a:lnTo>
-                <a:lnTo>
-                  <a:pt x="222" y="48"/>
-                </a:lnTo>
-                <a:lnTo>
-                  <a:pt x="222" y="0"/>
-                </a:lnTo>
-                <a:close/>
-              </a:path>
-            </a:pathLst>
-          </a:custGeom>
-          <a:solidFill>
-            <a:srgbClr val="000000"/>
-          </a:solidFill>
-          <a:ln w="0" cap="flat">
+              <a:gdLst/>
+              <a:ahLst/>
+              <a:cxnLst>
+                <a:cxn ang="0">
+                  <a:pos x="0" y="18"/>
+                </a:cxn>
+                <a:cxn ang="0">
+                  <a:pos x="230" y="18"/>
+                </a:cxn>
+                <a:cxn ang="0">
+                  <a:pos x="230" y="30"/>
+                </a:cxn>
+                <a:cxn ang="0">
+                  <a:pos x="0" y="30"/>
+                </a:cxn>
+                <a:cxn ang="0">
+                  <a:pos x="0" y="18"/>
+                </a:cxn>
+                <a:cxn ang="0">
+                  <a:pos x="222" y="0"/>
+                </a:cxn>
+                <a:cxn ang="0">
+                  <a:pos x="270" y="24"/>
+                </a:cxn>
+                <a:cxn ang="0">
+                  <a:pos x="222" y="48"/>
+                </a:cxn>
+                <a:cxn ang="0">
+                  <a:pos x="222" y="0"/>
+                </a:cxn>
+              </a:cxnLst>
+              <a:rect l="0" t="0" r="r" b="b"/>
+              <a:pathLst>
+                <a:path w="270" h="48">
+                  <a:moveTo>
+                    <a:pt x="0" y="18"/>
+                  </a:moveTo>
+                  <a:lnTo>
+                    <a:pt x="230" y="18"/>
+                  </a:lnTo>
+                  <a:lnTo>
+                    <a:pt x="230" y="30"/>
+                  </a:lnTo>
+                  <a:lnTo>
+                    <a:pt x="0" y="30"/>
+                  </a:lnTo>
+                  <a:lnTo>
+                    <a:pt x="0" y="18"/>
+                  </a:lnTo>
+                  <a:close/>
+                  <a:moveTo>
+                    <a:pt x="222" y="0"/>
+                  </a:moveTo>
+                  <a:lnTo>
+                    <a:pt x="270" y="24"/>
+                  </a:lnTo>
+                  <a:lnTo>
+                    <a:pt x="222" y="48"/>
+                  </a:lnTo>
+                  <a:lnTo>
+                    <a:pt x="222" y="0"/>
+                  </a:lnTo>
+                  <a:close/>
+                </a:path>
+              </a:pathLst>
+            </a:custGeom>
             <a:solidFill>
               <a:srgbClr val="000000"/>
             </a:solidFill>
-            <a:prstDash val="solid"/>
-            <a:round/>
-            <a:headEnd/>
-            <a:tailEnd/>
-          </a:ln>
-        </p:spPr>
-        <p:txBody>
-          <a:bodyPr vert="horz" wrap="square" lIns="91440" tIns="45720" rIns="91440" bIns="45720" numCol="1" anchor="t" anchorCtr="0" compatLnSpc="1">
-            <a:prstTxWarp prst="textNoShape">
+            <a:ln w="0" cap="flat">
+              <a:solidFill>
+                <a:srgbClr val="000000"/>
+              </a:solidFill>
+              <a:prstDash val="solid"/>
+              <a:round/>
+              <a:headEnd/>
+              <a:tailEnd/>
+            </a:ln>
+          </p:spPr>
+          <p:txBody>
+            <a:bodyPr vert="horz" wrap="square" lIns="91440" tIns="45720" rIns="91440" bIns="45720" numCol="1" anchor="t" anchorCtr="0" compatLnSpc="1">
+              <a:prstTxWarp prst="textNoShape">
+                <a:avLst/>
+              </a:prstTxWarp>
+            </a:bodyPr>
+            <a:lstStyle/>
+            <a:p>
+              <a:endParaRPr lang="fr-FR"/>
+            </a:p>
+          </p:txBody>
+        </p:sp>
+        <p:sp>
+          <p:nvSpPr>
+            <p:cNvPr id="345100" name="Freeform 12"/>
+            <p:cNvSpPr>
+              <a:spLocks noEditPoints="1"/>
+            </p:cNvSpPr>
+            <p:nvPr/>
+          </p:nvSpPr>
+          <p:spPr bwMode="auto">
+            <a:xfrm>
+              <a:off x="5286380" y="3286126"/>
+              <a:ext cx="252000" cy="76200"/>
+            </a:xfrm>
+            <a:custGeom>
               <a:avLst/>
-            </a:prstTxWarp>
-          </a:bodyPr>
-          <a:lstStyle/>
-          <a:p>
-            <a:endParaRPr lang="fr-FR"/>
-          </a:p>
-        </p:txBody>
-      </p:sp>
-      <p:sp>
-        <p:nvSpPr>
-          <p:cNvPr id="345100" name="Freeform 12"/>
-          <p:cNvSpPr>
-            <a:spLocks noEditPoints="1"/>
-          </p:cNvSpPr>
-          <p:nvPr/>
-        </p:nvSpPr>
-        <p:spPr bwMode="auto">
-          <a:xfrm>
-            <a:off x="5286380" y="3286126"/>
-            <a:ext cx="252000" cy="76200"/>
-          </a:xfrm>
-          <a:custGeom>
-            <a:avLst/>
-            <a:gdLst/>
-            <a:ahLst/>
-            <a:cxnLst>
-              <a:cxn ang="0">
-                <a:pos x="0" y="18"/>
-              </a:cxn>
-              <a:cxn ang="0">
-                <a:pos x="230" y="18"/>
-              </a:cxn>
-              <a:cxn ang="0">
-                <a:pos x="230" y="30"/>
-              </a:cxn>
-              <a:cxn ang="0">
-                <a:pos x="0" y="30"/>
-              </a:cxn>
-              <a:cxn ang="0">
-                <a:pos x="0" y="18"/>
-              </a:cxn>
-              <a:cxn ang="0">
-                <a:pos x="222" y="0"/>
-              </a:cxn>
-              <a:cxn ang="0">
-                <a:pos x="270" y="24"/>
-              </a:cxn>
-              <a:cxn ang="0">
-                <a:pos x="222" y="48"/>
-              </a:cxn>
-              <a:cxn ang="0">
-                <a:pos x="222" y="0"/>
-              </a:cxn>
-            </a:cxnLst>
-            <a:rect l="0" t="0" r="r" b="b"/>
-            <a:pathLst>
-              <a:path w="270" h="48">
-                <a:moveTo>
-                  <a:pt x="0" y="18"/>
-                </a:moveTo>
-                <a:lnTo>
-                  <a:pt x="230" y="18"/>
-                </a:lnTo>
-                <a:lnTo>
-                  <a:pt x="230" y="30"/>
-                </a:lnTo>
-                <a:lnTo>
-                  <a:pt x="0" y="30"/>
-                </a:lnTo>
-                <a:lnTo>
-                  <a:pt x="0" y="18"/>
-                </a:lnTo>
-                <a:close/>
-                <a:moveTo>
-                  <a:pt x="222" y="0"/>
-                </a:moveTo>
-                <a:lnTo>
-                  <a:pt x="270" y="24"/>
-                </a:lnTo>
-                <a:lnTo>
-                  <a:pt x="222" y="48"/>
-                </a:lnTo>
-                <a:lnTo>
-                  <a:pt x="222" y="0"/>
-                </a:lnTo>
-                <a:close/>
-              </a:path>
-            </a:pathLst>
-          </a:custGeom>
-          <a:solidFill>
-            <a:srgbClr val="000000"/>
-          </a:solidFill>
-          <a:ln w="0" cap="flat">
+              <a:gdLst/>
+              <a:ahLst/>
+              <a:cxnLst>
+                <a:cxn ang="0">
+                  <a:pos x="0" y="18"/>
+                </a:cxn>
+                <a:cxn ang="0">
+                  <a:pos x="230" y="18"/>
+                </a:cxn>
+                <a:cxn ang="0">
+                  <a:pos x="230" y="30"/>
+                </a:cxn>
+                <a:cxn ang="0">
+                  <a:pos x="0" y="30"/>
+                </a:cxn>
+                <a:cxn ang="0">
+                  <a:pos x="0" y="18"/>
+                </a:cxn>
+                <a:cxn ang="0">
+                  <a:pos x="222" y="0"/>
+                </a:cxn>
+                <a:cxn ang="0">
+                  <a:pos x="270" y="24"/>
+                </a:cxn>
+                <a:cxn ang="0">
+                  <a:pos x="222" y="48"/>
+                </a:cxn>
+                <a:cxn ang="0">
+                  <a:pos x="222" y="0"/>
+                </a:cxn>
+              </a:cxnLst>
+              <a:rect l="0" t="0" r="r" b="b"/>
+              <a:pathLst>
+                <a:path w="270" h="48">
+                  <a:moveTo>
+                    <a:pt x="0" y="18"/>
+                  </a:moveTo>
+                  <a:lnTo>
+                    <a:pt x="230" y="18"/>
+                  </a:lnTo>
+                  <a:lnTo>
+                    <a:pt x="230" y="30"/>
+                  </a:lnTo>
+                  <a:lnTo>
+                    <a:pt x="0" y="30"/>
+                  </a:lnTo>
+                  <a:lnTo>
+                    <a:pt x="0" y="18"/>
+                  </a:lnTo>
+                  <a:close/>
+                  <a:moveTo>
+                    <a:pt x="222" y="0"/>
+                  </a:moveTo>
+                  <a:lnTo>
+                    <a:pt x="270" y="24"/>
+                  </a:lnTo>
+                  <a:lnTo>
+                    <a:pt x="222" y="48"/>
+                  </a:lnTo>
+                  <a:lnTo>
+                    <a:pt x="222" y="0"/>
+                  </a:lnTo>
+                  <a:close/>
+                </a:path>
+              </a:pathLst>
+            </a:custGeom>
             <a:solidFill>
               <a:srgbClr val="000000"/>
             </a:solidFill>
-            <a:prstDash val="solid"/>
-            <a:round/>
-            <a:headEnd/>
-            <a:tailEnd/>
-          </a:ln>
-        </p:spPr>
-        <p:txBody>
-          <a:bodyPr vert="horz" wrap="square" lIns="91440" tIns="45720" rIns="91440" bIns="45720" numCol="1" anchor="t" anchorCtr="0" compatLnSpc="1">
-            <a:prstTxWarp prst="textNoShape">
+            <a:ln w="0" cap="flat">
+              <a:solidFill>
+                <a:srgbClr val="000000"/>
+              </a:solidFill>
+              <a:prstDash val="solid"/>
+              <a:round/>
+              <a:headEnd/>
+              <a:tailEnd/>
+            </a:ln>
+          </p:spPr>
+          <p:txBody>
+            <a:bodyPr vert="horz" wrap="square" lIns="91440" tIns="45720" rIns="91440" bIns="45720" numCol="1" anchor="t" anchorCtr="0" compatLnSpc="1">
+              <a:prstTxWarp prst="textNoShape">
+                <a:avLst/>
+              </a:prstTxWarp>
+            </a:bodyPr>
+            <a:lstStyle/>
+            <a:p>
+              <a:endParaRPr lang="fr-FR"/>
+            </a:p>
+          </p:txBody>
+        </p:sp>
+        <p:sp>
+          <p:nvSpPr>
+            <p:cNvPr id="345101" name="Freeform 13"/>
+            <p:cNvSpPr>
+              <a:spLocks noEditPoints="1"/>
+            </p:cNvSpPr>
+            <p:nvPr/>
+          </p:nvSpPr>
+          <p:spPr bwMode="auto">
+            <a:xfrm>
+              <a:off x="5286380" y="3495676"/>
+              <a:ext cx="252000" cy="76200"/>
+            </a:xfrm>
+            <a:custGeom>
               <a:avLst/>
-            </a:prstTxWarp>
-          </a:bodyPr>
-          <a:lstStyle/>
-          <a:p>
-            <a:endParaRPr lang="fr-FR"/>
-          </a:p>
-        </p:txBody>
-      </p:sp>
-      <p:sp>
-        <p:nvSpPr>
-          <p:cNvPr id="345101" name="Freeform 13"/>
-          <p:cNvSpPr>
-            <a:spLocks noEditPoints="1"/>
-          </p:cNvSpPr>
-          <p:nvPr/>
-        </p:nvSpPr>
-        <p:spPr bwMode="auto">
-          <a:xfrm>
-            <a:off x="5286380" y="3495676"/>
-            <a:ext cx="252000" cy="76200"/>
-          </a:xfrm>
-          <a:custGeom>
-            <a:avLst/>
-            <a:gdLst/>
-            <a:ahLst/>
-            <a:cxnLst>
-              <a:cxn ang="0">
-                <a:pos x="0" y="18"/>
-              </a:cxn>
-              <a:cxn ang="0">
-                <a:pos x="230" y="18"/>
-              </a:cxn>
-              <a:cxn ang="0">
-                <a:pos x="230" y="30"/>
-              </a:cxn>
-              <a:cxn ang="0">
-                <a:pos x="0" y="30"/>
-              </a:cxn>
-              <a:cxn ang="0">
-                <a:pos x="0" y="18"/>
-              </a:cxn>
-              <a:cxn ang="0">
-                <a:pos x="222" y="0"/>
-              </a:cxn>
-              <a:cxn ang="0">
-                <a:pos x="270" y="24"/>
-              </a:cxn>
-              <a:cxn ang="0">
-                <a:pos x="222" y="48"/>
-              </a:cxn>
-              <a:cxn ang="0">
-                <a:pos x="222" y="0"/>
-              </a:cxn>
-            </a:cxnLst>
-            <a:rect l="0" t="0" r="r" b="b"/>
-            <a:pathLst>
-              <a:path w="270" h="48">
-                <a:moveTo>
-                  <a:pt x="0" y="18"/>
-                </a:moveTo>
-                <a:lnTo>
-                  <a:pt x="230" y="18"/>
-                </a:lnTo>
-                <a:lnTo>
-                  <a:pt x="230" y="30"/>
-                </a:lnTo>
-                <a:lnTo>
-                  <a:pt x="0" y="30"/>
-                </a:lnTo>
-                <a:lnTo>
-                  <a:pt x="0" y="18"/>
-                </a:lnTo>
-                <a:close/>
-                <a:moveTo>
-                  <a:pt x="222" y="0"/>
-                </a:moveTo>
-                <a:lnTo>
-                  <a:pt x="270" y="24"/>
-                </a:lnTo>
-                <a:lnTo>
-                  <a:pt x="222" y="48"/>
-                </a:lnTo>
-                <a:lnTo>
-                  <a:pt x="222" y="0"/>
-                </a:lnTo>
-                <a:close/>
-              </a:path>
-            </a:pathLst>
-          </a:custGeom>
-          <a:solidFill>
-            <a:srgbClr val="000000"/>
-          </a:solidFill>
-          <a:ln w="0" cap="flat">
+              <a:gdLst/>
+              <a:ahLst/>
+              <a:cxnLst>
+                <a:cxn ang="0">
+                  <a:pos x="0" y="18"/>
+                </a:cxn>
+                <a:cxn ang="0">
+                  <a:pos x="230" y="18"/>
+                </a:cxn>
+                <a:cxn ang="0">
+                  <a:pos x="230" y="30"/>
+                </a:cxn>
+                <a:cxn ang="0">
+                  <a:pos x="0" y="30"/>
+                </a:cxn>
+                <a:cxn ang="0">
+                  <a:pos x="0" y="18"/>
+                </a:cxn>
+                <a:cxn ang="0">
+                  <a:pos x="222" y="0"/>
+                </a:cxn>
+                <a:cxn ang="0">
+                  <a:pos x="270" y="24"/>
+                </a:cxn>
+                <a:cxn ang="0">
+                  <a:pos x="222" y="48"/>
+                </a:cxn>
+                <a:cxn ang="0">
+                  <a:pos x="222" y="0"/>
+                </a:cxn>
+              </a:cxnLst>
+              <a:rect l="0" t="0" r="r" b="b"/>
+              <a:pathLst>
+                <a:path w="270" h="48">
+                  <a:moveTo>
+                    <a:pt x="0" y="18"/>
+                  </a:moveTo>
+                  <a:lnTo>
+                    <a:pt x="230" y="18"/>
+                  </a:lnTo>
+                  <a:lnTo>
+                    <a:pt x="230" y="30"/>
+                  </a:lnTo>
+                  <a:lnTo>
+                    <a:pt x="0" y="30"/>
+                  </a:lnTo>
+                  <a:lnTo>
+                    <a:pt x="0" y="18"/>
+                  </a:lnTo>
+                  <a:close/>
+                  <a:moveTo>
+                    <a:pt x="222" y="0"/>
+                  </a:moveTo>
+                  <a:lnTo>
+                    <a:pt x="270" y="24"/>
+                  </a:lnTo>
+                  <a:lnTo>
+                    <a:pt x="222" y="48"/>
+                  </a:lnTo>
+                  <a:lnTo>
+                    <a:pt x="222" y="0"/>
+                  </a:lnTo>
+                  <a:close/>
+                </a:path>
+              </a:pathLst>
+            </a:custGeom>
             <a:solidFill>
               <a:srgbClr val="000000"/>
             </a:solidFill>
-            <a:prstDash val="solid"/>
-            <a:round/>
-            <a:headEnd/>
-            <a:tailEnd/>
-          </a:ln>
-        </p:spPr>
-        <p:txBody>
-          <a:bodyPr vert="horz" wrap="square" lIns="91440" tIns="45720" rIns="91440" bIns="45720" numCol="1" anchor="t" anchorCtr="0" compatLnSpc="1">
-            <a:prstTxWarp prst="textNoShape">
+            <a:ln w="0" cap="flat">
+              <a:solidFill>
+                <a:srgbClr val="000000"/>
+              </a:solidFill>
+              <a:prstDash val="solid"/>
+              <a:round/>
+              <a:headEnd/>
+              <a:tailEnd/>
+            </a:ln>
+          </p:spPr>
+          <p:txBody>
+            <a:bodyPr vert="horz" wrap="square" lIns="91440" tIns="45720" rIns="91440" bIns="45720" numCol="1" anchor="t" anchorCtr="0" compatLnSpc="1">
+              <a:prstTxWarp prst="textNoShape">
+                <a:avLst/>
+              </a:prstTxWarp>
+            </a:bodyPr>
+            <a:lstStyle/>
+            <a:p>
+              <a:endParaRPr lang="fr-FR"/>
+            </a:p>
+          </p:txBody>
+        </p:sp>
+        <p:sp>
+          <p:nvSpPr>
+            <p:cNvPr id="345103" name="Freeform 15"/>
+            <p:cNvSpPr>
+              <a:spLocks/>
+            </p:cNvSpPr>
+            <p:nvPr/>
+          </p:nvSpPr>
+          <p:spPr bwMode="auto">
+            <a:xfrm flipH="1">
+              <a:off x="4483104" y="2867022"/>
+              <a:ext cx="731838" cy="312738"/>
+            </a:xfrm>
+            <a:custGeom>
               <a:avLst/>
-            </a:prstTxWarp>
-          </a:bodyPr>
-          <a:lstStyle/>
-          <a:p>
-            <a:endParaRPr lang="fr-FR"/>
-          </a:p>
-        </p:txBody>
-      </p:sp>
-      <p:sp>
-        <p:nvSpPr>
-          <p:cNvPr id="345103" name="Freeform 15"/>
-          <p:cNvSpPr>
-            <a:spLocks/>
-          </p:cNvSpPr>
-          <p:nvPr/>
-        </p:nvSpPr>
-        <p:spPr bwMode="auto">
-          <a:xfrm flipH="1">
-            <a:off x="4483104" y="2867022"/>
-            <a:ext cx="731838" cy="312738"/>
-          </a:xfrm>
-          <a:custGeom>
-            <a:avLst/>
-            <a:gdLst/>
-            <a:ahLst/>
-            <a:cxnLst>
-              <a:cxn ang="0">
-                <a:pos x="456" y="197"/>
-              </a:cxn>
-              <a:cxn ang="0">
-                <a:pos x="0" y="11"/>
-              </a:cxn>
-              <a:cxn ang="0">
-                <a:pos x="5" y="0"/>
-              </a:cxn>
-              <a:cxn ang="0">
-                <a:pos x="461" y="186"/>
-              </a:cxn>
-              <a:cxn ang="0">
-                <a:pos x="456" y="197"/>
-              </a:cxn>
-            </a:cxnLst>
-            <a:rect l="0" t="0" r="r" b="b"/>
-            <a:pathLst>
-              <a:path w="461" h="197">
-                <a:moveTo>
-                  <a:pt x="456" y="197"/>
-                </a:moveTo>
-                <a:lnTo>
-                  <a:pt x="0" y="11"/>
-                </a:lnTo>
-                <a:lnTo>
-                  <a:pt x="5" y="0"/>
-                </a:lnTo>
-                <a:lnTo>
-                  <a:pt x="461" y="186"/>
-                </a:lnTo>
-                <a:lnTo>
-                  <a:pt x="456" y="197"/>
-                </a:lnTo>
-                <a:close/>
-              </a:path>
-            </a:pathLst>
-          </a:custGeom>
-          <a:solidFill>
-            <a:srgbClr val="FF0000"/>
-          </a:solidFill>
-          <a:ln w="0" cap="flat">
+              <a:gdLst/>
+              <a:ahLst/>
+              <a:cxnLst>
+                <a:cxn ang="0">
+                  <a:pos x="456" y="197"/>
+                </a:cxn>
+                <a:cxn ang="0">
+                  <a:pos x="0" y="11"/>
+                </a:cxn>
+                <a:cxn ang="0">
+                  <a:pos x="5" y="0"/>
+                </a:cxn>
+                <a:cxn ang="0">
+                  <a:pos x="461" y="186"/>
+                </a:cxn>
+                <a:cxn ang="0">
+                  <a:pos x="456" y="197"/>
+                </a:cxn>
+              </a:cxnLst>
+              <a:rect l="0" t="0" r="r" b="b"/>
+              <a:pathLst>
+                <a:path w="461" h="197">
+                  <a:moveTo>
+                    <a:pt x="456" y="197"/>
+                  </a:moveTo>
+                  <a:lnTo>
+                    <a:pt x="0" y="11"/>
+                  </a:lnTo>
+                  <a:lnTo>
+                    <a:pt x="5" y="0"/>
+                  </a:lnTo>
+                  <a:lnTo>
+                    <a:pt x="461" y="186"/>
+                  </a:lnTo>
+                  <a:lnTo>
+                    <a:pt x="456" y="197"/>
+                  </a:lnTo>
+                  <a:close/>
+                </a:path>
+              </a:pathLst>
+            </a:custGeom>
             <a:solidFill>
               <a:srgbClr val="FF0000"/>
             </a:solidFill>
-            <a:prstDash val="solid"/>
-            <a:round/>
-            <a:headEnd/>
-            <a:tailEnd/>
-          </a:ln>
-        </p:spPr>
-        <p:txBody>
-          <a:bodyPr vert="horz" wrap="square" lIns="91440" tIns="45720" rIns="91440" bIns="45720" numCol="1" anchor="t" anchorCtr="0" compatLnSpc="1">
-            <a:prstTxWarp prst="textNoShape">
+            <a:ln w="0" cap="flat">
+              <a:solidFill>
+                <a:srgbClr val="FF0000"/>
+              </a:solidFill>
+              <a:prstDash val="solid"/>
+              <a:round/>
+              <a:headEnd/>
+              <a:tailEnd/>
+            </a:ln>
+          </p:spPr>
+          <p:txBody>
+            <a:bodyPr vert="horz" wrap="square" lIns="91440" tIns="45720" rIns="91440" bIns="45720" numCol="1" anchor="t" anchorCtr="0" compatLnSpc="1">
+              <a:prstTxWarp prst="textNoShape">
+                <a:avLst/>
+              </a:prstTxWarp>
+            </a:bodyPr>
+            <a:lstStyle/>
+            <a:p>
+              <a:endParaRPr lang="fr-FR"/>
+            </a:p>
+          </p:txBody>
+        </p:sp>
+        <p:sp>
+          <p:nvSpPr>
+            <p:cNvPr id="345106" name="Rectangle 18"/>
+            <p:cNvSpPr>
+              <a:spLocks noChangeArrowheads="1"/>
+            </p:cNvSpPr>
+            <p:nvPr/>
+          </p:nvSpPr>
+          <p:spPr bwMode="auto">
+            <a:xfrm>
+              <a:off x="4071934" y="3071810"/>
+              <a:ext cx="86562" cy="184666"/>
+            </a:xfrm>
+            <a:prstGeom prst="rect">
               <a:avLst/>
-            </a:prstTxWarp>
-          </a:bodyPr>
-          <a:lstStyle/>
-          <a:p>
-            <a:endParaRPr lang="fr-FR"/>
-          </a:p>
-        </p:txBody>
-      </p:sp>
-      <p:sp>
-        <p:nvSpPr>
-          <p:cNvPr id="345106" name="Rectangle 18"/>
-          <p:cNvSpPr>
-            <a:spLocks noChangeArrowheads="1"/>
-          </p:cNvSpPr>
-          <p:nvPr/>
-        </p:nvSpPr>
-        <p:spPr bwMode="auto">
-          <a:xfrm>
-            <a:off x="4071934" y="3071810"/>
-            <a:ext cx="86562" cy="184666"/>
-          </a:xfrm>
-          <a:prstGeom prst="rect">
-            <a:avLst/>
-          </a:prstGeom>
-          <a:noFill/>
-          <a:ln w="9525">
+            </a:prstGeom>
             <a:noFill/>
-            <a:miter lim="800000"/>
-            <a:headEnd/>
-            <a:tailEnd/>
-          </a:ln>
-        </p:spPr>
-        <p:txBody>
-          <a:bodyPr vert="horz" wrap="none" lIns="0" tIns="0" rIns="0" bIns="0" numCol="1" anchor="t" anchorCtr="0" compatLnSpc="1">
-            <a:prstTxWarp prst="textNoShape">
-              <a:avLst/>
-            </a:prstTxWarp>
-            <a:spAutoFit/>
-          </a:bodyPr>
-          <a:lstStyle/>
-          <a:p>
-            <a:pPr marL="0" marR="0" lvl="0" indent="0" algn="l" defTabSz="914400" rtl="0" eaLnBrk="1" fontAlgn="base" latinLnBrk="0" hangingPunct="1">
-              <a:lnSpc>
-                <a:spcPct val="100000"/>
-              </a:lnSpc>
-              <a:spcBef>
-                <a:spcPct val="0"/>
-              </a:spcBef>
-              <a:spcAft>
-                <a:spcPct val="0"/>
-              </a:spcAft>
-              <a:buClrTx/>
-              <a:buSzTx/>
-              <a:buFontTx/>
-              <a:buNone/>
-              <a:tabLst/>
-            </a:pPr>
-            <a:r>
-              <a:rPr kumimoji="0" lang="fr-FR" sz="1200" b="0" i="0" u="none" strike="noStrike" cap="none" normalizeH="0" baseline="0" dirty="0" smtClean="0">
+            <a:ln w="9525">
+              <a:noFill/>
+              <a:miter lim="800000"/>
+              <a:headEnd/>
+              <a:tailEnd/>
+            </a:ln>
+          </p:spPr>
+          <p:txBody>
+            <a:bodyPr vert="horz" wrap="none" lIns="0" tIns="0" rIns="0" bIns="0" numCol="1" anchor="t" anchorCtr="0" compatLnSpc="1">
+              <a:prstTxWarp prst="textNoShape">
+                <a:avLst/>
+              </a:prstTxWarp>
+              <a:spAutoFit/>
+            </a:bodyPr>
+            <a:lstStyle/>
+            <a:p>
+              <a:pPr marL="0" marR="0" lvl="0" indent="0" algn="l" defTabSz="914400" rtl="0" eaLnBrk="1" fontAlgn="base" latinLnBrk="0" hangingPunct="1">
+                <a:lnSpc>
+                  <a:spcPct val="100000"/>
+                </a:lnSpc>
+                <a:spcBef>
+                  <a:spcPct val="0"/>
+                </a:spcBef>
+                <a:spcAft>
+                  <a:spcPct val="0"/>
+                </a:spcAft>
+                <a:buClrTx/>
+                <a:buSzTx/>
+                <a:buFontTx/>
+                <a:buNone/>
+                <a:tabLst/>
+              </a:pPr>
+              <a:r>
+                <a:rPr kumimoji="0" lang="fr-FR" sz="1200" b="0" i="0" u="none" strike="noStrike" cap="none" normalizeH="0" baseline="0" dirty="0" smtClean="0">
+                  <a:ln>
+                    <a:noFill/>
+                  </a:ln>
+                  <a:solidFill>
+                    <a:srgbClr val="000000"/>
+                  </a:solidFill>
+                  <a:effectLst/>
+                  <a:latin typeface="Tahoma" pitchFamily="34" charset="0"/>
+                  <a:cs typeface="Arial" pitchFamily="34" charset="0"/>
+                </a:rPr>
+                <a:t>E</a:t>
+              </a:r>
+              <a:endParaRPr kumimoji="0" lang="fr-FR" sz="1400" b="0" i="0" u="none" strike="noStrike" cap="none" normalizeH="0" baseline="0" dirty="0" smtClean="0">
                 <a:ln>
                   <a:noFill/>
                 </a:ln>
                 <a:solidFill>
-                  <a:srgbClr val="000000"/>
+                  <a:schemeClr val="tx1"/>
                 </a:solidFill>
                 <a:effectLst/>
-                <a:latin typeface="Tahoma" pitchFamily="34" charset="0"/>
+                <a:latin typeface="Arial" pitchFamily="34" charset="0"/>
                 <a:cs typeface="Arial" pitchFamily="34" charset="0"/>
-              </a:rPr>
-              <a:t>E</a:t>
-            </a:r>
-            <a:endParaRPr kumimoji="0" lang="fr-FR" sz="1400" b="0" i="0" u="none" strike="noStrike" cap="none" normalizeH="0" baseline="0" dirty="0" smtClean="0">
-              <a:ln>
-                <a:noFill/>
-              </a:ln>
-              <a:solidFill>
-                <a:schemeClr val="tx1"/>
-              </a:solidFill>
-              <a:effectLst/>
-              <a:latin typeface="Arial" pitchFamily="34" charset="0"/>
-              <a:cs typeface="Arial" pitchFamily="34" charset="0"/>
-            </a:endParaRPr>
-          </a:p>
-        </p:txBody>
-      </p:sp>
-      <p:sp>
-        <p:nvSpPr>
-          <p:cNvPr id="345112" name="Freeform 24"/>
-          <p:cNvSpPr>
-            <a:spLocks noEditPoints="1"/>
-          </p:cNvSpPr>
-          <p:nvPr/>
-        </p:nvSpPr>
-        <p:spPr bwMode="auto">
-          <a:xfrm>
-            <a:off x="4738683" y="3657595"/>
-            <a:ext cx="76200" cy="209550"/>
-          </a:xfrm>
-          <a:custGeom>
-            <a:avLst/>
-            <a:gdLst/>
-            <a:ahLst/>
-            <a:cxnLst>
-              <a:cxn ang="0">
-                <a:pos x="18" y="132"/>
-              </a:cxn>
-              <a:cxn ang="0">
-                <a:pos x="18" y="40"/>
-              </a:cxn>
-              <a:cxn ang="0">
-                <a:pos x="30" y="40"/>
-              </a:cxn>
-              <a:cxn ang="0">
-                <a:pos x="30" y="132"/>
-              </a:cxn>
-              <a:cxn ang="0">
-                <a:pos x="18" y="132"/>
-              </a:cxn>
-              <a:cxn ang="0">
-                <a:pos x="0" y="48"/>
-              </a:cxn>
-              <a:cxn ang="0">
-                <a:pos x="24" y="0"/>
-              </a:cxn>
-              <a:cxn ang="0">
-                <a:pos x="48" y="48"/>
-              </a:cxn>
-              <a:cxn ang="0">
-                <a:pos x="0" y="48"/>
-              </a:cxn>
-            </a:cxnLst>
-            <a:rect l="0" t="0" r="r" b="b"/>
-            <a:pathLst>
-              <a:path w="48" h="132">
-                <a:moveTo>
-                  <a:pt x="18" y="132"/>
-                </a:moveTo>
-                <a:lnTo>
-                  <a:pt x="18" y="40"/>
-                </a:lnTo>
-                <a:lnTo>
-                  <a:pt x="30" y="40"/>
-                </a:lnTo>
-                <a:lnTo>
-                  <a:pt x="30" y="132"/>
-                </a:lnTo>
-                <a:lnTo>
-                  <a:pt x="18" y="132"/>
-                </a:lnTo>
-                <a:close/>
-                <a:moveTo>
-                  <a:pt x="0" y="48"/>
-                </a:moveTo>
-                <a:lnTo>
-                  <a:pt x="24" y="0"/>
-                </a:lnTo>
-                <a:lnTo>
-                  <a:pt x="48" y="48"/>
-                </a:lnTo>
-                <a:lnTo>
-                  <a:pt x="0" y="48"/>
-                </a:lnTo>
-                <a:close/>
-              </a:path>
-            </a:pathLst>
-          </a:custGeom>
-          <a:solidFill>
-            <a:srgbClr val="000000"/>
-          </a:solidFill>
-          <a:ln w="0" cap="flat">
+              </a:endParaRPr>
+            </a:p>
+          </p:txBody>
+        </p:sp>
+        <p:sp>
+          <p:nvSpPr>
+            <p:cNvPr id="345112" name="Freeform 24"/>
+            <p:cNvSpPr>
+              <a:spLocks noEditPoints="1"/>
+            </p:cNvSpPr>
+            <p:nvPr/>
+          </p:nvSpPr>
+          <p:spPr bwMode="auto">
+            <a:xfrm>
+              <a:off x="4738683" y="3657595"/>
+              <a:ext cx="76200" cy="209550"/>
+            </a:xfrm>
+            <a:custGeom>
+              <a:avLst/>
+              <a:gdLst/>
+              <a:ahLst/>
+              <a:cxnLst>
+                <a:cxn ang="0">
+                  <a:pos x="18" y="132"/>
+                </a:cxn>
+                <a:cxn ang="0">
+                  <a:pos x="18" y="40"/>
+                </a:cxn>
+                <a:cxn ang="0">
+                  <a:pos x="30" y="40"/>
+                </a:cxn>
+                <a:cxn ang="0">
+                  <a:pos x="30" y="132"/>
+                </a:cxn>
+                <a:cxn ang="0">
+                  <a:pos x="18" y="132"/>
+                </a:cxn>
+                <a:cxn ang="0">
+                  <a:pos x="0" y="48"/>
+                </a:cxn>
+                <a:cxn ang="0">
+                  <a:pos x="24" y="0"/>
+                </a:cxn>
+                <a:cxn ang="0">
+                  <a:pos x="48" y="48"/>
+                </a:cxn>
+                <a:cxn ang="0">
+                  <a:pos x="0" y="48"/>
+                </a:cxn>
+              </a:cxnLst>
+              <a:rect l="0" t="0" r="r" b="b"/>
+              <a:pathLst>
+                <a:path w="48" h="132">
+                  <a:moveTo>
+                    <a:pt x="18" y="132"/>
+                  </a:moveTo>
+                  <a:lnTo>
+                    <a:pt x="18" y="40"/>
+                  </a:lnTo>
+                  <a:lnTo>
+                    <a:pt x="30" y="40"/>
+                  </a:lnTo>
+                  <a:lnTo>
+                    <a:pt x="30" y="132"/>
+                  </a:lnTo>
+                  <a:lnTo>
+                    <a:pt x="18" y="132"/>
+                  </a:lnTo>
+                  <a:close/>
+                  <a:moveTo>
+                    <a:pt x="0" y="48"/>
+                  </a:moveTo>
+                  <a:lnTo>
+                    <a:pt x="24" y="0"/>
+                  </a:lnTo>
+                  <a:lnTo>
+                    <a:pt x="48" y="48"/>
+                  </a:lnTo>
+                  <a:lnTo>
+                    <a:pt x="0" y="48"/>
+                  </a:lnTo>
+                  <a:close/>
+                </a:path>
+              </a:pathLst>
+            </a:custGeom>
             <a:solidFill>
               <a:srgbClr val="000000"/>
             </a:solidFill>
-            <a:prstDash val="solid"/>
-            <a:round/>
-            <a:headEnd/>
-            <a:tailEnd/>
-          </a:ln>
-        </p:spPr>
-        <p:txBody>
-          <a:bodyPr vert="horz" wrap="square" lIns="91440" tIns="45720" rIns="91440" bIns="45720" numCol="1" anchor="t" anchorCtr="0" compatLnSpc="1">
-            <a:prstTxWarp prst="textNoShape">
+            <a:ln w="0" cap="flat">
+              <a:solidFill>
+                <a:srgbClr val="000000"/>
+              </a:solidFill>
+              <a:prstDash val="solid"/>
+              <a:round/>
+              <a:headEnd/>
+              <a:tailEnd/>
+            </a:ln>
+          </p:spPr>
+          <p:txBody>
+            <a:bodyPr vert="horz" wrap="square" lIns="91440" tIns="45720" rIns="91440" bIns="45720" numCol="1" anchor="t" anchorCtr="0" compatLnSpc="1">
+              <a:prstTxWarp prst="textNoShape">
+                <a:avLst/>
+              </a:prstTxWarp>
+            </a:bodyPr>
+            <a:lstStyle/>
+            <a:p>
+              <a:endParaRPr lang="fr-FR"/>
+            </a:p>
+          </p:txBody>
+        </p:sp>
+        <p:sp>
+          <p:nvSpPr>
+            <p:cNvPr id="345113" name="Freeform 25"/>
+            <p:cNvSpPr>
+              <a:spLocks noEditPoints="1"/>
+            </p:cNvSpPr>
+            <p:nvPr/>
+          </p:nvSpPr>
+          <p:spPr bwMode="auto">
+            <a:xfrm>
+              <a:off x="5024432" y="3657595"/>
+              <a:ext cx="76200" cy="209550"/>
+            </a:xfrm>
+            <a:custGeom>
               <a:avLst/>
-            </a:prstTxWarp>
-          </a:bodyPr>
-          <a:lstStyle/>
-          <a:p>
-            <a:endParaRPr lang="fr-FR"/>
-          </a:p>
-        </p:txBody>
-      </p:sp>
-      <p:sp>
-        <p:nvSpPr>
-          <p:cNvPr id="345113" name="Freeform 25"/>
-          <p:cNvSpPr>
-            <a:spLocks noEditPoints="1"/>
-          </p:cNvSpPr>
-          <p:nvPr/>
-        </p:nvSpPr>
-        <p:spPr bwMode="auto">
-          <a:xfrm>
-            <a:off x="5024432" y="3657595"/>
-            <a:ext cx="76200" cy="209550"/>
-          </a:xfrm>
-          <a:custGeom>
-            <a:avLst/>
-            <a:gdLst/>
-            <a:ahLst/>
-            <a:cxnLst>
-              <a:cxn ang="0">
-                <a:pos x="18" y="132"/>
-              </a:cxn>
-              <a:cxn ang="0">
-                <a:pos x="18" y="40"/>
-              </a:cxn>
-              <a:cxn ang="0">
-                <a:pos x="30" y="40"/>
-              </a:cxn>
-              <a:cxn ang="0">
-                <a:pos x="30" y="132"/>
-              </a:cxn>
-              <a:cxn ang="0">
-                <a:pos x="18" y="132"/>
-              </a:cxn>
-              <a:cxn ang="0">
-                <a:pos x="0" y="48"/>
-              </a:cxn>
-              <a:cxn ang="0">
-                <a:pos x="24" y="0"/>
-              </a:cxn>
-              <a:cxn ang="0">
-                <a:pos x="48" y="48"/>
-              </a:cxn>
-              <a:cxn ang="0">
-                <a:pos x="0" y="48"/>
-              </a:cxn>
-            </a:cxnLst>
-            <a:rect l="0" t="0" r="r" b="b"/>
-            <a:pathLst>
-              <a:path w="48" h="132">
-                <a:moveTo>
-                  <a:pt x="18" y="132"/>
-                </a:moveTo>
-                <a:lnTo>
-                  <a:pt x="18" y="40"/>
-                </a:lnTo>
-                <a:lnTo>
-                  <a:pt x="30" y="40"/>
-                </a:lnTo>
-                <a:lnTo>
-                  <a:pt x="30" y="132"/>
-                </a:lnTo>
-                <a:lnTo>
-                  <a:pt x="18" y="132"/>
-                </a:lnTo>
-                <a:close/>
-                <a:moveTo>
-                  <a:pt x="0" y="48"/>
-                </a:moveTo>
-                <a:lnTo>
-                  <a:pt x="24" y="0"/>
-                </a:lnTo>
-                <a:lnTo>
-                  <a:pt x="48" y="48"/>
-                </a:lnTo>
-                <a:lnTo>
-                  <a:pt x="0" y="48"/>
-                </a:lnTo>
-                <a:close/>
-              </a:path>
-            </a:pathLst>
-          </a:custGeom>
-          <a:solidFill>
-            <a:srgbClr val="000000"/>
-          </a:solidFill>
-          <a:ln w="0" cap="flat">
+              <a:gdLst/>
+              <a:ahLst/>
+              <a:cxnLst>
+                <a:cxn ang="0">
+                  <a:pos x="18" y="132"/>
+                </a:cxn>
+                <a:cxn ang="0">
+                  <a:pos x="18" y="40"/>
+                </a:cxn>
+                <a:cxn ang="0">
+                  <a:pos x="30" y="40"/>
+                </a:cxn>
+                <a:cxn ang="0">
+                  <a:pos x="30" y="132"/>
+                </a:cxn>
+                <a:cxn ang="0">
+                  <a:pos x="18" y="132"/>
+                </a:cxn>
+                <a:cxn ang="0">
+                  <a:pos x="0" y="48"/>
+                </a:cxn>
+                <a:cxn ang="0">
+                  <a:pos x="24" y="0"/>
+                </a:cxn>
+                <a:cxn ang="0">
+                  <a:pos x="48" y="48"/>
+                </a:cxn>
+                <a:cxn ang="0">
+                  <a:pos x="0" y="48"/>
+                </a:cxn>
+              </a:cxnLst>
+              <a:rect l="0" t="0" r="r" b="b"/>
+              <a:pathLst>
+                <a:path w="48" h="132">
+                  <a:moveTo>
+                    <a:pt x="18" y="132"/>
+                  </a:moveTo>
+                  <a:lnTo>
+                    <a:pt x="18" y="40"/>
+                  </a:lnTo>
+                  <a:lnTo>
+                    <a:pt x="30" y="40"/>
+                  </a:lnTo>
+                  <a:lnTo>
+                    <a:pt x="30" y="132"/>
+                  </a:lnTo>
+                  <a:lnTo>
+                    <a:pt x="18" y="132"/>
+                  </a:lnTo>
+                  <a:close/>
+                  <a:moveTo>
+                    <a:pt x="0" y="48"/>
+                  </a:moveTo>
+                  <a:lnTo>
+                    <a:pt x="24" y="0"/>
+                  </a:lnTo>
+                  <a:lnTo>
+                    <a:pt x="48" y="48"/>
+                  </a:lnTo>
+                  <a:lnTo>
+                    <a:pt x="0" y="48"/>
+                  </a:lnTo>
+                  <a:close/>
+                </a:path>
+              </a:pathLst>
+            </a:custGeom>
             <a:solidFill>
               <a:srgbClr val="000000"/>
             </a:solidFill>
-            <a:prstDash val="solid"/>
-            <a:round/>
-            <a:headEnd/>
-            <a:tailEnd/>
-          </a:ln>
-        </p:spPr>
-        <p:txBody>
-          <a:bodyPr vert="horz" wrap="square" lIns="91440" tIns="45720" rIns="91440" bIns="45720" numCol="1" anchor="t" anchorCtr="0" compatLnSpc="1">
-            <a:prstTxWarp prst="textNoShape">
+            <a:ln w="0" cap="flat">
+              <a:solidFill>
+                <a:srgbClr val="000000"/>
+              </a:solidFill>
+              <a:prstDash val="solid"/>
+              <a:round/>
+              <a:headEnd/>
+              <a:tailEnd/>
+            </a:ln>
+          </p:spPr>
+          <p:txBody>
+            <a:bodyPr vert="horz" wrap="square" lIns="91440" tIns="45720" rIns="91440" bIns="45720" numCol="1" anchor="t" anchorCtr="0" compatLnSpc="1">
+              <a:prstTxWarp prst="textNoShape">
+                <a:avLst/>
+              </a:prstTxWarp>
+            </a:bodyPr>
+            <a:lstStyle/>
+            <a:p>
+              <a:endParaRPr lang="fr-FR"/>
+            </a:p>
+          </p:txBody>
+        </p:sp>
+        <p:sp>
+          <p:nvSpPr>
+            <p:cNvPr id="345114" name="Rectangle 26"/>
+            <p:cNvSpPr>
+              <a:spLocks noChangeArrowheads="1"/>
+            </p:cNvSpPr>
+            <p:nvPr/>
+          </p:nvSpPr>
+          <p:spPr bwMode="auto">
+            <a:xfrm>
+              <a:off x="4994269" y="3873495"/>
+              <a:ext cx="149080" cy="184666"/>
+            </a:xfrm>
+            <a:prstGeom prst="rect">
               <a:avLst/>
-            </a:prstTxWarp>
-          </a:bodyPr>
-          <a:lstStyle/>
-          <a:p>
-            <a:endParaRPr lang="fr-FR"/>
-          </a:p>
-        </p:txBody>
-      </p:sp>
-      <p:sp>
-        <p:nvSpPr>
-          <p:cNvPr id="345114" name="Rectangle 26"/>
-          <p:cNvSpPr>
-            <a:spLocks noChangeArrowheads="1"/>
-          </p:cNvSpPr>
-          <p:nvPr/>
-        </p:nvSpPr>
-        <p:spPr bwMode="auto">
-          <a:xfrm>
-            <a:off x="4994269" y="3873495"/>
-            <a:ext cx="149080" cy="184666"/>
-          </a:xfrm>
-          <a:prstGeom prst="rect">
-            <a:avLst/>
-          </a:prstGeom>
-          <a:noFill/>
-          <a:ln w="9525">
+            </a:prstGeom>
             <a:noFill/>
-            <a:miter lim="800000"/>
-            <a:headEnd/>
-            <a:tailEnd/>
-          </a:ln>
-        </p:spPr>
-        <p:txBody>
-          <a:bodyPr vert="horz" wrap="none" lIns="0" tIns="0" rIns="0" bIns="0" numCol="1" anchor="t" anchorCtr="0" compatLnSpc="1">
-            <a:prstTxWarp prst="textNoShape">
-              <a:avLst/>
-            </a:prstTxWarp>
-            <a:spAutoFit/>
-          </a:bodyPr>
-          <a:lstStyle/>
-          <a:p>
-            <a:pPr marL="0" marR="0" lvl="0" indent="0" algn="l" defTabSz="914400" rtl="0" eaLnBrk="1" fontAlgn="base" latinLnBrk="0" hangingPunct="1">
-              <a:lnSpc>
-                <a:spcPct val="100000"/>
-              </a:lnSpc>
-              <a:spcBef>
-                <a:spcPct val="0"/>
-              </a:spcBef>
-              <a:spcAft>
-                <a:spcPct val="0"/>
-              </a:spcAft>
-              <a:buClrTx/>
-              <a:buSzTx/>
-              <a:buFontTx/>
-              <a:buNone/>
-              <a:tabLst/>
-            </a:pPr>
-            <a:r>
-              <a:rPr kumimoji="0" lang="fr-FR" sz="1200" b="0" i="0" u="none" strike="noStrike" cap="none" normalizeH="0" baseline="0" noProof="1" smtClean="0">
+            <a:ln w="9525">
+              <a:noFill/>
+              <a:miter lim="800000"/>
+              <a:headEnd/>
+              <a:tailEnd/>
+            </a:ln>
+          </p:spPr>
+          <p:txBody>
+            <a:bodyPr vert="horz" wrap="none" lIns="0" tIns="0" rIns="0" bIns="0" numCol="1" anchor="t" anchorCtr="0" compatLnSpc="1">
+              <a:prstTxWarp prst="textNoShape">
+                <a:avLst/>
+              </a:prstTxWarp>
+              <a:spAutoFit/>
+            </a:bodyPr>
+            <a:lstStyle/>
+            <a:p>
+              <a:pPr marL="0" marR="0" lvl="0" indent="0" algn="l" defTabSz="914400" rtl="0" eaLnBrk="1" fontAlgn="base" latinLnBrk="0" hangingPunct="1">
+                <a:lnSpc>
+                  <a:spcPct val="100000"/>
+                </a:lnSpc>
+                <a:spcBef>
+                  <a:spcPct val="0"/>
+                </a:spcBef>
+                <a:spcAft>
+                  <a:spcPct val="0"/>
+                </a:spcAft>
+                <a:buClrTx/>
+                <a:buSzTx/>
+                <a:buFontTx/>
+                <a:buNone/>
+                <a:tabLst/>
+              </a:pPr>
+              <a:r>
+                <a:rPr kumimoji="0" lang="fr-FR" sz="1200" b="0" i="0" u="none" strike="noStrike" cap="none" normalizeH="0" baseline="0" noProof="1" smtClean="0">
+                  <a:ln>
+                    <a:noFill/>
+                  </a:ln>
+                  <a:solidFill>
+                    <a:srgbClr val="000000"/>
+                  </a:solidFill>
+                  <a:effectLst/>
+                  <a:latin typeface="Tahoma" pitchFamily="34" charset="0"/>
+                  <a:cs typeface="Arial" pitchFamily="34" charset="0"/>
+                </a:rPr>
+                <a:t>A</a:t>
+              </a:r>
+              <a:r>
+                <a:rPr kumimoji="0" lang="fr-FR" sz="1200" b="0" i="0" u="none" strike="noStrike" cap="none" normalizeH="0" baseline="-25000" noProof="1" smtClean="0">
+                  <a:ln>
+                    <a:noFill/>
+                  </a:ln>
+                  <a:solidFill>
+                    <a:srgbClr val="000000"/>
+                  </a:solidFill>
+                  <a:effectLst/>
+                  <a:latin typeface="Tahoma" pitchFamily="34" charset="0"/>
+                  <a:cs typeface="Arial" pitchFamily="34" charset="0"/>
+                </a:rPr>
+                <a:t>o</a:t>
+              </a:r>
+              <a:endParaRPr kumimoji="0" lang="fr-FR" sz="1400" b="0" i="0" u="none" strike="noStrike" cap="none" normalizeH="0" baseline="-25000" noProof="1" smtClean="0">
                 <a:ln>
                   <a:noFill/>
                 </a:ln>
                 <a:solidFill>
-                  <a:srgbClr val="000000"/>
+                  <a:schemeClr val="tx1"/>
                 </a:solidFill>
                 <a:effectLst/>
-                <a:latin typeface="Tahoma" pitchFamily="34" charset="0"/>
+                <a:latin typeface="Arial" pitchFamily="34" charset="0"/>
                 <a:cs typeface="Arial" pitchFamily="34" charset="0"/>
-              </a:rPr>
-              <a:t>A</a:t>
-            </a:r>
-            <a:r>
-              <a:rPr kumimoji="0" lang="fr-FR" sz="1200" b="0" i="0" u="none" strike="noStrike" cap="none" normalizeH="0" baseline="-25000" noProof="1" smtClean="0">
+              </a:endParaRPr>
+            </a:p>
+          </p:txBody>
+        </p:sp>
+        <p:sp>
+          <p:nvSpPr>
+            <p:cNvPr id="50" name="Rectangle 16"/>
+            <p:cNvSpPr>
+              <a:spLocks noChangeArrowheads="1"/>
+            </p:cNvSpPr>
+            <p:nvPr/>
+          </p:nvSpPr>
+          <p:spPr bwMode="auto">
+            <a:xfrm>
+              <a:off x="5572132" y="2786058"/>
+              <a:ext cx="141385" cy="184666"/>
+            </a:xfrm>
+            <a:prstGeom prst="rect">
+              <a:avLst/>
+            </a:prstGeom>
+            <a:noFill/>
+            <a:ln w="9525">
+              <a:noFill/>
+              <a:miter lim="800000"/>
+              <a:headEnd/>
+              <a:tailEnd/>
+            </a:ln>
+          </p:spPr>
+          <p:txBody>
+            <a:bodyPr vert="horz" wrap="none" lIns="0" tIns="0" rIns="0" bIns="0" numCol="1" anchor="t" anchorCtr="0" compatLnSpc="1">
+              <a:prstTxWarp prst="textNoShape">
+                <a:avLst/>
+              </a:prstTxWarp>
+              <a:spAutoFit/>
+            </a:bodyPr>
+            <a:lstStyle/>
+            <a:p>
+              <a:pPr marL="0" marR="0" lvl="0" indent="0" algn="l" defTabSz="914400" rtl="0" eaLnBrk="1" fontAlgn="base" latinLnBrk="0" hangingPunct="1">
+                <a:lnSpc>
+                  <a:spcPct val="100000"/>
+                </a:lnSpc>
+                <a:spcBef>
+                  <a:spcPct val="0"/>
+                </a:spcBef>
+                <a:spcAft>
+                  <a:spcPct val="0"/>
+                </a:spcAft>
+                <a:buClrTx/>
+                <a:buSzTx/>
+                <a:buFontTx/>
+                <a:buNone/>
+                <a:tabLst/>
+              </a:pPr>
+              <a:r>
+                <a:rPr kumimoji="0" lang="fr-FR" sz="1200" b="0" i="0" u="none" strike="noStrike" cap="none" normalizeH="0" baseline="0" noProof="1" smtClean="0">
+                  <a:ln>
+                    <a:noFill/>
+                  </a:ln>
+                  <a:solidFill>
+                    <a:srgbClr val="000000"/>
+                  </a:solidFill>
+                  <a:effectLst/>
+                  <a:latin typeface="Tahoma" pitchFamily="34" charset="0"/>
+                  <a:cs typeface="Arial" pitchFamily="34" charset="0"/>
+                </a:rPr>
+                <a:t>S</a:t>
+              </a:r>
+              <a:r>
+                <a:rPr kumimoji="0" lang="fr-FR" sz="1200" b="0" i="0" u="none" strike="noStrike" cap="none" normalizeH="0" baseline="-25000" noProof="1" smtClean="0">
+                  <a:ln>
+                    <a:noFill/>
+                  </a:ln>
+                  <a:solidFill>
+                    <a:srgbClr val="000000"/>
+                  </a:solidFill>
+                  <a:effectLst/>
+                  <a:latin typeface="Tahoma" pitchFamily="34" charset="0"/>
+                  <a:cs typeface="Arial" pitchFamily="34" charset="0"/>
+                </a:rPr>
+                <a:t>o</a:t>
+              </a:r>
+              <a:endParaRPr kumimoji="0" lang="fr-FR" sz="1400" b="0" i="0" u="none" strike="noStrike" cap="none" normalizeH="0" baseline="-25000" noProof="1" smtClean="0">
                 <a:ln>
                   <a:noFill/>
                 </a:ln>
                 <a:solidFill>
-                  <a:srgbClr val="000000"/>
+                  <a:schemeClr val="tx1"/>
                 </a:solidFill>
                 <a:effectLst/>
-                <a:latin typeface="Tahoma" pitchFamily="34" charset="0"/>
+                <a:latin typeface="Arial" pitchFamily="34" charset="0"/>
                 <a:cs typeface="Arial" pitchFamily="34" charset="0"/>
-              </a:rPr>
-              <a:t>o</a:t>
-            </a:r>
-            <a:endParaRPr kumimoji="0" lang="fr-FR" sz="1400" b="0" i="0" u="none" strike="noStrike" cap="none" normalizeH="0" baseline="-25000" noProof="1" smtClean="0">
-              <a:ln>
-                <a:noFill/>
-              </a:ln>
-              <a:solidFill>
-                <a:schemeClr val="tx1"/>
-              </a:solidFill>
-              <a:effectLst/>
-              <a:latin typeface="Arial" pitchFamily="34" charset="0"/>
-              <a:cs typeface="Arial" pitchFamily="34" charset="0"/>
-            </a:endParaRPr>
-          </a:p>
-        </p:txBody>
-      </p:sp>
-      <p:sp>
-        <p:nvSpPr>
-          <p:cNvPr id="50" name="Rectangle 16"/>
-          <p:cNvSpPr>
-            <a:spLocks noChangeArrowheads="1"/>
-          </p:cNvSpPr>
-          <p:nvPr/>
-        </p:nvSpPr>
-        <p:spPr bwMode="auto">
-          <a:xfrm>
-            <a:off x="5572132" y="2786058"/>
-            <a:ext cx="141385" cy="184666"/>
-          </a:xfrm>
-          <a:prstGeom prst="rect">
-            <a:avLst/>
-          </a:prstGeom>
-          <a:noFill/>
-          <a:ln w="9525">
+              </a:endParaRPr>
+            </a:p>
+          </p:txBody>
+        </p:sp>
+        <p:sp>
+          <p:nvSpPr>
+            <p:cNvPr id="51" name="Rectangle 16"/>
+            <p:cNvSpPr>
+              <a:spLocks noChangeArrowheads="1"/>
+            </p:cNvSpPr>
+            <p:nvPr/>
+          </p:nvSpPr>
+          <p:spPr bwMode="auto">
+            <a:xfrm>
+              <a:off x="5572132" y="3000372"/>
+              <a:ext cx="141064" cy="184666"/>
+            </a:xfrm>
+            <a:prstGeom prst="rect">
+              <a:avLst/>
+            </a:prstGeom>
             <a:noFill/>
-            <a:miter lim="800000"/>
-            <a:headEnd/>
-            <a:tailEnd/>
-          </a:ln>
-        </p:spPr>
-        <p:txBody>
-          <a:bodyPr vert="horz" wrap="none" lIns="0" tIns="0" rIns="0" bIns="0" numCol="1" anchor="t" anchorCtr="0" compatLnSpc="1">
-            <a:prstTxWarp prst="textNoShape">
-              <a:avLst/>
-            </a:prstTxWarp>
-            <a:spAutoFit/>
-          </a:bodyPr>
-          <a:lstStyle/>
-          <a:p>
-            <a:pPr marL="0" marR="0" lvl="0" indent="0" algn="l" defTabSz="914400" rtl="0" eaLnBrk="1" fontAlgn="base" latinLnBrk="0" hangingPunct="1">
-              <a:lnSpc>
-                <a:spcPct val="100000"/>
-              </a:lnSpc>
-              <a:spcBef>
-                <a:spcPct val="0"/>
-              </a:spcBef>
-              <a:spcAft>
-                <a:spcPct val="0"/>
-              </a:spcAft>
-              <a:buClrTx/>
-              <a:buSzTx/>
-              <a:buFontTx/>
-              <a:buNone/>
-              <a:tabLst/>
-            </a:pPr>
-            <a:r>
-              <a:rPr kumimoji="0" lang="fr-FR" sz="1200" b="0" i="0" u="none" strike="noStrike" cap="none" normalizeH="0" baseline="0" noProof="1" smtClean="0">
+            <a:ln w="9525">
+              <a:noFill/>
+              <a:miter lim="800000"/>
+              <a:headEnd/>
+              <a:tailEnd/>
+            </a:ln>
+          </p:spPr>
+          <p:txBody>
+            <a:bodyPr vert="horz" wrap="none" lIns="0" tIns="0" rIns="0" bIns="0" numCol="1" anchor="t" anchorCtr="0" compatLnSpc="1">
+              <a:prstTxWarp prst="textNoShape">
+                <a:avLst/>
+              </a:prstTxWarp>
+              <a:spAutoFit/>
+            </a:bodyPr>
+            <a:lstStyle/>
+            <a:p>
+              <a:pPr marL="0" marR="0" lvl="0" indent="0" algn="l" defTabSz="914400" rtl="0" eaLnBrk="1" fontAlgn="base" latinLnBrk="0" hangingPunct="1">
+                <a:lnSpc>
+                  <a:spcPct val="100000"/>
+                </a:lnSpc>
+                <a:spcBef>
+                  <a:spcPct val="0"/>
+                </a:spcBef>
+                <a:spcAft>
+                  <a:spcPct val="0"/>
+                </a:spcAft>
+                <a:buClrTx/>
+                <a:buSzTx/>
+                <a:buFontTx/>
+                <a:buNone/>
+                <a:tabLst/>
+              </a:pPr>
+              <a:r>
+                <a:rPr kumimoji="0" lang="fr-FR" sz="1200" b="0" i="0" u="none" strike="noStrike" cap="none" normalizeH="0" baseline="0" noProof="1" smtClean="0">
+                  <a:ln>
+                    <a:noFill/>
+                  </a:ln>
+                  <a:solidFill>
+                    <a:srgbClr val="000000"/>
+                  </a:solidFill>
+                  <a:effectLst/>
+                  <a:latin typeface="Tahoma" pitchFamily="34" charset="0"/>
+                  <a:cs typeface="Arial" pitchFamily="34" charset="0"/>
+                </a:rPr>
+                <a:t>S</a:t>
+              </a:r>
+              <a:r>
+                <a:rPr lang="fr-FR" sz="1200" baseline="-25000" noProof="1" smtClean="0">
+                  <a:solidFill>
+                    <a:srgbClr val="000000"/>
+                  </a:solidFill>
+                  <a:effectLst/>
+                  <a:latin typeface="Tahoma" pitchFamily="34" charset="0"/>
+                  <a:cs typeface="Arial" pitchFamily="34" charset="0"/>
+                </a:rPr>
+                <a:t>1</a:t>
+              </a:r>
+              <a:endParaRPr kumimoji="0" lang="fr-FR" sz="1400" b="0" i="0" u="none" strike="noStrike" cap="none" normalizeH="0" baseline="-25000" noProof="1" smtClean="0">
                 <a:ln>
                   <a:noFill/>
                 </a:ln>
                 <a:solidFill>
-                  <a:srgbClr val="000000"/>
+                  <a:schemeClr val="tx1"/>
                 </a:solidFill>
                 <a:effectLst/>
-                <a:latin typeface="Tahoma" pitchFamily="34" charset="0"/>
+                <a:latin typeface="Arial" pitchFamily="34" charset="0"/>
                 <a:cs typeface="Arial" pitchFamily="34" charset="0"/>
-              </a:rPr>
-              <a:t>S</a:t>
-            </a:r>
-            <a:r>
-              <a:rPr kumimoji="0" lang="fr-FR" sz="1200" b="0" i="0" u="none" strike="noStrike" cap="none" normalizeH="0" baseline="-25000" noProof="1" smtClean="0">
+              </a:endParaRPr>
+            </a:p>
+          </p:txBody>
+        </p:sp>
+        <p:sp>
+          <p:nvSpPr>
+            <p:cNvPr id="52" name="Rectangle 16"/>
+            <p:cNvSpPr>
+              <a:spLocks noChangeArrowheads="1"/>
+            </p:cNvSpPr>
+            <p:nvPr/>
+          </p:nvSpPr>
+          <p:spPr bwMode="auto">
+            <a:xfrm>
+              <a:off x="5572132" y="3214686"/>
+              <a:ext cx="141064" cy="184666"/>
+            </a:xfrm>
+            <a:prstGeom prst="rect">
+              <a:avLst/>
+            </a:prstGeom>
+            <a:noFill/>
+            <a:ln w="9525">
+              <a:noFill/>
+              <a:miter lim="800000"/>
+              <a:headEnd/>
+              <a:tailEnd/>
+            </a:ln>
+          </p:spPr>
+          <p:txBody>
+            <a:bodyPr vert="horz" wrap="none" lIns="0" tIns="0" rIns="0" bIns="0" numCol="1" anchor="t" anchorCtr="0" compatLnSpc="1">
+              <a:prstTxWarp prst="textNoShape">
+                <a:avLst/>
+              </a:prstTxWarp>
+              <a:spAutoFit/>
+            </a:bodyPr>
+            <a:lstStyle/>
+            <a:p>
+              <a:pPr marL="0" marR="0" lvl="0" indent="0" algn="l" defTabSz="914400" rtl="0" eaLnBrk="1" fontAlgn="base" latinLnBrk="0" hangingPunct="1">
+                <a:lnSpc>
+                  <a:spcPct val="100000"/>
+                </a:lnSpc>
+                <a:spcBef>
+                  <a:spcPct val="0"/>
+                </a:spcBef>
+                <a:spcAft>
+                  <a:spcPct val="0"/>
+                </a:spcAft>
+                <a:buClrTx/>
+                <a:buSzTx/>
+                <a:buFontTx/>
+                <a:buNone/>
+                <a:tabLst/>
+              </a:pPr>
+              <a:r>
+                <a:rPr kumimoji="0" lang="fr-FR" sz="1200" b="0" i="0" u="none" strike="noStrike" cap="none" normalizeH="0" baseline="0" noProof="1" smtClean="0">
+                  <a:ln>
+                    <a:noFill/>
+                  </a:ln>
+                  <a:solidFill>
+                    <a:srgbClr val="000000"/>
+                  </a:solidFill>
+                  <a:effectLst/>
+                  <a:latin typeface="Tahoma" pitchFamily="34" charset="0"/>
+                  <a:cs typeface="Arial" pitchFamily="34" charset="0"/>
+                </a:rPr>
+                <a:t>S</a:t>
+              </a:r>
+              <a:r>
+                <a:rPr lang="fr-FR" sz="1200" baseline="-25000" noProof="1" smtClean="0">
+                  <a:solidFill>
+                    <a:srgbClr val="000000"/>
+                  </a:solidFill>
+                  <a:effectLst/>
+                  <a:latin typeface="Tahoma" pitchFamily="34" charset="0"/>
+                  <a:cs typeface="Arial" pitchFamily="34" charset="0"/>
+                </a:rPr>
+                <a:t>2</a:t>
+              </a:r>
+              <a:endParaRPr kumimoji="0" lang="fr-FR" sz="1400" b="0" i="0" u="none" strike="noStrike" cap="none" normalizeH="0" baseline="-25000" noProof="1" smtClean="0">
                 <a:ln>
                   <a:noFill/>
                 </a:ln>
                 <a:solidFill>
-                  <a:srgbClr val="000000"/>
+                  <a:schemeClr val="tx1"/>
                 </a:solidFill>
                 <a:effectLst/>
-                <a:latin typeface="Tahoma" pitchFamily="34" charset="0"/>
+                <a:latin typeface="Arial" pitchFamily="34" charset="0"/>
                 <a:cs typeface="Arial" pitchFamily="34" charset="0"/>
-              </a:rPr>
-              <a:t>o</a:t>
-            </a:r>
-            <a:endParaRPr kumimoji="0" lang="fr-FR" sz="1400" b="0" i="0" u="none" strike="noStrike" cap="none" normalizeH="0" baseline="-25000" noProof="1" smtClean="0">
-              <a:ln>
-                <a:noFill/>
-              </a:ln>
-              <a:solidFill>
-                <a:schemeClr val="tx1"/>
-              </a:solidFill>
-              <a:effectLst/>
-              <a:latin typeface="Arial" pitchFamily="34" charset="0"/>
-              <a:cs typeface="Arial" pitchFamily="34" charset="0"/>
-            </a:endParaRPr>
-          </a:p>
-        </p:txBody>
-      </p:sp>
-      <p:sp>
-        <p:nvSpPr>
-          <p:cNvPr id="51" name="Rectangle 16"/>
-          <p:cNvSpPr>
-            <a:spLocks noChangeArrowheads="1"/>
-          </p:cNvSpPr>
-          <p:nvPr/>
-        </p:nvSpPr>
-        <p:spPr bwMode="auto">
-          <a:xfrm>
-            <a:off x="5572132" y="3000372"/>
-            <a:ext cx="141064" cy="184666"/>
-          </a:xfrm>
-          <a:prstGeom prst="rect">
-            <a:avLst/>
-          </a:prstGeom>
-          <a:noFill/>
-          <a:ln w="9525">
+              </a:endParaRPr>
+            </a:p>
+          </p:txBody>
+        </p:sp>
+        <p:sp>
+          <p:nvSpPr>
+            <p:cNvPr id="53" name="Rectangle 16"/>
+            <p:cNvSpPr>
+              <a:spLocks noChangeArrowheads="1"/>
+            </p:cNvSpPr>
+            <p:nvPr/>
+          </p:nvSpPr>
+          <p:spPr bwMode="auto">
+            <a:xfrm>
+              <a:off x="5572132" y="3429000"/>
+              <a:ext cx="141064" cy="184666"/>
+            </a:xfrm>
+            <a:prstGeom prst="rect">
+              <a:avLst/>
+            </a:prstGeom>
             <a:noFill/>
-            <a:miter lim="800000"/>
-            <a:headEnd/>
-            <a:tailEnd/>
-          </a:ln>
-        </p:spPr>
-        <p:txBody>
-          <a:bodyPr vert="horz" wrap="none" lIns="0" tIns="0" rIns="0" bIns="0" numCol="1" anchor="t" anchorCtr="0" compatLnSpc="1">
-            <a:prstTxWarp prst="textNoShape">
-              <a:avLst/>
-            </a:prstTxWarp>
-            <a:spAutoFit/>
-          </a:bodyPr>
-          <a:lstStyle/>
-          <a:p>
-            <a:pPr marL="0" marR="0" lvl="0" indent="0" algn="l" defTabSz="914400" rtl="0" eaLnBrk="1" fontAlgn="base" latinLnBrk="0" hangingPunct="1">
-              <a:lnSpc>
-                <a:spcPct val="100000"/>
-              </a:lnSpc>
-              <a:spcBef>
-                <a:spcPct val="0"/>
-              </a:spcBef>
-              <a:spcAft>
-                <a:spcPct val="0"/>
-              </a:spcAft>
-              <a:buClrTx/>
-              <a:buSzTx/>
-              <a:buFontTx/>
-              <a:buNone/>
-              <a:tabLst/>
-            </a:pPr>
-            <a:r>
-              <a:rPr kumimoji="0" lang="fr-FR" sz="1200" b="0" i="0" u="none" strike="noStrike" cap="none" normalizeH="0" baseline="0" noProof="1" smtClean="0">
+            <a:ln w="9525">
+              <a:noFill/>
+              <a:miter lim="800000"/>
+              <a:headEnd/>
+              <a:tailEnd/>
+            </a:ln>
+          </p:spPr>
+          <p:txBody>
+            <a:bodyPr vert="horz" wrap="none" lIns="0" tIns="0" rIns="0" bIns="0" numCol="1" anchor="t" anchorCtr="0" compatLnSpc="1">
+              <a:prstTxWarp prst="textNoShape">
+                <a:avLst/>
+              </a:prstTxWarp>
+              <a:spAutoFit/>
+            </a:bodyPr>
+            <a:lstStyle/>
+            <a:p>
+              <a:pPr marL="0" marR="0" lvl="0" indent="0" algn="l" defTabSz="914400" rtl="0" eaLnBrk="1" fontAlgn="base" latinLnBrk="0" hangingPunct="1">
+                <a:lnSpc>
+                  <a:spcPct val="100000"/>
+                </a:lnSpc>
+                <a:spcBef>
+                  <a:spcPct val="0"/>
+                </a:spcBef>
+                <a:spcAft>
+                  <a:spcPct val="0"/>
+                </a:spcAft>
+                <a:buClrTx/>
+                <a:buSzTx/>
+                <a:buFontTx/>
+                <a:buNone/>
+                <a:tabLst/>
+              </a:pPr>
+              <a:r>
+                <a:rPr kumimoji="0" lang="fr-FR" sz="1200" b="0" i="0" u="none" strike="noStrike" cap="none" normalizeH="0" baseline="0" noProof="1" smtClean="0">
+                  <a:ln>
+                    <a:noFill/>
+                  </a:ln>
+                  <a:solidFill>
+                    <a:srgbClr val="000000"/>
+                  </a:solidFill>
+                  <a:effectLst/>
+                  <a:latin typeface="Tahoma" pitchFamily="34" charset="0"/>
+                  <a:cs typeface="Arial" pitchFamily="34" charset="0"/>
+                </a:rPr>
+                <a:t>S</a:t>
+              </a:r>
+              <a:r>
+                <a:rPr lang="fr-FR" sz="1200" baseline="-25000" noProof="1" smtClean="0">
+                  <a:solidFill>
+                    <a:srgbClr val="000000"/>
+                  </a:solidFill>
+                  <a:effectLst/>
+                  <a:latin typeface="Tahoma" pitchFamily="34" charset="0"/>
+                  <a:cs typeface="Arial" pitchFamily="34" charset="0"/>
+                </a:rPr>
+                <a:t>3</a:t>
+              </a:r>
+              <a:endParaRPr kumimoji="0" lang="fr-FR" sz="1400" b="0" i="0" u="none" strike="noStrike" cap="none" normalizeH="0" baseline="-25000" noProof="1" smtClean="0">
                 <a:ln>
                   <a:noFill/>
                 </a:ln>
                 <a:solidFill>
-                  <a:srgbClr val="000000"/>
+                  <a:schemeClr val="tx1"/>
                 </a:solidFill>
                 <a:effectLst/>
-                <a:latin typeface="Tahoma" pitchFamily="34" charset="0"/>
+                <a:latin typeface="Arial" pitchFamily="34" charset="0"/>
                 <a:cs typeface="Arial" pitchFamily="34" charset="0"/>
-              </a:rPr>
-              <a:t>S</a:t>
-            </a:r>
-            <a:r>
-              <a:rPr lang="fr-FR" sz="1200" baseline="-25000" noProof="1" smtClean="0">
-                <a:solidFill>
-                  <a:srgbClr val="000000"/>
-                </a:solidFill>
-                <a:effectLst/>
-                <a:latin typeface="Tahoma" pitchFamily="34" charset="0"/>
-                <a:cs typeface="Arial" pitchFamily="34" charset="0"/>
-              </a:rPr>
-              <a:t>1</a:t>
-            </a:r>
-            <a:endParaRPr kumimoji="0" lang="fr-FR" sz="1400" b="0" i="0" u="none" strike="noStrike" cap="none" normalizeH="0" baseline="-25000" noProof="1" smtClean="0">
-              <a:ln>
-                <a:noFill/>
-              </a:ln>
-              <a:solidFill>
-                <a:schemeClr val="tx1"/>
-              </a:solidFill>
-              <a:effectLst/>
-              <a:latin typeface="Arial" pitchFamily="34" charset="0"/>
-              <a:cs typeface="Arial" pitchFamily="34" charset="0"/>
-            </a:endParaRPr>
-          </a:p>
-        </p:txBody>
-      </p:sp>
-      <p:sp>
-        <p:nvSpPr>
-          <p:cNvPr id="52" name="Rectangle 16"/>
-          <p:cNvSpPr>
-            <a:spLocks noChangeArrowheads="1"/>
-          </p:cNvSpPr>
-          <p:nvPr/>
-        </p:nvSpPr>
-        <p:spPr bwMode="auto">
-          <a:xfrm>
-            <a:off x="5572132" y="3214686"/>
-            <a:ext cx="141064" cy="184666"/>
-          </a:xfrm>
-          <a:prstGeom prst="rect">
-            <a:avLst/>
-          </a:prstGeom>
-          <a:noFill/>
-          <a:ln w="9525">
+              </a:endParaRPr>
+            </a:p>
+          </p:txBody>
+        </p:sp>
+        <p:sp>
+          <p:nvSpPr>
+            <p:cNvPr id="54" name="Rectangle 26"/>
+            <p:cNvSpPr>
+              <a:spLocks noChangeArrowheads="1"/>
+            </p:cNvSpPr>
+            <p:nvPr/>
+          </p:nvSpPr>
+          <p:spPr bwMode="auto">
+            <a:xfrm>
+              <a:off x="4714876" y="3857628"/>
+              <a:ext cx="149080" cy="184666"/>
+            </a:xfrm>
+            <a:prstGeom prst="rect">
+              <a:avLst/>
+            </a:prstGeom>
             <a:noFill/>
-            <a:miter lim="800000"/>
-            <a:headEnd/>
-            <a:tailEnd/>
-          </a:ln>
-        </p:spPr>
-        <p:txBody>
-          <a:bodyPr vert="horz" wrap="none" lIns="0" tIns="0" rIns="0" bIns="0" numCol="1" anchor="t" anchorCtr="0" compatLnSpc="1">
-            <a:prstTxWarp prst="textNoShape">
-              <a:avLst/>
-            </a:prstTxWarp>
-            <a:spAutoFit/>
-          </a:bodyPr>
-          <a:lstStyle/>
-          <a:p>
-            <a:pPr marL="0" marR="0" lvl="0" indent="0" algn="l" defTabSz="914400" rtl="0" eaLnBrk="1" fontAlgn="base" latinLnBrk="0" hangingPunct="1">
-              <a:lnSpc>
-                <a:spcPct val="100000"/>
-              </a:lnSpc>
-              <a:spcBef>
-                <a:spcPct val="0"/>
-              </a:spcBef>
-              <a:spcAft>
-                <a:spcPct val="0"/>
-              </a:spcAft>
-              <a:buClrTx/>
-              <a:buSzTx/>
-              <a:buFontTx/>
-              <a:buNone/>
-              <a:tabLst/>
-            </a:pPr>
-            <a:r>
-              <a:rPr kumimoji="0" lang="fr-FR" sz="1200" b="0" i="0" u="none" strike="noStrike" cap="none" normalizeH="0" baseline="0" noProof="1" smtClean="0">
+            <a:ln w="9525">
+              <a:noFill/>
+              <a:miter lim="800000"/>
+              <a:headEnd/>
+              <a:tailEnd/>
+            </a:ln>
+          </p:spPr>
+          <p:txBody>
+            <a:bodyPr vert="horz" wrap="none" lIns="0" tIns="0" rIns="0" bIns="0" numCol="1" anchor="t" anchorCtr="0" compatLnSpc="1">
+              <a:prstTxWarp prst="textNoShape">
+                <a:avLst/>
+              </a:prstTxWarp>
+              <a:spAutoFit/>
+            </a:bodyPr>
+            <a:lstStyle/>
+            <a:p>
+              <a:pPr marL="0" marR="0" lvl="0" indent="0" algn="l" defTabSz="914400" rtl="0" eaLnBrk="1" fontAlgn="base" latinLnBrk="0" hangingPunct="1">
+                <a:lnSpc>
+                  <a:spcPct val="100000"/>
+                </a:lnSpc>
+                <a:spcBef>
+                  <a:spcPct val="0"/>
+                </a:spcBef>
+                <a:spcAft>
+                  <a:spcPct val="0"/>
+                </a:spcAft>
+                <a:buClrTx/>
+                <a:buSzTx/>
+                <a:buFontTx/>
+                <a:buNone/>
+                <a:tabLst/>
+              </a:pPr>
+              <a:r>
+                <a:rPr kumimoji="0" lang="fr-FR" sz="1200" b="0" i="0" u="none" strike="noStrike" cap="none" normalizeH="0" baseline="0" noProof="1" smtClean="0">
+                  <a:ln>
+                    <a:noFill/>
+                  </a:ln>
+                  <a:solidFill>
+                    <a:srgbClr val="000000"/>
+                  </a:solidFill>
+                  <a:effectLst/>
+                  <a:latin typeface="Tahoma" pitchFamily="34" charset="0"/>
+                  <a:cs typeface="Arial" pitchFamily="34" charset="0"/>
+                </a:rPr>
+                <a:t>A</a:t>
+              </a:r>
+              <a:r>
+                <a:rPr lang="fr-FR" sz="1200" baseline="-25000" noProof="1" smtClean="0">
+                  <a:solidFill>
+                    <a:srgbClr val="000000"/>
+                  </a:solidFill>
+                  <a:effectLst/>
+                  <a:latin typeface="Tahoma" pitchFamily="34" charset="0"/>
+                  <a:cs typeface="Arial" pitchFamily="34" charset="0"/>
+                </a:rPr>
+                <a:t>1</a:t>
+              </a:r>
+              <a:endParaRPr kumimoji="0" lang="fr-FR" sz="1400" b="0" i="0" u="none" strike="noStrike" cap="none" normalizeH="0" baseline="-25000" noProof="1" smtClean="0">
                 <a:ln>
                   <a:noFill/>
                 </a:ln>
                 <a:solidFill>
-                  <a:srgbClr val="000000"/>
+                  <a:schemeClr val="tx1"/>
                 </a:solidFill>
                 <a:effectLst/>
-                <a:latin typeface="Tahoma" pitchFamily="34" charset="0"/>
+                <a:latin typeface="Arial" pitchFamily="34" charset="0"/>
                 <a:cs typeface="Arial" pitchFamily="34" charset="0"/>
-              </a:rPr>
-              <a:t>S</a:t>
-            </a:r>
-            <a:r>
-              <a:rPr lang="fr-FR" sz="1200" baseline="-25000" noProof="1" smtClean="0">
-                <a:solidFill>
-                  <a:srgbClr val="000000"/>
-                </a:solidFill>
-                <a:effectLst/>
-                <a:latin typeface="Tahoma" pitchFamily="34" charset="0"/>
-                <a:cs typeface="Arial" pitchFamily="34" charset="0"/>
-              </a:rPr>
-              <a:t>2</a:t>
-            </a:r>
-            <a:endParaRPr kumimoji="0" lang="fr-FR" sz="1400" b="0" i="0" u="none" strike="noStrike" cap="none" normalizeH="0" baseline="-25000" noProof="1" smtClean="0">
-              <a:ln>
-                <a:noFill/>
-              </a:ln>
-              <a:solidFill>
-                <a:schemeClr val="tx1"/>
-              </a:solidFill>
-              <a:effectLst/>
-              <a:latin typeface="Arial" pitchFamily="34" charset="0"/>
-              <a:cs typeface="Arial" pitchFamily="34" charset="0"/>
-            </a:endParaRPr>
-          </a:p>
-        </p:txBody>
-      </p:sp>
-      <p:sp>
-        <p:nvSpPr>
-          <p:cNvPr id="53" name="Rectangle 16"/>
-          <p:cNvSpPr>
-            <a:spLocks noChangeArrowheads="1"/>
-          </p:cNvSpPr>
-          <p:nvPr/>
-        </p:nvSpPr>
-        <p:spPr bwMode="auto">
-          <a:xfrm>
-            <a:off x="5572132" y="3429000"/>
-            <a:ext cx="141064" cy="184666"/>
-          </a:xfrm>
-          <a:prstGeom prst="rect">
-            <a:avLst/>
-          </a:prstGeom>
-          <a:noFill/>
-          <a:ln w="9525">
-            <a:noFill/>
-            <a:miter lim="800000"/>
-            <a:headEnd/>
-            <a:tailEnd/>
-          </a:ln>
-        </p:spPr>
-        <p:txBody>
-          <a:bodyPr vert="horz" wrap="none" lIns="0" tIns="0" rIns="0" bIns="0" numCol="1" anchor="t" anchorCtr="0" compatLnSpc="1">
-            <a:prstTxWarp prst="textNoShape">
+              </a:endParaRPr>
+            </a:p>
+          </p:txBody>
+        </p:sp>
+        <p:sp>
+          <p:nvSpPr>
+            <p:cNvPr id="345102" name="Freeform 14"/>
+            <p:cNvSpPr>
+              <a:spLocks noEditPoints="1"/>
+            </p:cNvSpPr>
+            <p:nvPr/>
+          </p:nvSpPr>
+          <p:spPr bwMode="auto">
+            <a:xfrm>
+              <a:off x="4176562" y="3143248"/>
+              <a:ext cx="324000" cy="76200"/>
+            </a:xfrm>
+            <a:custGeom>
               <a:avLst/>
-            </a:prstTxWarp>
-            <a:spAutoFit/>
-          </a:bodyPr>
-          <a:lstStyle/>
-          <a:p>
-            <a:pPr marL="0" marR="0" lvl="0" indent="0" algn="l" defTabSz="914400" rtl="0" eaLnBrk="1" fontAlgn="base" latinLnBrk="0" hangingPunct="1">
-              <a:lnSpc>
-                <a:spcPct val="100000"/>
-              </a:lnSpc>
-              <a:spcBef>
-                <a:spcPct val="0"/>
-              </a:spcBef>
-              <a:spcAft>
-                <a:spcPct val="0"/>
-              </a:spcAft>
-              <a:buClrTx/>
-              <a:buSzTx/>
-              <a:buFontTx/>
-              <a:buNone/>
-              <a:tabLst/>
-            </a:pPr>
-            <a:r>
-              <a:rPr kumimoji="0" lang="fr-FR" sz="1200" b="0" i="0" u="none" strike="noStrike" cap="none" normalizeH="0" baseline="0" noProof="1" smtClean="0">
-                <a:ln>
-                  <a:noFill/>
-                </a:ln>
-                <a:solidFill>
-                  <a:srgbClr val="000000"/>
-                </a:solidFill>
-                <a:effectLst/>
-                <a:latin typeface="Tahoma" pitchFamily="34" charset="0"/>
-                <a:cs typeface="Arial" pitchFamily="34" charset="0"/>
-              </a:rPr>
-              <a:t>S</a:t>
-            </a:r>
-            <a:r>
-              <a:rPr lang="fr-FR" sz="1200" baseline="-25000" noProof="1" smtClean="0">
-                <a:solidFill>
-                  <a:srgbClr val="000000"/>
-                </a:solidFill>
-                <a:effectLst/>
-                <a:latin typeface="Tahoma" pitchFamily="34" charset="0"/>
-                <a:cs typeface="Arial" pitchFamily="34" charset="0"/>
-              </a:rPr>
-              <a:t>3</a:t>
-            </a:r>
-            <a:endParaRPr kumimoji="0" lang="fr-FR" sz="1400" b="0" i="0" u="none" strike="noStrike" cap="none" normalizeH="0" baseline="-25000" noProof="1" smtClean="0">
-              <a:ln>
-                <a:noFill/>
-              </a:ln>
-              <a:solidFill>
-                <a:schemeClr val="tx1"/>
-              </a:solidFill>
-              <a:effectLst/>
-              <a:latin typeface="Arial" pitchFamily="34" charset="0"/>
-              <a:cs typeface="Arial" pitchFamily="34" charset="0"/>
-            </a:endParaRPr>
-          </a:p>
-        </p:txBody>
-      </p:sp>
-      <p:sp>
-        <p:nvSpPr>
-          <p:cNvPr id="54" name="Rectangle 26"/>
-          <p:cNvSpPr>
-            <a:spLocks noChangeArrowheads="1"/>
-          </p:cNvSpPr>
-          <p:nvPr/>
-        </p:nvSpPr>
-        <p:spPr bwMode="auto">
-          <a:xfrm>
-            <a:off x="4714876" y="3857628"/>
-            <a:ext cx="149080" cy="184666"/>
-          </a:xfrm>
-          <a:prstGeom prst="rect">
-            <a:avLst/>
-          </a:prstGeom>
-          <a:noFill/>
-          <a:ln w="9525">
-            <a:noFill/>
-            <a:miter lim="800000"/>
-            <a:headEnd/>
-            <a:tailEnd/>
-          </a:ln>
-        </p:spPr>
-        <p:txBody>
-          <a:bodyPr vert="horz" wrap="none" lIns="0" tIns="0" rIns="0" bIns="0" numCol="1" anchor="t" anchorCtr="0" compatLnSpc="1">
-            <a:prstTxWarp prst="textNoShape">
-              <a:avLst/>
-            </a:prstTxWarp>
-            <a:spAutoFit/>
-          </a:bodyPr>
-          <a:lstStyle/>
-          <a:p>
-            <a:pPr marL="0" marR="0" lvl="0" indent="0" algn="l" defTabSz="914400" rtl="0" eaLnBrk="1" fontAlgn="base" latinLnBrk="0" hangingPunct="1">
-              <a:lnSpc>
-                <a:spcPct val="100000"/>
-              </a:lnSpc>
-              <a:spcBef>
-                <a:spcPct val="0"/>
-              </a:spcBef>
-              <a:spcAft>
-                <a:spcPct val="0"/>
-              </a:spcAft>
-              <a:buClrTx/>
-              <a:buSzTx/>
-              <a:buFontTx/>
-              <a:buNone/>
-              <a:tabLst/>
-            </a:pPr>
-            <a:r>
-              <a:rPr kumimoji="0" lang="fr-FR" sz="1200" b="0" i="0" u="none" strike="noStrike" cap="none" normalizeH="0" baseline="0" noProof="1" smtClean="0">
-                <a:ln>
-                  <a:noFill/>
-                </a:ln>
-                <a:solidFill>
-                  <a:srgbClr val="000000"/>
-                </a:solidFill>
-                <a:effectLst/>
-                <a:latin typeface="Tahoma" pitchFamily="34" charset="0"/>
-                <a:cs typeface="Arial" pitchFamily="34" charset="0"/>
-              </a:rPr>
-              <a:t>A</a:t>
-            </a:r>
-            <a:r>
-              <a:rPr lang="fr-FR" sz="1200" baseline="-25000" noProof="1" smtClean="0">
-                <a:solidFill>
-                  <a:srgbClr val="000000"/>
-                </a:solidFill>
-                <a:effectLst/>
-                <a:latin typeface="Tahoma" pitchFamily="34" charset="0"/>
-                <a:cs typeface="Arial" pitchFamily="34" charset="0"/>
-              </a:rPr>
-              <a:t>1</a:t>
-            </a:r>
-            <a:endParaRPr kumimoji="0" lang="fr-FR" sz="1400" b="0" i="0" u="none" strike="noStrike" cap="none" normalizeH="0" baseline="-25000" noProof="1" smtClean="0">
-              <a:ln>
-                <a:noFill/>
-              </a:ln>
-              <a:solidFill>
-                <a:schemeClr val="tx1"/>
-              </a:solidFill>
-              <a:effectLst/>
-              <a:latin typeface="Arial" pitchFamily="34" charset="0"/>
-              <a:cs typeface="Arial" pitchFamily="34" charset="0"/>
-            </a:endParaRPr>
-          </a:p>
-        </p:txBody>
-      </p:sp>
-      <p:sp>
-        <p:nvSpPr>
-          <p:cNvPr id="345102" name="Freeform 14"/>
-          <p:cNvSpPr>
-            <a:spLocks noEditPoints="1"/>
-          </p:cNvSpPr>
-          <p:nvPr/>
-        </p:nvSpPr>
-        <p:spPr bwMode="auto">
-          <a:xfrm>
-            <a:off x="4176562" y="3143248"/>
-            <a:ext cx="324000" cy="76200"/>
-          </a:xfrm>
-          <a:custGeom>
-            <a:avLst/>
-            <a:gdLst/>
-            <a:ahLst/>
-            <a:cxnLst>
-              <a:cxn ang="0">
-                <a:pos x="0" y="18"/>
-              </a:cxn>
-              <a:cxn ang="0">
-                <a:pos x="230" y="18"/>
-              </a:cxn>
-              <a:cxn ang="0">
-                <a:pos x="230" y="30"/>
-              </a:cxn>
-              <a:cxn ang="0">
-                <a:pos x="0" y="30"/>
-              </a:cxn>
-              <a:cxn ang="0">
-                <a:pos x="0" y="18"/>
-              </a:cxn>
-              <a:cxn ang="0">
-                <a:pos x="222" y="0"/>
-              </a:cxn>
-              <a:cxn ang="0">
-                <a:pos x="270" y="24"/>
-              </a:cxn>
-              <a:cxn ang="0">
-                <a:pos x="222" y="48"/>
-              </a:cxn>
-              <a:cxn ang="0">
-                <a:pos x="222" y="0"/>
-              </a:cxn>
-            </a:cxnLst>
-            <a:rect l="0" t="0" r="r" b="b"/>
-            <a:pathLst>
-              <a:path w="270" h="48">
-                <a:moveTo>
-                  <a:pt x="0" y="18"/>
-                </a:moveTo>
-                <a:lnTo>
-                  <a:pt x="230" y="18"/>
-                </a:lnTo>
-                <a:lnTo>
-                  <a:pt x="230" y="30"/>
-                </a:lnTo>
-                <a:lnTo>
-                  <a:pt x="0" y="30"/>
-                </a:lnTo>
-                <a:lnTo>
-                  <a:pt x="0" y="18"/>
-                </a:lnTo>
-                <a:close/>
-                <a:moveTo>
-                  <a:pt x="222" y="0"/>
-                </a:moveTo>
-                <a:lnTo>
-                  <a:pt x="270" y="24"/>
-                </a:lnTo>
-                <a:lnTo>
-                  <a:pt x="222" y="48"/>
-                </a:lnTo>
-                <a:lnTo>
-                  <a:pt x="222" y="0"/>
-                </a:lnTo>
-                <a:close/>
-              </a:path>
-            </a:pathLst>
-          </a:custGeom>
-          <a:solidFill>
-            <a:srgbClr val="000000"/>
-          </a:solidFill>
-          <a:ln w="0" cap="flat">
+              <a:gdLst/>
+              <a:ahLst/>
+              <a:cxnLst>
+                <a:cxn ang="0">
+                  <a:pos x="0" y="18"/>
+                </a:cxn>
+                <a:cxn ang="0">
+                  <a:pos x="230" y="18"/>
+                </a:cxn>
+                <a:cxn ang="0">
+                  <a:pos x="230" y="30"/>
+                </a:cxn>
+                <a:cxn ang="0">
+                  <a:pos x="0" y="30"/>
+                </a:cxn>
+                <a:cxn ang="0">
+                  <a:pos x="0" y="18"/>
+                </a:cxn>
+                <a:cxn ang="0">
+                  <a:pos x="222" y="0"/>
+                </a:cxn>
+                <a:cxn ang="0">
+                  <a:pos x="270" y="24"/>
+                </a:cxn>
+                <a:cxn ang="0">
+                  <a:pos x="222" y="48"/>
+                </a:cxn>
+                <a:cxn ang="0">
+                  <a:pos x="222" y="0"/>
+                </a:cxn>
+              </a:cxnLst>
+              <a:rect l="0" t="0" r="r" b="b"/>
+              <a:pathLst>
+                <a:path w="270" h="48">
+                  <a:moveTo>
+                    <a:pt x="0" y="18"/>
+                  </a:moveTo>
+                  <a:lnTo>
+                    <a:pt x="230" y="18"/>
+                  </a:lnTo>
+                  <a:lnTo>
+                    <a:pt x="230" y="30"/>
+                  </a:lnTo>
+                  <a:lnTo>
+                    <a:pt x="0" y="30"/>
+                  </a:lnTo>
+                  <a:lnTo>
+                    <a:pt x="0" y="18"/>
+                  </a:lnTo>
+                  <a:close/>
+                  <a:moveTo>
+                    <a:pt x="222" y="0"/>
+                  </a:moveTo>
+                  <a:lnTo>
+                    <a:pt x="270" y="24"/>
+                  </a:lnTo>
+                  <a:lnTo>
+                    <a:pt x="222" y="48"/>
+                  </a:lnTo>
+                  <a:lnTo>
+                    <a:pt x="222" y="0"/>
+                  </a:lnTo>
+                  <a:close/>
+                </a:path>
+              </a:pathLst>
+            </a:custGeom>
             <a:solidFill>
               <a:srgbClr val="000000"/>
             </a:solidFill>
-            <a:prstDash val="solid"/>
-            <a:round/>
-            <a:headEnd/>
-            <a:tailEnd/>
-          </a:ln>
-        </p:spPr>
-        <p:txBody>
-          <a:bodyPr vert="horz" wrap="square" lIns="91440" tIns="45720" rIns="91440" bIns="45720" numCol="1" anchor="t" anchorCtr="0" compatLnSpc="1">
-            <a:prstTxWarp prst="textNoShape">
-              <a:avLst/>
-            </a:prstTxWarp>
-          </a:bodyPr>
-          <a:lstStyle/>
-          <a:p>
-            <a:endParaRPr lang="fr-FR"/>
-          </a:p>
-        </p:txBody>
-      </p:sp>
+            <a:ln w="0" cap="flat">
+              <a:solidFill>
+                <a:srgbClr val="000000"/>
+              </a:solidFill>
+              <a:prstDash val="solid"/>
+              <a:round/>
+              <a:headEnd/>
+              <a:tailEnd/>
+            </a:ln>
+          </p:spPr>
+          <p:txBody>
+            <a:bodyPr vert="horz" wrap="square" lIns="91440" tIns="45720" rIns="91440" bIns="45720" numCol="1" anchor="t" anchorCtr="0" compatLnSpc="1">
+              <a:prstTxWarp prst="textNoShape">
+                <a:avLst/>
+              </a:prstTxWarp>
+            </a:bodyPr>
+            <a:lstStyle/>
+            <a:p>
+              <a:endParaRPr lang="fr-FR"/>
+            </a:p>
+          </p:txBody>
+        </p:sp>
+      </p:grpSp>
       <p:grpSp>
         <p:nvGrpSpPr>
           <p:cNvPr id="24" name="Groupe 66"/>
@@ -6054,6 +6069,2193 @@
           </p:txBody>
         </p:sp>
       </p:grpSp>
+      <p:grpSp>
+        <p:nvGrpSpPr>
+          <p:cNvPr id="71" name="Group 10"/>
+          <p:cNvGrpSpPr>
+            <a:grpSpLocks/>
+          </p:cNvGrpSpPr>
+          <p:nvPr/>
+        </p:nvGrpSpPr>
+        <p:grpSpPr bwMode="auto">
+          <a:xfrm>
+            <a:off x="6620123" y="-912019"/>
+            <a:ext cx="265497" cy="155"/>
+            <a:chOff x="6620" y="6510"/>
+            <a:chExt cx="518" cy="132"/>
+          </a:xfrm>
+        </p:grpSpPr>
+        <p:sp>
+          <p:nvSpPr>
+            <p:cNvPr id="80" name="Line 15"/>
+            <p:cNvSpPr>
+              <a:spLocks noChangeShapeType="1"/>
+            </p:cNvSpPr>
+            <p:nvPr/>
+          </p:nvSpPr>
+          <p:spPr bwMode="auto">
+            <a:xfrm>
+              <a:off x="6620" y="6510"/>
+              <a:ext cx="518" cy="0"/>
+            </a:xfrm>
+            <a:prstGeom prst="line">
+              <a:avLst/>
+            </a:prstGeom>
+            <a:noFill/>
+            <a:ln w="28575">
+              <a:solidFill>
+                <a:schemeClr val="bg1"/>
+              </a:solidFill>
+              <a:round/>
+              <a:headEnd/>
+              <a:tailEnd/>
+            </a:ln>
+          </p:spPr>
+          <p:txBody>
+            <a:bodyPr vert="horz" wrap="square" lIns="91440" tIns="45720" rIns="91440" bIns="45720" numCol="1" anchor="ctr" anchorCtr="0" compatLnSpc="1">
+              <a:prstTxWarp prst="textNoShape">
+                <a:avLst/>
+              </a:prstTxWarp>
+            </a:bodyPr>
+            <a:lstStyle/>
+            <a:p>
+              <a:endParaRPr lang="fr-FR" i="1">
+                <a:solidFill>
+                  <a:schemeClr val="bg1"/>
+                </a:solidFill>
+                <a:latin typeface="+mn-lt"/>
+              </a:endParaRPr>
+            </a:p>
+          </p:txBody>
+        </p:sp>
+        <p:sp>
+          <p:nvSpPr>
+            <p:cNvPr id="81" name="Line 14"/>
+            <p:cNvSpPr>
+              <a:spLocks noChangeShapeType="1"/>
+            </p:cNvSpPr>
+            <p:nvPr/>
+          </p:nvSpPr>
+          <p:spPr bwMode="auto">
+            <a:xfrm flipV="1">
+              <a:off x="6879" y="6510"/>
+              <a:ext cx="65" cy="132"/>
+            </a:xfrm>
+            <a:prstGeom prst="line">
+              <a:avLst/>
+            </a:prstGeom>
+            <a:noFill/>
+            <a:ln w="28575">
+              <a:solidFill>
+                <a:schemeClr val="bg1"/>
+              </a:solidFill>
+              <a:round/>
+              <a:headEnd/>
+              <a:tailEnd/>
+            </a:ln>
+          </p:spPr>
+          <p:txBody>
+            <a:bodyPr vert="horz" wrap="square" lIns="91440" tIns="45720" rIns="91440" bIns="45720" numCol="1" anchor="ctr" anchorCtr="0" compatLnSpc="1">
+              <a:prstTxWarp prst="textNoShape">
+                <a:avLst/>
+              </a:prstTxWarp>
+            </a:bodyPr>
+            <a:lstStyle/>
+            <a:p>
+              <a:endParaRPr lang="fr-FR" i="1">
+                <a:solidFill>
+                  <a:schemeClr val="bg1"/>
+                </a:solidFill>
+                <a:latin typeface="+mn-lt"/>
+              </a:endParaRPr>
+            </a:p>
+          </p:txBody>
+        </p:sp>
+        <p:sp>
+          <p:nvSpPr>
+            <p:cNvPr id="82" name="Line 13"/>
+            <p:cNvSpPr>
+              <a:spLocks noChangeShapeType="1"/>
+            </p:cNvSpPr>
+            <p:nvPr/>
+          </p:nvSpPr>
+          <p:spPr bwMode="auto">
+            <a:xfrm flipV="1">
+              <a:off x="7008" y="6510"/>
+              <a:ext cx="65" cy="132"/>
+            </a:xfrm>
+            <a:prstGeom prst="line">
+              <a:avLst/>
+            </a:prstGeom>
+            <a:noFill/>
+            <a:ln w="28575">
+              <a:solidFill>
+                <a:schemeClr val="bg1"/>
+              </a:solidFill>
+              <a:round/>
+              <a:headEnd/>
+              <a:tailEnd/>
+            </a:ln>
+          </p:spPr>
+          <p:txBody>
+            <a:bodyPr vert="horz" wrap="square" lIns="91440" tIns="45720" rIns="91440" bIns="45720" numCol="1" anchor="ctr" anchorCtr="0" compatLnSpc="1">
+              <a:prstTxWarp prst="textNoShape">
+                <a:avLst/>
+              </a:prstTxWarp>
+            </a:bodyPr>
+            <a:lstStyle/>
+            <a:p>
+              <a:endParaRPr lang="fr-FR" i="1">
+                <a:solidFill>
+                  <a:schemeClr val="bg1"/>
+                </a:solidFill>
+                <a:latin typeface="+mn-lt"/>
+              </a:endParaRPr>
+            </a:p>
+          </p:txBody>
+        </p:sp>
+        <p:sp>
+          <p:nvSpPr>
+            <p:cNvPr id="83" name="Line 12"/>
+            <p:cNvSpPr>
+              <a:spLocks noChangeShapeType="1"/>
+            </p:cNvSpPr>
+            <p:nvPr/>
+          </p:nvSpPr>
+          <p:spPr bwMode="auto">
+            <a:xfrm flipV="1">
+              <a:off x="6749" y="6510"/>
+              <a:ext cx="65" cy="132"/>
+            </a:xfrm>
+            <a:prstGeom prst="line">
+              <a:avLst/>
+            </a:prstGeom>
+            <a:noFill/>
+            <a:ln w="28575">
+              <a:solidFill>
+                <a:schemeClr val="bg1"/>
+              </a:solidFill>
+              <a:round/>
+              <a:headEnd/>
+              <a:tailEnd/>
+            </a:ln>
+          </p:spPr>
+          <p:txBody>
+            <a:bodyPr vert="horz" wrap="square" lIns="91440" tIns="45720" rIns="91440" bIns="45720" numCol="1" anchor="ctr" anchorCtr="0" compatLnSpc="1">
+              <a:prstTxWarp prst="textNoShape">
+                <a:avLst/>
+              </a:prstTxWarp>
+            </a:bodyPr>
+            <a:lstStyle/>
+            <a:p>
+              <a:endParaRPr lang="fr-FR" i="1">
+                <a:solidFill>
+                  <a:schemeClr val="bg1"/>
+                </a:solidFill>
+                <a:latin typeface="+mn-lt"/>
+              </a:endParaRPr>
+            </a:p>
+          </p:txBody>
+        </p:sp>
+        <p:sp>
+          <p:nvSpPr>
+            <p:cNvPr id="84" name="Line 11"/>
+            <p:cNvSpPr>
+              <a:spLocks noChangeShapeType="1"/>
+            </p:cNvSpPr>
+            <p:nvPr/>
+          </p:nvSpPr>
+          <p:spPr bwMode="auto">
+            <a:xfrm flipV="1">
+              <a:off x="6620" y="6510"/>
+              <a:ext cx="64" cy="132"/>
+            </a:xfrm>
+            <a:prstGeom prst="line">
+              <a:avLst/>
+            </a:prstGeom>
+            <a:noFill/>
+            <a:ln w="28575">
+              <a:solidFill>
+                <a:schemeClr val="bg1"/>
+              </a:solidFill>
+              <a:round/>
+              <a:headEnd/>
+              <a:tailEnd/>
+            </a:ln>
+          </p:spPr>
+          <p:txBody>
+            <a:bodyPr vert="horz" wrap="square" lIns="91440" tIns="45720" rIns="91440" bIns="45720" numCol="1" anchor="ctr" anchorCtr="0" compatLnSpc="1">
+              <a:prstTxWarp prst="textNoShape">
+                <a:avLst/>
+              </a:prstTxWarp>
+            </a:bodyPr>
+            <a:lstStyle/>
+            <a:p>
+              <a:endParaRPr lang="fr-FR" i="1">
+                <a:solidFill>
+                  <a:schemeClr val="bg1"/>
+                </a:solidFill>
+                <a:latin typeface="+mn-lt"/>
+              </a:endParaRPr>
+            </a:p>
+          </p:txBody>
+        </p:sp>
+      </p:grpSp>
+      <p:grpSp>
+        <p:nvGrpSpPr>
+          <p:cNvPr id="93" name="Groupe 92"/>
+          <p:cNvGrpSpPr/>
+          <p:nvPr/>
+        </p:nvGrpSpPr>
+        <p:grpSpPr>
+          <a:xfrm>
+            <a:off x="3721862" y="844876"/>
+            <a:ext cx="2272493" cy="2031460"/>
+            <a:chOff x="3721862" y="844876"/>
+            <a:chExt cx="2272493" cy="2031460"/>
+          </a:xfrm>
+        </p:grpSpPr>
+        <p:grpSp>
+          <p:nvGrpSpPr>
+            <p:cNvPr id="46" name="Group 41"/>
+            <p:cNvGrpSpPr>
+              <a:grpSpLocks/>
+            </p:cNvGrpSpPr>
+            <p:nvPr/>
+          </p:nvGrpSpPr>
+          <p:grpSpPr bwMode="auto">
+            <a:xfrm flipH="1">
+              <a:off x="4304063" y="2055931"/>
+              <a:ext cx="271318" cy="281357"/>
+              <a:chOff x="6945" y="5731"/>
+              <a:chExt cx="369" cy="270"/>
+            </a:xfrm>
+          </p:grpSpPr>
+          <p:sp>
+            <p:nvSpPr>
+              <p:cNvPr id="90" name="Line 43"/>
+              <p:cNvSpPr>
+                <a:spLocks noChangeShapeType="1"/>
+              </p:cNvSpPr>
+              <p:nvPr/>
+            </p:nvSpPr>
+            <p:spPr bwMode="auto">
+              <a:xfrm>
+                <a:off x="7313" y="5742"/>
+                <a:ext cx="1" cy="259"/>
+              </a:xfrm>
+              <a:prstGeom prst="line">
+                <a:avLst/>
+              </a:prstGeom>
+              <a:noFill/>
+              <a:ln w="28575">
+                <a:solidFill>
+                  <a:schemeClr val="bg1"/>
+                </a:solidFill>
+                <a:round/>
+                <a:headEnd/>
+                <a:tailEnd/>
+              </a:ln>
+            </p:spPr>
+            <p:txBody>
+              <a:bodyPr vert="horz" wrap="square" lIns="91440" tIns="45720" rIns="91440" bIns="45720" numCol="1" anchor="ctr" anchorCtr="0" compatLnSpc="1">
+                <a:prstTxWarp prst="textNoShape">
+                  <a:avLst/>
+                </a:prstTxWarp>
+              </a:bodyPr>
+              <a:lstStyle/>
+              <a:p>
+                <a:endParaRPr lang="fr-FR" i="1">
+                  <a:solidFill>
+                    <a:schemeClr val="bg1"/>
+                  </a:solidFill>
+                  <a:latin typeface="+mn-lt"/>
+                </a:endParaRPr>
+              </a:p>
+            </p:txBody>
+          </p:sp>
+          <p:sp>
+            <p:nvSpPr>
+              <p:cNvPr id="91" name="Freeform 42"/>
+              <p:cNvSpPr>
+                <a:spLocks/>
+              </p:cNvSpPr>
+              <p:nvPr/>
+            </p:nvSpPr>
+            <p:spPr bwMode="auto">
+              <a:xfrm>
+                <a:off x="6945" y="5731"/>
+                <a:ext cx="364" cy="259"/>
+              </a:xfrm>
+              <a:custGeom>
+                <a:avLst/>
+                <a:gdLst/>
+                <a:ahLst/>
+                <a:cxnLst>
+                  <a:cxn ang="0">
+                    <a:pos x="362" y="184"/>
+                  </a:cxn>
+                  <a:cxn ang="0">
+                    <a:pos x="324" y="165"/>
+                  </a:cxn>
+                  <a:cxn ang="0">
+                    <a:pos x="0" y="0"/>
+                  </a:cxn>
+                  <a:cxn ang="0">
+                    <a:pos x="0" y="362"/>
+                  </a:cxn>
+                  <a:cxn ang="0">
+                    <a:pos x="362" y="184"/>
+                  </a:cxn>
+                </a:cxnLst>
+                <a:rect l="0" t="0" r="r" b="b"/>
+                <a:pathLst>
+                  <a:path w="362" h="362">
+                    <a:moveTo>
+                      <a:pt x="362" y="184"/>
+                    </a:moveTo>
+                    <a:cubicBezTo>
+                      <a:pt x="349" y="178"/>
+                      <a:pt x="324" y="165"/>
+                      <a:pt x="324" y="165"/>
+                    </a:cubicBezTo>
+                    <a:lnTo>
+                      <a:pt x="0" y="0"/>
+                    </a:lnTo>
+                    <a:lnTo>
+                      <a:pt x="0" y="362"/>
+                    </a:lnTo>
+                    <a:lnTo>
+                      <a:pt x="362" y="184"/>
+                    </a:lnTo>
+                    <a:close/>
+                  </a:path>
+                </a:pathLst>
+              </a:custGeom>
+              <a:solidFill>
+                <a:srgbClr val="FFC000"/>
+              </a:solidFill>
+              <a:ln w="19050">
+                <a:solidFill>
+                  <a:schemeClr val="bg1"/>
+                </a:solidFill>
+                <a:round/>
+                <a:headEnd/>
+                <a:tailEnd/>
+              </a:ln>
+            </p:spPr>
+            <p:txBody>
+              <a:bodyPr vert="horz" wrap="square" lIns="91440" tIns="45720" rIns="91440" bIns="45720" numCol="1" anchor="t" anchorCtr="0" compatLnSpc="1">
+                <a:prstTxWarp prst="textNoShape">
+                  <a:avLst/>
+                </a:prstTxWarp>
+              </a:bodyPr>
+              <a:lstStyle/>
+              <a:p>
+                <a:endParaRPr lang="fr-FR" i="1">
+                  <a:solidFill>
+                    <a:schemeClr val="bg1"/>
+                  </a:solidFill>
+                  <a:latin typeface="+mn-lt"/>
+                </a:endParaRPr>
+              </a:p>
+            </p:txBody>
+          </p:sp>
+        </p:grpSp>
+        <p:grpSp>
+          <p:nvGrpSpPr>
+            <p:cNvPr id="47" name="Group 38"/>
+            <p:cNvGrpSpPr>
+              <a:grpSpLocks/>
+            </p:cNvGrpSpPr>
+            <p:nvPr/>
+          </p:nvGrpSpPr>
+          <p:grpSpPr bwMode="auto">
+            <a:xfrm flipH="1">
+              <a:off x="4307739" y="2592737"/>
+              <a:ext cx="266906" cy="283599"/>
+              <a:chOff x="6926" y="5742"/>
+              <a:chExt cx="363" cy="272"/>
+            </a:xfrm>
+          </p:grpSpPr>
+          <p:sp>
+            <p:nvSpPr>
+              <p:cNvPr id="88" name="Line 40"/>
+              <p:cNvSpPr>
+                <a:spLocks noChangeShapeType="1"/>
+              </p:cNvSpPr>
+              <p:nvPr/>
+            </p:nvSpPr>
+            <p:spPr bwMode="auto">
+              <a:xfrm>
+                <a:off x="7271" y="5742"/>
+                <a:ext cx="1" cy="259"/>
+              </a:xfrm>
+              <a:prstGeom prst="line">
+                <a:avLst/>
+              </a:prstGeom>
+              <a:noFill/>
+              <a:ln w="28575">
+                <a:solidFill>
+                  <a:schemeClr val="bg1"/>
+                </a:solidFill>
+                <a:round/>
+                <a:headEnd/>
+                <a:tailEnd/>
+              </a:ln>
+            </p:spPr>
+            <p:txBody>
+              <a:bodyPr vert="horz" wrap="square" lIns="91440" tIns="45720" rIns="91440" bIns="45720" numCol="1" anchor="ctr" anchorCtr="0" compatLnSpc="1">
+                <a:prstTxWarp prst="textNoShape">
+                  <a:avLst/>
+                </a:prstTxWarp>
+              </a:bodyPr>
+              <a:lstStyle/>
+              <a:p>
+                <a:endParaRPr lang="fr-FR" i="1">
+                  <a:solidFill>
+                    <a:schemeClr val="bg1"/>
+                  </a:solidFill>
+                  <a:latin typeface="+mn-lt"/>
+                </a:endParaRPr>
+              </a:p>
+            </p:txBody>
+          </p:sp>
+          <p:sp>
+            <p:nvSpPr>
+              <p:cNvPr id="89" name="Freeform 39"/>
+              <p:cNvSpPr>
+                <a:spLocks/>
+              </p:cNvSpPr>
+              <p:nvPr/>
+            </p:nvSpPr>
+            <p:spPr bwMode="auto">
+              <a:xfrm>
+                <a:off x="6926" y="5755"/>
+                <a:ext cx="363" cy="259"/>
+              </a:xfrm>
+              <a:custGeom>
+                <a:avLst/>
+                <a:gdLst/>
+                <a:ahLst/>
+                <a:cxnLst>
+                  <a:cxn ang="0">
+                    <a:pos x="362" y="184"/>
+                  </a:cxn>
+                  <a:cxn ang="0">
+                    <a:pos x="324" y="165"/>
+                  </a:cxn>
+                  <a:cxn ang="0">
+                    <a:pos x="0" y="0"/>
+                  </a:cxn>
+                  <a:cxn ang="0">
+                    <a:pos x="0" y="362"/>
+                  </a:cxn>
+                  <a:cxn ang="0">
+                    <a:pos x="362" y="184"/>
+                  </a:cxn>
+                </a:cxnLst>
+                <a:rect l="0" t="0" r="r" b="b"/>
+                <a:pathLst>
+                  <a:path w="362" h="362">
+                    <a:moveTo>
+                      <a:pt x="362" y="184"/>
+                    </a:moveTo>
+                    <a:cubicBezTo>
+                      <a:pt x="349" y="178"/>
+                      <a:pt x="324" y="165"/>
+                      <a:pt x="324" y="165"/>
+                    </a:cubicBezTo>
+                    <a:lnTo>
+                      <a:pt x="0" y="0"/>
+                    </a:lnTo>
+                    <a:lnTo>
+                      <a:pt x="0" y="362"/>
+                    </a:lnTo>
+                    <a:lnTo>
+                      <a:pt x="362" y="184"/>
+                    </a:lnTo>
+                    <a:close/>
+                  </a:path>
+                </a:pathLst>
+              </a:custGeom>
+              <a:solidFill>
+                <a:srgbClr val="FFC000"/>
+              </a:solidFill>
+              <a:ln w="19050">
+                <a:solidFill>
+                  <a:schemeClr val="bg1"/>
+                </a:solidFill>
+                <a:round/>
+                <a:headEnd/>
+                <a:tailEnd/>
+              </a:ln>
+            </p:spPr>
+            <p:txBody>
+              <a:bodyPr vert="horz" wrap="square" lIns="91440" tIns="45720" rIns="91440" bIns="45720" numCol="1" anchor="t" anchorCtr="0" compatLnSpc="1">
+                <a:prstTxWarp prst="textNoShape">
+                  <a:avLst/>
+                </a:prstTxWarp>
+              </a:bodyPr>
+              <a:lstStyle/>
+              <a:p>
+                <a:endParaRPr lang="fr-FR" i="1">
+                  <a:solidFill>
+                    <a:schemeClr val="bg1"/>
+                  </a:solidFill>
+                  <a:latin typeface="+mn-lt"/>
+                </a:endParaRPr>
+              </a:p>
+            </p:txBody>
+          </p:sp>
+        </p:grpSp>
+        <p:sp>
+          <p:nvSpPr>
+            <p:cNvPr id="48" name="Freeform 37"/>
+            <p:cNvSpPr>
+              <a:spLocks/>
+            </p:cNvSpPr>
+            <p:nvPr/>
+          </p:nvSpPr>
+          <p:spPr bwMode="auto">
+            <a:xfrm>
+              <a:off x="4911005" y="1528658"/>
+              <a:ext cx="132380" cy="403125"/>
+            </a:xfrm>
+            <a:custGeom>
+              <a:avLst/>
+              <a:gdLst/>
+              <a:ahLst/>
+              <a:cxnLst>
+                <a:cxn ang="0">
+                  <a:pos x="0" y="0"/>
+                </a:cxn>
+                <a:cxn ang="0">
+                  <a:pos x="181" y="0"/>
+                </a:cxn>
+                <a:cxn ang="0">
+                  <a:pos x="181" y="543"/>
+                </a:cxn>
+                <a:cxn ang="0">
+                  <a:pos x="0" y="543"/>
+                </a:cxn>
+                <a:cxn ang="0">
+                  <a:pos x="0" y="0"/>
+                </a:cxn>
+              </a:cxnLst>
+              <a:rect l="0" t="0" r="r" b="b"/>
+              <a:pathLst>
+                <a:path w="181" h="543">
+                  <a:moveTo>
+                    <a:pt x="0" y="0"/>
+                  </a:moveTo>
+                  <a:lnTo>
+                    <a:pt x="181" y="0"/>
+                  </a:lnTo>
+                  <a:lnTo>
+                    <a:pt x="181" y="543"/>
+                  </a:lnTo>
+                  <a:lnTo>
+                    <a:pt x="0" y="543"/>
+                  </a:lnTo>
+                  <a:lnTo>
+                    <a:pt x="0" y="0"/>
+                  </a:lnTo>
+                  <a:close/>
+                </a:path>
+              </a:pathLst>
+            </a:custGeom>
+            <a:solidFill>
+              <a:srgbClr val="FFC000"/>
+            </a:solidFill>
+            <a:ln w="19050">
+              <a:solidFill>
+                <a:schemeClr val="bg1"/>
+              </a:solidFill>
+              <a:round/>
+              <a:headEnd/>
+              <a:tailEnd/>
+            </a:ln>
+          </p:spPr>
+          <p:txBody>
+            <a:bodyPr vert="horz" wrap="square" lIns="91440" tIns="45720" rIns="91440" bIns="45720" numCol="1" anchor="t" anchorCtr="0" compatLnSpc="1">
+              <a:prstTxWarp prst="textNoShape">
+                <a:avLst/>
+              </a:prstTxWarp>
+            </a:bodyPr>
+            <a:lstStyle/>
+            <a:p>
+              <a:endParaRPr lang="fr-FR" i="1">
+                <a:solidFill>
+                  <a:schemeClr val="bg1"/>
+                </a:solidFill>
+                <a:latin typeface="+mn-lt"/>
+              </a:endParaRPr>
+            </a:p>
+          </p:txBody>
+        </p:sp>
+        <p:sp>
+          <p:nvSpPr>
+            <p:cNvPr id="49" name="Freeform 36"/>
+            <p:cNvSpPr>
+              <a:spLocks/>
+            </p:cNvSpPr>
+            <p:nvPr/>
+          </p:nvSpPr>
+          <p:spPr bwMode="auto">
+            <a:xfrm>
+              <a:off x="4572000" y="1928802"/>
+              <a:ext cx="400084" cy="809976"/>
+            </a:xfrm>
+            <a:custGeom>
+              <a:avLst/>
+              <a:gdLst/>
+              <a:ahLst/>
+              <a:cxnLst>
+                <a:cxn ang="0">
+                  <a:pos x="543" y="0"/>
+                </a:cxn>
+                <a:cxn ang="0">
+                  <a:pos x="543" y="1267"/>
+                </a:cxn>
+                <a:cxn ang="0">
+                  <a:pos x="0" y="1267"/>
+                </a:cxn>
+              </a:cxnLst>
+              <a:rect l="0" t="0" r="r" b="b"/>
+              <a:pathLst>
+                <a:path w="543" h="1267">
+                  <a:moveTo>
+                    <a:pt x="543" y="0"/>
+                  </a:moveTo>
+                  <a:lnTo>
+                    <a:pt x="543" y="1267"/>
+                  </a:lnTo>
+                  <a:lnTo>
+                    <a:pt x="0" y="1267"/>
+                  </a:lnTo>
+                </a:path>
+              </a:pathLst>
+            </a:custGeom>
+            <a:noFill/>
+            <a:ln w="28575">
+              <a:solidFill>
+                <a:schemeClr val="bg1"/>
+              </a:solidFill>
+              <a:round/>
+              <a:headEnd/>
+              <a:tailEnd/>
+            </a:ln>
+          </p:spPr>
+          <p:txBody>
+            <a:bodyPr vert="horz" wrap="square" lIns="91440" tIns="45720" rIns="91440" bIns="45720" numCol="1" anchor="ctr" anchorCtr="0" compatLnSpc="1">
+              <a:prstTxWarp prst="textNoShape">
+                <a:avLst/>
+              </a:prstTxWarp>
+            </a:bodyPr>
+            <a:lstStyle/>
+            <a:p>
+              <a:endParaRPr lang="fr-FR" i="1">
+                <a:solidFill>
+                  <a:schemeClr val="bg1"/>
+                </a:solidFill>
+                <a:latin typeface="+mn-lt"/>
+              </a:endParaRPr>
+            </a:p>
+          </p:txBody>
+        </p:sp>
+        <p:sp>
+          <p:nvSpPr>
+            <p:cNvPr id="55" name="Line 35"/>
+            <p:cNvSpPr>
+              <a:spLocks noChangeShapeType="1"/>
+            </p:cNvSpPr>
+            <p:nvPr/>
+          </p:nvSpPr>
+          <p:spPr bwMode="auto">
+            <a:xfrm>
+              <a:off x="4572000" y="2198546"/>
+              <a:ext cx="400084" cy="745"/>
+            </a:xfrm>
+            <a:prstGeom prst="line">
+              <a:avLst/>
+            </a:prstGeom>
+            <a:noFill/>
+            <a:ln w="28575">
+              <a:solidFill>
+                <a:schemeClr val="bg1"/>
+              </a:solidFill>
+              <a:round/>
+              <a:headEnd/>
+              <a:tailEnd type="oval"/>
+            </a:ln>
+          </p:spPr>
+          <p:txBody>
+            <a:bodyPr vert="horz" wrap="square" lIns="91440" tIns="45720" rIns="91440" bIns="45720" numCol="1" anchor="ctr" anchorCtr="0" compatLnSpc="1">
+              <a:prstTxWarp prst="textNoShape">
+                <a:avLst/>
+              </a:prstTxWarp>
+            </a:bodyPr>
+            <a:lstStyle/>
+            <a:p>
+              <a:endParaRPr lang="fr-FR" i="1">
+                <a:solidFill>
+                  <a:schemeClr val="bg1"/>
+                </a:solidFill>
+                <a:latin typeface="+mn-lt"/>
+              </a:endParaRPr>
+            </a:p>
+          </p:txBody>
+        </p:sp>
+        <p:sp>
+          <p:nvSpPr>
+            <p:cNvPr id="56" name="Line 34"/>
+            <p:cNvSpPr>
+              <a:spLocks noChangeShapeType="1"/>
+            </p:cNvSpPr>
+            <p:nvPr/>
+          </p:nvSpPr>
+          <p:spPr bwMode="auto">
+            <a:xfrm flipV="1">
+              <a:off x="4972083" y="1091089"/>
+              <a:ext cx="1471" cy="432000"/>
+            </a:xfrm>
+            <a:prstGeom prst="line">
+              <a:avLst/>
+            </a:prstGeom>
+            <a:noFill/>
+            <a:ln w="28575">
+              <a:solidFill>
+                <a:schemeClr val="bg1"/>
+              </a:solidFill>
+              <a:round/>
+              <a:headEnd/>
+              <a:tailEnd type="triangle" w="lg" len="lg"/>
+            </a:ln>
+          </p:spPr>
+          <p:txBody>
+            <a:bodyPr vert="horz" wrap="square" lIns="91440" tIns="45720" rIns="91440" bIns="45720" numCol="1" anchor="ctr" anchorCtr="0" compatLnSpc="1">
+              <a:prstTxWarp prst="textNoShape">
+                <a:avLst/>
+              </a:prstTxWarp>
+            </a:bodyPr>
+            <a:lstStyle/>
+            <a:p>
+              <a:endParaRPr lang="fr-FR" i="1">
+                <a:solidFill>
+                  <a:schemeClr val="bg1"/>
+                </a:solidFill>
+                <a:latin typeface="+mn-lt"/>
+              </a:endParaRPr>
+            </a:p>
+          </p:txBody>
+        </p:sp>
+        <p:sp>
+          <p:nvSpPr>
+            <p:cNvPr id="57" name="Line 33"/>
+            <p:cNvSpPr>
+              <a:spLocks noChangeShapeType="1"/>
+            </p:cNvSpPr>
+            <p:nvPr/>
+          </p:nvSpPr>
+          <p:spPr bwMode="auto">
+            <a:xfrm flipH="1">
+              <a:off x="3906419" y="2198546"/>
+              <a:ext cx="399347" cy="745"/>
+            </a:xfrm>
+            <a:prstGeom prst="line">
+              <a:avLst/>
+            </a:prstGeom>
+            <a:noFill/>
+            <a:ln w="28575">
+              <a:solidFill>
+                <a:schemeClr val="bg1"/>
+              </a:solidFill>
+              <a:round/>
+              <a:headEnd/>
+              <a:tailEnd type="oval"/>
+            </a:ln>
+          </p:spPr>
+          <p:txBody>
+            <a:bodyPr vert="horz" wrap="square" lIns="91440" tIns="45720" rIns="91440" bIns="45720" numCol="1" anchor="ctr" anchorCtr="0" compatLnSpc="1">
+              <a:prstTxWarp prst="textNoShape">
+                <a:avLst/>
+              </a:prstTxWarp>
+            </a:bodyPr>
+            <a:lstStyle/>
+            <a:p>
+              <a:endParaRPr lang="fr-FR" i="1">
+                <a:solidFill>
+                  <a:schemeClr val="bg1"/>
+                </a:solidFill>
+                <a:latin typeface="+mn-lt"/>
+              </a:endParaRPr>
+            </a:p>
+          </p:txBody>
+        </p:sp>
+        <p:sp>
+          <p:nvSpPr>
+            <p:cNvPr id="58" name="Line 32"/>
+            <p:cNvSpPr>
+              <a:spLocks noChangeShapeType="1"/>
+            </p:cNvSpPr>
+            <p:nvPr/>
+          </p:nvSpPr>
+          <p:spPr bwMode="auto">
+            <a:xfrm flipH="1">
+              <a:off x="3906419" y="2738778"/>
+              <a:ext cx="399347" cy="745"/>
+            </a:xfrm>
+            <a:prstGeom prst="line">
+              <a:avLst/>
+            </a:prstGeom>
+            <a:noFill/>
+            <a:ln w="28575">
+              <a:solidFill>
+                <a:schemeClr val="bg1"/>
+              </a:solidFill>
+              <a:round/>
+              <a:headEnd/>
+              <a:tailEnd type="oval"/>
+            </a:ln>
+          </p:spPr>
+          <p:txBody>
+            <a:bodyPr vert="horz" wrap="square" lIns="91440" tIns="45720" rIns="91440" bIns="45720" numCol="1" anchor="ctr" anchorCtr="0" compatLnSpc="1">
+              <a:prstTxWarp prst="textNoShape">
+                <a:avLst/>
+              </a:prstTxWarp>
+            </a:bodyPr>
+            <a:lstStyle/>
+            <a:p>
+              <a:endParaRPr lang="fr-FR" i="1">
+                <a:solidFill>
+                  <a:schemeClr val="bg1"/>
+                </a:solidFill>
+                <a:latin typeface="+mn-lt"/>
+              </a:endParaRPr>
+            </a:p>
+          </p:txBody>
+        </p:sp>
+        <p:sp>
+          <p:nvSpPr>
+            <p:cNvPr id="59" name="Line 31"/>
+            <p:cNvSpPr>
+              <a:spLocks noChangeShapeType="1"/>
+            </p:cNvSpPr>
+            <p:nvPr/>
+          </p:nvSpPr>
+          <p:spPr bwMode="auto">
+            <a:xfrm>
+              <a:off x="4972083" y="2198546"/>
+              <a:ext cx="1022272" cy="2981"/>
+            </a:xfrm>
+            <a:prstGeom prst="line">
+              <a:avLst/>
+            </a:prstGeom>
+            <a:noFill/>
+            <a:ln w="28575">
+              <a:solidFill>
+                <a:schemeClr val="bg1"/>
+              </a:solidFill>
+              <a:round/>
+              <a:headEnd/>
+              <a:tailEnd/>
+            </a:ln>
+          </p:spPr>
+          <p:txBody>
+            <a:bodyPr vert="horz" wrap="square" lIns="91440" tIns="45720" rIns="91440" bIns="45720" numCol="1" anchor="ctr" anchorCtr="0" compatLnSpc="1">
+              <a:prstTxWarp prst="textNoShape">
+                <a:avLst/>
+              </a:prstTxWarp>
+            </a:bodyPr>
+            <a:lstStyle/>
+            <a:p>
+              <a:endParaRPr lang="fr-FR" i="1">
+                <a:solidFill>
+                  <a:schemeClr val="bg1"/>
+                </a:solidFill>
+                <a:latin typeface="+mn-lt"/>
+              </a:endParaRPr>
+            </a:p>
+          </p:txBody>
+        </p:sp>
+        <p:sp>
+          <p:nvSpPr>
+            <p:cNvPr id="60" name="Text Box 30"/>
+            <p:cNvSpPr txBox="1">
+              <a:spLocks noChangeArrowheads="1"/>
+            </p:cNvSpPr>
+            <p:nvPr/>
+          </p:nvSpPr>
+          <p:spPr bwMode="auto">
+            <a:xfrm>
+              <a:off x="3726272" y="2059322"/>
+              <a:ext cx="104196" cy="215444"/>
+            </a:xfrm>
+            <a:prstGeom prst="rect">
+              <a:avLst/>
+            </a:prstGeom>
+            <a:noFill/>
+            <a:ln w="19050">
+              <a:noFill/>
+              <a:miter lim="800000"/>
+              <a:headEnd/>
+              <a:tailEnd/>
+            </a:ln>
+          </p:spPr>
+          <p:txBody>
+            <a:bodyPr vert="horz" wrap="none" lIns="0" tIns="0" rIns="0" bIns="0" numCol="1" anchor="t" anchorCtr="0" compatLnSpc="1">
+              <a:prstTxWarp prst="textNoShape">
+                <a:avLst/>
+              </a:prstTxWarp>
+              <a:spAutoFit/>
+            </a:bodyPr>
+            <a:lstStyle/>
+            <a:p>
+              <a:pPr algn="justLow" eaLnBrk="1" hangingPunct="1">
+                <a:spcBef>
+                  <a:spcPct val="0"/>
+                </a:spcBef>
+              </a:pPr>
+              <a:r>
+                <a:rPr lang="fr-FR" sz="1400" i="1" dirty="0" smtClean="0">
+                  <a:solidFill>
+                    <a:schemeClr val="bg1"/>
+                  </a:solidFill>
+                  <a:effectLst/>
+                  <a:latin typeface="+mn-lt"/>
+                  <a:ea typeface="Times New Roman" pitchFamily="18" charset="0"/>
+                  <a:cs typeface="Times New Roman" pitchFamily="18" charset="0"/>
+                </a:rPr>
+                <a:t>A</a:t>
+              </a:r>
+            </a:p>
+          </p:txBody>
+        </p:sp>
+        <p:sp>
+          <p:nvSpPr>
+            <p:cNvPr id="61" name="Text Box 29"/>
+            <p:cNvSpPr txBox="1">
+              <a:spLocks noChangeArrowheads="1"/>
+            </p:cNvSpPr>
+            <p:nvPr/>
+          </p:nvSpPr>
+          <p:spPr bwMode="auto">
+            <a:xfrm>
+              <a:off x="3721862" y="2594338"/>
+              <a:ext cx="97784" cy="215444"/>
+            </a:xfrm>
+            <a:prstGeom prst="rect">
+              <a:avLst/>
+            </a:prstGeom>
+            <a:noFill/>
+            <a:ln w="19050">
+              <a:noFill/>
+              <a:miter lim="800000"/>
+              <a:headEnd/>
+              <a:tailEnd/>
+            </a:ln>
+          </p:spPr>
+          <p:txBody>
+            <a:bodyPr vert="horz" wrap="none" lIns="0" tIns="0" rIns="0" bIns="0" numCol="1" anchor="t" anchorCtr="0" compatLnSpc="1">
+              <a:prstTxWarp prst="textNoShape">
+                <a:avLst/>
+              </a:prstTxWarp>
+              <a:spAutoFit/>
+            </a:bodyPr>
+            <a:lstStyle/>
+            <a:p>
+              <a:pPr algn="justLow" eaLnBrk="1" hangingPunct="1">
+                <a:spcBef>
+                  <a:spcPct val="0"/>
+                </a:spcBef>
+              </a:pPr>
+              <a:r>
+                <a:rPr lang="fr-FR" sz="1400" i="1" dirty="0" smtClean="0">
+                  <a:solidFill>
+                    <a:schemeClr val="bg1"/>
+                  </a:solidFill>
+                  <a:effectLst/>
+                  <a:latin typeface="+mn-lt"/>
+                  <a:ea typeface="Times New Roman" pitchFamily="18" charset="0"/>
+                  <a:cs typeface="Times New Roman" pitchFamily="18" charset="0"/>
+                </a:rPr>
+                <a:t>B</a:t>
+              </a:r>
+            </a:p>
+          </p:txBody>
+        </p:sp>
+        <p:sp>
+          <p:nvSpPr>
+            <p:cNvPr id="62" name="Text Box 28"/>
+            <p:cNvSpPr txBox="1">
+              <a:spLocks noChangeArrowheads="1"/>
+            </p:cNvSpPr>
+            <p:nvPr/>
+          </p:nvSpPr>
+          <p:spPr bwMode="auto">
+            <a:xfrm>
+              <a:off x="4687724" y="844876"/>
+              <a:ext cx="536352" cy="216698"/>
+            </a:xfrm>
+            <a:prstGeom prst="rect">
+              <a:avLst/>
+            </a:prstGeom>
+            <a:noFill/>
+            <a:ln w="19050">
+              <a:noFill/>
+              <a:miter lim="800000"/>
+              <a:headEnd/>
+              <a:tailEnd/>
+            </a:ln>
+          </p:spPr>
+          <p:txBody>
+            <a:bodyPr vert="horz" wrap="none" lIns="0" tIns="0" rIns="0" bIns="0" numCol="1" anchor="t" anchorCtr="0" compatLnSpc="1">
+              <a:prstTxWarp prst="textNoShape">
+                <a:avLst/>
+              </a:prstTxWarp>
+              <a:spAutoFit/>
+            </a:bodyPr>
+            <a:lstStyle/>
+            <a:p>
+              <a:pPr algn="justLow" eaLnBrk="1" hangingPunct="1">
+                <a:spcBef>
+                  <a:spcPct val="0"/>
+                </a:spcBef>
+              </a:pPr>
+              <a:r>
+                <a:rPr lang="fr-FR" sz="1400" i="1" dirty="0" smtClean="0">
+                  <a:solidFill>
+                    <a:schemeClr val="bg1"/>
+                  </a:solidFill>
+                  <a:effectLst/>
+                  <a:latin typeface="+mn-lt"/>
+                  <a:ea typeface="Times New Roman" pitchFamily="18" charset="0"/>
+                  <a:cs typeface="Times New Roman" pitchFamily="18" charset="0"/>
+                </a:rPr>
+                <a:t>Vcc=5V</a:t>
+              </a:r>
+            </a:p>
+          </p:txBody>
+        </p:sp>
+        <p:sp>
+          <p:nvSpPr>
+            <p:cNvPr id="85" name="Line 24"/>
+            <p:cNvSpPr>
+              <a:spLocks noChangeShapeType="1"/>
+            </p:cNvSpPr>
+            <p:nvPr/>
+          </p:nvSpPr>
+          <p:spPr bwMode="auto">
+            <a:xfrm>
+              <a:off x="5640970" y="2078164"/>
+              <a:ext cx="1033" cy="271676"/>
+            </a:xfrm>
+            <a:prstGeom prst="line">
+              <a:avLst/>
+            </a:prstGeom>
+            <a:noFill/>
+            <a:ln w="28575">
+              <a:solidFill>
+                <a:schemeClr val="bg1"/>
+              </a:solidFill>
+              <a:round/>
+              <a:headEnd/>
+              <a:tailEnd/>
+            </a:ln>
+          </p:spPr>
+          <p:txBody>
+            <a:bodyPr vert="horz" wrap="square" lIns="91440" tIns="45720" rIns="91440" bIns="45720" numCol="1" anchor="ctr" anchorCtr="0" compatLnSpc="1">
+              <a:prstTxWarp prst="textNoShape">
+                <a:avLst/>
+              </a:prstTxWarp>
+            </a:bodyPr>
+            <a:lstStyle/>
+            <a:p>
+              <a:endParaRPr lang="fr-FR" i="1">
+                <a:solidFill>
+                  <a:schemeClr val="bg1"/>
+                </a:solidFill>
+                <a:latin typeface="+mn-lt"/>
+              </a:endParaRPr>
+            </a:p>
+          </p:txBody>
+        </p:sp>
+        <p:sp>
+          <p:nvSpPr>
+            <p:cNvPr id="86" name="Freeform 23"/>
+            <p:cNvSpPr>
+              <a:spLocks/>
+            </p:cNvSpPr>
+            <p:nvPr/>
+          </p:nvSpPr>
+          <p:spPr bwMode="auto">
+            <a:xfrm>
+              <a:off x="5373459" y="2060332"/>
+              <a:ext cx="267511" cy="271676"/>
+            </a:xfrm>
+            <a:custGeom>
+              <a:avLst/>
+              <a:gdLst/>
+              <a:ahLst/>
+              <a:cxnLst>
+                <a:cxn ang="0">
+                  <a:pos x="362" y="184"/>
+                </a:cxn>
+                <a:cxn ang="0">
+                  <a:pos x="324" y="165"/>
+                </a:cxn>
+                <a:cxn ang="0">
+                  <a:pos x="0" y="0"/>
+                </a:cxn>
+                <a:cxn ang="0">
+                  <a:pos x="0" y="362"/>
+                </a:cxn>
+                <a:cxn ang="0">
+                  <a:pos x="362" y="184"/>
+                </a:cxn>
+              </a:cxnLst>
+              <a:rect l="0" t="0" r="r" b="b"/>
+              <a:pathLst>
+                <a:path w="362" h="362">
+                  <a:moveTo>
+                    <a:pt x="362" y="184"/>
+                  </a:moveTo>
+                  <a:cubicBezTo>
+                    <a:pt x="349" y="178"/>
+                    <a:pt x="324" y="165"/>
+                    <a:pt x="324" y="165"/>
+                  </a:cubicBezTo>
+                  <a:lnTo>
+                    <a:pt x="0" y="0"/>
+                  </a:lnTo>
+                  <a:lnTo>
+                    <a:pt x="0" y="362"/>
+                  </a:lnTo>
+                  <a:lnTo>
+                    <a:pt x="362" y="184"/>
+                  </a:lnTo>
+                  <a:close/>
+                </a:path>
+              </a:pathLst>
+            </a:custGeom>
+            <a:solidFill>
+              <a:srgbClr val="FFC000"/>
+            </a:solidFill>
+            <a:ln w="19050">
+              <a:solidFill>
+                <a:schemeClr val="bg1"/>
+              </a:solidFill>
+              <a:round/>
+              <a:headEnd/>
+              <a:tailEnd/>
+            </a:ln>
+          </p:spPr>
+          <p:txBody>
+            <a:bodyPr vert="horz" wrap="square" lIns="91440" tIns="45720" rIns="91440" bIns="45720" numCol="1" anchor="t" anchorCtr="0" compatLnSpc="1">
+              <a:prstTxWarp prst="textNoShape">
+                <a:avLst/>
+              </a:prstTxWarp>
+            </a:bodyPr>
+            <a:lstStyle/>
+            <a:p>
+              <a:endParaRPr lang="fr-FR" i="1">
+                <a:solidFill>
+                  <a:schemeClr val="bg1"/>
+                </a:solidFill>
+                <a:latin typeface="+mn-lt"/>
+              </a:endParaRPr>
+            </a:p>
+          </p:txBody>
+        </p:sp>
+        <p:sp>
+          <p:nvSpPr>
+            <p:cNvPr id="74" name="Text Box 7"/>
+            <p:cNvSpPr txBox="1">
+              <a:spLocks noChangeArrowheads="1"/>
+            </p:cNvSpPr>
+            <p:nvPr/>
+          </p:nvSpPr>
+          <p:spPr bwMode="auto">
+            <a:xfrm>
+              <a:off x="5094167" y="1565915"/>
+              <a:ext cx="173124" cy="215444"/>
+            </a:xfrm>
+            <a:prstGeom prst="rect">
+              <a:avLst/>
+            </a:prstGeom>
+            <a:noFill/>
+            <a:ln w="19050">
+              <a:noFill/>
+              <a:miter lim="800000"/>
+              <a:headEnd/>
+              <a:tailEnd/>
+            </a:ln>
+          </p:spPr>
+          <p:txBody>
+            <a:bodyPr vert="horz" wrap="none" lIns="0" tIns="0" rIns="0" bIns="0" numCol="1" anchor="t" anchorCtr="0" compatLnSpc="1">
+              <a:prstTxWarp prst="textNoShape">
+                <a:avLst/>
+              </a:prstTxWarp>
+              <a:spAutoFit/>
+            </a:bodyPr>
+            <a:lstStyle/>
+            <a:p>
+              <a:pPr algn="justLow" eaLnBrk="1" hangingPunct="1">
+                <a:spcBef>
+                  <a:spcPct val="0"/>
+                </a:spcBef>
+              </a:pPr>
+              <a:r>
+                <a:rPr lang="fr-FR" sz="1400" i="1" dirty="0" smtClean="0">
+                  <a:solidFill>
+                    <a:schemeClr val="bg1"/>
+                  </a:solidFill>
+                  <a:effectLst/>
+                  <a:latin typeface="+mn-lt"/>
+                  <a:ea typeface="Times New Roman" pitchFamily="18" charset="0"/>
+                  <a:cs typeface="Times New Roman" pitchFamily="18" charset="0"/>
+                </a:rPr>
+                <a:t>4</a:t>
+              </a:r>
+              <a:r>
+                <a:rPr lang="fr-FR" sz="1400" i="1" dirty="0" smtClean="0">
+                  <a:solidFill>
+                    <a:schemeClr val="bg1"/>
+                  </a:solidFill>
+                  <a:effectLst/>
+                  <a:latin typeface="+mn-lt"/>
+                  <a:ea typeface="Times New Roman" pitchFamily="18" charset="0"/>
+                  <a:cs typeface="Times New Roman" pitchFamily="18" charset="0"/>
+                </a:rPr>
+                <a:t>k</a:t>
+              </a:r>
+              <a:endParaRPr lang="fr-FR" sz="1400" i="1" dirty="0" smtClean="0">
+                <a:solidFill>
+                  <a:schemeClr val="bg1"/>
+                </a:solidFill>
+                <a:effectLst/>
+                <a:latin typeface="+mn-lt"/>
+                <a:ea typeface="Times New Roman" pitchFamily="18" charset="0"/>
+                <a:cs typeface="Times New Roman" pitchFamily="18" charset="0"/>
+              </a:endParaRPr>
+            </a:p>
+          </p:txBody>
+        </p:sp>
+      </p:grpSp>
+      <p:grpSp>
+        <p:nvGrpSpPr>
+          <p:cNvPr id="119" name="Groupe 118"/>
+          <p:cNvGrpSpPr/>
+          <p:nvPr/>
+        </p:nvGrpSpPr>
+        <p:grpSpPr>
+          <a:xfrm>
+            <a:off x="6287524" y="3000372"/>
+            <a:ext cx="1156903" cy="2751206"/>
+            <a:chOff x="6287524" y="3000372"/>
+            <a:chExt cx="1156903" cy="2751206"/>
+          </a:xfrm>
+        </p:grpSpPr>
+        <p:grpSp>
+          <p:nvGrpSpPr>
+            <p:cNvPr id="96" name="Groupe 34"/>
+            <p:cNvGrpSpPr/>
+            <p:nvPr/>
+          </p:nvGrpSpPr>
+          <p:grpSpPr>
+            <a:xfrm>
+              <a:off x="6376406" y="5643578"/>
+              <a:ext cx="360000" cy="108000"/>
+              <a:chOff x="2852728" y="5600712"/>
+              <a:chExt cx="546100" cy="180976"/>
+            </a:xfrm>
+          </p:grpSpPr>
+          <p:sp>
+            <p:nvSpPr>
+              <p:cNvPr id="109" name="Forme libre 108"/>
+              <p:cNvSpPr/>
+              <p:nvPr/>
+            </p:nvSpPr>
+            <p:spPr>
+              <a:xfrm>
+                <a:off x="2852728" y="5600712"/>
+                <a:ext cx="546100" cy="0"/>
+              </a:xfrm>
+              <a:custGeom>
+                <a:avLst/>
+                <a:gdLst>
+                  <a:gd name="connsiteX0" fmla="*/ 0 w 546100"/>
+                  <a:gd name="connsiteY0" fmla="*/ 0 h 0"/>
+                  <a:gd name="connsiteX1" fmla="*/ 546100 w 546100"/>
+                  <a:gd name="connsiteY1" fmla="*/ 0 h 0"/>
+                </a:gdLst>
+                <a:ahLst/>
+                <a:cxnLst>
+                  <a:cxn ang="0">
+                    <a:pos x="connsiteX0" y="connsiteY0"/>
+                  </a:cxn>
+                  <a:cxn ang="0">
+                    <a:pos x="connsiteX1" y="connsiteY1"/>
+                  </a:cxn>
+                </a:cxnLst>
+                <a:rect l="l" t="t" r="r" b="b"/>
+                <a:pathLst>
+                  <a:path w="546100">
+                    <a:moveTo>
+                      <a:pt x="0" y="0"/>
+                    </a:moveTo>
+                    <a:lnTo>
+                      <a:pt x="546100" y="0"/>
+                    </a:lnTo>
+                  </a:path>
+                </a:pathLst>
+              </a:custGeom>
+              <a:ln w="28575">
+                <a:solidFill>
+                  <a:schemeClr val="bg1"/>
+                </a:solidFill>
+              </a:ln>
+            </p:spPr>
+            <p:style>
+              <a:lnRef idx="1">
+                <a:schemeClr val="accent1"/>
+              </a:lnRef>
+              <a:fillRef idx="0">
+                <a:schemeClr val="accent1"/>
+              </a:fillRef>
+              <a:effectRef idx="0">
+                <a:schemeClr val="accent1"/>
+              </a:effectRef>
+              <a:fontRef idx="minor">
+                <a:schemeClr val="tx1"/>
+              </a:fontRef>
+            </p:style>
+            <p:txBody>
+              <a:bodyPr rtlCol="0" anchor="ctr"/>
+              <a:lstStyle/>
+              <a:p>
+                <a:pPr algn="ctr"/>
+                <a:endParaRPr lang="fr-FR" noProof="1">
+                  <a:solidFill>
+                    <a:srgbClr val="0033CC"/>
+                  </a:solidFill>
+                  <a:effectLst/>
+                </a:endParaRPr>
+              </a:p>
+            </p:txBody>
+          </p:sp>
+          <p:sp>
+            <p:nvSpPr>
+              <p:cNvPr id="110" name="Forme libre 109"/>
+              <p:cNvSpPr/>
+              <p:nvPr/>
+            </p:nvSpPr>
+            <p:spPr>
+              <a:xfrm flipV="1">
+                <a:off x="2919405" y="5648656"/>
+                <a:ext cx="412746" cy="45719"/>
+              </a:xfrm>
+              <a:custGeom>
+                <a:avLst/>
+                <a:gdLst>
+                  <a:gd name="connsiteX0" fmla="*/ 0 w 546100"/>
+                  <a:gd name="connsiteY0" fmla="*/ 0 h 0"/>
+                  <a:gd name="connsiteX1" fmla="*/ 546100 w 546100"/>
+                  <a:gd name="connsiteY1" fmla="*/ 0 h 0"/>
+                </a:gdLst>
+                <a:ahLst/>
+                <a:cxnLst>
+                  <a:cxn ang="0">
+                    <a:pos x="connsiteX0" y="connsiteY0"/>
+                  </a:cxn>
+                  <a:cxn ang="0">
+                    <a:pos x="connsiteX1" y="connsiteY1"/>
+                  </a:cxn>
+                </a:cxnLst>
+                <a:rect l="l" t="t" r="r" b="b"/>
+                <a:pathLst>
+                  <a:path w="546100">
+                    <a:moveTo>
+                      <a:pt x="0" y="0"/>
+                    </a:moveTo>
+                    <a:lnTo>
+                      <a:pt x="546100" y="0"/>
+                    </a:lnTo>
+                  </a:path>
+                </a:pathLst>
+              </a:custGeom>
+              <a:ln w="28575">
+                <a:solidFill>
+                  <a:schemeClr val="bg1"/>
+                </a:solidFill>
+              </a:ln>
+            </p:spPr>
+            <p:style>
+              <a:lnRef idx="1">
+                <a:schemeClr val="accent1"/>
+              </a:lnRef>
+              <a:fillRef idx="0">
+                <a:schemeClr val="accent1"/>
+              </a:fillRef>
+              <a:effectRef idx="0">
+                <a:schemeClr val="accent1"/>
+              </a:effectRef>
+              <a:fontRef idx="minor">
+                <a:schemeClr val="tx1"/>
+              </a:fontRef>
+            </p:style>
+            <p:txBody>
+              <a:bodyPr rtlCol="0" anchor="ctr"/>
+              <a:lstStyle/>
+              <a:p>
+                <a:pPr algn="ctr"/>
+                <a:endParaRPr lang="fr-FR" noProof="1">
+                  <a:solidFill>
+                    <a:srgbClr val="0033CC"/>
+                  </a:solidFill>
+                  <a:effectLst/>
+                </a:endParaRPr>
+              </a:p>
+            </p:txBody>
+          </p:sp>
+          <p:sp>
+            <p:nvSpPr>
+              <p:cNvPr id="111" name="Forme libre 110"/>
+              <p:cNvSpPr/>
+              <p:nvPr/>
+            </p:nvSpPr>
+            <p:spPr>
+              <a:xfrm flipV="1">
+                <a:off x="3009097" y="5724541"/>
+                <a:ext cx="233363" cy="57147"/>
+              </a:xfrm>
+              <a:custGeom>
+                <a:avLst/>
+                <a:gdLst>
+                  <a:gd name="connsiteX0" fmla="*/ 0 w 546100"/>
+                  <a:gd name="connsiteY0" fmla="*/ 0 h 0"/>
+                  <a:gd name="connsiteX1" fmla="*/ 546100 w 546100"/>
+                  <a:gd name="connsiteY1" fmla="*/ 0 h 0"/>
+                </a:gdLst>
+                <a:ahLst/>
+                <a:cxnLst>
+                  <a:cxn ang="0">
+                    <a:pos x="connsiteX0" y="connsiteY0"/>
+                  </a:cxn>
+                  <a:cxn ang="0">
+                    <a:pos x="connsiteX1" y="connsiteY1"/>
+                  </a:cxn>
+                </a:cxnLst>
+                <a:rect l="l" t="t" r="r" b="b"/>
+                <a:pathLst>
+                  <a:path w="546100">
+                    <a:moveTo>
+                      <a:pt x="0" y="0"/>
+                    </a:moveTo>
+                    <a:lnTo>
+                      <a:pt x="546100" y="0"/>
+                    </a:lnTo>
+                  </a:path>
+                </a:pathLst>
+              </a:custGeom>
+              <a:ln w="28575">
+                <a:solidFill>
+                  <a:schemeClr val="bg1"/>
+                </a:solidFill>
+              </a:ln>
+            </p:spPr>
+            <p:style>
+              <a:lnRef idx="1">
+                <a:schemeClr val="accent1"/>
+              </a:lnRef>
+              <a:fillRef idx="0">
+                <a:schemeClr val="accent1"/>
+              </a:fillRef>
+              <a:effectRef idx="0">
+                <a:schemeClr val="accent1"/>
+              </a:effectRef>
+              <a:fontRef idx="minor">
+                <a:schemeClr val="tx1"/>
+              </a:fontRef>
+            </p:style>
+            <p:txBody>
+              <a:bodyPr rtlCol="0" anchor="ctr"/>
+              <a:lstStyle/>
+              <a:p>
+                <a:pPr algn="ctr"/>
+                <a:endParaRPr lang="fr-FR" noProof="1">
+                  <a:solidFill>
+                    <a:srgbClr val="0033CC"/>
+                  </a:solidFill>
+                  <a:effectLst/>
+                </a:endParaRPr>
+              </a:p>
+            </p:txBody>
+          </p:sp>
+        </p:grpSp>
+        <p:sp>
+          <p:nvSpPr>
+            <p:cNvPr id="97" name="ZoneTexte 96"/>
+            <p:cNvSpPr txBox="1"/>
+            <p:nvPr/>
+          </p:nvSpPr>
+          <p:spPr>
+            <a:xfrm>
+              <a:off x="7123826" y="4284245"/>
+              <a:ext cx="320601" cy="492443"/>
+            </a:xfrm>
+            <a:prstGeom prst="rect">
+              <a:avLst/>
+            </a:prstGeom>
+            <a:noFill/>
+          </p:spPr>
+          <p:txBody>
+            <a:bodyPr wrap="none" lIns="0" tIns="0" rIns="0" bIns="0" rtlCol="0">
+              <a:spAutoFit/>
+            </a:bodyPr>
+            <a:lstStyle/>
+            <a:p>
+              <a:r>
+                <a:rPr lang="fr-FR" sz="3200" i="1" noProof="1" smtClean="0">
+                  <a:solidFill>
+                    <a:srgbClr val="0033CC"/>
+                  </a:solidFill>
+                  <a:effectLst/>
+                  <a:latin typeface="+mn-lt"/>
+                </a:rPr>
+                <a:t>V</a:t>
+              </a:r>
+              <a:r>
+                <a:rPr lang="fr-FR" sz="3200" i="1" baseline="-25000" noProof="1" smtClean="0">
+                  <a:solidFill>
+                    <a:srgbClr val="0033CC"/>
+                  </a:solidFill>
+                  <a:effectLst/>
+                  <a:latin typeface="+mn-lt"/>
+                </a:rPr>
+                <a:t>s</a:t>
+              </a:r>
+              <a:endParaRPr lang="fr-FR" sz="3200" i="1" baseline="-25000" noProof="1">
+                <a:solidFill>
+                  <a:srgbClr val="0033CC"/>
+                </a:solidFill>
+                <a:effectLst/>
+                <a:latin typeface="+mn-lt"/>
+              </a:endParaRPr>
+            </a:p>
+          </p:txBody>
+        </p:sp>
+        <p:cxnSp>
+          <p:nvCxnSpPr>
+            <p:cNvPr id="99" name="Connecteur droit avec flèche 98"/>
+            <p:cNvCxnSpPr/>
+            <p:nvPr/>
+          </p:nvCxnSpPr>
+          <p:spPr>
+            <a:xfrm rot="5400000" flipH="1" flipV="1">
+              <a:off x="6413013" y="3527447"/>
+              <a:ext cx="350288" cy="10519"/>
+            </a:xfrm>
+            <a:prstGeom prst="straightConnector1">
+              <a:avLst/>
+            </a:prstGeom>
+            <a:ln w="28575">
+              <a:solidFill>
+                <a:schemeClr val="bg1"/>
+              </a:solidFill>
+              <a:headEnd type="none" w="med" len="med"/>
+              <a:tailEnd type="triangle" w="lg" len="lg"/>
+            </a:ln>
+          </p:spPr>
+          <p:style>
+            <a:lnRef idx="1">
+              <a:schemeClr val="accent1"/>
+            </a:lnRef>
+            <a:fillRef idx="0">
+              <a:schemeClr val="accent1"/>
+            </a:fillRef>
+            <a:effectRef idx="0">
+              <a:schemeClr val="accent1"/>
+            </a:effectRef>
+            <a:fontRef idx="minor">
+              <a:schemeClr val="tx1"/>
+            </a:fontRef>
+          </p:style>
+        </p:cxnSp>
+        <p:sp>
+          <p:nvSpPr>
+            <p:cNvPr id="100" name="ZoneTexte 99"/>
+            <p:cNvSpPr txBox="1"/>
+            <p:nvPr/>
+          </p:nvSpPr>
+          <p:spPr>
+            <a:xfrm>
+              <a:off x="6429388" y="3000372"/>
+              <a:ext cx="327077" cy="369332"/>
+            </a:xfrm>
+            <a:prstGeom prst="rect">
+              <a:avLst/>
+            </a:prstGeom>
+            <a:noFill/>
+          </p:spPr>
+          <p:txBody>
+            <a:bodyPr wrap="none" lIns="0" tIns="0" rIns="0" bIns="0" rtlCol="0">
+              <a:spAutoFit/>
+            </a:bodyPr>
+            <a:lstStyle/>
+            <a:p>
+              <a:r>
+                <a:rPr lang="fr-FR" sz="2400" i="1" noProof="1" smtClean="0">
+                  <a:solidFill>
+                    <a:schemeClr val="bg1"/>
+                  </a:solidFill>
+                  <a:effectLst/>
+                  <a:latin typeface="+mn-lt"/>
+                </a:rPr>
+                <a:t>V</a:t>
+              </a:r>
+              <a:r>
+                <a:rPr lang="fr-FR" sz="2400" i="1" baseline="-25000" noProof="1" smtClean="0">
+                  <a:solidFill>
+                    <a:schemeClr val="bg1"/>
+                  </a:solidFill>
+                  <a:effectLst/>
+                  <a:latin typeface="+mn-lt"/>
+                </a:rPr>
+                <a:t>cc</a:t>
+              </a:r>
+              <a:endParaRPr lang="fr-FR" sz="2400" i="1" baseline="-25000" noProof="1">
+                <a:solidFill>
+                  <a:schemeClr val="bg1"/>
+                </a:solidFill>
+                <a:effectLst/>
+                <a:latin typeface="+mn-lt"/>
+              </a:endParaRPr>
+            </a:p>
+          </p:txBody>
+        </p:sp>
+        <p:grpSp>
+          <p:nvGrpSpPr>
+            <p:cNvPr id="117" name="Groupe 116"/>
+            <p:cNvGrpSpPr/>
+            <p:nvPr/>
+          </p:nvGrpSpPr>
+          <p:grpSpPr>
+            <a:xfrm>
+              <a:off x="6287524" y="4621903"/>
+              <a:ext cx="586740" cy="867886"/>
+              <a:chOff x="6287524" y="4621903"/>
+              <a:chExt cx="586740" cy="867886"/>
+            </a:xfrm>
+          </p:grpSpPr>
+          <p:sp>
+            <p:nvSpPr>
+              <p:cNvPr id="101" name="Ellipse 100"/>
+              <p:cNvSpPr/>
+              <p:nvPr/>
+            </p:nvSpPr>
+            <p:spPr>
+              <a:xfrm>
+                <a:off x="6287524" y="4746839"/>
+                <a:ext cx="586740" cy="571500"/>
+              </a:xfrm>
+              <a:prstGeom prst="ellipse">
+                <a:avLst/>
+              </a:prstGeom>
+              <a:ln w="28575">
+                <a:solidFill>
+                  <a:srgbClr val="FF0000"/>
+                </a:solidFill>
+                <a:headEnd type="none" w="med" len="med"/>
+                <a:tailEnd type="triangle" w="med" len="med"/>
+              </a:ln>
+            </p:spPr>
+            <p:style>
+              <a:lnRef idx="1">
+                <a:schemeClr val="accent1"/>
+              </a:lnRef>
+              <a:fillRef idx="0">
+                <a:schemeClr val="accent1"/>
+              </a:fillRef>
+              <a:effectRef idx="0">
+                <a:schemeClr val="accent1"/>
+              </a:effectRef>
+              <a:fontRef idx="minor">
+                <a:schemeClr val="tx1"/>
+              </a:fontRef>
+            </p:style>
+            <p:txBody>
+              <a:bodyPr rtlCol="0" anchor="ctr"/>
+              <a:lstStyle/>
+              <a:p>
+                <a:pPr algn="ctr"/>
+                <a:endParaRPr lang="fr-FR" noProof="1">
+                  <a:solidFill>
+                    <a:srgbClr val="0033CC"/>
+                  </a:solidFill>
+                  <a:effectLst/>
+                </a:endParaRPr>
+              </a:p>
+            </p:txBody>
+          </p:sp>
+          <p:cxnSp>
+            <p:nvCxnSpPr>
+              <p:cNvPr id="103" name="Connecteur droit 102"/>
+              <p:cNvCxnSpPr/>
+              <p:nvPr/>
+            </p:nvCxnSpPr>
+            <p:spPr>
+              <a:xfrm rot="5400000" flipH="1" flipV="1">
+                <a:off x="6397538" y="5319133"/>
+                <a:ext cx="335756" cy="5556"/>
+              </a:xfrm>
+              <a:prstGeom prst="line">
+                <a:avLst/>
+              </a:prstGeom>
+              <a:ln w="38100">
+                <a:solidFill>
+                  <a:srgbClr val="FF0000"/>
+                </a:solidFill>
+                <a:tailEnd type="oval"/>
+              </a:ln>
+            </p:spPr>
+            <p:style>
+              <a:lnRef idx="1">
+                <a:schemeClr val="accent1"/>
+              </a:lnRef>
+              <a:fillRef idx="0">
+                <a:schemeClr val="accent1"/>
+              </a:fillRef>
+              <a:effectRef idx="0">
+                <a:schemeClr val="accent1"/>
+              </a:effectRef>
+              <a:fontRef idx="minor">
+                <a:schemeClr val="tx1"/>
+              </a:fontRef>
+            </p:style>
+          </p:cxnSp>
+          <p:cxnSp>
+            <p:nvCxnSpPr>
+              <p:cNvPr id="104" name="Connecteur droit 103"/>
+              <p:cNvCxnSpPr/>
+              <p:nvPr/>
+            </p:nvCxnSpPr>
+            <p:spPr>
+              <a:xfrm rot="16200000" flipH="1">
+                <a:off x="6511044" y="4924639"/>
+                <a:ext cx="298450" cy="196850"/>
+              </a:xfrm>
+              <a:prstGeom prst="line">
+                <a:avLst/>
+              </a:prstGeom>
+              <a:ln w="38100">
+                <a:solidFill>
+                  <a:srgbClr val="0000FF"/>
+                </a:solidFill>
+              </a:ln>
+            </p:spPr>
+            <p:style>
+              <a:lnRef idx="1">
+                <a:schemeClr val="accent1"/>
+              </a:lnRef>
+              <a:fillRef idx="0">
+                <a:schemeClr val="accent1"/>
+              </a:fillRef>
+              <a:effectRef idx="0">
+                <a:schemeClr val="accent1"/>
+              </a:effectRef>
+              <a:fontRef idx="minor">
+                <a:schemeClr val="tx1"/>
+              </a:fontRef>
+            </p:style>
+          </p:cxnSp>
+          <p:cxnSp>
+            <p:nvCxnSpPr>
+              <p:cNvPr id="105" name="Connecteur droit 104"/>
+              <p:cNvCxnSpPr/>
+              <p:nvPr/>
+            </p:nvCxnSpPr>
+            <p:spPr>
+              <a:xfrm rot="5400000">
+                <a:off x="6433574" y="4754459"/>
+                <a:ext cx="266700" cy="1588"/>
+              </a:xfrm>
+              <a:prstGeom prst="line">
+                <a:avLst/>
+              </a:prstGeom>
+              <a:ln w="38100">
+                <a:solidFill>
+                  <a:srgbClr val="FF0000"/>
+                </a:solidFill>
+                <a:tailEnd type="oval"/>
+              </a:ln>
+            </p:spPr>
+            <p:style>
+              <a:lnRef idx="1">
+                <a:schemeClr val="accent1"/>
+              </a:lnRef>
+              <a:fillRef idx="0">
+                <a:schemeClr val="accent1"/>
+              </a:fillRef>
+              <a:effectRef idx="0">
+                <a:schemeClr val="accent1"/>
+              </a:effectRef>
+              <a:fontRef idx="minor">
+                <a:schemeClr val="tx1"/>
+              </a:fontRef>
+            </p:style>
+          </p:cxnSp>
+        </p:grpSp>
+        <p:cxnSp>
+          <p:nvCxnSpPr>
+            <p:cNvPr id="106" name="Connecteur droit 105"/>
+            <p:cNvCxnSpPr/>
+            <p:nvPr/>
+          </p:nvCxnSpPr>
+          <p:spPr>
+            <a:xfrm rot="5400000">
+              <a:off x="6472638" y="5555183"/>
+              <a:ext cx="180000" cy="0"/>
+            </a:xfrm>
+            <a:prstGeom prst="line">
+              <a:avLst/>
+            </a:prstGeom>
+            <a:ln w="38100">
+              <a:solidFill>
+                <a:schemeClr val="bg1"/>
+              </a:solidFill>
+            </a:ln>
+          </p:spPr>
+          <p:style>
+            <a:lnRef idx="1">
+              <a:schemeClr val="accent1"/>
+            </a:lnRef>
+            <a:fillRef idx="0">
+              <a:schemeClr val="accent1"/>
+            </a:fillRef>
+            <a:effectRef idx="0">
+              <a:schemeClr val="accent1"/>
+            </a:effectRef>
+            <a:fontRef idx="minor">
+              <a:schemeClr val="tx1"/>
+            </a:fontRef>
+          </p:style>
+        </p:cxnSp>
+        <p:sp>
+          <p:nvSpPr>
+            <p:cNvPr id="108" name="ZoneTexte 107"/>
+            <p:cNvSpPr txBox="1"/>
+            <p:nvPr/>
+          </p:nvSpPr>
+          <p:spPr>
+            <a:xfrm>
+              <a:off x="6929454" y="4929198"/>
+              <a:ext cx="198772" cy="276999"/>
+            </a:xfrm>
+            <a:prstGeom prst="rect">
+              <a:avLst/>
+            </a:prstGeom>
+            <a:noFill/>
+          </p:spPr>
+          <p:txBody>
+            <a:bodyPr wrap="none" lIns="0" tIns="0" rIns="0" bIns="0" rtlCol="0">
+              <a:spAutoFit/>
+            </a:bodyPr>
+            <a:lstStyle/>
+            <a:p>
+              <a:r>
+                <a:rPr lang="fr-FR" sz="1800" i="1" noProof="1" smtClean="0">
+                  <a:solidFill>
+                    <a:schemeClr val="bg1"/>
+                  </a:solidFill>
+                  <a:effectLst/>
+                  <a:latin typeface="+mn-lt"/>
+                </a:rPr>
+                <a:t>K</a:t>
+              </a:r>
+              <a:r>
+                <a:rPr lang="fr-FR" sz="1800" i="1" baseline="-25000" noProof="1" smtClean="0">
+                  <a:solidFill>
+                    <a:schemeClr val="bg1"/>
+                  </a:solidFill>
+                  <a:effectLst/>
+                  <a:latin typeface="+mn-lt"/>
+                </a:rPr>
+                <a:t>2</a:t>
+              </a:r>
+              <a:endParaRPr lang="fr-FR" sz="1800" i="1" baseline="-25000" noProof="1">
+                <a:solidFill>
+                  <a:schemeClr val="bg1"/>
+                </a:solidFill>
+                <a:effectLst/>
+                <a:latin typeface="+mn-lt"/>
+              </a:endParaRPr>
+            </a:p>
+          </p:txBody>
+        </p:sp>
+        <p:grpSp>
+          <p:nvGrpSpPr>
+            <p:cNvPr id="116" name="Groupe 115"/>
+            <p:cNvGrpSpPr/>
+            <p:nvPr/>
+          </p:nvGrpSpPr>
+          <p:grpSpPr>
+            <a:xfrm>
+              <a:off x="6300182" y="3704122"/>
+              <a:ext cx="586740" cy="867886"/>
+              <a:chOff x="7215206" y="1518114"/>
+              <a:chExt cx="586740" cy="867886"/>
+            </a:xfrm>
+          </p:grpSpPr>
+          <p:sp>
+            <p:nvSpPr>
+              <p:cNvPr id="112" name="Ellipse 111"/>
+              <p:cNvSpPr/>
+              <p:nvPr/>
+            </p:nvSpPr>
+            <p:spPr>
+              <a:xfrm>
+                <a:off x="7215206" y="1643050"/>
+                <a:ext cx="586740" cy="571500"/>
+              </a:xfrm>
+              <a:prstGeom prst="ellipse">
+                <a:avLst/>
+              </a:prstGeom>
+              <a:ln w="28575">
+                <a:solidFill>
+                  <a:srgbClr val="FF0000"/>
+                </a:solidFill>
+                <a:headEnd type="none" w="med" len="med"/>
+                <a:tailEnd type="triangle" w="med" len="med"/>
+              </a:ln>
+            </p:spPr>
+            <p:style>
+              <a:lnRef idx="1">
+                <a:schemeClr val="accent1"/>
+              </a:lnRef>
+              <a:fillRef idx="0">
+                <a:schemeClr val="accent1"/>
+              </a:fillRef>
+              <a:effectRef idx="0">
+                <a:schemeClr val="accent1"/>
+              </a:effectRef>
+              <a:fontRef idx="minor">
+                <a:schemeClr val="tx1"/>
+              </a:fontRef>
+            </p:style>
+            <p:txBody>
+              <a:bodyPr rtlCol="0" anchor="ctr"/>
+              <a:lstStyle/>
+              <a:p>
+                <a:pPr algn="ctr"/>
+                <a:endParaRPr lang="fr-FR" noProof="1">
+                  <a:solidFill>
+                    <a:srgbClr val="0033CC"/>
+                  </a:solidFill>
+                  <a:effectLst/>
+                </a:endParaRPr>
+              </a:p>
+            </p:txBody>
+          </p:sp>
+          <p:cxnSp>
+            <p:nvCxnSpPr>
+              <p:cNvPr id="113" name="Connecteur droit 112"/>
+              <p:cNvCxnSpPr/>
+              <p:nvPr/>
+            </p:nvCxnSpPr>
+            <p:spPr>
+              <a:xfrm rot="5400000" flipH="1" flipV="1">
+                <a:off x="7325220" y="2215344"/>
+                <a:ext cx="335756" cy="5556"/>
+              </a:xfrm>
+              <a:prstGeom prst="line">
+                <a:avLst/>
+              </a:prstGeom>
+              <a:ln w="38100">
+                <a:solidFill>
+                  <a:srgbClr val="FF0000"/>
+                </a:solidFill>
+                <a:tailEnd type="oval"/>
+              </a:ln>
+            </p:spPr>
+            <p:style>
+              <a:lnRef idx="1">
+                <a:schemeClr val="accent1"/>
+              </a:lnRef>
+              <a:fillRef idx="0">
+                <a:schemeClr val="accent1"/>
+              </a:fillRef>
+              <a:effectRef idx="0">
+                <a:schemeClr val="accent1"/>
+              </a:effectRef>
+              <a:fontRef idx="minor">
+                <a:schemeClr val="tx1"/>
+              </a:fontRef>
+            </p:style>
+          </p:cxnSp>
+          <p:cxnSp>
+            <p:nvCxnSpPr>
+              <p:cNvPr id="114" name="Connecteur droit 113"/>
+              <p:cNvCxnSpPr/>
+              <p:nvPr/>
+            </p:nvCxnSpPr>
+            <p:spPr>
+              <a:xfrm rot="16200000" flipH="1">
+                <a:off x="7438726" y="1820850"/>
+                <a:ext cx="298450" cy="196850"/>
+              </a:xfrm>
+              <a:prstGeom prst="line">
+                <a:avLst/>
+              </a:prstGeom>
+              <a:ln w="38100">
+                <a:solidFill>
+                  <a:srgbClr val="0000FF"/>
+                </a:solidFill>
+              </a:ln>
+            </p:spPr>
+            <p:style>
+              <a:lnRef idx="1">
+                <a:schemeClr val="accent1"/>
+              </a:lnRef>
+              <a:fillRef idx="0">
+                <a:schemeClr val="accent1"/>
+              </a:fillRef>
+              <a:effectRef idx="0">
+                <a:schemeClr val="accent1"/>
+              </a:effectRef>
+              <a:fontRef idx="minor">
+                <a:schemeClr val="tx1"/>
+              </a:fontRef>
+            </p:style>
+          </p:cxnSp>
+          <p:cxnSp>
+            <p:nvCxnSpPr>
+              <p:cNvPr id="115" name="Connecteur droit 114"/>
+              <p:cNvCxnSpPr/>
+              <p:nvPr/>
+            </p:nvCxnSpPr>
+            <p:spPr>
+              <a:xfrm rot="5400000">
+                <a:off x="7361256" y="1650670"/>
+                <a:ext cx="266700" cy="1588"/>
+              </a:xfrm>
+              <a:prstGeom prst="line">
+                <a:avLst/>
+              </a:prstGeom>
+              <a:ln w="38100">
+                <a:solidFill>
+                  <a:srgbClr val="FF0000"/>
+                </a:solidFill>
+                <a:tailEnd type="oval"/>
+              </a:ln>
+            </p:spPr>
+            <p:style>
+              <a:lnRef idx="1">
+                <a:schemeClr val="accent1"/>
+              </a:lnRef>
+              <a:fillRef idx="0">
+                <a:schemeClr val="accent1"/>
+              </a:fillRef>
+              <a:effectRef idx="0">
+                <a:schemeClr val="accent1"/>
+              </a:effectRef>
+              <a:fontRef idx="minor">
+                <a:schemeClr val="tx1"/>
+              </a:fontRef>
+            </p:style>
+          </p:cxnSp>
+        </p:grpSp>
+        <p:cxnSp>
+          <p:nvCxnSpPr>
+            <p:cNvPr id="107" name="Connecteur droit avec flèche 106"/>
+            <p:cNvCxnSpPr/>
+            <p:nvPr/>
+          </p:nvCxnSpPr>
+          <p:spPr>
+            <a:xfrm>
+              <a:off x="6575484" y="4591586"/>
+              <a:ext cx="461820" cy="1588"/>
+            </a:xfrm>
+            <a:prstGeom prst="straightConnector1">
+              <a:avLst/>
+            </a:prstGeom>
+            <a:ln w="28575">
+              <a:solidFill>
+                <a:schemeClr val="bg1"/>
+              </a:solidFill>
+              <a:headEnd type="oval"/>
+              <a:tailEnd type="triangle" w="lg" len="lg"/>
+            </a:ln>
+          </p:spPr>
+          <p:style>
+            <a:lnRef idx="1">
+              <a:schemeClr val="accent1"/>
+            </a:lnRef>
+            <a:fillRef idx="0">
+              <a:schemeClr val="accent1"/>
+            </a:fillRef>
+            <a:effectRef idx="0">
+              <a:schemeClr val="accent1"/>
+            </a:effectRef>
+            <a:fontRef idx="minor">
+              <a:schemeClr val="tx1"/>
+            </a:fontRef>
+          </p:style>
+        </p:cxnSp>
+        <p:sp>
+          <p:nvSpPr>
+            <p:cNvPr id="118" name="ZoneTexte 117"/>
+            <p:cNvSpPr txBox="1"/>
+            <p:nvPr/>
+          </p:nvSpPr>
+          <p:spPr>
+            <a:xfrm>
+              <a:off x="6929454" y="3929066"/>
+              <a:ext cx="198772" cy="276999"/>
+            </a:xfrm>
+            <a:prstGeom prst="rect">
+              <a:avLst/>
+            </a:prstGeom>
+            <a:noFill/>
+          </p:spPr>
+          <p:txBody>
+            <a:bodyPr wrap="none" lIns="0" tIns="0" rIns="0" bIns="0" rtlCol="0">
+              <a:spAutoFit/>
+            </a:bodyPr>
+            <a:lstStyle/>
+            <a:p>
+              <a:r>
+                <a:rPr lang="fr-FR" sz="1800" i="1" noProof="1" smtClean="0">
+                  <a:solidFill>
+                    <a:schemeClr val="bg1"/>
+                  </a:solidFill>
+                  <a:effectLst/>
+                  <a:latin typeface="+mn-lt"/>
+                </a:rPr>
+                <a:t>K</a:t>
+              </a:r>
+              <a:r>
+                <a:rPr lang="fr-FR" sz="1800" i="1" baseline="-25000" noProof="1" smtClean="0">
+                  <a:solidFill>
+                    <a:schemeClr val="bg1"/>
+                  </a:solidFill>
+                  <a:effectLst/>
+                  <a:latin typeface="+mn-lt"/>
+                </a:rPr>
+                <a:t>1</a:t>
+              </a:r>
+              <a:endParaRPr lang="fr-FR" sz="1800" i="1" baseline="-25000" noProof="1">
+                <a:solidFill>
+                  <a:schemeClr val="bg1"/>
+                </a:solidFill>
+                <a:effectLst/>
+                <a:latin typeface="+mn-lt"/>
+              </a:endParaRPr>
+            </a:p>
+          </p:txBody>
+        </p:sp>
+      </p:grpSp>
     </p:spTree>
   </p:cSld>
   <p:clrMapOvr>
@@ -6084,7 +8286,7 @@
           <p:cNvPr id="2" name="Titre 1">
             <a:extLst>
               <a:ext uri="{FF2B5EF4-FFF2-40B4-BE49-F238E27FC236}">
-                <a16:creationId xmlns="" xmlns:a16="http://schemas.microsoft.com/office/drawing/2014/main" id="{C2E5D865-6987-4935-AFA0-39E772C5DF96}"/>
+                <a16:creationId xmlns:a16="http://schemas.microsoft.com/office/drawing/2014/main" xmlns="" id="{C2E5D865-6987-4935-AFA0-39E772C5DF96}"/>
               </a:ext>
             </a:extLst>
           </p:cNvPr>
@@ -6109,7 +8311,7 @@
           <p:cNvPr id="3" name="Espace réservé de la date 2">
             <a:extLst>
               <a:ext uri="{FF2B5EF4-FFF2-40B4-BE49-F238E27FC236}">
-                <a16:creationId xmlns="" xmlns:a16="http://schemas.microsoft.com/office/drawing/2014/main" id="{3B70F4D3-A56B-4978-B41D-9AAFBB46DFD2}"/>
+                <a16:creationId xmlns:a16="http://schemas.microsoft.com/office/drawing/2014/main" xmlns="" id="{3B70F4D3-A56B-4978-B41D-9AAFBB46DFD2}"/>
               </a:ext>
             </a:extLst>
           </p:cNvPr>
@@ -6128,7 +8330,7 @@
             <a:fld id="{80ADAFC8-E58E-40F9-B663-9F56451821D1}" type="datetime8">
               <a:rPr lang="fr-FR" smtClean="0"/>
               <a:pPr/>
-              <a:t>10/12/2024 17:51</a:t>
+              <a:t>15/12/2024 08:19</a:t>
             </a:fld>
             <a:endParaRPr lang="fr-FR"/>
           </a:p>
@@ -6139,7 +8341,7 @@
           <p:cNvPr id="4" name="Espace réservé du pied de page 3">
             <a:extLst>
               <a:ext uri="{FF2B5EF4-FFF2-40B4-BE49-F238E27FC236}">
-                <a16:creationId xmlns="" xmlns:a16="http://schemas.microsoft.com/office/drawing/2014/main" id="{7ACCFD58-1CC0-4447-9ADF-93B4E798160F}"/>
+                <a16:creationId xmlns:a16="http://schemas.microsoft.com/office/drawing/2014/main" xmlns="" id="{7ACCFD58-1CC0-4447-9ADF-93B4E798160F}"/>
               </a:ext>
             </a:extLst>
           </p:cNvPr>
@@ -6168,7 +8370,7 @@
           <p:cNvPr id="5" name="Espace réservé du numéro de diapositive 4">
             <a:extLst>
               <a:ext uri="{FF2B5EF4-FFF2-40B4-BE49-F238E27FC236}">
-                <a16:creationId xmlns="" xmlns:a16="http://schemas.microsoft.com/office/drawing/2014/main" id="{973C6ACC-702B-4A83-BA9F-F9ABE3AD73DB}"/>
+                <a16:creationId xmlns:a16="http://schemas.microsoft.com/office/drawing/2014/main" xmlns="" id="{973C6ACC-702B-4A83-BA9F-F9ABE3AD73DB}"/>
               </a:ext>
             </a:extLst>
           </p:cNvPr>
@@ -6198,7 +8400,7 @@
           <p:cNvPr id="6" name="Groupe 5">
             <a:extLst>
               <a:ext uri="{FF2B5EF4-FFF2-40B4-BE49-F238E27FC236}">
-                <a16:creationId xmlns="" xmlns:a16="http://schemas.microsoft.com/office/drawing/2014/main" id="{DF1DCF97-66FE-4A04-8B19-827D4442392E}"/>
+                <a16:creationId xmlns:a16="http://schemas.microsoft.com/office/drawing/2014/main" xmlns="" id="{DF1DCF97-66FE-4A04-8B19-827D4442392E}"/>
               </a:ext>
             </a:extLst>
           </p:cNvPr>
@@ -6218,7 +8420,7 @@
             <p:cNvPr id="7" name="Line 13">
               <a:extLst>
                 <a:ext uri="{FF2B5EF4-FFF2-40B4-BE49-F238E27FC236}">
-                  <a16:creationId xmlns="" xmlns:a16="http://schemas.microsoft.com/office/drawing/2014/main" id="{3BB99FFA-2C0E-4F78-9DD0-201B36AA44F0}"/>
+                  <a16:creationId xmlns:a16="http://schemas.microsoft.com/office/drawing/2014/main" xmlns="" id="{3BB99FFA-2C0E-4F78-9DD0-201B36AA44F0}"/>
                 </a:ext>
               </a:extLst>
             </p:cNvPr>
@@ -6263,7 +8465,7 @@
             <p:cNvPr id="8" name="Line 14">
               <a:extLst>
                 <a:ext uri="{FF2B5EF4-FFF2-40B4-BE49-F238E27FC236}">
-                  <a16:creationId xmlns="" xmlns:a16="http://schemas.microsoft.com/office/drawing/2014/main" id="{F53D6DBD-E6AC-45DD-8B05-C2712B1F0FF2}"/>
+                  <a16:creationId xmlns:a16="http://schemas.microsoft.com/office/drawing/2014/main" xmlns="" id="{F53D6DBD-E6AC-45DD-8B05-C2712B1F0FF2}"/>
                 </a:ext>
               </a:extLst>
             </p:cNvPr>
@@ -6308,7 +8510,7 @@
             <p:cNvPr id="9" name="Line 15">
               <a:extLst>
                 <a:ext uri="{FF2B5EF4-FFF2-40B4-BE49-F238E27FC236}">
-                  <a16:creationId xmlns="" xmlns:a16="http://schemas.microsoft.com/office/drawing/2014/main" id="{F06471F3-AD8F-4473-B6F6-9497D173423A}"/>
+                  <a16:creationId xmlns:a16="http://schemas.microsoft.com/office/drawing/2014/main" xmlns="" id="{F06471F3-AD8F-4473-B6F6-9497D173423A}"/>
                 </a:ext>
               </a:extLst>
             </p:cNvPr>
@@ -6353,7 +8555,7 @@
             <p:cNvPr id="10" name="Line 16">
               <a:extLst>
                 <a:ext uri="{FF2B5EF4-FFF2-40B4-BE49-F238E27FC236}">
-                  <a16:creationId xmlns="" xmlns:a16="http://schemas.microsoft.com/office/drawing/2014/main" id="{52FBB3F9-8A48-474E-892F-85488CE0C678}"/>
+                  <a16:creationId xmlns:a16="http://schemas.microsoft.com/office/drawing/2014/main" xmlns="" id="{52FBB3F9-8A48-474E-892F-85488CE0C678}"/>
                 </a:ext>
               </a:extLst>
             </p:cNvPr>
@@ -6398,7 +8600,7 @@
             <p:cNvPr id="11" name="Freeform 17">
               <a:extLst>
                 <a:ext uri="{FF2B5EF4-FFF2-40B4-BE49-F238E27FC236}">
-                  <a16:creationId xmlns="" xmlns:a16="http://schemas.microsoft.com/office/drawing/2014/main" id="{098716CD-EB5D-4CE0-A909-E4ED93E9E9C9}"/>
+                  <a16:creationId xmlns:a16="http://schemas.microsoft.com/office/drawing/2014/main" xmlns="" id="{098716CD-EB5D-4CE0-A909-E4ED93E9E9C9}"/>
                 </a:ext>
               </a:extLst>
             </p:cNvPr>
@@ -6470,7 +8672,7 @@
             <p:cNvPr id="12" name="Rectangle 18">
               <a:extLst>
                 <a:ext uri="{FF2B5EF4-FFF2-40B4-BE49-F238E27FC236}">
-                  <a16:creationId xmlns="" xmlns:a16="http://schemas.microsoft.com/office/drawing/2014/main" id="{20744C48-A0BE-47B4-8B39-FA2E56CB1C42}"/>
+                  <a16:creationId xmlns:a16="http://schemas.microsoft.com/office/drawing/2014/main" xmlns="" id="{20744C48-A0BE-47B4-8B39-FA2E56CB1C42}"/>
                 </a:ext>
               </a:extLst>
             </p:cNvPr>
@@ -6517,7 +8719,7 @@
             <p:cNvPr id="13" name="Line 19">
               <a:extLst>
                 <a:ext uri="{FF2B5EF4-FFF2-40B4-BE49-F238E27FC236}">
-                  <a16:creationId xmlns="" xmlns:a16="http://schemas.microsoft.com/office/drawing/2014/main" id="{3CDC0B9D-8488-4DEB-A6B5-EF8373C5E0F8}"/>
+                  <a16:creationId xmlns:a16="http://schemas.microsoft.com/office/drawing/2014/main" xmlns="" id="{3CDC0B9D-8488-4DEB-A6B5-EF8373C5E0F8}"/>
                 </a:ext>
               </a:extLst>
             </p:cNvPr>
@@ -6562,7 +8764,7 @@
             <p:cNvPr id="14" name="Line 20">
               <a:extLst>
                 <a:ext uri="{FF2B5EF4-FFF2-40B4-BE49-F238E27FC236}">
-                  <a16:creationId xmlns="" xmlns:a16="http://schemas.microsoft.com/office/drawing/2014/main" id="{8E3C754A-EA1A-466B-9F56-540E1A532974}"/>
+                  <a16:creationId xmlns:a16="http://schemas.microsoft.com/office/drawing/2014/main" xmlns="" id="{8E3C754A-EA1A-466B-9F56-540E1A532974}"/>
                 </a:ext>
               </a:extLst>
             </p:cNvPr>
@@ -6607,7 +8809,7 @@
             <p:cNvPr id="15" name="Rectangle 21">
               <a:extLst>
                 <a:ext uri="{FF2B5EF4-FFF2-40B4-BE49-F238E27FC236}">
-                  <a16:creationId xmlns="" xmlns:a16="http://schemas.microsoft.com/office/drawing/2014/main" id="{C1BE2688-BD54-4A3F-B0AB-2A556D2B2EC2}"/>
+                  <a16:creationId xmlns:a16="http://schemas.microsoft.com/office/drawing/2014/main" xmlns="" id="{C1BE2688-BD54-4A3F-B0AB-2A556D2B2EC2}"/>
                 </a:ext>
               </a:extLst>
             </p:cNvPr>
@@ -6690,7 +8892,7 @@
             <p:cNvPr id="16" name="Rectangle 22">
               <a:extLst>
                 <a:ext uri="{FF2B5EF4-FFF2-40B4-BE49-F238E27FC236}">
-                  <a16:creationId xmlns="" xmlns:a16="http://schemas.microsoft.com/office/drawing/2014/main" id="{A7D60A8D-7EA1-42BD-877C-B3C0C9EAF60A}"/>
+                  <a16:creationId xmlns:a16="http://schemas.microsoft.com/office/drawing/2014/main" xmlns="" id="{A7D60A8D-7EA1-42BD-877C-B3C0C9EAF60A}"/>
                 </a:ext>
               </a:extLst>
             </p:cNvPr>
@@ -6737,7 +8939,7 @@
             <p:cNvPr id="17" name="Line 23">
               <a:extLst>
                 <a:ext uri="{FF2B5EF4-FFF2-40B4-BE49-F238E27FC236}">
-                  <a16:creationId xmlns="" xmlns:a16="http://schemas.microsoft.com/office/drawing/2014/main" id="{B577248A-519A-42A6-B9C3-4837D0298C09}"/>
+                  <a16:creationId xmlns:a16="http://schemas.microsoft.com/office/drawing/2014/main" xmlns="" id="{B577248A-519A-42A6-B9C3-4837D0298C09}"/>
                 </a:ext>
               </a:extLst>
             </p:cNvPr>
@@ -6782,7 +8984,7 @@
             <p:cNvPr id="18" name="Line 24">
               <a:extLst>
                 <a:ext uri="{FF2B5EF4-FFF2-40B4-BE49-F238E27FC236}">
-                  <a16:creationId xmlns="" xmlns:a16="http://schemas.microsoft.com/office/drawing/2014/main" id="{7109DC07-5F1E-4A75-A515-13C9073AE816}"/>
+                  <a16:creationId xmlns:a16="http://schemas.microsoft.com/office/drawing/2014/main" xmlns="" id="{7109DC07-5F1E-4A75-A515-13C9073AE816}"/>
                 </a:ext>
               </a:extLst>
             </p:cNvPr>
@@ -6827,7 +9029,7 @@
             <p:cNvPr id="19" name="Rectangle 25">
               <a:extLst>
                 <a:ext uri="{FF2B5EF4-FFF2-40B4-BE49-F238E27FC236}">
-                  <a16:creationId xmlns="" xmlns:a16="http://schemas.microsoft.com/office/drawing/2014/main" id="{9CBB0335-4D9C-4642-8EAE-4FBB518E4DAE}"/>
+                  <a16:creationId xmlns:a16="http://schemas.microsoft.com/office/drawing/2014/main" xmlns="" id="{9CBB0335-4D9C-4642-8EAE-4FBB518E4DAE}"/>
                 </a:ext>
               </a:extLst>
             </p:cNvPr>
@@ -6910,7 +9112,7 @@
             <p:cNvPr id="20" name="Rectangle 26">
               <a:extLst>
                 <a:ext uri="{FF2B5EF4-FFF2-40B4-BE49-F238E27FC236}">
-                  <a16:creationId xmlns="" xmlns:a16="http://schemas.microsoft.com/office/drawing/2014/main" id="{01AD7C9D-4DA3-4EFE-811A-556E1CA02DE2}"/>
+                  <a16:creationId xmlns:a16="http://schemas.microsoft.com/office/drawing/2014/main" xmlns="" id="{01AD7C9D-4DA3-4EFE-811A-556E1CA02DE2}"/>
                 </a:ext>
               </a:extLst>
             </p:cNvPr>
@@ -6957,7 +9159,7 @@
             <p:cNvPr id="21" name="Line 27">
               <a:extLst>
                 <a:ext uri="{FF2B5EF4-FFF2-40B4-BE49-F238E27FC236}">
-                  <a16:creationId xmlns="" xmlns:a16="http://schemas.microsoft.com/office/drawing/2014/main" id="{5BF8101D-ACEF-400C-AD0F-88EAFEA18D26}"/>
+                  <a16:creationId xmlns:a16="http://schemas.microsoft.com/office/drawing/2014/main" xmlns="" id="{5BF8101D-ACEF-400C-AD0F-88EAFEA18D26}"/>
                 </a:ext>
               </a:extLst>
             </p:cNvPr>
@@ -7002,7 +9204,7 @@
             <p:cNvPr id="22" name="Line 28">
               <a:extLst>
                 <a:ext uri="{FF2B5EF4-FFF2-40B4-BE49-F238E27FC236}">
-                  <a16:creationId xmlns="" xmlns:a16="http://schemas.microsoft.com/office/drawing/2014/main" id="{17C8BAC5-DB92-4E1F-B670-5BD0A8254C74}"/>
+                  <a16:creationId xmlns:a16="http://schemas.microsoft.com/office/drawing/2014/main" xmlns="" id="{17C8BAC5-DB92-4E1F-B670-5BD0A8254C74}"/>
                 </a:ext>
               </a:extLst>
             </p:cNvPr>
@@ -7047,7 +9249,7 @@
             <p:cNvPr id="23" name="Rectangle 29">
               <a:extLst>
                 <a:ext uri="{FF2B5EF4-FFF2-40B4-BE49-F238E27FC236}">
-                  <a16:creationId xmlns="" xmlns:a16="http://schemas.microsoft.com/office/drawing/2014/main" id="{CCF1A717-F894-4844-995E-57714CBE3360}"/>
+                  <a16:creationId xmlns:a16="http://schemas.microsoft.com/office/drawing/2014/main" xmlns="" id="{CCF1A717-F894-4844-995E-57714CBE3360}"/>
                 </a:ext>
               </a:extLst>
             </p:cNvPr>
@@ -7130,7 +9332,7 @@
             <p:cNvPr id="24" name="Rectangle 49">
               <a:extLst>
                 <a:ext uri="{FF2B5EF4-FFF2-40B4-BE49-F238E27FC236}">
-                  <a16:creationId xmlns="" xmlns:a16="http://schemas.microsoft.com/office/drawing/2014/main" id="{330BE6EE-731A-44E6-9779-42ED233A6B86}"/>
+                  <a16:creationId xmlns:a16="http://schemas.microsoft.com/office/drawing/2014/main" xmlns="" id="{330BE6EE-731A-44E6-9779-42ED233A6B86}"/>
                 </a:ext>
               </a:extLst>
             </p:cNvPr>
@@ -7213,7 +9415,7 @@
             <p:cNvPr id="25" name="Rectangle 64">
               <a:extLst>
                 <a:ext uri="{FF2B5EF4-FFF2-40B4-BE49-F238E27FC236}">
-                  <a16:creationId xmlns="" xmlns:a16="http://schemas.microsoft.com/office/drawing/2014/main" id="{DC1778B8-D595-4628-BB8D-E31FBD463F04}"/>
+                  <a16:creationId xmlns:a16="http://schemas.microsoft.com/office/drawing/2014/main" xmlns="" id="{DC1778B8-D595-4628-BB8D-E31FBD463F04}"/>
                 </a:ext>
               </a:extLst>
             </p:cNvPr>
@@ -7293,7 +9495,7 @@
             <p:cNvPr id="26" name="Oval 65">
               <a:extLst>
                 <a:ext uri="{FF2B5EF4-FFF2-40B4-BE49-F238E27FC236}">
-                  <a16:creationId xmlns="" xmlns:a16="http://schemas.microsoft.com/office/drawing/2014/main" id="{7717CD30-CF15-4016-BAD5-8D4A077F050A}"/>
+                  <a16:creationId xmlns:a16="http://schemas.microsoft.com/office/drawing/2014/main" xmlns="" id="{7717CD30-CF15-4016-BAD5-8D4A077F050A}"/>
                 </a:ext>
               </a:extLst>
             </p:cNvPr>
@@ -7340,7 +9542,7 @@
             <p:cNvPr id="27" name="Oval 66">
               <a:extLst>
                 <a:ext uri="{FF2B5EF4-FFF2-40B4-BE49-F238E27FC236}">
-                  <a16:creationId xmlns="" xmlns:a16="http://schemas.microsoft.com/office/drawing/2014/main" id="{3D18D16B-16F2-4F06-8356-51B31350B45C}"/>
+                  <a16:creationId xmlns:a16="http://schemas.microsoft.com/office/drawing/2014/main" xmlns="" id="{3D18D16B-16F2-4F06-8356-51B31350B45C}"/>
                 </a:ext>
               </a:extLst>
             </p:cNvPr>
@@ -7387,7 +9589,7 @@
             <p:cNvPr id="28" name="Line 13">
               <a:extLst>
                 <a:ext uri="{FF2B5EF4-FFF2-40B4-BE49-F238E27FC236}">
-                  <a16:creationId xmlns="" xmlns:a16="http://schemas.microsoft.com/office/drawing/2014/main" id="{5ABB79A2-85CE-42D0-8816-65938F53B6A0}"/>
+                  <a16:creationId xmlns:a16="http://schemas.microsoft.com/office/drawing/2014/main" xmlns="" id="{5ABB79A2-85CE-42D0-8816-65938F53B6A0}"/>
                 </a:ext>
               </a:extLst>
             </p:cNvPr>
@@ -7432,7 +9634,7 @@
             <p:cNvPr id="29" name="Groupe 28">
               <a:extLst>
                 <a:ext uri="{FF2B5EF4-FFF2-40B4-BE49-F238E27FC236}">
-                  <a16:creationId xmlns="" xmlns:a16="http://schemas.microsoft.com/office/drawing/2014/main" id="{6440AACF-B474-406E-A8F1-27B84C177818}"/>
+                  <a16:creationId xmlns:a16="http://schemas.microsoft.com/office/drawing/2014/main" xmlns="" id="{6440AACF-B474-406E-A8F1-27B84C177818}"/>
                 </a:ext>
               </a:extLst>
             </p:cNvPr>
@@ -7452,7 +9654,7 @@
               <p:cNvPr id="42" name="Freeform 62">
                 <a:extLst>
                   <a:ext uri="{FF2B5EF4-FFF2-40B4-BE49-F238E27FC236}">
-                    <a16:creationId xmlns="" xmlns:a16="http://schemas.microsoft.com/office/drawing/2014/main" id="{0BE0F8EE-4C08-43BC-9B34-A6BD5C504BCE}"/>
+                    <a16:creationId xmlns:a16="http://schemas.microsoft.com/office/drawing/2014/main" xmlns="" id="{0BE0F8EE-4C08-43BC-9B34-A6BD5C504BCE}"/>
                   </a:ext>
                 </a:extLst>
               </p:cNvPr>
@@ -7531,7 +9733,7 @@
               <p:cNvPr id="43" name="Line 63">
                 <a:extLst>
                   <a:ext uri="{FF2B5EF4-FFF2-40B4-BE49-F238E27FC236}">
-                    <a16:creationId xmlns="" xmlns:a16="http://schemas.microsoft.com/office/drawing/2014/main" id="{F4AC4471-5F4B-4852-A7B6-8394CC9356C9}"/>
+                    <a16:creationId xmlns:a16="http://schemas.microsoft.com/office/drawing/2014/main" xmlns="" id="{F4AC4471-5F4B-4852-A7B6-8394CC9356C9}"/>
                   </a:ext>
                 </a:extLst>
               </p:cNvPr>
@@ -7577,7 +9779,7 @@
             <p:cNvPr id="30" name="Rectangle 49">
               <a:extLst>
                 <a:ext uri="{FF2B5EF4-FFF2-40B4-BE49-F238E27FC236}">
-                  <a16:creationId xmlns="" xmlns:a16="http://schemas.microsoft.com/office/drawing/2014/main" id="{B06290EB-F200-47DF-9C64-F3323B661583}"/>
+                  <a16:creationId xmlns:a16="http://schemas.microsoft.com/office/drawing/2014/main" xmlns="" id="{B06290EB-F200-47DF-9C64-F3323B661583}"/>
                 </a:ext>
               </a:extLst>
             </p:cNvPr>
@@ -7660,7 +9862,7 @@
             <p:cNvPr id="31" name="Line 13">
               <a:extLst>
                 <a:ext uri="{FF2B5EF4-FFF2-40B4-BE49-F238E27FC236}">
-                  <a16:creationId xmlns="" xmlns:a16="http://schemas.microsoft.com/office/drawing/2014/main" id="{6EBA3ED8-9ADF-4397-8163-61695B7B4A47}"/>
+                  <a16:creationId xmlns:a16="http://schemas.microsoft.com/office/drawing/2014/main" xmlns="" id="{6EBA3ED8-9ADF-4397-8163-61695B7B4A47}"/>
                 </a:ext>
               </a:extLst>
             </p:cNvPr>
@@ -7705,7 +9907,7 @@
             <p:cNvPr id="32" name="Groupe 31">
               <a:extLst>
                 <a:ext uri="{FF2B5EF4-FFF2-40B4-BE49-F238E27FC236}">
-                  <a16:creationId xmlns="" xmlns:a16="http://schemas.microsoft.com/office/drawing/2014/main" id="{083EE034-AF3F-4F64-A287-8AA0240815D2}"/>
+                  <a16:creationId xmlns:a16="http://schemas.microsoft.com/office/drawing/2014/main" xmlns="" id="{083EE034-AF3F-4F64-A287-8AA0240815D2}"/>
                 </a:ext>
               </a:extLst>
             </p:cNvPr>
@@ -7725,7 +9927,7 @@
               <p:cNvPr id="40" name="Freeform 62">
                 <a:extLst>
                   <a:ext uri="{FF2B5EF4-FFF2-40B4-BE49-F238E27FC236}">
-                    <a16:creationId xmlns="" xmlns:a16="http://schemas.microsoft.com/office/drawing/2014/main" id="{4A8E9F6B-E785-40F1-9282-6CC000E17943}"/>
+                    <a16:creationId xmlns:a16="http://schemas.microsoft.com/office/drawing/2014/main" xmlns="" id="{4A8E9F6B-E785-40F1-9282-6CC000E17943}"/>
                   </a:ext>
                 </a:extLst>
               </p:cNvPr>
@@ -7804,7 +10006,7 @@
               <p:cNvPr id="41" name="Line 63">
                 <a:extLst>
                   <a:ext uri="{FF2B5EF4-FFF2-40B4-BE49-F238E27FC236}">
-                    <a16:creationId xmlns="" xmlns:a16="http://schemas.microsoft.com/office/drawing/2014/main" id="{92D8180F-D30F-46FB-B1BC-289FDA579977}"/>
+                    <a16:creationId xmlns:a16="http://schemas.microsoft.com/office/drawing/2014/main" xmlns="" id="{92D8180F-D30F-46FB-B1BC-289FDA579977}"/>
                   </a:ext>
                 </a:extLst>
               </p:cNvPr>
@@ -7850,7 +10052,7 @@
             <p:cNvPr id="33" name="Rectangle 49">
               <a:extLst>
                 <a:ext uri="{FF2B5EF4-FFF2-40B4-BE49-F238E27FC236}">
-                  <a16:creationId xmlns="" xmlns:a16="http://schemas.microsoft.com/office/drawing/2014/main" id="{46489540-AAFC-49E6-9AB9-74FD0F2D0798}"/>
+                  <a16:creationId xmlns:a16="http://schemas.microsoft.com/office/drawing/2014/main" xmlns="" id="{46489540-AAFC-49E6-9AB9-74FD0F2D0798}"/>
                 </a:ext>
               </a:extLst>
             </p:cNvPr>
@@ -7933,7 +10135,7 @@
             <p:cNvPr id="34" name="Line 13">
               <a:extLst>
                 <a:ext uri="{FF2B5EF4-FFF2-40B4-BE49-F238E27FC236}">
-                  <a16:creationId xmlns="" xmlns:a16="http://schemas.microsoft.com/office/drawing/2014/main" id="{1B484978-B11E-475F-855E-CB8C505B7D7A}"/>
+                  <a16:creationId xmlns:a16="http://schemas.microsoft.com/office/drawing/2014/main" xmlns="" id="{1B484978-B11E-475F-855E-CB8C505B7D7A}"/>
                 </a:ext>
               </a:extLst>
             </p:cNvPr>
@@ -7978,7 +10180,7 @@
             <p:cNvPr id="35" name="Groupe 34">
               <a:extLst>
                 <a:ext uri="{FF2B5EF4-FFF2-40B4-BE49-F238E27FC236}">
-                  <a16:creationId xmlns="" xmlns:a16="http://schemas.microsoft.com/office/drawing/2014/main" id="{6AA27C0A-661B-4EDD-A6C9-0DFA190AA187}"/>
+                  <a16:creationId xmlns:a16="http://schemas.microsoft.com/office/drawing/2014/main" xmlns="" id="{6AA27C0A-661B-4EDD-A6C9-0DFA190AA187}"/>
                 </a:ext>
               </a:extLst>
             </p:cNvPr>
@@ -7998,7 +10200,7 @@
               <p:cNvPr id="38" name="Freeform 62">
                 <a:extLst>
                   <a:ext uri="{FF2B5EF4-FFF2-40B4-BE49-F238E27FC236}">
-                    <a16:creationId xmlns="" xmlns:a16="http://schemas.microsoft.com/office/drawing/2014/main" id="{03B8862E-618D-4F6E-A1E8-DDFF7206A51F}"/>
+                    <a16:creationId xmlns:a16="http://schemas.microsoft.com/office/drawing/2014/main" xmlns="" id="{03B8862E-618D-4F6E-A1E8-DDFF7206A51F}"/>
                   </a:ext>
                 </a:extLst>
               </p:cNvPr>
@@ -8077,7 +10279,7 @@
               <p:cNvPr id="39" name="Line 63">
                 <a:extLst>
                   <a:ext uri="{FF2B5EF4-FFF2-40B4-BE49-F238E27FC236}">
-                    <a16:creationId xmlns="" xmlns:a16="http://schemas.microsoft.com/office/drawing/2014/main" id="{C90DD8F3-866E-41B0-B107-E2AFD1763616}"/>
+                    <a16:creationId xmlns:a16="http://schemas.microsoft.com/office/drawing/2014/main" xmlns="" id="{C90DD8F3-866E-41B0-B107-E2AFD1763616}"/>
                   </a:ext>
                 </a:extLst>
               </p:cNvPr>
@@ -8123,7 +10325,7 @@
             <p:cNvPr id="36" name="Oval 65">
               <a:extLst>
                 <a:ext uri="{FF2B5EF4-FFF2-40B4-BE49-F238E27FC236}">
-                  <a16:creationId xmlns="" xmlns:a16="http://schemas.microsoft.com/office/drawing/2014/main" id="{CA7F708E-AD6B-40E4-B7EB-239CCEF3B282}"/>
+                  <a16:creationId xmlns:a16="http://schemas.microsoft.com/office/drawing/2014/main" xmlns="" id="{CA7F708E-AD6B-40E4-B7EB-239CCEF3B282}"/>
                 </a:ext>
               </a:extLst>
             </p:cNvPr>
@@ -8170,7 +10372,7 @@
             <p:cNvPr id="37" name="Rectangle à coins arrondis 43">
               <a:extLst>
                 <a:ext uri="{FF2B5EF4-FFF2-40B4-BE49-F238E27FC236}">
-                  <a16:creationId xmlns="" xmlns:a16="http://schemas.microsoft.com/office/drawing/2014/main" id="{71A5A780-8787-4D66-A432-661EE29127F6}"/>
+                  <a16:creationId xmlns:a16="http://schemas.microsoft.com/office/drawing/2014/main" xmlns="" id="{71A5A780-8787-4D66-A432-661EE29127F6}"/>
                 </a:ext>
               </a:extLst>
             </p:cNvPr>
@@ -8227,7 +10429,7 @@
           <p:cNvPr id="44" name="Flèche : bas 43">
             <a:extLst>
               <a:ext uri="{FF2B5EF4-FFF2-40B4-BE49-F238E27FC236}">
-                <a16:creationId xmlns="" xmlns:a16="http://schemas.microsoft.com/office/drawing/2014/main" id="{DE438506-59B9-40BE-B65E-3FDC7325831D}"/>
+                <a16:creationId xmlns:a16="http://schemas.microsoft.com/office/drawing/2014/main" xmlns="" id="{DE438506-59B9-40BE-B65E-3FDC7325831D}"/>
               </a:ext>
             </a:extLst>
           </p:cNvPr>
@@ -8274,7 +10476,7 @@
           <p:cNvPr id="45" name="Groupe 44">
             <a:extLst>
               <a:ext uri="{FF2B5EF4-FFF2-40B4-BE49-F238E27FC236}">
-                <a16:creationId xmlns="" xmlns:a16="http://schemas.microsoft.com/office/drawing/2014/main" id="{18324A95-0BBE-46FE-ACB5-19F911F30CEE}"/>
+                <a16:creationId xmlns:a16="http://schemas.microsoft.com/office/drawing/2014/main" xmlns="" id="{18324A95-0BBE-46FE-ACB5-19F911F30CEE}"/>
               </a:ext>
             </a:extLst>
           </p:cNvPr>
@@ -8294,7 +10496,7 @@
             <p:cNvPr id="46" name="Line 13">
               <a:extLst>
                 <a:ext uri="{FF2B5EF4-FFF2-40B4-BE49-F238E27FC236}">
-                  <a16:creationId xmlns="" xmlns:a16="http://schemas.microsoft.com/office/drawing/2014/main" id="{0BB8CE31-D058-4DE2-91B7-D2E7509B9C73}"/>
+                  <a16:creationId xmlns:a16="http://schemas.microsoft.com/office/drawing/2014/main" xmlns="" id="{0BB8CE31-D058-4DE2-91B7-D2E7509B9C73}"/>
                 </a:ext>
               </a:extLst>
             </p:cNvPr>
@@ -8339,7 +10541,7 @@
             <p:cNvPr id="47" name="Rectangle 18">
               <a:extLst>
                 <a:ext uri="{FF2B5EF4-FFF2-40B4-BE49-F238E27FC236}">
-                  <a16:creationId xmlns="" xmlns:a16="http://schemas.microsoft.com/office/drawing/2014/main" id="{60F581EA-8443-46F2-AB01-C9D6049B2DCC}"/>
+                  <a16:creationId xmlns:a16="http://schemas.microsoft.com/office/drawing/2014/main" xmlns="" id="{60F581EA-8443-46F2-AB01-C9D6049B2DCC}"/>
                 </a:ext>
               </a:extLst>
             </p:cNvPr>
@@ -8386,7 +10588,7 @@
             <p:cNvPr id="48" name="Line 19">
               <a:extLst>
                 <a:ext uri="{FF2B5EF4-FFF2-40B4-BE49-F238E27FC236}">
-                  <a16:creationId xmlns="" xmlns:a16="http://schemas.microsoft.com/office/drawing/2014/main" id="{8ED635EF-EE5E-466D-8B19-410E008DB88B}"/>
+                  <a16:creationId xmlns:a16="http://schemas.microsoft.com/office/drawing/2014/main" xmlns="" id="{8ED635EF-EE5E-466D-8B19-410E008DB88B}"/>
                 </a:ext>
               </a:extLst>
             </p:cNvPr>
@@ -8431,7 +10633,7 @@
             <p:cNvPr id="49" name="Line 20">
               <a:extLst>
                 <a:ext uri="{FF2B5EF4-FFF2-40B4-BE49-F238E27FC236}">
-                  <a16:creationId xmlns="" xmlns:a16="http://schemas.microsoft.com/office/drawing/2014/main" id="{DD87E7CC-C794-4B07-930E-35993D486F8D}"/>
+                  <a16:creationId xmlns:a16="http://schemas.microsoft.com/office/drawing/2014/main" xmlns="" id="{DD87E7CC-C794-4B07-930E-35993D486F8D}"/>
                 </a:ext>
               </a:extLst>
             </p:cNvPr>
@@ -8476,7 +10678,7 @@
             <p:cNvPr id="50" name="Rectangle 21">
               <a:extLst>
                 <a:ext uri="{FF2B5EF4-FFF2-40B4-BE49-F238E27FC236}">
-                  <a16:creationId xmlns="" xmlns:a16="http://schemas.microsoft.com/office/drawing/2014/main" id="{1FD5133C-42E6-439F-BAB7-5CCEE726E129}"/>
+                  <a16:creationId xmlns:a16="http://schemas.microsoft.com/office/drawing/2014/main" xmlns="" id="{1FD5133C-42E6-439F-BAB7-5CCEE726E129}"/>
                 </a:ext>
               </a:extLst>
             </p:cNvPr>
@@ -8559,7 +10761,7 @@
             <p:cNvPr id="51" name="Rectangle 64">
               <a:extLst>
                 <a:ext uri="{FF2B5EF4-FFF2-40B4-BE49-F238E27FC236}">
-                  <a16:creationId xmlns="" xmlns:a16="http://schemas.microsoft.com/office/drawing/2014/main" id="{8BB40608-8CC8-4C62-A4FB-1BB3ED4C2791}"/>
+                  <a16:creationId xmlns:a16="http://schemas.microsoft.com/office/drawing/2014/main" xmlns="" id="{8BB40608-8CC8-4C62-A4FB-1BB3ED4C2791}"/>
                 </a:ext>
               </a:extLst>
             </p:cNvPr>
@@ -8639,7 +10841,7 @@
             <p:cNvPr id="52" name="Line 13">
               <a:extLst>
                 <a:ext uri="{FF2B5EF4-FFF2-40B4-BE49-F238E27FC236}">
-                  <a16:creationId xmlns="" xmlns:a16="http://schemas.microsoft.com/office/drawing/2014/main" id="{ABC2447F-952A-41DC-8330-E949A2E2FC35}"/>
+                  <a16:creationId xmlns:a16="http://schemas.microsoft.com/office/drawing/2014/main" xmlns="" id="{ABC2447F-952A-41DC-8330-E949A2E2FC35}"/>
                 </a:ext>
               </a:extLst>
             </p:cNvPr>
@@ -8684,7 +10886,7 @@
             <p:cNvPr id="53" name="Groupe 52">
               <a:extLst>
                 <a:ext uri="{FF2B5EF4-FFF2-40B4-BE49-F238E27FC236}">
-                  <a16:creationId xmlns="" xmlns:a16="http://schemas.microsoft.com/office/drawing/2014/main" id="{81D05B18-5A21-4743-88AA-373EAC7BE815}"/>
+                  <a16:creationId xmlns:a16="http://schemas.microsoft.com/office/drawing/2014/main" xmlns="" id="{81D05B18-5A21-4743-88AA-373EAC7BE815}"/>
                 </a:ext>
               </a:extLst>
             </p:cNvPr>
@@ -8704,7 +10906,7 @@
               <p:cNvPr id="57" name="Freeform 62">
                 <a:extLst>
                   <a:ext uri="{FF2B5EF4-FFF2-40B4-BE49-F238E27FC236}">
-                    <a16:creationId xmlns="" xmlns:a16="http://schemas.microsoft.com/office/drawing/2014/main" id="{87B5D23B-2B66-406C-A9C5-FBFBC7A9AA4E}"/>
+                    <a16:creationId xmlns:a16="http://schemas.microsoft.com/office/drawing/2014/main" xmlns="" id="{87B5D23B-2B66-406C-A9C5-FBFBC7A9AA4E}"/>
                   </a:ext>
                 </a:extLst>
               </p:cNvPr>
@@ -8783,7 +10985,7 @@
               <p:cNvPr id="58" name="Line 63">
                 <a:extLst>
                   <a:ext uri="{FF2B5EF4-FFF2-40B4-BE49-F238E27FC236}">
-                    <a16:creationId xmlns="" xmlns:a16="http://schemas.microsoft.com/office/drawing/2014/main" id="{95115474-92F5-4694-9235-B60FDBF79C5E}"/>
+                    <a16:creationId xmlns:a16="http://schemas.microsoft.com/office/drawing/2014/main" xmlns="" id="{95115474-92F5-4694-9235-B60FDBF79C5E}"/>
                   </a:ext>
                 </a:extLst>
               </p:cNvPr>
@@ -8829,7 +11031,7 @@
             <p:cNvPr id="54" name="Oval 65">
               <a:extLst>
                 <a:ext uri="{FF2B5EF4-FFF2-40B4-BE49-F238E27FC236}">
-                  <a16:creationId xmlns="" xmlns:a16="http://schemas.microsoft.com/office/drawing/2014/main" id="{A4E3F157-3F65-4017-8C06-129726420D7B}"/>
+                  <a16:creationId xmlns:a16="http://schemas.microsoft.com/office/drawing/2014/main" xmlns="" id="{A4E3F157-3F65-4017-8C06-129726420D7B}"/>
                 </a:ext>
               </a:extLst>
             </p:cNvPr>
@@ -8876,7 +11078,7 @@
             <p:cNvPr id="55" name="Rectangle à coins arrondis 81">
               <a:extLst>
                 <a:ext uri="{FF2B5EF4-FFF2-40B4-BE49-F238E27FC236}">
-                  <a16:creationId xmlns="" xmlns:a16="http://schemas.microsoft.com/office/drawing/2014/main" id="{0C2CE06B-94ED-4019-93CD-4F547886C6F0}"/>
+                  <a16:creationId xmlns:a16="http://schemas.microsoft.com/office/drawing/2014/main" xmlns="" id="{0C2CE06B-94ED-4019-93CD-4F547886C6F0}"/>
                 </a:ext>
               </a:extLst>
             </p:cNvPr>
@@ -8932,7 +11134,7 @@
             <p:cNvPr id="56" name="Rectangle 21">
               <a:extLst>
                 <a:ext uri="{FF2B5EF4-FFF2-40B4-BE49-F238E27FC236}">
-                  <a16:creationId xmlns="" xmlns:a16="http://schemas.microsoft.com/office/drawing/2014/main" id="{B2F8E697-DC77-4EBE-B2ED-87405238AC7F}"/>
+                  <a16:creationId xmlns:a16="http://schemas.microsoft.com/office/drawing/2014/main" xmlns="" id="{B2F8E697-DC77-4EBE-B2ED-87405238AC7F}"/>
                 </a:ext>
               </a:extLst>
             </p:cNvPr>
@@ -9027,7 +11229,7 @@
           <p:cNvPr id="60" name="Rectangle 64">
             <a:extLst>
               <a:ext uri="{FF2B5EF4-FFF2-40B4-BE49-F238E27FC236}">
-                <a16:creationId xmlns="" xmlns:a16="http://schemas.microsoft.com/office/drawing/2014/main" id="{02AB47F7-5BBE-4247-A0CF-3B91C0B34E05}"/>
+                <a16:creationId xmlns:a16="http://schemas.microsoft.com/office/drawing/2014/main" xmlns="" id="{02AB47F7-5BBE-4247-A0CF-3B91C0B34E05}"/>
               </a:ext>
             </a:extLst>
           </p:cNvPr>
@@ -9110,7 +11312,7 @@
           <p:cNvPr id="62" name="Line 13">
             <a:extLst>
               <a:ext uri="{FF2B5EF4-FFF2-40B4-BE49-F238E27FC236}">
-                <a16:creationId xmlns="" xmlns:a16="http://schemas.microsoft.com/office/drawing/2014/main" id="{63C71FC3-A0E2-44C2-AAE3-AD063D7F1F4C}"/>
+                <a16:creationId xmlns:a16="http://schemas.microsoft.com/office/drawing/2014/main" xmlns="" id="{63C71FC3-A0E2-44C2-AAE3-AD063D7F1F4C}"/>
               </a:ext>
             </a:extLst>
           </p:cNvPr>
@@ -9155,7 +11357,7 @@
           <p:cNvPr id="63" name="Line 14">
             <a:extLst>
               <a:ext uri="{FF2B5EF4-FFF2-40B4-BE49-F238E27FC236}">
-                <a16:creationId xmlns="" xmlns:a16="http://schemas.microsoft.com/office/drawing/2014/main" id="{5D30F928-76BE-4911-B3F1-C7941A050E8C}"/>
+                <a16:creationId xmlns:a16="http://schemas.microsoft.com/office/drawing/2014/main" xmlns="" id="{5D30F928-76BE-4911-B3F1-C7941A050E8C}"/>
               </a:ext>
             </a:extLst>
           </p:cNvPr>
@@ -9200,7 +11402,7 @@
           <p:cNvPr id="64" name="Line 15">
             <a:extLst>
               <a:ext uri="{FF2B5EF4-FFF2-40B4-BE49-F238E27FC236}">
-                <a16:creationId xmlns="" xmlns:a16="http://schemas.microsoft.com/office/drawing/2014/main" id="{D6A1CDA2-1ED5-44E3-ADDD-8D7F9C506A05}"/>
+                <a16:creationId xmlns:a16="http://schemas.microsoft.com/office/drawing/2014/main" xmlns="" id="{D6A1CDA2-1ED5-44E3-ADDD-8D7F9C506A05}"/>
               </a:ext>
             </a:extLst>
           </p:cNvPr>
@@ -9245,7 +11447,7 @@
           <p:cNvPr id="65" name="Line 16">
             <a:extLst>
               <a:ext uri="{FF2B5EF4-FFF2-40B4-BE49-F238E27FC236}">
-                <a16:creationId xmlns="" xmlns:a16="http://schemas.microsoft.com/office/drawing/2014/main" id="{8CF85B3B-A5FC-4C92-A3D8-27444BC73E8D}"/>
+                <a16:creationId xmlns:a16="http://schemas.microsoft.com/office/drawing/2014/main" xmlns="" id="{8CF85B3B-A5FC-4C92-A3D8-27444BC73E8D}"/>
               </a:ext>
             </a:extLst>
           </p:cNvPr>
@@ -9290,7 +11492,7 @@
           <p:cNvPr id="66" name="Freeform 17">
             <a:extLst>
               <a:ext uri="{FF2B5EF4-FFF2-40B4-BE49-F238E27FC236}">
-                <a16:creationId xmlns="" xmlns:a16="http://schemas.microsoft.com/office/drawing/2014/main" id="{F6EB7282-C4E9-4323-8357-4FCDBA4D6DB7}"/>
+                <a16:creationId xmlns:a16="http://schemas.microsoft.com/office/drawing/2014/main" xmlns="" id="{F6EB7282-C4E9-4323-8357-4FCDBA4D6DB7}"/>
               </a:ext>
             </a:extLst>
           </p:cNvPr>
@@ -9362,7 +11564,7 @@
           <p:cNvPr id="67" name="Rectangle 18">
             <a:extLst>
               <a:ext uri="{FF2B5EF4-FFF2-40B4-BE49-F238E27FC236}">
-                <a16:creationId xmlns="" xmlns:a16="http://schemas.microsoft.com/office/drawing/2014/main" id="{A13CE3B1-5791-4990-B82C-0440970750D4}"/>
+                <a16:creationId xmlns:a16="http://schemas.microsoft.com/office/drawing/2014/main" xmlns="" id="{A13CE3B1-5791-4990-B82C-0440970750D4}"/>
               </a:ext>
             </a:extLst>
           </p:cNvPr>
@@ -9409,7 +11611,7 @@
           <p:cNvPr id="69" name="Line 20">
             <a:extLst>
               <a:ext uri="{FF2B5EF4-FFF2-40B4-BE49-F238E27FC236}">
-                <a16:creationId xmlns="" xmlns:a16="http://schemas.microsoft.com/office/drawing/2014/main" id="{CBA31DAC-8ED7-4E45-AACE-DE376FD91A61}"/>
+                <a16:creationId xmlns:a16="http://schemas.microsoft.com/office/drawing/2014/main" xmlns="" id="{CBA31DAC-8ED7-4E45-AACE-DE376FD91A61}"/>
               </a:ext>
             </a:extLst>
           </p:cNvPr>
@@ -9454,7 +11656,7 @@
           <p:cNvPr id="70" name="Rectangle 21">
             <a:extLst>
               <a:ext uri="{FF2B5EF4-FFF2-40B4-BE49-F238E27FC236}">
-                <a16:creationId xmlns="" xmlns:a16="http://schemas.microsoft.com/office/drawing/2014/main" id="{3D627554-8FFF-40F0-999A-EAAD9586BC0C}"/>
+                <a16:creationId xmlns:a16="http://schemas.microsoft.com/office/drawing/2014/main" xmlns="" id="{3D627554-8FFF-40F0-999A-EAAD9586BC0C}"/>
               </a:ext>
             </a:extLst>
           </p:cNvPr>
@@ -9537,7 +11739,7 @@
           <p:cNvPr id="71" name="Rectangle 22">
             <a:extLst>
               <a:ext uri="{FF2B5EF4-FFF2-40B4-BE49-F238E27FC236}">
-                <a16:creationId xmlns="" xmlns:a16="http://schemas.microsoft.com/office/drawing/2014/main" id="{5C76B6C7-5C05-4926-B482-FF80358AE29F}"/>
+                <a16:creationId xmlns:a16="http://schemas.microsoft.com/office/drawing/2014/main" xmlns="" id="{5C76B6C7-5C05-4926-B482-FF80358AE29F}"/>
               </a:ext>
             </a:extLst>
           </p:cNvPr>
@@ -9584,7 +11786,7 @@
           <p:cNvPr id="72" name="Line 23">
             <a:extLst>
               <a:ext uri="{FF2B5EF4-FFF2-40B4-BE49-F238E27FC236}">
-                <a16:creationId xmlns="" xmlns:a16="http://schemas.microsoft.com/office/drawing/2014/main" id="{E6D2FFAF-F158-4160-BF01-E57944AE8DA4}"/>
+                <a16:creationId xmlns:a16="http://schemas.microsoft.com/office/drawing/2014/main" xmlns="" id="{E6D2FFAF-F158-4160-BF01-E57944AE8DA4}"/>
               </a:ext>
             </a:extLst>
           </p:cNvPr>
@@ -9629,7 +11831,7 @@
           <p:cNvPr id="73" name="Line 24">
             <a:extLst>
               <a:ext uri="{FF2B5EF4-FFF2-40B4-BE49-F238E27FC236}">
-                <a16:creationId xmlns="" xmlns:a16="http://schemas.microsoft.com/office/drawing/2014/main" id="{70E7D3D2-1436-4EDB-A635-BF9EF68CEF3E}"/>
+                <a16:creationId xmlns:a16="http://schemas.microsoft.com/office/drawing/2014/main" xmlns="" id="{70E7D3D2-1436-4EDB-A635-BF9EF68CEF3E}"/>
               </a:ext>
             </a:extLst>
           </p:cNvPr>
@@ -9674,7 +11876,7 @@
           <p:cNvPr id="74" name="Rectangle 25">
             <a:extLst>
               <a:ext uri="{FF2B5EF4-FFF2-40B4-BE49-F238E27FC236}">
-                <a16:creationId xmlns="" xmlns:a16="http://schemas.microsoft.com/office/drawing/2014/main" id="{C4383B26-BE87-41EE-B61F-EDBDEFB34A0F}"/>
+                <a16:creationId xmlns:a16="http://schemas.microsoft.com/office/drawing/2014/main" xmlns="" id="{C4383B26-BE87-41EE-B61F-EDBDEFB34A0F}"/>
               </a:ext>
             </a:extLst>
           </p:cNvPr>
@@ -9757,7 +11959,7 @@
           <p:cNvPr id="75" name="Rectangle 26">
             <a:extLst>
               <a:ext uri="{FF2B5EF4-FFF2-40B4-BE49-F238E27FC236}">
-                <a16:creationId xmlns="" xmlns:a16="http://schemas.microsoft.com/office/drawing/2014/main" id="{41CA94AE-7DAA-49E3-BAD8-575B8CCC4803}"/>
+                <a16:creationId xmlns:a16="http://schemas.microsoft.com/office/drawing/2014/main" xmlns="" id="{41CA94AE-7DAA-49E3-BAD8-575B8CCC4803}"/>
               </a:ext>
             </a:extLst>
           </p:cNvPr>
@@ -9804,7 +12006,7 @@
           <p:cNvPr id="77" name="Line 28">
             <a:extLst>
               <a:ext uri="{FF2B5EF4-FFF2-40B4-BE49-F238E27FC236}">
-                <a16:creationId xmlns="" xmlns:a16="http://schemas.microsoft.com/office/drawing/2014/main" id="{F470F4B7-FCA8-4442-8FB8-787B8D92CD0C}"/>
+                <a16:creationId xmlns:a16="http://schemas.microsoft.com/office/drawing/2014/main" xmlns="" id="{F470F4B7-FCA8-4442-8FB8-787B8D92CD0C}"/>
               </a:ext>
             </a:extLst>
           </p:cNvPr>
@@ -9849,7 +12051,7 @@
           <p:cNvPr id="78" name="Rectangle 29">
             <a:extLst>
               <a:ext uri="{FF2B5EF4-FFF2-40B4-BE49-F238E27FC236}">
-                <a16:creationId xmlns="" xmlns:a16="http://schemas.microsoft.com/office/drawing/2014/main" id="{658BB651-F555-4805-B6D1-C43D41A47203}"/>
+                <a16:creationId xmlns:a16="http://schemas.microsoft.com/office/drawing/2014/main" xmlns="" id="{658BB651-F555-4805-B6D1-C43D41A47203}"/>
               </a:ext>
             </a:extLst>
           </p:cNvPr>
@@ -9932,7 +12134,7 @@
           <p:cNvPr id="80" name="Rectangle 64">
             <a:extLst>
               <a:ext uri="{FF2B5EF4-FFF2-40B4-BE49-F238E27FC236}">
-                <a16:creationId xmlns="" xmlns:a16="http://schemas.microsoft.com/office/drawing/2014/main" id="{CEA774CB-F41E-4694-8A1F-A57044507B00}"/>
+                <a16:creationId xmlns:a16="http://schemas.microsoft.com/office/drawing/2014/main" xmlns="" id="{CEA774CB-F41E-4694-8A1F-A57044507B00}"/>
               </a:ext>
             </a:extLst>
           </p:cNvPr>
@@ -10012,7 +12214,7 @@
           <p:cNvPr id="81" name="Oval 65">
             <a:extLst>
               <a:ext uri="{FF2B5EF4-FFF2-40B4-BE49-F238E27FC236}">
-                <a16:creationId xmlns="" xmlns:a16="http://schemas.microsoft.com/office/drawing/2014/main" id="{647DC32B-D655-434D-A45D-FD842F738D41}"/>
+                <a16:creationId xmlns:a16="http://schemas.microsoft.com/office/drawing/2014/main" xmlns="" id="{647DC32B-D655-434D-A45D-FD842F738D41}"/>
               </a:ext>
             </a:extLst>
           </p:cNvPr>
@@ -10059,7 +12261,7 @@
           <p:cNvPr id="82" name="Oval 66">
             <a:extLst>
               <a:ext uri="{FF2B5EF4-FFF2-40B4-BE49-F238E27FC236}">
-                <a16:creationId xmlns="" xmlns:a16="http://schemas.microsoft.com/office/drawing/2014/main" id="{D59097DA-1869-466B-AD56-B3D6D297F774}"/>
+                <a16:creationId xmlns:a16="http://schemas.microsoft.com/office/drawing/2014/main" xmlns="" id="{D59097DA-1869-466B-AD56-B3D6D297F774}"/>
               </a:ext>
             </a:extLst>
           </p:cNvPr>
@@ -10106,7 +12308,7 @@
           <p:cNvPr id="83" name="Line 13">
             <a:extLst>
               <a:ext uri="{FF2B5EF4-FFF2-40B4-BE49-F238E27FC236}">
-                <a16:creationId xmlns="" xmlns:a16="http://schemas.microsoft.com/office/drawing/2014/main" id="{CB8FD647-6842-40EA-A4BC-8B3F4F2B72BF}"/>
+                <a16:creationId xmlns:a16="http://schemas.microsoft.com/office/drawing/2014/main" xmlns="" id="{CB8FD647-6842-40EA-A4BC-8B3F4F2B72BF}"/>
               </a:ext>
             </a:extLst>
           </p:cNvPr>
@@ -10151,7 +12353,7 @@
           <p:cNvPr id="86" name="Line 13">
             <a:extLst>
               <a:ext uri="{FF2B5EF4-FFF2-40B4-BE49-F238E27FC236}">
-                <a16:creationId xmlns="" xmlns:a16="http://schemas.microsoft.com/office/drawing/2014/main" id="{612F001D-2FCF-4182-80C0-A21EF15FCBB8}"/>
+                <a16:creationId xmlns:a16="http://schemas.microsoft.com/office/drawing/2014/main" xmlns="" id="{612F001D-2FCF-4182-80C0-A21EF15FCBB8}"/>
               </a:ext>
             </a:extLst>
           </p:cNvPr>
@@ -10196,7 +12398,7 @@
           <p:cNvPr id="91" name="Oval 65">
             <a:extLst>
               <a:ext uri="{FF2B5EF4-FFF2-40B4-BE49-F238E27FC236}">
-                <a16:creationId xmlns="" xmlns:a16="http://schemas.microsoft.com/office/drawing/2014/main" id="{11B9C6B5-BC1A-495F-9E8D-F87257B762F4}"/>
+                <a16:creationId xmlns:a16="http://schemas.microsoft.com/office/drawing/2014/main" xmlns="" id="{11B9C6B5-BC1A-495F-9E8D-F87257B762F4}"/>
               </a:ext>
             </a:extLst>
           </p:cNvPr>
@@ -10243,7 +12445,7 @@
           <p:cNvPr id="92" name="Rectangle à coins arrondis 103">
             <a:extLst>
               <a:ext uri="{FF2B5EF4-FFF2-40B4-BE49-F238E27FC236}">
-                <a16:creationId xmlns="" xmlns:a16="http://schemas.microsoft.com/office/drawing/2014/main" id="{32DA6AAE-C1B9-4B59-B472-C0D17550A080}"/>
+                <a16:creationId xmlns:a16="http://schemas.microsoft.com/office/drawing/2014/main" xmlns="" id="{32DA6AAE-C1B9-4B59-B472-C0D17550A080}"/>
               </a:ext>
             </a:extLst>
           </p:cNvPr>
@@ -10299,7 +12501,7 @@
           <p:cNvPr id="99" name="Line 13">
             <a:extLst>
               <a:ext uri="{FF2B5EF4-FFF2-40B4-BE49-F238E27FC236}">
-                <a16:creationId xmlns="" xmlns:a16="http://schemas.microsoft.com/office/drawing/2014/main" id="{6F527DC3-475F-454F-A684-0BC497588067}"/>
+                <a16:creationId xmlns:a16="http://schemas.microsoft.com/office/drawing/2014/main" xmlns="" id="{6F527DC3-475F-454F-A684-0BC497588067}"/>
               </a:ext>
             </a:extLst>
           </p:cNvPr>
@@ -10344,7 +12546,7 @@
           <p:cNvPr id="103" name="Groupe 102">
             <a:extLst>
               <a:ext uri="{FF2B5EF4-FFF2-40B4-BE49-F238E27FC236}">
-                <a16:creationId xmlns="" xmlns:a16="http://schemas.microsoft.com/office/drawing/2014/main" id="{515DB70C-E504-4786-BEF4-CBD35C82A598}"/>
+                <a16:creationId xmlns:a16="http://schemas.microsoft.com/office/drawing/2014/main" xmlns="" id="{515DB70C-E504-4786-BEF4-CBD35C82A598}"/>
               </a:ext>
             </a:extLst>
           </p:cNvPr>
@@ -10364,7 +12566,7 @@
             <p:cNvPr id="100" name="Line 13">
               <a:extLst>
                 <a:ext uri="{FF2B5EF4-FFF2-40B4-BE49-F238E27FC236}">
-                  <a16:creationId xmlns="" xmlns:a16="http://schemas.microsoft.com/office/drawing/2014/main" id="{B09B7679-D7B8-4F8E-9852-8190BBF69A2B}"/>
+                  <a16:creationId xmlns:a16="http://schemas.microsoft.com/office/drawing/2014/main" xmlns="" id="{B09B7679-D7B8-4F8E-9852-8190BBF69A2B}"/>
                 </a:ext>
               </a:extLst>
             </p:cNvPr>
@@ -10409,7 +12611,7 @@
             <p:cNvPr id="101" name="Line 13">
               <a:extLst>
                 <a:ext uri="{FF2B5EF4-FFF2-40B4-BE49-F238E27FC236}">
-                  <a16:creationId xmlns="" xmlns:a16="http://schemas.microsoft.com/office/drawing/2014/main" id="{783BFE1C-9BFB-4823-A2F2-67E864C080D3}"/>
+                  <a16:creationId xmlns:a16="http://schemas.microsoft.com/office/drawing/2014/main" xmlns="" id="{783BFE1C-9BFB-4823-A2F2-67E864C080D3}"/>
                 </a:ext>
               </a:extLst>
             </p:cNvPr>
@@ -10454,7 +12656,7 @@
             <p:cNvPr id="102" name="Line 13">
               <a:extLst>
                 <a:ext uri="{FF2B5EF4-FFF2-40B4-BE49-F238E27FC236}">
-                  <a16:creationId xmlns="" xmlns:a16="http://schemas.microsoft.com/office/drawing/2014/main" id="{FF297A89-2496-49F8-B91F-430181FBB8CF}"/>
+                  <a16:creationId xmlns:a16="http://schemas.microsoft.com/office/drawing/2014/main" xmlns="" id="{FF297A89-2496-49F8-B91F-430181FBB8CF}"/>
                 </a:ext>
               </a:extLst>
             </p:cNvPr>
@@ -10500,7 +12702,7 @@
           <p:cNvPr id="104" name="Line 13">
             <a:extLst>
               <a:ext uri="{FF2B5EF4-FFF2-40B4-BE49-F238E27FC236}">
-                <a16:creationId xmlns="" xmlns:a16="http://schemas.microsoft.com/office/drawing/2014/main" id="{BD22AB5A-DC8D-41A5-92ED-6F4A2DDA074A}"/>
+                <a16:creationId xmlns:a16="http://schemas.microsoft.com/office/drawing/2014/main" xmlns="" id="{BD22AB5A-DC8D-41A5-92ED-6F4A2DDA074A}"/>
               </a:ext>
             </a:extLst>
           </p:cNvPr>
@@ -10543,7 +12745,7 @@
     </p:spTree>
     <p:extLst>
       <p:ext uri="{BB962C8B-B14F-4D97-AF65-F5344CB8AC3E}">
-        <p14:creationId xmlns="" xmlns:p14="http://schemas.microsoft.com/office/powerpoint/2010/main" val="2270118311"/>
+        <p14:creationId xmlns:p14="http://schemas.microsoft.com/office/powerpoint/2010/main" xmlns="" val="2270118311"/>
       </p:ext>
     </p:extLst>
   </p:cSld>
@@ -10575,7 +12777,7 @@
           <p:cNvPr id="3" name="Espace réservé de la date 2">
             <a:extLst>
               <a:ext uri="{FF2B5EF4-FFF2-40B4-BE49-F238E27FC236}">
-                <a16:creationId xmlns="" xmlns:a16="http://schemas.microsoft.com/office/drawing/2014/main" id="{2C19661C-E370-4BA2-9074-7F4657B99FBA}"/>
+                <a16:creationId xmlns:a16="http://schemas.microsoft.com/office/drawing/2014/main" xmlns="" id="{2C19661C-E370-4BA2-9074-7F4657B99FBA}"/>
               </a:ext>
             </a:extLst>
           </p:cNvPr>
@@ -10594,7 +12796,7 @@
             <a:fld id="{80ADAFC8-E58E-40F9-B663-9F56451821D1}" type="datetime8">
               <a:rPr lang="fr-FR" smtClean="0"/>
               <a:pPr/>
-              <a:t>10/12/2024 17:51</a:t>
+              <a:t>15/12/2024 08:19</a:t>
             </a:fld>
             <a:endParaRPr lang="fr-FR"/>
           </a:p>
@@ -10605,7 +12807,7 @@
           <p:cNvPr id="4" name="Espace réservé du pied de page 3">
             <a:extLst>
               <a:ext uri="{FF2B5EF4-FFF2-40B4-BE49-F238E27FC236}">
-                <a16:creationId xmlns="" xmlns:a16="http://schemas.microsoft.com/office/drawing/2014/main" id="{E37A5394-8D47-4187-BC63-B66E8FE9C0CE}"/>
+                <a16:creationId xmlns:a16="http://schemas.microsoft.com/office/drawing/2014/main" xmlns="" id="{E37A5394-8D47-4187-BC63-B66E8FE9C0CE}"/>
               </a:ext>
             </a:extLst>
           </p:cNvPr>
@@ -10634,7 +12836,7 @@
           <p:cNvPr id="5" name="Espace réservé du numéro de diapositive 4">
             <a:extLst>
               <a:ext uri="{FF2B5EF4-FFF2-40B4-BE49-F238E27FC236}">
-                <a16:creationId xmlns="" xmlns:a16="http://schemas.microsoft.com/office/drawing/2014/main" id="{A227A4BB-E398-4D29-BF7A-DF938798CB79}"/>
+                <a16:creationId xmlns:a16="http://schemas.microsoft.com/office/drawing/2014/main" xmlns="" id="{A227A4BB-E398-4D29-BF7A-DF938798CB79}"/>
               </a:ext>
             </a:extLst>
           </p:cNvPr>
@@ -10664,7 +12866,7 @@
           <p:cNvPr id="6" name="Group 18">
             <a:extLst>
               <a:ext uri="{FF2B5EF4-FFF2-40B4-BE49-F238E27FC236}">
-                <a16:creationId xmlns="" xmlns:a16="http://schemas.microsoft.com/office/drawing/2014/main" id="{AADD6174-C550-4B59-BC10-9800610AED39}"/>
+                <a16:creationId xmlns:a16="http://schemas.microsoft.com/office/drawing/2014/main" xmlns="" id="{AADD6174-C550-4B59-BC10-9800610AED39}"/>
               </a:ext>
             </a:extLst>
           </p:cNvPr>
@@ -10686,7 +12888,7 @@
             <p:cNvPr id="7" name="Line 14">
               <a:extLst>
                 <a:ext uri="{FF2B5EF4-FFF2-40B4-BE49-F238E27FC236}">
-                  <a16:creationId xmlns="" xmlns:a16="http://schemas.microsoft.com/office/drawing/2014/main" id="{514F93B6-9448-4928-BD40-C618AFF8929D}"/>
+                  <a16:creationId xmlns:a16="http://schemas.microsoft.com/office/drawing/2014/main" xmlns="" id="{514F93B6-9448-4928-BD40-C618AFF8929D}"/>
                 </a:ext>
               </a:extLst>
             </p:cNvPr>
@@ -10729,7 +12931,7 @@
             <p:cNvPr id="8" name="Freeform 15">
               <a:extLst>
                 <a:ext uri="{FF2B5EF4-FFF2-40B4-BE49-F238E27FC236}">
-                  <a16:creationId xmlns="" xmlns:a16="http://schemas.microsoft.com/office/drawing/2014/main" id="{1A329421-F354-4FB6-9B52-B4C886F0B48E}"/>
+                  <a16:creationId xmlns:a16="http://schemas.microsoft.com/office/drawing/2014/main" xmlns="" id="{1A329421-F354-4FB6-9B52-B4C886F0B48E}"/>
                 </a:ext>
               </a:extLst>
             </p:cNvPr>
@@ -10818,7 +13020,7 @@
             <p:cNvPr id="9" name="Line 16">
               <a:extLst>
                 <a:ext uri="{FF2B5EF4-FFF2-40B4-BE49-F238E27FC236}">
-                  <a16:creationId xmlns="" xmlns:a16="http://schemas.microsoft.com/office/drawing/2014/main" id="{984C8F04-19F3-48D6-836A-FB8980B428B4}"/>
+                  <a16:creationId xmlns:a16="http://schemas.microsoft.com/office/drawing/2014/main" xmlns="" id="{984C8F04-19F3-48D6-836A-FB8980B428B4}"/>
                 </a:ext>
               </a:extLst>
             </p:cNvPr>
@@ -10861,7 +13063,7 @@
             <p:cNvPr id="10" name="Freeform 17">
               <a:extLst>
                 <a:ext uri="{FF2B5EF4-FFF2-40B4-BE49-F238E27FC236}">
-                  <a16:creationId xmlns="" xmlns:a16="http://schemas.microsoft.com/office/drawing/2014/main" id="{49B3B906-F49D-45E2-B2D2-893D24606E4F}"/>
+                  <a16:creationId xmlns:a16="http://schemas.microsoft.com/office/drawing/2014/main" xmlns="" id="{49B3B906-F49D-45E2-B2D2-893D24606E4F}"/>
                 </a:ext>
               </a:extLst>
             </p:cNvPr>
@@ -10942,7 +13144,7 @@
           <p:cNvPr id="11" name="Freeform 19">
             <a:extLst>
               <a:ext uri="{FF2B5EF4-FFF2-40B4-BE49-F238E27FC236}">
-                <a16:creationId xmlns="" xmlns:a16="http://schemas.microsoft.com/office/drawing/2014/main" id="{066803B4-D355-4893-A363-7B7E5D829B0A}"/>
+                <a16:creationId xmlns:a16="http://schemas.microsoft.com/office/drawing/2014/main" xmlns="" id="{066803B4-D355-4893-A363-7B7E5D829B0A}"/>
               </a:ext>
             </a:extLst>
           </p:cNvPr>
@@ -11019,7 +13221,7 @@
           <p:cNvPr id="12" name="Group 22">
             <a:extLst>
               <a:ext uri="{FF2B5EF4-FFF2-40B4-BE49-F238E27FC236}">
-                <a16:creationId xmlns="" xmlns:a16="http://schemas.microsoft.com/office/drawing/2014/main" id="{7D82332C-D12D-4AA1-9EA5-3906CF3D3D76}"/>
+                <a16:creationId xmlns:a16="http://schemas.microsoft.com/office/drawing/2014/main" xmlns="" id="{7D82332C-D12D-4AA1-9EA5-3906CF3D3D76}"/>
               </a:ext>
             </a:extLst>
           </p:cNvPr>
@@ -11041,7 +13243,7 @@
             <p:cNvPr id="13" name="Line 20">
               <a:extLst>
                 <a:ext uri="{FF2B5EF4-FFF2-40B4-BE49-F238E27FC236}">
-                  <a16:creationId xmlns="" xmlns:a16="http://schemas.microsoft.com/office/drawing/2014/main" id="{0C8702E7-F985-4066-9F73-9124D1027182}"/>
+                  <a16:creationId xmlns:a16="http://schemas.microsoft.com/office/drawing/2014/main" xmlns="" id="{0C8702E7-F985-4066-9F73-9124D1027182}"/>
                 </a:ext>
               </a:extLst>
             </p:cNvPr>
@@ -11084,7 +13286,7 @@
             <p:cNvPr id="14" name="Line 21">
               <a:extLst>
                 <a:ext uri="{FF2B5EF4-FFF2-40B4-BE49-F238E27FC236}">
-                  <a16:creationId xmlns="" xmlns:a16="http://schemas.microsoft.com/office/drawing/2014/main" id="{28955AC2-9C40-40F9-934B-E75130F41090}"/>
+                  <a16:creationId xmlns:a16="http://schemas.microsoft.com/office/drawing/2014/main" xmlns="" id="{28955AC2-9C40-40F9-934B-E75130F41090}"/>
                 </a:ext>
               </a:extLst>
             </p:cNvPr>
@@ -11128,7 +13330,7 @@
           <p:cNvPr id="15" name="Rectangle 23">
             <a:extLst>
               <a:ext uri="{FF2B5EF4-FFF2-40B4-BE49-F238E27FC236}">
-                <a16:creationId xmlns="" xmlns:a16="http://schemas.microsoft.com/office/drawing/2014/main" id="{ADD7FFED-1AEC-4A65-BA91-3D3CFCB4AB1B}"/>
+                <a16:creationId xmlns:a16="http://schemas.microsoft.com/office/drawing/2014/main" xmlns="" id="{ADD7FFED-1AEC-4A65-BA91-3D3CFCB4AB1B}"/>
               </a:ext>
             </a:extLst>
           </p:cNvPr>
@@ -11187,7 +13389,7 @@
           <p:cNvPr id="16" name="Rectangle 24">
             <a:extLst>
               <a:ext uri="{FF2B5EF4-FFF2-40B4-BE49-F238E27FC236}">
-                <a16:creationId xmlns="" xmlns:a16="http://schemas.microsoft.com/office/drawing/2014/main" id="{B373D56E-37BF-4A78-82C8-EF3D70A31D0B}"/>
+                <a16:creationId xmlns:a16="http://schemas.microsoft.com/office/drawing/2014/main" xmlns="" id="{B373D56E-37BF-4A78-82C8-EF3D70A31D0B}"/>
               </a:ext>
             </a:extLst>
           </p:cNvPr>
@@ -11246,7 +13448,7 @@
           <p:cNvPr id="17" name="Rectangle 25">
             <a:extLst>
               <a:ext uri="{FF2B5EF4-FFF2-40B4-BE49-F238E27FC236}">
-                <a16:creationId xmlns="" xmlns:a16="http://schemas.microsoft.com/office/drawing/2014/main" id="{9505B10C-FBE4-40AD-BFF5-DD54BCAFAB4A}"/>
+                <a16:creationId xmlns:a16="http://schemas.microsoft.com/office/drawing/2014/main" xmlns="" id="{9505B10C-FBE4-40AD-BFF5-DD54BCAFAB4A}"/>
               </a:ext>
             </a:extLst>
           </p:cNvPr>
@@ -11315,7 +13517,7 @@
           <p:cNvPr id="18" name="Line 26">
             <a:extLst>
               <a:ext uri="{FF2B5EF4-FFF2-40B4-BE49-F238E27FC236}">
-                <a16:creationId xmlns="" xmlns:a16="http://schemas.microsoft.com/office/drawing/2014/main" id="{C0EA198E-FCE8-42F6-A6CE-A7201082FF23}"/>
+                <a16:creationId xmlns:a16="http://schemas.microsoft.com/office/drawing/2014/main" xmlns="" id="{C0EA198E-FCE8-42F6-A6CE-A7201082FF23}"/>
               </a:ext>
             </a:extLst>
           </p:cNvPr>
@@ -11358,7 +13560,7 @@
           <p:cNvPr id="19" name="Line 27">
             <a:extLst>
               <a:ext uri="{FF2B5EF4-FFF2-40B4-BE49-F238E27FC236}">
-                <a16:creationId xmlns="" xmlns:a16="http://schemas.microsoft.com/office/drawing/2014/main" id="{9DFC6206-9823-458E-9050-60F9A47AB4A4}"/>
+                <a16:creationId xmlns:a16="http://schemas.microsoft.com/office/drawing/2014/main" xmlns="" id="{9DFC6206-9823-458E-9050-60F9A47AB4A4}"/>
               </a:ext>
             </a:extLst>
           </p:cNvPr>
@@ -11401,7 +13603,7 @@
           <p:cNvPr id="20" name="Rectangle 28">
             <a:extLst>
               <a:ext uri="{FF2B5EF4-FFF2-40B4-BE49-F238E27FC236}">
-                <a16:creationId xmlns="" xmlns:a16="http://schemas.microsoft.com/office/drawing/2014/main" id="{A900B799-F762-4077-B331-D74729192C68}"/>
+                <a16:creationId xmlns:a16="http://schemas.microsoft.com/office/drawing/2014/main" xmlns="" id="{A900B799-F762-4077-B331-D74729192C68}"/>
               </a:ext>
             </a:extLst>
           </p:cNvPr>
@@ -11446,7 +13648,7 @@
           <p:cNvPr id="21" name="Freeform 29">
             <a:extLst>
               <a:ext uri="{FF2B5EF4-FFF2-40B4-BE49-F238E27FC236}">
-                <a16:creationId xmlns="" xmlns:a16="http://schemas.microsoft.com/office/drawing/2014/main" id="{BAFD8361-2234-4CCF-AF2D-5FE870BC33EE}"/>
+                <a16:creationId xmlns:a16="http://schemas.microsoft.com/office/drawing/2014/main" xmlns="" id="{BAFD8361-2234-4CCF-AF2D-5FE870BC33EE}"/>
               </a:ext>
             </a:extLst>
           </p:cNvPr>
@@ -11526,7 +13728,7 @@
           <p:cNvPr id="22" name="Rectangle 30">
             <a:extLst>
               <a:ext uri="{FF2B5EF4-FFF2-40B4-BE49-F238E27FC236}">
-                <a16:creationId xmlns="" xmlns:a16="http://schemas.microsoft.com/office/drawing/2014/main" id="{A70F081A-1C99-4D65-BF4E-A109E06DCED5}"/>
+                <a16:creationId xmlns:a16="http://schemas.microsoft.com/office/drawing/2014/main" xmlns="" id="{A70F081A-1C99-4D65-BF4E-A109E06DCED5}"/>
               </a:ext>
             </a:extLst>
           </p:cNvPr>
@@ -11585,7 +13787,7 @@
           <p:cNvPr id="23" name="Freeform 31">
             <a:extLst>
               <a:ext uri="{FF2B5EF4-FFF2-40B4-BE49-F238E27FC236}">
-                <a16:creationId xmlns="" xmlns:a16="http://schemas.microsoft.com/office/drawing/2014/main" id="{B5E5439E-A60E-4C11-ABD8-2531ED159933}"/>
+                <a16:creationId xmlns:a16="http://schemas.microsoft.com/office/drawing/2014/main" xmlns="" id="{B5E5439E-A60E-4C11-ABD8-2531ED159933}"/>
               </a:ext>
             </a:extLst>
           </p:cNvPr>
@@ -11665,7 +13867,7 @@
           <p:cNvPr id="24" name="Rectangle 32">
             <a:extLst>
               <a:ext uri="{FF2B5EF4-FFF2-40B4-BE49-F238E27FC236}">
-                <a16:creationId xmlns="" xmlns:a16="http://schemas.microsoft.com/office/drawing/2014/main" id="{5AACEFBC-AE4C-4011-9AB7-DC64BA688284}"/>
+                <a16:creationId xmlns:a16="http://schemas.microsoft.com/office/drawing/2014/main" xmlns="" id="{5AACEFBC-AE4C-4011-9AB7-DC64BA688284}"/>
               </a:ext>
             </a:extLst>
           </p:cNvPr>
@@ -11734,7 +13936,7 @@
           <p:cNvPr id="25" name="Oval 33">
             <a:extLst>
               <a:ext uri="{FF2B5EF4-FFF2-40B4-BE49-F238E27FC236}">
-                <a16:creationId xmlns="" xmlns:a16="http://schemas.microsoft.com/office/drawing/2014/main" id="{E05BABC3-FF0B-488B-A661-846B14D8CB5D}"/>
+                <a16:creationId xmlns:a16="http://schemas.microsoft.com/office/drawing/2014/main" xmlns="" id="{E05BABC3-FF0B-488B-A661-846B14D8CB5D}"/>
               </a:ext>
             </a:extLst>
           </p:cNvPr>
@@ -11779,7 +13981,7 @@
           <p:cNvPr id="26" name="Oval 34">
             <a:extLst>
               <a:ext uri="{FF2B5EF4-FFF2-40B4-BE49-F238E27FC236}">
-                <a16:creationId xmlns="" xmlns:a16="http://schemas.microsoft.com/office/drawing/2014/main" id="{23C308AE-DB6B-422B-8752-2B00A967F801}"/>
+                <a16:creationId xmlns:a16="http://schemas.microsoft.com/office/drawing/2014/main" xmlns="" id="{23C308AE-DB6B-422B-8752-2B00A967F801}"/>
               </a:ext>
             </a:extLst>
           </p:cNvPr>
@@ -11824,7 +14026,7 @@
           <p:cNvPr id="27" name="Oval 35">
             <a:extLst>
               <a:ext uri="{FF2B5EF4-FFF2-40B4-BE49-F238E27FC236}">
-                <a16:creationId xmlns="" xmlns:a16="http://schemas.microsoft.com/office/drawing/2014/main" id="{544E18C8-EF62-4891-8A50-830A36A3C1A8}"/>
+                <a16:creationId xmlns:a16="http://schemas.microsoft.com/office/drawing/2014/main" xmlns="" id="{544E18C8-EF62-4891-8A50-830A36A3C1A8}"/>
               </a:ext>
             </a:extLst>
           </p:cNvPr>
@@ -11869,7 +14071,7 @@
           <p:cNvPr id="31" name="Group 42">
             <a:extLst>
               <a:ext uri="{FF2B5EF4-FFF2-40B4-BE49-F238E27FC236}">
-                <a16:creationId xmlns="" xmlns:a16="http://schemas.microsoft.com/office/drawing/2014/main" id="{77DF949E-DBCA-4A07-A0E9-9C9DFD65690D}"/>
+                <a16:creationId xmlns:a16="http://schemas.microsoft.com/office/drawing/2014/main" xmlns="" id="{77DF949E-DBCA-4A07-A0E9-9C9DFD65690D}"/>
               </a:ext>
             </a:extLst>
           </p:cNvPr>
@@ -11891,7 +14093,7 @@
             <p:cNvPr id="32" name="Line 39">
               <a:extLst>
                 <a:ext uri="{FF2B5EF4-FFF2-40B4-BE49-F238E27FC236}">
-                  <a16:creationId xmlns="" xmlns:a16="http://schemas.microsoft.com/office/drawing/2014/main" id="{82653F81-B3DF-44BB-B98C-26797BCBD132}"/>
+                  <a16:creationId xmlns:a16="http://schemas.microsoft.com/office/drawing/2014/main" xmlns="" id="{82653F81-B3DF-44BB-B98C-26797BCBD132}"/>
                 </a:ext>
               </a:extLst>
             </p:cNvPr>
@@ -11934,7 +14136,7 @@
             <p:cNvPr id="33" name="Line 40">
               <a:extLst>
                 <a:ext uri="{FF2B5EF4-FFF2-40B4-BE49-F238E27FC236}">
-                  <a16:creationId xmlns="" xmlns:a16="http://schemas.microsoft.com/office/drawing/2014/main" id="{4329BD57-B95C-4C78-BE49-00ECF4572229}"/>
+                  <a16:creationId xmlns:a16="http://schemas.microsoft.com/office/drawing/2014/main" xmlns="" id="{4329BD57-B95C-4C78-BE49-00ECF4572229}"/>
                 </a:ext>
               </a:extLst>
             </p:cNvPr>
@@ -11977,7 +14179,7 @@
             <p:cNvPr id="34" name="Line 41">
               <a:extLst>
                 <a:ext uri="{FF2B5EF4-FFF2-40B4-BE49-F238E27FC236}">
-                  <a16:creationId xmlns="" xmlns:a16="http://schemas.microsoft.com/office/drawing/2014/main" id="{A5D96D6D-913C-44BF-A6F1-80B0F7F4B53F}"/>
+                  <a16:creationId xmlns:a16="http://schemas.microsoft.com/office/drawing/2014/main" xmlns="" id="{A5D96D6D-913C-44BF-A6F1-80B0F7F4B53F}"/>
                 </a:ext>
               </a:extLst>
             </p:cNvPr>
@@ -12021,7 +14223,7 @@
           <p:cNvPr id="35" name="Line 43">
             <a:extLst>
               <a:ext uri="{FF2B5EF4-FFF2-40B4-BE49-F238E27FC236}">
-                <a16:creationId xmlns="" xmlns:a16="http://schemas.microsoft.com/office/drawing/2014/main" id="{C0B36644-8DC6-4168-9E91-7150A3E8D0C9}"/>
+                <a16:creationId xmlns:a16="http://schemas.microsoft.com/office/drawing/2014/main" xmlns="" id="{C0B36644-8DC6-4168-9E91-7150A3E8D0C9}"/>
               </a:ext>
             </a:extLst>
           </p:cNvPr>
@@ -12064,7 +14266,7 @@
           <p:cNvPr id="36" name="Oval 44">
             <a:extLst>
               <a:ext uri="{FF2B5EF4-FFF2-40B4-BE49-F238E27FC236}">
-                <a16:creationId xmlns="" xmlns:a16="http://schemas.microsoft.com/office/drawing/2014/main" id="{4A233CBB-E97A-4887-B98C-498434263871}"/>
+                <a16:creationId xmlns:a16="http://schemas.microsoft.com/office/drawing/2014/main" xmlns="" id="{4A233CBB-E97A-4887-B98C-498434263871}"/>
               </a:ext>
             </a:extLst>
           </p:cNvPr>
@@ -12109,7 +14311,7 @@
           <p:cNvPr id="37" name="Rectangle 45">
             <a:extLst>
               <a:ext uri="{FF2B5EF4-FFF2-40B4-BE49-F238E27FC236}">
-                <a16:creationId xmlns="" xmlns:a16="http://schemas.microsoft.com/office/drawing/2014/main" id="{306F57C3-5C76-481F-9095-EF5BA0915A57}"/>
+                <a16:creationId xmlns:a16="http://schemas.microsoft.com/office/drawing/2014/main" xmlns="" id="{306F57C3-5C76-481F-9095-EF5BA0915A57}"/>
               </a:ext>
             </a:extLst>
           </p:cNvPr>
@@ -12154,7 +14356,7 @@
           <p:cNvPr id="38" name="Line 46">
             <a:extLst>
               <a:ext uri="{FF2B5EF4-FFF2-40B4-BE49-F238E27FC236}">
-                <a16:creationId xmlns="" xmlns:a16="http://schemas.microsoft.com/office/drawing/2014/main" id="{2822DB52-3C60-4B65-B4C1-54E04695400D}"/>
+                <a16:creationId xmlns:a16="http://schemas.microsoft.com/office/drawing/2014/main" xmlns="" id="{2822DB52-3C60-4B65-B4C1-54E04695400D}"/>
               </a:ext>
             </a:extLst>
           </p:cNvPr>
@@ -12197,7 +14399,7 @@
           <p:cNvPr id="39" name="Freeform 47">
             <a:extLst>
               <a:ext uri="{FF2B5EF4-FFF2-40B4-BE49-F238E27FC236}">
-                <a16:creationId xmlns="" xmlns:a16="http://schemas.microsoft.com/office/drawing/2014/main" id="{744515C5-D7BA-4960-89C9-A3AEA5AD1FB5}"/>
+                <a16:creationId xmlns:a16="http://schemas.microsoft.com/office/drawing/2014/main" xmlns="" id="{744515C5-D7BA-4960-89C9-A3AEA5AD1FB5}"/>
               </a:ext>
             </a:extLst>
           </p:cNvPr>
@@ -12268,7 +14470,7 @@
           <p:cNvPr id="40" name="Freeform 48">
             <a:extLst>
               <a:ext uri="{FF2B5EF4-FFF2-40B4-BE49-F238E27FC236}">
-                <a16:creationId xmlns="" xmlns:a16="http://schemas.microsoft.com/office/drawing/2014/main" id="{917EE97A-3D99-4B82-8923-F8A38D2858E3}"/>
+                <a16:creationId xmlns:a16="http://schemas.microsoft.com/office/drawing/2014/main" xmlns="" id="{917EE97A-3D99-4B82-8923-F8A38D2858E3}"/>
               </a:ext>
             </a:extLst>
           </p:cNvPr>
@@ -12339,7 +14541,7 @@
           <p:cNvPr id="41" name="Rectangle 49">
             <a:extLst>
               <a:ext uri="{FF2B5EF4-FFF2-40B4-BE49-F238E27FC236}">
-                <a16:creationId xmlns="" xmlns:a16="http://schemas.microsoft.com/office/drawing/2014/main" id="{475FF672-07E2-4AD7-BC51-4A95A6BEF71D}"/>
+                <a16:creationId xmlns:a16="http://schemas.microsoft.com/office/drawing/2014/main" xmlns="" id="{475FF672-07E2-4AD7-BC51-4A95A6BEF71D}"/>
               </a:ext>
             </a:extLst>
           </p:cNvPr>
@@ -12384,7 +14586,7 @@
           <p:cNvPr id="42" name="Line 50">
             <a:extLst>
               <a:ext uri="{FF2B5EF4-FFF2-40B4-BE49-F238E27FC236}">
-                <a16:creationId xmlns="" xmlns:a16="http://schemas.microsoft.com/office/drawing/2014/main" id="{546C23C8-6434-441C-BEEC-DC13BE425261}"/>
+                <a16:creationId xmlns:a16="http://schemas.microsoft.com/office/drawing/2014/main" xmlns="" id="{546C23C8-6434-441C-BEEC-DC13BE425261}"/>
               </a:ext>
             </a:extLst>
           </p:cNvPr>
@@ -12427,7 +14629,7 @@
           <p:cNvPr id="43" name="Rectangle 51">
             <a:extLst>
               <a:ext uri="{FF2B5EF4-FFF2-40B4-BE49-F238E27FC236}">
-                <a16:creationId xmlns="" xmlns:a16="http://schemas.microsoft.com/office/drawing/2014/main" id="{71154796-4628-4A33-8543-D1D738E8F043}"/>
+                <a16:creationId xmlns:a16="http://schemas.microsoft.com/office/drawing/2014/main" xmlns="" id="{71154796-4628-4A33-8543-D1D738E8F043}"/>
               </a:ext>
             </a:extLst>
           </p:cNvPr>
@@ -12496,7 +14698,7 @@
           <p:cNvPr id="44" name="Rectangle 45">
             <a:extLst>
               <a:ext uri="{FF2B5EF4-FFF2-40B4-BE49-F238E27FC236}">
-                <a16:creationId xmlns="" xmlns:a16="http://schemas.microsoft.com/office/drawing/2014/main" id="{B36717D3-E76B-477A-A147-652F190466ED}"/>
+                <a16:creationId xmlns:a16="http://schemas.microsoft.com/office/drawing/2014/main" xmlns="" id="{B36717D3-E76B-477A-A147-652F190466ED}"/>
               </a:ext>
             </a:extLst>
           </p:cNvPr>
@@ -12541,7 +14743,7 @@
           <p:cNvPr id="45" name="Freeform 47">
             <a:extLst>
               <a:ext uri="{FF2B5EF4-FFF2-40B4-BE49-F238E27FC236}">
-                <a16:creationId xmlns="" xmlns:a16="http://schemas.microsoft.com/office/drawing/2014/main" id="{D5C8333C-25FE-4CC3-BCBB-D6FF70DB4CF8}"/>
+                <a16:creationId xmlns:a16="http://schemas.microsoft.com/office/drawing/2014/main" xmlns="" id="{D5C8333C-25FE-4CC3-BCBB-D6FF70DB4CF8}"/>
               </a:ext>
             </a:extLst>
           </p:cNvPr>
@@ -12612,7 +14814,7 @@
           <p:cNvPr id="46" name="Rectangle 25">
             <a:extLst>
               <a:ext uri="{FF2B5EF4-FFF2-40B4-BE49-F238E27FC236}">
-                <a16:creationId xmlns="" xmlns:a16="http://schemas.microsoft.com/office/drawing/2014/main" id="{CBB70B37-BF94-41C2-8498-0BB4F6CCD634}"/>
+                <a16:creationId xmlns:a16="http://schemas.microsoft.com/office/drawing/2014/main" xmlns="" id="{CBB70B37-BF94-41C2-8498-0BB4F6CCD634}"/>
               </a:ext>
             </a:extLst>
           </p:cNvPr>
@@ -12690,7 +14892,7 @@
           <p:cNvPr id="47" name="Groupe 46">
             <a:extLst>
               <a:ext uri="{FF2B5EF4-FFF2-40B4-BE49-F238E27FC236}">
-                <a16:creationId xmlns="" xmlns:a16="http://schemas.microsoft.com/office/drawing/2014/main" id="{E14DA9C7-47CF-4384-B58D-1C3CCDAD6167}"/>
+                <a16:creationId xmlns:a16="http://schemas.microsoft.com/office/drawing/2014/main" xmlns="" id="{E14DA9C7-47CF-4384-B58D-1C3CCDAD6167}"/>
               </a:ext>
             </a:extLst>
           </p:cNvPr>
@@ -12710,7 +14912,7 @@
             <p:cNvPr id="48" name="Group 4">
               <a:extLst>
                 <a:ext uri="{FF2B5EF4-FFF2-40B4-BE49-F238E27FC236}">
-                  <a16:creationId xmlns="" xmlns:a16="http://schemas.microsoft.com/office/drawing/2014/main" id="{023A6122-DD8E-42F2-B014-BA3FA310895E}"/>
+                  <a16:creationId xmlns:a16="http://schemas.microsoft.com/office/drawing/2014/main" xmlns="" id="{023A6122-DD8E-42F2-B014-BA3FA310895E}"/>
                 </a:ext>
               </a:extLst>
             </p:cNvPr>
@@ -12732,7 +14934,7 @@
               <p:cNvPr id="88" name="Line 5">
                 <a:extLst>
                   <a:ext uri="{FF2B5EF4-FFF2-40B4-BE49-F238E27FC236}">
-                    <a16:creationId xmlns="" xmlns:a16="http://schemas.microsoft.com/office/drawing/2014/main" id="{249E3599-9316-49F2-8E1A-9E48649611AD}"/>
+                    <a16:creationId xmlns:a16="http://schemas.microsoft.com/office/drawing/2014/main" xmlns="" id="{249E3599-9316-49F2-8E1A-9E48649611AD}"/>
                   </a:ext>
                 </a:extLst>
               </p:cNvPr>
@@ -12775,7 +14977,7 @@
               <p:cNvPr id="89" name="Freeform 6">
                 <a:extLst>
                   <a:ext uri="{FF2B5EF4-FFF2-40B4-BE49-F238E27FC236}">
-                    <a16:creationId xmlns="" xmlns:a16="http://schemas.microsoft.com/office/drawing/2014/main" id="{C44D61E2-23DC-4F3E-AEA4-ADE016321E91}"/>
+                    <a16:creationId xmlns:a16="http://schemas.microsoft.com/office/drawing/2014/main" xmlns="" id="{C44D61E2-23DC-4F3E-AEA4-ADE016321E91}"/>
                   </a:ext>
                 </a:extLst>
               </p:cNvPr>
@@ -12864,7 +15066,7 @@
               <p:cNvPr id="90" name="Line 7">
                 <a:extLst>
                   <a:ext uri="{FF2B5EF4-FFF2-40B4-BE49-F238E27FC236}">
-                    <a16:creationId xmlns="" xmlns:a16="http://schemas.microsoft.com/office/drawing/2014/main" id="{3BC24801-EB72-41F4-AC12-D36DCB6A8DB5}"/>
+                    <a16:creationId xmlns:a16="http://schemas.microsoft.com/office/drawing/2014/main" xmlns="" id="{3BC24801-EB72-41F4-AC12-D36DCB6A8DB5}"/>
                   </a:ext>
                 </a:extLst>
               </p:cNvPr>
@@ -12907,7 +15109,7 @@
               <p:cNvPr id="91" name="Freeform 8">
                 <a:extLst>
                   <a:ext uri="{FF2B5EF4-FFF2-40B4-BE49-F238E27FC236}">
-                    <a16:creationId xmlns="" xmlns:a16="http://schemas.microsoft.com/office/drawing/2014/main" id="{9043ED71-46F1-4402-8BC5-C28BCCF617EA}"/>
+                    <a16:creationId xmlns:a16="http://schemas.microsoft.com/office/drawing/2014/main" xmlns="" id="{9043ED71-46F1-4402-8BC5-C28BCCF617EA}"/>
                   </a:ext>
                 </a:extLst>
               </p:cNvPr>
@@ -12988,7 +15190,7 @@
             <p:cNvPr id="49" name="Freeform 9">
               <a:extLst>
                 <a:ext uri="{FF2B5EF4-FFF2-40B4-BE49-F238E27FC236}">
-                  <a16:creationId xmlns="" xmlns:a16="http://schemas.microsoft.com/office/drawing/2014/main" id="{A794FD91-6CBC-45BB-8A64-D832F7E05777}"/>
+                  <a16:creationId xmlns:a16="http://schemas.microsoft.com/office/drawing/2014/main" xmlns="" id="{A794FD91-6CBC-45BB-8A64-D832F7E05777}"/>
                 </a:ext>
               </a:extLst>
             </p:cNvPr>
@@ -13065,7 +15267,7 @@
             <p:cNvPr id="50" name="Group 10">
               <a:extLst>
                 <a:ext uri="{FF2B5EF4-FFF2-40B4-BE49-F238E27FC236}">
-                  <a16:creationId xmlns="" xmlns:a16="http://schemas.microsoft.com/office/drawing/2014/main" id="{CDFC7CCC-8A59-48C5-9163-F15EF251E8AD}"/>
+                  <a16:creationId xmlns:a16="http://schemas.microsoft.com/office/drawing/2014/main" xmlns="" id="{CDFC7CCC-8A59-48C5-9163-F15EF251E8AD}"/>
                 </a:ext>
               </a:extLst>
             </p:cNvPr>
@@ -13087,7 +15289,7 @@
               <p:cNvPr id="86" name="Line 11">
                 <a:extLst>
                   <a:ext uri="{FF2B5EF4-FFF2-40B4-BE49-F238E27FC236}">
-                    <a16:creationId xmlns="" xmlns:a16="http://schemas.microsoft.com/office/drawing/2014/main" id="{76DB538D-67C7-454D-8736-32F31817D5C5}"/>
+                    <a16:creationId xmlns:a16="http://schemas.microsoft.com/office/drawing/2014/main" xmlns="" id="{76DB538D-67C7-454D-8736-32F31817D5C5}"/>
                   </a:ext>
                 </a:extLst>
               </p:cNvPr>
@@ -13130,7 +15332,7 @@
               <p:cNvPr id="87" name="Line 12">
                 <a:extLst>
                   <a:ext uri="{FF2B5EF4-FFF2-40B4-BE49-F238E27FC236}">
-                    <a16:creationId xmlns="" xmlns:a16="http://schemas.microsoft.com/office/drawing/2014/main" id="{02FD3E25-ED46-4682-A160-EF19EF91DDF4}"/>
+                    <a16:creationId xmlns:a16="http://schemas.microsoft.com/office/drawing/2014/main" xmlns="" id="{02FD3E25-ED46-4682-A160-EF19EF91DDF4}"/>
                   </a:ext>
                 </a:extLst>
               </p:cNvPr>
@@ -13174,7 +15376,7 @@
             <p:cNvPr id="51" name="Rectangle 13">
               <a:extLst>
                 <a:ext uri="{FF2B5EF4-FFF2-40B4-BE49-F238E27FC236}">
-                  <a16:creationId xmlns="" xmlns:a16="http://schemas.microsoft.com/office/drawing/2014/main" id="{9782E8D1-C216-4A01-9A07-51CEC2BDF805}"/>
+                  <a16:creationId xmlns:a16="http://schemas.microsoft.com/office/drawing/2014/main" xmlns="" id="{9782E8D1-C216-4A01-9A07-51CEC2BDF805}"/>
                 </a:ext>
               </a:extLst>
             </p:cNvPr>
@@ -13233,7 +15435,7 @@
             <p:cNvPr id="52" name="Rectangle 14">
               <a:extLst>
                 <a:ext uri="{FF2B5EF4-FFF2-40B4-BE49-F238E27FC236}">
-                  <a16:creationId xmlns="" xmlns:a16="http://schemas.microsoft.com/office/drawing/2014/main" id="{10C4E1A7-8A2B-4121-BD9E-47C3944487E0}"/>
+                  <a16:creationId xmlns:a16="http://schemas.microsoft.com/office/drawing/2014/main" xmlns="" id="{10C4E1A7-8A2B-4121-BD9E-47C3944487E0}"/>
                 </a:ext>
               </a:extLst>
             </p:cNvPr>
@@ -13292,7 +15494,7 @@
             <p:cNvPr id="53" name="Line 16">
               <a:extLst>
                 <a:ext uri="{FF2B5EF4-FFF2-40B4-BE49-F238E27FC236}">
-                  <a16:creationId xmlns="" xmlns:a16="http://schemas.microsoft.com/office/drawing/2014/main" id="{0163D3BD-E9C3-4512-BA2C-AEAB87158191}"/>
+                  <a16:creationId xmlns:a16="http://schemas.microsoft.com/office/drawing/2014/main" xmlns="" id="{0163D3BD-E9C3-4512-BA2C-AEAB87158191}"/>
                 </a:ext>
               </a:extLst>
             </p:cNvPr>
@@ -13335,7 +15537,7 @@
             <p:cNvPr id="54" name="Line 17">
               <a:extLst>
                 <a:ext uri="{FF2B5EF4-FFF2-40B4-BE49-F238E27FC236}">
-                  <a16:creationId xmlns="" xmlns:a16="http://schemas.microsoft.com/office/drawing/2014/main" id="{A766FBDF-804A-4793-9D76-2D6DCAE28B03}"/>
+                  <a16:creationId xmlns:a16="http://schemas.microsoft.com/office/drawing/2014/main" xmlns="" id="{A766FBDF-804A-4793-9D76-2D6DCAE28B03}"/>
                 </a:ext>
               </a:extLst>
             </p:cNvPr>
@@ -13378,7 +15580,7 @@
             <p:cNvPr id="55" name="Rectangle 18">
               <a:extLst>
                 <a:ext uri="{FF2B5EF4-FFF2-40B4-BE49-F238E27FC236}">
-                  <a16:creationId xmlns="" xmlns:a16="http://schemas.microsoft.com/office/drawing/2014/main" id="{4540C74B-395F-4064-B66B-EA6116EED146}"/>
+                  <a16:creationId xmlns:a16="http://schemas.microsoft.com/office/drawing/2014/main" xmlns="" id="{4540C74B-395F-4064-B66B-EA6116EED146}"/>
                 </a:ext>
               </a:extLst>
             </p:cNvPr>
@@ -13423,7 +15625,7 @@
             <p:cNvPr id="56" name="Freeform 19">
               <a:extLst>
                 <a:ext uri="{FF2B5EF4-FFF2-40B4-BE49-F238E27FC236}">
-                  <a16:creationId xmlns="" xmlns:a16="http://schemas.microsoft.com/office/drawing/2014/main" id="{7212F5D8-5B1F-43AF-A09A-7129DB38B315}"/>
+                  <a16:creationId xmlns:a16="http://schemas.microsoft.com/office/drawing/2014/main" xmlns="" id="{7212F5D8-5B1F-43AF-A09A-7129DB38B315}"/>
                 </a:ext>
               </a:extLst>
             </p:cNvPr>
@@ -13503,7 +15705,7 @@
             <p:cNvPr id="57" name="Rectangle 20">
               <a:extLst>
                 <a:ext uri="{FF2B5EF4-FFF2-40B4-BE49-F238E27FC236}">
-                  <a16:creationId xmlns="" xmlns:a16="http://schemas.microsoft.com/office/drawing/2014/main" id="{10BC58F9-9718-4882-A551-83B3F910589C}"/>
+                  <a16:creationId xmlns:a16="http://schemas.microsoft.com/office/drawing/2014/main" xmlns="" id="{10BC58F9-9718-4882-A551-83B3F910589C}"/>
                 </a:ext>
               </a:extLst>
             </p:cNvPr>
@@ -13562,7 +15764,7 @@
             <p:cNvPr id="58" name="Freeform 21">
               <a:extLst>
                 <a:ext uri="{FF2B5EF4-FFF2-40B4-BE49-F238E27FC236}">
-                  <a16:creationId xmlns="" xmlns:a16="http://schemas.microsoft.com/office/drawing/2014/main" id="{8ECAB41B-1943-47C7-AA84-0D8352A04C3A}"/>
+                  <a16:creationId xmlns:a16="http://schemas.microsoft.com/office/drawing/2014/main" xmlns="" id="{8ECAB41B-1943-47C7-AA84-0D8352A04C3A}"/>
                 </a:ext>
               </a:extLst>
             </p:cNvPr>
@@ -13642,7 +15844,7 @@
             <p:cNvPr id="59" name="Rectangle 22">
               <a:extLst>
                 <a:ext uri="{FF2B5EF4-FFF2-40B4-BE49-F238E27FC236}">
-                  <a16:creationId xmlns="" xmlns:a16="http://schemas.microsoft.com/office/drawing/2014/main" id="{56FEB464-C5E2-4F61-99CE-3E33B8477531}"/>
+                  <a16:creationId xmlns:a16="http://schemas.microsoft.com/office/drawing/2014/main" xmlns="" id="{56FEB464-C5E2-4F61-99CE-3E33B8477531}"/>
                 </a:ext>
               </a:extLst>
             </p:cNvPr>
@@ -13711,7 +15913,7 @@
             <p:cNvPr id="60" name="Oval 23">
               <a:extLst>
                 <a:ext uri="{FF2B5EF4-FFF2-40B4-BE49-F238E27FC236}">
-                  <a16:creationId xmlns="" xmlns:a16="http://schemas.microsoft.com/office/drawing/2014/main" id="{08DC7B04-17F0-4E0B-AA1B-1EB5CCC3DA4E}"/>
+                  <a16:creationId xmlns:a16="http://schemas.microsoft.com/office/drawing/2014/main" xmlns="" id="{08DC7B04-17F0-4E0B-AA1B-1EB5CCC3DA4E}"/>
                 </a:ext>
               </a:extLst>
             </p:cNvPr>
@@ -13756,7 +15958,7 @@
             <p:cNvPr id="61" name="Oval 24">
               <a:extLst>
                 <a:ext uri="{FF2B5EF4-FFF2-40B4-BE49-F238E27FC236}">
-                  <a16:creationId xmlns="" xmlns:a16="http://schemas.microsoft.com/office/drawing/2014/main" id="{ACB096AE-BD99-4A6E-95B6-5F4A50D2FBD8}"/>
+                  <a16:creationId xmlns:a16="http://schemas.microsoft.com/office/drawing/2014/main" xmlns="" id="{ACB096AE-BD99-4A6E-95B6-5F4A50D2FBD8}"/>
                 </a:ext>
               </a:extLst>
             </p:cNvPr>
@@ -13801,7 +16003,7 @@
             <p:cNvPr id="62" name="Oval 25">
               <a:extLst>
                 <a:ext uri="{FF2B5EF4-FFF2-40B4-BE49-F238E27FC236}">
-                  <a16:creationId xmlns="" xmlns:a16="http://schemas.microsoft.com/office/drawing/2014/main" id="{869D0EFA-AC40-424B-AD51-3A359CC9FF97}"/>
+                  <a16:creationId xmlns:a16="http://schemas.microsoft.com/office/drawing/2014/main" xmlns="" id="{869D0EFA-AC40-424B-AD51-3A359CC9FF97}"/>
                 </a:ext>
               </a:extLst>
             </p:cNvPr>
@@ -13846,7 +16048,7 @@
             <p:cNvPr id="66" name="Group 29">
               <a:extLst>
                 <a:ext uri="{FF2B5EF4-FFF2-40B4-BE49-F238E27FC236}">
-                  <a16:creationId xmlns="" xmlns:a16="http://schemas.microsoft.com/office/drawing/2014/main" id="{C06D013F-34AF-4016-ADC3-91BBF2132786}"/>
+                  <a16:creationId xmlns:a16="http://schemas.microsoft.com/office/drawing/2014/main" xmlns="" id="{C06D013F-34AF-4016-ADC3-91BBF2132786}"/>
                 </a:ext>
               </a:extLst>
             </p:cNvPr>
@@ -13868,7 +16070,7 @@
               <p:cNvPr id="83" name="Line 30">
                 <a:extLst>
                   <a:ext uri="{FF2B5EF4-FFF2-40B4-BE49-F238E27FC236}">
-                    <a16:creationId xmlns="" xmlns:a16="http://schemas.microsoft.com/office/drawing/2014/main" id="{B6D22774-B3AA-4C3C-90C9-14C8CDE2B78D}"/>
+                    <a16:creationId xmlns:a16="http://schemas.microsoft.com/office/drawing/2014/main" xmlns="" id="{B6D22774-B3AA-4C3C-90C9-14C8CDE2B78D}"/>
                   </a:ext>
                 </a:extLst>
               </p:cNvPr>
@@ -13911,7 +16113,7 @@
               <p:cNvPr id="84" name="Line 31">
                 <a:extLst>
                   <a:ext uri="{FF2B5EF4-FFF2-40B4-BE49-F238E27FC236}">
-                    <a16:creationId xmlns="" xmlns:a16="http://schemas.microsoft.com/office/drawing/2014/main" id="{9722178F-DCD2-4EEA-A7ED-E1FD944FD218}"/>
+                    <a16:creationId xmlns:a16="http://schemas.microsoft.com/office/drawing/2014/main" xmlns="" id="{9722178F-DCD2-4EEA-A7ED-E1FD944FD218}"/>
                   </a:ext>
                 </a:extLst>
               </p:cNvPr>
@@ -13954,7 +16156,7 @@
               <p:cNvPr id="85" name="Line 32">
                 <a:extLst>
                   <a:ext uri="{FF2B5EF4-FFF2-40B4-BE49-F238E27FC236}">
-                    <a16:creationId xmlns="" xmlns:a16="http://schemas.microsoft.com/office/drawing/2014/main" id="{7CA40A3C-B9D6-4CE0-91B6-FC1AD777DD8A}"/>
+                    <a16:creationId xmlns:a16="http://schemas.microsoft.com/office/drawing/2014/main" xmlns="" id="{7CA40A3C-B9D6-4CE0-91B6-FC1AD777DD8A}"/>
                   </a:ext>
                 </a:extLst>
               </p:cNvPr>
@@ -13998,7 +16200,7 @@
             <p:cNvPr id="67" name="Line 33">
               <a:extLst>
                 <a:ext uri="{FF2B5EF4-FFF2-40B4-BE49-F238E27FC236}">
-                  <a16:creationId xmlns="" xmlns:a16="http://schemas.microsoft.com/office/drawing/2014/main" id="{1960B32B-A48F-4729-9639-FA33B69C0976}"/>
+                  <a16:creationId xmlns:a16="http://schemas.microsoft.com/office/drawing/2014/main" xmlns="" id="{1960B32B-A48F-4729-9639-FA33B69C0976}"/>
                 </a:ext>
               </a:extLst>
             </p:cNvPr>
@@ -14041,7 +16243,7 @@
             <p:cNvPr id="68" name="Oval 34">
               <a:extLst>
                 <a:ext uri="{FF2B5EF4-FFF2-40B4-BE49-F238E27FC236}">
-                  <a16:creationId xmlns="" xmlns:a16="http://schemas.microsoft.com/office/drawing/2014/main" id="{334F2B23-74F6-4226-B7BB-D03851FC19D9}"/>
+                  <a16:creationId xmlns:a16="http://schemas.microsoft.com/office/drawing/2014/main" xmlns="" id="{334F2B23-74F6-4226-B7BB-D03851FC19D9}"/>
                 </a:ext>
               </a:extLst>
             </p:cNvPr>
@@ -14086,7 +16288,7 @@
             <p:cNvPr id="69" name="Rectangle 35">
               <a:extLst>
                 <a:ext uri="{FF2B5EF4-FFF2-40B4-BE49-F238E27FC236}">
-                  <a16:creationId xmlns="" xmlns:a16="http://schemas.microsoft.com/office/drawing/2014/main" id="{A50045DB-AF1D-455B-B8FF-90147423DB1E}"/>
+                  <a16:creationId xmlns:a16="http://schemas.microsoft.com/office/drawing/2014/main" xmlns="" id="{A50045DB-AF1D-455B-B8FF-90147423DB1E}"/>
                 </a:ext>
               </a:extLst>
             </p:cNvPr>
@@ -14131,7 +16333,7 @@
             <p:cNvPr id="70" name="Freeform 38">
               <a:extLst>
                 <a:ext uri="{FF2B5EF4-FFF2-40B4-BE49-F238E27FC236}">
-                  <a16:creationId xmlns="" xmlns:a16="http://schemas.microsoft.com/office/drawing/2014/main" id="{2FE973E7-F095-4594-8D36-E971F2F15336}"/>
+                  <a16:creationId xmlns:a16="http://schemas.microsoft.com/office/drawing/2014/main" xmlns="" id="{2FE973E7-F095-4594-8D36-E971F2F15336}"/>
                 </a:ext>
               </a:extLst>
             </p:cNvPr>
@@ -14202,7 +16404,7 @@
             <p:cNvPr id="71" name="Rectangle 39">
               <a:extLst>
                 <a:ext uri="{FF2B5EF4-FFF2-40B4-BE49-F238E27FC236}">
-                  <a16:creationId xmlns="" xmlns:a16="http://schemas.microsoft.com/office/drawing/2014/main" id="{C4AE0DD8-F969-41F1-9078-CD5E06ADD967}"/>
+                  <a16:creationId xmlns:a16="http://schemas.microsoft.com/office/drawing/2014/main" xmlns="" id="{C4AE0DD8-F969-41F1-9078-CD5E06ADD967}"/>
                 </a:ext>
               </a:extLst>
             </p:cNvPr>
@@ -14247,7 +16449,7 @@
             <p:cNvPr id="72" name="Line 40">
               <a:extLst>
                 <a:ext uri="{FF2B5EF4-FFF2-40B4-BE49-F238E27FC236}">
-                  <a16:creationId xmlns="" xmlns:a16="http://schemas.microsoft.com/office/drawing/2014/main" id="{0848691B-C234-40E0-8B39-5F4312CA1BD0}"/>
+                  <a16:creationId xmlns:a16="http://schemas.microsoft.com/office/drawing/2014/main" xmlns="" id="{0848691B-C234-40E0-8B39-5F4312CA1BD0}"/>
                 </a:ext>
               </a:extLst>
             </p:cNvPr>
@@ -14290,7 +16492,7 @@
             <p:cNvPr id="73" name="Rectangle 41">
               <a:extLst>
                 <a:ext uri="{FF2B5EF4-FFF2-40B4-BE49-F238E27FC236}">
-                  <a16:creationId xmlns="" xmlns:a16="http://schemas.microsoft.com/office/drawing/2014/main" id="{7852E4B6-7DCE-4A64-9F1D-612E4BA51328}"/>
+                  <a16:creationId xmlns:a16="http://schemas.microsoft.com/office/drawing/2014/main" xmlns="" id="{7852E4B6-7DCE-4A64-9F1D-612E4BA51328}"/>
                 </a:ext>
               </a:extLst>
             </p:cNvPr>
@@ -14349,7 +16551,7 @@
             <p:cNvPr id="74" name="Rectangle 42">
               <a:extLst>
                 <a:ext uri="{FF2B5EF4-FFF2-40B4-BE49-F238E27FC236}">
-                  <a16:creationId xmlns="" xmlns:a16="http://schemas.microsoft.com/office/drawing/2014/main" id="{4197C7B5-C4FD-41BD-B926-4A19C5627C23}"/>
+                  <a16:creationId xmlns:a16="http://schemas.microsoft.com/office/drawing/2014/main" xmlns="" id="{4197C7B5-C4FD-41BD-B926-4A19C5627C23}"/>
                 </a:ext>
               </a:extLst>
             </p:cNvPr>
@@ -14408,7 +16610,7 @@
             <p:cNvPr id="75" name="Line 51">
               <a:extLst>
                 <a:ext uri="{FF2B5EF4-FFF2-40B4-BE49-F238E27FC236}">
-                  <a16:creationId xmlns="" xmlns:a16="http://schemas.microsoft.com/office/drawing/2014/main" id="{867A1A9F-0C31-4FCE-8500-BA11EF45F98D}"/>
+                  <a16:creationId xmlns:a16="http://schemas.microsoft.com/office/drawing/2014/main" xmlns="" id="{867A1A9F-0C31-4FCE-8500-BA11EF45F98D}"/>
                 </a:ext>
               </a:extLst>
             </p:cNvPr>
@@ -14454,7 +16656,7 @@
             <p:cNvPr id="76" name="Group 52">
               <a:extLst>
                 <a:ext uri="{FF2B5EF4-FFF2-40B4-BE49-F238E27FC236}">
-                  <a16:creationId xmlns="" xmlns:a16="http://schemas.microsoft.com/office/drawing/2014/main" id="{44092EAF-45F2-4B98-9C4F-48752C646387}"/>
+                  <a16:creationId xmlns:a16="http://schemas.microsoft.com/office/drawing/2014/main" xmlns="" id="{44092EAF-45F2-4B98-9C4F-48752C646387}"/>
                 </a:ext>
               </a:extLst>
             </p:cNvPr>
@@ -14476,7 +16678,7 @@
               <p:cNvPr id="81" name="Line 53">
                 <a:extLst>
                   <a:ext uri="{FF2B5EF4-FFF2-40B4-BE49-F238E27FC236}">
-                    <a16:creationId xmlns="" xmlns:a16="http://schemas.microsoft.com/office/drawing/2014/main" id="{BF1358D9-6144-4A6F-9B4B-5D29AA5CDBB9}"/>
+                    <a16:creationId xmlns:a16="http://schemas.microsoft.com/office/drawing/2014/main" xmlns="" id="{BF1358D9-6144-4A6F-9B4B-5D29AA5CDBB9}"/>
                   </a:ext>
                 </a:extLst>
               </p:cNvPr>
@@ -14519,7 +16721,7 @@
               <p:cNvPr id="82" name="Line 54">
                 <a:extLst>
                   <a:ext uri="{FF2B5EF4-FFF2-40B4-BE49-F238E27FC236}">
-                    <a16:creationId xmlns="" xmlns:a16="http://schemas.microsoft.com/office/drawing/2014/main" id="{2A646DA3-D2A3-44FD-9275-DE39F82A5A60}"/>
+                    <a16:creationId xmlns:a16="http://schemas.microsoft.com/office/drawing/2014/main" xmlns="" id="{2A646DA3-D2A3-44FD-9275-DE39F82A5A60}"/>
                   </a:ext>
                 </a:extLst>
               </p:cNvPr>
@@ -14563,7 +16765,7 @@
             <p:cNvPr id="77" name="Freeform 56">
               <a:extLst>
                 <a:ext uri="{FF2B5EF4-FFF2-40B4-BE49-F238E27FC236}">
-                  <a16:creationId xmlns="" xmlns:a16="http://schemas.microsoft.com/office/drawing/2014/main" id="{85D6E943-78DE-49CF-9C37-8FC2A006B0ED}"/>
+                  <a16:creationId xmlns:a16="http://schemas.microsoft.com/office/drawing/2014/main" xmlns="" id="{85D6E943-78DE-49CF-9C37-8FC2A006B0ED}"/>
                 </a:ext>
               </a:extLst>
             </p:cNvPr>
@@ -14637,7 +16839,7 @@
             <p:cNvPr id="78" name="Freeform 57">
               <a:extLst>
                 <a:ext uri="{FF2B5EF4-FFF2-40B4-BE49-F238E27FC236}">
-                  <a16:creationId xmlns="" xmlns:a16="http://schemas.microsoft.com/office/drawing/2014/main" id="{6B212A12-89D8-4787-8A61-6F5E63D034B5}"/>
+                  <a16:creationId xmlns:a16="http://schemas.microsoft.com/office/drawing/2014/main" xmlns="" id="{6B212A12-89D8-4787-8A61-6F5E63D034B5}"/>
                 </a:ext>
               </a:extLst>
             </p:cNvPr>
@@ -14711,7 +16913,7 @@
             <p:cNvPr id="79" name="Object 60">
               <a:extLst>
                 <a:ext uri="{FF2B5EF4-FFF2-40B4-BE49-F238E27FC236}">
-                  <a16:creationId xmlns="" xmlns:a16="http://schemas.microsoft.com/office/drawing/2014/main" id="{EB531667-045D-4E09-8A8C-C92C8BD47BE4}"/>
+                  <a16:creationId xmlns:a16="http://schemas.microsoft.com/office/drawing/2014/main" xmlns="" id="{EB531667-045D-4E09-8A8C-C92C8BD47BE4}"/>
                 </a:ext>
               </a:extLst>
             </p:cNvPr>
@@ -14737,7 +16939,7 @@
             <p:cNvPr id="80" name="Object 62">
               <a:extLst>
                 <a:ext uri="{FF2B5EF4-FFF2-40B4-BE49-F238E27FC236}">
-                  <a16:creationId xmlns="" xmlns:a16="http://schemas.microsoft.com/office/drawing/2014/main" id="{FA0B5F2C-F42A-4AB3-8E48-6D5DAAAE983B}"/>
+                  <a16:creationId xmlns:a16="http://schemas.microsoft.com/office/drawing/2014/main" xmlns="" id="{FA0B5F2C-F42A-4AB3-8E48-6D5DAAAE983B}"/>
                 </a:ext>
               </a:extLst>
             </p:cNvPr>
@@ -14764,7 +16966,7 @@
           <p:cNvPr id="92" name="Freeform 9">
             <a:extLst>
               <a:ext uri="{FF2B5EF4-FFF2-40B4-BE49-F238E27FC236}">
-                <a16:creationId xmlns="" xmlns:a16="http://schemas.microsoft.com/office/drawing/2014/main" id="{FA1EF838-637A-47B8-A1E1-99F199319A9B}"/>
+                <a16:creationId xmlns:a16="http://schemas.microsoft.com/office/drawing/2014/main" xmlns="" id="{FA1EF838-637A-47B8-A1E1-99F199319A9B}"/>
               </a:ext>
             </a:extLst>
           </p:cNvPr>
@@ -14838,7 +17040,7 @@
           <p:cNvPr id="93" name="Line 10">
             <a:extLst>
               <a:ext uri="{FF2B5EF4-FFF2-40B4-BE49-F238E27FC236}">
-                <a16:creationId xmlns="" xmlns:a16="http://schemas.microsoft.com/office/drawing/2014/main" id="{2CC4EECC-8AB2-46D1-9CD7-14F956FE7C65}"/>
+                <a16:creationId xmlns:a16="http://schemas.microsoft.com/office/drawing/2014/main" xmlns="" id="{2CC4EECC-8AB2-46D1-9CD7-14F956FE7C65}"/>
               </a:ext>
             </a:extLst>
           </p:cNvPr>
@@ -14884,7 +17086,7 @@
           <p:cNvPr id="94" name="Freeform 17">
             <a:extLst>
               <a:ext uri="{FF2B5EF4-FFF2-40B4-BE49-F238E27FC236}">
-                <a16:creationId xmlns="" xmlns:a16="http://schemas.microsoft.com/office/drawing/2014/main" id="{12C8DD7B-1449-4447-97C6-269BC229BB6C}"/>
+                <a16:creationId xmlns:a16="http://schemas.microsoft.com/office/drawing/2014/main" xmlns="" id="{12C8DD7B-1449-4447-97C6-269BC229BB6C}"/>
               </a:ext>
             </a:extLst>
           </p:cNvPr>
@@ -14967,7 +17169,7 @@
           <p:cNvPr id="95" name="Oval 19">
             <a:extLst>
               <a:ext uri="{FF2B5EF4-FFF2-40B4-BE49-F238E27FC236}">
-                <a16:creationId xmlns="" xmlns:a16="http://schemas.microsoft.com/office/drawing/2014/main" id="{030FD04D-B5C9-4CC8-876F-BA61D5CD86C7}"/>
+                <a16:creationId xmlns:a16="http://schemas.microsoft.com/office/drawing/2014/main" xmlns="" id="{030FD04D-B5C9-4CC8-876F-BA61D5CD86C7}"/>
               </a:ext>
             </a:extLst>
           </p:cNvPr>
@@ -15015,7 +17217,7 @@
           <p:cNvPr id="96" name="Rectangle 95">
             <a:extLst>
               <a:ext uri="{FF2B5EF4-FFF2-40B4-BE49-F238E27FC236}">
-                <a16:creationId xmlns="" xmlns:a16="http://schemas.microsoft.com/office/drawing/2014/main" id="{D6CA1224-F8A5-44F6-93D3-177210B0988B}"/>
+                <a16:creationId xmlns:a16="http://schemas.microsoft.com/office/drawing/2014/main" xmlns="" id="{D6CA1224-F8A5-44F6-93D3-177210B0988B}"/>
               </a:ext>
             </a:extLst>
           </p:cNvPr>
@@ -15079,7 +17281,7 @@
           <p:cNvPr id="97" name="Oval 22">
             <a:extLst>
               <a:ext uri="{FF2B5EF4-FFF2-40B4-BE49-F238E27FC236}">
-                <a16:creationId xmlns="" xmlns:a16="http://schemas.microsoft.com/office/drawing/2014/main" id="{AD4E3D68-80CD-4715-9547-B5E887AB2628}"/>
+                <a16:creationId xmlns:a16="http://schemas.microsoft.com/office/drawing/2014/main" xmlns="" id="{AD4E3D68-80CD-4715-9547-B5E887AB2628}"/>
               </a:ext>
             </a:extLst>
           </p:cNvPr>
@@ -15127,7 +17329,7 @@
           <p:cNvPr id="98" name="Rectangle 97">
             <a:extLst>
               <a:ext uri="{FF2B5EF4-FFF2-40B4-BE49-F238E27FC236}">
-                <a16:creationId xmlns="" xmlns:a16="http://schemas.microsoft.com/office/drawing/2014/main" id="{3FDB978E-EBF5-4251-ABB7-28458D77894E}"/>
+                <a16:creationId xmlns:a16="http://schemas.microsoft.com/office/drawing/2014/main" xmlns="" id="{3FDB978E-EBF5-4251-ABB7-28458D77894E}"/>
               </a:ext>
             </a:extLst>
           </p:cNvPr>
@@ -15191,7 +17393,7 @@
           <p:cNvPr id="99" name="Rectangle 98">
             <a:extLst>
               <a:ext uri="{FF2B5EF4-FFF2-40B4-BE49-F238E27FC236}">
-                <a16:creationId xmlns="" xmlns:a16="http://schemas.microsoft.com/office/drawing/2014/main" id="{4EA72BE8-F560-45B1-A5BD-2999AEBB1048}"/>
+                <a16:creationId xmlns:a16="http://schemas.microsoft.com/office/drawing/2014/main" xmlns="" id="{4EA72BE8-F560-45B1-A5BD-2999AEBB1048}"/>
               </a:ext>
             </a:extLst>
           </p:cNvPr>
@@ -15265,7 +17467,7 @@
           <p:cNvPr id="100" name="Rectangle 99">
             <a:extLst>
               <a:ext uri="{FF2B5EF4-FFF2-40B4-BE49-F238E27FC236}">
-                <a16:creationId xmlns="" xmlns:a16="http://schemas.microsoft.com/office/drawing/2014/main" id="{3687ED8C-B809-4AB7-B694-A67862DD42BB}"/>
+                <a16:creationId xmlns:a16="http://schemas.microsoft.com/office/drawing/2014/main" xmlns="" id="{3687ED8C-B809-4AB7-B694-A67862DD42BB}"/>
               </a:ext>
             </a:extLst>
           </p:cNvPr>
@@ -15339,7 +17541,7 @@
           <p:cNvPr id="101" name="Rectangle 100">
             <a:extLst>
               <a:ext uri="{FF2B5EF4-FFF2-40B4-BE49-F238E27FC236}">
-                <a16:creationId xmlns="" xmlns:a16="http://schemas.microsoft.com/office/drawing/2014/main" id="{CA9578C3-F762-4641-AA4A-098A07745F6B}"/>
+                <a16:creationId xmlns:a16="http://schemas.microsoft.com/office/drawing/2014/main" xmlns="" id="{CA9578C3-F762-4641-AA4A-098A07745F6B}"/>
               </a:ext>
             </a:extLst>
           </p:cNvPr>
@@ -15413,7 +17615,7 @@
           <p:cNvPr id="102" name="Rectangle 101">
             <a:extLst>
               <a:ext uri="{FF2B5EF4-FFF2-40B4-BE49-F238E27FC236}">
-                <a16:creationId xmlns="" xmlns:a16="http://schemas.microsoft.com/office/drawing/2014/main" id="{10130861-25F2-4363-B776-8570C1E2209F}"/>
+                <a16:creationId xmlns:a16="http://schemas.microsoft.com/office/drawing/2014/main" xmlns="" id="{10130861-25F2-4363-B776-8570C1E2209F}"/>
               </a:ext>
             </a:extLst>
           </p:cNvPr>
@@ -15461,7 +17663,7 @@
           <p:cNvPr id="103" name="Line 28">
             <a:extLst>
               <a:ext uri="{FF2B5EF4-FFF2-40B4-BE49-F238E27FC236}">
-                <a16:creationId xmlns="" xmlns:a16="http://schemas.microsoft.com/office/drawing/2014/main" id="{5605FC70-4D5E-4C8F-AD16-84352B14EE61}"/>
+                <a16:creationId xmlns:a16="http://schemas.microsoft.com/office/drawing/2014/main" xmlns="" id="{5605FC70-4D5E-4C8F-AD16-84352B14EE61}"/>
               </a:ext>
             </a:extLst>
           </p:cNvPr>
@@ -15507,7 +17709,7 @@
           <p:cNvPr id="104" name="Rectangle 27">
             <a:extLst>
               <a:ext uri="{FF2B5EF4-FFF2-40B4-BE49-F238E27FC236}">
-                <a16:creationId xmlns="" xmlns:a16="http://schemas.microsoft.com/office/drawing/2014/main" id="{1F119CB5-E61C-4C20-8104-103F0DEC9715}"/>
+                <a16:creationId xmlns:a16="http://schemas.microsoft.com/office/drawing/2014/main" xmlns="" id="{1F119CB5-E61C-4C20-8104-103F0DEC9715}"/>
               </a:ext>
             </a:extLst>
           </p:cNvPr>
@@ -15555,7 +17757,7 @@
           <p:cNvPr id="105" name="Rectangle 128">
             <a:extLst>
               <a:ext uri="{FF2B5EF4-FFF2-40B4-BE49-F238E27FC236}">
-                <a16:creationId xmlns="" xmlns:a16="http://schemas.microsoft.com/office/drawing/2014/main" id="{F677A81E-D356-4549-B8A9-ED4F04B042D3}"/>
+                <a16:creationId xmlns:a16="http://schemas.microsoft.com/office/drawing/2014/main" xmlns="" id="{F677A81E-D356-4549-B8A9-ED4F04B042D3}"/>
               </a:ext>
             </a:extLst>
           </p:cNvPr>
@@ -15626,7 +17828,7 @@
           <p:cNvPr id="106" name="Forme libre 242">
             <a:extLst>
               <a:ext uri="{FF2B5EF4-FFF2-40B4-BE49-F238E27FC236}">
-                <a16:creationId xmlns="" xmlns:a16="http://schemas.microsoft.com/office/drawing/2014/main" id="{0EB16691-A708-4C22-9D78-3FD359643557}"/>
+                <a16:creationId xmlns:a16="http://schemas.microsoft.com/office/drawing/2014/main" xmlns="" id="{0EB16691-A708-4C22-9D78-3FD359643557}"/>
               </a:ext>
             </a:extLst>
           </p:cNvPr>
@@ -15712,7 +17914,7 @@
         </p:txBody>
       </p:sp>
       <mc:AlternateContent xmlns:mc="http://schemas.openxmlformats.org/markup-compatibility/2006">
-        <mc:Choice xmlns="" xmlns:a14="http://schemas.microsoft.com/office/drawing/2010/main" Requires="a14">
+        <mc:Choice xmlns:a14="http://schemas.microsoft.com/office/drawing/2010/main" xmlns="" Requires="a14">
           <p:sp>
             <p:nvSpPr>
               <p:cNvPr id="2" name="ZoneTexte 1">
@@ -16172,7 +18374,7 @@
               <p:cNvPr id="2" name="ZoneTexte 1">
                 <a:extLst>
                   <a:ext uri="{FF2B5EF4-FFF2-40B4-BE49-F238E27FC236}">
-                    <a16:creationId xmlns:a14="http://schemas.microsoft.com/office/drawing/2010/main" xmlns="" xmlns:a16="http://schemas.microsoft.com/office/drawing/2014/main" id="{763E54B2-354A-4B69-8CF2-566D1A7ED291}"/>
+                    <a16:creationId xmlns:a16="http://schemas.microsoft.com/office/drawing/2014/main" xmlns="" xmlns:a14="http://schemas.microsoft.com/office/drawing/2010/main" id="{763E54B2-354A-4B69-8CF2-566D1A7ED291}"/>
                   </a:ext>
                 </a:extLst>
               </p:cNvPr>
@@ -16215,7 +18417,7 @@
         </mc:Fallback>
       </mc:AlternateContent>
       <mc:AlternateContent xmlns:mc="http://schemas.openxmlformats.org/markup-compatibility/2006">
-        <mc:Choice xmlns="" xmlns:a14="http://schemas.microsoft.com/office/drawing/2010/main" Requires="a14">
+        <mc:Choice xmlns:a14="http://schemas.microsoft.com/office/drawing/2010/main" xmlns="" Requires="a14">
           <p:sp>
             <p:nvSpPr>
               <p:cNvPr id="108" name="Object 4">
@@ -16702,7 +18904,7 @@
               <p:cNvPr id="108" name="Object 4">
                 <a:extLst>
                   <a:ext uri="{FF2B5EF4-FFF2-40B4-BE49-F238E27FC236}">
-                    <a16:creationId xmlns:a14="http://schemas.microsoft.com/office/drawing/2010/main" xmlns="" xmlns:a16="http://schemas.microsoft.com/office/drawing/2014/main" id="{BBD871C4-810C-4A09-95E2-55CA5427AEAD}"/>
+                    <a16:creationId xmlns:a16="http://schemas.microsoft.com/office/drawing/2014/main" xmlns="" xmlns:a14="http://schemas.microsoft.com/office/drawing/2010/main" id="{BBD871C4-810C-4A09-95E2-55CA5427AEAD}"/>
                   </a:ext>
                 </a:extLst>
               </p:cNvPr>
@@ -16750,7 +18952,7 @@
     </p:spTree>
     <p:extLst>
       <p:ext uri="{BB962C8B-B14F-4D97-AF65-F5344CB8AC3E}">
-        <p14:creationId xmlns="" xmlns:p14="http://schemas.microsoft.com/office/powerpoint/2010/main" val="1164395815"/>
+        <p14:creationId xmlns:p14="http://schemas.microsoft.com/office/powerpoint/2010/main" xmlns="" val="1164395815"/>
       </p:ext>
     </p:extLst>
   </p:cSld>
@@ -16782,7 +18984,7 @@
           <p:cNvPr id="3" name="Espace réservé de la date 2">
             <a:extLst>
               <a:ext uri="{FF2B5EF4-FFF2-40B4-BE49-F238E27FC236}">
-                <a16:creationId xmlns="" xmlns:a16="http://schemas.microsoft.com/office/drawing/2014/main" id="{B056F826-499B-407B-8105-22D7784C72C9}"/>
+                <a16:creationId xmlns:a16="http://schemas.microsoft.com/office/drawing/2014/main" xmlns="" id="{B056F826-499B-407B-8105-22D7784C72C9}"/>
               </a:ext>
             </a:extLst>
           </p:cNvPr>
@@ -16801,7 +19003,7 @@
             <a:fld id="{80ADAFC8-E58E-40F9-B663-9F56451821D1}" type="datetime8">
               <a:rPr lang="fr-FR" smtClean="0"/>
               <a:pPr/>
-              <a:t>10/12/2024 17:51</a:t>
+              <a:t>15/12/2024 08:19</a:t>
             </a:fld>
             <a:endParaRPr lang="fr-FR"/>
           </a:p>
@@ -16812,7 +19014,7 @@
           <p:cNvPr id="4" name="Espace réservé du pied de page 3">
             <a:extLst>
               <a:ext uri="{FF2B5EF4-FFF2-40B4-BE49-F238E27FC236}">
-                <a16:creationId xmlns="" xmlns:a16="http://schemas.microsoft.com/office/drawing/2014/main" id="{F3E4A479-1B4F-4BB3-9515-6A9C30531C7E}"/>
+                <a16:creationId xmlns:a16="http://schemas.microsoft.com/office/drawing/2014/main" xmlns="" id="{F3E4A479-1B4F-4BB3-9515-6A9C30531C7E}"/>
               </a:ext>
             </a:extLst>
           </p:cNvPr>
@@ -16841,7 +19043,7 @@
           <p:cNvPr id="5" name="Espace réservé du numéro de diapositive 4">
             <a:extLst>
               <a:ext uri="{FF2B5EF4-FFF2-40B4-BE49-F238E27FC236}">
-                <a16:creationId xmlns="" xmlns:a16="http://schemas.microsoft.com/office/drawing/2014/main" id="{7770904E-5F23-477F-92FD-9DE3E348D081}"/>
+                <a16:creationId xmlns:a16="http://schemas.microsoft.com/office/drawing/2014/main" xmlns="" id="{7770904E-5F23-477F-92FD-9DE3E348D081}"/>
               </a:ext>
             </a:extLst>
           </p:cNvPr>
@@ -16871,7 +19073,7 @@
           <p:cNvPr id="8" name="Line 10">
             <a:extLst>
               <a:ext uri="{FF2B5EF4-FFF2-40B4-BE49-F238E27FC236}">
-                <a16:creationId xmlns="" xmlns:a16="http://schemas.microsoft.com/office/drawing/2014/main" id="{D2579991-AA28-4056-ADDE-346FA54546B8}"/>
+                <a16:creationId xmlns:a16="http://schemas.microsoft.com/office/drawing/2014/main" xmlns="" id="{D2579991-AA28-4056-ADDE-346FA54546B8}"/>
               </a:ext>
             </a:extLst>
           </p:cNvPr>
@@ -16916,7 +19118,7 @@
           <p:cNvPr id="9" name="Group 11">
             <a:extLst>
               <a:ext uri="{FF2B5EF4-FFF2-40B4-BE49-F238E27FC236}">
-                <a16:creationId xmlns="" xmlns:a16="http://schemas.microsoft.com/office/drawing/2014/main" id="{E02CE653-0EEC-43E5-BEF9-68D92471F8AB}"/>
+                <a16:creationId xmlns:a16="http://schemas.microsoft.com/office/drawing/2014/main" xmlns="" id="{E02CE653-0EEC-43E5-BEF9-68D92471F8AB}"/>
               </a:ext>
             </a:extLst>
           </p:cNvPr>
@@ -16938,7 +19140,7 @@
             <p:cNvPr id="45" name="Oval 12">
               <a:extLst>
                 <a:ext uri="{FF2B5EF4-FFF2-40B4-BE49-F238E27FC236}">
-                  <a16:creationId xmlns="" xmlns:a16="http://schemas.microsoft.com/office/drawing/2014/main" id="{C8CD48E8-989D-44DA-8FF3-7C6DCBDD9457}"/>
+                  <a16:creationId xmlns:a16="http://schemas.microsoft.com/office/drawing/2014/main" xmlns="" id="{C8CD48E8-989D-44DA-8FF3-7C6DCBDD9457}"/>
                 </a:ext>
               </a:extLst>
             </p:cNvPr>
@@ -16983,7 +19185,7 @@
             <p:cNvPr id="46" name="Oval 13">
               <a:extLst>
                 <a:ext uri="{FF2B5EF4-FFF2-40B4-BE49-F238E27FC236}">
-                  <a16:creationId xmlns="" xmlns:a16="http://schemas.microsoft.com/office/drawing/2014/main" id="{E5595C7A-23AC-4D1B-A6AA-D67331609949}"/>
+                  <a16:creationId xmlns:a16="http://schemas.microsoft.com/office/drawing/2014/main" xmlns="" id="{E5595C7A-23AC-4D1B-A6AA-D67331609949}"/>
                 </a:ext>
               </a:extLst>
             </p:cNvPr>
@@ -17029,7 +19231,7 @@
           <p:cNvPr id="10" name="Freeform 14">
             <a:extLst>
               <a:ext uri="{FF2B5EF4-FFF2-40B4-BE49-F238E27FC236}">
-                <a16:creationId xmlns="" xmlns:a16="http://schemas.microsoft.com/office/drawing/2014/main" id="{5FA48C6A-85F2-4878-BFBD-77D98FC07E50}"/>
+                <a16:creationId xmlns:a16="http://schemas.microsoft.com/office/drawing/2014/main" xmlns="" id="{5FA48C6A-85F2-4878-BFBD-77D98FC07E50}"/>
               </a:ext>
             </a:extLst>
           </p:cNvPr>
@@ -17102,7 +19304,7 @@
           <p:cNvPr id="11" name="Line 15">
             <a:extLst>
               <a:ext uri="{FF2B5EF4-FFF2-40B4-BE49-F238E27FC236}">
-                <a16:creationId xmlns="" xmlns:a16="http://schemas.microsoft.com/office/drawing/2014/main" id="{EC9DC4D9-70DD-4E1E-A097-70BEF45EA010}"/>
+                <a16:creationId xmlns:a16="http://schemas.microsoft.com/office/drawing/2014/main" xmlns="" id="{EC9DC4D9-70DD-4E1E-A097-70BEF45EA010}"/>
               </a:ext>
             </a:extLst>
           </p:cNvPr>
@@ -17147,7 +19349,7 @@
           <p:cNvPr id="12" name="Freeform 16">
             <a:extLst>
               <a:ext uri="{FF2B5EF4-FFF2-40B4-BE49-F238E27FC236}">
-                <a16:creationId xmlns="" xmlns:a16="http://schemas.microsoft.com/office/drawing/2014/main" id="{94CA67B4-EEBA-49F6-9046-D36728201482}"/>
+                <a16:creationId xmlns:a16="http://schemas.microsoft.com/office/drawing/2014/main" xmlns="" id="{94CA67B4-EEBA-49F6-9046-D36728201482}"/>
               </a:ext>
             </a:extLst>
           </p:cNvPr>
@@ -17229,7 +19431,7 @@
           <p:cNvPr id="14" name="Oval 18">
             <a:extLst>
               <a:ext uri="{FF2B5EF4-FFF2-40B4-BE49-F238E27FC236}">
-                <a16:creationId xmlns="" xmlns:a16="http://schemas.microsoft.com/office/drawing/2014/main" id="{2476419F-29AF-4871-87E5-E3198CA55492}"/>
+                <a16:creationId xmlns:a16="http://schemas.microsoft.com/office/drawing/2014/main" xmlns="" id="{2476419F-29AF-4871-87E5-E3198CA55492}"/>
               </a:ext>
             </a:extLst>
           </p:cNvPr>
@@ -17276,7 +19478,7 @@
           <p:cNvPr id="17" name="Rectangle 16">
             <a:extLst>
               <a:ext uri="{FF2B5EF4-FFF2-40B4-BE49-F238E27FC236}">
-                <a16:creationId xmlns="" xmlns:a16="http://schemas.microsoft.com/office/drawing/2014/main" id="{4760EC27-3AFF-48E2-991F-E4B64F513D84}"/>
+                <a16:creationId xmlns:a16="http://schemas.microsoft.com/office/drawing/2014/main" xmlns="" id="{4760EC27-3AFF-48E2-991F-E4B64F513D84}"/>
               </a:ext>
             </a:extLst>
           </p:cNvPr>
@@ -17339,7 +19541,7 @@
           <p:cNvPr id="21" name="Rectangle 20">
             <a:extLst>
               <a:ext uri="{FF2B5EF4-FFF2-40B4-BE49-F238E27FC236}">
-                <a16:creationId xmlns="" xmlns:a16="http://schemas.microsoft.com/office/drawing/2014/main" id="{5B026465-4A90-4BD5-9DBD-1F183AB07F0B}"/>
+                <a16:creationId xmlns:a16="http://schemas.microsoft.com/office/drawing/2014/main" xmlns="" id="{5B026465-4A90-4BD5-9DBD-1F183AB07F0B}"/>
               </a:ext>
             </a:extLst>
           </p:cNvPr>
@@ -17423,7 +19625,7 @@
           <p:cNvPr id="22" name="Oval 26">
             <a:extLst>
               <a:ext uri="{FF2B5EF4-FFF2-40B4-BE49-F238E27FC236}">
-                <a16:creationId xmlns="" xmlns:a16="http://schemas.microsoft.com/office/drawing/2014/main" id="{E0F7AEE2-CA2F-4F4F-A0D4-4B88F4C1A53E}"/>
+                <a16:creationId xmlns:a16="http://schemas.microsoft.com/office/drawing/2014/main" xmlns="" id="{E0F7AEE2-CA2F-4F4F-A0D4-4B88F4C1A53E}"/>
               </a:ext>
             </a:extLst>
           </p:cNvPr>
@@ -17470,7 +19672,7 @@
           <p:cNvPr id="23" name="Rectangle 22">
             <a:extLst>
               <a:ext uri="{FF2B5EF4-FFF2-40B4-BE49-F238E27FC236}">
-                <a16:creationId xmlns="" xmlns:a16="http://schemas.microsoft.com/office/drawing/2014/main" id="{18280244-6F53-4CC8-A3A7-B43D52073ACB}"/>
+                <a16:creationId xmlns:a16="http://schemas.microsoft.com/office/drawing/2014/main" xmlns="" id="{18280244-6F53-4CC8-A3A7-B43D52073ACB}"/>
               </a:ext>
             </a:extLst>
           </p:cNvPr>
@@ -17533,7 +19735,7 @@
           <p:cNvPr id="25" name="Rectangle 24">
             <a:extLst>
               <a:ext uri="{FF2B5EF4-FFF2-40B4-BE49-F238E27FC236}">
-                <a16:creationId xmlns="" xmlns:a16="http://schemas.microsoft.com/office/drawing/2014/main" id="{2A3DF76E-3306-4C29-8256-CEE6F246CA78}"/>
+                <a16:creationId xmlns:a16="http://schemas.microsoft.com/office/drawing/2014/main" xmlns="" id="{2A3DF76E-3306-4C29-8256-CEE6F246CA78}"/>
               </a:ext>
             </a:extLst>
           </p:cNvPr>
@@ -17606,7 +19808,7 @@
           <p:cNvPr id="27" name="Group 38">
             <a:extLst>
               <a:ext uri="{FF2B5EF4-FFF2-40B4-BE49-F238E27FC236}">
-                <a16:creationId xmlns="" xmlns:a16="http://schemas.microsoft.com/office/drawing/2014/main" id="{7C3123D4-8C11-4A6D-B78D-E298FE4E2882}"/>
+                <a16:creationId xmlns:a16="http://schemas.microsoft.com/office/drawing/2014/main" xmlns="" id="{7C3123D4-8C11-4A6D-B78D-E298FE4E2882}"/>
               </a:ext>
             </a:extLst>
           </p:cNvPr>
@@ -17628,7 +19830,7 @@
             <p:cNvPr id="43" name="Line 39">
               <a:extLst>
                 <a:ext uri="{FF2B5EF4-FFF2-40B4-BE49-F238E27FC236}">
-                  <a16:creationId xmlns="" xmlns:a16="http://schemas.microsoft.com/office/drawing/2014/main" id="{5E953442-3153-48D9-8CDB-411224B4FEDF}"/>
+                  <a16:creationId xmlns:a16="http://schemas.microsoft.com/office/drawing/2014/main" xmlns="" id="{5E953442-3153-48D9-8CDB-411224B4FEDF}"/>
                 </a:ext>
               </a:extLst>
             </p:cNvPr>
@@ -17673,7 +19875,7 @@
             <p:cNvPr id="44" name="Freeform 40">
               <a:extLst>
                 <a:ext uri="{FF2B5EF4-FFF2-40B4-BE49-F238E27FC236}">
-                  <a16:creationId xmlns="" xmlns:a16="http://schemas.microsoft.com/office/drawing/2014/main" id="{2EE90437-4349-4721-8B6A-30AA92973068}"/>
+                  <a16:creationId xmlns:a16="http://schemas.microsoft.com/office/drawing/2014/main" xmlns="" id="{2EE90437-4349-4721-8B6A-30AA92973068}"/>
                 </a:ext>
               </a:extLst>
             </p:cNvPr>
@@ -17756,7 +19958,7 @@
           <p:cNvPr id="33" name="Line 28">
             <a:extLst>
               <a:ext uri="{FF2B5EF4-FFF2-40B4-BE49-F238E27FC236}">
-                <a16:creationId xmlns="" xmlns:a16="http://schemas.microsoft.com/office/drawing/2014/main" id="{A1F81C07-328A-4950-8EA8-F89C4D2AB8E6}"/>
+                <a16:creationId xmlns:a16="http://schemas.microsoft.com/office/drawing/2014/main" xmlns="" id="{A1F81C07-328A-4950-8EA8-F89C4D2AB8E6}"/>
               </a:ext>
             </a:extLst>
           </p:cNvPr>
@@ -17801,7 +20003,7 @@
           <p:cNvPr id="34" name="Rectangle 27">
             <a:extLst>
               <a:ext uri="{FF2B5EF4-FFF2-40B4-BE49-F238E27FC236}">
-                <a16:creationId xmlns="" xmlns:a16="http://schemas.microsoft.com/office/drawing/2014/main" id="{58D24A3B-B76E-4ECA-B6E5-6FFEB4308626}"/>
+                <a16:creationId xmlns:a16="http://schemas.microsoft.com/office/drawing/2014/main" xmlns="" id="{58D24A3B-B76E-4ECA-B6E5-6FFEB4308626}"/>
               </a:ext>
             </a:extLst>
           </p:cNvPr>
@@ -17848,7 +20050,7 @@
           <p:cNvPr id="36" name="Forme libre 243">
             <a:extLst>
               <a:ext uri="{FF2B5EF4-FFF2-40B4-BE49-F238E27FC236}">
-                <a16:creationId xmlns="" xmlns:a16="http://schemas.microsoft.com/office/drawing/2014/main" id="{4AB5638F-F8EB-4920-AB97-631DDFE6FD07}"/>
+                <a16:creationId xmlns:a16="http://schemas.microsoft.com/office/drawing/2014/main" xmlns="" id="{4AB5638F-F8EB-4920-AB97-631DDFE6FD07}"/>
               </a:ext>
             </a:extLst>
           </p:cNvPr>
@@ -17937,7 +20139,7 @@
           <p:cNvPr id="37" name="Rectangle 36">
             <a:extLst>
               <a:ext uri="{FF2B5EF4-FFF2-40B4-BE49-F238E27FC236}">
-                <a16:creationId xmlns="" xmlns:a16="http://schemas.microsoft.com/office/drawing/2014/main" id="{8B97D65D-7384-417B-8C0E-7A4AAAD071FB}"/>
+                <a16:creationId xmlns:a16="http://schemas.microsoft.com/office/drawing/2014/main" xmlns="" id="{8B97D65D-7384-417B-8C0E-7A4AAAD071FB}"/>
               </a:ext>
             </a:extLst>
           </p:cNvPr>
@@ -18012,7 +20214,7 @@
           <p:cNvPr id="47" name="Rectangle 46">
             <a:extLst>
               <a:ext uri="{FF2B5EF4-FFF2-40B4-BE49-F238E27FC236}">
-                <a16:creationId xmlns="" xmlns:a16="http://schemas.microsoft.com/office/drawing/2014/main" id="{9CA9D085-EF5E-421F-9F26-D48686287842}"/>
+                <a16:creationId xmlns:a16="http://schemas.microsoft.com/office/drawing/2014/main" xmlns="" id="{9CA9D085-EF5E-421F-9F26-D48686287842}"/>
               </a:ext>
             </a:extLst>
           </p:cNvPr>
@@ -18075,7 +20277,7 @@
           <p:cNvPr id="48" name="Line 10">
             <a:extLst>
               <a:ext uri="{FF2B5EF4-FFF2-40B4-BE49-F238E27FC236}">
-                <a16:creationId xmlns="" xmlns:a16="http://schemas.microsoft.com/office/drawing/2014/main" id="{DCBE6125-9DB3-4463-B5D0-278EDC36CC5C}"/>
+                <a16:creationId xmlns:a16="http://schemas.microsoft.com/office/drawing/2014/main" xmlns="" id="{DCBE6125-9DB3-4463-B5D0-278EDC36CC5C}"/>
               </a:ext>
             </a:extLst>
           </p:cNvPr>
@@ -18120,7 +20322,7 @@
           <p:cNvPr id="49" name="Group 11">
             <a:extLst>
               <a:ext uri="{FF2B5EF4-FFF2-40B4-BE49-F238E27FC236}">
-                <a16:creationId xmlns="" xmlns:a16="http://schemas.microsoft.com/office/drawing/2014/main" id="{8831C526-49BD-439D-B006-BB8340A0A90D}"/>
+                <a16:creationId xmlns:a16="http://schemas.microsoft.com/office/drawing/2014/main" xmlns="" id="{8831C526-49BD-439D-B006-BB8340A0A90D}"/>
               </a:ext>
             </a:extLst>
           </p:cNvPr>
@@ -18142,7 +20344,7 @@
             <p:cNvPr id="50" name="Oval 12">
               <a:extLst>
                 <a:ext uri="{FF2B5EF4-FFF2-40B4-BE49-F238E27FC236}">
-                  <a16:creationId xmlns="" xmlns:a16="http://schemas.microsoft.com/office/drawing/2014/main" id="{C569CDF4-2C10-4D82-87BD-A60076B85D5F}"/>
+                  <a16:creationId xmlns:a16="http://schemas.microsoft.com/office/drawing/2014/main" xmlns="" id="{C569CDF4-2C10-4D82-87BD-A60076B85D5F}"/>
                 </a:ext>
               </a:extLst>
             </p:cNvPr>
@@ -18187,7 +20389,7 @@
             <p:cNvPr id="51" name="Oval 13">
               <a:extLst>
                 <a:ext uri="{FF2B5EF4-FFF2-40B4-BE49-F238E27FC236}">
-                  <a16:creationId xmlns="" xmlns:a16="http://schemas.microsoft.com/office/drawing/2014/main" id="{BC72F9AA-FF3C-4E89-9A30-3E59BCD2C03D}"/>
+                  <a16:creationId xmlns:a16="http://schemas.microsoft.com/office/drawing/2014/main" xmlns="" id="{BC72F9AA-FF3C-4E89-9A30-3E59BCD2C03D}"/>
                 </a:ext>
               </a:extLst>
             </p:cNvPr>
@@ -18233,7 +20435,7 @@
           <p:cNvPr id="52" name="Freeform 14">
             <a:extLst>
               <a:ext uri="{FF2B5EF4-FFF2-40B4-BE49-F238E27FC236}">
-                <a16:creationId xmlns="" xmlns:a16="http://schemas.microsoft.com/office/drawing/2014/main" id="{A054C7B7-5047-4D9F-899D-BE22CDB68B4E}"/>
+                <a16:creationId xmlns:a16="http://schemas.microsoft.com/office/drawing/2014/main" xmlns="" id="{A054C7B7-5047-4D9F-899D-BE22CDB68B4E}"/>
               </a:ext>
             </a:extLst>
           </p:cNvPr>
@@ -18306,7 +20508,7 @@
           <p:cNvPr id="53" name="Line 15">
             <a:extLst>
               <a:ext uri="{FF2B5EF4-FFF2-40B4-BE49-F238E27FC236}">
-                <a16:creationId xmlns="" xmlns:a16="http://schemas.microsoft.com/office/drawing/2014/main" id="{2FBB9941-C55F-45C2-9013-6F29A451A2D3}"/>
+                <a16:creationId xmlns:a16="http://schemas.microsoft.com/office/drawing/2014/main" xmlns="" id="{2FBB9941-C55F-45C2-9013-6F29A451A2D3}"/>
               </a:ext>
             </a:extLst>
           </p:cNvPr>
@@ -18351,7 +20553,7 @@
           <p:cNvPr id="54" name="Freeform 16">
             <a:extLst>
               <a:ext uri="{FF2B5EF4-FFF2-40B4-BE49-F238E27FC236}">
-                <a16:creationId xmlns="" xmlns:a16="http://schemas.microsoft.com/office/drawing/2014/main" id="{5AEB4A9B-5D92-4B75-8171-326E9DF70C1B}"/>
+                <a16:creationId xmlns:a16="http://schemas.microsoft.com/office/drawing/2014/main" xmlns="" id="{5AEB4A9B-5D92-4B75-8171-326E9DF70C1B}"/>
               </a:ext>
             </a:extLst>
           </p:cNvPr>
@@ -18433,7 +20635,7 @@
           <p:cNvPr id="55" name="Oval 18">
             <a:extLst>
               <a:ext uri="{FF2B5EF4-FFF2-40B4-BE49-F238E27FC236}">
-                <a16:creationId xmlns="" xmlns:a16="http://schemas.microsoft.com/office/drawing/2014/main" id="{545A7F01-74D2-4DE6-9706-7F69B788A2EE}"/>
+                <a16:creationId xmlns:a16="http://schemas.microsoft.com/office/drawing/2014/main" xmlns="" id="{545A7F01-74D2-4DE6-9706-7F69B788A2EE}"/>
               </a:ext>
             </a:extLst>
           </p:cNvPr>
@@ -18480,7 +20682,7 @@
           <p:cNvPr id="56" name="Rectangle 55">
             <a:extLst>
               <a:ext uri="{FF2B5EF4-FFF2-40B4-BE49-F238E27FC236}">
-                <a16:creationId xmlns="" xmlns:a16="http://schemas.microsoft.com/office/drawing/2014/main" id="{45C75543-FCF3-4B23-9BCC-84CA0A303B93}"/>
+                <a16:creationId xmlns:a16="http://schemas.microsoft.com/office/drawing/2014/main" xmlns="" id="{45C75543-FCF3-4B23-9BCC-84CA0A303B93}"/>
               </a:ext>
             </a:extLst>
           </p:cNvPr>
@@ -18543,7 +20745,7 @@
           <p:cNvPr id="57" name="Rectangle 56">
             <a:extLst>
               <a:ext uri="{FF2B5EF4-FFF2-40B4-BE49-F238E27FC236}">
-                <a16:creationId xmlns="" xmlns:a16="http://schemas.microsoft.com/office/drawing/2014/main" id="{1963E529-65C2-4264-8ED6-8E5E7F022072}"/>
+                <a16:creationId xmlns:a16="http://schemas.microsoft.com/office/drawing/2014/main" xmlns="" id="{1963E529-65C2-4264-8ED6-8E5E7F022072}"/>
               </a:ext>
             </a:extLst>
           </p:cNvPr>
@@ -18627,7 +20829,7 @@
           <p:cNvPr id="58" name="Oval 26">
             <a:extLst>
               <a:ext uri="{FF2B5EF4-FFF2-40B4-BE49-F238E27FC236}">
-                <a16:creationId xmlns="" xmlns:a16="http://schemas.microsoft.com/office/drawing/2014/main" id="{93BDD31B-A286-41D9-A985-205F35FE268A}"/>
+                <a16:creationId xmlns:a16="http://schemas.microsoft.com/office/drawing/2014/main" xmlns="" id="{93BDD31B-A286-41D9-A985-205F35FE268A}"/>
               </a:ext>
             </a:extLst>
           </p:cNvPr>
@@ -18674,7 +20876,7 @@
           <p:cNvPr id="59" name="Rectangle 58">
             <a:extLst>
               <a:ext uri="{FF2B5EF4-FFF2-40B4-BE49-F238E27FC236}">
-                <a16:creationId xmlns="" xmlns:a16="http://schemas.microsoft.com/office/drawing/2014/main" id="{0DFDC082-8D46-493A-B9BD-70946898C2AC}"/>
+                <a16:creationId xmlns:a16="http://schemas.microsoft.com/office/drawing/2014/main" xmlns="" id="{0DFDC082-8D46-493A-B9BD-70946898C2AC}"/>
               </a:ext>
             </a:extLst>
           </p:cNvPr>
@@ -18737,7 +20939,7 @@
           <p:cNvPr id="60" name="Rectangle 59">
             <a:extLst>
               <a:ext uri="{FF2B5EF4-FFF2-40B4-BE49-F238E27FC236}">
-                <a16:creationId xmlns="" xmlns:a16="http://schemas.microsoft.com/office/drawing/2014/main" id="{11B77F43-A0DB-431A-8758-7B6FA02BADAA}"/>
+                <a16:creationId xmlns:a16="http://schemas.microsoft.com/office/drawing/2014/main" xmlns="" id="{11B77F43-A0DB-431A-8758-7B6FA02BADAA}"/>
               </a:ext>
             </a:extLst>
           </p:cNvPr>
@@ -18810,7 +21012,7 @@
           <p:cNvPr id="61" name="Group 38">
             <a:extLst>
               <a:ext uri="{FF2B5EF4-FFF2-40B4-BE49-F238E27FC236}">
-                <a16:creationId xmlns="" xmlns:a16="http://schemas.microsoft.com/office/drawing/2014/main" id="{1FCD6B5B-3AC4-45C8-8356-90AE51DFEC13}"/>
+                <a16:creationId xmlns:a16="http://schemas.microsoft.com/office/drawing/2014/main" xmlns="" id="{1FCD6B5B-3AC4-45C8-8356-90AE51DFEC13}"/>
               </a:ext>
             </a:extLst>
           </p:cNvPr>
@@ -18832,7 +21034,7 @@
             <p:cNvPr id="62" name="Line 39">
               <a:extLst>
                 <a:ext uri="{FF2B5EF4-FFF2-40B4-BE49-F238E27FC236}">
-                  <a16:creationId xmlns="" xmlns:a16="http://schemas.microsoft.com/office/drawing/2014/main" id="{065CC7D8-635C-4DFE-B8BE-2987D2D138EB}"/>
+                  <a16:creationId xmlns:a16="http://schemas.microsoft.com/office/drawing/2014/main" xmlns="" id="{065CC7D8-635C-4DFE-B8BE-2987D2D138EB}"/>
                 </a:ext>
               </a:extLst>
             </p:cNvPr>
@@ -18877,7 +21079,7 @@
             <p:cNvPr id="63" name="Freeform 40">
               <a:extLst>
                 <a:ext uri="{FF2B5EF4-FFF2-40B4-BE49-F238E27FC236}">
-                  <a16:creationId xmlns="" xmlns:a16="http://schemas.microsoft.com/office/drawing/2014/main" id="{FFEB590F-0E02-4662-A801-C36C02B71693}"/>
+                  <a16:creationId xmlns:a16="http://schemas.microsoft.com/office/drawing/2014/main" xmlns="" id="{FFEB590F-0E02-4662-A801-C36C02B71693}"/>
                 </a:ext>
               </a:extLst>
             </p:cNvPr>
@@ -18960,7 +21162,7 @@
           <p:cNvPr id="64" name="Line 28">
             <a:extLst>
               <a:ext uri="{FF2B5EF4-FFF2-40B4-BE49-F238E27FC236}">
-                <a16:creationId xmlns="" xmlns:a16="http://schemas.microsoft.com/office/drawing/2014/main" id="{7489B95E-9FFD-4DD4-B1CC-079FF11C8324}"/>
+                <a16:creationId xmlns:a16="http://schemas.microsoft.com/office/drawing/2014/main" xmlns="" id="{7489B95E-9FFD-4DD4-B1CC-079FF11C8324}"/>
               </a:ext>
             </a:extLst>
           </p:cNvPr>
@@ -19005,7 +21207,7 @@
           <p:cNvPr id="67" name="Rectangle 66">
             <a:extLst>
               <a:ext uri="{FF2B5EF4-FFF2-40B4-BE49-F238E27FC236}">
-                <a16:creationId xmlns="" xmlns:a16="http://schemas.microsoft.com/office/drawing/2014/main" id="{D24B1F53-8722-4195-AF43-38E3678567C6}"/>
+                <a16:creationId xmlns:a16="http://schemas.microsoft.com/office/drawing/2014/main" xmlns="" id="{D24B1F53-8722-4195-AF43-38E3678567C6}"/>
               </a:ext>
             </a:extLst>
           </p:cNvPr>
@@ -19080,7 +21282,7 @@
           <p:cNvPr id="69" name="Freeform 16">
             <a:extLst>
               <a:ext uri="{FF2B5EF4-FFF2-40B4-BE49-F238E27FC236}">
-                <a16:creationId xmlns="" xmlns:a16="http://schemas.microsoft.com/office/drawing/2014/main" id="{E00A737B-DC1B-4BF2-9D13-4E4524E33576}"/>
+                <a16:creationId xmlns:a16="http://schemas.microsoft.com/office/drawing/2014/main" xmlns="" id="{E00A737B-DC1B-4BF2-9D13-4E4524E33576}"/>
               </a:ext>
             </a:extLst>
           </p:cNvPr>
@@ -19162,7 +21364,7 @@
           <p:cNvPr id="66" name="Groupe 65">
             <a:extLst>
               <a:ext uri="{FF2B5EF4-FFF2-40B4-BE49-F238E27FC236}">
-                <a16:creationId xmlns="" xmlns:a16="http://schemas.microsoft.com/office/drawing/2014/main" id="{2FF4A8F3-CFEE-42E7-93EA-CE98536ECB59}"/>
+                <a16:creationId xmlns:a16="http://schemas.microsoft.com/office/drawing/2014/main" xmlns="" id="{2FF4A8F3-CFEE-42E7-93EA-CE98536ECB59}"/>
               </a:ext>
             </a:extLst>
           </p:cNvPr>
@@ -19182,7 +21384,7 @@
             <p:cNvPr id="81" name="Connecteur droit 80">
               <a:extLst>
                 <a:ext uri="{FF2B5EF4-FFF2-40B4-BE49-F238E27FC236}">
-                  <a16:creationId xmlns="" xmlns:a16="http://schemas.microsoft.com/office/drawing/2014/main" id="{122C1ECB-4B42-4F0D-B7CD-9FED125970DF}"/>
+                  <a16:creationId xmlns:a16="http://schemas.microsoft.com/office/drawing/2014/main" xmlns="" id="{122C1ECB-4B42-4F0D-B7CD-9FED125970DF}"/>
                 </a:ext>
               </a:extLst>
             </p:cNvPr>
@@ -19223,7 +21425,7 @@
             <p:cNvPr id="82" name="Connecteur droit 81">
               <a:extLst>
                 <a:ext uri="{FF2B5EF4-FFF2-40B4-BE49-F238E27FC236}">
-                  <a16:creationId xmlns="" xmlns:a16="http://schemas.microsoft.com/office/drawing/2014/main" id="{F2907823-0517-4878-82F1-F1BD775B5782}"/>
+                  <a16:creationId xmlns:a16="http://schemas.microsoft.com/office/drawing/2014/main" xmlns="" id="{F2907823-0517-4878-82F1-F1BD775B5782}"/>
                 </a:ext>
               </a:extLst>
             </p:cNvPr>
@@ -19265,7 +21467,7 @@
           <p:cNvPr id="70" name="Forme libre 26">
             <a:extLst>
               <a:ext uri="{FF2B5EF4-FFF2-40B4-BE49-F238E27FC236}">
-                <a16:creationId xmlns="" xmlns:a16="http://schemas.microsoft.com/office/drawing/2014/main" id="{A4CD5BD3-EC62-40E3-8590-58A0E3DB007B}"/>
+                <a16:creationId xmlns:a16="http://schemas.microsoft.com/office/drawing/2014/main" xmlns="" id="{A4CD5BD3-EC62-40E3-8590-58A0E3DB007B}"/>
               </a:ext>
             </a:extLst>
           </p:cNvPr>
@@ -19347,7 +21549,7 @@
           <p:cNvPr id="71" name="Forme libre 27">
             <a:extLst>
               <a:ext uri="{FF2B5EF4-FFF2-40B4-BE49-F238E27FC236}">
-                <a16:creationId xmlns="" xmlns:a16="http://schemas.microsoft.com/office/drawing/2014/main" id="{27E8D6C6-3DCA-48B3-BA3D-AD4031047D45}"/>
+                <a16:creationId xmlns:a16="http://schemas.microsoft.com/office/drawing/2014/main" xmlns="" id="{27E8D6C6-3DCA-48B3-BA3D-AD4031047D45}"/>
               </a:ext>
             </a:extLst>
           </p:cNvPr>
@@ -19429,7 +21631,7 @@
           <p:cNvPr id="76" name="ZoneTexte 75">
             <a:extLst>
               <a:ext uri="{FF2B5EF4-FFF2-40B4-BE49-F238E27FC236}">
-                <a16:creationId xmlns="" xmlns:a16="http://schemas.microsoft.com/office/drawing/2014/main" id="{137BD7D8-33BF-4248-81EA-837B11BC6756}"/>
+                <a16:creationId xmlns:a16="http://schemas.microsoft.com/office/drawing/2014/main" xmlns="" id="{137BD7D8-33BF-4248-81EA-837B11BC6756}"/>
               </a:ext>
             </a:extLst>
           </p:cNvPr>
@@ -19475,7 +21677,7 @@
           <p:cNvPr id="77" name="ZoneTexte 76">
             <a:extLst>
               <a:ext uri="{FF2B5EF4-FFF2-40B4-BE49-F238E27FC236}">
-                <a16:creationId xmlns="" xmlns:a16="http://schemas.microsoft.com/office/drawing/2014/main" id="{260B8EE6-4616-4E8E-AE37-019356FCDE05}"/>
+                <a16:creationId xmlns:a16="http://schemas.microsoft.com/office/drawing/2014/main" xmlns="" id="{260B8EE6-4616-4E8E-AE37-019356FCDE05}"/>
               </a:ext>
             </a:extLst>
           </p:cNvPr>
@@ -19521,7 +21723,7 @@
           <p:cNvPr id="83" name="Forme libre 49">
             <a:extLst>
               <a:ext uri="{FF2B5EF4-FFF2-40B4-BE49-F238E27FC236}">
-                <a16:creationId xmlns="" xmlns:a16="http://schemas.microsoft.com/office/drawing/2014/main" id="{B649979B-25A2-47C5-BA0E-0FD666145F62}"/>
+                <a16:creationId xmlns:a16="http://schemas.microsoft.com/office/drawing/2014/main" xmlns="" id="{B649979B-25A2-47C5-BA0E-0FD666145F62}"/>
               </a:ext>
             </a:extLst>
           </p:cNvPr>
@@ -21903,7 +24105,7 @@
           <p:cNvPr id="68" name="Rectangle 67">
             <a:extLst>
               <a:ext uri="{FF2B5EF4-FFF2-40B4-BE49-F238E27FC236}">
-                <a16:creationId xmlns="" xmlns:a16="http://schemas.microsoft.com/office/drawing/2014/main" id="{0E6501FD-4705-4FBA-A74C-73A0A11BAB13}"/>
+                <a16:creationId xmlns:a16="http://schemas.microsoft.com/office/drawing/2014/main" xmlns="" id="{0E6501FD-4705-4FBA-A74C-73A0A11BAB13}"/>
               </a:ext>
             </a:extLst>
           </p:cNvPr>
@@ -22686,7 +24888,7 @@
     </p:spTree>
     <p:extLst>
       <p:ext uri="{BB962C8B-B14F-4D97-AF65-F5344CB8AC3E}">
-        <p14:creationId xmlns="" xmlns:p14="http://schemas.microsoft.com/office/powerpoint/2010/main" val="639009737"/>
+        <p14:creationId xmlns:p14="http://schemas.microsoft.com/office/powerpoint/2010/main" xmlns="" val="639009737"/>
       </p:ext>
     </p:extLst>
   </p:cSld>
